--- a/graduation_thesis/BIT-thesis-template-grd/figures/c3/pictures.pptx
+++ b/graduation_thesis/BIT-thesis-template-grd/figures/c3/pictures.pptx
@@ -3,17 +3,18 @@
 <p:presentation xmlns:a="http://schemas.openxmlformats.org/drawingml/2006/main" xmlns:r="http://schemas.openxmlformats.org/officeDocument/2006/relationships" xmlns:p="http://schemas.openxmlformats.org/presentationml/2006/main">
   <p:sldMasterIdLst>
     <p:sldMasterId id="2147483648" r:id="rId1"/>
-    <p:sldMasterId id="2147483660" r:id="rId3"/>
+    <p:sldMasterId id="2147483660" r:id="rId2"/>
   </p:sldMasterIdLst>
   <p:notesMasterIdLst>
-    <p:notesMasterId r:id="rId6"/>
+    <p:notesMasterId r:id="rId9"/>
   </p:notesMasterIdLst>
   <p:sldIdLst>
-    <p:sldId id="258" r:id="rId4"/>
-    <p:sldId id="256" r:id="rId5"/>
-    <p:sldId id="257" r:id="rId7"/>
-    <p:sldId id="259" r:id="rId8"/>
-    <p:sldId id="263" r:id="rId9"/>
+    <p:sldId id="258" r:id="rId3"/>
+    <p:sldId id="256" r:id="rId4"/>
+    <p:sldId id="257" r:id="rId5"/>
+    <p:sldId id="259" r:id="rId6"/>
+    <p:sldId id="263" r:id="rId7"/>
+    <p:sldId id="264" r:id="rId8"/>
   </p:sldIdLst>
   <p:sldSz cx="12192000" cy="6858000"/>
   <p:notesSz cx="6858000" cy="9144000"/>
@@ -112,6 +113,11 @@
       </a:defRPr>
     </a:lvl9pPr>
   </p:defaultTextStyle>
+  <p:extLst>
+    <p:ext uri="{EFAFB233-063F-42B5-8137-9DF3F51BA10A}">
+      <p15:sldGuideLst xmlns:p15="http://schemas.microsoft.com/office/powerpoint/2012/main"/>
+    </p:ext>
+  </p:extLst>
 </p:presentation>
 </file>
 
@@ -197,6 +203,7 @@
           <a:p>
             <a:fld id="{DFBD2350-0FC1-4CC8-9189-4554209681B9}" type="datetimeFigureOut">
               <a:rPr lang="zh-CN" altLang="en-US" smtClean="0"/>
+              <a:t>2020/3/18</a:t>
             </a:fld>
             <a:endParaRPr lang="zh-CN" altLang="en-US"/>
           </a:p>
@@ -263,7 +270,6 @@
               <a:rPr lang="zh-CN" altLang="en-US"/>
               <a:t>单击此处编辑母版文本样式</a:t>
             </a:r>
-            <a:endParaRPr lang="zh-CN" altLang="en-US"/>
           </a:p>
           <a:p>
             <a:pPr lvl="1"/>
@@ -271,7 +277,6 @@
               <a:rPr lang="zh-CN" altLang="en-US"/>
               <a:t>二级</a:t>
             </a:r>
-            <a:endParaRPr lang="zh-CN" altLang="en-US"/>
           </a:p>
           <a:p>
             <a:pPr lvl="2"/>
@@ -279,7 +284,6 @@
               <a:rPr lang="zh-CN" altLang="en-US"/>
               <a:t>三级</a:t>
             </a:r>
-            <a:endParaRPr lang="zh-CN" altLang="en-US"/>
           </a:p>
           <a:p>
             <a:pPr lvl="3"/>
@@ -287,7 +291,6 @@
               <a:rPr lang="zh-CN" altLang="en-US"/>
               <a:t>四级</a:t>
             </a:r>
-            <a:endParaRPr lang="zh-CN" altLang="en-US"/>
           </a:p>
           <a:p>
             <a:pPr lvl="4"/>
@@ -295,7 +298,6 @@
               <a:rPr lang="zh-CN" altLang="en-US"/>
               <a:t>五级</a:t>
             </a:r>
-            <a:endParaRPr lang="zh-CN" altLang="en-US"/>
           </a:p>
         </p:txBody>
       </p:sp>
@@ -359,6 +361,7 @@
           <a:p>
             <a:fld id="{E98D1734-AC31-4D58-97A3-88797159F1A6}" type="slidenum">
               <a:rPr lang="zh-CN" altLang="en-US" smtClean="0"/>
+              <a:t>‹#›</a:t>
             </a:fld>
             <a:endParaRPr lang="zh-CN" altLang="en-US"/>
           </a:p>
@@ -510,7 +513,6 @@
               <a:rPr lang="zh-CN" altLang="en-US" dirty="0"/>
               <a:t>无风条件下，低俗与空速方向一致，且大小一致。无侧滑角的条件下，地速、空速与机头方向一致。</a:t>
             </a:r>
-            <a:endParaRPr lang="zh-CN" altLang="en-US" dirty="0"/>
           </a:p>
         </p:txBody>
       </p:sp>
@@ -531,6 +533,7 @@
           <a:p>
             <a:fld id="{E98D1734-AC31-4D58-97A3-88797159F1A6}" type="slidenum">
               <a:rPr lang="zh-CN" altLang="en-US" smtClean="0"/>
+              <a:t>2</a:t>
             </a:fld>
             <a:endParaRPr lang="zh-CN" altLang="en-US"/>
           </a:p>
@@ -589,7 +592,6 @@
               <a:rPr lang="zh-CN" altLang="en-US"/>
               <a:t>单击此处编辑母版标题样式</a:t>
             </a:r>
-            <a:endParaRPr lang="zh-CN" altLang="en-US"/>
           </a:p>
         </p:txBody>
       </p:sp>
@@ -654,7 +656,6 @@
               <a:rPr lang="zh-CN" altLang="en-US"/>
               <a:t>单击此处编辑母版副标题样式</a:t>
             </a:r>
-            <a:endParaRPr lang="zh-CN" altLang="en-US"/>
           </a:p>
         </p:txBody>
       </p:sp>
@@ -675,6 +676,7 @@
           <a:p>
             <a:fld id="{259E3DFB-078C-4AE7-9CA8-4F08B7C23DED}" type="datetimeFigureOut">
               <a:rPr lang="zh-CN" altLang="en-US" smtClean="0"/>
+              <a:t>2020/3/18</a:t>
             </a:fld>
             <a:endParaRPr lang="zh-CN" altLang="en-US"/>
           </a:p>
@@ -716,6 +718,7 @@
           <a:p>
             <a:fld id="{088EE677-E7E7-4586-BBA2-02CC5190474A}" type="slidenum">
               <a:rPr lang="zh-CN" altLang="en-US" smtClean="0"/>
+              <a:t>‹#›</a:t>
             </a:fld>
             <a:endParaRPr lang="zh-CN" altLang="en-US"/>
           </a:p>
@@ -765,7 +768,6 @@
               <a:rPr lang="zh-CN" altLang="en-US"/>
               <a:t>单击此处编辑母版标题样式</a:t>
             </a:r>
-            <a:endParaRPr lang="zh-CN" altLang="en-US"/>
           </a:p>
         </p:txBody>
       </p:sp>
@@ -789,7 +791,6 @@
               <a:rPr lang="zh-CN" altLang="en-US"/>
               <a:t>单击此处编辑母版文本样式</a:t>
             </a:r>
-            <a:endParaRPr lang="zh-CN" altLang="en-US"/>
           </a:p>
           <a:p>
             <a:pPr lvl="1"/>
@@ -797,7 +798,6 @@
               <a:rPr lang="zh-CN" altLang="en-US"/>
               <a:t>二级</a:t>
             </a:r>
-            <a:endParaRPr lang="zh-CN" altLang="en-US"/>
           </a:p>
           <a:p>
             <a:pPr lvl="2"/>
@@ -805,7 +805,6 @@
               <a:rPr lang="zh-CN" altLang="en-US"/>
               <a:t>三级</a:t>
             </a:r>
-            <a:endParaRPr lang="zh-CN" altLang="en-US"/>
           </a:p>
           <a:p>
             <a:pPr lvl="3"/>
@@ -813,7 +812,6 @@
               <a:rPr lang="zh-CN" altLang="en-US"/>
               <a:t>四级</a:t>
             </a:r>
-            <a:endParaRPr lang="zh-CN" altLang="en-US"/>
           </a:p>
           <a:p>
             <a:pPr lvl="4"/>
@@ -821,7 +819,6 @@
               <a:rPr lang="zh-CN" altLang="en-US"/>
               <a:t>五级</a:t>
             </a:r>
-            <a:endParaRPr lang="zh-CN" altLang="en-US"/>
           </a:p>
         </p:txBody>
       </p:sp>
@@ -842,6 +839,7 @@
           <a:p>
             <a:fld id="{259E3DFB-078C-4AE7-9CA8-4F08B7C23DED}" type="datetimeFigureOut">
               <a:rPr lang="zh-CN" altLang="en-US" smtClean="0"/>
+              <a:t>2020/3/18</a:t>
             </a:fld>
             <a:endParaRPr lang="zh-CN" altLang="en-US"/>
           </a:p>
@@ -883,6 +881,7 @@
           <a:p>
             <a:fld id="{088EE677-E7E7-4586-BBA2-02CC5190474A}" type="slidenum">
               <a:rPr lang="zh-CN" altLang="en-US" smtClean="0"/>
+              <a:t>‹#›</a:t>
             </a:fld>
             <a:endParaRPr lang="zh-CN" altLang="en-US"/>
           </a:p>
@@ -937,7 +936,6 @@
               <a:rPr lang="zh-CN" altLang="en-US"/>
               <a:t>单击此处编辑母版标题样式</a:t>
             </a:r>
-            <a:endParaRPr lang="zh-CN" altLang="en-US"/>
           </a:p>
         </p:txBody>
       </p:sp>
@@ -966,7 +964,6 @@
               <a:rPr lang="zh-CN" altLang="en-US"/>
               <a:t>单击此处编辑母版文本样式</a:t>
             </a:r>
-            <a:endParaRPr lang="zh-CN" altLang="en-US"/>
           </a:p>
           <a:p>
             <a:pPr lvl="1"/>
@@ -974,7 +971,6 @@
               <a:rPr lang="zh-CN" altLang="en-US"/>
               <a:t>二级</a:t>
             </a:r>
-            <a:endParaRPr lang="zh-CN" altLang="en-US"/>
           </a:p>
           <a:p>
             <a:pPr lvl="2"/>
@@ -982,7 +978,6 @@
               <a:rPr lang="zh-CN" altLang="en-US"/>
               <a:t>三级</a:t>
             </a:r>
-            <a:endParaRPr lang="zh-CN" altLang="en-US"/>
           </a:p>
           <a:p>
             <a:pPr lvl="3"/>
@@ -990,7 +985,6 @@
               <a:rPr lang="zh-CN" altLang="en-US"/>
               <a:t>四级</a:t>
             </a:r>
-            <a:endParaRPr lang="zh-CN" altLang="en-US"/>
           </a:p>
           <a:p>
             <a:pPr lvl="4"/>
@@ -998,7 +992,6 @@
               <a:rPr lang="zh-CN" altLang="en-US"/>
               <a:t>五级</a:t>
             </a:r>
-            <a:endParaRPr lang="zh-CN" altLang="en-US"/>
           </a:p>
         </p:txBody>
       </p:sp>
@@ -1019,6 +1012,7 @@
           <a:p>
             <a:fld id="{259E3DFB-078C-4AE7-9CA8-4F08B7C23DED}" type="datetimeFigureOut">
               <a:rPr lang="zh-CN" altLang="en-US" smtClean="0"/>
+              <a:t>2020/3/18</a:t>
             </a:fld>
             <a:endParaRPr lang="zh-CN" altLang="en-US"/>
           </a:p>
@@ -1060,6 +1054,7 @@
           <a:p>
             <a:fld id="{088EE677-E7E7-4586-BBA2-02CC5190474A}" type="slidenum">
               <a:rPr lang="zh-CN" altLang="en-US" smtClean="0"/>
+              <a:t>‹#›</a:t>
             </a:fld>
             <a:endParaRPr lang="zh-CN" altLang="en-US"/>
           </a:p>
@@ -1118,7 +1113,6 @@
               <a:rPr lang="zh-CN" altLang="en-US"/>
               <a:t>单击此处编辑母版标题样式</a:t>
             </a:r>
-            <a:endParaRPr lang="zh-CN" altLang="en-US"/>
           </a:p>
         </p:txBody>
       </p:sp>
@@ -1183,7 +1177,6 @@
               <a:rPr lang="zh-CN" altLang="en-US"/>
               <a:t>单击此处编辑母版副标题样式</a:t>
             </a:r>
-            <a:endParaRPr lang="zh-CN" altLang="en-US"/>
           </a:p>
         </p:txBody>
       </p:sp>
@@ -1204,6 +1197,7 @@
           <a:p>
             <a:fld id="{259E3DFB-078C-4AE7-9CA8-4F08B7C23DED}" type="datetimeFigureOut">
               <a:rPr lang="zh-CN" altLang="en-US" smtClean="0"/>
+              <a:t>2020/3/18</a:t>
             </a:fld>
             <a:endParaRPr lang="zh-CN" altLang="en-US"/>
           </a:p>
@@ -1245,6 +1239,7 @@
           <a:p>
             <a:fld id="{088EE677-E7E7-4586-BBA2-02CC5190474A}" type="slidenum">
               <a:rPr lang="zh-CN" altLang="en-US" smtClean="0"/>
+              <a:t>‹#›</a:t>
             </a:fld>
             <a:endParaRPr lang="zh-CN" altLang="en-US"/>
           </a:p>
@@ -1294,7 +1289,6 @@
               <a:rPr lang="zh-CN" altLang="en-US"/>
               <a:t>单击此处编辑母版标题样式</a:t>
             </a:r>
-            <a:endParaRPr lang="zh-CN" altLang="en-US"/>
           </a:p>
         </p:txBody>
       </p:sp>
@@ -1318,7 +1312,6 @@
               <a:rPr lang="zh-CN" altLang="en-US"/>
               <a:t>单击此处编辑母版文本样式</a:t>
             </a:r>
-            <a:endParaRPr lang="zh-CN" altLang="en-US"/>
           </a:p>
           <a:p>
             <a:pPr lvl="1"/>
@@ -1326,7 +1319,6 @@
               <a:rPr lang="zh-CN" altLang="en-US"/>
               <a:t>二级</a:t>
             </a:r>
-            <a:endParaRPr lang="zh-CN" altLang="en-US"/>
           </a:p>
           <a:p>
             <a:pPr lvl="2"/>
@@ -1334,7 +1326,6 @@
               <a:rPr lang="zh-CN" altLang="en-US"/>
               <a:t>三级</a:t>
             </a:r>
-            <a:endParaRPr lang="zh-CN" altLang="en-US"/>
           </a:p>
           <a:p>
             <a:pPr lvl="3"/>
@@ -1342,7 +1333,6 @@
               <a:rPr lang="zh-CN" altLang="en-US"/>
               <a:t>四级</a:t>
             </a:r>
-            <a:endParaRPr lang="zh-CN" altLang="en-US"/>
           </a:p>
           <a:p>
             <a:pPr lvl="4"/>
@@ -1350,7 +1340,6 @@
               <a:rPr lang="zh-CN" altLang="en-US"/>
               <a:t>五级</a:t>
             </a:r>
-            <a:endParaRPr lang="zh-CN" altLang="en-US"/>
           </a:p>
         </p:txBody>
       </p:sp>
@@ -1371,6 +1360,7 @@
           <a:p>
             <a:fld id="{259E3DFB-078C-4AE7-9CA8-4F08B7C23DED}" type="datetimeFigureOut">
               <a:rPr lang="zh-CN" altLang="en-US" smtClean="0"/>
+              <a:t>2020/3/18</a:t>
             </a:fld>
             <a:endParaRPr lang="zh-CN" altLang="en-US"/>
           </a:p>
@@ -1412,6 +1402,7 @@
           <a:p>
             <a:fld id="{088EE677-E7E7-4586-BBA2-02CC5190474A}" type="slidenum">
               <a:rPr lang="zh-CN" altLang="en-US" smtClean="0"/>
+              <a:t>‹#›</a:t>
             </a:fld>
             <a:endParaRPr lang="zh-CN" altLang="en-US"/>
           </a:p>
@@ -1470,7 +1461,6 @@
               <a:rPr lang="zh-CN" altLang="en-US"/>
               <a:t>单击此处编辑母版标题样式</a:t>
             </a:r>
-            <a:endParaRPr lang="zh-CN" altLang="en-US"/>
           </a:p>
         </p:txBody>
       </p:sp>
@@ -1590,7 +1580,6 @@
               <a:rPr lang="zh-CN" altLang="en-US"/>
               <a:t>单击此处编辑母版文本样式</a:t>
             </a:r>
-            <a:endParaRPr lang="zh-CN" altLang="en-US"/>
           </a:p>
         </p:txBody>
       </p:sp>
@@ -1611,6 +1600,7 @@
           <a:p>
             <a:fld id="{259E3DFB-078C-4AE7-9CA8-4F08B7C23DED}" type="datetimeFigureOut">
               <a:rPr lang="zh-CN" altLang="en-US" smtClean="0"/>
+              <a:t>2020/3/18</a:t>
             </a:fld>
             <a:endParaRPr lang="zh-CN" altLang="en-US"/>
           </a:p>
@@ -1652,6 +1642,7 @@
           <a:p>
             <a:fld id="{088EE677-E7E7-4586-BBA2-02CC5190474A}" type="slidenum">
               <a:rPr lang="zh-CN" altLang="en-US" smtClean="0"/>
+              <a:t>‹#›</a:t>
             </a:fld>
             <a:endParaRPr lang="zh-CN" altLang="en-US"/>
           </a:p>
@@ -1701,7 +1692,6 @@
               <a:rPr lang="zh-CN" altLang="en-US"/>
               <a:t>单击此处编辑母版标题样式</a:t>
             </a:r>
-            <a:endParaRPr lang="zh-CN" altLang="en-US"/>
           </a:p>
         </p:txBody>
       </p:sp>
@@ -1730,7 +1720,6 @@
               <a:rPr lang="zh-CN" altLang="en-US"/>
               <a:t>单击此处编辑母版文本样式</a:t>
             </a:r>
-            <a:endParaRPr lang="zh-CN" altLang="en-US"/>
           </a:p>
           <a:p>
             <a:pPr lvl="1"/>
@@ -1738,7 +1727,6 @@
               <a:rPr lang="zh-CN" altLang="en-US"/>
               <a:t>二级</a:t>
             </a:r>
-            <a:endParaRPr lang="zh-CN" altLang="en-US"/>
           </a:p>
           <a:p>
             <a:pPr lvl="2"/>
@@ -1746,7 +1734,6 @@
               <a:rPr lang="zh-CN" altLang="en-US"/>
               <a:t>三级</a:t>
             </a:r>
-            <a:endParaRPr lang="zh-CN" altLang="en-US"/>
           </a:p>
           <a:p>
             <a:pPr lvl="3"/>
@@ -1754,7 +1741,6 @@
               <a:rPr lang="zh-CN" altLang="en-US"/>
               <a:t>四级</a:t>
             </a:r>
-            <a:endParaRPr lang="zh-CN" altLang="en-US"/>
           </a:p>
           <a:p>
             <a:pPr lvl="4"/>
@@ -1762,7 +1748,6 @@
               <a:rPr lang="zh-CN" altLang="en-US"/>
               <a:t>五级</a:t>
             </a:r>
-            <a:endParaRPr lang="zh-CN" altLang="en-US"/>
           </a:p>
         </p:txBody>
       </p:sp>
@@ -1791,7 +1776,6 @@
               <a:rPr lang="zh-CN" altLang="en-US"/>
               <a:t>单击此处编辑母版文本样式</a:t>
             </a:r>
-            <a:endParaRPr lang="zh-CN" altLang="en-US"/>
           </a:p>
           <a:p>
             <a:pPr lvl="1"/>
@@ -1799,7 +1783,6 @@
               <a:rPr lang="zh-CN" altLang="en-US"/>
               <a:t>二级</a:t>
             </a:r>
-            <a:endParaRPr lang="zh-CN" altLang="en-US"/>
           </a:p>
           <a:p>
             <a:pPr lvl="2"/>
@@ -1807,7 +1790,6 @@
               <a:rPr lang="zh-CN" altLang="en-US"/>
               <a:t>三级</a:t>
             </a:r>
-            <a:endParaRPr lang="zh-CN" altLang="en-US"/>
           </a:p>
           <a:p>
             <a:pPr lvl="3"/>
@@ -1815,7 +1797,6 @@
               <a:rPr lang="zh-CN" altLang="en-US"/>
               <a:t>四级</a:t>
             </a:r>
-            <a:endParaRPr lang="zh-CN" altLang="en-US"/>
           </a:p>
           <a:p>
             <a:pPr lvl="4"/>
@@ -1823,7 +1804,6 @@
               <a:rPr lang="zh-CN" altLang="en-US"/>
               <a:t>五级</a:t>
             </a:r>
-            <a:endParaRPr lang="zh-CN" altLang="en-US"/>
           </a:p>
         </p:txBody>
       </p:sp>
@@ -1844,6 +1824,7 @@
           <a:p>
             <a:fld id="{259E3DFB-078C-4AE7-9CA8-4F08B7C23DED}" type="datetimeFigureOut">
               <a:rPr lang="zh-CN" altLang="en-US" smtClean="0"/>
+              <a:t>2020/3/18</a:t>
             </a:fld>
             <a:endParaRPr lang="zh-CN" altLang="en-US"/>
           </a:p>
@@ -1885,6 +1866,7 @@
           <a:p>
             <a:fld id="{088EE677-E7E7-4586-BBA2-02CC5190474A}" type="slidenum">
               <a:rPr lang="zh-CN" altLang="en-US" smtClean="0"/>
+              <a:t>‹#›</a:t>
             </a:fld>
             <a:endParaRPr lang="zh-CN" altLang="en-US"/>
           </a:p>
@@ -1939,7 +1921,6 @@
               <a:rPr lang="zh-CN" altLang="en-US"/>
               <a:t>单击此处编辑母版标题样式</a:t>
             </a:r>
-            <a:endParaRPr lang="zh-CN" altLang="en-US"/>
           </a:p>
         </p:txBody>
       </p:sp>
@@ -2005,7 +1986,6 @@
               <a:rPr lang="zh-CN" altLang="en-US"/>
               <a:t>单击此处编辑母版文本样式</a:t>
             </a:r>
-            <a:endParaRPr lang="zh-CN" altLang="en-US"/>
           </a:p>
         </p:txBody>
       </p:sp>
@@ -2034,7 +2014,6 @@
               <a:rPr lang="zh-CN" altLang="en-US"/>
               <a:t>单击此处编辑母版文本样式</a:t>
             </a:r>
-            <a:endParaRPr lang="zh-CN" altLang="en-US"/>
           </a:p>
           <a:p>
             <a:pPr lvl="1"/>
@@ -2042,7 +2021,6 @@
               <a:rPr lang="zh-CN" altLang="en-US"/>
               <a:t>二级</a:t>
             </a:r>
-            <a:endParaRPr lang="zh-CN" altLang="en-US"/>
           </a:p>
           <a:p>
             <a:pPr lvl="2"/>
@@ -2050,7 +2028,6 @@
               <a:rPr lang="zh-CN" altLang="en-US"/>
               <a:t>三级</a:t>
             </a:r>
-            <a:endParaRPr lang="zh-CN" altLang="en-US"/>
           </a:p>
           <a:p>
             <a:pPr lvl="3"/>
@@ -2058,7 +2035,6 @@
               <a:rPr lang="zh-CN" altLang="en-US"/>
               <a:t>四级</a:t>
             </a:r>
-            <a:endParaRPr lang="zh-CN" altLang="en-US"/>
           </a:p>
           <a:p>
             <a:pPr lvl="4"/>
@@ -2066,7 +2042,6 @@
               <a:rPr lang="zh-CN" altLang="en-US"/>
               <a:t>五级</a:t>
             </a:r>
-            <a:endParaRPr lang="zh-CN" altLang="en-US"/>
           </a:p>
         </p:txBody>
       </p:sp>
@@ -2132,7 +2107,6 @@
               <a:rPr lang="zh-CN" altLang="en-US"/>
               <a:t>单击此处编辑母版文本样式</a:t>
             </a:r>
-            <a:endParaRPr lang="zh-CN" altLang="en-US"/>
           </a:p>
         </p:txBody>
       </p:sp>
@@ -2161,7 +2135,6 @@
               <a:rPr lang="zh-CN" altLang="en-US"/>
               <a:t>单击此处编辑母版文本样式</a:t>
             </a:r>
-            <a:endParaRPr lang="zh-CN" altLang="en-US"/>
           </a:p>
           <a:p>
             <a:pPr lvl="1"/>
@@ -2169,7 +2142,6 @@
               <a:rPr lang="zh-CN" altLang="en-US"/>
               <a:t>二级</a:t>
             </a:r>
-            <a:endParaRPr lang="zh-CN" altLang="en-US"/>
           </a:p>
           <a:p>
             <a:pPr lvl="2"/>
@@ -2177,7 +2149,6 @@
               <a:rPr lang="zh-CN" altLang="en-US"/>
               <a:t>三级</a:t>
             </a:r>
-            <a:endParaRPr lang="zh-CN" altLang="en-US"/>
           </a:p>
           <a:p>
             <a:pPr lvl="3"/>
@@ -2185,7 +2156,6 @@
               <a:rPr lang="zh-CN" altLang="en-US"/>
               <a:t>四级</a:t>
             </a:r>
-            <a:endParaRPr lang="zh-CN" altLang="en-US"/>
           </a:p>
           <a:p>
             <a:pPr lvl="4"/>
@@ -2193,7 +2163,6 @@
               <a:rPr lang="zh-CN" altLang="en-US"/>
               <a:t>五级</a:t>
             </a:r>
-            <a:endParaRPr lang="zh-CN" altLang="en-US"/>
           </a:p>
         </p:txBody>
       </p:sp>
@@ -2214,6 +2183,7 @@
           <a:p>
             <a:fld id="{259E3DFB-078C-4AE7-9CA8-4F08B7C23DED}" type="datetimeFigureOut">
               <a:rPr lang="zh-CN" altLang="en-US" smtClean="0"/>
+              <a:t>2020/3/18</a:t>
             </a:fld>
             <a:endParaRPr lang="zh-CN" altLang="en-US"/>
           </a:p>
@@ -2255,6 +2225,7 @@
           <a:p>
             <a:fld id="{088EE677-E7E7-4586-BBA2-02CC5190474A}" type="slidenum">
               <a:rPr lang="zh-CN" altLang="en-US" smtClean="0"/>
+              <a:t>‹#›</a:t>
             </a:fld>
             <a:endParaRPr lang="zh-CN" altLang="en-US"/>
           </a:p>
@@ -2304,7 +2275,6 @@
               <a:rPr lang="zh-CN" altLang="en-US"/>
               <a:t>单击此处编辑母版标题样式</a:t>
             </a:r>
-            <a:endParaRPr lang="zh-CN" altLang="en-US"/>
           </a:p>
         </p:txBody>
       </p:sp>
@@ -2325,6 +2295,7 @@
           <a:p>
             <a:fld id="{259E3DFB-078C-4AE7-9CA8-4F08B7C23DED}" type="datetimeFigureOut">
               <a:rPr lang="zh-CN" altLang="en-US" smtClean="0"/>
+              <a:t>2020/3/18</a:t>
             </a:fld>
             <a:endParaRPr lang="zh-CN" altLang="en-US"/>
           </a:p>
@@ -2366,6 +2337,7 @@
           <a:p>
             <a:fld id="{088EE677-E7E7-4586-BBA2-02CC5190474A}" type="slidenum">
               <a:rPr lang="zh-CN" altLang="en-US" smtClean="0"/>
+              <a:t>‹#›</a:t>
             </a:fld>
             <a:endParaRPr lang="zh-CN" altLang="en-US"/>
           </a:p>
@@ -2413,6 +2385,7 @@
           <a:p>
             <a:fld id="{259E3DFB-078C-4AE7-9CA8-4F08B7C23DED}" type="datetimeFigureOut">
               <a:rPr lang="zh-CN" altLang="en-US" smtClean="0"/>
+              <a:t>2020/3/18</a:t>
             </a:fld>
             <a:endParaRPr lang="zh-CN" altLang="en-US"/>
           </a:p>
@@ -2454,6 +2427,7 @@
           <a:p>
             <a:fld id="{088EE677-E7E7-4586-BBA2-02CC5190474A}" type="slidenum">
               <a:rPr lang="zh-CN" altLang="en-US" smtClean="0"/>
+              <a:t>‹#›</a:t>
             </a:fld>
             <a:endParaRPr lang="zh-CN" altLang="en-US"/>
           </a:p>
@@ -2512,7 +2486,6 @@
               <a:rPr lang="zh-CN" altLang="en-US"/>
               <a:t>单击此处编辑母版标题样式</a:t>
             </a:r>
-            <a:endParaRPr lang="zh-CN" altLang="en-US"/>
           </a:p>
         </p:txBody>
       </p:sp>
@@ -2569,7 +2542,6 @@
               <a:rPr lang="zh-CN" altLang="en-US"/>
               <a:t>单击此处编辑母版文本样式</a:t>
             </a:r>
-            <a:endParaRPr lang="zh-CN" altLang="en-US"/>
           </a:p>
           <a:p>
             <a:pPr lvl="1"/>
@@ -2577,7 +2549,6 @@
               <a:rPr lang="zh-CN" altLang="en-US"/>
               <a:t>二级</a:t>
             </a:r>
-            <a:endParaRPr lang="zh-CN" altLang="en-US"/>
           </a:p>
           <a:p>
             <a:pPr lvl="2"/>
@@ -2585,7 +2556,6 @@
               <a:rPr lang="zh-CN" altLang="en-US"/>
               <a:t>三级</a:t>
             </a:r>
-            <a:endParaRPr lang="zh-CN" altLang="en-US"/>
           </a:p>
           <a:p>
             <a:pPr lvl="3"/>
@@ -2593,7 +2563,6 @@
               <a:rPr lang="zh-CN" altLang="en-US"/>
               <a:t>四级</a:t>
             </a:r>
-            <a:endParaRPr lang="zh-CN" altLang="en-US"/>
           </a:p>
           <a:p>
             <a:pPr lvl="4"/>
@@ -2601,7 +2570,6 @@
               <a:rPr lang="zh-CN" altLang="en-US"/>
               <a:t>五级</a:t>
             </a:r>
-            <a:endParaRPr lang="zh-CN" altLang="en-US"/>
           </a:p>
         </p:txBody>
       </p:sp>
@@ -2667,7 +2635,6 @@
               <a:rPr lang="zh-CN" altLang="en-US"/>
               <a:t>单击此处编辑母版文本样式</a:t>
             </a:r>
-            <a:endParaRPr lang="zh-CN" altLang="en-US"/>
           </a:p>
         </p:txBody>
       </p:sp>
@@ -2688,6 +2655,7 @@
           <a:p>
             <a:fld id="{259E3DFB-078C-4AE7-9CA8-4F08B7C23DED}" type="datetimeFigureOut">
               <a:rPr lang="zh-CN" altLang="en-US" smtClean="0"/>
+              <a:t>2020/3/18</a:t>
             </a:fld>
             <a:endParaRPr lang="zh-CN" altLang="en-US"/>
           </a:p>
@@ -2729,6 +2697,7 @@
           <a:p>
             <a:fld id="{088EE677-E7E7-4586-BBA2-02CC5190474A}" type="slidenum">
               <a:rPr lang="zh-CN" altLang="en-US" smtClean="0"/>
+              <a:t>‹#›</a:t>
             </a:fld>
             <a:endParaRPr lang="zh-CN" altLang="en-US"/>
           </a:p>
@@ -2778,7 +2747,6 @@
               <a:rPr lang="zh-CN" altLang="en-US"/>
               <a:t>单击此处编辑母版标题样式</a:t>
             </a:r>
-            <a:endParaRPr lang="zh-CN" altLang="en-US"/>
           </a:p>
         </p:txBody>
       </p:sp>
@@ -2802,7 +2770,6 @@
               <a:rPr lang="zh-CN" altLang="en-US"/>
               <a:t>单击此处编辑母版文本样式</a:t>
             </a:r>
-            <a:endParaRPr lang="zh-CN" altLang="en-US"/>
           </a:p>
           <a:p>
             <a:pPr lvl="1"/>
@@ -2810,7 +2777,6 @@
               <a:rPr lang="zh-CN" altLang="en-US"/>
               <a:t>二级</a:t>
             </a:r>
-            <a:endParaRPr lang="zh-CN" altLang="en-US"/>
           </a:p>
           <a:p>
             <a:pPr lvl="2"/>
@@ -2818,7 +2784,6 @@
               <a:rPr lang="zh-CN" altLang="en-US"/>
               <a:t>三级</a:t>
             </a:r>
-            <a:endParaRPr lang="zh-CN" altLang="en-US"/>
           </a:p>
           <a:p>
             <a:pPr lvl="3"/>
@@ -2826,7 +2791,6 @@
               <a:rPr lang="zh-CN" altLang="en-US"/>
               <a:t>四级</a:t>
             </a:r>
-            <a:endParaRPr lang="zh-CN" altLang="en-US"/>
           </a:p>
           <a:p>
             <a:pPr lvl="4"/>
@@ -2834,7 +2798,6 @@
               <a:rPr lang="zh-CN" altLang="en-US"/>
               <a:t>五级</a:t>
             </a:r>
-            <a:endParaRPr lang="zh-CN" altLang="en-US"/>
           </a:p>
         </p:txBody>
       </p:sp>
@@ -2855,6 +2818,7 @@
           <a:p>
             <a:fld id="{259E3DFB-078C-4AE7-9CA8-4F08B7C23DED}" type="datetimeFigureOut">
               <a:rPr lang="zh-CN" altLang="en-US" smtClean="0"/>
+              <a:t>2020/3/18</a:t>
             </a:fld>
             <a:endParaRPr lang="zh-CN" altLang="en-US"/>
           </a:p>
@@ -2896,6 +2860,7 @@
           <a:p>
             <a:fld id="{088EE677-E7E7-4586-BBA2-02CC5190474A}" type="slidenum">
               <a:rPr lang="zh-CN" altLang="en-US" smtClean="0"/>
+              <a:t>‹#›</a:t>
             </a:fld>
             <a:endParaRPr lang="zh-CN" altLang="en-US"/>
           </a:p>
@@ -2954,7 +2919,6 @@
               <a:rPr lang="zh-CN" altLang="en-US"/>
               <a:t>单击此处编辑母版标题样式</a:t>
             </a:r>
-            <a:endParaRPr lang="zh-CN" altLang="en-US"/>
           </a:p>
         </p:txBody>
       </p:sp>
@@ -3081,7 +3045,6 @@
               <a:rPr lang="zh-CN" altLang="en-US"/>
               <a:t>单击此处编辑母版文本样式</a:t>
             </a:r>
-            <a:endParaRPr lang="zh-CN" altLang="en-US"/>
           </a:p>
         </p:txBody>
       </p:sp>
@@ -3102,6 +3065,7 @@
           <a:p>
             <a:fld id="{259E3DFB-078C-4AE7-9CA8-4F08B7C23DED}" type="datetimeFigureOut">
               <a:rPr lang="zh-CN" altLang="en-US" smtClean="0"/>
+              <a:t>2020/3/18</a:t>
             </a:fld>
             <a:endParaRPr lang="zh-CN" altLang="en-US"/>
           </a:p>
@@ -3143,6 +3107,7 @@
           <a:p>
             <a:fld id="{088EE677-E7E7-4586-BBA2-02CC5190474A}" type="slidenum">
               <a:rPr lang="zh-CN" altLang="en-US" smtClean="0"/>
+              <a:t>‹#›</a:t>
             </a:fld>
             <a:endParaRPr lang="zh-CN" altLang="en-US"/>
           </a:p>
@@ -3192,7 +3157,6 @@
               <a:rPr lang="zh-CN" altLang="en-US"/>
               <a:t>单击此处编辑母版标题样式</a:t>
             </a:r>
-            <a:endParaRPr lang="zh-CN" altLang="en-US"/>
           </a:p>
         </p:txBody>
       </p:sp>
@@ -3216,7 +3180,6 @@
               <a:rPr lang="zh-CN" altLang="en-US"/>
               <a:t>单击此处编辑母版文本样式</a:t>
             </a:r>
-            <a:endParaRPr lang="zh-CN" altLang="en-US"/>
           </a:p>
           <a:p>
             <a:pPr lvl="1"/>
@@ -3224,7 +3187,6 @@
               <a:rPr lang="zh-CN" altLang="en-US"/>
               <a:t>二级</a:t>
             </a:r>
-            <a:endParaRPr lang="zh-CN" altLang="en-US"/>
           </a:p>
           <a:p>
             <a:pPr lvl="2"/>
@@ -3232,7 +3194,6 @@
               <a:rPr lang="zh-CN" altLang="en-US"/>
               <a:t>三级</a:t>
             </a:r>
-            <a:endParaRPr lang="zh-CN" altLang="en-US"/>
           </a:p>
           <a:p>
             <a:pPr lvl="3"/>
@@ -3240,7 +3201,6 @@
               <a:rPr lang="zh-CN" altLang="en-US"/>
               <a:t>四级</a:t>
             </a:r>
-            <a:endParaRPr lang="zh-CN" altLang="en-US"/>
           </a:p>
           <a:p>
             <a:pPr lvl="4"/>
@@ -3248,7 +3208,6 @@
               <a:rPr lang="zh-CN" altLang="en-US"/>
               <a:t>五级</a:t>
             </a:r>
-            <a:endParaRPr lang="zh-CN" altLang="en-US"/>
           </a:p>
         </p:txBody>
       </p:sp>
@@ -3269,6 +3228,7 @@
           <a:p>
             <a:fld id="{259E3DFB-078C-4AE7-9CA8-4F08B7C23DED}" type="datetimeFigureOut">
               <a:rPr lang="zh-CN" altLang="en-US" smtClean="0"/>
+              <a:t>2020/3/18</a:t>
             </a:fld>
             <a:endParaRPr lang="zh-CN" altLang="en-US"/>
           </a:p>
@@ -3310,6 +3270,7 @@
           <a:p>
             <a:fld id="{088EE677-E7E7-4586-BBA2-02CC5190474A}" type="slidenum">
               <a:rPr lang="zh-CN" altLang="en-US" smtClean="0"/>
+              <a:t>‹#›</a:t>
             </a:fld>
             <a:endParaRPr lang="zh-CN" altLang="en-US"/>
           </a:p>
@@ -3364,7 +3325,6 @@
               <a:rPr lang="zh-CN" altLang="en-US"/>
               <a:t>单击此处编辑母版标题样式</a:t>
             </a:r>
-            <a:endParaRPr lang="zh-CN" altLang="en-US"/>
           </a:p>
         </p:txBody>
       </p:sp>
@@ -3393,7 +3353,6 @@
               <a:rPr lang="zh-CN" altLang="en-US"/>
               <a:t>单击此处编辑母版文本样式</a:t>
             </a:r>
-            <a:endParaRPr lang="zh-CN" altLang="en-US"/>
           </a:p>
           <a:p>
             <a:pPr lvl="1"/>
@@ -3401,7 +3360,6 @@
               <a:rPr lang="zh-CN" altLang="en-US"/>
               <a:t>二级</a:t>
             </a:r>
-            <a:endParaRPr lang="zh-CN" altLang="en-US"/>
           </a:p>
           <a:p>
             <a:pPr lvl="2"/>
@@ -3409,7 +3367,6 @@
               <a:rPr lang="zh-CN" altLang="en-US"/>
               <a:t>三级</a:t>
             </a:r>
-            <a:endParaRPr lang="zh-CN" altLang="en-US"/>
           </a:p>
           <a:p>
             <a:pPr lvl="3"/>
@@ -3417,7 +3374,6 @@
               <a:rPr lang="zh-CN" altLang="en-US"/>
               <a:t>四级</a:t>
             </a:r>
-            <a:endParaRPr lang="zh-CN" altLang="en-US"/>
           </a:p>
           <a:p>
             <a:pPr lvl="4"/>
@@ -3425,7 +3381,6 @@
               <a:rPr lang="zh-CN" altLang="en-US"/>
               <a:t>五级</a:t>
             </a:r>
-            <a:endParaRPr lang="zh-CN" altLang="en-US"/>
           </a:p>
         </p:txBody>
       </p:sp>
@@ -3446,6 +3401,7 @@
           <a:p>
             <a:fld id="{259E3DFB-078C-4AE7-9CA8-4F08B7C23DED}" type="datetimeFigureOut">
               <a:rPr lang="zh-CN" altLang="en-US" smtClean="0"/>
+              <a:t>2020/3/18</a:t>
             </a:fld>
             <a:endParaRPr lang="zh-CN" altLang="en-US"/>
           </a:p>
@@ -3487,6 +3443,7 @@
           <a:p>
             <a:fld id="{088EE677-E7E7-4586-BBA2-02CC5190474A}" type="slidenum">
               <a:rPr lang="zh-CN" altLang="en-US" smtClean="0"/>
+              <a:t>‹#›</a:t>
             </a:fld>
             <a:endParaRPr lang="zh-CN" altLang="en-US"/>
           </a:p>
@@ -3545,7 +3502,6 @@
               <a:rPr lang="zh-CN" altLang="en-US"/>
               <a:t>单击此处编辑母版标题样式</a:t>
             </a:r>
-            <a:endParaRPr lang="zh-CN" altLang="en-US"/>
           </a:p>
         </p:txBody>
       </p:sp>
@@ -3665,7 +3621,6 @@
               <a:rPr lang="zh-CN" altLang="en-US"/>
               <a:t>单击此处编辑母版文本样式</a:t>
             </a:r>
-            <a:endParaRPr lang="zh-CN" altLang="en-US"/>
           </a:p>
         </p:txBody>
       </p:sp>
@@ -3686,6 +3641,7 @@
           <a:p>
             <a:fld id="{259E3DFB-078C-4AE7-9CA8-4F08B7C23DED}" type="datetimeFigureOut">
               <a:rPr lang="zh-CN" altLang="en-US" smtClean="0"/>
+              <a:t>2020/3/18</a:t>
             </a:fld>
             <a:endParaRPr lang="zh-CN" altLang="en-US"/>
           </a:p>
@@ -3727,6 +3683,7 @@
           <a:p>
             <a:fld id="{088EE677-E7E7-4586-BBA2-02CC5190474A}" type="slidenum">
               <a:rPr lang="zh-CN" altLang="en-US" smtClean="0"/>
+              <a:t>‹#›</a:t>
             </a:fld>
             <a:endParaRPr lang="zh-CN" altLang="en-US"/>
           </a:p>
@@ -3776,7 +3733,6 @@
               <a:rPr lang="zh-CN" altLang="en-US"/>
               <a:t>单击此处编辑母版标题样式</a:t>
             </a:r>
-            <a:endParaRPr lang="zh-CN" altLang="en-US"/>
           </a:p>
         </p:txBody>
       </p:sp>
@@ -3805,7 +3761,6 @@
               <a:rPr lang="zh-CN" altLang="en-US"/>
               <a:t>单击此处编辑母版文本样式</a:t>
             </a:r>
-            <a:endParaRPr lang="zh-CN" altLang="en-US"/>
           </a:p>
           <a:p>
             <a:pPr lvl="1"/>
@@ -3813,7 +3768,6 @@
               <a:rPr lang="zh-CN" altLang="en-US"/>
               <a:t>二级</a:t>
             </a:r>
-            <a:endParaRPr lang="zh-CN" altLang="en-US"/>
           </a:p>
           <a:p>
             <a:pPr lvl="2"/>
@@ -3821,7 +3775,6 @@
               <a:rPr lang="zh-CN" altLang="en-US"/>
               <a:t>三级</a:t>
             </a:r>
-            <a:endParaRPr lang="zh-CN" altLang="en-US"/>
           </a:p>
           <a:p>
             <a:pPr lvl="3"/>
@@ -3829,7 +3782,6 @@
               <a:rPr lang="zh-CN" altLang="en-US"/>
               <a:t>四级</a:t>
             </a:r>
-            <a:endParaRPr lang="zh-CN" altLang="en-US"/>
           </a:p>
           <a:p>
             <a:pPr lvl="4"/>
@@ -3837,7 +3789,6 @@
               <a:rPr lang="zh-CN" altLang="en-US"/>
               <a:t>五级</a:t>
             </a:r>
-            <a:endParaRPr lang="zh-CN" altLang="en-US"/>
           </a:p>
         </p:txBody>
       </p:sp>
@@ -3866,7 +3817,6 @@
               <a:rPr lang="zh-CN" altLang="en-US"/>
               <a:t>单击此处编辑母版文本样式</a:t>
             </a:r>
-            <a:endParaRPr lang="zh-CN" altLang="en-US"/>
           </a:p>
           <a:p>
             <a:pPr lvl="1"/>
@@ -3874,7 +3824,6 @@
               <a:rPr lang="zh-CN" altLang="en-US"/>
               <a:t>二级</a:t>
             </a:r>
-            <a:endParaRPr lang="zh-CN" altLang="en-US"/>
           </a:p>
           <a:p>
             <a:pPr lvl="2"/>
@@ -3882,7 +3831,6 @@
               <a:rPr lang="zh-CN" altLang="en-US"/>
               <a:t>三级</a:t>
             </a:r>
-            <a:endParaRPr lang="zh-CN" altLang="en-US"/>
           </a:p>
           <a:p>
             <a:pPr lvl="3"/>
@@ -3890,7 +3838,6 @@
               <a:rPr lang="zh-CN" altLang="en-US"/>
               <a:t>四级</a:t>
             </a:r>
-            <a:endParaRPr lang="zh-CN" altLang="en-US"/>
           </a:p>
           <a:p>
             <a:pPr lvl="4"/>
@@ -3898,7 +3845,6 @@
               <a:rPr lang="zh-CN" altLang="en-US"/>
               <a:t>五级</a:t>
             </a:r>
-            <a:endParaRPr lang="zh-CN" altLang="en-US"/>
           </a:p>
         </p:txBody>
       </p:sp>
@@ -3919,6 +3865,7 @@
           <a:p>
             <a:fld id="{259E3DFB-078C-4AE7-9CA8-4F08B7C23DED}" type="datetimeFigureOut">
               <a:rPr lang="zh-CN" altLang="en-US" smtClean="0"/>
+              <a:t>2020/3/18</a:t>
             </a:fld>
             <a:endParaRPr lang="zh-CN" altLang="en-US"/>
           </a:p>
@@ -3960,6 +3907,7 @@
           <a:p>
             <a:fld id="{088EE677-E7E7-4586-BBA2-02CC5190474A}" type="slidenum">
               <a:rPr lang="zh-CN" altLang="en-US" smtClean="0"/>
+              <a:t>‹#›</a:t>
             </a:fld>
             <a:endParaRPr lang="zh-CN" altLang="en-US"/>
           </a:p>
@@ -4014,7 +3962,6 @@
               <a:rPr lang="zh-CN" altLang="en-US"/>
               <a:t>单击此处编辑母版标题样式</a:t>
             </a:r>
-            <a:endParaRPr lang="zh-CN" altLang="en-US"/>
           </a:p>
         </p:txBody>
       </p:sp>
@@ -4080,7 +4027,6 @@
               <a:rPr lang="zh-CN" altLang="en-US"/>
               <a:t>单击此处编辑母版文本样式</a:t>
             </a:r>
-            <a:endParaRPr lang="zh-CN" altLang="en-US"/>
           </a:p>
         </p:txBody>
       </p:sp>
@@ -4109,7 +4055,6 @@
               <a:rPr lang="zh-CN" altLang="en-US"/>
               <a:t>单击此处编辑母版文本样式</a:t>
             </a:r>
-            <a:endParaRPr lang="zh-CN" altLang="en-US"/>
           </a:p>
           <a:p>
             <a:pPr lvl="1"/>
@@ -4117,7 +4062,6 @@
               <a:rPr lang="zh-CN" altLang="en-US"/>
               <a:t>二级</a:t>
             </a:r>
-            <a:endParaRPr lang="zh-CN" altLang="en-US"/>
           </a:p>
           <a:p>
             <a:pPr lvl="2"/>
@@ -4125,7 +4069,6 @@
               <a:rPr lang="zh-CN" altLang="en-US"/>
               <a:t>三级</a:t>
             </a:r>
-            <a:endParaRPr lang="zh-CN" altLang="en-US"/>
           </a:p>
           <a:p>
             <a:pPr lvl="3"/>
@@ -4133,7 +4076,6 @@
               <a:rPr lang="zh-CN" altLang="en-US"/>
               <a:t>四级</a:t>
             </a:r>
-            <a:endParaRPr lang="zh-CN" altLang="en-US"/>
           </a:p>
           <a:p>
             <a:pPr lvl="4"/>
@@ -4141,7 +4083,6 @@
               <a:rPr lang="zh-CN" altLang="en-US"/>
               <a:t>五级</a:t>
             </a:r>
-            <a:endParaRPr lang="zh-CN" altLang="en-US"/>
           </a:p>
         </p:txBody>
       </p:sp>
@@ -4207,7 +4148,6 @@
               <a:rPr lang="zh-CN" altLang="en-US"/>
               <a:t>单击此处编辑母版文本样式</a:t>
             </a:r>
-            <a:endParaRPr lang="zh-CN" altLang="en-US"/>
           </a:p>
         </p:txBody>
       </p:sp>
@@ -4236,7 +4176,6 @@
               <a:rPr lang="zh-CN" altLang="en-US"/>
               <a:t>单击此处编辑母版文本样式</a:t>
             </a:r>
-            <a:endParaRPr lang="zh-CN" altLang="en-US"/>
           </a:p>
           <a:p>
             <a:pPr lvl="1"/>
@@ -4244,7 +4183,6 @@
               <a:rPr lang="zh-CN" altLang="en-US"/>
               <a:t>二级</a:t>
             </a:r>
-            <a:endParaRPr lang="zh-CN" altLang="en-US"/>
           </a:p>
           <a:p>
             <a:pPr lvl="2"/>
@@ -4252,7 +4190,6 @@
               <a:rPr lang="zh-CN" altLang="en-US"/>
               <a:t>三级</a:t>
             </a:r>
-            <a:endParaRPr lang="zh-CN" altLang="en-US"/>
           </a:p>
           <a:p>
             <a:pPr lvl="3"/>
@@ -4260,7 +4197,6 @@
               <a:rPr lang="zh-CN" altLang="en-US"/>
               <a:t>四级</a:t>
             </a:r>
-            <a:endParaRPr lang="zh-CN" altLang="en-US"/>
           </a:p>
           <a:p>
             <a:pPr lvl="4"/>
@@ -4268,7 +4204,6 @@
               <a:rPr lang="zh-CN" altLang="en-US"/>
               <a:t>五级</a:t>
             </a:r>
-            <a:endParaRPr lang="zh-CN" altLang="en-US"/>
           </a:p>
         </p:txBody>
       </p:sp>
@@ -4289,6 +4224,7 @@
           <a:p>
             <a:fld id="{259E3DFB-078C-4AE7-9CA8-4F08B7C23DED}" type="datetimeFigureOut">
               <a:rPr lang="zh-CN" altLang="en-US" smtClean="0"/>
+              <a:t>2020/3/18</a:t>
             </a:fld>
             <a:endParaRPr lang="zh-CN" altLang="en-US"/>
           </a:p>
@@ -4330,6 +4266,7 @@
           <a:p>
             <a:fld id="{088EE677-E7E7-4586-BBA2-02CC5190474A}" type="slidenum">
               <a:rPr lang="zh-CN" altLang="en-US" smtClean="0"/>
+              <a:t>‹#›</a:t>
             </a:fld>
             <a:endParaRPr lang="zh-CN" altLang="en-US"/>
           </a:p>
@@ -4379,7 +4316,6 @@
               <a:rPr lang="zh-CN" altLang="en-US"/>
               <a:t>单击此处编辑母版标题样式</a:t>
             </a:r>
-            <a:endParaRPr lang="zh-CN" altLang="en-US"/>
           </a:p>
         </p:txBody>
       </p:sp>
@@ -4400,6 +4336,7 @@
           <a:p>
             <a:fld id="{259E3DFB-078C-4AE7-9CA8-4F08B7C23DED}" type="datetimeFigureOut">
               <a:rPr lang="zh-CN" altLang="en-US" smtClean="0"/>
+              <a:t>2020/3/18</a:t>
             </a:fld>
             <a:endParaRPr lang="zh-CN" altLang="en-US"/>
           </a:p>
@@ -4441,6 +4378,7 @@
           <a:p>
             <a:fld id="{088EE677-E7E7-4586-BBA2-02CC5190474A}" type="slidenum">
               <a:rPr lang="zh-CN" altLang="en-US" smtClean="0"/>
+              <a:t>‹#›</a:t>
             </a:fld>
             <a:endParaRPr lang="zh-CN" altLang="en-US"/>
           </a:p>
@@ -4488,6 +4426,7 @@
           <a:p>
             <a:fld id="{259E3DFB-078C-4AE7-9CA8-4F08B7C23DED}" type="datetimeFigureOut">
               <a:rPr lang="zh-CN" altLang="en-US" smtClean="0"/>
+              <a:t>2020/3/18</a:t>
             </a:fld>
             <a:endParaRPr lang="zh-CN" altLang="en-US"/>
           </a:p>
@@ -4529,6 +4468,7 @@
           <a:p>
             <a:fld id="{088EE677-E7E7-4586-BBA2-02CC5190474A}" type="slidenum">
               <a:rPr lang="zh-CN" altLang="en-US" smtClean="0"/>
+              <a:t>‹#›</a:t>
             </a:fld>
             <a:endParaRPr lang="zh-CN" altLang="en-US"/>
           </a:p>
@@ -4587,7 +4527,6 @@
               <a:rPr lang="zh-CN" altLang="en-US"/>
               <a:t>单击此处编辑母版标题样式</a:t>
             </a:r>
-            <a:endParaRPr lang="zh-CN" altLang="en-US"/>
           </a:p>
         </p:txBody>
       </p:sp>
@@ -4644,7 +4583,6 @@
               <a:rPr lang="zh-CN" altLang="en-US"/>
               <a:t>单击此处编辑母版文本样式</a:t>
             </a:r>
-            <a:endParaRPr lang="zh-CN" altLang="en-US"/>
           </a:p>
           <a:p>
             <a:pPr lvl="1"/>
@@ -4652,7 +4590,6 @@
               <a:rPr lang="zh-CN" altLang="en-US"/>
               <a:t>二级</a:t>
             </a:r>
-            <a:endParaRPr lang="zh-CN" altLang="en-US"/>
           </a:p>
           <a:p>
             <a:pPr lvl="2"/>
@@ -4660,7 +4597,6 @@
               <a:rPr lang="zh-CN" altLang="en-US"/>
               <a:t>三级</a:t>
             </a:r>
-            <a:endParaRPr lang="zh-CN" altLang="en-US"/>
           </a:p>
           <a:p>
             <a:pPr lvl="3"/>
@@ -4668,7 +4604,6 @@
               <a:rPr lang="zh-CN" altLang="en-US"/>
               <a:t>四级</a:t>
             </a:r>
-            <a:endParaRPr lang="zh-CN" altLang="en-US"/>
           </a:p>
           <a:p>
             <a:pPr lvl="4"/>
@@ -4676,7 +4611,6 @@
               <a:rPr lang="zh-CN" altLang="en-US"/>
               <a:t>五级</a:t>
             </a:r>
-            <a:endParaRPr lang="zh-CN" altLang="en-US"/>
           </a:p>
         </p:txBody>
       </p:sp>
@@ -4742,7 +4676,6 @@
               <a:rPr lang="zh-CN" altLang="en-US"/>
               <a:t>单击此处编辑母版文本样式</a:t>
             </a:r>
-            <a:endParaRPr lang="zh-CN" altLang="en-US"/>
           </a:p>
         </p:txBody>
       </p:sp>
@@ -4763,6 +4696,7 @@
           <a:p>
             <a:fld id="{259E3DFB-078C-4AE7-9CA8-4F08B7C23DED}" type="datetimeFigureOut">
               <a:rPr lang="zh-CN" altLang="en-US" smtClean="0"/>
+              <a:t>2020/3/18</a:t>
             </a:fld>
             <a:endParaRPr lang="zh-CN" altLang="en-US"/>
           </a:p>
@@ -4804,6 +4738,7 @@
           <a:p>
             <a:fld id="{088EE677-E7E7-4586-BBA2-02CC5190474A}" type="slidenum">
               <a:rPr lang="zh-CN" altLang="en-US" smtClean="0"/>
+              <a:t>‹#›</a:t>
             </a:fld>
             <a:endParaRPr lang="zh-CN" altLang="en-US"/>
           </a:p>
@@ -4862,7 +4797,6 @@
               <a:rPr lang="zh-CN" altLang="en-US"/>
               <a:t>单击此处编辑母版标题样式</a:t>
             </a:r>
-            <a:endParaRPr lang="zh-CN" altLang="en-US"/>
           </a:p>
         </p:txBody>
       </p:sp>
@@ -4989,7 +4923,6 @@
               <a:rPr lang="zh-CN" altLang="en-US"/>
               <a:t>单击此处编辑母版文本样式</a:t>
             </a:r>
-            <a:endParaRPr lang="zh-CN" altLang="en-US"/>
           </a:p>
         </p:txBody>
       </p:sp>
@@ -5010,6 +4943,7 @@
           <a:p>
             <a:fld id="{259E3DFB-078C-4AE7-9CA8-4F08B7C23DED}" type="datetimeFigureOut">
               <a:rPr lang="zh-CN" altLang="en-US" smtClean="0"/>
+              <a:t>2020/3/18</a:t>
             </a:fld>
             <a:endParaRPr lang="zh-CN" altLang="en-US"/>
           </a:p>
@@ -5051,6 +4985,7 @@
           <a:p>
             <a:fld id="{088EE677-E7E7-4586-BBA2-02CC5190474A}" type="slidenum">
               <a:rPr lang="zh-CN" altLang="en-US" smtClean="0"/>
+              <a:t>‹#›</a:t>
             </a:fld>
             <a:endParaRPr lang="zh-CN" altLang="en-US"/>
           </a:p>
@@ -5115,7 +5050,6 @@
               <a:rPr lang="zh-CN" altLang="en-US"/>
               <a:t>单击此处编辑母版标题样式</a:t>
             </a:r>
-            <a:endParaRPr lang="zh-CN" altLang="en-US"/>
           </a:p>
         </p:txBody>
       </p:sp>
@@ -5149,7 +5083,6 @@
               <a:rPr lang="zh-CN" altLang="en-US"/>
               <a:t>单击此处编辑母版文本样式</a:t>
             </a:r>
-            <a:endParaRPr lang="zh-CN" altLang="en-US"/>
           </a:p>
           <a:p>
             <a:pPr lvl="1"/>
@@ -5157,7 +5090,6 @@
               <a:rPr lang="zh-CN" altLang="en-US"/>
               <a:t>二级</a:t>
             </a:r>
-            <a:endParaRPr lang="zh-CN" altLang="en-US"/>
           </a:p>
           <a:p>
             <a:pPr lvl="2"/>
@@ -5165,7 +5097,6 @@
               <a:rPr lang="zh-CN" altLang="en-US"/>
               <a:t>三级</a:t>
             </a:r>
-            <a:endParaRPr lang="zh-CN" altLang="en-US"/>
           </a:p>
           <a:p>
             <a:pPr lvl="3"/>
@@ -5173,7 +5104,6 @@
               <a:rPr lang="zh-CN" altLang="en-US"/>
               <a:t>四级</a:t>
             </a:r>
-            <a:endParaRPr lang="zh-CN" altLang="en-US"/>
           </a:p>
           <a:p>
             <a:pPr lvl="4"/>
@@ -5181,7 +5111,6 @@
               <a:rPr lang="zh-CN" altLang="en-US"/>
               <a:t>五级</a:t>
             </a:r>
-            <a:endParaRPr lang="zh-CN" altLang="en-US"/>
           </a:p>
         </p:txBody>
       </p:sp>
@@ -5220,6 +5149,7 @@
           <a:p>
             <a:fld id="{259E3DFB-078C-4AE7-9CA8-4F08B7C23DED}" type="datetimeFigureOut">
               <a:rPr lang="zh-CN" altLang="en-US" smtClean="0"/>
+              <a:t>2020/3/18</a:t>
             </a:fld>
             <a:endParaRPr lang="zh-CN" altLang="en-US"/>
           </a:p>
@@ -5297,6 +5227,7 @@
           <a:p>
             <a:fld id="{088EE677-E7E7-4586-BBA2-02CC5190474A}" type="slidenum">
               <a:rPr lang="zh-CN" altLang="en-US" smtClean="0"/>
+              <a:t>‹#›</a:t>
             </a:fld>
             <a:endParaRPr lang="zh-CN" altLang="en-US"/>
           </a:p>
@@ -5652,7 +5583,6 @@
               <a:rPr lang="zh-CN" altLang="en-US"/>
               <a:t>单击此处编辑母版标题样式</a:t>
             </a:r>
-            <a:endParaRPr lang="zh-CN" altLang="en-US"/>
           </a:p>
         </p:txBody>
       </p:sp>
@@ -5686,7 +5616,6 @@
               <a:rPr lang="zh-CN" altLang="en-US"/>
               <a:t>单击此处编辑母版文本样式</a:t>
             </a:r>
-            <a:endParaRPr lang="zh-CN" altLang="en-US"/>
           </a:p>
           <a:p>
             <a:pPr lvl="1"/>
@@ -5694,7 +5623,6 @@
               <a:rPr lang="zh-CN" altLang="en-US"/>
               <a:t>二级</a:t>
             </a:r>
-            <a:endParaRPr lang="zh-CN" altLang="en-US"/>
           </a:p>
           <a:p>
             <a:pPr lvl="2"/>
@@ -5702,7 +5630,6 @@
               <a:rPr lang="zh-CN" altLang="en-US"/>
               <a:t>三级</a:t>
             </a:r>
-            <a:endParaRPr lang="zh-CN" altLang="en-US"/>
           </a:p>
           <a:p>
             <a:pPr lvl="3"/>
@@ -5710,7 +5637,6 @@
               <a:rPr lang="zh-CN" altLang="en-US"/>
               <a:t>四级</a:t>
             </a:r>
-            <a:endParaRPr lang="zh-CN" altLang="en-US"/>
           </a:p>
           <a:p>
             <a:pPr lvl="4"/>
@@ -5718,7 +5644,6 @@
               <a:rPr lang="zh-CN" altLang="en-US"/>
               <a:t>五级</a:t>
             </a:r>
-            <a:endParaRPr lang="zh-CN" altLang="en-US"/>
           </a:p>
         </p:txBody>
       </p:sp>
@@ -5757,6 +5682,7 @@
           <a:p>
             <a:fld id="{259E3DFB-078C-4AE7-9CA8-4F08B7C23DED}" type="datetimeFigureOut">
               <a:rPr lang="zh-CN" altLang="en-US" smtClean="0"/>
+              <a:t>2020/3/18</a:t>
             </a:fld>
             <a:endParaRPr lang="zh-CN" altLang="en-US"/>
           </a:p>
@@ -5834,6 +5760,7 @@
           <a:p>
             <a:fld id="{088EE677-E7E7-4586-BBA2-02CC5190474A}" type="slidenum">
               <a:rPr lang="zh-CN" altLang="en-US" smtClean="0"/>
+              <a:t>‹#›</a:t>
             </a:fld>
             <a:endParaRPr lang="zh-CN" altLang="en-US"/>
           </a:p>
@@ -6204,13 +6131,6 @@
               </a:rPr>
               <a:t>六自由度刚体</a:t>
             </a:r>
-            <a:endParaRPr lang="zh-CN" altLang="en-US" sz="800" dirty="0">
-              <a:solidFill>
-                <a:schemeClr val="tx1"/>
-              </a:solidFill>
-              <a:latin typeface="宋体" panose="02010600030101010101" pitchFamily="2" charset="-122"/>
-              <a:ea typeface="宋体" panose="02010600030101010101" pitchFamily="2" charset="-122"/>
-            </a:endParaRPr>
           </a:p>
         </p:txBody>
       </p:sp>
@@ -6263,13 +6183,6 @@
               </a:rPr>
               <a:t>空气动力学</a:t>
             </a:r>
-            <a:endParaRPr lang="zh-CN" altLang="en-US" sz="800" dirty="0">
-              <a:solidFill>
-                <a:schemeClr val="tx1"/>
-              </a:solidFill>
-              <a:latin typeface="宋体" panose="02010600030101010101" pitchFamily="2" charset="-122"/>
-              <a:ea typeface="宋体" panose="02010600030101010101" pitchFamily="2" charset="-122"/>
-            </a:endParaRPr>
           </a:p>
         </p:txBody>
       </p:sp>
@@ -6322,13 +6235,6 @@
               </a:rPr>
               <a:t>执行器</a:t>
             </a:r>
-            <a:endParaRPr lang="zh-CN" altLang="en-US" sz="800" dirty="0">
-              <a:solidFill>
-                <a:schemeClr val="tx1"/>
-              </a:solidFill>
-              <a:latin typeface="宋体" panose="02010600030101010101" pitchFamily="2" charset="-122"/>
-              <a:ea typeface="宋体" panose="02010600030101010101" pitchFamily="2" charset="-122"/>
-            </a:endParaRPr>
           </a:p>
         </p:txBody>
       </p:sp>
@@ -6381,13 +6287,6 @@
               </a:rPr>
               <a:t>姿态驾驶仪</a:t>
             </a:r>
-            <a:endParaRPr lang="zh-CN" altLang="en-US" sz="800" dirty="0">
-              <a:solidFill>
-                <a:schemeClr val="tx1"/>
-              </a:solidFill>
-              <a:latin typeface="宋体" panose="02010600030101010101" pitchFamily="2" charset="-122"/>
-              <a:ea typeface="宋体" panose="02010600030101010101" pitchFamily="2" charset="-122"/>
-            </a:endParaRPr>
           </a:p>
         </p:txBody>
       </p:sp>
@@ -6440,13 +6339,6 @@
               </a:rPr>
               <a:t>编队控制器</a:t>
             </a:r>
-            <a:endParaRPr lang="zh-CN" altLang="en-US" sz="800" dirty="0">
-              <a:solidFill>
-                <a:schemeClr val="tx1"/>
-              </a:solidFill>
-              <a:latin typeface="宋体" panose="02010600030101010101" pitchFamily="2" charset="-122"/>
-              <a:ea typeface="宋体" panose="02010600030101010101" pitchFamily="2" charset="-122"/>
-            </a:endParaRPr>
           </a:p>
         </p:txBody>
       </p:sp>
@@ -6499,13 +6391,6 @@
               </a:rPr>
               <a:t>运动学方程</a:t>
             </a:r>
-            <a:endParaRPr lang="zh-CN" altLang="en-US" sz="800" dirty="0">
-              <a:solidFill>
-                <a:schemeClr val="tx1"/>
-              </a:solidFill>
-              <a:latin typeface="宋体" panose="02010600030101010101" pitchFamily="2" charset="-122"/>
-              <a:ea typeface="宋体" panose="02010600030101010101" pitchFamily="2" charset="-122"/>
-            </a:endParaRPr>
           </a:p>
         </p:txBody>
       </p:sp>
@@ -6718,12 +6603,12 @@
           <a:graphicData uri="http://schemas.openxmlformats.org/presentationml/2006/ole">
             <mc:AlternateContent xmlns:mc="http://schemas.openxmlformats.org/markup-compatibility/2006">
               <mc:Choice xmlns:v="urn:schemas-microsoft-com:vml" Requires="v">
-                <p:oleObj spid="_x0000_s6175" name="Equation" r:id="rId1" imgW="6400800" imgH="4572000" progId="Equation.DSMT4">
+                <p:oleObj spid="_x0000_s6261" name="Equation" r:id="rId3" imgW="6400800" imgH="4572000" progId="Equation.DSMT4">
                   <p:embed/>
                 </p:oleObj>
               </mc:Choice>
               <mc:Fallback>
-                <p:oleObj name="Equation" r:id="rId1" imgW="6400800" imgH="4572000" progId="Equation.DSMT4">
+                <p:oleObj name="Equation" r:id="rId3" imgW="6400800" imgH="4572000" progId="Equation.DSMT4">
                   <p:embed/>
                   <p:pic>
                     <p:nvPicPr>
@@ -6732,7 +6617,7 @@
                       <p:nvPr/>
                     </p:nvPicPr>
                     <p:blipFill>
-                      <a:blip r:embed="rId2"/>
+                      <a:blip r:embed="rId4"/>
                       <a:stretch>
                         <a:fillRect/>
                       </a:stretch>
@@ -6769,12 +6654,12 @@
           <a:graphicData uri="http://schemas.openxmlformats.org/presentationml/2006/ole">
             <mc:AlternateContent xmlns:mc="http://schemas.openxmlformats.org/markup-compatibility/2006">
               <mc:Choice xmlns:v="urn:schemas-microsoft-com:vml" Requires="v">
-                <p:oleObj spid="_x0000_s6176" name="Equation" r:id="rId3" imgW="23774400" imgH="6705600" progId="Equation.DSMT4">
+                <p:oleObj spid="_x0000_s6262" name="Equation" r:id="rId5" imgW="23774400" imgH="6705600" progId="Equation.DSMT4">
                   <p:embed/>
                 </p:oleObj>
               </mc:Choice>
               <mc:Fallback>
-                <p:oleObj name="Equation" r:id="rId3" imgW="23774400" imgH="6705600" progId="Equation.DSMT4">
+                <p:oleObj name="Equation" r:id="rId5" imgW="23774400" imgH="6705600" progId="Equation.DSMT4">
                   <p:embed/>
                   <p:pic>
                     <p:nvPicPr>
@@ -6783,7 +6668,7 @@
                       <p:nvPr/>
                     </p:nvPicPr>
                     <p:blipFill>
-                      <a:blip r:embed="rId4"/>
+                      <a:blip r:embed="rId6"/>
                       <a:stretch>
                         <a:fillRect/>
                       </a:stretch>
@@ -6930,12 +6815,12 @@
           <a:graphicData uri="http://schemas.openxmlformats.org/presentationml/2006/ole">
             <mc:AlternateContent xmlns:mc="http://schemas.openxmlformats.org/markup-compatibility/2006">
               <mc:Choice xmlns:v="urn:schemas-microsoft-com:vml" Requires="v">
-                <p:oleObj spid="_x0000_s6177" name="Equation" r:id="rId5" imgW="16459200" imgH="6705600" progId="Equation.DSMT4">
+                <p:oleObj spid="_x0000_s6263" name="Equation" r:id="rId7" imgW="16459200" imgH="6705600" progId="Equation.DSMT4">
                   <p:embed/>
                 </p:oleObj>
               </mc:Choice>
               <mc:Fallback>
-                <p:oleObj name="Equation" r:id="rId5" imgW="16459200" imgH="6705600" progId="Equation.DSMT4">
+                <p:oleObj name="Equation" r:id="rId7" imgW="16459200" imgH="6705600" progId="Equation.DSMT4">
                   <p:embed/>
                   <p:pic>
                     <p:nvPicPr>
@@ -6944,7 +6829,7 @@
                       <p:nvPr/>
                     </p:nvPicPr>
                     <p:blipFill>
-                      <a:blip r:embed="rId6"/>
+                      <a:blip r:embed="rId8"/>
                       <a:stretch>
                         <a:fillRect/>
                       </a:stretch>
@@ -6981,12 +6866,12 @@
           <a:graphicData uri="http://schemas.openxmlformats.org/presentationml/2006/ole">
             <mc:AlternateContent xmlns:mc="http://schemas.openxmlformats.org/markup-compatibility/2006">
               <mc:Choice xmlns:v="urn:schemas-microsoft-com:vml" Requires="v">
-                <p:oleObj spid="_x0000_s6178" name="Equation" r:id="rId7" imgW="4876800" imgH="4876800" progId="Equation.DSMT4">
+                <p:oleObj spid="_x0000_s6264" name="Equation" r:id="rId9" imgW="4876800" imgH="4876800" progId="Equation.DSMT4">
                   <p:embed/>
                 </p:oleObj>
               </mc:Choice>
               <mc:Fallback>
-                <p:oleObj name="Equation" r:id="rId7" imgW="4876800" imgH="4876800" progId="Equation.DSMT4">
+                <p:oleObj name="Equation" r:id="rId9" imgW="4876800" imgH="4876800" progId="Equation.DSMT4">
                   <p:embed/>
                   <p:pic>
                     <p:nvPicPr>
@@ -6995,7 +6880,7 @@
                       <p:nvPr/>
                     </p:nvPicPr>
                     <p:blipFill>
-                      <a:blip r:embed="rId8"/>
+                      <a:blip r:embed="rId10"/>
                       <a:stretch>
                         <a:fillRect/>
                       </a:stretch>
@@ -7032,12 +6917,12 @@
           <a:graphicData uri="http://schemas.openxmlformats.org/presentationml/2006/ole">
             <mc:AlternateContent xmlns:mc="http://schemas.openxmlformats.org/markup-compatibility/2006">
               <mc:Choice xmlns:v="urn:schemas-microsoft-com:vml" Requires="v">
-                <p:oleObj spid="_x0000_s6179" name="Equation" r:id="rId9" imgW="3962400" imgH="4876800" progId="Equation.DSMT4">
+                <p:oleObj spid="_x0000_s6265" name="Equation" r:id="rId11" imgW="3962400" imgH="4876800" progId="Equation.DSMT4">
                   <p:embed/>
                 </p:oleObj>
               </mc:Choice>
               <mc:Fallback>
-                <p:oleObj name="Equation" r:id="rId9" imgW="3962400" imgH="4876800" progId="Equation.DSMT4">
+                <p:oleObj name="Equation" r:id="rId11" imgW="3962400" imgH="4876800" progId="Equation.DSMT4">
                   <p:embed/>
                   <p:pic>
                     <p:nvPicPr>
@@ -7046,7 +6931,7 @@
                       <p:nvPr/>
                     </p:nvPicPr>
                     <p:blipFill>
-                      <a:blip r:embed="rId10"/>
+                      <a:blip r:embed="rId12"/>
                       <a:stretch>
                         <a:fillRect/>
                       </a:stretch>
@@ -7083,12 +6968,12 @@
           <a:graphicData uri="http://schemas.openxmlformats.org/presentationml/2006/ole">
             <mc:AlternateContent xmlns:mc="http://schemas.openxmlformats.org/markup-compatibility/2006">
               <mc:Choice xmlns:v="urn:schemas-microsoft-com:vml" Requires="v">
-                <p:oleObj spid="_x0000_s6180" name="Equation" r:id="rId11" imgW="14020800" imgH="6096000" progId="Equation.DSMT4">
+                <p:oleObj spid="_x0000_s6266" name="Equation" r:id="rId13" imgW="14020800" imgH="6096000" progId="Equation.DSMT4">
                   <p:embed/>
                 </p:oleObj>
               </mc:Choice>
               <mc:Fallback>
-                <p:oleObj name="Equation" r:id="rId11" imgW="14020800" imgH="6096000" progId="Equation.DSMT4">
+                <p:oleObj name="Equation" r:id="rId13" imgW="14020800" imgH="6096000" progId="Equation.DSMT4">
                   <p:embed/>
                   <p:pic>
                     <p:nvPicPr>
@@ -7097,7 +6982,7 @@
                       <p:nvPr/>
                     </p:nvPicPr>
                     <p:blipFill>
-                      <a:blip r:embed="rId12"/>
+                      <a:blip r:embed="rId14"/>
                       <a:stretch>
                         <a:fillRect/>
                       </a:stretch>
@@ -7134,12 +7019,12 @@
           <a:graphicData uri="http://schemas.openxmlformats.org/presentationml/2006/ole">
             <mc:AlternateContent xmlns:mc="http://schemas.openxmlformats.org/markup-compatibility/2006">
               <mc:Choice xmlns:v="urn:schemas-microsoft-com:vml" Requires="v">
-                <p:oleObj spid="_x0000_s6181" name="Equation" r:id="rId13" imgW="38100000" imgH="4876800" progId="Equation.DSMT4">
+                <p:oleObj spid="_x0000_s6267" name="Equation" r:id="rId15" imgW="38100000" imgH="4876800" progId="Equation.DSMT4">
                   <p:embed/>
                 </p:oleObj>
               </mc:Choice>
               <mc:Fallback>
-                <p:oleObj name="Equation" r:id="rId13" imgW="38100000" imgH="4876800" progId="Equation.DSMT4">
+                <p:oleObj name="Equation" r:id="rId15" imgW="38100000" imgH="4876800" progId="Equation.DSMT4">
                   <p:embed/>
                   <p:pic>
                     <p:nvPicPr>
@@ -7148,7 +7033,7 @@
                       <p:nvPr/>
                     </p:nvPicPr>
                     <p:blipFill>
-                      <a:blip r:embed="rId14"/>
+                      <a:blip r:embed="rId16"/>
                       <a:stretch>
                         <a:fillRect/>
                       </a:stretch>
@@ -7203,7 +7088,7 @@
           <p:nvPr/>
         </p:nvPicPr>
         <p:blipFill>
-          <a:blip r:embed="rId1">
+          <a:blip r:embed="rId4" cstate="print">
             <a:extLst>
               <a:ext uri="{28A0092B-C50C-407E-A947-70E740481C1C}">
                 <a14:useLocalDpi xmlns:a14="http://schemas.microsoft.com/office/drawing/2010/main" val="0"/>
@@ -7314,12 +7199,12 @@
           <a:graphicData uri="http://schemas.openxmlformats.org/presentationml/2006/ole">
             <mc:AlternateContent xmlns:mc="http://schemas.openxmlformats.org/markup-compatibility/2006">
               <mc:Choice xmlns:v="urn:schemas-microsoft-com:vml" Requires="v">
-                <p:oleObj spid="_x0000_s5391" name="Equation" r:id="rId2" imgW="5791200" imgH="4876800" progId="Equation.DSMT4">
+                <p:oleObj spid="_x0000_s5729" name="Equation" r:id="rId5" imgW="5791200" imgH="4876800" progId="Equation.DSMT4">
                   <p:embed/>
                 </p:oleObj>
               </mc:Choice>
               <mc:Fallback>
-                <p:oleObj name="Equation" r:id="rId2" imgW="5791200" imgH="4876800" progId="Equation.DSMT4">
+                <p:oleObj name="Equation" r:id="rId5" imgW="5791200" imgH="4876800" progId="Equation.DSMT4">
                   <p:embed/>
                   <p:pic>
                     <p:nvPicPr>
@@ -7328,7 +7213,7 @@
                       <p:nvPr/>
                     </p:nvPicPr>
                     <p:blipFill>
-                      <a:blip r:embed="rId3"/>
+                      <a:blip r:embed="rId6"/>
                       <a:stretch>
                         <a:fillRect/>
                       </a:stretch>
@@ -7365,12 +7250,12 @@
           <a:graphicData uri="http://schemas.openxmlformats.org/presentationml/2006/ole">
             <mc:AlternateContent xmlns:mc="http://schemas.openxmlformats.org/markup-compatibility/2006">
               <mc:Choice xmlns:v="urn:schemas-microsoft-com:vml" Requires="v">
-                <p:oleObj spid="_x0000_s5392" name="Equation" r:id="rId4" imgW="5486400" imgH="4572000" progId="Equation.DSMT4">
+                <p:oleObj spid="_x0000_s5730" name="Equation" r:id="rId7" imgW="5486400" imgH="4572000" progId="Equation.DSMT4">
                   <p:embed/>
                 </p:oleObj>
               </mc:Choice>
               <mc:Fallback>
-                <p:oleObj name="Equation" r:id="rId4" imgW="5486400" imgH="4572000" progId="Equation.DSMT4">
+                <p:oleObj name="Equation" r:id="rId7" imgW="5486400" imgH="4572000" progId="Equation.DSMT4">
                   <p:embed/>
                   <p:pic>
                     <p:nvPicPr>
@@ -7379,7 +7264,7 @@
                       <p:nvPr/>
                     </p:nvPicPr>
                     <p:blipFill>
-                      <a:blip r:embed="rId5"/>
+                      <a:blip r:embed="rId8"/>
                       <a:stretch>
                         <a:fillRect/>
                       </a:stretch>
@@ -7447,7 +7332,7 @@
           <p:nvPr/>
         </p:nvPicPr>
         <p:blipFill>
-          <a:blip r:embed="rId1">
+          <a:blip r:embed="rId4" cstate="print">
             <a:extLst>
               <a:ext uri="{28A0092B-C50C-407E-A947-70E740481C1C}">
                 <a14:useLocalDpi xmlns:a14="http://schemas.microsoft.com/office/drawing/2010/main" val="0"/>
@@ -7522,12 +7407,12 @@
           <a:graphicData uri="http://schemas.openxmlformats.org/presentationml/2006/ole">
             <mc:AlternateContent xmlns:mc="http://schemas.openxmlformats.org/markup-compatibility/2006">
               <mc:Choice xmlns:v="urn:schemas-microsoft-com:vml" Requires="v">
-                <p:oleObj spid="_x0000_s5393" name="Equation" r:id="rId6" imgW="10668000" imgH="4267200" progId="Equation.DSMT4">
+                <p:oleObj spid="_x0000_s5731" name="Equation" r:id="rId9" imgW="10668000" imgH="4267200" progId="Equation.DSMT4">
                   <p:embed/>
                 </p:oleObj>
               </mc:Choice>
               <mc:Fallback>
-                <p:oleObj name="Equation" r:id="rId6" imgW="10668000" imgH="4267200" progId="Equation.DSMT4">
+                <p:oleObj name="Equation" r:id="rId9" imgW="10668000" imgH="4267200" progId="Equation.DSMT4">
                   <p:embed/>
                   <p:pic>
                     <p:nvPicPr>
@@ -7536,7 +7421,7 @@
                       <p:nvPr/>
                     </p:nvPicPr>
                     <p:blipFill>
-                      <a:blip r:embed="rId7"/>
+                      <a:blip r:embed="rId10"/>
                       <a:stretch>
                         <a:fillRect/>
                       </a:stretch>
@@ -7573,12 +7458,12 @@
           <a:graphicData uri="http://schemas.openxmlformats.org/presentationml/2006/ole">
             <mc:AlternateContent xmlns:mc="http://schemas.openxmlformats.org/markup-compatibility/2006">
               <mc:Choice xmlns:v="urn:schemas-microsoft-com:vml" Requires="v">
-                <p:oleObj spid="_x0000_s5394" name="Equation" r:id="rId8" imgW="14325600" imgH="4876800" progId="Equation.DSMT4">
+                <p:oleObj spid="_x0000_s5732" name="Equation" r:id="rId11" imgW="14325600" imgH="4876800" progId="Equation.DSMT4">
                   <p:embed/>
                 </p:oleObj>
               </mc:Choice>
               <mc:Fallback>
-                <p:oleObj name="Equation" r:id="rId8" imgW="14325600" imgH="4876800" progId="Equation.DSMT4">
+                <p:oleObj name="Equation" r:id="rId11" imgW="14325600" imgH="4876800" progId="Equation.DSMT4">
                   <p:embed/>
                   <p:pic>
                     <p:nvPicPr>
@@ -7587,7 +7472,7 @@
                       <p:nvPr/>
                     </p:nvPicPr>
                     <p:blipFill>
-                      <a:blip r:embed="rId9"/>
+                      <a:blip r:embed="rId12"/>
                       <a:stretch>
                         <a:fillRect/>
                       </a:stretch>
@@ -7617,7 +7502,7 @@
           <p:nvPr/>
         </p:nvPicPr>
         <p:blipFill>
-          <a:blip r:embed="rId1">
+          <a:blip r:embed="rId4" cstate="print">
             <a:lum bright="70000" contrast="-70000"/>
             <a:extLst>
               <a:ext uri="{28A0092B-C50C-407E-A947-70E740481C1C}">
@@ -7837,12 +7722,12 @@
           <a:graphicData uri="http://schemas.openxmlformats.org/presentationml/2006/ole">
             <mc:AlternateContent xmlns:mc="http://schemas.openxmlformats.org/markup-compatibility/2006">
               <mc:Choice xmlns:v="urn:schemas-microsoft-com:vml" Requires="v">
-                <p:oleObj spid="_x0000_s5395" name="Equation" r:id="rId10" imgW="27736800" imgH="4876800" progId="Equation.DSMT4">
+                <p:oleObj spid="_x0000_s5733" name="Equation" r:id="rId13" imgW="27736800" imgH="4876800" progId="Equation.DSMT4">
                   <p:embed/>
                 </p:oleObj>
               </mc:Choice>
               <mc:Fallback>
-                <p:oleObj name="Equation" r:id="rId10" imgW="27736800" imgH="4876800" progId="Equation.DSMT4">
+                <p:oleObj name="Equation" r:id="rId13" imgW="27736800" imgH="4876800" progId="Equation.DSMT4">
                   <p:embed/>
                   <p:pic>
                     <p:nvPicPr>
@@ -7851,7 +7736,7 @@
                       <p:nvPr/>
                     </p:nvPicPr>
                     <p:blipFill>
-                      <a:blip r:embed="rId11"/>
+                      <a:blip r:embed="rId14"/>
                       <a:stretch>
                         <a:fillRect/>
                       </a:stretch>
@@ -7888,12 +7773,12 @@
           <a:graphicData uri="http://schemas.openxmlformats.org/presentationml/2006/ole">
             <mc:AlternateContent xmlns:mc="http://schemas.openxmlformats.org/markup-compatibility/2006">
               <mc:Choice xmlns:v="urn:schemas-microsoft-com:vml" Requires="v">
-                <p:oleObj spid="_x0000_s5396" name="Equation" r:id="rId12" imgW="4876800" imgH="4876800" progId="Equation.DSMT4">
+                <p:oleObj spid="_x0000_s5734" name="Equation" r:id="rId15" imgW="4876800" imgH="4876800" progId="Equation.DSMT4">
                   <p:embed/>
                 </p:oleObj>
               </mc:Choice>
               <mc:Fallback>
-                <p:oleObj name="Equation" r:id="rId12" imgW="4876800" imgH="4876800" progId="Equation.DSMT4">
+                <p:oleObj name="Equation" r:id="rId15" imgW="4876800" imgH="4876800" progId="Equation.DSMT4">
                   <p:embed/>
                   <p:pic>
                     <p:nvPicPr>
@@ -7902,7 +7787,7 @@
                       <p:nvPr/>
                     </p:nvPicPr>
                     <p:blipFill>
-                      <a:blip r:embed="rId13"/>
+                      <a:blip r:embed="rId16"/>
                       <a:stretch>
                         <a:fillRect/>
                       </a:stretch>
@@ -7939,12 +7824,12 @@
           <a:graphicData uri="http://schemas.openxmlformats.org/presentationml/2006/ole">
             <mc:AlternateContent xmlns:mc="http://schemas.openxmlformats.org/markup-compatibility/2006">
               <mc:Choice xmlns:v="urn:schemas-microsoft-com:vml" Requires="v">
-                <p:oleObj spid="_x0000_s5397" name="Equation" r:id="rId14" imgW="4572000" imgH="4572000" progId="Equation.DSMT4">
+                <p:oleObj spid="_x0000_s5735" name="Equation" r:id="rId17" imgW="4572000" imgH="4572000" progId="Equation.DSMT4">
                   <p:embed/>
                 </p:oleObj>
               </mc:Choice>
               <mc:Fallback>
-                <p:oleObj name="Equation" r:id="rId14" imgW="4572000" imgH="4572000" progId="Equation.DSMT4">
+                <p:oleObj name="Equation" r:id="rId17" imgW="4572000" imgH="4572000" progId="Equation.DSMT4">
                   <p:embed/>
                   <p:pic>
                     <p:nvPicPr>
@@ -7953,7 +7838,7 @@
                       <p:nvPr/>
                     </p:nvPicPr>
                     <p:blipFill>
-                      <a:blip r:embed="rId15"/>
+                      <a:blip r:embed="rId18"/>
                       <a:stretch>
                         <a:fillRect/>
                       </a:stretch>
@@ -7990,12 +7875,12 @@
           <a:graphicData uri="http://schemas.openxmlformats.org/presentationml/2006/ole">
             <mc:AlternateContent xmlns:mc="http://schemas.openxmlformats.org/markup-compatibility/2006">
               <mc:Choice xmlns:v="urn:schemas-microsoft-com:vml" Requires="v">
-                <p:oleObj spid="_x0000_s5398" name="Equation" r:id="rId16" imgW="7010400" imgH="5791200" progId="Equation.DSMT4">
+                <p:oleObj spid="_x0000_s5736" name="Equation" r:id="rId19" imgW="7010400" imgH="5791200" progId="Equation.DSMT4">
                   <p:embed/>
                 </p:oleObj>
               </mc:Choice>
               <mc:Fallback>
-                <p:oleObj name="Equation" r:id="rId16" imgW="7010400" imgH="5791200" progId="Equation.DSMT4">
+                <p:oleObj name="Equation" r:id="rId19" imgW="7010400" imgH="5791200" progId="Equation.DSMT4">
                   <p:embed/>
                   <p:pic>
                     <p:nvPicPr>
@@ -8004,7 +7889,7 @@
                       <p:nvPr/>
                     </p:nvPicPr>
                     <p:blipFill>
-                      <a:blip r:embed="rId17"/>
+                      <a:blip r:embed="rId20"/>
                       <a:stretch>
                         <a:fillRect/>
                       </a:stretch>
@@ -8041,12 +7926,12 @@
           <a:graphicData uri="http://schemas.openxmlformats.org/presentationml/2006/ole">
             <mc:AlternateContent xmlns:mc="http://schemas.openxmlformats.org/markup-compatibility/2006">
               <mc:Choice xmlns:v="urn:schemas-microsoft-com:vml" Requires="v">
-                <p:oleObj spid="_x0000_s5399" name="Equation" r:id="rId18" imgW="7010400" imgH="5791200" progId="Equation.DSMT4">
+                <p:oleObj spid="_x0000_s5737" name="Equation" r:id="rId21" imgW="7010400" imgH="5791200" progId="Equation.DSMT4">
                   <p:embed/>
                 </p:oleObj>
               </mc:Choice>
               <mc:Fallback>
-                <p:oleObj name="Equation" r:id="rId18" imgW="7010400" imgH="5791200" progId="Equation.DSMT4">
+                <p:oleObj name="Equation" r:id="rId21" imgW="7010400" imgH="5791200" progId="Equation.DSMT4">
                   <p:embed/>
                   <p:pic>
                     <p:nvPicPr>
@@ -8055,7 +7940,7 @@
                       <p:nvPr/>
                     </p:nvPicPr>
                     <p:blipFill>
-                      <a:blip r:embed="rId19"/>
+                      <a:blip r:embed="rId22"/>
                       <a:stretch>
                         <a:fillRect/>
                       </a:stretch>
@@ -8092,12 +7977,12 @@
           <a:graphicData uri="http://schemas.openxmlformats.org/presentationml/2006/ole">
             <mc:AlternateContent xmlns:mc="http://schemas.openxmlformats.org/markup-compatibility/2006">
               <mc:Choice xmlns:v="urn:schemas-microsoft-com:vml" Requires="v">
-                <p:oleObj spid="_x0000_s5400" name="Equation" r:id="rId20" imgW="6400800" imgH="5791200" progId="Equation.DSMT4">
+                <p:oleObj spid="_x0000_s5738" name="Equation" r:id="rId23" imgW="6400800" imgH="5791200" progId="Equation.DSMT4">
                   <p:embed/>
                 </p:oleObj>
               </mc:Choice>
               <mc:Fallback>
-                <p:oleObj name="Equation" r:id="rId20" imgW="6400800" imgH="5791200" progId="Equation.DSMT4">
+                <p:oleObj name="Equation" r:id="rId23" imgW="6400800" imgH="5791200" progId="Equation.DSMT4">
                   <p:embed/>
                   <p:pic>
                     <p:nvPicPr>
@@ -8106,7 +7991,7 @@
                       <p:nvPr/>
                     </p:nvPicPr>
                     <p:blipFill>
-                      <a:blip r:embed="rId21"/>
+                      <a:blip r:embed="rId24"/>
                       <a:stretch>
                         <a:fillRect/>
                       </a:stretch>
@@ -8143,12 +8028,12 @@
           <a:graphicData uri="http://schemas.openxmlformats.org/presentationml/2006/ole">
             <mc:AlternateContent xmlns:mc="http://schemas.openxmlformats.org/markup-compatibility/2006">
               <mc:Choice xmlns:v="urn:schemas-microsoft-com:vml" Requires="v">
-                <p:oleObj spid="_x0000_s5401" name="Equation" r:id="rId22" imgW="6400800" imgH="5791200" progId="Equation.DSMT4">
+                <p:oleObj spid="_x0000_s5739" name="Equation" r:id="rId25" imgW="6400800" imgH="5791200" progId="Equation.DSMT4">
                   <p:embed/>
                 </p:oleObj>
               </mc:Choice>
               <mc:Fallback>
-                <p:oleObj name="Equation" r:id="rId22" imgW="6400800" imgH="5791200" progId="Equation.DSMT4">
+                <p:oleObj name="Equation" r:id="rId25" imgW="6400800" imgH="5791200" progId="Equation.DSMT4">
                   <p:embed/>
                   <p:pic>
                     <p:nvPicPr>
@@ -8157,7 +8042,7 @@
                       <p:nvPr/>
                     </p:nvPicPr>
                     <p:blipFill>
-                      <a:blip r:embed="rId23"/>
+                      <a:blip r:embed="rId26"/>
                       <a:stretch>
                         <a:fillRect/>
                       </a:stretch>
@@ -8194,12 +8079,12 @@
           <a:graphicData uri="http://schemas.openxmlformats.org/presentationml/2006/ole">
             <mc:AlternateContent xmlns:mc="http://schemas.openxmlformats.org/markup-compatibility/2006">
               <mc:Choice xmlns:v="urn:schemas-microsoft-com:vml" Requires="v">
-                <p:oleObj spid="_x0000_s5402" name="Equation" r:id="rId24" imgW="5181600" imgH="5791200" progId="Equation.DSMT4">
+                <p:oleObj spid="_x0000_s5740" name="Equation" r:id="rId27" imgW="5181600" imgH="5791200" progId="Equation.DSMT4">
                   <p:embed/>
                 </p:oleObj>
               </mc:Choice>
               <mc:Fallback>
-                <p:oleObj name="Equation" r:id="rId24" imgW="5181600" imgH="5791200" progId="Equation.DSMT4">
+                <p:oleObj name="Equation" r:id="rId27" imgW="5181600" imgH="5791200" progId="Equation.DSMT4">
                   <p:embed/>
                   <p:pic>
                     <p:nvPicPr>
@@ -8208,7 +8093,7 @@
                       <p:nvPr/>
                     </p:nvPicPr>
                     <p:blipFill>
-                      <a:blip r:embed="rId25"/>
+                      <a:blip r:embed="rId28"/>
                       <a:stretch>
                         <a:fillRect/>
                       </a:stretch>
@@ -8245,12 +8130,12 @@
           <a:graphicData uri="http://schemas.openxmlformats.org/presentationml/2006/ole">
             <mc:AlternateContent xmlns:mc="http://schemas.openxmlformats.org/markup-compatibility/2006">
               <mc:Choice xmlns:v="urn:schemas-microsoft-com:vml" Requires="v">
-                <p:oleObj spid="_x0000_s5403" name="Equation" r:id="rId26" imgW="5181600" imgH="5791200" progId="Equation.DSMT4">
+                <p:oleObj spid="_x0000_s5741" name="Equation" r:id="rId29" imgW="5181600" imgH="5791200" progId="Equation.DSMT4">
                   <p:embed/>
                 </p:oleObj>
               </mc:Choice>
               <mc:Fallback>
-                <p:oleObj name="Equation" r:id="rId26" imgW="5181600" imgH="5791200" progId="Equation.DSMT4">
+                <p:oleObj name="Equation" r:id="rId29" imgW="5181600" imgH="5791200" progId="Equation.DSMT4">
                   <p:embed/>
                   <p:pic>
                     <p:nvPicPr>
@@ -8259,7 +8144,7 @@
                       <p:nvPr/>
                     </p:nvPicPr>
                     <p:blipFill>
-                      <a:blip r:embed="rId27"/>
+                      <a:blip r:embed="rId30"/>
                       <a:stretch>
                         <a:fillRect/>
                       </a:stretch>
@@ -8368,12 +8253,12 @@
           <a:graphicData uri="http://schemas.openxmlformats.org/presentationml/2006/ole">
             <mc:AlternateContent xmlns:mc="http://schemas.openxmlformats.org/markup-compatibility/2006">
               <mc:Choice xmlns:v="urn:schemas-microsoft-com:vml" Requires="v">
-                <p:oleObj spid="_x0000_s5404" name="Equation" r:id="rId28" imgW="5181600" imgH="6096000" progId="Equation.DSMT4">
+                <p:oleObj spid="_x0000_s5742" name="Equation" r:id="rId31" imgW="5181600" imgH="6096000" progId="Equation.DSMT4">
                   <p:embed/>
                 </p:oleObj>
               </mc:Choice>
               <mc:Fallback>
-                <p:oleObj name="Equation" r:id="rId28" imgW="5181600" imgH="6096000" progId="Equation.DSMT4">
+                <p:oleObj name="Equation" r:id="rId31" imgW="5181600" imgH="6096000" progId="Equation.DSMT4">
                   <p:embed/>
                   <p:pic>
                     <p:nvPicPr>
@@ -8382,7 +8267,7 @@
                       <p:nvPr/>
                     </p:nvPicPr>
                     <p:blipFill>
-                      <a:blip r:embed="rId29"/>
+                      <a:blip r:embed="rId32"/>
                       <a:stretch>
                         <a:fillRect/>
                       </a:stretch>
@@ -8456,12 +8341,12 @@
           <a:graphicData uri="http://schemas.openxmlformats.org/presentationml/2006/ole">
             <mc:AlternateContent xmlns:mc="http://schemas.openxmlformats.org/markup-compatibility/2006">
               <mc:Choice xmlns:v="urn:schemas-microsoft-com:vml" Requires="v">
-                <p:oleObj spid="_x0000_s5405" name="Equation" r:id="rId30" imgW="7315200" imgH="5791200" progId="Equation.DSMT4">
+                <p:oleObj spid="_x0000_s5743" name="Equation" r:id="rId33" imgW="7315200" imgH="5791200" progId="Equation.DSMT4">
                   <p:embed/>
                 </p:oleObj>
               </mc:Choice>
               <mc:Fallback>
-                <p:oleObj name="Equation" r:id="rId30" imgW="7315200" imgH="5791200" progId="Equation.DSMT4">
+                <p:oleObj name="Equation" r:id="rId33" imgW="7315200" imgH="5791200" progId="Equation.DSMT4">
                   <p:embed/>
                   <p:pic>
                     <p:nvPicPr>
@@ -8470,7 +8355,7 @@
                       <p:nvPr/>
                     </p:nvPicPr>
                     <p:blipFill>
-                      <a:blip r:embed="rId31"/>
+                      <a:blip r:embed="rId34"/>
                       <a:stretch>
                         <a:fillRect/>
                       </a:stretch>
@@ -8728,12 +8613,12 @@
           <a:graphicData uri="http://schemas.openxmlformats.org/presentationml/2006/ole">
             <mc:AlternateContent xmlns:mc="http://schemas.openxmlformats.org/markup-compatibility/2006">
               <mc:Choice xmlns:v="urn:schemas-microsoft-com:vml" Requires="v">
-                <p:oleObj spid="_x0000_s5406" name="Equation" r:id="rId32" imgW="4267200" imgH="5791200" progId="Equation.DSMT4">
+                <p:oleObj spid="_x0000_s5744" name="Equation" r:id="rId35" imgW="4267200" imgH="5791200" progId="Equation.DSMT4">
                   <p:embed/>
                 </p:oleObj>
               </mc:Choice>
               <mc:Fallback>
-                <p:oleObj name="Equation" r:id="rId32" imgW="4267200" imgH="5791200" progId="Equation.DSMT4">
+                <p:oleObj name="Equation" r:id="rId35" imgW="4267200" imgH="5791200" progId="Equation.DSMT4">
                   <p:embed/>
                   <p:pic>
                     <p:nvPicPr>
@@ -8742,7 +8627,7 @@
                       <p:nvPr/>
                     </p:nvPicPr>
                     <p:blipFill>
-                      <a:blip r:embed="rId33"/>
+                      <a:blip r:embed="rId36"/>
                       <a:stretch>
                         <a:fillRect/>
                       </a:stretch>
@@ -9211,12 +9096,12 @@
           <a:graphicData uri="http://schemas.openxmlformats.org/presentationml/2006/ole">
             <mc:AlternateContent xmlns:mc="http://schemas.openxmlformats.org/markup-compatibility/2006">
               <mc:Choice xmlns:v="urn:schemas-microsoft-com:vml" Requires="v">
-                <p:oleObj spid="_x0000_s5407" name="Equation" r:id="rId34" imgW="24384000" imgH="4572000" progId="Equation.DSMT4">
+                <p:oleObj spid="_x0000_s5745" name="Equation" r:id="rId37" imgW="24384000" imgH="4572000" progId="Equation.DSMT4">
                   <p:embed/>
                 </p:oleObj>
               </mc:Choice>
               <mc:Fallback>
-                <p:oleObj name="Equation" r:id="rId34" imgW="24384000" imgH="4572000" progId="Equation.DSMT4">
+                <p:oleObj name="Equation" r:id="rId37" imgW="24384000" imgH="4572000" progId="Equation.DSMT4">
                   <p:embed/>
                   <p:pic>
                     <p:nvPicPr>
@@ -9225,7 +9110,7 @@
                       <p:nvPr/>
                     </p:nvPicPr>
                     <p:blipFill>
-                      <a:blip r:embed="rId35"/>
+                      <a:blip r:embed="rId38"/>
                       <a:stretch>
                         <a:fillRect/>
                       </a:stretch>
@@ -9262,12 +9147,12 @@
           <a:graphicData uri="http://schemas.openxmlformats.org/presentationml/2006/ole">
             <mc:AlternateContent xmlns:mc="http://schemas.openxmlformats.org/markup-compatibility/2006">
               <mc:Choice xmlns:v="urn:schemas-microsoft-com:vml" Requires="v">
-                <p:oleObj spid="_x0000_s5408" name="Equation" r:id="rId36" imgW="12801600" imgH="6096000" progId="Equation.DSMT4">
+                <p:oleObj spid="_x0000_s5746" name="Equation" r:id="rId39" imgW="12801600" imgH="6096000" progId="Equation.DSMT4">
                   <p:embed/>
                 </p:oleObj>
               </mc:Choice>
               <mc:Fallback>
-                <p:oleObj name="Equation" r:id="rId36" imgW="12801600" imgH="6096000" progId="Equation.DSMT4">
+                <p:oleObj name="Equation" r:id="rId39" imgW="12801600" imgH="6096000" progId="Equation.DSMT4">
                   <p:embed/>
                   <p:pic>
                     <p:nvPicPr>
@@ -9276,7 +9161,7 @@
                       <p:nvPr/>
                     </p:nvPicPr>
                     <p:blipFill>
-                      <a:blip r:embed="rId37"/>
+                      <a:blip r:embed="rId40"/>
                       <a:stretch>
                         <a:fillRect/>
                       </a:stretch>
@@ -9313,12 +9198,12 @@
           <a:graphicData uri="http://schemas.openxmlformats.org/presentationml/2006/ole">
             <mc:AlternateContent xmlns:mc="http://schemas.openxmlformats.org/markup-compatibility/2006">
               <mc:Choice xmlns:v="urn:schemas-microsoft-com:vml" Requires="v">
-                <p:oleObj spid="_x0000_s5409" name="Equation" r:id="rId38" imgW="15849600" imgH="6096000" progId="Equation.DSMT4">
+                <p:oleObj spid="_x0000_s5747" name="Equation" r:id="rId41" imgW="15849600" imgH="6096000" progId="Equation.DSMT4">
                   <p:embed/>
                 </p:oleObj>
               </mc:Choice>
               <mc:Fallback>
-                <p:oleObj name="Equation" r:id="rId38" imgW="15849600" imgH="6096000" progId="Equation.DSMT4">
+                <p:oleObj name="Equation" r:id="rId41" imgW="15849600" imgH="6096000" progId="Equation.DSMT4">
                   <p:embed/>
                   <p:pic>
                     <p:nvPicPr>
@@ -9327,7 +9212,7 @@
                       <p:nvPr/>
                     </p:nvPicPr>
                     <p:blipFill>
-                      <a:blip r:embed="rId39"/>
+                      <a:blip r:embed="rId42"/>
                       <a:stretch>
                         <a:fillRect/>
                       </a:stretch>
@@ -9364,12 +9249,12 @@
           <a:graphicData uri="http://schemas.openxmlformats.org/presentationml/2006/ole">
             <mc:AlternateContent xmlns:mc="http://schemas.openxmlformats.org/markup-compatibility/2006">
               <mc:Choice xmlns:v="urn:schemas-microsoft-com:vml" Requires="v">
-                <p:oleObj spid="_x0000_s5410" name="Equation" r:id="rId40" imgW="12192000" imgH="6096000" progId="Equation.DSMT4">
+                <p:oleObj spid="_x0000_s5748" name="Equation" r:id="rId43" imgW="12192000" imgH="6096000" progId="Equation.DSMT4">
                   <p:embed/>
                 </p:oleObj>
               </mc:Choice>
               <mc:Fallback>
-                <p:oleObj name="Equation" r:id="rId40" imgW="12192000" imgH="6096000" progId="Equation.DSMT4">
+                <p:oleObj name="Equation" r:id="rId43" imgW="12192000" imgH="6096000" progId="Equation.DSMT4">
                   <p:embed/>
                   <p:pic>
                     <p:nvPicPr>
@@ -9378,7 +9263,7 @@
                       <p:nvPr/>
                     </p:nvPicPr>
                     <p:blipFill>
-                      <a:blip r:embed="rId41"/>
+                      <a:blip r:embed="rId44"/>
                       <a:stretch>
                         <a:fillRect/>
                       </a:stretch>
@@ -9466,12 +9351,12 @@
           <a:graphicData uri="http://schemas.openxmlformats.org/presentationml/2006/ole">
             <mc:AlternateContent xmlns:mc="http://schemas.openxmlformats.org/markup-compatibility/2006">
               <mc:Choice xmlns:v="urn:schemas-microsoft-com:vml" Requires="v">
-                <p:oleObj spid="_x0000_s5411" name="Equation" r:id="rId42" imgW="5791200" imgH="4572000" progId="Equation.DSMT4">
+                <p:oleObj spid="_x0000_s5749" name="Equation" r:id="rId45" imgW="5791200" imgH="4572000" progId="Equation.DSMT4">
                   <p:embed/>
                 </p:oleObj>
               </mc:Choice>
               <mc:Fallback>
-                <p:oleObj name="Equation" r:id="rId42" imgW="5791200" imgH="4572000" progId="Equation.DSMT4">
+                <p:oleObj name="Equation" r:id="rId45" imgW="5791200" imgH="4572000" progId="Equation.DSMT4">
                   <p:embed/>
                   <p:pic>
                     <p:nvPicPr>
@@ -9480,7 +9365,7 @@
                       <p:nvPr/>
                     </p:nvPicPr>
                     <p:blipFill>
-                      <a:blip r:embed="rId43"/>
+                      <a:blip r:embed="rId46"/>
                       <a:stretch>
                         <a:fillRect/>
                       </a:stretch>
@@ -9553,12 +9438,12 @@
           <a:graphicData uri="http://schemas.openxmlformats.org/presentationml/2006/ole">
             <mc:AlternateContent xmlns:mc="http://schemas.openxmlformats.org/markup-compatibility/2006">
               <mc:Choice xmlns:v="urn:schemas-microsoft-com:vml" Requires="v">
-                <p:oleObj spid="_x0000_s5412" name="Equation" r:id="rId44" imgW="6096000" imgH="5791200" progId="Equation.DSMT4">
+                <p:oleObj spid="_x0000_s5750" name="Equation" r:id="rId47" imgW="6096000" imgH="5791200" progId="Equation.DSMT4">
                   <p:embed/>
                 </p:oleObj>
               </mc:Choice>
               <mc:Fallback>
-                <p:oleObj name="Equation" r:id="rId44" imgW="6096000" imgH="5791200" progId="Equation.DSMT4">
+                <p:oleObj name="Equation" r:id="rId47" imgW="6096000" imgH="5791200" progId="Equation.DSMT4">
                   <p:embed/>
                   <p:pic>
                     <p:nvPicPr>
@@ -9567,7 +9452,7 @@
                       <p:nvPr/>
                     </p:nvPicPr>
                     <p:blipFill>
-                      <a:blip r:embed="rId45"/>
+                      <a:blip r:embed="rId48"/>
                       <a:stretch>
                         <a:fillRect/>
                       </a:stretch>
@@ -9655,12 +9540,12 @@
           <a:graphicData uri="http://schemas.openxmlformats.org/presentationml/2006/ole">
             <mc:AlternateContent xmlns:mc="http://schemas.openxmlformats.org/markup-compatibility/2006">
               <mc:Choice xmlns:v="urn:schemas-microsoft-com:vml" Requires="v">
-                <p:oleObj spid="_x0000_s5413" name="Equation" r:id="rId46" imgW="5181600" imgH="4572000" progId="Equation.DSMT4">
+                <p:oleObj spid="_x0000_s5751" name="Equation" r:id="rId49" imgW="5181600" imgH="4572000" progId="Equation.DSMT4">
                   <p:embed/>
                 </p:oleObj>
               </mc:Choice>
               <mc:Fallback>
-                <p:oleObj name="Equation" r:id="rId46" imgW="5181600" imgH="4572000" progId="Equation.DSMT4">
+                <p:oleObj name="Equation" r:id="rId49" imgW="5181600" imgH="4572000" progId="Equation.DSMT4">
                   <p:embed/>
                   <p:pic>
                     <p:nvPicPr>
@@ -9669,7 +9554,7 @@
                       <p:nvPr/>
                     </p:nvPicPr>
                     <p:blipFill>
-                      <a:blip r:embed="rId47"/>
+                      <a:blip r:embed="rId50"/>
                       <a:stretch>
                         <a:fillRect/>
                       </a:stretch>
@@ -9824,12 +9709,12 @@
           <a:graphicData uri="http://schemas.openxmlformats.org/presentationml/2006/ole">
             <mc:AlternateContent xmlns:mc="http://schemas.openxmlformats.org/markup-compatibility/2006">
               <mc:Choice xmlns:v="urn:schemas-microsoft-com:vml" Requires="v">
-                <p:oleObj spid="_x0000_s5414" name="Equation" r:id="rId48" imgW="13411200" imgH="4572000" progId="Equation.DSMT4">
+                <p:oleObj spid="_x0000_s5752" name="Equation" r:id="rId51" imgW="13411200" imgH="4572000" progId="Equation.DSMT4">
                   <p:embed/>
                 </p:oleObj>
               </mc:Choice>
               <mc:Fallback>
-                <p:oleObj name="Equation" r:id="rId48" imgW="13411200" imgH="4572000" progId="Equation.DSMT4">
+                <p:oleObj name="Equation" r:id="rId51" imgW="13411200" imgH="4572000" progId="Equation.DSMT4">
                   <p:embed/>
                   <p:pic>
                     <p:nvPicPr>
@@ -9838,7 +9723,7 @@
                       <p:nvPr/>
                     </p:nvPicPr>
                     <p:blipFill>
-                      <a:blip r:embed="rId49"/>
+                      <a:blip r:embed="rId52"/>
                       <a:stretch>
                         <a:fillRect/>
                       </a:stretch>
@@ -9947,12 +9832,12 @@
           <a:graphicData uri="http://schemas.openxmlformats.org/presentationml/2006/ole">
             <mc:AlternateContent xmlns:mc="http://schemas.openxmlformats.org/markup-compatibility/2006">
               <mc:Choice xmlns:v="urn:schemas-microsoft-com:vml" Requires="v">
-                <p:oleObj spid="_x0000_s5415" name="Equation" r:id="rId50" imgW="4876800" imgH="5791200" progId="Equation.DSMT4">
+                <p:oleObj spid="_x0000_s5753" name="Equation" r:id="rId53" imgW="4876800" imgH="5791200" progId="Equation.DSMT4">
                   <p:embed/>
                 </p:oleObj>
               </mc:Choice>
               <mc:Fallback>
-                <p:oleObj name="Equation" r:id="rId50" imgW="4876800" imgH="5791200" progId="Equation.DSMT4">
+                <p:oleObj name="Equation" r:id="rId53" imgW="4876800" imgH="5791200" progId="Equation.DSMT4">
                   <p:embed/>
                   <p:pic>
                     <p:nvPicPr>
@@ -9961,7 +9846,7 @@
                       <p:nvPr/>
                     </p:nvPicPr>
                     <p:blipFill>
-                      <a:blip r:embed="rId51"/>
+                      <a:blip r:embed="rId54"/>
                       <a:stretch>
                         <a:fillRect/>
                       </a:stretch>
@@ -9998,12 +9883,12 @@
           <a:graphicData uri="http://schemas.openxmlformats.org/presentationml/2006/ole">
             <mc:AlternateContent xmlns:mc="http://schemas.openxmlformats.org/markup-compatibility/2006">
               <mc:Choice xmlns:v="urn:schemas-microsoft-com:vml" Requires="v">
-                <p:oleObj spid="_x0000_s5416" name="Equation" r:id="rId52" imgW="6705600" imgH="5791200" progId="Equation.DSMT4">
+                <p:oleObj spid="_x0000_s5754" name="Equation" r:id="rId55" imgW="6705600" imgH="5791200" progId="Equation.DSMT4">
                   <p:embed/>
                 </p:oleObj>
               </mc:Choice>
               <mc:Fallback>
-                <p:oleObj name="Equation" r:id="rId52" imgW="6705600" imgH="5791200" progId="Equation.DSMT4">
+                <p:oleObj name="Equation" r:id="rId55" imgW="6705600" imgH="5791200" progId="Equation.DSMT4">
                   <p:embed/>
                   <p:pic>
                     <p:nvPicPr>
@@ -10012,7 +9897,7 @@
                       <p:nvPr/>
                     </p:nvPicPr>
                     <p:blipFill>
-                      <a:blip r:embed="rId53"/>
+                      <a:blip r:embed="rId56"/>
                       <a:stretch>
                         <a:fillRect/>
                       </a:stretch>
@@ -10049,12 +9934,12 @@
           <a:graphicData uri="http://schemas.openxmlformats.org/presentationml/2006/ole">
             <mc:AlternateContent xmlns:mc="http://schemas.openxmlformats.org/markup-compatibility/2006">
               <mc:Choice xmlns:v="urn:schemas-microsoft-com:vml" Requires="v">
-                <p:oleObj spid="_x0000_s5417" name="Equation" r:id="rId54" imgW="6705600" imgH="5791200" progId="Equation.DSMT4">
+                <p:oleObj spid="_x0000_s5755" name="Equation" r:id="rId57" imgW="6705600" imgH="5791200" progId="Equation.DSMT4">
                   <p:embed/>
                 </p:oleObj>
               </mc:Choice>
               <mc:Fallback>
-                <p:oleObj name="Equation" r:id="rId54" imgW="6705600" imgH="5791200" progId="Equation.DSMT4">
+                <p:oleObj name="Equation" r:id="rId57" imgW="6705600" imgH="5791200" progId="Equation.DSMT4">
                   <p:embed/>
                   <p:pic>
                     <p:nvPicPr>
@@ -10063,7 +9948,7 @@
                       <p:nvPr/>
                     </p:nvPicPr>
                     <p:blipFill>
-                      <a:blip r:embed="rId55"/>
+                      <a:blip r:embed="rId58"/>
                       <a:stretch>
                         <a:fillRect/>
                       </a:stretch>
@@ -10223,12 +10108,12 @@
           <a:graphicData uri="http://schemas.openxmlformats.org/presentationml/2006/ole">
             <mc:AlternateContent xmlns:mc="http://schemas.openxmlformats.org/markup-compatibility/2006">
               <mc:Choice xmlns:v="urn:schemas-microsoft-com:vml" Requires="v">
-                <p:oleObj spid="_x0000_s5418" name="Equation" r:id="rId56" imgW="5181600" imgH="5486400" progId="Equation.DSMT4">
+                <p:oleObj spid="_x0000_s5756" name="Equation" r:id="rId59" imgW="5181600" imgH="5486400" progId="Equation.DSMT4">
                   <p:embed/>
                 </p:oleObj>
               </mc:Choice>
               <mc:Fallback>
-                <p:oleObj name="Equation" r:id="rId56" imgW="5181600" imgH="5486400" progId="Equation.DSMT4">
+                <p:oleObj name="Equation" r:id="rId59" imgW="5181600" imgH="5486400" progId="Equation.DSMT4">
                   <p:embed/>
                   <p:pic>
                     <p:nvPicPr>
@@ -10237,7 +10122,7 @@
                       <p:nvPr/>
                     </p:nvPicPr>
                     <p:blipFill>
-                      <a:blip r:embed="rId57"/>
+                      <a:blip r:embed="rId60"/>
                       <a:stretch>
                         <a:fillRect/>
                       </a:stretch>
@@ -10438,7 +10323,7 @@
           <p:nvPr/>
         </p:nvPicPr>
         <p:blipFill>
-          <a:blip r:embed="rId1">
+          <a:blip r:embed="rId3" cstate="print">
             <a:extLst>
               <a:ext uri="{28A0092B-C50C-407E-A947-70E740481C1C}">
                 <a14:useLocalDpi xmlns:a14="http://schemas.microsoft.com/office/drawing/2010/main" val="0"/>
@@ -10547,12 +10432,12 @@
           <a:graphicData uri="http://schemas.openxmlformats.org/presentationml/2006/ole">
             <mc:AlternateContent xmlns:mc="http://schemas.openxmlformats.org/markup-compatibility/2006">
               <mc:Choice xmlns:v="urn:schemas-microsoft-com:vml" Requires="v">
-                <p:oleObj spid="_x0000_s4561" name="Equation" r:id="rId2" imgW="5791200" imgH="4876800" progId="Equation.DSMT4">
+                <p:oleObj spid="_x0000_s4779" name="Equation" r:id="rId4" imgW="5791200" imgH="4876800" progId="Equation.DSMT4">
                   <p:embed/>
                 </p:oleObj>
               </mc:Choice>
               <mc:Fallback>
-                <p:oleObj name="Equation" r:id="rId2" imgW="5791200" imgH="4876800" progId="Equation.DSMT4">
+                <p:oleObj name="Equation" r:id="rId4" imgW="5791200" imgH="4876800" progId="Equation.DSMT4">
                   <p:embed/>
                   <p:pic>
                     <p:nvPicPr>
@@ -10561,7 +10446,7 @@
                       <p:nvPr/>
                     </p:nvPicPr>
                     <p:blipFill>
-                      <a:blip r:embed="rId3"/>
+                      <a:blip r:embed="rId5"/>
                       <a:stretch>
                         <a:fillRect/>
                       </a:stretch>
@@ -10598,12 +10483,12 @@
           <a:graphicData uri="http://schemas.openxmlformats.org/presentationml/2006/ole">
             <mc:AlternateContent xmlns:mc="http://schemas.openxmlformats.org/markup-compatibility/2006">
               <mc:Choice xmlns:v="urn:schemas-microsoft-com:vml" Requires="v">
-                <p:oleObj spid="_x0000_s4562" name="Equation" r:id="rId4" imgW="5486400" imgH="4572000" progId="Equation.DSMT4">
+                <p:oleObj spid="_x0000_s4780" name="Equation" r:id="rId6" imgW="5486400" imgH="4572000" progId="Equation.DSMT4">
                   <p:embed/>
                 </p:oleObj>
               </mc:Choice>
               <mc:Fallback>
-                <p:oleObj name="Equation" r:id="rId4" imgW="5486400" imgH="4572000" progId="Equation.DSMT4">
+                <p:oleObj name="Equation" r:id="rId6" imgW="5486400" imgH="4572000" progId="Equation.DSMT4">
                   <p:embed/>
                   <p:pic>
                     <p:nvPicPr>
@@ -10612,7 +10497,7 @@
                       <p:nvPr/>
                     </p:nvPicPr>
                     <p:blipFill>
-                      <a:blip r:embed="rId5"/>
+                      <a:blip r:embed="rId7"/>
                       <a:stretch>
                         <a:fillRect/>
                       </a:stretch>
@@ -10723,12 +10608,12 @@
           <a:graphicData uri="http://schemas.openxmlformats.org/presentationml/2006/ole">
             <mc:AlternateContent xmlns:mc="http://schemas.openxmlformats.org/markup-compatibility/2006">
               <mc:Choice xmlns:v="urn:schemas-microsoft-com:vml" Requires="v">
-                <p:oleObj spid="_x0000_s4563" name="Equation" r:id="rId6" imgW="7010400" imgH="5791200" progId="Equation.DSMT4">
+                <p:oleObj spid="_x0000_s4781" name="Equation" r:id="rId8" imgW="7010400" imgH="5791200" progId="Equation.DSMT4">
                   <p:embed/>
                 </p:oleObj>
               </mc:Choice>
               <mc:Fallback>
-                <p:oleObj name="Equation" r:id="rId6" imgW="7010400" imgH="5791200" progId="Equation.DSMT4">
+                <p:oleObj name="Equation" r:id="rId8" imgW="7010400" imgH="5791200" progId="Equation.DSMT4">
                   <p:embed/>
                   <p:pic>
                     <p:nvPicPr>
@@ -10737,7 +10622,7 @@
                       <p:nvPr/>
                     </p:nvPicPr>
                     <p:blipFill>
-                      <a:blip r:embed="rId7"/>
+                      <a:blip r:embed="rId9"/>
                       <a:stretch>
                         <a:fillRect/>
                       </a:stretch>
@@ -10848,12 +10733,12 @@
           <a:graphicData uri="http://schemas.openxmlformats.org/presentationml/2006/ole">
             <mc:AlternateContent xmlns:mc="http://schemas.openxmlformats.org/markup-compatibility/2006">
               <mc:Choice xmlns:v="urn:schemas-microsoft-com:vml" Requires="v">
-                <p:oleObj spid="_x0000_s4564" name="Equation" r:id="rId8" imgW="10058400" imgH="5791200" progId="Equation.DSMT4">
+                <p:oleObj spid="_x0000_s4782" name="Equation" r:id="rId10" imgW="10058400" imgH="5791200" progId="Equation.DSMT4">
                   <p:embed/>
                 </p:oleObj>
               </mc:Choice>
               <mc:Fallback>
-                <p:oleObj name="Equation" r:id="rId8" imgW="10058400" imgH="5791200" progId="Equation.DSMT4">
+                <p:oleObj name="Equation" r:id="rId10" imgW="10058400" imgH="5791200" progId="Equation.DSMT4">
                   <p:embed/>
                   <p:pic>
                     <p:nvPicPr>
@@ -10862,7 +10747,7 @@
                       <p:nvPr/>
                     </p:nvPicPr>
                     <p:blipFill>
-                      <a:blip r:embed="rId9"/>
+                      <a:blip r:embed="rId11"/>
                       <a:stretch>
                         <a:fillRect/>
                       </a:stretch>
@@ -10899,12 +10784,12 @@
           <a:graphicData uri="http://schemas.openxmlformats.org/presentationml/2006/ole">
             <mc:AlternateContent xmlns:mc="http://schemas.openxmlformats.org/markup-compatibility/2006">
               <mc:Choice xmlns:v="urn:schemas-microsoft-com:vml" Requires="v">
-                <p:oleObj spid="_x0000_s4565" name="Equation" r:id="rId10" imgW="7010400" imgH="5791200" progId="Equation.DSMT4">
+                <p:oleObj spid="_x0000_s4783" name="Equation" r:id="rId12" imgW="7010400" imgH="5791200" progId="Equation.DSMT4">
                   <p:embed/>
                 </p:oleObj>
               </mc:Choice>
               <mc:Fallback>
-                <p:oleObj name="Equation" r:id="rId10" imgW="7010400" imgH="5791200" progId="Equation.DSMT4">
+                <p:oleObj name="Equation" r:id="rId12" imgW="7010400" imgH="5791200" progId="Equation.DSMT4">
                   <p:embed/>
                   <p:pic>
                     <p:nvPicPr>
@@ -10913,7 +10798,7 @@
                       <p:nvPr/>
                     </p:nvPicPr>
                     <p:blipFill>
-                      <a:blip r:embed="rId11"/>
+                      <a:blip r:embed="rId13"/>
                       <a:stretch>
                         <a:fillRect/>
                       </a:stretch>
@@ -10950,12 +10835,12 @@
           <a:graphicData uri="http://schemas.openxmlformats.org/presentationml/2006/ole">
             <mc:AlternateContent xmlns:mc="http://schemas.openxmlformats.org/markup-compatibility/2006">
               <mc:Choice xmlns:v="urn:schemas-microsoft-com:vml" Requires="v">
-                <p:oleObj spid="_x0000_s4566" name="Equation" r:id="rId12" imgW="9144000" imgH="5791200" progId="Equation.DSMT4">
+                <p:oleObj spid="_x0000_s4784" name="Equation" r:id="rId14" imgW="9144000" imgH="5791200" progId="Equation.DSMT4">
                   <p:embed/>
                 </p:oleObj>
               </mc:Choice>
               <mc:Fallback>
-                <p:oleObj name="Equation" r:id="rId12" imgW="9144000" imgH="5791200" progId="Equation.DSMT4">
+                <p:oleObj name="Equation" r:id="rId14" imgW="9144000" imgH="5791200" progId="Equation.DSMT4">
                   <p:embed/>
                   <p:pic>
                     <p:nvPicPr>
@@ -10964,7 +10849,7 @@
                       <p:nvPr/>
                     </p:nvPicPr>
                     <p:blipFill>
-                      <a:blip r:embed="rId13"/>
+                      <a:blip r:embed="rId15"/>
                       <a:stretch>
                         <a:fillRect/>
                       </a:stretch>
@@ -11029,7 +10914,7 @@
           <p:nvPr/>
         </p:nvPicPr>
         <p:blipFill>
-          <a:blip r:embed="rId1">
+          <a:blip r:embed="rId3" cstate="print">
             <a:lum bright="70000" contrast="-70000"/>
             <a:extLst>
               <a:ext uri="{28A0092B-C50C-407E-A947-70E740481C1C}">
@@ -11177,12 +11062,12 @@
           <a:graphicData uri="http://schemas.openxmlformats.org/presentationml/2006/ole">
             <mc:AlternateContent xmlns:mc="http://schemas.openxmlformats.org/markup-compatibility/2006">
               <mc:Choice xmlns:v="urn:schemas-microsoft-com:vml" Requires="v">
-                <p:oleObj spid="_x0000_s4567" name="Equation" r:id="rId14" imgW="16764000" imgH="5791200" progId="Equation.DSMT4">
+                <p:oleObj spid="_x0000_s4785" name="Equation" r:id="rId16" imgW="16764000" imgH="5791200" progId="Equation.DSMT4">
                   <p:embed/>
                 </p:oleObj>
               </mc:Choice>
               <mc:Fallback>
-                <p:oleObj name="Equation" r:id="rId14" imgW="16764000" imgH="5791200" progId="Equation.DSMT4">
+                <p:oleObj name="Equation" r:id="rId16" imgW="16764000" imgH="5791200" progId="Equation.DSMT4">
                   <p:embed/>
                   <p:pic>
                     <p:nvPicPr>
@@ -11191,7 +11076,7 @@
                       <p:nvPr/>
                     </p:nvPicPr>
                     <p:blipFill>
-                      <a:blip r:embed="rId15"/>
+                      <a:blip r:embed="rId17"/>
                       <a:stretch>
                         <a:fillRect/>
                       </a:stretch>
@@ -11228,12 +11113,12 @@
           <a:graphicData uri="http://schemas.openxmlformats.org/presentationml/2006/ole">
             <mc:AlternateContent xmlns:mc="http://schemas.openxmlformats.org/markup-compatibility/2006">
               <mc:Choice xmlns:v="urn:schemas-microsoft-com:vml" Requires="v">
-                <p:oleObj spid="_x0000_s4568" name="Equation" r:id="rId16" imgW="238125" imgH="199390" progId="Equation.DSMT4">
+                <p:oleObj spid="_x0000_s4786" name="Equation" r:id="rId18" imgW="238125" imgH="199390" progId="Equation.DSMT4">
                   <p:embed/>
                 </p:oleObj>
               </mc:Choice>
               <mc:Fallback>
-                <p:oleObj name="Equation" r:id="rId16" imgW="238125" imgH="199390" progId="Equation.DSMT4">
+                <p:oleObj name="Equation" r:id="rId18" imgW="238125" imgH="199390" progId="Equation.DSMT4">
                   <p:embed/>
                   <p:pic>
                     <p:nvPicPr>
@@ -11242,7 +11127,7 @@
                       <p:nvPr/>
                     </p:nvPicPr>
                     <p:blipFill>
-                      <a:blip r:embed="rId17"/>
+                      <a:blip r:embed="rId19"/>
                       <a:stretch>
                         <a:fillRect/>
                       </a:stretch>
@@ -11279,12 +11164,12 @@
           <a:graphicData uri="http://schemas.openxmlformats.org/presentationml/2006/ole">
             <mc:AlternateContent xmlns:mc="http://schemas.openxmlformats.org/markup-compatibility/2006">
               <mc:Choice xmlns:v="urn:schemas-microsoft-com:vml" Requires="v">
-                <p:oleObj spid="_x0000_s4569" name="Equation" r:id="rId18" imgW="16154400" imgH="5791200" progId="Equation.DSMT4">
+                <p:oleObj spid="_x0000_s4787" name="Equation" r:id="rId20" imgW="16154400" imgH="5791200" progId="Equation.DSMT4">
                   <p:embed/>
                 </p:oleObj>
               </mc:Choice>
               <mc:Fallback>
-                <p:oleObj name="Equation" r:id="rId18" imgW="16154400" imgH="5791200" progId="Equation.DSMT4">
+                <p:oleObj name="Equation" r:id="rId20" imgW="16154400" imgH="5791200" progId="Equation.DSMT4">
                   <p:embed/>
                   <p:pic>
                     <p:nvPicPr>
@@ -11293,7 +11178,7 @@
                       <p:nvPr/>
                     </p:nvPicPr>
                     <p:blipFill>
-                      <a:blip r:embed="rId19"/>
+                      <a:blip r:embed="rId21"/>
                       <a:stretch>
                         <a:fillRect/>
                       </a:stretch>
@@ -11402,12 +11287,12 @@
           <a:graphicData uri="http://schemas.openxmlformats.org/presentationml/2006/ole">
             <mc:AlternateContent xmlns:mc="http://schemas.openxmlformats.org/markup-compatibility/2006">
               <mc:Choice xmlns:v="urn:schemas-microsoft-com:vml" Requires="v">
-                <p:oleObj spid="_x0000_s4570" name="Equation" r:id="rId20" imgW="5791200" imgH="4876800" progId="Equation.DSMT4">
+                <p:oleObj spid="_x0000_s4788" name="Equation" r:id="rId22" imgW="5791200" imgH="4876800" progId="Equation.DSMT4">
                   <p:embed/>
                 </p:oleObj>
               </mc:Choice>
               <mc:Fallback>
-                <p:oleObj name="Equation" r:id="rId20" imgW="5791200" imgH="4876800" progId="Equation.DSMT4">
+                <p:oleObj name="Equation" r:id="rId22" imgW="5791200" imgH="4876800" progId="Equation.DSMT4">
                   <p:embed/>
                   <p:pic>
                     <p:nvPicPr>
@@ -11416,7 +11301,7 @@
                       <p:nvPr/>
                     </p:nvPicPr>
                     <p:blipFill>
-                      <a:blip r:embed="rId21"/>
+                      <a:blip r:embed="rId23"/>
                       <a:stretch>
                         <a:fillRect/>
                       </a:stretch>
@@ -11453,12 +11338,12 @@
           <a:graphicData uri="http://schemas.openxmlformats.org/presentationml/2006/ole">
             <mc:AlternateContent xmlns:mc="http://schemas.openxmlformats.org/markup-compatibility/2006">
               <mc:Choice xmlns:v="urn:schemas-microsoft-com:vml" Requires="v">
-                <p:oleObj spid="_x0000_s4571" name="Equation" r:id="rId22" imgW="5486400" imgH="4572000" progId="Equation.DSMT4">
+                <p:oleObj spid="_x0000_s4789" name="Equation" r:id="rId24" imgW="5486400" imgH="4572000" progId="Equation.DSMT4">
                   <p:embed/>
                 </p:oleObj>
               </mc:Choice>
               <mc:Fallback>
-                <p:oleObj name="Equation" r:id="rId22" imgW="5486400" imgH="4572000" progId="Equation.DSMT4">
+                <p:oleObj name="Equation" r:id="rId24" imgW="5486400" imgH="4572000" progId="Equation.DSMT4">
                   <p:embed/>
                   <p:pic>
                     <p:nvPicPr>
@@ -11467,7 +11352,7 @@
                       <p:nvPr/>
                     </p:nvPicPr>
                     <p:blipFill>
-                      <a:blip r:embed="rId23"/>
+                      <a:blip r:embed="rId25"/>
                       <a:stretch>
                         <a:fillRect/>
                       </a:stretch>
@@ -11555,12 +11440,12 @@
           <a:graphicData uri="http://schemas.openxmlformats.org/presentationml/2006/ole">
             <mc:AlternateContent xmlns:mc="http://schemas.openxmlformats.org/markup-compatibility/2006">
               <mc:Choice xmlns:v="urn:schemas-microsoft-com:vml" Requires="v">
-                <p:oleObj spid="_x0000_s4572" name="Equation" r:id="rId24" imgW="10058400" imgH="5486400" progId="Equation.DSMT4">
+                <p:oleObj spid="_x0000_s4790" name="Equation" r:id="rId26" imgW="10058400" imgH="5486400" progId="Equation.DSMT4">
                   <p:embed/>
                 </p:oleObj>
               </mc:Choice>
               <mc:Fallback>
-                <p:oleObj name="Equation" r:id="rId24" imgW="10058400" imgH="5486400" progId="Equation.DSMT4">
+                <p:oleObj name="Equation" r:id="rId26" imgW="10058400" imgH="5486400" progId="Equation.DSMT4">
                   <p:embed/>
                   <p:pic>
                     <p:nvPicPr>
@@ -11569,7 +11454,7 @@
                       <p:nvPr/>
                     </p:nvPicPr>
                     <p:blipFill>
-                      <a:blip r:embed="rId25"/>
+                      <a:blip r:embed="rId27"/>
                       <a:stretch>
                         <a:fillRect/>
                       </a:stretch>
@@ -11643,12 +11528,12 @@
           <a:graphicData uri="http://schemas.openxmlformats.org/presentationml/2006/ole">
             <mc:AlternateContent xmlns:mc="http://schemas.openxmlformats.org/markup-compatibility/2006">
               <mc:Choice xmlns:v="urn:schemas-microsoft-com:vml" Requires="v">
-                <p:oleObj spid="_x0000_s4573" name="Equation" r:id="rId26" imgW="16764000" imgH="5486400" progId="Equation.DSMT4">
+                <p:oleObj spid="_x0000_s4791" name="Equation" r:id="rId28" imgW="16764000" imgH="5486400" progId="Equation.DSMT4">
                   <p:embed/>
                 </p:oleObj>
               </mc:Choice>
               <mc:Fallback>
-                <p:oleObj name="Equation" r:id="rId26" imgW="16764000" imgH="5486400" progId="Equation.DSMT4">
+                <p:oleObj name="Equation" r:id="rId28" imgW="16764000" imgH="5486400" progId="Equation.DSMT4">
                   <p:embed/>
                   <p:pic>
                     <p:nvPicPr>
@@ -11657,7 +11542,7 @@
                       <p:nvPr/>
                     </p:nvPicPr>
                     <p:blipFill>
-                      <a:blip r:embed="rId27"/>
+                      <a:blip r:embed="rId29"/>
                       <a:stretch>
                         <a:fillRect/>
                       </a:stretch>
@@ -11729,12 +11614,12 @@
           <a:graphicData uri="http://schemas.openxmlformats.org/presentationml/2006/ole">
             <mc:AlternateContent xmlns:mc="http://schemas.openxmlformats.org/markup-compatibility/2006">
               <mc:Choice xmlns:v="urn:schemas-microsoft-com:vml" Requires="v">
-                <p:oleObj spid="_x0000_s4574" name="Equation" r:id="rId28" imgW="270510" imgH="219075" progId="Equation.DSMT4">
+                <p:oleObj spid="_x0000_s4792" name="Equation" r:id="rId30" imgW="270510" imgH="219075" progId="Equation.DSMT4">
                   <p:embed/>
                 </p:oleObj>
               </mc:Choice>
               <mc:Fallback>
-                <p:oleObj name="Equation" r:id="rId28" imgW="270510" imgH="219075" progId="Equation.DSMT4">
+                <p:oleObj name="Equation" r:id="rId30" imgW="270510" imgH="219075" progId="Equation.DSMT4">
                   <p:embed/>
                   <p:pic>
                     <p:nvPicPr>
@@ -11743,7 +11628,7 @@
                       <p:nvPr/>
                     </p:nvPicPr>
                     <p:blipFill>
-                      <a:blip r:embed="rId29"/>
+                      <a:blip r:embed="rId31"/>
                       <a:stretch>
                         <a:fillRect/>
                       </a:stretch>
@@ -11886,12 +11771,12 @@
           <a:graphicData uri="http://schemas.openxmlformats.org/presentationml/2006/ole">
             <mc:AlternateContent xmlns:mc="http://schemas.openxmlformats.org/markup-compatibility/2006">
               <mc:Choice xmlns:v="urn:schemas-microsoft-com:vml" Requires="v">
-                <p:oleObj spid="_x0000_s4575" name="Equation" r:id="rId30" imgW="560070" imgH="199390" progId="Equation.DSMT4">
+                <p:oleObj spid="_x0000_s4793" name="Equation" r:id="rId32" imgW="560070" imgH="199390" progId="Equation.DSMT4">
                   <p:embed/>
                 </p:oleObj>
               </mc:Choice>
               <mc:Fallback>
-                <p:oleObj name="Equation" r:id="rId30" imgW="560070" imgH="199390" progId="Equation.DSMT4">
+                <p:oleObj name="Equation" r:id="rId32" imgW="560070" imgH="199390" progId="Equation.DSMT4">
                   <p:embed/>
                   <p:pic>
                     <p:nvPicPr>
@@ -11900,7 +11785,7 @@
                       <p:nvPr/>
                     </p:nvPicPr>
                     <p:blipFill>
-                      <a:blip r:embed="rId31"/>
+                      <a:blip r:embed="rId33"/>
                       <a:stretch>
                         <a:fillRect/>
                       </a:stretch>
@@ -11995,12 +11880,12 @@
           <a:graphicData uri="http://schemas.openxmlformats.org/presentationml/2006/ole">
             <mc:AlternateContent xmlns:mc="http://schemas.openxmlformats.org/markup-compatibility/2006">
               <mc:Choice xmlns:v="urn:schemas-microsoft-com:vml" Requires="v">
-                <p:oleObj spid="_x0000_s4576" name="Equation" r:id="rId32" imgW="7010400" imgH="4876800" progId="Equation.DSMT4">
+                <p:oleObj spid="_x0000_s4794" name="Equation" r:id="rId34" imgW="7010400" imgH="4876800" progId="Equation.DSMT4">
                   <p:embed/>
                 </p:oleObj>
               </mc:Choice>
               <mc:Fallback>
-                <p:oleObj name="Equation" r:id="rId32" imgW="7010400" imgH="4876800" progId="Equation.DSMT4">
+                <p:oleObj name="Equation" r:id="rId34" imgW="7010400" imgH="4876800" progId="Equation.DSMT4">
                   <p:embed/>
                   <p:pic>
                     <p:nvPicPr>
@@ -12009,7 +11894,7 @@
                       <p:nvPr/>
                     </p:nvPicPr>
                     <p:blipFill>
-                      <a:blip r:embed="rId33"/>
+                      <a:blip r:embed="rId35"/>
                       <a:stretch>
                         <a:fillRect/>
                       </a:stretch>
@@ -12177,12 +12062,12 @@
           <a:graphicData uri="http://schemas.openxmlformats.org/presentationml/2006/ole">
             <mc:AlternateContent xmlns:mc="http://schemas.openxmlformats.org/markup-compatibility/2006">
               <mc:Choice xmlns:v="urn:schemas-microsoft-com:vml" Requires="v">
-                <p:oleObj spid="_x0000_s4577" name="Equation" r:id="rId34" imgW="7010400" imgH="4876800" progId="Equation.DSMT4">
+                <p:oleObj spid="_x0000_s4795" name="Equation" r:id="rId36" imgW="7010400" imgH="4876800" progId="Equation.DSMT4">
                   <p:embed/>
                 </p:oleObj>
               </mc:Choice>
               <mc:Fallback>
-                <p:oleObj name="Equation" r:id="rId34" imgW="7010400" imgH="4876800" progId="Equation.DSMT4">
+                <p:oleObj name="Equation" r:id="rId36" imgW="7010400" imgH="4876800" progId="Equation.DSMT4">
                   <p:embed/>
                   <p:pic>
                     <p:nvPicPr>
@@ -12191,7 +12076,7 @@
                       <p:nvPr/>
                     </p:nvPicPr>
                     <p:blipFill>
-                      <a:blip r:embed="rId33"/>
+                      <a:blip r:embed="rId35"/>
                       <a:stretch>
                         <a:fillRect/>
                       </a:stretch>
@@ -12393,12 +12278,12 @@
           <a:graphicData uri="http://schemas.openxmlformats.org/presentationml/2006/ole">
             <mc:AlternateContent xmlns:mc="http://schemas.openxmlformats.org/markup-compatibility/2006">
               <mc:Choice xmlns:v="urn:schemas-microsoft-com:vml" Requires="v">
-                <p:oleObj spid="_x0000_s4578" name="Equation" r:id="rId35" imgW="7010400" imgH="4876800" progId="Equation.DSMT4">
+                <p:oleObj spid="_x0000_s4796" name="Equation" r:id="rId37" imgW="7010400" imgH="4876800" progId="Equation.DSMT4">
                   <p:embed/>
                 </p:oleObj>
               </mc:Choice>
               <mc:Fallback>
-                <p:oleObj name="Equation" r:id="rId35" imgW="7010400" imgH="4876800" progId="Equation.DSMT4">
+                <p:oleObj name="Equation" r:id="rId37" imgW="7010400" imgH="4876800" progId="Equation.DSMT4">
                   <p:embed/>
                   <p:pic>
                     <p:nvPicPr>
@@ -12407,7 +12292,7 @@
                       <p:nvPr/>
                     </p:nvPicPr>
                     <p:blipFill>
-                      <a:blip r:embed="rId33"/>
+                      <a:blip r:embed="rId35"/>
                       <a:stretch>
                         <a:fillRect/>
                       </a:stretch>
@@ -12502,13 +12387,6 @@
               </a:rPr>
               <a:t>高度</a:t>
             </a:r>
-            <a:endParaRPr lang="zh-CN" altLang="en-US" sz="800" dirty="0">
-              <a:solidFill>
-                <a:schemeClr val="tx1"/>
-              </a:solidFill>
-              <a:latin typeface="宋体" panose="02010600030101010101" pitchFamily="2" charset="-122"/>
-              <a:ea typeface="宋体" panose="02010600030101010101" pitchFamily="2" charset="-122"/>
-            </a:endParaRPr>
           </a:p>
         </p:txBody>
       </p:sp>
@@ -12561,13 +12439,6 @@
               </a:rPr>
               <a:t>速度</a:t>
             </a:r>
-            <a:endParaRPr lang="zh-CN" altLang="en-US" sz="800" dirty="0">
-              <a:solidFill>
-                <a:schemeClr val="tx1"/>
-              </a:solidFill>
-              <a:latin typeface="宋体" panose="02010600030101010101" pitchFamily="2" charset="-122"/>
-              <a:ea typeface="宋体" panose="02010600030101010101" pitchFamily="2" charset="-122"/>
-            </a:endParaRPr>
           </a:p>
         </p:txBody>
       </p:sp>
@@ -12620,13 +12491,6 @@
               </a:rPr>
               <a:t>俯仰角</a:t>
             </a:r>
-            <a:endParaRPr lang="zh-CN" altLang="en-US" sz="800" dirty="0">
-              <a:solidFill>
-                <a:schemeClr val="tx1"/>
-              </a:solidFill>
-              <a:latin typeface="宋体" panose="02010600030101010101" pitchFamily="2" charset="-122"/>
-              <a:ea typeface="宋体" panose="02010600030101010101" pitchFamily="2" charset="-122"/>
-            </a:endParaRPr>
           </a:p>
         </p:txBody>
       </p:sp>
@@ -12679,13 +12543,6 @@
               </a:rPr>
               <a:t>推力</a:t>
             </a:r>
-            <a:endParaRPr lang="zh-CN" altLang="en-US" sz="800" dirty="0">
-              <a:solidFill>
-                <a:schemeClr val="tx1"/>
-              </a:solidFill>
-              <a:latin typeface="宋体" panose="02010600030101010101" pitchFamily="2" charset="-122"/>
-              <a:ea typeface="宋体" panose="02010600030101010101" pitchFamily="2" charset="-122"/>
-            </a:endParaRPr>
           </a:p>
         </p:txBody>
       </p:sp>
@@ -12881,13 +12738,6 @@
               </a:rPr>
               <a:t>升降舵</a:t>
             </a:r>
-            <a:endParaRPr lang="zh-CN" altLang="en-US" sz="800" dirty="0">
-              <a:solidFill>
-                <a:schemeClr val="tx1"/>
-              </a:solidFill>
-              <a:latin typeface="宋体" panose="02010600030101010101" pitchFamily="2" charset="-122"/>
-              <a:ea typeface="宋体" panose="02010600030101010101" pitchFamily="2" charset="-122"/>
-            </a:endParaRPr>
           </a:p>
         </p:txBody>
       </p:sp>
@@ -13216,7 +13066,7 @@
           <p:nvPr/>
         </p:nvPicPr>
         <p:blipFill>
-          <a:blip r:embed="rId1">
+          <a:blip r:embed="rId3" cstate="print">
             <a:extLst>
               <a:ext uri="{28A0092B-C50C-407E-A947-70E740481C1C}">
                 <a14:useLocalDpi xmlns:a14="http://schemas.microsoft.com/office/drawing/2010/main" val="0"/>
@@ -13325,12 +13175,12 @@
           <a:graphicData uri="http://schemas.openxmlformats.org/presentationml/2006/ole">
             <mc:AlternateContent xmlns:mc="http://schemas.openxmlformats.org/markup-compatibility/2006">
               <mc:Choice xmlns:v="urn:schemas-microsoft-com:vml" Requires="v">
-                <p:oleObj spid="_x0000_s4561" name="Equation" r:id="rId2" imgW="5791200" imgH="4876800" progId="Equation.DSMT4">
+                <p:oleObj spid="_x0000_s7397" name="Equation" r:id="rId4" imgW="5791200" imgH="4876800" progId="Equation.DSMT4">
                   <p:embed/>
                 </p:oleObj>
               </mc:Choice>
               <mc:Fallback>
-                <p:oleObj name="Equation" r:id="rId2" imgW="5791200" imgH="4876800" progId="Equation.DSMT4">
+                <p:oleObj name="Equation" r:id="rId4" imgW="5791200" imgH="4876800" progId="Equation.DSMT4">
                   <p:embed/>
                   <p:pic>
                     <p:nvPicPr>
@@ -13339,7 +13189,7 @@
                       <p:nvPr/>
                     </p:nvPicPr>
                     <p:blipFill>
-                      <a:blip r:embed="rId3"/>
+                      <a:blip r:embed="rId5"/>
                       <a:stretch>
                         <a:fillRect/>
                       </a:stretch>
@@ -13376,12 +13226,12 @@
           <a:graphicData uri="http://schemas.openxmlformats.org/presentationml/2006/ole">
             <mc:AlternateContent xmlns:mc="http://schemas.openxmlformats.org/markup-compatibility/2006">
               <mc:Choice xmlns:v="urn:schemas-microsoft-com:vml" Requires="v">
-                <p:oleObj spid="_x0000_s4562" name="Equation" r:id="rId4" imgW="5486400" imgH="4572000" progId="Equation.DSMT4">
+                <p:oleObj spid="_x0000_s7398" name="Equation" r:id="rId6" imgW="5486400" imgH="4572000" progId="Equation.DSMT4">
                   <p:embed/>
                 </p:oleObj>
               </mc:Choice>
               <mc:Fallback>
-                <p:oleObj name="Equation" r:id="rId4" imgW="5486400" imgH="4572000" progId="Equation.DSMT4">
+                <p:oleObj name="Equation" r:id="rId6" imgW="5486400" imgH="4572000" progId="Equation.DSMT4">
                   <p:embed/>
                   <p:pic>
                     <p:nvPicPr>
@@ -13390,7 +13240,7 @@
                       <p:nvPr/>
                     </p:nvPicPr>
                     <p:blipFill>
-                      <a:blip r:embed="rId5"/>
+                      <a:blip r:embed="rId7"/>
                       <a:stretch>
                         <a:fillRect/>
                       </a:stretch>
@@ -13499,12 +13349,12 @@
           <a:graphicData uri="http://schemas.openxmlformats.org/presentationml/2006/ole">
             <mc:AlternateContent xmlns:mc="http://schemas.openxmlformats.org/markup-compatibility/2006">
               <mc:Choice xmlns:v="urn:schemas-microsoft-com:vml" Requires="v">
-                <p:oleObj spid="_x0000_s4563" name="Equation" r:id="rId6" imgW="7010400" imgH="5791200" progId="Equation.DSMT4">
+                <p:oleObj spid="_x0000_s7399" name="Equation" r:id="rId8" imgW="7010400" imgH="5791200" progId="Equation.DSMT4">
                   <p:embed/>
                 </p:oleObj>
               </mc:Choice>
               <mc:Fallback>
-                <p:oleObj name="Equation" r:id="rId6" imgW="7010400" imgH="5791200" progId="Equation.DSMT4">
+                <p:oleObj name="Equation" r:id="rId8" imgW="7010400" imgH="5791200" progId="Equation.DSMT4">
                   <p:embed/>
                   <p:pic>
                     <p:nvPicPr>
@@ -13513,7 +13363,7 @@
                       <p:nvPr/>
                     </p:nvPicPr>
                     <p:blipFill>
-                      <a:blip r:embed="rId7"/>
+                      <a:blip r:embed="rId9"/>
                       <a:stretch>
                         <a:fillRect/>
                       </a:stretch>
@@ -13586,12 +13436,12 @@
           <a:graphicData uri="http://schemas.openxmlformats.org/presentationml/2006/ole">
             <mc:AlternateContent xmlns:mc="http://schemas.openxmlformats.org/markup-compatibility/2006">
               <mc:Choice xmlns:v="urn:schemas-microsoft-com:vml" Requires="v">
-                <p:oleObj spid="_x0000_s4564" name="Equation" r:id="rId8" imgW="10058400" imgH="5791200" progId="Equation.DSMT4">
+                <p:oleObj spid="_x0000_s7400" name="Equation" r:id="rId10" imgW="10058400" imgH="5791200" progId="Equation.DSMT4">
                   <p:embed/>
                 </p:oleObj>
               </mc:Choice>
               <mc:Fallback>
-                <p:oleObj name="Equation" r:id="rId8" imgW="10058400" imgH="5791200" progId="Equation.DSMT4">
+                <p:oleObj name="Equation" r:id="rId10" imgW="10058400" imgH="5791200" progId="Equation.DSMT4">
                   <p:embed/>
                   <p:pic>
                     <p:nvPicPr>
@@ -13600,7 +13450,7 @@
                       <p:nvPr/>
                     </p:nvPicPr>
                     <p:blipFill>
-                      <a:blip r:embed="rId9"/>
+                      <a:blip r:embed="rId11"/>
                       <a:stretch>
                         <a:fillRect/>
                       </a:stretch>
@@ -13637,12 +13487,12 @@
           <a:graphicData uri="http://schemas.openxmlformats.org/presentationml/2006/ole">
             <mc:AlternateContent xmlns:mc="http://schemas.openxmlformats.org/markup-compatibility/2006">
               <mc:Choice xmlns:v="urn:schemas-microsoft-com:vml" Requires="v">
-                <p:oleObj spid="_x0000_s4565" name="Equation" r:id="rId10" imgW="7010400" imgH="5791200" progId="Equation.DSMT4">
+                <p:oleObj spid="_x0000_s7401" name="Equation" r:id="rId12" imgW="7010400" imgH="5791200" progId="Equation.DSMT4">
                   <p:embed/>
                 </p:oleObj>
               </mc:Choice>
               <mc:Fallback>
-                <p:oleObj name="Equation" r:id="rId10" imgW="7010400" imgH="5791200" progId="Equation.DSMT4">
+                <p:oleObj name="Equation" r:id="rId12" imgW="7010400" imgH="5791200" progId="Equation.DSMT4">
                   <p:embed/>
                   <p:pic>
                     <p:nvPicPr>
@@ -13651,7 +13501,7 @@
                       <p:nvPr/>
                     </p:nvPicPr>
                     <p:blipFill>
-                      <a:blip r:embed="rId11"/>
+                      <a:blip r:embed="rId13"/>
                       <a:stretch>
                         <a:fillRect/>
                       </a:stretch>
@@ -13688,12 +13538,12 @@
           <a:graphicData uri="http://schemas.openxmlformats.org/presentationml/2006/ole">
             <mc:AlternateContent xmlns:mc="http://schemas.openxmlformats.org/markup-compatibility/2006">
               <mc:Choice xmlns:v="urn:schemas-microsoft-com:vml" Requires="v">
-                <p:oleObj spid="_x0000_s4566" name="Equation" r:id="rId12" imgW="9144000" imgH="5791200" progId="Equation.DSMT4">
+                <p:oleObj spid="_x0000_s7402" name="Equation" r:id="rId14" imgW="9144000" imgH="5791200" progId="Equation.DSMT4">
                   <p:embed/>
                 </p:oleObj>
               </mc:Choice>
               <mc:Fallback>
-                <p:oleObj name="Equation" r:id="rId12" imgW="9144000" imgH="5791200" progId="Equation.DSMT4">
+                <p:oleObj name="Equation" r:id="rId14" imgW="9144000" imgH="5791200" progId="Equation.DSMT4">
                   <p:embed/>
                   <p:pic>
                     <p:nvPicPr>
@@ -13702,7 +13552,7 @@
                       <p:nvPr/>
                     </p:nvPicPr>
                     <p:blipFill>
-                      <a:blip r:embed="rId13"/>
+                      <a:blip r:embed="rId15"/>
                       <a:stretch>
                         <a:fillRect/>
                       </a:stretch>
@@ -13767,7 +13617,7 @@
           <p:nvPr/>
         </p:nvPicPr>
         <p:blipFill>
-          <a:blip r:embed="rId1">
+          <a:blip r:embed="rId16" cstate="print">
             <a:lum bright="70000" contrast="-70000"/>
             <a:extLst>
               <a:ext uri="{28A0092B-C50C-407E-A947-70E740481C1C}">
@@ -13913,12 +13763,12 @@
           <a:graphicData uri="http://schemas.openxmlformats.org/presentationml/2006/ole">
             <mc:AlternateContent xmlns:mc="http://schemas.openxmlformats.org/markup-compatibility/2006">
               <mc:Choice xmlns:v="urn:schemas-microsoft-com:vml" Requires="v">
-                <p:oleObj spid="_x0000_s4567" name="Equation" r:id="rId14" imgW="16764000" imgH="5791200" progId="Equation.DSMT4">
+                <p:oleObj spid="_x0000_s7403" name="Equation" r:id="rId17" imgW="16764000" imgH="5791200" progId="Equation.DSMT4">
                   <p:embed/>
                 </p:oleObj>
               </mc:Choice>
               <mc:Fallback>
-                <p:oleObj name="Equation" r:id="rId14" imgW="16764000" imgH="5791200" progId="Equation.DSMT4">
+                <p:oleObj name="Equation" r:id="rId17" imgW="16764000" imgH="5791200" progId="Equation.DSMT4">
                   <p:embed/>
                   <p:pic>
                     <p:nvPicPr>
@@ -13927,7 +13777,7 @@
                       <p:nvPr/>
                     </p:nvPicPr>
                     <p:blipFill>
-                      <a:blip r:embed="rId15"/>
+                      <a:blip r:embed="rId18"/>
                       <a:stretch>
                         <a:fillRect/>
                       </a:stretch>
@@ -13964,12 +13814,12 @@
           <a:graphicData uri="http://schemas.openxmlformats.org/presentationml/2006/ole">
             <mc:AlternateContent xmlns:mc="http://schemas.openxmlformats.org/markup-compatibility/2006">
               <mc:Choice xmlns:v="urn:schemas-microsoft-com:vml" Requires="v">
-                <p:oleObj spid="_x0000_s4568" name="Equation" r:id="rId16" imgW="238125" imgH="199390" progId="Equation.DSMT4">
+                <p:oleObj spid="_x0000_s7404" name="Equation" r:id="rId19" imgW="238125" imgH="199390" progId="Equation.DSMT4">
                   <p:embed/>
                 </p:oleObj>
               </mc:Choice>
               <mc:Fallback>
-                <p:oleObj name="Equation" r:id="rId16" imgW="238125" imgH="199390" progId="Equation.DSMT4">
+                <p:oleObj name="Equation" r:id="rId19" imgW="238125" imgH="199390" progId="Equation.DSMT4">
                   <p:embed/>
                   <p:pic>
                     <p:nvPicPr>
@@ -13978,7 +13828,7 @@
                       <p:nvPr/>
                     </p:nvPicPr>
                     <p:blipFill>
-                      <a:blip r:embed="rId17"/>
+                      <a:blip r:embed="rId20"/>
                       <a:stretch>
                         <a:fillRect/>
                       </a:stretch>
@@ -14015,12 +13865,12 @@
           <a:graphicData uri="http://schemas.openxmlformats.org/presentationml/2006/ole">
             <mc:AlternateContent xmlns:mc="http://schemas.openxmlformats.org/markup-compatibility/2006">
               <mc:Choice xmlns:v="urn:schemas-microsoft-com:vml" Requires="v">
-                <p:oleObj spid="_x0000_s4569" name="Equation" r:id="rId18" imgW="16154400" imgH="5791200" progId="Equation.DSMT4">
+                <p:oleObj spid="_x0000_s7405" name="Equation" r:id="rId21" imgW="16154400" imgH="5791200" progId="Equation.DSMT4">
                   <p:embed/>
                 </p:oleObj>
               </mc:Choice>
               <mc:Fallback>
-                <p:oleObj name="Equation" r:id="rId18" imgW="16154400" imgH="5791200" progId="Equation.DSMT4">
+                <p:oleObj name="Equation" r:id="rId21" imgW="16154400" imgH="5791200" progId="Equation.DSMT4">
                   <p:embed/>
                   <p:pic>
                     <p:nvPicPr>
@@ -14029,7 +13879,7 @@
                       <p:nvPr/>
                     </p:nvPicPr>
                     <p:blipFill>
-                      <a:blip r:embed="rId19"/>
+                      <a:blip r:embed="rId22"/>
                       <a:stretch>
                         <a:fillRect/>
                       </a:stretch>
@@ -14138,12 +13988,12 @@
           <a:graphicData uri="http://schemas.openxmlformats.org/presentationml/2006/ole">
             <mc:AlternateContent xmlns:mc="http://schemas.openxmlformats.org/markup-compatibility/2006">
               <mc:Choice xmlns:v="urn:schemas-microsoft-com:vml" Requires="v">
-                <p:oleObj spid="_x0000_s4570" name="Equation" r:id="rId20" imgW="5791200" imgH="4876800" progId="Equation.DSMT4">
+                <p:oleObj spid="_x0000_s7406" name="Equation" r:id="rId23" imgW="5791200" imgH="4876800" progId="Equation.DSMT4">
                   <p:embed/>
                 </p:oleObj>
               </mc:Choice>
               <mc:Fallback>
-                <p:oleObj name="Equation" r:id="rId20" imgW="5791200" imgH="4876800" progId="Equation.DSMT4">
+                <p:oleObj name="Equation" r:id="rId23" imgW="5791200" imgH="4876800" progId="Equation.DSMT4">
                   <p:embed/>
                   <p:pic>
                     <p:nvPicPr>
@@ -14152,7 +14002,7 @@
                       <p:nvPr/>
                     </p:nvPicPr>
                     <p:blipFill>
-                      <a:blip r:embed="rId21"/>
+                      <a:blip r:embed="rId24"/>
                       <a:stretch>
                         <a:fillRect/>
                       </a:stretch>
@@ -14189,12 +14039,12 @@
           <a:graphicData uri="http://schemas.openxmlformats.org/presentationml/2006/ole">
             <mc:AlternateContent xmlns:mc="http://schemas.openxmlformats.org/markup-compatibility/2006">
               <mc:Choice xmlns:v="urn:schemas-microsoft-com:vml" Requires="v">
-                <p:oleObj spid="_x0000_s4571" name="Equation" r:id="rId22" imgW="5486400" imgH="4572000" progId="Equation.DSMT4">
+                <p:oleObj spid="_x0000_s7407" name="Equation" r:id="rId25" imgW="5486400" imgH="4572000" progId="Equation.DSMT4">
                   <p:embed/>
                 </p:oleObj>
               </mc:Choice>
               <mc:Fallback>
-                <p:oleObj name="Equation" r:id="rId22" imgW="5486400" imgH="4572000" progId="Equation.DSMT4">
+                <p:oleObj name="Equation" r:id="rId25" imgW="5486400" imgH="4572000" progId="Equation.DSMT4">
                   <p:embed/>
                   <p:pic>
                     <p:nvPicPr>
@@ -14203,7 +14053,7 @@
                       <p:nvPr/>
                     </p:nvPicPr>
                     <p:blipFill>
-                      <a:blip r:embed="rId23"/>
+                      <a:blip r:embed="rId26"/>
                       <a:stretch>
                         <a:fillRect/>
                       </a:stretch>
@@ -14291,12 +14141,12 @@
           <a:graphicData uri="http://schemas.openxmlformats.org/presentationml/2006/ole">
             <mc:AlternateContent xmlns:mc="http://schemas.openxmlformats.org/markup-compatibility/2006">
               <mc:Choice xmlns:v="urn:schemas-microsoft-com:vml" Requires="v">
-                <p:oleObj spid="_x0000_s4572" name="Equation" r:id="rId24" imgW="10058400" imgH="5486400" progId="Equation.DSMT4">
+                <p:oleObj spid="_x0000_s7408" name="Equation" r:id="rId27" imgW="10058400" imgH="5486400" progId="Equation.DSMT4">
                   <p:embed/>
                 </p:oleObj>
               </mc:Choice>
               <mc:Fallback>
-                <p:oleObj name="Equation" r:id="rId24" imgW="10058400" imgH="5486400" progId="Equation.DSMT4">
+                <p:oleObj name="Equation" r:id="rId27" imgW="10058400" imgH="5486400" progId="Equation.DSMT4">
                   <p:embed/>
                   <p:pic>
                     <p:nvPicPr>
@@ -14305,7 +14155,7 @@
                       <p:nvPr/>
                     </p:nvPicPr>
                     <p:blipFill>
-                      <a:blip r:embed="rId25"/>
+                      <a:blip r:embed="rId28"/>
                       <a:stretch>
                         <a:fillRect/>
                       </a:stretch>
@@ -14379,12 +14229,12 @@
           <a:graphicData uri="http://schemas.openxmlformats.org/presentationml/2006/ole">
             <mc:AlternateContent xmlns:mc="http://schemas.openxmlformats.org/markup-compatibility/2006">
               <mc:Choice xmlns:v="urn:schemas-microsoft-com:vml" Requires="v">
-                <p:oleObj spid="_x0000_s4573" name="Equation" r:id="rId26" imgW="16764000" imgH="5486400" progId="Equation.DSMT4">
+                <p:oleObj spid="_x0000_s7409" name="Equation" r:id="rId29" imgW="16764000" imgH="5486400" progId="Equation.DSMT4">
                   <p:embed/>
                 </p:oleObj>
               </mc:Choice>
               <mc:Fallback>
-                <p:oleObj name="Equation" r:id="rId26" imgW="16764000" imgH="5486400" progId="Equation.DSMT4">
+                <p:oleObj name="Equation" r:id="rId29" imgW="16764000" imgH="5486400" progId="Equation.DSMT4">
                   <p:embed/>
                   <p:pic>
                     <p:nvPicPr>
@@ -14393,7 +14243,7 @@
                       <p:nvPr/>
                     </p:nvPicPr>
                     <p:blipFill>
-                      <a:blip r:embed="rId27"/>
+                      <a:blip r:embed="rId30"/>
                       <a:stretch>
                         <a:fillRect/>
                       </a:stretch>
@@ -14465,12 +14315,12 @@
           <a:graphicData uri="http://schemas.openxmlformats.org/presentationml/2006/ole">
             <mc:AlternateContent xmlns:mc="http://schemas.openxmlformats.org/markup-compatibility/2006">
               <mc:Choice xmlns:v="urn:schemas-microsoft-com:vml" Requires="v">
-                <p:oleObj spid="_x0000_s4574" name="Equation" r:id="rId28" imgW="270510" imgH="219075" progId="Equation.DSMT4">
+                <p:oleObj spid="_x0000_s7410" name="Equation" r:id="rId31" imgW="270510" imgH="219075" progId="Equation.DSMT4">
                   <p:embed/>
                 </p:oleObj>
               </mc:Choice>
               <mc:Fallback>
-                <p:oleObj name="Equation" r:id="rId28" imgW="270510" imgH="219075" progId="Equation.DSMT4">
+                <p:oleObj name="Equation" r:id="rId31" imgW="270510" imgH="219075" progId="Equation.DSMT4">
                   <p:embed/>
                   <p:pic>
                     <p:nvPicPr>
@@ -14479,7 +14329,7 @@
                       <p:nvPr/>
                     </p:nvPicPr>
                     <p:blipFill>
-                      <a:blip r:embed="rId29"/>
+                      <a:blip r:embed="rId32"/>
                       <a:stretch>
                         <a:fillRect/>
                       </a:stretch>
@@ -14622,12 +14472,12 @@
           <a:graphicData uri="http://schemas.openxmlformats.org/presentationml/2006/ole">
             <mc:AlternateContent xmlns:mc="http://schemas.openxmlformats.org/markup-compatibility/2006">
               <mc:Choice xmlns:v="urn:schemas-microsoft-com:vml" Requires="v">
-                <p:oleObj spid="_x0000_s4575" name="Equation" r:id="rId30" imgW="560070" imgH="199390" progId="Equation.DSMT4">
+                <p:oleObj spid="_x0000_s7411" name="Equation" r:id="rId33" imgW="560070" imgH="199390" progId="Equation.DSMT4">
                   <p:embed/>
                 </p:oleObj>
               </mc:Choice>
               <mc:Fallback>
-                <p:oleObj name="Equation" r:id="rId30" imgW="560070" imgH="199390" progId="Equation.DSMT4">
+                <p:oleObj name="Equation" r:id="rId33" imgW="560070" imgH="199390" progId="Equation.DSMT4">
                   <p:embed/>
                   <p:pic>
                     <p:nvPicPr>
@@ -14636,7 +14486,7 @@
                       <p:nvPr/>
                     </p:nvPicPr>
                     <p:blipFill>
-                      <a:blip r:embed="rId31"/>
+                      <a:blip r:embed="rId34"/>
                       <a:stretch>
                         <a:fillRect/>
                       </a:stretch>
@@ -14731,12 +14581,12 @@
           <a:graphicData uri="http://schemas.openxmlformats.org/presentationml/2006/ole">
             <mc:AlternateContent xmlns:mc="http://schemas.openxmlformats.org/markup-compatibility/2006">
               <mc:Choice xmlns:v="urn:schemas-microsoft-com:vml" Requires="v">
-                <p:oleObj spid="_x0000_s4576" name="Equation" r:id="rId32" imgW="7010400" imgH="4876800" progId="Equation.DSMT4">
+                <p:oleObj spid="_x0000_s7412" name="Equation" r:id="rId35" imgW="7010400" imgH="4876800" progId="Equation.DSMT4">
                   <p:embed/>
                 </p:oleObj>
               </mc:Choice>
               <mc:Fallback>
-                <p:oleObj name="Equation" r:id="rId32" imgW="7010400" imgH="4876800" progId="Equation.DSMT4">
+                <p:oleObj name="Equation" r:id="rId35" imgW="7010400" imgH="4876800" progId="Equation.DSMT4">
                   <p:embed/>
                   <p:pic>
                     <p:nvPicPr>
@@ -14745,7 +14595,7 @@
                       <p:nvPr/>
                     </p:nvPicPr>
                     <p:blipFill>
-                      <a:blip r:embed="rId33"/>
+                      <a:blip r:embed="rId36"/>
                       <a:stretch>
                         <a:fillRect/>
                       </a:stretch>
@@ -14913,12 +14763,12 @@
           <a:graphicData uri="http://schemas.openxmlformats.org/presentationml/2006/ole">
             <mc:AlternateContent xmlns:mc="http://schemas.openxmlformats.org/markup-compatibility/2006">
               <mc:Choice xmlns:v="urn:schemas-microsoft-com:vml" Requires="v">
-                <p:oleObj spid="_x0000_s4577" name="Equation" r:id="rId34" imgW="7010400" imgH="4876800" progId="Equation.DSMT4">
+                <p:oleObj spid="_x0000_s7413" name="Equation" r:id="rId37" imgW="7010400" imgH="4876800" progId="Equation.DSMT4">
                   <p:embed/>
                 </p:oleObj>
               </mc:Choice>
               <mc:Fallback>
-                <p:oleObj name="Equation" r:id="rId34" imgW="7010400" imgH="4876800" progId="Equation.DSMT4">
+                <p:oleObj name="Equation" r:id="rId37" imgW="7010400" imgH="4876800" progId="Equation.DSMT4">
                   <p:embed/>
                   <p:pic>
                     <p:nvPicPr>
@@ -14927,7 +14777,7 @@
                       <p:nvPr/>
                     </p:nvPicPr>
                     <p:blipFill>
-                      <a:blip r:embed="rId33"/>
+                      <a:blip r:embed="rId36"/>
                       <a:stretch>
                         <a:fillRect/>
                       </a:stretch>
@@ -15129,12 +14979,12 @@
           <a:graphicData uri="http://schemas.openxmlformats.org/presentationml/2006/ole">
             <mc:AlternateContent xmlns:mc="http://schemas.openxmlformats.org/markup-compatibility/2006">
               <mc:Choice xmlns:v="urn:schemas-microsoft-com:vml" Requires="v">
-                <p:oleObj spid="_x0000_s4578" name="Equation" r:id="rId35" imgW="7010400" imgH="4876800" progId="Equation.DSMT4">
+                <p:oleObj spid="_x0000_s7414" name="Equation" r:id="rId38" imgW="7010400" imgH="4876800" progId="Equation.DSMT4">
                   <p:embed/>
                 </p:oleObj>
               </mc:Choice>
               <mc:Fallback>
-                <p:oleObj name="Equation" r:id="rId35" imgW="7010400" imgH="4876800" progId="Equation.DSMT4">
+                <p:oleObj name="Equation" r:id="rId38" imgW="7010400" imgH="4876800" progId="Equation.DSMT4">
                   <p:embed/>
                   <p:pic>
                     <p:nvPicPr>
@@ -15143,7 +14993,7 @@
                       <p:nvPr/>
                     </p:nvPicPr>
                     <p:blipFill>
-                      <a:blip r:embed="rId33"/>
+                      <a:blip r:embed="rId36"/>
                       <a:stretch>
                         <a:fillRect/>
                       </a:stretch>
@@ -15203,6 +15053,7 @@
         </p:style>
         <p:txBody>
           <a:bodyPr rtlCol="0" anchor="ctr"/>
+          <a:lstStyle/>
           <a:p>
             <a:pPr algn="ctr"/>
             <a:endParaRPr lang="zh-CN" altLang="en-US"/>
@@ -15405,6 +15256,7 @@
         </p:style>
         <p:txBody>
           <a:bodyPr rtlCol="0" anchor="ctr"/>
+          <a:lstStyle/>
           <a:p>
             <a:pPr algn="ctr"/>
             <a:endParaRPr lang="zh-CN" altLang="en-US">
@@ -15431,12 +15283,12 @@
           <a:graphicData uri="http://schemas.openxmlformats.org/presentationml/2006/ole">
             <mc:AlternateContent xmlns:mc="http://schemas.openxmlformats.org/markup-compatibility/2006">
               <mc:Choice xmlns:v="urn:schemas-microsoft-com:vml" Requires="v">
-                <p:oleObj spid="_x0000_s38" name="Equation" r:id="rId36" imgW="7010400" imgH="4876800" progId="Equation.DSMT4">
+                <p:oleObj spid="_x0000_s7415" name="Equation" r:id="rId39" imgW="7010400" imgH="4876800" progId="Equation.DSMT4">
                   <p:embed/>
                 </p:oleObj>
               </mc:Choice>
               <mc:Fallback>
-                <p:oleObj name="Equation" r:id="rId36" imgW="7010400" imgH="4876800" progId="Equation.DSMT4">
+                <p:oleObj name="Equation" r:id="rId39" imgW="7010400" imgH="4876800" progId="Equation.DSMT4">
                   <p:embed/>
                   <p:pic>
                     <p:nvPicPr>
@@ -15445,7 +15297,7 @@
                       <p:nvPr/>
                     </p:nvPicPr>
                     <p:blipFill>
-                      <a:blip r:embed="rId33"/>
+                      <a:blip r:embed="rId36"/>
                       <a:stretch>
                         <a:fillRect/>
                       </a:stretch>
@@ -15466,8 +15318,8 @@
           </a:graphicData>
         </a:graphic>
       </p:graphicFrame>
-      <mc:AlternateContent xmlns:mc="http://schemas.openxmlformats.org/markup-compatibility/2006">
-        <mc:Choice xmlns:a14="http://schemas.microsoft.com/office/drawing/2010/main" Requires="a14">
+      <mc:AlternateContent xmlns:mc="http://schemas.openxmlformats.org/markup-compatibility/2006" xmlns:a14="http://schemas.microsoft.com/office/drawing/2010/main">
+        <mc:Choice Requires="a14">
           <p:sp>
             <p:nvSpPr>
               <p:cNvPr id="39" name="文本框 38"/>
@@ -15488,6 +15340,7 @@
               <a:bodyPr wrap="square" rtlCol="0" anchor="t">
                 <a:spAutoFit/>
               </a:bodyPr>
+              <a:lstStyle/>
               <a:p>
                 <a:pPr algn="l"/>
                 <a14:m>
@@ -15500,7 +15353,7 @@
                         <m:fPr>
                           <m:ctrlPr>
                             <a:rPr lang="en-US" altLang="zh-CN" sz="800" i="1">
-                              <a:latin typeface="Cambria Math" panose="02040503050406030204" charset="0"/>
+                              <a:latin typeface="Cambria Math" panose="02040503050406030204" pitchFamily="18" charset="0"/>
                               <a:cs typeface="Cambria Math" panose="02040503050406030204" charset="0"/>
                             </a:rPr>
                           </m:ctrlPr>
@@ -15532,7 +15385,7 @@
             </p:txBody>
           </p:sp>
         </mc:Choice>
-        <mc:Fallback>
+        <mc:Fallback xmlns="">
           <p:sp>
             <p:nvSpPr>
               <p:cNvPr id="39" name="文本框 38"/>
@@ -15550,7 +15403,7 @@
                 <a:avLst/>
               </a:prstGeom>
               <a:blipFill rotWithShape="1">
-                <a:blip r:embed="rId37"/>
+                <a:blip r:embed="rId40"/>
                 <a:stretch>
                   <a:fillRect/>
                 </a:stretch>
@@ -15615,6 +15468,7 @@
         </p:style>
         <p:txBody>
           <a:bodyPr rtlCol="0" anchor="ctr"/>
+          <a:lstStyle/>
           <a:p>
             <a:pPr algn="ctr"/>
             <a:endParaRPr lang="zh-CN" altLang="en-US">
@@ -15645,6 +15499,7 @@
           <a:bodyPr wrap="square" rtlCol="0" anchor="t">
             <a:spAutoFit/>
           </a:bodyPr>
+          <a:lstStyle/>
           <a:p>
             <a:r>
               <a:rPr lang="en-US" altLang="zh-CN" sz="800">
@@ -15652,9 +15507,6 @@
               </a:rPr>
               <a:t>L1</a:t>
             </a:r>
-            <a:endParaRPr lang="en-US" altLang="zh-CN" sz="800">
-              <a:latin typeface="Arial" panose="020B0604020202020204" pitchFamily="34" charset="0"/>
-            </a:endParaRPr>
           </a:p>
         </p:txBody>
       </p:sp>
@@ -15665,7 +15517,7 @@
           <p:nvPr/>
         </p:nvSpPr>
         <p:spPr>
-          <a:xfrm rot="2220000">
+          <a:xfrm rot="2329092">
             <a:off x="6313170" y="748030"/>
             <a:ext cx="151130" cy="1818005"/>
           </a:xfrm>
@@ -15697,6 +15549,7 @@
         </p:style>
         <p:txBody>
           <a:bodyPr rtlCol="0" anchor="ctr"/>
+          <a:lstStyle/>
           <a:p>
             <a:pPr algn="ctr"/>
             <a:endParaRPr lang="zh-CN" altLang="en-US"/>
@@ -15704,6 +15557,2572 @@
         </p:txBody>
       </p:sp>
     </p:spTree>
+  </p:cSld>
+  <p:clrMapOvr>
+    <a:masterClrMapping/>
+  </p:clrMapOvr>
+</p:sld>
+</file>
+
+<file path=ppt/slides/slide6.xml><?xml version="1.0" encoding="utf-8"?>
+<p:sld xmlns:a="http://schemas.openxmlformats.org/drawingml/2006/main" xmlns:r="http://schemas.openxmlformats.org/officeDocument/2006/relationships" xmlns:p="http://schemas.openxmlformats.org/presentationml/2006/main">
+  <p:cSld>
+    <p:spTree>
+      <p:nvGrpSpPr>
+        <p:cNvPr id="1" name=""/>
+        <p:cNvGrpSpPr/>
+        <p:nvPr/>
+      </p:nvGrpSpPr>
+      <p:grpSpPr>
+        <a:xfrm>
+          <a:off x="0" y="0"/>
+          <a:ext cx="0" cy="0"/>
+          <a:chOff x="0" y="0"/>
+          <a:chExt cx="0" cy="0"/>
+        </a:xfrm>
+      </p:grpSpPr>
+      <p:cxnSp>
+        <p:nvCxnSpPr>
+          <p:cNvPr id="71" name="直接连接符 70">
+            <a:extLst>
+              <a:ext uri="{FF2B5EF4-FFF2-40B4-BE49-F238E27FC236}">
+                <a16:creationId xmlns:a16="http://schemas.microsoft.com/office/drawing/2014/main" id="{FA057496-EC7C-409E-92EF-882C98808450}"/>
+              </a:ext>
+            </a:extLst>
+          </p:cNvPr>
+          <p:cNvCxnSpPr/>
+          <p:nvPr/>
+        </p:nvCxnSpPr>
+        <p:spPr>
+          <a:xfrm flipV="1">
+            <a:off x="3980391" y="3360221"/>
+            <a:ext cx="1403139" cy="1313232"/>
+          </a:xfrm>
+          <a:prstGeom prst="line">
+            <a:avLst/>
+          </a:prstGeom>
+          <a:ln>
+            <a:prstDash val="dash"/>
+          </a:ln>
+        </p:spPr>
+        <p:style>
+          <a:lnRef idx="1">
+            <a:schemeClr val="accent1"/>
+          </a:lnRef>
+          <a:fillRef idx="0">
+            <a:schemeClr val="accent1"/>
+          </a:fillRef>
+          <a:effectRef idx="0">
+            <a:schemeClr val="accent1"/>
+          </a:effectRef>
+          <a:fontRef idx="minor">
+            <a:schemeClr val="tx1"/>
+          </a:fontRef>
+        </p:style>
+      </p:cxnSp>
+      <p:cxnSp>
+        <p:nvCxnSpPr>
+          <p:cNvPr id="11" name="直接箭头连接符 10">
+            <a:extLst>
+              <a:ext uri="{FF2B5EF4-FFF2-40B4-BE49-F238E27FC236}">
+                <a16:creationId xmlns:a16="http://schemas.microsoft.com/office/drawing/2014/main" id="{9470BC97-1FE9-4F0A-A906-10223635BF52}"/>
+              </a:ext>
+            </a:extLst>
+          </p:cNvPr>
+          <p:cNvCxnSpPr/>
+          <p:nvPr/>
+        </p:nvCxnSpPr>
+        <p:spPr>
+          <a:xfrm>
+            <a:off x="3978390" y="4674508"/>
+            <a:ext cx="1477737" cy="758827"/>
+          </a:xfrm>
+          <a:prstGeom prst="straightConnector1">
+            <a:avLst/>
+          </a:prstGeom>
+          <a:ln>
+            <a:solidFill>
+              <a:schemeClr val="tx1"/>
+            </a:solidFill>
+            <a:tailEnd type="triangle"/>
+          </a:ln>
+        </p:spPr>
+        <p:style>
+          <a:lnRef idx="1">
+            <a:schemeClr val="accent1"/>
+          </a:lnRef>
+          <a:fillRef idx="0">
+            <a:schemeClr val="accent1"/>
+          </a:fillRef>
+          <a:effectRef idx="0">
+            <a:schemeClr val="accent1"/>
+          </a:effectRef>
+          <a:fontRef idx="minor">
+            <a:schemeClr val="tx1"/>
+          </a:fontRef>
+        </p:style>
+      </p:cxnSp>
+      <p:cxnSp>
+        <p:nvCxnSpPr>
+          <p:cNvPr id="54" name="直接箭头连接符 53">
+            <a:extLst>
+              <a:ext uri="{FF2B5EF4-FFF2-40B4-BE49-F238E27FC236}">
+                <a16:creationId xmlns:a16="http://schemas.microsoft.com/office/drawing/2014/main" id="{BA53772F-4C6A-46CE-B17D-CECAA576E7FE}"/>
+              </a:ext>
+            </a:extLst>
+          </p:cNvPr>
+          <p:cNvCxnSpPr>
+            <a:cxnSpLocks/>
+          </p:cNvCxnSpPr>
+          <p:nvPr/>
+        </p:nvCxnSpPr>
+        <p:spPr>
+          <a:xfrm flipV="1">
+            <a:off x="3971314" y="3662723"/>
+            <a:ext cx="1093987" cy="1023722"/>
+          </a:xfrm>
+          <a:prstGeom prst="straightConnector1">
+            <a:avLst/>
+          </a:prstGeom>
+          <a:ln>
+            <a:solidFill>
+              <a:srgbClr val="FF0000"/>
+            </a:solidFill>
+            <a:tailEnd type="triangle"/>
+          </a:ln>
+        </p:spPr>
+        <p:style>
+          <a:lnRef idx="1">
+            <a:schemeClr val="accent2"/>
+          </a:lnRef>
+          <a:fillRef idx="0">
+            <a:schemeClr val="accent2"/>
+          </a:fillRef>
+          <a:effectRef idx="0">
+            <a:schemeClr val="accent2"/>
+          </a:effectRef>
+          <a:fontRef idx="minor">
+            <a:schemeClr val="tx1"/>
+          </a:fontRef>
+        </p:style>
+      </p:cxnSp>
+      <p:cxnSp>
+        <p:nvCxnSpPr>
+          <p:cNvPr id="35" name="直接箭头连接符 34">
+            <a:extLst>
+              <a:ext uri="{FF2B5EF4-FFF2-40B4-BE49-F238E27FC236}">
+                <a16:creationId xmlns:a16="http://schemas.microsoft.com/office/drawing/2014/main" id="{988E46E9-A071-4383-B4A3-F0B6277F8483}"/>
+              </a:ext>
+            </a:extLst>
+          </p:cNvPr>
+          <p:cNvCxnSpPr/>
+          <p:nvPr/>
+        </p:nvCxnSpPr>
+        <p:spPr>
+          <a:xfrm>
+            <a:off x="3973584" y="4672425"/>
+            <a:ext cx="637766" cy="324707"/>
+          </a:xfrm>
+          <a:prstGeom prst="straightConnector1">
+            <a:avLst/>
+          </a:prstGeom>
+          <a:ln>
+            <a:solidFill>
+              <a:srgbClr val="00FFFF"/>
+            </a:solidFill>
+            <a:tailEnd type="triangle"/>
+          </a:ln>
+        </p:spPr>
+        <p:style>
+          <a:lnRef idx="1">
+            <a:schemeClr val="accent1"/>
+          </a:lnRef>
+          <a:fillRef idx="0">
+            <a:schemeClr val="accent1"/>
+          </a:fillRef>
+          <a:effectRef idx="0">
+            <a:schemeClr val="accent1"/>
+          </a:effectRef>
+          <a:fontRef idx="minor">
+            <a:schemeClr val="tx1"/>
+          </a:fontRef>
+        </p:style>
+      </p:cxnSp>
+      <p:cxnSp>
+        <p:nvCxnSpPr>
+          <p:cNvPr id="5" name="直接箭头连接符 4">
+            <a:extLst>
+              <a:ext uri="{FF2B5EF4-FFF2-40B4-BE49-F238E27FC236}">
+                <a16:creationId xmlns:a16="http://schemas.microsoft.com/office/drawing/2014/main" id="{42A700AC-869A-48F9-8984-E46301BAA30A}"/>
+              </a:ext>
+            </a:extLst>
+          </p:cNvPr>
+          <p:cNvCxnSpPr>
+            <a:endCxn id="7" idx="3"/>
+          </p:cNvCxnSpPr>
+          <p:nvPr/>
+        </p:nvCxnSpPr>
+        <p:spPr>
+          <a:xfrm flipV="1">
+            <a:off x="3978390" y="3297164"/>
+            <a:ext cx="4003" cy="1377346"/>
+          </a:xfrm>
+          <a:prstGeom prst="straightConnector1">
+            <a:avLst/>
+          </a:prstGeom>
+          <a:ln>
+            <a:solidFill>
+              <a:schemeClr val="tx1"/>
+            </a:solidFill>
+            <a:tailEnd type="triangle"/>
+          </a:ln>
+        </p:spPr>
+        <p:style>
+          <a:lnRef idx="1">
+            <a:schemeClr val="accent1"/>
+          </a:lnRef>
+          <a:fillRef idx="0">
+            <a:schemeClr val="accent1"/>
+          </a:fillRef>
+          <a:effectRef idx="0">
+            <a:schemeClr val="accent1"/>
+          </a:effectRef>
+          <a:fontRef idx="minor">
+            <a:schemeClr val="tx1"/>
+          </a:fontRef>
+        </p:style>
+      </p:cxnSp>
+      <p:cxnSp>
+        <p:nvCxnSpPr>
+          <p:cNvPr id="6" name="直接箭头连接符 5">
+            <a:extLst>
+              <a:ext uri="{FF2B5EF4-FFF2-40B4-BE49-F238E27FC236}">
+                <a16:creationId xmlns:a16="http://schemas.microsoft.com/office/drawing/2014/main" id="{A0A087B3-5598-4618-9453-62B85C6F70CD}"/>
+              </a:ext>
+            </a:extLst>
+          </p:cNvPr>
+          <p:cNvCxnSpPr/>
+          <p:nvPr/>
+        </p:nvCxnSpPr>
+        <p:spPr>
+          <a:xfrm flipV="1">
+            <a:off x="3978390" y="4672399"/>
+            <a:ext cx="1245032" cy="2109"/>
+          </a:xfrm>
+          <a:prstGeom prst="straightConnector1">
+            <a:avLst/>
+          </a:prstGeom>
+          <a:ln>
+            <a:solidFill>
+              <a:schemeClr val="tx1"/>
+            </a:solidFill>
+            <a:tailEnd type="triangle"/>
+          </a:ln>
+        </p:spPr>
+        <p:style>
+          <a:lnRef idx="1">
+            <a:schemeClr val="accent1"/>
+          </a:lnRef>
+          <a:fillRef idx="0">
+            <a:schemeClr val="accent1"/>
+          </a:fillRef>
+          <a:effectRef idx="0">
+            <a:schemeClr val="accent1"/>
+          </a:effectRef>
+          <a:fontRef idx="minor">
+            <a:schemeClr val="tx1"/>
+          </a:fontRef>
+        </p:style>
+      </p:cxnSp>
+      <p:graphicFrame>
+        <p:nvGraphicFramePr>
+          <p:cNvPr id="7" name="对象 6">
+            <a:extLst>
+              <a:ext uri="{FF2B5EF4-FFF2-40B4-BE49-F238E27FC236}">
+                <a16:creationId xmlns:a16="http://schemas.microsoft.com/office/drawing/2014/main" id="{B11274D9-A5DF-494F-A07D-F61E507F9D1F}"/>
+              </a:ext>
+            </a:extLst>
+          </p:cNvPr>
+          <p:cNvGraphicFramePr>
+            <a:graphicFrameLocks noChangeAspect="1"/>
+          </p:cNvGraphicFramePr>
+          <p:nvPr/>
+        </p:nvGraphicFramePr>
+        <p:xfrm>
+          <a:off x="3686754" y="3172190"/>
+          <a:ext cx="295639" cy="249949"/>
+        </p:xfrm>
+        <a:graphic>
+          <a:graphicData uri="http://schemas.openxmlformats.org/presentationml/2006/ole">
+            <mc:AlternateContent xmlns:mc="http://schemas.openxmlformats.org/markup-compatibility/2006">
+              <mc:Choice xmlns:v="urn:schemas-microsoft-com:vml" Requires="v">
+                <p:oleObj spid="_x0000_s8386" name="Equation" r:id="rId3" imgW="5791200" imgH="4876800" progId="Equation.DSMT4">
+                  <p:embed/>
+                </p:oleObj>
+              </mc:Choice>
+              <mc:Fallback>
+                <p:oleObj name="Equation" r:id="rId3" imgW="5791200" imgH="4876800" progId="Equation.DSMT4">
+                  <p:embed/>
+                  <p:pic>
+                    <p:nvPicPr>
+                      <p:cNvPr id="15" name="对象 14"/>
+                      <p:cNvPicPr/>
+                      <p:nvPr/>
+                    </p:nvPicPr>
+                    <p:blipFill>
+                      <a:blip r:embed="rId4"/>
+                      <a:stretch>
+                        <a:fillRect/>
+                      </a:stretch>
+                    </p:blipFill>
+                    <p:spPr>
+                      <a:xfrm>
+                        <a:off x="3686754" y="3172190"/>
+                        <a:ext cx="295639" cy="249949"/>
+                      </a:xfrm>
+                      <a:prstGeom prst="rect">
+                        <a:avLst/>
+                      </a:prstGeom>
+                    </p:spPr>
+                  </p:pic>
+                </p:oleObj>
+              </mc:Fallback>
+            </mc:AlternateContent>
+          </a:graphicData>
+        </a:graphic>
+      </p:graphicFrame>
+      <p:graphicFrame>
+        <p:nvGraphicFramePr>
+          <p:cNvPr id="8" name="对象 7">
+            <a:extLst>
+              <a:ext uri="{FF2B5EF4-FFF2-40B4-BE49-F238E27FC236}">
+                <a16:creationId xmlns:a16="http://schemas.microsoft.com/office/drawing/2014/main" id="{E2B30AB8-F3B5-4C74-8DFF-737D26F73066}"/>
+              </a:ext>
+            </a:extLst>
+          </p:cNvPr>
+          <p:cNvGraphicFramePr>
+            <a:graphicFrameLocks noChangeAspect="1"/>
+          </p:cNvGraphicFramePr>
+          <p:nvPr/>
+        </p:nvGraphicFramePr>
+        <p:xfrm>
+          <a:off x="5091764" y="4711111"/>
+          <a:ext cx="263317" cy="218077"/>
+        </p:xfrm>
+        <a:graphic>
+          <a:graphicData uri="http://schemas.openxmlformats.org/presentationml/2006/ole">
+            <mc:AlternateContent xmlns:mc="http://schemas.openxmlformats.org/markup-compatibility/2006">
+              <mc:Choice xmlns:v="urn:schemas-microsoft-com:vml" Requires="v">
+                <p:oleObj spid="_x0000_s8387" name="Equation" r:id="rId5" imgW="5486400" imgH="4572000" progId="Equation.DSMT4">
+                  <p:embed/>
+                </p:oleObj>
+              </mc:Choice>
+              <mc:Fallback>
+                <p:oleObj name="Equation" r:id="rId5" imgW="5486400" imgH="4572000" progId="Equation.DSMT4">
+                  <p:embed/>
+                  <p:pic>
+                    <p:nvPicPr>
+                      <p:cNvPr id="16" name="对象 15"/>
+                      <p:cNvPicPr/>
+                      <p:nvPr/>
+                    </p:nvPicPr>
+                    <p:blipFill>
+                      <a:blip r:embed="rId6"/>
+                      <a:stretch>
+                        <a:fillRect/>
+                      </a:stretch>
+                    </p:blipFill>
+                    <p:spPr>
+                      <a:xfrm>
+                        <a:off x="5091764" y="4711111"/>
+                        <a:ext cx="263317" cy="218077"/>
+                      </a:xfrm>
+                      <a:prstGeom prst="rect">
+                        <a:avLst/>
+                      </a:prstGeom>
+                    </p:spPr>
+                  </p:pic>
+                </p:oleObj>
+              </mc:Fallback>
+            </mc:AlternateContent>
+          </a:graphicData>
+        </a:graphic>
+      </p:graphicFrame>
+      <p:cxnSp>
+        <p:nvCxnSpPr>
+          <p:cNvPr id="9" name="直接箭头连接符 8">
+            <a:extLst>
+              <a:ext uri="{FF2B5EF4-FFF2-40B4-BE49-F238E27FC236}">
+                <a16:creationId xmlns:a16="http://schemas.microsoft.com/office/drawing/2014/main" id="{6199F5AF-5450-48FA-8E6E-2D4B3515EE1D}"/>
+              </a:ext>
+            </a:extLst>
+          </p:cNvPr>
+          <p:cNvCxnSpPr>
+            <a:stCxn id="4" idx="0"/>
+          </p:cNvCxnSpPr>
+          <p:nvPr/>
+        </p:nvCxnSpPr>
+        <p:spPr>
+          <a:xfrm flipV="1">
+            <a:off x="4135044" y="3005495"/>
+            <a:ext cx="723924" cy="1367927"/>
+          </a:xfrm>
+          <a:prstGeom prst="straightConnector1">
+            <a:avLst/>
+          </a:prstGeom>
+          <a:ln>
+            <a:solidFill>
+              <a:schemeClr val="tx1"/>
+            </a:solidFill>
+            <a:tailEnd type="triangle"/>
+          </a:ln>
+        </p:spPr>
+        <p:style>
+          <a:lnRef idx="1">
+            <a:schemeClr val="accent1"/>
+          </a:lnRef>
+          <a:fillRef idx="0">
+            <a:schemeClr val="accent1"/>
+          </a:fillRef>
+          <a:effectRef idx="0">
+            <a:schemeClr val="accent1"/>
+          </a:effectRef>
+          <a:fontRef idx="minor">
+            <a:schemeClr val="tx1"/>
+          </a:fontRef>
+        </p:style>
+      </p:cxnSp>
+      <p:graphicFrame>
+        <p:nvGraphicFramePr>
+          <p:cNvPr id="10" name="对象 9">
+            <a:extLst>
+              <a:ext uri="{FF2B5EF4-FFF2-40B4-BE49-F238E27FC236}">
+                <a16:creationId xmlns:a16="http://schemas.microsoft.com/office/drawing/2014/main" id="{913768E2-7FB0-46B6-943A-AB76402D5045}"/>
+              </a:ext>
+            </a:extLst>
+          </p:cNvPr>
+          <p:cNvGraphicFramePr>
+            <a:graphicFrameLocks noChangeAspect="1"/>
+          </p:cNvGraphicFramePr>
+          <p:nvPr>
+            <p:extLst>
+              <p:ext uri="{D42A27DB-BD31-4B8C-83A1-F6EECF244321}">
+                <p14:modId xmlns:p14="http://schemas.microsoft.com/office/powerpoint/2010/main" val="1430117982"/>
+              </p:ext>
+            </p:extLst>
+          </p:nvPr>
+        </p:nvGraphicFramePr>
+        <p:xfrm>
+          <a:off x="2999126" y="4542705"/>
+          <a:ext cx="596900" cy="203200"/>
+        </p:xfrm>
+        <a:graphic>
+          <a:graphicData uri="http://schemas.openxmlformats.org/presentationml/2006/ole">
+            <mc:AlternateContent xmlns:mc="http://schemas.openxmlformats.org/markup-compatibility/2006">
+              <mc:Choice xmlns:v="urn:schemas-microsoft-com:vml" Requires="v">
+                <p:oleObj spid="_x0000_s8388" name="Equation" r:id="rId7" imgW="14325600" imgH="4876800" progId="Equation.DSMT4">
+                  <p:embed/>
+                </p:oleObj>
+              </mc:Choice>
+              <mc:Fallback>
+                <p:oleObj name="Equation" r:id="rId7" imgW="14325600" imgH="4876800" progId="Equation.DSMT4">
+                  <p:embed/>
+                  <p:pic>
+                    <p:nvPicPr>
+                      <p:cNvPr id="25" name="对象 24"/>
+                      <p:cNvPicPr/>
+                      <p:nvPr/>
+                    </p:nvPicPr>
+                    <p:blipFill>
+                      <a:blip r:embed="rId8"/>
+                      <a:stretch>
+                        <a:fillRect/>
+                      </a:stretch>
+                    </p:blipFill>
+                    <p:spPr>
+                      <a:xfrm>
+                        <a:off x="2999126" y="4542705"/>
+                        <a:ext cx="596900" cy="203200"/>
+                      </a:xfrm>
+                      <a:prstGeom prst="rect">
+                        <a:avLst/>
+                      </a:prstGeom>
+                    </p:spPr>
+                  </p:pic>
+                </p:oleObj>
+              </mc:Fallback>
+            </mc:AlternateContent>
+          </a:graphicData>
+        </a:graphic>
+      </p:graphicFrame>
+      <p:graphicFrame>
+        <p:nvGraphicFramePr>
+          <p:cNvPr id="12" name="对象 11">
+            <a:extLst>
+              <a:ext uri="{FF2B5EF4-FFF2-40B4-BE49-F238E27FC236}">
+                <a16:creationId xmlns:a16="http://schemas.microsoft.com/office/drawing/2014/main" id="{0EB799B1-6D8F-46D1-8BB4-A926345D81C9}"/>
+              </a:ext>
+            </a:extLst>
+          </p:cNvPr>
+          <p:cNvGraphicFramePr>
+            <a:graphicFrameLocks noChangeAspect="1"/>
+          </p:cNvGraphicFramePr>
+          <p:nvPr>
+            <p:extLst>
+              <p:ext uri="{D42A27DB-BD31-4B8C-83A1-F6EECF244321}">
+                <p14:modId xmlns:p14="http://schemas.microsoft.com/office/powerpoint/2010/main" val="2700242680"/>
+              </p:ext>
+            </p:extLst>
+          </p:nvPr>
+        </p:nvGraphicFramePr>
+        <p:xfrm>
+          <a:off x="4623205" y="2910842"/>
+          <a:ext cx="224729" cy="186172"/>
+        </p:xfrm>
+        <a:graphic>
+          <a:graphicData uri="http://schemas.openxmlformats.org/presentationml/2006/ole">
+            <mc:AlternateContent xmlns:mc="http://schemas.openxmlformats.org/markup-compatibility/2006">
+              <mc:Choice xmlns:v="urn:schemas-microsoft-com:vml" Requires="v">
+                <p:oleObj spid="_x0000_s8389" name="Equation" r:id="rId9" imgW="7010400" imgH="5791200" progId="Equation.DSMT4">
+                  <p:embed/>
+                </p:oleObj>
+              </mc:Choice>
+              <mc:Fallback>
+                <p:oleObj name="Equation" r:id="rId9" imgW="7010400" imgH="5791200" progId="Equation.DSMT4">
+                  <p:embed/>
+                  <p:pic>
+                    <p:nvPicPr>
+                      <p:cNvPr id="43" name="对象 42"/>
+                      <p:cNvPicPr/>
+                      <p:nvPr/>
+                    </p:nvPicPr>
+                    <p:blipFill>
+                      <a:blip r:embed="rId10"/>
+                      <a:stretch>
+                        <a:fillRect/>
+                      </a:stretch>
+                    </p:blipFill>
+                    <p:spPr>
+                      <a:xfrm>
+                        <a:off x="4623205" y="2910842"/>
+                        <a:ext cx="224729" cy="186172"/>
+                      </a:xfrm>
+                      <a:prstGeom prst="rect">
+                        <a:avLst/>
+                      </a:prstGeom>
+                    </p:spPr>
+                  </p:pic>
+                </p:oleObj>
+              </mc:Fallback>
+            </mc:AlternateContent>
+          </a:graphicData>
+        </a:graphic>
+      </p:graphicFrame>
+      <p:graphicFrame>
+        <p:nvGraphicFramePr>
+          <p:cNvPr id="13" name="对象 12">
+            <a:extLst>
+              <a:ext uri="{FF2B5EF4-FFF2-40B4-BE49-F238E27FC236}">
+                <a16:creationId xmlns:a16="http://schemas.microsoft.com/office/drawing/2014/main" id="{DD844E7D-4439-40C6-8CBA-80B762D93953}"/>
+              </a:ext>
+            </a:extLst>
+          </p:cNvPr>
+          <p:cNvGraphicFramePr>
+            <a:graphicFrameLocks noChangeAspect="1"/>
+          </p:cNvGraphicFramePr>
+          <p:nvPr/>
+        </p:nvGraphicFramePr>
+        <p:xfrm>
+          <a:off x="5208588" y="5435600"/>
+          <a:ext cx="292100" cy="241300"/>
+        </p:xfrm>
+        <a:graphic>
+          <a:graphicData uri="http://schemas.openxmlformats.org/presentationml/2006/ole">
+            <mc:AlternateContent xmlns:mc="http://schemas.openxmlformats.org/markup-compatibility/2006">
+              <mc:Choice xmlns:v="urn:schemas-microsoft-com:vml" Requires="v">
+                <p:oleObj spid="_x0000_s8390" name="Equation" r:id="rId11" imgW="7010400" imgH="5791200" progId="Equation.DSMT4">
+                  <p:embed/>
+                </p:oleObj>
+              </mc:Choice>
+              <mc:Fallback>
+                <p:oleObj name="Equation" r:id="rId11" imgW="7010400" imgH="5791200" progId="Equation.DSMT4">
+                  <p:embed/>
+                  <p:pic>
+                    <p:nvPicPr>
+                      <p:cNvPr id="44" name="对象 43"/>
+                      <p:cNvPicPr/>
+                      <p:nvPr/>
+                    </p:nvPicPr>
+                    <p:blipFill>
+                      <a:blip r:embed="rId12"/>
+                      <a:stretch>
+                        <a:fillRect/>
+                      </a:stretch>
+                    </p:blipFill>
+                    <p:spPr>
+                      <a:xfrm>
+                        <a:off x="5208588" y="5435600"/>
+                        <a:ext cx="292100" cy="241300"/>
+                      </a:xfrm>
+                      <a:prstGeom prst="rect">
+                        <a:avLst/>
+                      </a:prstGeom>
+                    </p:spPr>
+                  </p:pic>
+                </p:oleObj>
+              </mc:Fallback>
+            </mc:AlternateContent>
+          </a:graphicData>
+        </a:graphic>
+      </p:graphicFrame>
+      <p:cxnSp>
+        <p:nvCxnSpPr>
+          <p:cNvPr id="15" name="直接箭头连接符 14">
+            <a:extLst>
+              <a:ext uri="{FF2B5EF4-FFF2-40B4-BE49-F238E27FC236}">
+                <a16:creationId xmlns:a16="http://schemas.microsoft.com/office/drawing/2014/main" id="{C0D66078-2F31-407B-AEE4-CA8FE7F9FF67}"/>
+              </a:ext>
+            </a:extLst>
+          </p:cNvPr>
+          <p:cNvCxnSpPr>
+            <a:cxnSpLocks/>
+            <a:stCxn id="4" idx="0"/>
+          </p:cNvCxnSpPr>
+          <p:nvPr/>
+        </p:nvCxnSpPr>
+        <p:spPr>
+          <a:xfrm flipV="1">
+            <a:off x="4135044" y="3445890"/>
+            <a:ext cx="488002" cy="927532"/>
+          </a:xfrm>
+          <a:prstGeom prst="straightConnector1">
+            <a:avLst/>
+          </a:prstGeom>
+          <a:ln>
+            <a:solidFill>
+              <a:srgbClr val="FF0000"/>
+            </a:solidFill>
+            <a:tailEnd type="triangle"/>
+          </a:ln>
+        </p:spPr>
+        <p:style>
+          <a:lnRef idx="1">
+            <a:schemeClr val="accent2"/>
+          </a:lnRef>
+          <a:fillRef idx="0">
+            <a:schemeClr val="accent2"/>
+          </a:fillRef>
+          <a:effectRef idx="0">
+            <a:schemeClr val="accent2"/>
+          </a:effectRef>
+          <a:fontRef idx="minor">
+            <a:schemeClr val="tx1"/>
+          </a:fontRef>
+        </p:style>
+      </p:cxnSp>
+      <p:graphicFrame>
+        <p:nvGraphicFramePr>
+          <p:cNvPr id="17" name="对象 16">
+            <a:extLst>
+              <a:ext uri="{FF2B5EF4-FFF2-40B4-BE49-F238E27FC236}">
+                <a16:creationId xmlns:a16="http://schemas.microsoft.com/office/drawing/2014/main" id="{0BE6FA98-9F58-4CFB-9AAC-D4F1E323F712}"/>
+              </a:ext>
+            </a:extLst>
+          </p:cNvPr>
+          <p:cNvGraphicFramePr>
+            <a:graphicFrameLocks noChangeAspect="1"/>
+          </p:cNvGraphicFramePr>
+          <p:nvPr>
+            <p:extLst>
+              <p:ext uri="{D42A27DB-BD31-4B8C-83A1-F6EECF244321}">
+                <p14:modId xmlns:p14="http://schemas.microsoft.com/office/powerpoint/2010/main" val="1033654161"/>
+              </p:ext>
+            </p:extLst>
+          </p:nvPr>
+        </p:nvGraphicFramePr>
+        <p:xfrm>
+          <a:off x="4755318" y="3915195"/>
+          <a:ext cx="145977" cy="171738"/>
+        </p:xfrm>
+        <a:graphic>
+          <a:graphicData uri="http://schemas.openxmlformats.org/presentationml/2006/ole">
+            <mc:AlternateContent xmlns:mc="http://schemas.openxmlformats.org/markup-compatibility/2006">
+              <mc:Choice xmlns:v="urn:schemas-microsoft-com:vml" Requires="v">
+                <p:oleObj spid="_x0000_s8391" name="Equation" r:id="rId13" imgW="5181600" imgH="6096000" progId="Equation.DSMT4">
+                  <p:embed/>
+                </p:oleObj>
+              </mc:Choice>
+              <mc:Fallback>
+                <p:oleObj name="Equation" r:id="rId13" imgW="5181600" imgH="6096000" progId="Equation.DSMT4">
+                  <p:embed/>
+                  <p:pic>
+                    <p:nvPicPr>
+                      <p:cNvPr id="55" name="对象 54"/>
+                      <p:cNvPicPr/>
+                      <p:nvPr/>
+                    </p:nvPicPr>
+                    <p:blipFill>
+                      <a:blip r:embed="rId14"/>
+                      <a:stretch>
+                        <a:fillRect/>
+                      </a:stretch>
+                    </p:blipFill>
+                    <p:spPr>
+                      <a:xfrm>
+                        <a:off x="4755318" y="3915195"/>
+                        <a:ext cx="145977" cy="171738"/>
+                      </a:xfrm>
+                      <a:prstGeom prst="rect">
+                        <a:avLst/>
+                      </a:prstGeom>
+                    </p:spPr>
+                  </p:pic>
+                </p:oleObj>
+              </mc:Fallback>
+            </mc:AlternateContent>
+          </a:graphicData>
+        </a:graphic>
+      </p:graphicFrame>
+      <p:cxnSp>
+        <p:nvCxnSpPr>
+          <p:cNvPr id="18" name="直接箭头连接符 17">
+            <a:extLst>
+              <a:ext uri="{FF2B5EF4-FFF2-40B4-BE49-F238E27FC236}">
+                <a16:creationId xmlns:a16="http://schemas.microsoft.com/office/drawing/2014/main" id="{F85CFB84-F9E3-40C4-A8F3-46B862D4F641}"/>
+              </a:ext>
+            </a:extLst>
+          </p:cNvPr>
+          <p:cNvCxnSpPr>
+            <a:cxnSpLocks/>
+          </p:cNvCxnSpPr>
+          <p:nvPr/>
+        </p:nvCxnSpPr>
+        <p:spPr>
+          <a:xfrm>
+            <a:off x="4520842" y="3640702"/>
+            <a:ext cx="129859" cy="377727"/>
+          </a:xfrm>
+          <a:prstGeom prst="straightConnector1">
+            <a:avLst/>
+          </a:prstGeom>
+          <a:ln>
+            <a:solidFill>
+              <a:srgbClr val="92D050"/>
+            </a:solidFill>
+            <a:prstDash val="dash"/>
+            <a:tailEnd type="triangle"/>
+          </a:ln>
+        </p:spPr>
+        <p:style>
+          <a:lnRef idx="1">
+            <a:schemeClr val="accent1"/>
+          </a:lnRef>
+          <a:fillRef idx="0">
+            <a:schemeClr val="accent1"/>
+          </a:fillRef>
+          <a:effectRef idx="0">
+            <a:schemeClr val="accent1"/>
+          </a:effectRef>
+          <a:fontRef idx="minor">
+            <a:schemeClr val="tx1"/>
+          </a:fontRef>
+        </p:style>
+      </p:cxnSp>
+      <p:graphicFrame>
+        <p:nvGraphicFramePr>
+          <p:cNvPr id="19" name="对象 18">
+            <a:extLst>
+              <a:ext uri="{FF2B5EF4-FFF2-40B4-BE49-F238E27FC236}">
+                <a16:creationId xmlns:a16="http://schemas.microsoft.com/office/drawing/2014/main" id="{83686DCF-6206-494A-B6CD-48B7E74E3DF3}"/>
+              </a:ext>
+            </a:extLst>
+          </p:cNvPr>
+          <p:cNvGraphicFramePr>
+            <a:graphicFrameLocks noChangeAspect="1"/>
+          </p:cNvGraphicFramePr>
+          <p:nvPr>
+            <p:extLst>
+              <p:ext uri="{D42A27DB-BD31-4B8C-83A1-F6EECF244321}">
+                <p14:modId xmlns:p14="http://schemas.microsoft.com/office/powerpoint/2010/main" val="1174879924"/>
+              </p:ext>
+            </p:extLst>
+          </p:nvPr>
+        </p:nvGraphicFramePr>
+        <p:xfrm>
+          <a:off x="4725487" y="3575722"/>
+          <a:ext cx="216932" cy="171738"/>
+        </p:xfrm>
+        <a:graphic>
+          <a:graphicData uri="http://schemas.openxmlformats.org/presentationml/2006/ole">
+            <mc:AlternateContent xmlns:mc="http://schemas.openxmlformats.org/markup-compatibility/2006">
+              <mc:Choice xmlns:v="urn:schemas-microsoft-com:vml" Requires="v">
+                <p:oleObj spid="_x0000_s8392" name="Equation" r:id="rId15" imgW="7315200" imgH="5791200" progId="Equation.DSMT4">
+                  <p:embed/>
+                </p:oleObj>
+              </mc:Choice>
+              <mc:Fallback>
+                <p:oleObj name="Equation" r:id="rId15" imgW="7315200" imgH="5791200" progId="Equation.DSMT4">
+                  <p:embed/>
+                  <p:pic>
+                    <p:nvPicPr>
+                      <p:cNvPr id="61" name="对象 60"/>
+                      <p:cNvPicPr/>
+                      <p:nvPr/>
+                    </p:nvPicPr>
+                    <p:blipFill>
+                      <a:blip r:embed="rId16"/>
+                      <a:stretch>
+                        <a:fillRect/>
+                      </a:stretch>
+                    </p:blipFill>
+                    <p:spPr>
+                      <a:xfrm>
+                        <a:off x="4725487" y="3575722"/>
+                        <a:ext cx="216932" cy="171738"/>
+                      </a:xfrm>
+                      <a:prstGeom prst="rect">
+                        <a:avLst/>
+                      </a:prstGeom>
+                    </p:spPr>
+                  </p:pic>
+                </p:oleObj>
+              </mc:Fallback>
+            </mc:AlternateContent>
+          </a:graphicData>
+        </a:graphic>
+      </p:graphicFrame>
+      <p:cxnSp>
+        <p:nvCxnSpPr>
+          <p:cNvPr id="20" name="直接连接符 19">
+            <a:extLst>
+              <a:ext uri="{FF2B5EF4-FFF2-40B4-BE49-F238E27FC236}">
+                <a16:creationId xmlns:a16="http://schemas.microsoft.com/office/drawing/2014/main" id="{2D916103-8A60-4EA3-861E-3604DDF5204C}"/>
+              </a:ext>
+            </a:extLst>
+          </p:cNvPr>
+          <p:cNvCxnSpPr>
+            <a:cxnSpLocks/>
+          </p:cNvCxnSpPr>
+          <p:nvPr/>
+        </p:nvCxnSpPr>
+        <p:spPr>
+          <a:xfrm flipH="1">
+            <a:off x="4623046" y="3758067"/>
+            <a:ext cx="127428" cy="56396"/>
+          </a:xfrm>
+          <a:prstGeom prst="line">
+            <a:avLst/>
+          </a:prstGeom>
+          <a:ln>
+            <a:solidFill>
+              <a:schemeClr val="tx1"/>
+            </a:solidFill>
+          </a:ln>
+        </p:spPr>
+        <p:style>
+          <a:lnRef idx="1">
+            <a:schemeClr val="accent1"/>
+          </a:lnRef>
+          <a:fillRef idx="0">
+            <a:schemeClr val="accent1"/>
+          </a:fillRef>
+          <a:effectRef idx="0">
+            <a:schemeClr val="accent1"/>
+          </a:effectRef>
+          <a:fontRef idx="minor">
+            <a:schemeClr val="tx1"/>
+          </a:fontRef>
+        </p:style>
+      </p:cxnSp>
+      <p:cxnSp>
+        <p:nvCxnSpPr>
+          <p:cNvPr id="21" name="直接连接符 20">
+            <a:extLst>
+              <a:ext uri="{FF2B5EF4-FFF2-40B4-BE49-F238E27FC236}">
+                <a16:creationId xmlns:a16="http://schemas.microsoft.com/office/drawing/2014/main" id="{8AD51839-C4B3-49DA-B40E-5A22C8DCF4FB}"/>
+              </a:ext>
+            </a:extLst>
+          </p:cNvPr>
+          <p:cNvCxnSpPr>
+            <a:cxnSpLocks/>
+          </p:cNvCxnSpPr>
+          <p:nvPr/>
+        </p:nvCxnSpPr>
+        <p:spPr>
+          <a:xfrm flipH="1" flipV="1">
+            <a:off x="4498050" y="3355819"/>
+            <a:ext cx="64932" cy="96049"/>
+          </a:xfrm>
+          <a:prstGeom prst="line">
+            <a:avLst/>
+          </a:prstGeom>
+          <a:ln>
+            <a:solidFill>
+              <a:schemeClr val="tx1"/>
+            </a:solidFill>
+          </a:ln>
+        </p:spPr>
+        <p:style>
+          <a:lnRef idx="1">
+            <a:schemeClr val="accent1"/>
+          </a:lnRef>
+          <a:fillRef idx="0">
+            <a:schemeClr val="accent1"/>
+          </a:fillRef>
+          <a:effectRef idx="0">
+            <a:schemeClr val="accent1"/>
+          </a:effectRef>
+          <a:fontRef idx="minor">
+            <a:schemeClr val="tx1"/>
+          </a:fontRef>
+        </p:style>
+      </p:cxnSp>
+      <p:cxnSp>
+        <p:nvCxnSpPr>
+          <p:cNvPr id="22" name="直接连接符 21">
+            <a:extLst>
+              <a:ext uri="{FF2B5EF4-FFF2-40B4-BE49-F238E27FC236}">
+                <a16:creationId xmlns:a16="http://schemas.microsoft.com/office/drawing/2014/main" id="{9EF3B2C8-44AC-48B8-A93A-21F037245339}"/>
+              </a:ext>
+            </a:extLst>
+          </p:cNvPr>
+          <p:cNvCxnSpPr>
+            <a:cxnSpLocks/>
+          </p:cNvCxnSpPr>
+          <p:nvPr/>
+        </p:nvCxnSpPr>
+        <p:spPr>
+          <a:xfrm flipH="1">
+            <a:off x="4639104" y="4039407"/>
+            <a:ext cx="118786" cy="36384"/>
+          </a:xfrm>
+          <a:prstGeom prst="line">
+            <a:avLst/>
+          </a:prstGeom>
+          <a:ln>
+            <a:solidFill>
+              <a:schemeClr val="tx1"/>
+            </a:solidFill>
+          </a:ln>
+        </p:spPr>
+        <p:style>
+          <a:lnRef idx="1">
+            <a:schemeClr val="accent1"/>
+          </a:lnRef>
+          <a:fillRef idx="0">
+            <a:schemeClr val="accent1"/>
+          </a:fillRef>
+          <a:effectRef idx="0">
+            <a:schemeClr val="accent1"/>
+          </a:effectRef>
+          <a:fontRef idx="minor">
+            <a:schemeClr val="tx1"/>
+          </a:fontRef>
+        </p:style>
+      </p:cxnSp>
+      <p:cxnSp>
+        <p:nvCxnSpPr>
+          <p:cNvPr id="30" name="直接连接符 29">
+            <a:extLst>
+              <a:ext uri="{FF2B5EF4-FFF2-40B4-BE49-F238E27FC236}">
+                <a16:creationId xmlns:a16="http://schemas.microsoft.com/office/drawing/2014/main" id="{6C0CE60A-93DE-41E0-A451-CE57F1E14325}"/>
+              </a:ext>
+            </a:extLst>
+          </p:cNvPr>
+          <p:cNvCxnSpPr/>
+          <p:nvPr/>
+        </p:nvCxnSpPr>
+        <p:spPr>
+          <a:xfrm>
+            <a:off x="5456127" y="5433335"/>
+            <a:ext cx="123408" cy="61382"/>
+          </a:xfrm>
+          <a:prstGeom prst="line">
+            <a:avLst/>
+          </a:prstGeom>
+          <a:ln>
+            <a:solidFill>
+              <a:schemeClr val="tx1"/>
+            </a:solidFill>
+            <a:prstDash val="sysDash"/>
+          </a:ln>
+        </p:spPr>
+        <p:style>
+          <a:lnRef idx="1">
+            <a:schemeClr val="accent1"/>
+          </a:lnRef>
+          <a:fillRef idx="0">
+            <a:schemeClr val="accent1"/>
+          </a:fillRef>
+          <a:effectRef idx="0">
+            <a:schemeClr val="accent1"/>
+          </a:effectRef>
+          <a:fontRef idx="minor">
+            <a:schemeClr val="tx1"/>
+          </a:fontRef>
+        </p:style>
+      </p:cxnSp>
+      <p:graphicFrame>
+        <p:nvGraphicFramePr>
+          <p:cNvPr id="31" name="对象 30">
+            <a:extLst>
+              <a:ext uri="{FF2B5EF4-FFF2-40B4-BE49-F238E27FC236}">
+                <a16:creationId xmlns:a16="http://schemas.microsoft.com/office/drawing/2014/main" id="{BDCCAF65-3E46-42A1-A1C9-886AD2E390CF}"/>
+              </a:ext>
+            </a:extLst>
+          </p:cNvPr>
+          <p:cNvGraphicFramePr>
+            <a:graphicFrameLocks noChangeAspect="1"/>
+          </p:cNvGraphicFramePr>
+          <p:nvPr>
+            <p:extLst>
+              <p:ext uri="{D42A27DB-BD31-4B8C-83A1-F6EECF244321}">
+                <p14:modId xmlns:p14="http://schemas.microsoft.com/office/powerpoint/2010/main" val="3509041590"/>
+              </p:ext>
+            </p:extLst>
+          </p:nvPr>
+        </p:nvGraphicFramePr>
+        <p:xfrm>
+          <a:off x="5740400" y="3255963"/>
+          <a:ext cx="6350" cy="6350"/>
+        </p:xfrm>
+        <a:graphic>
+          <a:graphicData uri="http://schemas.openxmlformats.org/presentationml/2006/ole">
+            <mc:AlternateContent xmlns:mc="http://schemas.openxmlformats.org/markup-compatibility/2006">
+              <mc:Choice xmlns:v="urn:schemas-microsoft-com:vml" Requires="v">
+                <p:oleObj spid="_x0000_s8393" name="Equation" r:id="rId17" imgW="152280" imgH="139680" progId="Equation.DSMT4">
+                  <p:embed/>
+                </p:oleObj>
+              </mc:Choice>
+              <mc:Fallback>
+                <p:oleObj name="Equation" r:id="rId17" imgW="152280" imgH="139680" progId="Equation.DSMT4">
+                  <p:embed/>
+                  <p:pic>
+                    <p:nvPicPr>
+                      <p:cNvPr id="138" name="对象 137"/>
+                      <p:cNvPicPr/>
+                      <p:nvPr/>
+                    </p:nvPicPr>
+                    <p:blipFill>
+                      <a:blip r:embed="rId18"/>
+                      <a:stretch>
+                        <a:fillRect/>
+                      </a:stretch>
+                    </p:blipFill>
+                    <p:spPr>
+                      <a:xfrm>
+                        <a:off x="5740400" y="3255963"/>
+                        <a:ext cx="6350" cy="6350"/>
+                      </a:xfrm>
+                      <a:prstGeom prst="rect">
+                        <a:avLst/>
+                      </a:prstGeom>
+                    </p:spPr>
+                  </p:pic>
+                </p:oleObj>
+              </mc:Fallback>
+            </mc:AlternateContent>
+          </a:graphicData>
+        </a:graphic>
+      </p:graphicFrame>
+      <p:graphicFrame>
+        <p:nvGraphicFramePr>
+          <p:cNvPr id="32" name="对象 31">
+            <a:extLst>
+              <a:ext uri="{FF2B5EF4-FFF2-40B4-BE49-F238E27FC236}">
+                <a16:creationId xmlns:a16="http://schemas.microsoft.com/office/drawing/2014/main" id="{8035B7BC-167B-4983-B0BD-5F4550810349}"/>
+              </a:ext>
+            </a:extLst>
+          </p:cNvPr>
+          <p:cNvGraphicFramePr>
+            <a:graphicFrameLocks noChangeAspect="1"/>
+          </p:cNvGraphicFramePr>
+          <p:nvPr>
+            <p:extLst>
+              <p:ext uri="{D42A27DB-BD31-4B8C-83A1-F6EECF244321}">
+                <p14:modId xmlns:p14="http://schemas.microsoft.com/office/powerpoint/2010/main" val="4190021229"/>
+              </p:ext>
+            </p:extLst>
+          </p:nvPr>
+        </p:nvGraphicFramePr>
+        <p:xfrm>
+          <a:off x="3110744" y="4711111"/>
+          <a:ext cx="533400" cy="254000"/>
+        </p:xfrm>
+        <a:graphic>
+          <a:graphicData uri="http://schemas.openxmlformats.org/presentationml/2006/ole">
+            <mc:AlternateContent xmlns:mc="http://schemas.openxmlformats.org/markup-compatibility/2006">
+              <mc:Choice xmlns:v="urn:schemas-microsoft-com:vml" Requires="v">
+                <p:oleObj spid="_x0000_s8394" name="Equation" r:id="rId19" imgW="12801600" imgH="6096000" progId="Equation.DSMT4">
+                  <p:embed/>
+                </p:oleObj>
+              </mc:Choice>
+              <mc:Fallback>
+                <p:oleObj name="Equation" r:id="rId19" imgW="12801600" imgH="6096000" progId="Equation.DSMT4">
+                  <p:embed/>
+                  <p:pic>
+                    <p:nvPicPr>
+                      <p:cNvPr id="139" name="对象 138"/>
+                      <p:cNvPicPr/>
+                      <p:nvPr/>
+                    </p:nvPicPr>
+                    <p:blipFill>
+                      <a:blip r:embed="rId20"/>
+                      <a:stretch>
+                        <a:fillRect/>
+                      </a:stretch>
+                    </p:blipFill>
+                    <p:spPr>
+                      <a:xfrm>
+                        <a:off x="3110744" y="4711111"/>
+                        <a:ext cx="533400" cy="254000"/>
+                      </a:xfrm>
+                      <a:prstGeom prst="rect">
+                        <a:avLst/>
+                      </a:prstGeom>
+                    </p:spPr>
+                  </p:pic>
+                </p:oleObj>
+              </mc:Fallback>
+            </mc:AlternateContent>
+          </a:graphicData>
+        </a:graphic>
+      </p:graphicFrame>
+      <p:sp>
+        <p:nvSpPr>
+          <p:cNvPr id="33" name="箭头: 环形 32">
+            <a:extLst>
+              <a:ext uri="{FF2B5EF4-FFF2-40B4-BE49-F238E27FC236}">
+                <a16:creationId xmlns:a16="http://schemas.microsoft.com/office/drawing/2014/main" id="{85466129-E21C-492A-B5A8-1B64456CD83B}"/>
+              </a:ext>
+            </a:extLst>
+          </p:cNvPr>
+          <p:cNvSpPr/>
+          <p:nvPr/>
+        </p:nvSpPr>
+        <p:spPr>
+          <a:xfrm rot="531045">
+            <a:off x="3965143" y="4258701"/>
+            <a:ext cx="199271" cy="140970"/>
+          </a:xfrm>
+          <a:prstGeom prst="circularArrow">
+            <a:avLst>
+              <a:gd name="adj1" fmla="val 12500"/>
+              <a:gd name="adj2" fmla="val 1142319"/>
+              <a:gd name="adj3" fmla="val 20457681"/>
+              <a:gd name="adj4" fmla="val 11755563"/>
+              <a:gd name="adj5" fmla="val 3191"/>
+            </a:avLst>
+          </a:prstGeom>
+          <a:ln w="3175"/>
+        </p:spPr>
+        <p:style>
+          <a:lnRef idx="2">
+            <a:schemeClr val="accent1">
+              <a:shade val="50000"/>
+            </a:schemeClr>
+          </a:lnRef>
+          <a:fillRef idx="1">
+            <a:schemeClr val="accent1"/>
+          </a:fillRef>
+          <a:effectRef idx="0">
+            <a:schemeClr val="accent1"/>
+          </a:effectRef>
+          <a:fontRef idx="minor">
+            <a:schemeClr val="lt1"/>
+          </a:fontRef>
+        </p:style>
+        <p:txBody>
+          <a:bodyPr rtlCol="0" anchor="ctr"/>
+          <a:lstStyle/>
+          <a:p>
+            <a:pPr algn="ctr"/>
+            <a:endParaRPr lang="zh-CN" altLang="en-US">
+              <a:solidFill>
+                <a:schemeClr val="tx1"/>
+              </a:solidFill>
+            </a:endParaRPr>
+          </a:p>
+        </p:txBody>
+      </p:sp>
+      <p:graphicFrame>
+        <p:nvGraphicFramePr>
+          <p:cNvPr id="34" name="对象 33">
+            <a:extLst>
+              <a:ext uri="{FF2B5EF4-FFF2-40B4-BE49-F238E27FC236}">
+                <a16:creationId xmlns:a16="http://schemas.microsoft.com/office/drawing/2014/main" id="{812CEDE5-F6B5-4964-84B0-0A738212D670}"/>
+              </a:ext>
+            </a:extLst>
+          </p:cNvPr>
+          <p:cNvGraphicFramePr>
+            <a:graphicFrameLocks noChangeAspect="1"/>
+          </p:cNvGraphicFramePr>
+          <p:nvPr>
+            <p:extLst>
+              <p:ext uri="{D42A27DB-BD31-4B8C-83A1-F6EECF244321}">
+                <p14:modId xmlns:p14="http://schemas.microsoft.com/office/powerpoint/2010/main" val="4289113781"/>
+              </p:ext>
+            </p:extLst>
+          </p:nvPr>
+        </p:nvGraphicFramePr>
+        <p:xfrm>
+          <a:off x="3620672" y="4075791"/>
+          <a:ext cx="180019" cy="142120"/>
+        </p:xfrm>
+        <a:graphic>
+          <a:graphicData uri="http://schemas.openxmlformats.org/presentationml/2006/ole">
+            <mc:AlternateContent xmlns:mc="http://schemas.openxmlformats.org/markup-compatibility/2006">
+              <mc:Choice xmlns:v="urn:schemas-microsoft-com:vml" Requires="v">
+                <p:oleObj spid="_x0000_s8395" name="Equation" r:id="rId21" imgW="5791200" imgH="4572000" progId="Equation.DSMT4">
+                  <p:embed/>
+                </p:oleObj>
+              </mc:Choice>
+              <mc:Fallback>
+                <p:oleObj name="Equation" r:id="rId21" imgW="5791200" imgH="4572000" progId="Equation.DSMT4">
+                  <p:embed/>
+                  <p:pic>
+                    <p:nvPicPr>
+                      <p:cNvPr id="146" name="对象 145"/>
+                      <p:cNvPicPr/>
+                      <p:nvPr/>
+                    </p:nvPicPr>
+                    <p:blipFill>
+                      <a:blip r:embed="rId22"/>
+                      <a:stretch>
+                        <a:fillRect/>
+                      </a:stretch>
+                    </p:blipFill>
+                    <p:spPr>
+                      <a:xfrm>
+                        <a:off x="3620672" y="4075791"/>
+                        <a:ext cx="180019" cy="142120"/>
+                      </a:xfrm>
+                      <a:prstGeom prst="rect">
+                        <a:avLst/>
+                      </a:prstGeom>
+                    </p:spPr>
+                  </p:pic>
+                </p:oleObj>
+              </mc:Fallback>
+            </mc:AlternateContent>
+          </a:graphicData>
+        </a:graphic>
+      </p:graphicFrame>
+      <p:sp>
+        <p:nvSpPr>
+          <p:cNvPr id="37" name="箭头: 环形 36">
+            <a:extLst>
+              <a:ext uri="{FF2B5EF4-FFF2-40B4-BE49-F238E27FC236}">
+                <a16:creationId xmlns:a16="http://schemas.microsoft.com/office/drawing/2014/main" id="{784A32B1-E574-4B48-91D3-0E9E5572FF0B}"/>
+              </a:ext>
+            </a:extLst>
+          </p:cNvPr>
+          <p:cNvSpPr/>
+          <p:nvPr/>
+        </p:nvSpPr>
+        <p:spPr>
+          <a:xfrm rot="1839010">
+            <a:off x="4100544" y="4396678"/>
+            <a:ext cx="138714" cy="91489"/>
+          </a:xfrm>
+          <a:prstGeom prst="circularArrow">
+            <a:avLst>
+              <a:gd name="adj1" fmla="val 12500"/>
+              <a:gd name="adj2" fmla="val 2109955"/>
+              <a:gd name="adj3" fmla="val 20457681"/>
+              <a:gd name="adj4" fmla="val 11755563"/>
+              <a:gd name="adj5" fmla="val 12500"/>
+            </a:avLst>
+          </a:prstGeom>
+        </p:spPr>
+        <p:style>
+          <a:lnRef idx="1">
+            <a:schemeClr val="accent2"/>
+          </a:lnRef>
+          <a:fillRef idx="3">
+            <a:schemeClr val="accent2"/>
+          </a:fillRef>
+          <a:effectRef idx="2">
+            <a:schemeClr val="accent2"/>
+          </a:effectRef>
+          <a:fontRef idx="minor">
+            <a:schemeClr val="lt1"/>
+          </a:fontRef>
+        </p:style>
+        <p:txBody>
+          <a:bodyPr rtlCol="0" anchor="ctr"/>
+          <a:lstStyle/>
+          <a:p>
+            <a:pPr algn="ctr"/>
+            <a:endParaRPr lang="zh-CN" altLang="en-US">
+              <a:solidFill>
+                <a:schemeClr val="tx1"/>
+              </a:solidFill>
+            </a:endParaRPr>
+          </a:p>
+        </p:txBody>
+      </p:sp>
+      <p:sp>
+        <p:nvSpPr>
+          <p:cNvPr id="40" name="箭头: 环形 39">
+            <a:extLst>
+              <a:ext uri="{FF2B5EF4-FFF2-40B4-BE49-F238E27FC236}">
+                <a16:creationId xmlns:a16="http://schemas.microsoft.com/office/drawing/2014/main" id="{D641A205-AD83-4795-A77D-D6BAF52224BA}"/>
+              </a:ext>
+            </a:extLst>
+          </p:cNvPr>
+          <p:cNvSpPr/>
+          <p:nvPr/>
+        </p:nvSpPr>
+        <p:spPr>
+          <a:xfrm rot="1415338">
+            <a:off x="3958002" y="4164129"/>
+            <a:ext cx="373754" cy="251064"/>
+          </a:xfrm>
+          <a:prstGeom prst="circularArrow">
+            <a:avLst>
+              <a:gd name="adj1" fmla="val 13878"/>
+              <a:gd name="adj2" fmla="val 413831"/>
+              <a:gd name="adj3" fmla="val 21125073"/>
+              <a:gd name="adj4" fmla="val 10860040"/>
+              <a:gd name="adj5" fmla="val 2225"/>
+            </a:avLst>
+          </a:prstGeom>
+          <a:ln w="3175"/>
+        </p:spPr>
+        <p:style>
+          <a:lnRef idx="2">
+            <a:schemeClr val="accent1">
+              <a:shade val="50000"/>
+            </a:schemeClr>
+          </a:lnRef>
+          <a:fillRef idx="1">
+            <a:schemeClr val="accent1"/>
+          </a:fillRef>
+          <a:effectRef idx="0">
+            <a:schemeClr val="accent1"/>
+          </a:effectRef>
+          <a:fontRef idx="minor">
+            <a:schemeClr val="lt1"/>
+          </a:fontRef>
+        </p:style>
+        <p:txBody>
+          <a:bodyPr rtlCol="0" anchor="ctr"/>
+          <a:lstStyle/>
+          <a:p>
+            <a:pPr algn="ctr"/>
+            <a:endParaRPr lang="zh-CN" altLang="en-US" dirty="0">
+              <a:solidFill>
+                <a:schemeClr val="tx1"/>
+              </a:solidFill>
+            </a:endParaRPr>
+          </a:p>
+        </p:txBody>
+      </p:sp>
+      <p:cxnSp>
+        <p:nvCxnSpPr>
+          <p:cNvPr id="41" name="直接连接符 40">
+            <a:extLst>
+              <a:ext uri="{FF2B5EF4-FFF2-40B4-BE49-F238E27FC236}">
+                <a16:creationId xmlns:a16="http://schemas.microsoft.com/office/drawing/2014/main" id="{7481D5AE-BEB6-49D9-B41D-7980522440AA}"/>
+              </a:ext>
+            </a:extLst>
+          </p:cNvPr>
+          <p:cNvCxnSpPr>
+            <a:stCxn id="33" idx="0"/>
+          </p:cNvCxnSpPr>
+          <p:nvPr/>
+        </p:nvCxnSpPr>
+        <p:spPr>
+          <a:xfrm flipH="1" flipV="1">
+            <a:off x="3756092" y="4155884"/>
+            <a:ext cx="225614" cy="134958"/>
+          </a:xfrm>
+          <a:prstGeom prst="line">
+            <a:avLst/>
+          </a:prstGeom>
+          <a:ln>
+            <a:solidFill>
+              <a:schemeClr val="tx1"/>
+            </a:solidFill>
+          </a:ln>
+        </p:spPr>
+        <p:style>
+          <a:lnRef idx="1">
+            <a:schemeClr val="accent1"/>
+          </a:lnRef>
+          <a:fillRef idx="0">
+            <a:schemeClr val="accent1"/>
+          </a:fillRef>
+          <a:effectRef idx="0">
+            <a:schemeClr val="accent1"/>
+          </a:effectRef>
+          <a:fontRef idx="minor">
+            <a:schemeClr val="tx1"/>
+          </a:fontRef>
+        </p:style>
+      </p:cxnSp>
+      <p:cxnSp>
+        <p:nvCxnSpPr>
+          <p:cNvPr id="42" name="直接连接符 41">
+            <a:extLst>
+              <a:ext uri="{FF2B5EF4-FFF2-40B4-BE49-F238E27FC236}">
+                <a16:creationId xmlns:a16="http://schemas.microsoft.com/office/drawing/2014/main" id="{E52183FE-763C-4946-9E05-D9F2D85A342B}"/>
+              </a:ext>
+            </a:extLst>
+          </p:cNvPr>
+          <p:cNvCxnSpPr/>
+          <p:nvPr/>
+        </p:nvCxnSpPr>
+        <p:spPr>
+          <a:xfrm flipH="1" flipV="1">
+            <a:off x="3795285" y="3991828"/>
+            <a:ext cx="233693" cy="151905"/>
+          </a:xfrm>
+          <a:prstGeom prst="line">
+            <a:avLst/>
+          </a:prstGeom>
+          <a:ln>
+            <a:solidFill>
+              <a:schemeClr val="tx1"/>
+            </a:solidFill>
+          </a:ln>
+        </p:spPr>
+        <p:style>
+          <a:lnRef idx="1">
+            <a:schemeClr val="accent1"/>
+          </a:lnRef>
+          <a:fillRef idx="0">
+            <a:schemeClr val="accent1"/>
+          </a:fillRef>
+          <a:effectRef idx="0">
+            <a:schemeClr val="accent1"/>
+          </a:effectRef>
+          <a:fontRef idx="minor">
+            <a:schemeClr val="tx1"/>
+          </a:fontRef>
+        </p:style>
+      </p:cxnSp>
+      <p:graphicFrame>
+        <p:nvGraphicFramePr>
+          <p:cNvPr id="43" name="对象 42">
+            <a:extLst>
+              <a:ext uri="{FF2B5EF4-FFF2-40B4-BE49-F238E27FC236}">
+                <a16:creationId xmlns:a16="http://schemas.microsoft.com/office/drawing/2014/main" id="{3EEF4B03-FAE0-4C84-A9AB-C4AC0E9E3F26}"/>
+              </a:ext>
+            </a:extLst>
+          </p:cNvPr>
+          <p:cNvGraphicFramePr>
+            <a:graphicFrameLocks noChangeAspect="1"/>
+          </p:cNvGraphicFramePr>
+          <p:nvPr>
+            <p:extLst>
+              <p:ext uri="{D42A27DB-BD31-4B8C-83A1-F6EECF244321}">
+                <p14:modId xmlns:p14="http://schemas.microsoft.com/office/powerpoint/2010/main" val="12161086"/>
+              </p:ext>
+            </p:extLst>
+          </p:nvPr>
+        </p:nvGraphicFramePr>
+        <p:xfrm>
+          <a:off x="3689219" y="3814463"/>
+          <a:ext cx="196706" cy="208277"/>
+        </p:xfrm>
+        <a:graphic>
+          <a:graphicData uri="http://schemas.openxmlformats.org/presentationml/2006/ole">
+            <mc:AlternateContent xmlns:mc="http://schemas.openxmlformats.org/markup-compatibility/2006">
+              <mc:Choice xmlns:v="urn:schemas-microsoft-com:vml" Requires="v">
+                <p:oleObj spid="_x0000_s8396" name="Equation" r:id="rId23" imgW="5181600" imgH="5486400" progId="Equation.DSMT4">
+                  <p:embed/>
+                </p:oleObj>
+              </mc:Choice>
+              <mc:Fallback>
+                <p:oleObj name="Equation" r:id="rId23" imgW="5181600" imgH="5486400" progId="Equation.DSMT4">
+                  <p:embed/>
+                  <p:pic>
+                    <p:nvPicPr>
+                      <p:cNvPr id="8" name="对象 7"/>
+                      <p:cNvPicPr/>
+                      <p:nvPr/>
+                    </p:nvPicPr>
+                    <p:blipFill>
+                      <a:blip r:embed="rId24"/>
+                      <a:stretch>
+                        <a:fillRect/>
+                      </a:stretch>
+                    </p:blipFill>
+                    <p:spPr>
+                      <a:xfrm>
+                        <a:off x="3689219" y="3814463"/>
+                        <a:ext cx="196706" cy="208277"/>
+                      </a:xfrm>
+                      <a:prstGeom prst="rect">
+                        <a:avLst/>
+                      </a:prstGeom>
+                    </p:spPr>
+                  </p:pic>
+                </p:oleObj>
+              </mc:Fallback>
+            </mc:AlternateContent>
+          </a:graphicData>
+        </a:graphic>
+      </p:graphicFrame>
+      <p:graphicFrame>
+        <p:nvGraphicFramePr>
+          <p:cNvPr id="46" name="对象 45">
+            <a:extLst>
+              <a:ext uri="{FF2B5EF4-FFF2-40B4-BE49-F238E27FC236}">
+                <a16:creationId xmlns:a16="http://schemas.microsoft.com/office/drawing/2014/main" id="{B33B3425-58D3-4BD5-B0D3-39B6EFDF1AC7}"/>
+              </a:ext>
+            </a:extLst>
+          </p:cNvPr>
+          <p:cNvGraphicFramePr>
+            <a:graphicFrameLocks noChangeAspect="1"/>
+          </p:cNvGraphicFramePr>
+          <p:nvPr>
+            <p:extLst>
+              <p:ext uri="{D42A27DB-BD31-4B8C-83A1-F6EECF244321}">
+                <p14:modId xmlns:p14="http://schemas.microsoft.com/office/powerpoint/2010/main" val="2644488272"/>
+              </p:ext>
+            </p:extLst>
+          </p:nvPr>
+        </p:nvGraphicFramePr>
+        <p:xfrm>
+          <a:off x="4166771" y="4307855"/>
+          <a:ext cx="119842" cy="109855"/>
+        </p:xfrm>
+        <a:graphic>
+          <a:graphicData uri="http://schemas.openxmlformats.org/presentationml/2006/ole">
+            <mc:AlternateContent xmlns:mc="http://schemas.openxmlformats.org/markup-compatibility/2006">
+              <mc:Choice xmlns:v="urn:schemas-microsoft-com:vml" Requires="v">
+                <p:oleObj spid="_x0000_s8397" name="Equation" r:id="rId25" imgW="152280" imgH="139680" progId="Equation.DSMT4">
+                  <p:embed/>
+                </p:oleObj>
+              </mc:Choice>
+              <mc:Fallback>
+                <p:oleObj name="Equation" r:id="rId25" imgW="152280" imgH="139680" progId="Equation.DSMT4">
+                  <p:embed/>
+                  <p:pic>
+                    <p:nvPicPr>
+                      <p:cNvPr id="0" name=""/>
+                      <p:cNvPicPr/>
+                      <p:nvPr/>
+                    </p:nvPicPr>
+                    <p:blipFill>
+                      <a:blip r:embed="rId26"/>
+                      <a:stretch>
+                        <a:fillRect/>
+                      </a:stretch>
+                    </p:blipFill>
+                    <p:spPr>
+                      <a:xfrm>
+                        <a:off x="4166771" y="4307855"/>
+                        <a:ext cx="119842" cy="109855"/>
+                      </a:xfrm>
+                      <a:prstGeom prst="rect">
+                        <a:avLst/>
+                      </a:prstGeom>
+                    </p:spPr>
+                  </p:pic>
+                </p:oleObj>
+              </mc:Fallback>
+            </mc:AlternateContent>
+          </a:graphicData>
+        </a:graphic>
+      </p:graphicFrame>
+      <p:cxnSp>
+        <p:nvCxnSpPr>
+          <p:cNvPr id="49" name="直接箭头连接符 48">
+            <a:extLst>
+              <a:ext uri="{FF2B5EF4-FFF2-40B4-BE49-F238E27FC236}">
+                <a16:creationId xmlns:a16="http://schemas.microsoft.com/office/drawing/2014/main" id="{902825A5-E14C-4329-8D99-A3834205C08A}"/>
+              </a:ext>
+            </a:extLst>
+          </p:cNvPr>
+          <p:cNvCxnSpPr>
+            <a:cxnSpLocks/>
+          </p:cNvCxnSpPr>
+          <p:nvPr/>
+        </p:nvCxnSpPr>
+        <p:spPr>
+          <a:xfrm>
+            <a:off x="3981350" y="4669264"/>
+            <a:ext cx="674074" cy="645831"/>
+          </a:xfrm>
+          <a:prstGeom prst="straightConnector1">
+            <a:avLst/>
+          </a:prstGeom>
+          <a:ln>
+            <a:prstDash val="dash"/>
+            <a:tailEnd type="triangle"/>
+          </a:ln>
+        </p:spPr>
+        <p:style>
+          <a:lnRef idx="1">
+            <a:schemeClr val="accent1"/>
+          </a:lnRef>
+          <a:fillRef idx="0">
+            <a:schemeClr val="accent1"/>
+          </a:fillRef>
+          <a:effectRef idx="0">
+            <a:schemeClr val="accent1"/>
+          </a:effectRef>
+          <a:fontRef idx="minor">
+            <a:schemeClr val="tx1"/>
+          </a:fontRef>
+        </p:style>
+      </p:cxnSp>
+      <p:graphicFrame>
+        <p:nvGraphicFramePr>
+          <p:cNvPr id="52" name="对象 51">
+            <a:extLst>
+              <a:ext uri="{FF2B5EF4-FFF2-40B4-BE49-F238E27FC236}">
+                <a16:creationId xmlns:a16="http://schemas.microsoft.com/office/drawing/2014/main" id="{BBB57468-FFC3-45D4-8851-C899E8DE3F7A}"/>
+              </a:ext>
+            </a:extLst>
+          </p:cNvPr>
+          <p:cNvGraphicFramePr>
+            <a:graphicFrameLocks noChangeAspect="1"/>
+          </p:cNvGraphicFramePr>
+          <p:nvPr>
+            <p:extLst>
+              <p:ext uri="{D42A27DB-BD31-4B8C-83A1-F6EECF244321}">
+                <p14:modId xmlns:p14="http://schemas.microsoft.com/office/powerpoint/2010/main" val="364465973"/>
+              </p:ext>
+            </p:extLst>
+          </p:nvPr>
+        </p:nvGraphicFramePr>
+        <p:xfrm>
+          <a:off x="4260160" y="3189848"/>
+          <a:ext cx="340746" cy="170373"/>
+        </p:xfrm>
+        <a:graphic>
+          <a:graphicData uri="http://schemas.openxmlformats.org/presentationml/2006/ole">
+            <mc:AlternateContent xmlns:mc="http://schemas.openxmlformats.org/markup-compatibility/2006">
+              <mc:Choice xmlns:v="urn:schemas-microsoft-com:vml" Requires="v">
+                <p:oleObj spid="_x0000_s8398" name="Equation" r:id="rId27" imgW="558720" imgH="279360" progId="Equation.DSMT4">
+                  <p:embed/>
+                </p:oleObj>
+              </mc:Choice>
+              <mc:Fallback>
+                <p:oleObj name="Equation" r:id="rId27" imgW="558720" imgH="279360" progId="Equation.DSMT4">
+                  <p:embed/>
+                  <p:pic>
+                    <p:nvPicPr>
+                      <p:cNvPr id="0" name=""/>
+                      <p:cNvPicPr/>
+                      <p:nvPr/>
+                    </p:nvPicPr>
+                    <p:blipFill>
+                      <a:blip r:embed="rId28"/>
+                      <a:stretch>
+                        <a:fillRect/>
+                      </a:stretch>
+                    </p:blipFill>
+                    <p:spPr>
+                      <a:xfrm>
+                        <a:off x="4260160" y="3189848"/>
+                        <a:ext cx="340746" cy="170373"/>
+                      </a:xfrm>
+                      <a:prstGeom prst="rect">
+                        <a:avLst/>
+                      </a:prstGeom>
+                    </p:spPr>
+                  </p:pic>
+                </p:oleObj>
+              </mc:Fallback>
+            </mc:AlternateContent>
+          </a:graphicData>
+        </a:graphic>
+      </p:graphicFrame>
+      <p:graphicFrame>
+        <p:nvGraphicFramePr>
+          <p:cNvPr id="53" name="对象 52">
+            <a:extLst>
+              <a:ext uri="{FF2B5EF4-FFF2-40B4-BE49-F238E27FC236}">
+                <a16:creationId xmlns:a16="http://schemas.microsoft.com/office/drawing/2014/main" id="{5D306CCA-F48F-4726-862E-4DD3081DD4EC}"/>
+              </a:ext>
+            </a:extLst>
+          </p:cNvPr>
+          <p:cNvGraphicFramePr>
+            <a:graphicFrameLocks noChangeAspect="1"/>
+          </p:cNvGraphicFramePr>
+          <p:nvPr>
+            <p:extLst>
+              <p:ext uri="{D42A27DB-BD31-4B8C-83A1-F6EECF244321}">
+                <p14:modId xmlns:p14="http://schemas.microsoft.com/office/powerpoint/2010/main" val="2518838162"/>
+              </p:ext>
+            </p:extLst>
+          </p:nvPr>
+        </p:nvGraphicFramePr>
+        <p:xfrm>
+          <a:off x="5240891" y="3557622"/>
+          <a:ext cx="357876" cy="178938"/>
+        </p:xfrm>
+        <a:graphic>
+          <a:graphicData uri="http://schemas.openxmlformats.org/presentationml/2006/ole">
+            <mc:AlternateContent xmlns:mc="http://schemas.openxmlformats.org/markup-compatibility/2006">
+              <mc:Choice xmlns:v="urn:schemas-microsoft-com:vml" Requires="v">
+                <p:oleObj spid="_x0000_s8399" name="Equation" r:id="rId29" imgW="558720" imgH="279360" progId="Equation.DSMT4">
+                  <p:embed/>
+                </p:oleObj>
+              </mc:Choice>
+              <mc:Fallback>
+                <p:oleObj name="Equation" r:id="rId29" imgW="558720" imgH="279360" progId="Equation.DSMT4">
+                  <p:embed/>
+                  <p:pic>
+                    <p:nvPicPr>
+                      <p:cNvPr id="0" name=""/>
+                      <p:cNvPicPr/>
+                      <p:nvPr/>
+                    </p:nvPicPr>
+                    <p:blipFill>
+                      <a:blip r:embed="rId30"/>
+                      <a:stretch>
+                        <a:fillRect/>
+                      </a:stretch>
+                    </p:blipFill>
+                    <p:spPr>
+                      <a:xfrm>
+                        <a:off x="5240891" y="3557622"/>
+                        <a:ext cx="357876" cy="178938"/>
+                      </a:xfrm>
+                      <a:prstGeom prst="rect">
+                        <a:avLst/>
+                      </a:prstGeom>
+                    </p:spPr>
+                  </p:pic>
+                </p:oleObj>
+              </mc:Fallback>
+            </mc:AlternateContent>
+          </a:graphicData>
+        </a:graphic>
+      </p:graphicFrame>
+      <p:cxnSp>
+        <p:nvCxnSpPr>
+          <p:cNvPr id="57" name="直接连接符 56">
+            <a:extLst>
+              <a:ext uri="{FF2B5EF4-FFF2-40B4-BE49-F238E27FC236}">
+                <a16:creationId xmlns:a16="http://schemas.microsoft.com/office/drawing/2014/main" id="{CE673B78-869A-4248-A814-6FAD4F3D1025}"/>
+              </a:ext>
+            </a:extLst>
+          </p:cNvPr>
+          <p:cNvCxnSpPr>
+            <a:cxnSpLocks/>
+          </p:cNvCxnSpPr>
+          <p:nvPr/>
+        </p:nvCxnSpPr>
+        <p:spPr>
+          <a:xfrm flipH="1">
+            <a:off x="5059285" y="3640702"/>
+            <a:ext cx="193125" cy="41778"/>
+          </a:xfrm>
+          <a:prstGeom prst="line">
+            <a:avLst/>
+          </a:prstGeom>
+          <a:ln>
+            <a:solidFill>
+              <a:schemeClr val="tx1"/>
+            </a:solidFill>
+          </a:ln>
+        </p:spPr>
+        <p:style>
+          <a:lnRef idx="1">
+            <a:schemeClr val="accent1"/>
+          </a:lnRef>
+          <a:fillRef idx="0">
+            <a:schemeClr val="accent1"/>
+          </a:fillRef>
+          <a:effectRef idx="0">
+            <a:schemeClr val="accent1"/>
+          </a:effectRef>
+          <a:fontRef idx="minor">
+            <a:schemeClr val="tx1"/>
+          </a:fontRef>
+        </p:style>
+      </p:cxnSp>
+      <p:graphicFrame>
+        <p:nvGraphicFramePr>
+          <p:cNvPr id="61" name="对象 60">
+            <a:extLst>
+              <a:ext uri="{FF2B5EF4-FFF2-40B4-BE49-F238E27FC236}">
+                <a16:creationId xmlns:a16="http://schemas.microsoft.com/office/drawing/2014/main" id="{5FAFA67E-B03C-43C7-A102-B9D057070B2F}"/>
+              </a:ext>
+            </a:extLst>
+          </p:cNvPr>
+          <p:cNvGraphicFramePr>
+            <a:graphicFrameLocks noChangeAspect="1"/>
+          </p:cNvGraphicFramePr>
+          <p:nvPr>
+            <p:extLst>
+              <p:ext uri="{D42A27DB-BD31-4B8C-83A1-F6EECF244321}">
+                <p14:modId xmlns:p14="http://schemas.microsoft.com/office/powerpoint/2010/main" val="1986426993"/>
+              </p:ext>
+            </p:extLst>
+          </p:nvPr>
+        </p:nvGraphicFramePr>
+        <p:xfrm>
+          <a:off x="4777377" y="4801877"/>
+          <a:ext cx="176530" cy="176530"/>
+        </p:xfrm>
+        <a:graphic>
+          <a:graphicData uri="http://schemas.openxmlformats.org/presentationml/2006/ole">
+            <mc:AlternateContent xmlns:mc="http://schemas.openxmlformats.org/markup-compatibility/2006">
+              <mc:Choice xmlns:v="urn:schemas-microsoft-com:vml" Requires="v">
+                <p:oleObj spid="_x0000_s8400" name="Equation" r:id="rId31" imgW="253800" imgH="253800" progId="Equation.DSMT4">
+                  <p:embed/>
+                </p:oleObj>
+              </mc:Choice>
+              <mc:Fallback>
+                <p:oleObj name="Equation" r:id="rId31" imgW="253800" imgH="253800" progId="Equation.DSMT4">
+                  <p:embed/>
+                  <p:pic>
+                    <p:nvPicPr>
+                      <p:cNvPr id="0" name=""/>
+                      <p:cNvPicPr/>
+                      <p:nvPr/>
+                    </p:nvPicPr>
+                    <p:blipFill>
+                      <a:blip r:embed="rId32"/>
+                      <a:stretch>
+                        <a:fillRect/>
+                      </a:stretch>
+                    </p:blipFill>
+                    <p:spPr>
+                      <a:xfrm>
+                        <a:off x="4777377" y="4801877"/>
+                        <a:ext cx="176530" cy="176530"/>
+                      </a:xfrm>
+                      <a:prstGeom prst="rect">
+                        <a:avLst/>
+                      </a:prstGeom>
+                    </p:spPr>
+                  </p:pic>
+                </p:oleObj>
+              </mc:Fallback>
+            </mc:AlternateContent>
+          </a:graphicData>
+        </a:graphic>
+      </p:graphicFrame>
+      <p:graphicFrame>
+        <p:nvGraphicFramePr>
+          <p:cNvPr id="62" name="对象 61">
+            <a:extLst>
+              <a:ext uri="{FF2B5EF4-FFF2-40B4-BE49-F238E27FC236}">
+                <a16:creationId xmlns:a16="http://schemas.microsoft.com/office/drawing/2014/main" id="{8E849710-19DF-41D7-BAFA-7F952D44B4C8}"/>
+              </a:ext>
+            </a:extLst>
+          </p:cNvPr>
+          <p:cNvGraphicFramePr>
+            <a:graphicFrameLocks noChangeAspect="1"/>
+          </p:cNvGraphicFramePr>
+          <p:nvPr>
+            <p:extLst>
+              <p:ext uri="{D42A27DB-BD31-4B8C-83A1-F6EECF244321}">
+                <p14:modId xmlns:p14="http://schemas.microsoft.com/office/powerpoint/2010/main" val="4032461872"/>
+              </p:ext>
+            </p:extLst>
+          </p:nvPr>
+        </p:nvGraphicFramePr>
+        <p:xfrm>
+          <a:off x="4607844" y="5056702"/>
+          <a:ext cx="155351" cy="155351"/>
+        </p:xfrm>
+        <a:graphic>
+          <a:graphicData uri="http://schemas.openxmlformats.org/presentationml/2006/ole">
+            <mc:AlternateContent xmlns:mc="http://schemas.openxmlformats.org/markup-compatibility/2006">
+              <mc:Choice xmlns:v="urn:schemas-microsoft-com:vml" Requires="v">
+                <p:oleObj spid="_x0000_s8401" name="Equation" r:id="rId33" imgW="253800" imgH="253800" progId="Equation.DSMT4">
+                  <p:embed/>
+                </p:oleObj>
+              </mc:Choice>
+              <mc:Fallback>
+                <p:oleObj name="Equation" r:id="rId33" imgW="253800" imgH="253800" progId="Equation.DSMT4">
+                  <p:embed/>
+                  <p:pic>
+                    <p:nvPicPr>
+                      <p:cNvPr id="0" name=""/>
+                      <p:cNvPicPr/>
+                      <p:nvPr/>
+                    </p:nvPicPr>
+                    <p:blipFill>
+                      <a:blip r:embed="rId34"/>
+                      <a:stretch>
+                        <a:fillRect/>
+                      </a:stretch>
+                    </p:blipFill>
+                    <p:spPr>
+                      <a:xfrm>
+                        <a:off x="4607844" y="5056702"/>
+                        <a:ext cx="155351" cy="155351"/>
+                      </a:xfrm>
+                      <a:prstGeom prst="rect">
+                        <a:avLst/>
+                      </a:prstGeom>
+                    </p:spPr>
+                  </p:pic>
+                </p:oleObj>
+              </mc:Fallback>
+            </mc:AlternateContent>
+          </a:graphicData>
+        </a:graphic>
+      </p:graphicFrame>
+      <p:cxnSp>
+        <p:nvCxnSpPr>
+          <p:cNvPr id="63" name="直接连接符 62">
+            <a:extLst>
+              <a:ext uri="{FF2B5EF4-FFF2-40B4-BE49-F238E27FC236}">
+                <a16:creationId xmlns:a16="http://schemas.microsoft.com/office/drawing/2014/main" id="{777B52F0-5BC5-4B88-80A7-3F0879DA6770}"/>
+              </a:ext>
+            </a:extLst>
+          </p:cNvPr>
+          <p:cNvCxnSpPr/>
+          <p:nvPr/>
+        </p:nvCxnSpPr>
+        <p:spPr>
+          <a:xfrm flipH="1">
+            <a:off x="4585174" y="4938851"/>
+            <a:ext cx="208831" cy="39555"/>
+          </a:xfrm>
+          <a:prstGeom prst="line">
+            <a:avLst/>
+          </a:prstGeom>
+          <a:ln>
+            <a:solidFill>
+              <a:schemeClr val="tx1"/>
+            </a:solidFill>
+          </a:ln>
+        </p:spPr>
+        <p:style>
+          <a:lnRef idx="1">
+            <a:schemeClr val="accent1"/>
+          </a:lnRef>
+          <a:fillRef idx="0">
+            <a:schemeClr val="accent1"/>
+          </a:fillRef>
+          <a:effectRef idx="0">
+            <a:schemeClr val="accent1"/>
+          </a:effectRef>
+          <a:fontRef idx="minor">
+            <a:schemeClr val="tx1"/>
+          </a:fontRef>
+        </p:style>
+      </p:cxnSp>
+      <p:cxnSp>
+        <p:nvCxnSpPr>
+          <p:cNvPr id="64" name="直接连接符 63">
+            <a:extLst>
+              <a:ext uri="{FF2B5EF4-FFF2-40B4-BE49-F238E27FC236}">
+                <a16:creationId xmlns:a16="http://schemas.microsoft.com/office/drawing/2014/main" id="{8A973228-8C57-452E-BFAB-251DFD01A6A6}"/>
+              </a:ext>
+            </a:extLst>
+          </p:cNvPr>
+          <p:cNvCxnSpPr>
+            <a:cxnSpLocks/>
+          </p:cNvCxnSpPr>
+          <p:nvPr/>
+        </p:nvCxnSpPr>
+        <p:spPr>
+          <a:xfrm flipH="1">
+            <a:off x="4480759" y="5116904"/>
+            <a:ext cx="126900" cy="30747"/>
+          </a:xfrm>
+          <a:prstGeom prst="line">
+            <a:avLst/>
+          </a:prstGeom>
+          <a:ln>
+            <a:solidFill>
+              <a:schemeClr val="tx1"/>
+            </a:solidFill>
+          </a:ln>
+        </p:spPr>
+        <p:style>
+          <a:lnRef idx="1">
+            <a:schemeClr val="accent1"/>
+          </a:lnRef>
+          <a:fillRef idx="0">
+            <a:schemeClr val="accent1"/>
+          </a:fillRef>
+          <a:effectRef idx="0">
+            <a:schemeClr val="accent1"/>
+          </a:effectRef>
+          <a:fontRef idx="minor">
+            <a:schemeClr val="tx1"/>
+          </a:fontRef>
+        </p:style>
+      </p:cxnSp>
+      <p:cxnSp>
+        <p:nvCxnSpPr>
+          <p:cNvPr id="65" name="直接箭头连接符 64">
+            <a:extLst>
+              <a:ext uri="{FF2B5EF4-FFF2-40B4-BE49-F238E27FC236}">
+                <a16:creationId xmlns:a16="http://schemas.microsoft.com/office/drawing/2014/main" id="{3126E6E2-3FE8-43F9-85DC-25B191216A8C}"/>
+              </a:ext>
+            </a:extLst>
+          </p:cNvPr>
+          <p:cNvCxnSpPr>
+            <a:cxnSpLocks/>
+          </p:cNvCxnSpPr>
+          <p:nvPr/>
+        </p:nvCxnSpPr>
+        <p:spPr>
+          <a:xfrm>
+            <a:off x="3991342" y="4668154"/>
+            <a:ext cx="529500" cy="530901"/>
+          </a:xfrm>
+          <a:prstGeom prst="straightConnector1">
+            <a:avLst/>
+          </a:prstGeom>
+          <a:ln>
+            <a:solidFill>
+              <a:srgbClr val="00FFFF"/>
+            </a:solidFill>
+            <a:tailEnd type="triangle"/>
+          </a:ln>
+        </p:spPr>
+        <p:style>
+          <a:lnRef idx="1">
+            <a:schemeClr val="accent1"/>
+          </a:lnRef>
+          <a:fillRef idx="0">
+            <a:schemeClr val="accent1"/>
+          </a:fillRef>
+          <a:effectRef idx="0">
+            <a:schemeClr val="accent1"/>
+          </a:effectRef>
+          <a:fontRef idx="minor">
+            <a:schemeClr val="tx1"/>
+          </a:fontRef>
+        </p:style>
+      </p:cxnSp>
+      <p:cxnSp>
+        <p:nvCxnSpPr>
+          <p:cNvPr id="73" name="直接连接符 72">
+            <a:extLst>
+              <a:ext uri="{FF2B5EF4-FFF2-40B4-BE49-F238E27FC236}">
+                <a16:creationId xmlns:a16="http://schemas.microsoft.com/office/drawing/2014/main" id="{D3947DA4-A2B4-45EC-A1A1-13B620A6891E}"/>
+              </a:ext>
+            </a:extLst>
+          </p:cNvPr>
+          <p:cNvCxnSpPr>
+            <a:cxnSpLocks/>
+          </p:cNvCxnSpPr>
+          <p:nvPr/>
+        </p:nvCxnSpPr>
+        <p:spPr>
+          <a:xfrm>
+            <a:off x="4616356" y="3457290"/>
+            <a:ext cx="442929" cy="222481"/>
+          </a:xfrm>
+          <a:prstGeom prst="line">
+            <a:avLst/>
+          </a:prstGeom>
+          <a:ln>
+            <a:prstDash val="dash"/>
+          </a:ln>
+        </p:spPr>
+        <p:style>
+          <a:lnRef idx="1">
+            <a:schemeClr val="accent1"/>
+          </a:lnRef>
+          <a:fillRef idx="0">
+            <a:schemeClr val="accent1"/>
+          </a:fillRef>
+          <a:effectRef idx="0">
+            <a:schemeClr val="accent1"/>
+          </a:effectRef>
+          <a:fontRef idx="minor">
+            <a:schemeClr val="tx1"/>
+          </a:fontRef>
+        </p:style>
+      </p:cxnSp>
+      <p:cxnSp>
+        <p:nvCxnSpPr>
+          <p:cNvPr id="75" name="直接连接符 74">
+            <a:extLst>
+              <a:ext uri="{FF2B5EF4-FFF2-40B4-BE49-F238E27FC236}">
+                <a16:creationId xmlns:a16="http://schemas.microsoft.com/office/drawing/2014/main" id="{60154BCA-A637-44C7-B668-7995FB0BDF35}"/>
+              </a:ext>
+            </a:extLst>
+          </p:cNvPr>
+          <p:cNvCxnSpPr>
+            <a:cxnSpLocks/>
+          </p:cNvCxnSpPr>
+          <p:nvPr/>
+        </p:nvCxnSpPr>
+        <p:spPr>
+          <a:xfrm flipH="1">
+            <a:off x="3489122" y="4675707"/>
+            <a:ext cx="496255" cy="922685"/>
+          </a:xfrm>
+          <a:prstGeom prst="line">
+            <a:avLst/>
+          </a:prstGeom>
+          <a:ln>
+            <a:solidFill>
+              <a:schemeClr val="tx1"/>
+            </a:solidFill>
+            <a:prstDash val="dash"/>
+          </a:ln>
+        </p:spPr>
+        <p:style>
+          <a:lnRef idx="1">
+            <a:schemeClr val="accent1"/>
+          </a:lnRef>
+          <a:fillRef idx="0">
+            <a:schemeClr val="accent1"/>
+          </a:fillRef>
+          <a:effectRef idx="0">
+            <a:schemeClr val="accent1"/>
+          </a:effectRef>
+          <a:fontRef idx="minor">
+            <a:schemeClr val="tx1"/>
+          </a:fontRef>
+        </p:style>
+      </p:cxnSp>
+      <p:cxnSp>
+        <p:nvCxnSpPr>
+          <p:cNvPr id="79" name="直接连接符 78">
+            <a:extLst>
+              <a:ext uri="{FF2B5EF4-FFF2-40B4-BE49-F238E27FC236}">
+                <a16:creationId xmlns:a16="http://schemas.microsoft.com/office/drawing/2014/main" id="{54D67932-CF80-4CF6-B360-D5EF48C0B145}"/>
+              </a:ext>
+            </a:extLst>
+          </p:cNvPr>
+          <p:cNvCxnSpPr>
+            <a:cxnSpLocks/>
+          </p:cNvCxnSpPr>
+          <p:nvPr/>
+        </p:nvCxnSpPr>
+        <p:spPr>
+          <a:xfrm flipH="1">
+            <a:off x="4432370" y="3676395"/>
+            <a:ext cx="616957" cy="1211052"/>
+          </a:xfrm>
+          <a:prstGeom prst="line">
+            <a:avLst/>
+          </a:prstGeom>
+          <a:ln>
+            <a:prstDash val="dash"/>
+          </a:ln>
+        </p:spPr>
+        <p:style>
+          <a:lnRef idx="1">
+            <a:schemeClr val="accent1"/>
+          </a:lnRef>
+          <a:fillRef idx="0">
+            <a:schemeClr val="accent1"/>
+          </a:fillRef>
+          <a:effectRef idx="0">
+            <a:schemeClr val="accent1"/>
+          </a:effectRef>
+          <a:fontRef idx="minor">
+            <a:schemeClr val="tx1"/>
+          </a:fontRef>
+        </p:style>
+      </p:cxnSp>
+      <p:cxnSp>
+        <p:nvCxnSpPr>
+          <p:cNvPr id="81" name="直接连接符 80">
+            <a:extLst>
+              <a:ext uri="{FF2B5EF4-FFF2-40B4-BE49-F238E27FC236}">
+                <a16:creationId xmlns:a16="http://schemas.microsoft.com/office/drawing/2014/main" id="{FF664610-9C3D-4CE0-99A5-1232C1B61254}"/>
+              </a:ext>
+            </a:extLst>
+          </p:cNvPr>
+          <p:cNvCxnSpPr>
+            <a:cxnSpLocks/>
+          </p:cNvCxnSpPr>
+          <p:nvPr/>
+        </p:nvCxnSpPr>
+        <p:spPr>
+          <a:xfrm flipH="1">
+            <a:off x="4506627" y="4994004"/>
+            <a:ext cx="103815" cy="192905"/>
+          </a:xfrm>
+          <a:prstGeom prst="line">
+            <a:avLst/>
+          </a:prstGeom>
+          <a:ln>
+            <a:prstDash val="dash"/>
+          </a:ln>
+        </p:spPr>
+        <p:style>
+          <a:lnRef idx="1">
+            <a:schemeClr val="accent1"/>
+          </a:lnRef>
+          <a:fillRef idx="0">
+            <a:schemeClr val="accent1"/>
+          </a:fillRef>
+          <a:effectRef idx="0">
+            <a:schemeClr val="accent1"/>
+          </a:effectRef>
+          <a:fontRef idx="minor">
+            <a:schemeClr val="tx1"/>
+          </a:fontRef>
+        </p:style>
+      </p:cxnSp>
+      <p:cxnSp>
+        <p:nvCxnSpPr>
+          <p:cNvPr id="84" name="直接连接符 83">
+            <a:extLst>
+              <a:ext uri="{FF2B5EF4-FFF2-40B4-BE49-F238E27FC236}">
+                <a16:creationId xmlns:a16="http://schemas.microsoft.com/office/drawing/2014/main" id="{7502E0CD-4D75-4DB0-B543-C64E5B41EE33}"/>
+              </a:ext>
+            </a:extLst>
+          </p:cNvPr>
+          <p:cNvCxnSpPr>
+            <a:cxnSpLocks/>
+          </p:cNvCxnSpPr>
+          <p:nvPr/>
+        </p:nvCxnSpPr>
+        <p:spPr>
+          <a:xfrm flipH="1" flipV="1">
+            <a:off x="3872203" y="4868278"/>
+            <a:ext cx="633516" cy="324855"/>
+          </a:xfrm>
+          <a:prstGeom prst="line">
+            <a:avLst/>
+          </a:prstGeom>
+          <a:ln>
+            <a:prstDash val="dash"/>
+          </a:ln>
+        </p:spPr>
+        <p:style>
+          <a:lnRef idx="1">
+            <a:schemeClr val="accent1"/>
+          </a:lnRef>
+          <a:fillRef idx="0">
+            <a:schemeClr val="accent1"/>
+          </a:fillRef>
+          <a:effectRef idx="0">
+            <a:schemeClr val="accent1"/>
+          </a:effectRef>
+          <a:fontRef idx="minor">
+            <a:schemeClr val="tx1"/>
+          </a:fontRef>
+        </p:style>
+      </p:cxnSp>
+      <p:cxnSp>
+        <p:nvCxnSpPr>
+          <p:cNvPr id="91" name="直接箭头连接符 90">
+            <a:extLst>
+              <a:ext uri="{FF2B5EF4-FFF2-40B4-BE49-F238E27FC236}">
+                <a16:creationId xmlns:a16="http://schemas.microsoft.com/office/drawing/2014/main" id="{C51C65E8-89BF-452E-BAF9-E78816E3477C}"/>
+              </a:ext>
+            </a:extLst>
+          </p:cNvPr>
+          <p:cNvCxnSpPr>
+            <a:cxnSpLocks/>
+          </p:cNvCxnSpPr>
+          <p:nvPr/>
+        </p:nvCxnSpPr>
+        <p:spPr>
+          <a:xfrm>
+            <a:off x="3967623" y="4671068"/>
+            <a:ext cx="468022" cy="234032"/>
+          </a:xfrm>
+          <a:prstGeom prst="straightConnector1">
+            <a:avLst/>
+          </a:prstGeom>
+          <a:ln>
+            <a:solidFill>
+              <a:srgbClr val="FF0000"/>
+            </a:solidFill>
+            <a:tailEnd type="triangle"/>
+          </a:ln>
+        </p:spPr>
+        <p:style>
+          <a:lnRef idx="1">
+            <a:schemeClr val="accent2"/>
+          </a:lnRef>
+          <a:fillRef idx="0">
+            <a:schemeClr val="accent2"/>
+          </a:fillRef>
+          <a:effectRef idx="0">
+            <a:schemeClr val="accent2"/>
+          </a:effectRef>
+          <a:fontRef idx="minor">
+            <a:schemeClr val="tx1"/>
+          </a:fontRef>
+        </p:style>
+      </p:cxnSp>
+      <p:pic>
+        <p:nvPicPr>
+          <p:cNvPr id="4" name="图片 3" descr="图片包含 游戏机&#10;&#10;描述已自动生成">
+            <a:extLst>
+              <a:ext uri="{FF2B5EF4-FFF2-40B4-BE49-F238E27FC236}">
+                <a16:creationId xmlns:a16="http://schemas.microsoft.com/office/drawing/2014/main" id="{3AD5AB9C-B5E7-4D9D-AFE4-CB65A684AC2E}"/>
+              </a:ext>
+            </a:extLst>
+          </p:cNvPr>
+          <p:cNvPicPr>
+            <a:picLocks noChangeAspect="1"/>
+          </p:cNvPicPr>
+          <p:nvPr/>
+        </p:nvPicPr>
+        <p:blipFill>
+          <a:blip r:embed="rId35" cstate="print">
+            <a:alphaModFix amt="35000"/>
+            <a:extLst>
+              <a:ext uri="{28A0092B-C50C-407E-A947-70E740481C1C}">
+                <a14:useLocalDpi xmlns:a14="http://schemas.microsoft.com/office/drawing/2010/main" val="0"/>
+              </a:ext>
+            </a:extLst>
+          </a:blip>
+          <a:stretch>
+            <a:fillRect/>
+          </a:stretch>
+        </p:blipFill>
+        <p:spPr>
+          <a:xfrm rot="1649262">
+            <a:off x="3638989" y="4335107"/>
+            <a:ext cx="678803" cy="678803"/>
+          </a:xfrm>
+          <a:prstGeom prst="rect">
+            <a:avLst/>
+          </a:prstGeom>
+        </p:spPr>
+      </p:pic>
+      <p:cxnSp>
+        <p:nvCxnSpPr>
+          <p:cNvPr id="94" name="直接箭头连接符 93">
+            <a:extLst>
+              <a:ext uri="{FF2B5EF4-FFF2-40B4-BE49-F238E27FC236}">
+                <a16:creationId xmlns:a16="http://schemas.microsoft.com/office/drawing/2014/main" id="{FFAFEA78-CD24-4FF7-A50D-695F8CC94954}"/>
+              </a:ext>
+            </a:extLst>
+          </p:cNvPr>
+          <p:cNvCxnSpPr>
+            <a:cxnSpLocks/>
+          </p:cNvCxnSpPr>
+          <p:nvPr/>
+        </p:nvCxnSpPr>
+        <p:spPr>
+          <a:xfrm flipH="1">
+            <a:off x="3878164" y="4665025"/>
+            <a:ext cx="101341" cy="203253"/>
+          </a:xfrm>
+          <a:prstGeom prst="straightConnector1">
+            <a:avLst/>
+          </a:prstGeom>
+          <a:ln>
+            <a:solidFill>
+              <a:srgbClr val="00FFFF"/>
+            </a:solidFill>
+            <a:tailEnd type="triangle"/>
+          </a:ln>
+        </p:spPr>
+        <p:style>
+          <a:lnRef idx="1">
+            <a:schemeClr val="accent1"/>
+          </a:lnRef>
+          <a:fillRef idx="0">
+            <a:schemeClr val="accent1"/>
+          </a:fillRef>
+          <a:effectRef idx="0">
+            <a:schemeClr val="accent1"/>
+          </a:effectRef>
+          <a:fontRef idx="minor">
+            <a:schemeClr val="tx1"/>
+          </a:fontRef>
+        </p:style>
+      </p:cxnSp>
+      <p:cxnSp>
+        <p:nvCxnSpPr>
+          <p:cNvPr id="16" name="直接箭头连接符 15">
+            <a:extLst>
+              <a:ext uri="{FF2B5EF4-FFF2-40B4-BE49-F238E27FC236}">
+                <a16:creationId xmlns:a16="http://schemas.microsoft.com/office/drawing/2014/main" id="{91265482-A3F4-4CA4-A374-1C410DA690B6}"/>
+              </a:ext>
+            </a:extLst>
+          </p:cNvPr>
+          <p:cNvCxnSpPr>
+            <a:cxnSpLocks/>
+          </p:cNvCxnSpPr>
+          <p:nvPr/>
+        </p:nvCxnSpPr>
+        <p:spPr>
+          <a:xfrm flipV="1">
+            <a:off x="3978390" y="4022999"/>
+            <a:ext cx="690465" cy="651510"/>
+          </a:xfrm>
+          <a:prstGeom prst="straightConnector1">
+            <a:avLst/>
+          </a:prstGeom>
+          <a:ln>
+            <a:prstDash val="solid"/>
+            <a:tailEnd type="triangle"/>
+          </a:ln>
+        </p:spPr>
+        <p:style>
+          <a:lnRef idx="1">
+            <a:schemeClr val="accent1"/>
+          </a:lnRef>
+          <a:fillRef idx="0">
+            <a:schemeClr val="accent1"/>
+          </a:fillRef>
+          <a:effectRef idx="0">
+            <a:schemeClr val="accent1"/>
+          </a:effectRef>
+          <a:fontRef idx="minor">
+            <a:schemeClr val="tx1"/>
+          </a:fontRef>
+        </p:style>
+      </p:cxnSp>
+      <p:cxnSp>
+        <p:nvCxnSpPr>
+          <p:cNvPr id="55" name="直接箭头连接符 54">
+            <a:extLst>
+              <a:ext uri="{FF2B5EF4-FFF2-40B4-BE49-F238E27FC236}">
+                <a16:creationId xmlns:a16="http://schemas.microsoft.com/office/drawing/2014/main" id="{B1E23887-FE85-44FD-B65A-9E71B29B8955}"/>
+              </a:ext>
+            </a:extLst>
+          </p:cNvPr>
+          <p:cNvCxnSpPr>
+            <a:cxnSpLocks/>
+          </p:cNvCxnSpPr>
+          <p:nvPr/>
+        </p:nvCxnSpPr>
+        <p:spPr>
+          <a:xfrm flipV="1">
+            <a:off x="3981700" y="3634943"/>
+            <a:ext cx="538576" cy="1034996"/>
+          </a:xfrm>
+          <a:prstGeom prst="straightConnector1">
+            <a:avLst/>
+          </a:prstGeom>
+          <a:ln>
+            <a:prstDash val="dash"/>
+            <a:tailEnd type="triangle"/>
+          </a:ln>
+        </p:spPr>
+        <p:style>
+          <a:lnRef idx="1">
+            <a:schemeClr val="accent1"/>
+          </a:lnRef>
+          <a:fillRef idx="0">
+            <a:schemeClr val="accent1"/>
+          </a:fillRef>
+          <a:effectRef idx="0">
+            <a:schemeClr val="accent1"/>
+          </a:effectRef>
+          <a:fontRef idx="minor">
+            <a:schemeClr val="tx1"/>
+          </a:fontRef>
+        </p:style>
+      </p:cxnSp>
+      <p:graphicFrame>
+        <p:nvGraphicFramePr>
+          <p:cNvPr id="24" name="对象 23">
+            <a:extLst>
+              <a:ext uri="{FF2B5EF4-FFF2-40B4-BE49-F238E27FC236}">
+                <a16:creationId xmlns:a16="http://schemas.microsoft.com/office/drawing/2014/main" id="{2A824D38-F46D-4270-B79F-E58911F8AB41}"/>
+              </a:ext>
+            </a:extLst>
+          </p:cNvPr>
+          <p:cNvGraphicFramePr>
+            <a:graphicFrameLocks noChangeAspect="1"/>
+          </p:cNvGraphicFramePr>
+          <p:nvPr>
+            <p:extLst>
+              <p:ext uri="{D42A27DB-BD31-4B8C-83A1-F6EECF244321}">
+                <p14:modId xmlns:p14="http://schemas.microsoft.com/office/powerpoint/2010/main" val="1682140351"/>
+              </p:ext>
+            </p:extLst>
+          </p:nvPr>
+        </p:nvGraphicFramePr>
+        <p:xfrm>
+          <a:off x="4237807" y="3441733"/>
+          <a:ext cx="157480" cy="176007"/>
+        </p:xfrm>
+        <a:graphic>
+          <a:graphicData uri="http://schemas.openxmlformats.org/presentationml/2006/ole">
+            <mc:AlternateContent xmlns:mc="http://schemas.openxmlformats.org/markup-compatibility/2006">
+              <mc:Choice xmlns:v="urn:schemas-microsoft-com:vml" Requires="v">
+                <p:oleObj spid="_x0000_s8402" name="Equation" r:id="rId36" imgW="215640" imgH="241200" progId="Equation.DSMT4">
+                  <p:embed/>
+                </p:oleObj>
+              </mc:Choice>
+              <mc:Fallback>
+                <p:oleObj name="Equation" r:id="rId36" imgW="215640" imgH="241200" progId="Equation.DSMT4">
+                  <p:embed/>
+                  <p:pic>
+                    <p:nvPicPr>
+                      <p:cNvPr id="0" name=""/>
+                      <p:cNvPicPr/>
+                      <p:nvPr/>
+                    </p:nvPicPr>
+                    <p:blipFill>
+                      <a:blip r:embed="rId37"/>
+                      <a:stretch>
+                        <a:fillRect/>
+                      </a:stretch>
+                    </p:blipFill>
+                    <p:spPr>
+                      <a:xfrm>
+                        <a:off x="4237807" y="3441733"/>
+                        <a:ext cx="157480" cy="176007"/>
+                      </a:xfrm>
+                      <a:prstGeom prst="rect">
+                        <a:avLst/>
+                      </a:prstGeom>
+                    </p:spPr>
+                  </p:pic>
+                </p:oleObj>
+              </mc:Fallback>
+            </mc:AlternateContent>
+          </a:graphicData>
+        </a:graphic>
+      </p:graphicFrame>
+      <p:cxnSp>
+        <p:nvCxnSpPr>
+          <p:cNvPr id="56" name="直接连接符 55">
+            <a:extLst>
+              <a:ext uri="{FF2B5EF4-FFF2-40B4-BE49-F238E27FC236}">
+                <a16:creationId xmlns:a16="http://schemas.microsoft.com/office/drawing/2014/main" id="{19A6FF89-49C6-47FC-981B-0EF51EDC93B2}"/>
+              </a:ext>
+            </a:extLst>
+          </p:cNvPr>
+          <p:cNvCxnSpPr>
+            <a:cxnSpLocks/>
+          </p:cNvCxnSpPr>
+          <p:nvPr/>
+        </p:nvCxnSpPr>
+        <p:spPr>
+          <a:xfrm flipH="1" flipV="1">
+            <a:off x="4393068" y="3549998"/>
+            <a:ext cx="64932" cy="96049"/>
+          </a:xfrm>
+          <a:prstGeom prst="line">
+            <a:avLst/>
+          </a:prstGeom>
+          <a:ln>
+            <a:solidFill>
+              <a:schemeClr val="tx1"/>
+            </a:solidFill>
+          </a:ln>
+        </p:spPr>
+        <p:style>
+          <a:lnRef idx="1">
+            <a:schemeClr val="accent1"/>
+          </a:lnRef>
+          <a:fillRef idx="0">
+            <a:schemeClr val="accent1"/>
+          </a:fillRef>
+          <a:effectRef idx="0">
+            <a:schemeClr val="accent1"/>
+          </a:effectRef>
+          <a:fontRef idx="minor">
+            <a:schemeClr val="tx1"/>
+          </a:fontRef>
+        </p:style>
+      </p:cxnSp>
+    </p:spTree>
+    <p:extLst>
+      <p:ext uri="{BB962C8B-B14F-4D97-AF65-F5344CB8AC3E}">
+        <p14:creationId xmlns:p14="http://schemas.microsoft.com/office/powerpoint/2010/main" val="689379177"/>
+      </p:ext>
+    </p:extLst>
   </p:cSld>
   <p:clrMapOvr>
     <a:masterClrMapping/>
@@ -15962,6 +18381,8 @@
       </a:bgFillStyleLst>
     </a:fmtScheme>
   </a:themeElements>
+  <a:objectDefaults/>
+  <a:extraClrSchemeLst/>
   <a:extLst>
     <a:ext uri="{05A4C25C-085E-4340-85A3-A5531E510DB2}">
       <thm15:themeFamily xmlns:thm15="http://schemas.microsoft.com/office/thememl/2012/main" name="Office Theme" id="{62F939B6-93AF-4DB8-9C6B-D6C7DFDC589F}" vid="{4A3C46E8-61CC-4603-A589-7422A47A8E4A}"/>
@@ -16221,6 +18642,8 @@
       </a:bgFillStyleLst>
     </a:fmtScheme>
   </a:themeElements>
+  <a:objectDefaults/>
+  <a:extraClrSchemeLst/>
   <a:extLst>
     <a:ext uri="{05A4C25C-085E-4340-85A3-A5531E510DB2}">
       <thm15:themeFamily xmlns:thm15="http://schemas.microsoft.com/office/thememl/2012/main" name="Office Theme" id="{62F939B6-93AF-4DB8-9C6B-D6C7DFDC589F}" vid="{4A3C46E8-61CC-4603-A589-7422A47A8E4A}"/>
@@ -16480,6 +18903,8 @@
       </a:bgFillStyleLst>
     </a:fmtScheme>
   </a:themeElements>
+  <a:objectDefaults/>
+  <a:extraClrSchemeLst/>
   <a:extLst>
     <a:ext uri="{05A4C25C-085E-4340-85A3-A5531E510DB2}">
       <thm15:themeFamily xmlns:thm15="http://schemas.microsoft.com/office/thememl/2012/main" name="Office Theme" id="{62F939B6-93AF-4DB8-9C6B-D6C7DFDC589F}" vid="{4A3C46E8-61CC-4603-A589-7422A47A8E4A}"/>

--- a/graduation_thesis/BIT-thesis-template-grd/figures/c3/pictures.pptx
+++ b/graduation_thesis/BIT-thesis-template-grd/figures/c3/pictures.pptx
@@ -6,7 +6,7 @@
     <p:sldMasterId id="2147483660" r:id="rId2"/>
   </p:sldMasterIdLst>
   <p:notesMasterIdLst>
-    <p:notesMasterId r:id="rId9"/>
+    <p:notesMasterId r:id="rId11"/>
   </p:notesMasterIdLst>
   <p:sldIdLst>
     <p:sldId id="258" r:id="rId3"/>
@@ -15,6 +15,8 @@
     <p:sldId id="259" r:id="rId6"/>
     <p:sldId id="263" r:id="rId7"/>
     <p:sldId id="264" r:id="rId8"/>
+    <p:sldId id="265" r:id="rId9"/>
+    <p:sldId id="266" r:id="rId10"/>
   </p:sldIdLst>
   <p:sldSz cx="12192000" cy="6858000"/>
   <p:notesSz cx="6858000" cy="9144000"/>
@@ -203,7 +205,7 @@
           <a:p>
             <a:fld id="{DFBD2350-0FC1-4CC8-9189-4554209681B9}" type="datetimeFigureOut">
               <a:rPr lang="zh-CN" altLang="en-US" smtClean="0"/>
-              <a:t>2020/3/18</a:t>
+              <a:t>2020/3/19</a:t>
             </a:fld>
             <a:endParaRPr lang="zh-CN" altLang="en-US"/>
           </a:p>
@@ -676,7 +678,7 @@
           <a:p>
             <a:fld id="{259E3DFB-078C-4AE7-9CA8-4F08B7C23DED}" type="datetimeFigureOut">
               <a:rPr lang="zh-CN" altLang="en-US" smtClean="0"/>
-              <a:t>2020/3/18</a:t>
+              <a:t>2020/3/19</a:t>
             </a:fld>
             <a:endParaRPr lang="zh-CN" altLang="en-US"/>
           </a:p>
@@ -839,7 +841,7 @@
           <a:p>
             <a:fld id="{259E3DFB-078C-4AE7-9CA8-4F08B7C23DED}" type="datetimeFigureOut">
               <a:rPr lang="zh-CN" altLang="en-US" smtClean="0"/>
-              <a:t>2020/3/18</a:t>
+              <a:t>2020/3/19</a:t>
             </a:fld>
             <a:endParaRPr lang="zh-CN" altLang="en-US"/>
           </a:p>
@@ -1012,7 +1014,7 @@
           <a:p>
             <a:fld id="{259E3DFB-078C-4AE7-9CA8-4F08B7C23DED}" type="datetimeFigureOut">
               <a:rPr lang="zh-CN" altLang="en-US" smtClean="0"/>
-              <a:t>2020/3/18</a:t>
+              <a:t>2020/3/19</a:t>
             </a:fld>
             <a:endParaRPr lang="zh-CN" altLang="en-US"/>
           </a:p>
@@ -1197,7 +1199,7 @@
           <a:p>
             <a:fld id="{259E3DFB-078C-4AE7-9CA8-4F08B7C23DED}" type="datetimeFigureOut">
               <a:rPr lang="zh-CN" altLang="en-US" smtClean="0"/>
-              <a:t>2020/3/18</a:t>
+              <a:t>2020/3/19</a:t>
             </a:fld>
             <a:endParaRPr lang="zh-CN" altLang="en-US"/>
           </a:p>
@@ -1360,7 +1362,7 @@
           <a:p>
             <a:fld id="{259E3DFB-078C-4AE7-9CA8-4F08B7C23DED}" type="datetimeFigureOut">
               <a:rPr lang="zh-CN" altLang="en-US" smtClean="0"/>
-              <a:t>2020/3/18</a:t>
+              <a:t>2020/3/19</a:t>
             </a:fld>
             <a:endParaRPr lang="zh-CN" altLang="en-US"/>
           </a:p>
@@ -1600,7 +1602,7 @@
           <a:p>
             <a:fld id="{259E3DFB-078C-4AE7-9CA8-4F08B7C23DED}" type="datetimeFigureOut">
               <a:rPr lang="zh-CN" altLang="en-US" smtClean="0"/>
-              <a:t>2020/3/18</a:t>
+              <a:t>2020/3/19</a:t>
             </a:fld>
             <a:endParaRPr lang="zh-CN" altLang="en-US"/>
           </a:p>
@@ -1824,7 +1826,7 @@
           <a:p>
             <a:fld id="{259E3DFB-078C-4AE7-9CA8-4F08B7C23DED}" type="datetimeFigureOut">
               <a:rPr lang="zh-CN" altLang="en-US" smtClean="0"/>
-              <a:t>2020/3/18</a:t>
+              <a:t>2020/3/19</a:t>
             </a:fld>
             <a:endParaRPr lang="zh-CN" altLang="en-US"/>
           </a:p>
@@ -2183,7 +2185,7 @@
           <a:p>
             <a:fld id="{259E3DFB-078C-4AE7-9CA8-4F08B7C23DED}" type="datetimeFigureOut">
               <a:rPr lang="zh-CN" altLang="en-US" smtClean="0"/>
-              <a:t>2020/3/18</a:t>
+              <a:t>2020/3/19</a:t>
             </a:fld>
             <a:endParaRPr lang="zh-CN" altLang="en-US"/>
           </a:p>
@@ -2295,7 +2297,7 @@
           <a:p>
             <a:fld id="{259E3DFB-078C-4AE7-9CA8-4F08B7C23DED}" type="datetimeFigureOut">
               <a:rPr lang="zh-CN" altLang="en-US" smtClean="0"/>
-              <a:t>2020/3/18</a:t>
+              <a:t>2020/3/19</a:t>
             </a:fld>
             <a:endParaRPr lang="zh-CN" altLang="en-US"/>
           </a:p>
@@ -2385,7 +2387,7 @@
           <a:p>
             <a:fld id="{259E3DFB-078C-4AE7-9CA8-4F08B7C23DED}" type="datetimeFigureOut">
               <a:rPr lang="zh-CN" altLang="en-US" smtClean="0"/>
-              <a:t>2020/3/18</a:t>
+              <a:t>2020/3/19</a:t>
             </a:fld>
             <a:endParaRPr lang="zh-CN" altLang="en-US"/>
           </a:p>
@@ -2655,7 +2657,7 @@
           <a:p>
             <a:fld id="{259E3DFB-078C-4AE7-9CA8-4F08B7C23DED}" type="datetimeFigureOut">
               <a:rPr lang="zh-CN" altLang="en-US" smtClean="0"/>
-              <a:t>2020/3/18</a:t>
+              <a:t>2020/3/19</a:t>
             </a:fld>
             <a:endParaRPr lang="zh-CN" altLang="en-US"/>
           </a:p>
@@ -2818,7 +2820,7 @@
           <a:p>
             <a:fld id="{259E3DFB-078C-4AE7-9CA8-4F08B7C23DED}" type="datetimeFigureOut">
               <a:rPr lang="zh-CN" altLang="en-US" smtClean="0"/>
-              <a:t>2020/3/18</a:t>
+              <a:t>2020/3/19</a:t>
             </a:fld>
             <a:endParaRPr lang="zh-CN" altLang="en-US"/>
           </a:p>
@@ -3065,7 +3067,7 @@
           <a:p>
             <a:fld id="{259E3DFB-078C-4AE7-9CA8-4F08B7C23DED}" type="datetimeFigureOut">
               <a:rPr lang="zh-CN" altLang="en-US" smtClean="0"/>
-              <a:t>2020/3/18</a:t>
+              <a:t>2020/3/19</a:t>
             </a:fld>
             <a:endParaRPr lang="zh-CN" altLang="en-US"/>
           </a:p>
@@ -3228,7 +3230,7 @@
           <a:p>
             <a:fld id="{259E3DFB-078C-4AE7-9CA8-4F08B7C23DED}" type="datetimeFigureOut">
               <a:rPr lang="zh-CN" altLang="en-US" smtClean="0"/>
-              <a:t>2020/3/18</a:t>
+              <a:t>2020/3/19</a:t>
             </a:fld>
             <a:endParaRPr lang="zh-CN" altLang="en-US"/>
           </a:p>
@@ -3401,7 +3403,7 @@
           <a:p>
             <a:fld id="{259E3DFB-078C-4AE7-9CA8-4F08B7C23DED}" type="datetimeFigureOut">
               <a:rPr lang="zh-CN" altLang="en-US" smtClean="0"/>
-              <a:t>2020/3/18</a:t>
+              <a:t>2020/3/19</a:t>
             </a:fld>
             <a:endParaRPr lang="zh-CN" altLang="en-US"/>
           </a:p>
@@ -3641,7 +3643,7 @@
           <a:p>
             <a:fld id="{259E3DFB-078C-4AE7-9CA8-4F08B7C23DED}" type="datetimeFigureOut">
               <a:rPr lang="zh-CN" altLang="en-US" smtClean="0"/>
-              <a:t>2020/3/18</a:t>
+              <a:t>2020/3/19</a:t>
             </a:fld>
             <a:endParaRPr lang="zh-CN" altLang="en-US"/>
           </a:p>
@@ -3865,7 +3867,7 @@
           <a:p>
             <a:fld id="{259E3DFB-078C-4AE7-9CA8-4F08B7C23DED}" type="datetimeFigureOut">
               <a:rPr lang="zh-CN" altLang="en-US" smtClean="0"/>
-              <a:t>2020/3/18</a:t>
+              <a:t>2020/3/19</a:t>
             </a:fld>
             <a:endParaRPr lang="zh-CN" altLang="en-US"/>
           </a:p>
@@ -4224,7 +4226,7 @@
           <a:p>
             <a:fld id="{259E3DFB-078C-4AE7-9CA8-4F08B7C23DED}" type="datetimeFigureOut">
               <a:rPr lang="zh-CN" altLang="en-US" smtClean="0"/>
-              <a:t>2020/3/18</a:t>
+              <a:t>2020/3/19</a:t>
             </a:fld>
             <a:endParaRPr lang="zh-CN" altLang="en-US"/>
           </a:p>
@@ -4336,7 +4338,7 @@
           <a:p>
             <a:fld id="{259E3DFB-078C-4AE7-9CA8-4F08B7C23DED}" type="datetimeFigureOut">
               <a:rPr lang="zh-CN" altLang="en-US" smtClean="0"/>
-              <a:t>2020/3/18</a:t>
+              <a:t>2020/3/19</a:t>
             </a:fld>
             <a:endParaRPr lang="zh-CN" altLang="en-US"/>
           </a:p>
@@ -4426,7 +4428,7 @@
           <a:p>
             <a:fld id="{259E3DFB-078C-4AE7-9CA8-4F08B7C23DED}" type="datetimeFigureOut">
               <a:rPr lang="zh-CN" altLang="en-US" smtClean="0"/>
-              <a:t>2020/3/18</a:t>
+              <a:t>2020/3/19</a:t>
             </a:fld>
             <a:endParaRPr lang="zh-CN" altLang="en-US"/>
           </a:p>
@@ -4696,7 +4698,7 @@
           <a:p>
             <a:fld id="{259E3DFB-078C-4AE7-9CA8-4F08B7C23DED}" type="datetimeFigureOut">
               <a:rPr lang="zh-CN" altLang="en-US" smtClean="0"/>
-              <a:t>2020/3/18</a:t>
+              <a:t>2020/3/19</a:t>
             </a:fld>
             <a:endParaRPr lang="zh-CN" altLang="en-US"/>
           </a:p>
@@ -4943,7 +4945,7 @@
           <a:p>
             <a:fld id="{259E3DFB-078C-4AE7-9CA8-4F08B7C23DED}" type="datetimeFigureOut">
               <a:rPr lang="zh-CN" altLang="en-US" smtClean="0"/>
-              <a:t>2020/3/18</a:t>
+              <a:t>2020/3/19</a:t>
             </a:fld>
             <a:endParaRPr lang="zh-CN" altLang="en-US"/>
           </a:p>
@@ -5149,7 +5151,7 @@
           <a:p>
             <a:fld id="{259E3DFB-078C-4AE7-9CA8-4F08B7C23DED}" type="datetimeFigureOut">
               <a:rPr lang="zh-CN" altLang="en-US" smtClean="0"/>
-              <a:t>2020/3/18</a:t>
+              <a:t>2020/3/19</a:t>
             </a:fld>
             <a:endParaRPr lang="zh-CN" altLang="en-US"/>
           </a:p>
@@ -5682,7 +5684,7 @@
           <a:p>
             <a:fld id="{259E3DFB-078C-4AE7-9CA8-4F08B7C23DED}" type="datetimeFigureOut">
               <a:rPr lang="zh-CN" altLang="en-US" smtClean="0"/>
-              <a:t>2020/3/18</a:t>
+              <a:t>2020/3/19</a:t>
             </a:fld>
             <a:endParaRPr lang="zh-CN" altLang="en-US"/>
           </a:p>
@@ -6603,7 +6605,7 @@
           <a:graphicData uri="http://schemas.openxmlformats.org/presentationml/2006/ole">
             <mc:AlternateContent xmlns:mc="http://schemas.openxmlformats.org/markup-compatibility/2006">
               <mc:Choice xmlns:v="urn:schemas-microsoft-com:vml" Requires="v">
-                <p:oleObj spid="_x0000_s6261" name="Equation" r:id="rId3" imgW="6400800" imgH="4572000" progId="Equation.DSMT4">
+                <p:oleObj spid="_x0000_s6282" name="Equation" r:id="rId3" imgW="6400800" imgH="4572000" progId="Equation.DSMT4">
                   <p:embed/>
                 </p:oleObj>
               </mc:Choice>
@@ -6654,7 +6656,7 @@
           <a:graphicData uri="http://schemas.openxmlformats.org/presentationml/2006/ole">
             <mc:AlternateContent xmlns:mc="http://schemas.openxmlformats.org/markup-compatibility/2006">
               <mc:Choice xmlns:v="urn:schemas-microsoft-com:vml" Requires="v">
-                <p:oleObj spid="_x0000_s6262" name="Equation" r:id="rId5" imgW="23774400" imgH="6705600" progId="Equation.DSMT4">
+                <p:oleObj spid="_x0000_s6283" name="Equation" r:id="rId5" imgW="23774400" imgH="6705600" progId="Equation.DSMT4">
                   <p:embed/>
                 </p:oleObj>
               </mc:Choice>
@@ -6815,7 +6817,7 @@
           <a:graphicData uri="http://schemas.openxmlformats.org/presentationml/2006/ole">
             <mc:AlternateContent xmlns:mc="http://schemas.openxmlformats.org/markup-compatibility/2006">
               <mc:Choice xmlns:v="urn:schemas-microsoft-com:vml" Requires="v">
-                <p:oleObj spid="_x0000_s6263" name="Equation" r:id="rId7" imgW="16459200" imgH="6705600" progId="Equation.DSMT4">
+                <p:oleObj spid="_x0000_s6284" name="Equation" r:id="rId7" imgW="16459200" imgH="6705600" progId="Equation.DSMT4">
                   <p:embed/>
                 </p:oleObj>
               </mc:Choice>
@@ -6866,7 +6868,7 @@
           <a:graphicData uri="http://schemas.openxmlformats.org/presentationml/2006/ole">
             <mc:AlternateContent xmlns:mc="http://schemas.openxmlformats.org/markup-compatibility/2006">
               <mc:Choice xmlns:v="urn:schemas-microsoft-com:vml" Requires="v">
-                <p:oleObj spid="_x0000_s6264" name="Equation" r:id="rId9" imgW="4876800" imgH="4876800" progId="Equation.DSMT4">
+                <p:oleObj spid="_x0000_s6285" name="Equation" r:id="rId9" imgW="4876800" imgH="4876800" progId="Equation.DSMT4">
                   <p:embed/>
                 </p:oleObj>
               </mc:Choice>
@@ -6917,7 +6919,7 @@
           <a:graphicData uri="http://schemas.openxmlformats.org/presentationml/2006/ole">
             <mc:AlternateContent xmlns:mc="http://schemas.openxmlformats.org/markup-compatibility/2006">
               <mc:Choice xmlns:v="urn:schemas-microsoft-com:vml" Requires="v">
-                <p:oleObj spid="_x0000_s6265" name="Equation" r:id="rId11" imgW="3962400" imgH="4876800" progId="Equation.DSMT4">
+                <p:oleObj spid="_x0000_s6286" name="Equation" r:id="rId11" imgW="3962400" imgH="4876800" progId="Equation.DSMT4">
                   <p:embed/>
                 </p:oleObj>
               </mc:Choice>
@@ -6968,7 +6970,7 @@
           <a:graphicData uri="http://schemas.openxmlformats.org/presentationml/2006/ole">
             <mc:AlternateContent xmlns:mc="http://schemas.openxmlformats.org/markup-compatibility/2006">
               <mc:Choice xmlns:v="urn:schemas-microsoft-com:vml" Requires="v">
-                <p:oleObj spid="_x0000_s6266" name="Equation" r:id="rId13" imgW="14020800" imgH="6096000" progId="Equation.DSMT4">
+                <p:oleObj spid="_x0000_s6287" name="Equation" r:id="rId13" imgW="14020800" imgH="6096000" progId="Equation.DSMT4">
                   <p:embed/>
                 </p:oleObj>
               </mc:Choice>
@@ -7019,7 +7021,7 @@
           <a:graphicData uri="http://schemas.openxmlformats.org/presentationml/2006/ole">
             <mc:AlternateContent xmlns:mc="http://schemas.openxmlformats.org/markup-compatibility/2006">
               <mc:Choice xmlns:v="urn:schemas-microsoft-com:vml" Requires="v">
-                <p:oleObj spid="_x0000_s6267" name="Equation" r:id="rId15" imgW="38100000" imgH="4876800" progId="Equation.DSMT4">
+                <p:oleObj spid="_x0000_s6288" name="Equation" r:id="rId15" imgW="38100000" imgH="4876800" progId="Equation.DSMT4">
                   <p:embed/>
                 </p:oleObj>
               </mc:Choice>
@@ -7054,6 +7056,54 @@
           </a:graphicData>
         </a:graphic>
       </p:graphicFrame>
+      <p:sp>
+        <p:nvSpPr>
+          <p:cNvPr id="2" name="文本框 1">
+            <a:extLst>
+              <a:ext uri="{FF2B5EF4-FFF2-40B4-BE49-F238E27FC236}">
+                <a16:creationId xmlns:a16="http://schemas.microsoft.com/office/drawing/2014/main" id="{DDA4A592-56EF-408B-AE41-C63EDADE9646}"/>
+              </a:ext>
+            </a:extLst>
+          </p:cNvPr>
+          <p:cNvSpPr txBox="1"/>
+          <p:nvPr/>
+        </p:nvSpPr>
+        <p:spPr>
+          <a:xfrm>
+            <a:off x="7216149" y="2013578"/>
+            <a:ext cx="346249" cy="918210"/>
+          </a:xfrm>
+          <a:prstGeom prst="rect">
+            <a:avLst/>
+          </a:prstGeom>
+        </p:spPr>
+        <p:style>
+          <a:lnRef idx="2">
+            <a:schemeClr val="accent2"/>
+          </a:lnRef>
+          <a:fillRef idx="1">
+            <a:schemeClr val="lt1"/>
+          </a:fillRef>
+          <a:effectRef idx="0">
+            <a:schemeClr val="accent2"/>
+          </a:effectRef>
+          <a:fontRef idx="minor">
+            <a:schemeClr val="dk1"/>
+          </a:fontRef>
+        </p:style>
+        <p:txBody>
+          <a:bodyPr vert="eaVert" wrap="square" rtlCol="0">
+            <a:spAutoFit/>
+          </a:bodyPr>
+          <a:lstStyle/>
+          <a:p>
+            <a:r>
+              <a:rPr lang="zh-CN" altLang="en-US" sz="1050" dirty="0"/>
+              <a:t>无人机动力学</a:t>
+            </a:r>
+          </a:p>
+        </p:txBody>
+      </p:sp>
     </p:spTree>
   </p:cSld>
   <p:clrMapOvr>
@@ -7199,7 +7249,7 @@
           <a:graphicData uri="http://schemas.openxmlformats.org/presentationml/2006/ole">
             <mc:AlternateContent xmlns:mc="http://schemas.openxmlformats.org/markup-compatibility/2006">
               <mc:Choice xmlns:v="urn:schemas-microsoft-com:vml" Requires="v">
-                <p:oleObj spid="_x0000_s5729" name="Equation" r:id="rId5" imgW="5791200" imgH="4876800" progId="Equation.DSMT4">
+                <p:oleObj spid="_x0000_s5813" name="Equation" r:id="rId5" imgW="5791200" imgH="4876800" progId="Equation.DSMT4">
                   <p:embed/>
                 </p:oleObj>
               </mc:Choice>
@@ -7250,7 +7300,7 @@
           <a:graphicData uri="http://schemas.openxmlformats.org/presentationml/2006/ole">
             <mc:AlternateContent xmlns:mc="http://schemas.openxmlformats.org/markup-compatibility/2006">
               <mc:Choice xmlns:v="urn:schemas-microsoft-com:vml" Requires="v">
-                <p:oleObj spid="_x0000_s5730" name="Equation" r:id="rId7" imgW="5486400" imgH="4572000" progId="Equation.DSMT4">
+                <p:oleObj spid="_x0000_s5814" name="Equation" r:id="rId7" imgW="5486400" imgH="4572000" progId="Equation.DSMT4">
                   <p:embed/>
                 </p:oleObj>
               </mc:Choice>
@@ -7407,7 +7457,7 @@
           <a:graphicData uri="http://schemas.openxmlformats.org/presentationml/2006/ole">
             <mc:AlternateContent xmlns:mc="http://schemas.openxmlformats.org/markup-compatibility/2006">
               <mc:Choice xmlns:v="urn:schemas-microsoft-com:vml" Requires="v">
-                <p:oleObj spid="_x0000_s5731" name="Equation" r:id="rId9" imgW="10668000" imgH="4267200" progId="Equation.DSMT4">
+                <p:oleObj spid="_x0000_s5815" name="Equation" r:id="rId9" imgW="10668000" imgH="4267200" progId="Equation.DSMT4">
                   <p:embed/>
                 </p:oleObj>
               </mc:Choice>
@@ -7458,7 +7508,7 @@
           <a:graphicData uri="http://schemas.openxmlformats.org/presentationml/2006/ole">
             <mc:AlternateContent xmlns:mc="http://schemas.openxmlformats.org/markup-compatibility/2006">
               <mc:Choice xmlns:v="urn:schemas-microsoft-com:vml" Requires="v">
-                <p:oleObj spid="_x0000_s5732" name="Equation" r:id="rId11" imgW="14325600" imgH="4876800" progId="Equation.DSMT4">
+                <p:oleObj spid="_x0000_s5816" name="Equation" r:id="rId11" imgW="14325600" imgH="4876800" progId="Equation.DSMT4">
                   <p:embed/>
                 </p:oleObj>
               </mc:Choice>
@@ -7722,7 +7772,7 @@
           <a:graphicData uri="http://schemas.openxmlformats.org/presentationml/2006/ole">
             <mc:AlternateContent xmlns:mc="http://schemas.openxmlformats.org/markup-compatibility/2006">
               <mc:Choice xmlns:v="urn:schemas-microsoft-com:vml" Requires="v">
-                <p:oleObj spid="_x0000_s5733" name="Equation" r:id="rId13" imgW="27736800" imgH="4876800" progId="Equation.DSMT4">
+                <p:oleObj spid="_x0000_s5817" name="Equation" r:id="rId13" imgW="27736800" imgH="4876800" progId="Equation.DSMT4">
                   <p:embed/>
                 </p:oleObj>
               </mc:Choice>
@@ -7773,7 +7823,7 @@
           <a:graphicData uri="http://schemas.openxmlformats.org/presentationml/2006/ole">
             <mc:AlternateContent xmlns:mc="http://schemas.openxmlformats.org/markup-compatibility/2006">
               <mc:Choice xmlns:v="urn:schemas-microsoft-com:vml" Requires="v">
-                <p:oleObj spid="_x0000_s5734" name="Equation" r:id="rId15" imgW="4876800" imgH="4876800" progId="Equation.DSMT4">
+                <p:oleObj spid="_x0000_s5818" name="Equation" r:id="rId15" imgW="4876800" imgH="4876800" progId="Equation.DSMT4">
                   <p:embed/>
                 </p:oleObj>
               </mc:Choice>
@@ -7824,7 +7874,7 @@
           <a:graphicData uri="http://schemas.openxmlformats.org/presentationml/2006/ole">
             <mc:AlternateContent xmlns:mc="http://schemas.openxmlformats.org/markup-compatibility/2006">
               <mc:Choice xmlns:v="urn:schemas-microsoft-com:vml" Requires="v">
-                <p:oleObj spid="_x0000_s5735" name="Equation" r:id="rId17" imgW="4572000" imgH="4572000" progId="Equation.DSMT4">
+                <p:oleObj spid="_x0000_s5819" name="Equation" r:id="rId17" imgW="4572000" imgH="4572000" progId="Equation.DSMT4">
                   <p:embed/>
                 </p:oleObj>
               </mc:Choice>
@@ -7875,7 +7925,7 @@
           <a:graphicData uri="http://schemas.openxmlformats.org/presentationml/2006/ole">
             <mc:AlternateContent xmlns:mc="http://schemas.openxmlformats.org/markup-compatibility/2006">
               <mc:Choice xmlns:v="urn:schemas-microsoft-com:vml" Requires="v">
-                <p:oleObj spid="_x0000_s5736" name="Equation" r:id="rId19" imgW="7010400" imgH="5791200" progId="Equation.DSMT4">
+                <p:oleObj spid="_x0000_s5820" name="Equation" r:id="rId19" imgW="7010400" imgH="5791200" progId="Equation.DSMT4">
                   <p:embed/>
                 </p:oleObj>
               </mc:Choice>
@@ -7926,7 +7976,7 @@
           <a:graphicData uri="http://schemas.openxmlformats.org/presentationml/2006/ole">
             <mc:AlternateContent xmlns:mc="http://schemas.openxmlformats.org/markup-compatibility/2006">
               <mc:Choice xmlns:v="urn:schemas-microsoft-com:vml" Requires="v">
-                <p:oleObj spid="_x0000_s5737" name="Equation" r:id="rId21" imgW="7010400" imgH="5791200" progId="Equation.DSMT4">
+                <p:oleObj spid="_x0000_s5821" name="Equation" r:id="rId21" imgW="7010400" imgH="5791200" progId="Equation.DSMT4">
                   <p:embed/>
                 </p:oleObj>
               </mc:Choice>
@@ -7977,7 +8027,7 @@
           <a:graphicData uri="http://schemas.openxmlformats.org/presentationml/2006/ole">
             <mc:AlternateContent xmlns:mc="http://schemas.openxmlformats.org/markup-compatibility/2006">
               <mc:Choice xmlns:v="urn:schemas-microsoft-com:vml" Requires="v">
-                <p:oleObj spid="_x0000_s5738" name="Equation" r:id="rId23" imgW="6400800" imgH="5791200" progId="Equation.DSMT4">
+                <p:oleObj spid="_x0000_s5822" name="Equation" r:id="rId23" imgW="6400800" imgH="5791200" progId="Equation.DSMT4">
                   <p:embed/>
                 </p:oleObj>
               </mc:Choice>
@@ -8028,7 +8078,7 @@
           <a:graphicData uri="http://schemas.openxmlformats.org/presentationml/2006/ole">
             <mc:AlternateContent xmlns:mc="http://schemas.openxmlformats.org/markup-compatibility/2006">
               <mc:Choice xmlns:v="urn:schemas-microsoft-com:vml" Requires="v">
-                <p:oleObj spid="_x0000_s5739" name="Equation" r:id="rId25" imgW="6400800" imgH="5791200" progId="Equation.DSMT4">
+                <p:oleObj spid="_x0000_s5823" name="Equation" r:id="rId25" imgW="6400800" imgH="5791200" progId="Equation.DSMT4">
                   <p:embed/>
                 </p:oleObj>
               </mc:Choice>
@@ -8079,7 +8129,7 @@
           <a:graphicData uri="http://schemas.openxmlformats.org/presentationml/2006/ole">
             <mc:AlternateContent xmlns:mc="http://schemas.openxmlformats.org/markup-compatibility/2006">
               <mc:Choice xmlns:v="urn:schemas-microsoft-com:vml" Requires="v">
-                <p:oleObj spid="_x0000_s5740" name="Equation" r:id="rId27" imgW="5181600" imgH="5791200" progId="Equation.DSMT4">
+                <p:oleObj spid="_x0000_s5824" name="Equation" r:id="rId27" imgW="5181600" imgH="5791200" progId="Equation.DSMT4">
                   <p:embed/>
                 </p:oleObj>
               </mc:Choice>
@@ -8130,7 +8180,7 @@
           <a:graphicData uri="http://schemas.openxmlformats.org/presentationml/2006/ole">
             <mc:AlternateContent xmlns:mc="http://schemas.openxmlformats.org/markup-compatibility/2006">
               <mc:Choice xmlns:v="urn:schemas-microsoft-com:vml" Requires="v">
-                <p:oleObj spid="_x0000_s5741" name="Equation" r:id="rId29" imgW="5181600" imgH="5791200" progId="Equation.DSMT4">
+                <p:oleObj spid="_x0000_s5825" name="Equation" r:id="rId29" imgW="5181600" imgH="5791200" progId="Equation.DSMT4">
                   <p:embed/>
                 </p:oleObj>
               </mc:Choice>
@@ -8253,7 +8303,7 @@
           <a:graphicData uri="http://schemas.openxmlformats.org/presentationml/2006/ole">
             <mc:AlternateContent xmlns:mc="http://schemas.openxmlformats.org/markup-compatibility/2006">
               <mc:Choice xmlns:v="urn:schemas-microsoft-com:vml" Requires="v">
-                <p:oleObj spid="_x0000_s5742" name="Equation" r:id="rId31" imgW="5181600" imgH="6096000" progId="Equation.DSMT4">
+                <p:oleObj spid="_x0000_s5826" name="Equation" r:id="rId31" imgW="5181600" imgH="6096000" progId="Equation.DSMT4">
                   <p:embed/>
                 </p:oleObj>
               </mc:Choice>
@@ -8341,7 +8391,7 @@
           <a:graphicData uri="http://schemas.openxmlformats.org/presentationml/2006/ole">
             <mc:AlternateContent xmlns:mc="http://schemas.openxmlformats.org/markup-compatibility/2006">
               <mc:Choice xmlns:v="urn:schemas-microsoft-com:vml" Requires="v">
-                <p:oleObj spid="_x0000_s5743" name="Equation" r:id="rId33" imgW="7315200" imgH="5791200" progId="Equation.DSMT4">
+                <p:oleObj spid="_x0000_s5827" name="Equation" r:id="rId33" imgW="7315200" imgH="5791200" progId="Equation.DSMT4">
                   <p:embed/>
                 </p:oleObj>
               </mc:Choice>
@@ -8613,7 +8663,7 @@
           <a:graphicData uri="http://schemas.openxmlformats.org/presentationml/2006/ole">
             <mc:AlternateContent xmlns:mc="http://schemas.openxmlformats.org/markup-compatibility/2006">
               <mc:Choice xmlns:v="urn:schemas-microsoft-com:vml" Requires="v">
-                <p:oleObj spid="_x0000_s5744" name="Equation" r:id="rId35" imgW="4267200" imgH="5791200" progId="Equation.DSMT4">
+                <p:oleObj spid="_x0000_s5828" name="Equation" r:id="rId35" imgW="4267200" imgH="5791200" progId="Equation.DSMT4">
                   <p:embed/>
                 </p:oleObj>
               </mc:Choice>
@@ -9096,7 +9146,7 @@
           <a:graphicData uri="http://schemas.openxmlformats.org/presentationml/2006/ole">
             <mc:AlternateContent xmlns:mc="http://schemas.openxmlformats.org/markup-compatibility/2006">
               <mc:Choice xmlns:v="urn:schemas-microsoft-com:vml" Requires="v">
-                <p:oleObj spid="_x0000_s5745" name="Equation" r:id="rId37" imgW="24384000" imgH="4572000" progId="Equation.DSMT4">
+                <p:oleObj spid="_x0000_s5829" name="Equation" r:id="rId37" imgW="24384000" imgH="4572000" progId="Equation.DSMT4">
                   <p:embed/>
                 </p:oleObj>
               </mc:Choice>
@@ -9147,7 +9197,7 @@
           <a:graphicData uri="http://schemas.openxmlformats.org/presentationml/2006/ole">
             <mc:AlternateContent xmlns:mc="http://schemas.openxmlformats.org/markup-compatibility/2006">
               <mc:Choice xmlns:v="urn:schemas-microsoft-com:vml" Requires="v">
-                <p:oleObj spid="_x0000_s5746" name="Equation" r:id="rId39" imgW="12801600" imgH="6096000" progId="Equation.DSMT4">
+                <p:oleObj spid="_x0000_s5830" name="Equation" r:id="rId39" imgW="12801600" imgH="6096000" progId="Equation.DSMT4">
                   <p:embed/>
                 </p:oleObj>
               </mc:Choice>
@@ -9198,7 +9248,7 @@
           <a:graphicData uri="http://schemas.openxmlformats.org/presentationml/2006/ole">
             <mc:AlternateContent xmlns:mc="http://schemas.openxmlformats.org/markup-compatibility/2006">
               <mc:Choice xmlns:v="urn:schemas-microsoft-com:vml" Requires="v">
-                <p:oleObj spid="_x0000_s5747" name="Equation" r:id="rId41" imgW="15849600" imgH="6096000" progId="Equation.DSMT4">
+                <p:oleObj spid="_x0000_s5831" name="Equation" r:id="rId41" imgW="15849600" imgH="6096000" progId="Equation.DSMT4">
                   <p:embed/>
                 </p:oleObj>
               </mc:Choice>
@@ -9249,7 +9299,7 @@
           <a:graphicData uri="http://schemas.openxmlformats.org/presentationml/2006/ole">
             <mc:AlternateContent xmlns:mc="http://schemas.openxmlformats.org/markup-compatibility/2006">
               <mc:Choice xmlns:v="urn:schemas-microsoft-com:vml" Requires="v">
-                <p:oleObj spid="_x0000_s5748" name="Equation" r:id="rId43" imgW="12192000" imgH="6096000" progId="Equation.DSMT4">
+                <p:oleObj spid="_x0000_s5832" name="Equation" r:id="rId43" imgW="12192000" imgH="6096000" progId="Equation.DSMT4">
                   <p:embed/>
                 </p:oleObj>
               </mc:Choice>
@@ -9351,7 +9401,7 @@
           <a:graphicData uri="http://schemas.openxmlformats.org/presentationml/2006/ole">
             <mc:AlternateContent xmlns:mc="http://schemas.openxmlformats.org/markup-compatibility/2006">
               <mc:Choice xmlns:v="urn:schemas-microsoft-com:vml" Requires="v">
-                <p:oleObj spid="_x0000_s5749" name="Equation" r:id="rId45" imgW="5791200" imgH="4572000" progId="Equation.DSMT4">
+                <p:oleObj spid="_x0000_s5833" name="Equation" r:id="rId45" imgW="5791200" imgH="4572000" progId="Equation.DSMT4">
                   <p:embed/>
                 </p:oleObj>
               </mc:Choice>
@@ -9438,7 +9488,7 @@
           <a:graphicData uri="http://schemas.openxmlformats.org/presentationml/2006/ole">
             <mc:AlternateContent xmlns:mc="http://schemas.openxmlformats.org/markup-compatibility/2006">
               <mc:Choice xmlns:v="urn:schemas-microsoft-com:vml" Requires="v">
-                <p:oleObj spid="_x0000_s5750" name="Equation" r:id="rId47" imgW="6096000" imgH="5791200" progId="Equation.DSMT4">
+                <p:oleObj spid="_x0000_s5834" name="Equation" r:id="rId47" imgW="6096000" imgH="5791200" progId="Equation.DSMT4">
                   <p:embed/>
                 </p:oleObj>
               </mc:Choice>
@@ -9540,7 +9590,7 @@
           <a:graphicData uri="http://schemas.openxmlformats.org/presentationml/2006/ole">
             <mc:AlternateContent xmlns:mc="http://schemas.openxmlformats.org/markup-compatibility/2006">
               <mc:Choice xmlns:v="urn:schemas-microsoft-com:vml" Requires="v">
-                <p:oleObj spid="_x0000_s5751" name="Equation" r:id="rId49" imgW="5181600" imgH="4572000" progId="Equation.DSMT4">
+                <p:oleObj spid="_x0000_s5835" name="Equation" r:id="rId49" imgW="5181600" imgH="4572000" progId="Equation.DSMT4">
                   <p:embed/>
                 </p:oleObj>
               </mc:Choice>
@@ -9709,7 +9759,7 @@
           <a:graphicData uri="http://schemas.openxmlformats.org/presentationml/2006/ole">
             <mc:AlternateContent xmlns:mc="http://schemas.openxmlformats.org/markup-compatibility/2006">
               <mc:Choice xmlns:v="urn:schemas-microsoft-com:vml" Requires="v">
-                <p:oleObj spid="_x0000_s5752" name="Equation" r:id="rId51" imgW="13411200" imgH="4572000" progId="Equation.DSMT4">
+                <p:oleObj spid="_x0000_s5836" name="Equation" r:id="rId51" imgW="13411200" imgH="4572000" progId="Equation.DSMT4">
                   <p:embed/>
                 </p:oleObj>
               </mc:Choice>
@@ -9832,7 +9882,7 @@
           <a:graphicData uri="http://schemas.openxmlformats.org/presentationml/2006/ole">
             <mc:AlternateContent xmlns:mc="http://schemas.openxmlformats.org/markup-compatibility/2006">
               <mc:Choice xmlns:v="urn:schemas-microsoft-com:vml" Requires="v">
-                <p:oleObj spid="_x0000_s5753" name="Equation" r:id="rId53" imgW="4876800" imgH="5791200" progId="Equation.DSMT4">
+                <p:oleObj spid="_x0000_s5837" name="Equation" r:id="rId53" imgW="4876800" imgH="5791200" progId="Equation.DSMT4">
                   <p:embed/>
                 </p:oleObj>
               </mc:Choice>
@@ -9883,7 +9933,7 @@
           <a:graphicData uri="http://schemas.openxmlformats.org/presentationml/2006/ole">
             <mc:AlternateContent xmlns:mc="http://schemas.openxmlformats.org/markup-compatibility/2006">
               <mc:Choice xmlns:v="urn:schemas-microsoft-com:vml" Requires="v">
-                <p:oleObj spid="_x0000_s5754" name="Equation" r:id="rId55" imgW="6705600" imgH="5791200" progId="Equation.DSMT4">
+                <p:oleObj spid="_x0000_s5838" name="Equation" r:id="rId55" imgW="6705600" imgH="5791200" progId="Equation.DSMT4">
                   <p:embed/>
                 </p:oleObj>
               </mc:Choice>
@@ -9934,7 +9984,7 @@
           <a:graphicData uri="http://schemas.openxmlformats.org/presentationml/2006/ole">
             <mc:AlternateContent xmlns:mc="http://schemas.openxmlformats.org/markup-compatibility/2006">
               <mc:Choice xmlns:v="urn:schemas-microsoft-com:vml" Requires="v">
-                <p:oleObj spid="_x0000_s5755" name="Equation" r:id="rId57" imgW="6705600" imgH="5791200" progId="Equation.DSMT4">
+                <p:oleObj spid="_x0000_s5839" name="Equation" r:id="rId57" imgW="6705600" imgH="5791200" progId="Equation.DSMT4">
                   <p:embed/>
                 </p:oleObj>
               </mc:Choice>
@@ -10108,7 +10158,7 @@
           <a:graphicData uri="http://schemas.openxmlformats.org/presentationml/2006/ole">
             <mc:AlternateContent xmlns:mc="http://schemas.openxmlformats.org/markup-compatibility/2006">
               <mc:Choice xmlns:v="urn:schemas-microsoft-com:vml" Requires="v">
-                <p:oleObj spid="_x0000_s5756" name="Equation" r:id="rId59" imgW="5181600" imgH="5486400" progId="Equation.DSMT4">
+                <p:oleObj spid="_x0000_s5840" name="Equation" r:id="rId59" imgW="5181600" imgH="5486400" progId="Equation.DSMT4">
                   <p:embed/>
                 </p:oleObj>
               </mc:Choice>
@@ -10432,7 +10482,7 @@
           <a:graphicData uri="http://schemas.openxmlformats.org/presentationml/2006/ole">
             <mc:AlternateContent xmlns:mc="http://schemas.openxmlformats.org/markup-compatibility/2006">
               <mc:Choice xmlns:v="urn:schemas-microsoft-com:vml" Requires="v">
-                <p:oleObj spid="_x0000_s4779" name="Equation" r:id="rId4" imgW="5791200" imgH="4876800" progId="Equation.DSMT4">
+                <p:oleObj spid="_x0000_s4833" name="Equation" r:id="rId4" imgW="5791200" imgH="4876800" progId="Equation.DSMT4">
                   <p:embed/>
                 </p:oleObj>
               </mc:Choice>
@@ -10483,7 +10533,7 @@
           <a:graphicData uri="http://schemas.openxmlformats.org/presentationml/2006/ole">
             <mc:AlternateContent xmlns:mc="http://schemas.openxmlformats.org/markup-compatibility/2006">
               <mc:Choice xmlns:v="urn:schemas-microsoft-com:vml" Requires="v">
-                <p:oleObj spid="_x0000_s4780" name="Equation" r:id="rId6" imgW="5486400" imgH="4572000" progId="Equation.DSMT4">
+                <p:oleObj spid="_x0000_s4834" name="Equation" r:id="rId6" imgW="5486400" imgH="4572000" progId="Equation.DSMT4">
                   <p:embed/>
                 </p:oleObj>
               </mc:Choice>
@@ -10608,7 +10658,7 @@
           <a:graphicData uri="http://schemas.openxmlformats.org/presentationml/2006/ole">
             <mc:AlternateContent xmlns:mc="http://schemas.openxmlformats.org/markup-compatibility/2006">
               <mc:Choice xmlns:v="urn:schemas-microsoft-com:vml" Requires="v">
-                <p:oleObj spid="_x0000_s4781" name="Equation" r:id="rId8" imgW="7010400" imgH="5791200" progId="Equation.DSMT4">
+                <p:oleObj spid="_x0000_s4835" name="Equation" r:id="rId8" imgW="7010400" imgH="5791200" progId="Equation.DSMT4">
                   <p:embed/>
                 </p:oleObj>
               </mc:Choice>
@@ -10733,7 +10783,7 @@
           <a:graphicData uri="http://schemas.openxmlformats.org/presentationml/2006/ole">
             <mc:AlternateContent xmlns:mc="http://schemas.openxmlformats.org/markup-compatibility/2006">
               <mc:Choice xmlns:v="urn:schemas-microsoft-com:vml" Requires="v">
-                <p:oleObj spid="_x0000_s4782" name="Equation" r:id="rId10" imgW="10058400" imgH="5791200" progId="Equation.DSMT4">
+                <p:oleObj spid="_x0000_s4836" name="Equation" r:id="rId10" imgW="10058400" imgH="5791200" progId="Equation.DSMT4">
                   <p:embed/>
                 </p:oleObj>
               </mc:Choice>
@@ -10784,7 +10834,7 @@
           <a:graphicData uri="http://schemas.openxmlformats.org/presentationml/2006/ole">
             <mc:AlternateContent xmlns:mc="http://schemas.openxmlformats.org/markup-compatibility/2006">
               <mc:Choice xmlns:v="urn:schemas-microsoft-com:vml" Requires="v">
-                <p:oleObj spid="_x0000_s4783" name="Equation" r:id="rId12" imgW="7010400" imgH="5791200" progId="Equation.DSMT4">
+                <p:oleObj spid="_x0000_s4837" name="Equation" r:id="rId12" imgW="7010400" imgH="5791200" progId="Equation.DSMT4">
                   <p:embed/>
                 </p:oleObj>
               </mc:Choice>
@@ -10835,7 +10885,7 @@
           <a:graphicData uri="http://schemas.openxmlformats.org/presentationml/2006/ole">
             <mc:AlternateContent xmlns:mc="http://schemas.openxmlformats.org/markup-compatibility/2006">
               <mc:Choice xmlns:v="urn:schemas-microsoft-com:vml" Requires="v">
-                <p:oleObj spid="_x0000_s4784" name="Equation" r:id="rId14" imgW="9144000" imgH="5791200" progId="Equation.DSMT4">
+                <p:oleObj spid="_x0000_s4838" name="Equation" r:id="rId14" imgW="9144000" imgH="5791200" progId="Equation.DSMT4">
                   <p:embed/>
                 </p:oleObj>
               </mc:Choice>
@@ -11062,7 +11112,7 @@
           <a:graphicData uri="http://schemas.openxmlformats.org/presentationml/2006/ole">
             <mc:AlternateContent xmlns:mc="http://schemas.openxmlformats.org/markup-compatibility/2006">
               <mc:Choice xmlns:v="urn:schemas-microsoft-com:vml" Requires="v">
-                <p:oleObj spid="_x0000_s4785" name="Equation" r:id="rId16" imgW="16764000" imgH="5791200" progId="Equation.DSMT4">
+                <p:oleObj spid="_x0000_s4839" name="Equation" r:id="rId16" imgW="16764000" imgH="5791200" progId="Equation.DSMT4">
                   <p:embed/>
                 </p:oleObj>
               </mc:Choice>
@@ -11113,7 +11163,7 @@
           <a:graphicData uri="http://schemas.openxmlformats.org/presentationml/2006/ole">
             <mc:AlternateContent xmlns:mc="http://schemas.openxmlformats.org/markup-compatibility/2006">
               <mc:Choice xmlns:v="urn:schemas-microsoft-com:vml" Requires="v">
-                <p:oleObj spid="_x0000_s4786" name="Equation" r:id="rId18" imgW="238125" imgH="199390" progId="Equation.DSMT4">
+                <p:oleObj spid="_x0000_s4840" name="Equation" r:id="rId18" imgW="238125" imgH="199390" progId="Equation.DSMT4">
                   <p:embed/>
                 </p:oleObj>
               </mc:Choice>
@@ -11164,7 +11214,7 @@
           <a:graphicData uri="http://schemas.openxmlformats.org/presentationml/2006/ole">
             <mc:AlternateContent xmlns:mc="http://schemas.openxmlformats.org/markup-compatibility/2006">
               <mc:Choice xmlns:v="urn:schemas-microsoft-com:vml" Requires="v">
-                <p:oleObj spid="_x0000_s4787" name="Equation" r:id="rId20" imgW="16154400" imgH="5791200" progId="Equation.DSMT4">
+                <p:oleObj spid="_x0000_s4841" name="Equation" r:id="rId20" imgW="16154400" imgH="5791200" progId="Equation.DSMT4">
                   <p:embed/>
                 </p:oleObj>
               </mc:Choice>
@@ -11287,7 +11337,7 @@
           <a:graphicData uri="http://schemas.openxmlformats.org/presentationml/2006/ole">
             <mc:AlternateContent xmlns:mc="http://schemas.openxmlformats.org/markup-compatibility/2006">
               <mc:Choice xmlns:v="urn:schemas-microsoft-com:vml" Requires="v">
-                <p:oleObj spid="_x0000_s4788" name="Equation" r:id="rId22" imgW="5791200" imgH="4876800" progId="Equation.DSMT4">
+                <p:oleObj spid="_x0000_s4842" name="Equation" r:id="rId22" imgW="5791200" imgH="4876800" progId="Equation.DSMT4">
                   <p:embed/>
                 </p:oleObj>
               </mc:Choice>
@@ -11338,7 +11388,7 @@
           <a:graphicData uri="http://schemas.openxmlformats.org/presentationml/2006/ole">
             <mc:AlternateContent xmlns:mc="http://schemas.openxmlformats.org/markup-compatibility/2006">
               <mc:Choice xmlns:v="urn:schemas-microsoft-com:vml" Requires="v">
-                <p:oleObj spid="_x0000_s4789" name="Equation" r:id="rId24" imgW="5486400" imgH="4572000" progId="Equation.DSMT4">
+                <p:oleObj spid="_x0000_s4843" name="Equation" r:id="rId24" imgW="5486400" imgH="4572000" progId="Equation.DSMT4">
                   <p:embed/>
                 </p:oleObj>
               </mc:Choice>
@@ -11440,7 +11490,7 @@
           <a:graphicData uri="http://schemas.openxmlformats.org/presentationml/2006/ole">
             <mc:AlternateContent xmlns:mc="http://schemas.openxmlformats.org/markup-compatibility/2006">
               <mc:Choice xmlns:v="urn:schemas-microsoft-com:vml" Requires="v">
-                <p:oleObj spid="_x0000_s4790" name="Equation" r:id="rId26" imgW="10058400" imgH="5486400" progId="Equation.DSMT4">
+                <p:oleObj spid="_x0000_s4844" name="Equation" r:id="rId26" imgW="10058400" imgH="5486400" progId="Equation.DSMT4">
                   <p:embed/>
                 </p:oleObj>
               </mc:Choice>
@@ -11528,7 +11578,7 @@
           <a:graphicData uri="http://schemas.openxmlformats.org/presentationml/2006/ole">
             <mc:AlternateContent xmlns:mc="http://schemas.openxmlformats.org/markup-compatibility/2006">
               <mc:Choice xmlns:v="urn:schemas-microsoft-com:vml" Requires="v">
-                <p:oleObj spid="_x0000_s4791" name="Equation" r:id="rId28" imgW="16764000" imgH="5486400" progId="Equation.DSMT4">
+                <p:oleObj spid="_x0000_s4845" name="Equation" r:id="rId28" imgW="16764000" imgH="5486400" progId="Equation.DSMT4">
                   <p:embed/>
                 </p:oleObj>
               </mc:Choice>
@@ -11614,7 +11664,7 @@
           <a:graphicData uri="http://schemas.openxmlformats.org/presentationml/2006/ole">
             <mc:AlternateContent xmlns:mc="http://schemas.openxmlformats.org/markup-compatibility/2006">
               <mc:Choice xmlns:v="urn:schemas-microsoft-com:vml" Requires="v">
-                <p:oleObj spid="_x0000_s4792" name="Equation" r:id="rId30" imgW="270510" imgH="219075" progId="Equation.DSMT4">
+                <p:oleObj spid="_x0000_s4846" name="Equation" r:id="rId30" imgW="270510" imgH="219075" progId="Equation.DSMT4">
                   <p:embed/>
                 </p:oleObj>
               </mc:Choice>
@@ -11771,7 +11821,7 @@
           <a:graphicData uri="http://schemas.openxmlformats.org/presentationml/2006/ole">
             <mc:AlternateContent xmlns:mc="http://schemas.openxmlformats.org/markup-compatibility/2006">
               <mc:Choice xmlns:v="urn:schemas-microsoft-com:vml" Requires="v">
-                <p:oleObj spid="_x0000_s4793" name="Equation" r:id="rId32" imgW="560070" imgH="199390" progId="Equation.DSMT4">
+                <p:oleObj spid="_x0000_s4847" name="Equation" r:id="rId32" imgW="560070" imgH="199390" progId="Equation.DSMT4">
                   <p:embed/>
                 </p:oleObj>
               </mc:Choice>
@@ -11880,7 +11930,7 @@
           <a:graphicData uri="http://schemas.openxmlformats.org/presentationml/2006/ole">
             <mc:AlternateContent xmlns:mc="http://schemas.openxmlformats.org/markup-compatibility/2006">
               <mc:Choice xmlns:v="urn:schemas-microsoft-com:vml" Requires="v">
-                <p:oleObj spid="_x0000_s4794" name="Equation" r:id="rId34" imgW="7010400" imgH="4876800" progId="Equation.DSMT4">
+                <p:oleObj spid="_x0000_s4848" name="Equation" r:id="rId34" imgW="7010400" imgH="4876800" progId="Equation.DSMT4">
                   <p:embed/>
                 </p:oleObj>
               </mc:Choice>
@@ -12062,7 +12112,7 @@
           <a:graphicData uri="http://schemas.openxmlformats.org/presentationml/2006/ole">
             <mc:AlternateContent xmlns:mc="http://schemas.openxmlformats.org/markup-compatibility/2006">
               <mc:Choice xmlns:v="urn:schemas-microsoft-com:vml" Requires="v">
-                <p:oleObj spid="_x0000_s4795" name="Equation" r:id="rId36" imgW="7010400" imgH="4876800" progId="Equation.DSMT4">
+                <p:oleObj spid="_x0000_s4849" name="Equation" r:id="rId36" imgW="7010400" imgH="4876800" progId="Equation.DSMT4">
                   <p:embed/>
                 </p:oleObj>
               </mc:Choice>
@@ -12278,7 +12328,7 @@
           <a:graphicData uri="http://schemas.openxmlformats.org/presentationml/2006/ole">
             <mc:AlternateContent xmlns:mc="http://schemas.openxmlformats.org/markup-compatibility/2006">
               <mc:Choice xmlns:v="urn:schemas-microsoft-com:vml" Requires="v">
-                <p:oleObj spid="_x0000_s4796" name="Equation" r:id="rId37" imgW="7010400" imgH="4876800" progId="Equation.DSMT4">
+                <p:oleObj spid="_x0000_s4850" name="Equation" r:id="rId37" imgW="7010400" imgH="4876800" progId="Equation.DSMT4">
                   <p:embed/>
                 </p:oleObj>
               </mc:Choice>
@@ -13175,7 +13225,7 @@
           <a:graphicData uri="http://schemas.openxmlformats.org/presentationml/2006/ole">
             <mc:AlternateContent xmlns:mc="http://schemas.openxmlformats.org/markup-compatibility/2006">
               <mc:Choice xmlns:v="urn:schemas-microsoft-com:vml" Requires="v">
-                <p:oleObj spid="_x0000_s7397" name="Equation" r:id="rId4" imgW="5791200" imgH="4876800" progId="Equation.DSMT4">
+                <p:oleObj spid="_x0000_s7454" name="Equation" r:id="rId4" imgW="5791200" imgH="4876800" progId="Equation.DSMT4">
                   <p:embed/>
                 </p:oleObj>
               </mc:Choice>
@@ -13226,7 +13276,7 @@
           <a:graphicData uri="http://schemas.openxmlformats.org/presentationml/2006/ole">
             <mc:AlternateContent xmlns:mc="http://schemas.openxmlformats.org/markup-compatibility/2006">
               <mc:Choice xmlns:v="urn:schemas-microsoft-com:vml" Requires="v">
-                <p:oleObj spid="_x0000_s7398" name="Equation" r:id="rId6" imgW="5486400" imgH="4572000" progId="Equation.DSMT4">
+                <p:oleObj spid="_x0000_s7455" name="Equation" r:id="rId6" imgW="5486400" imgH="4572000" progId="Equation.DSMT4">
                   <p:embed/>
                 </p:oleObj>
               </mc:Choice>
@@ -13349,7 +13399,7 @@
           <a:graphicData uri="http://schemas.openxmlformats.org/presentationml/2006/ole">
             <mc:AlternateContent xmlns:mc="http://schemas.openxmlformats.org/markup-compatibility/2006">
               <mc:Choice xmlns:v="urn:schemas-microsoft-com:vml" Requires="v">
-                <p:oleObj spid="_x0000_s7399" name="Equation" r:id="rId8" imgW="7010400" imgH="5791200" progId="Equation.DSMT4">
+                <p:oleObj spid="_x0000_s7456" name="Equation" r:id="rId8" imgW="7010400" imgH="5791200" progId="Equation.DSMT4">
                   <p:embed/>
                 </p:oleObj>
               </mc:Choice>
@@ -13436,7 +13486,7 @@
           <a:graphicData uri="http://schemas.openxmlformats.org/presentationml/2006/ole">
             <mc:AlternateContent xmlns:mc="http://schemas.openxmlformats.org/markup-compatibility/2006">
               <mc:Choice xmlns:v="urn:schemas-microsoft-com:vml" Requires="v">
-                <p:oleObj spid="_x0000_s7400" name="Equation" r:id="rId10" imgW="10058400" imgH="5791200" progId="Equation.DSMT4">
+                <p:oleObj spid="_x0000_s7457" name="Equation" r:id="rId10" imgW="10058400" imgH="5791200" progId="Equation.DSMT4">
                   <p:embed/>
                 </p:oleObj>
               </mc:Choice>
@@ -13487,7 +13537,7 @@
           <a:graphicData uri="http://schemas.openxmlformats.org/presentationml/2006/ole">
             <mc:AlternateContent xmlns:mc="http://schemas.openxmlformats.org/markup-compatibility/2006">
               <mc:Choice xmlns:v="urn:schemas-microsoft-com:vml" Requires="v">
-                <p:oleObj spid="_x0000_s7401" name="Equation" r:id="rId12" imgW="7010400" imgH="5791200" progId="Equation.DSMT4">
+                <p:oleObj spid="_x0000_s7458" name="Equation" r:id="rId12" imgW="7010400" imgH="5791200" progId="Equation.DSMT4">
                   <p:embed/>
                 </p:oleObj>
               </mc:Choice>
@@ -13538,7 +13588,7 @@
           <a:graphicData uri="http://schemas.openxmlformats.org/presentationml/2006/ole">
             <mc:AlternateContent xmlns:mc="http://schemas.openxmlformats.org/markup-compatibility/2006">
               <mc:Choice xmlns:v="urn:schemas-microsoft-com:vml" Requires="v">
-                <p:oleObj spid="_x0000_s7402" name="Equation" r:id="rId14" imgW="9144000" imgH="5791200" progId="Equation.DSMT4">
+                <p:oleObj spid="_x0000_s7459" name="Equation" r:id="rId14" imgW="9144000" imgH="5791200" progId="Equation.DSMT4">
                   <p:embed/>
                 </p:oleObj>
               </mc:Choice>
@@ -13763,7 +13813,7 @@
           <a:graphicData uri="http://schemas.openxmlformats.org/presentationml/2006/ole">
             <mc:AlternateContent xmlns:mc="http://schemas.openxmlformats.org/markup-compatibility/2006">
               <mc:Choice xmlns:v="urn:schemas-microsoft-com:vml" Requires="v">
-                <p:oleObj spid="_x0000_s7403" name="Equation" r:id="rId17" imgW="16764000" imgH="5791200" progId="Equation.DSMT4">
+                <p:oleObj spid="_x0000_s7460" name="Equation" r:id="rId17" imgW="16764000" imgH="5791200" progId="Equation.DSMT4">
                   <p:embed/>
                 </p:oleObj>
               </mc:Choice>
@@ -13814,7 +13864,7 @@
           <a:graphicData uri="http://schemas.openxmlformats.org/presentationml/2006/ole">
             <mc:AlternateContent xmlns:mc="http://schemas.openxmlformats.org/markup-compatibility/2006">
               <mc:Choice xmlns:v="urn:schemas-microsoft-com:vml" Requires="v">
-                <p:oleObj spid="_x0000_s7404" name="Equation" r:id="rId19" imgW="238125" imgH="199390" progId="Equation.DSMT4">
+                <p:oleObj spid="_x0000_s7461" name="Equation" r:id="rId19" imgW="238125" imgH="199390" progId="Equation.DSMT4">
                   <p:embed/>
                 </p:oleObj>
               </mc:Choice>
@@ -13865,7 +13915,7 @@
           <a:graphicData uri="http://schemas.openxmlformats.org/presentationml/2006/ole">
             <mc:AlternateContent xmlns:mc="http://schemas.openxmlformats.org/markup-compatibility/2006">
               <mc:Choice xmlns:v="urn:schemas-microsoft-com:vml" Requires="v">
-                <p:oleObj spid="_x0000_s7405" name="Equation" r:id="rId21" imgW="16154400" imgH="5791200" progId="Equation.DSMT4">
+                <p:oleObj spid="_x0000_s7462" name="Equation" r:id="rId21" imgW="16154400" imgH="5791200" progId="Equation.DSMT4">
                   <p:embed/>
                 </p:oleObj>
               </mc:Choice>
@@ -13988,7 +14038,7 @@
           <a:graphicData uri="http://schemas.openxmlformats.org/presentationml/2006/ole">
             <mc:AlternateContent xmlns:mc="http://schemas.openxmlformats.org/markup-compatibility/2006">
               <mc:Choice xmlns:v="urn:schemas-microsoft-com:vml" Requires="v">
-                <p:oleObj spid="_x0000_s7406" name="Equation" r:id="rId23" imgW="5791200" imgH="4876800" progId="Equation.DSMT4">
+                <p:oleObj spid="_x0000_s7463" name="Equation" r:id="rId23" imgW="5791200" imgH="4876800" progId="Equation.DSMT4">
                   <p:embed/>
                 </p:oleObj>
               </mc:Choice>
@@ -14039,7 +14089,7 @@
           <a:graphicData uri="http://schemas.openxmlformats.org/presentationml/2006/ole">
             <mc:AlternateContent xmlns:mc="http://schemas.openxmlformats.org/markup-compatibility/2006">
               <mc:Choice xmlns:v="urn:schemas-microsoft-com:vml" Requires="v">
-                <p:oleObj spid="_x0000_s7407" name="Equation" r:id="rId25" imgW="5486400" imgH="4572000" progId="Equation.DSMT4">
+                <p:oleObj spid="_x0000_s7464" name="Equation" r:id="rId25" imgW="5486400" imgH="4572000" progId="Equation.DSMT4">
                   <p:embed/>
                 </p:oleObj>
               </mc:Choice>
@@ -14141,7 +14191,7 @@
           <a:graphicData uri="http://schemas.openxmlformats.org/presentationml/2006/ole">
             <mc:AlternateContent xmlns:mc="http://schemas.openxmlformats.org/markup-compatibility/2006">
               <mc:Choice xmlns:v="urn:schemas-microsoft-com:vml" Requires="v">
-                <p:oleObj spid="_x0000_s7408" name="Equation" r:id="rId27" imgW="10058400" imgH="5486400" progId="Equation.DSMT4">
+                <p:oleObj spid="_x0000_s7465" name="Equation" r:id="rId27" imgW="10058400" imgH="5486400" progId="Equation.DSMT4">
                   <p:embed/>
                 </p:oleObj>
               </mc:Choice>
@@ -14229,7 +14279,7 @@
           <a:graphicData uri="http://schemas.openxmlformats.org/presentationml/2006/ole">
             <mc:AlternateContent xmlns:mc="http://schemas.openxmlformats.org/markup-compatibility/2006">
               <mc:Choice xmlns:v="urn:schemas-microsoft-com:vml" Requires="v">
-                <p:oleObj spid="_x0000_s7409" name="Equation" r:id="rId29" imgW="16764000" imgH="5486400" progId="Equation.DSMT4">
+                <p:oleObj spid="_x0000_s7466" name="Equation" r:id="rId29" imgW="16764000" imgH="5486400" progId="Equation.DSMT4">
                   <p:embed/>
                 </p:oleObj>
               </mc:Choice>
@@ -14315,7 +14365,7 @@
           <a:graphicData uri="http://schemas.openxmlformats.org/presentationml/2006/ole">
             <mc:AlternateContent xmlns:mc="http://schemas.openxmlformats.org/markup-compatibility/2006">
               <mc:Choice xmlns:v="urn:schemas-microsoft-com:vml" Requires="v">
-                <p:oleObj spid="_x0000_s7410" name="Equation" r:id="rId31" imgW="270510" imgH="219075" progId="Equation.DSMT4">
+                <p:oleObj spid="_x0000_s7467" name="Equation" r:id="rId31" imgW="270510" imgH="219075" progId="Equation.DSMT4">
                   <p:embed/>
                 </p:oleObj>
               </mc:Choice>
@@ -14472,7 +14522,7 @@
           <a:graphicData uri="http://schemas.openxmlformats.org/presentationml/2006/ole">
             <mc:AlternateContent xmlns:mc="http://schemas.openxmlformats.org/markup-compatibility/2006">
               <mc:Choice xmlns:v="urn:schemas-microsoft-com:vml" Requires="v">
-                <p:oleObj spid="_x0000_s7411" name="Equation" r:id="rId33" imgW="560070" imgH="199390" progId="Equation.DSMT4">
+                <p:oleObj spid="_x0000_s7468" name="Equation" r:id="rId33" imgW="560070" imgH="199390" progId="Equation.DSMT4">
                   <p:embed/>
                 </p:oleObj>
               </mc:Choice>
@@ -14581,7 +14631,7 @@
           <a:graphicData uri="http://schemas.openxmlformats.org/presentationml/2006/ole">
             <mc:AlternateContent xmlns:mc="http://schemas.openxmlformats.org/markup-compatibility/2006">
               <mc:Choice xmlns:v="urn:schemas-microsoft-com:vml" Requires="v">
-                <p:oleObj spid="_x0000_s7412" name="Equation" r:id="rId35" imgW="7010400" imgH="4876800" progId="Equation.DSMT4">
+                <p:oleObj spid="_x0000_s7469" name="Equation" r:id="rId35" imgW="7010400" imgH="4876800" progId="Equation.DSMT4">
                   <p:embed/>
                 </p:oleObj>
               </mc:Choice>
@@ -14763,7 +14813,7 @@
           <a:graphicData uri="http://schemas.openxmlformats.org/presentationml/2006/ole">
             <mc:AlternateContent xmlns:mc="http://schemas.openxmlformats.org/markup-compatibility/2006">
               <mc:Choice xmlns:v="urn:schemas-microsoft-com:vml" Requires="v">
-                <p:oleObj spid="_x0000_s7413" name="Equation" r:id="rId37" imgW="7010400" imgH="4876800" progId="Equation.DSMT4">
+                <p:oleObj spid="_x0000_s7470" name="Equation" r:id="rId37" imgW="7010400" imgH="4876800" progId="Equation.DSMT4">
                   <p:embed/>
                 </p:oleObj>
               </mc:Choice>
@@ -14979,7 +15029,7 @@
           <a:graphicData uri="http://schemas.openxmlformats.org/presentationml/2006/ole">
             <mc:AlternateContent xmlns:mc="http://schemas.openxmlformats.org/markup-compatibility/2006">
               <mc:Choice xmlns:v="urn:schemas-microsoft-com:vml" Requires="v">
-                <p:oleObj spid="_x0000_s7414" name="Equation" r:id="rId38" imgW="7010400" imgH="4876800" progId="Equation.DSMT4">
+                <p:oleObj spid="_x0000_s7471" name="Equation" r:id="rId38" imgW="7010400" imgH="4876800" progId="Equation.DSMT4">
                   <p:embed/>
                 </p:oleObj>
               </mc:Choice>
@@ -15283,7 +15333,7 @@
           <a:graphicData uri="http://schemas.openxmlformats.org/presentationml/2006/ole">
             <mc:AlternateContent xmlns:mc="http://schemas.openxmlformats.org/markup-compatibility/2006">
               <mc:Choice xmlns:v="urn:schemas-microsoft-com:vml" Requires="v">
-                <p:oleObj spid="_x0000_s7415" name="Equation" r:id="rId39" imgW="7010400" imgH="4876800" progId="Equation.DSMT4">
+                <p:oleObj spid="_x0000_s7472" name="Equation" r:id="rId39" imgW="7010400" imgH="4876800" progId="Equation.DSMT4">
                   <p:embed/>
                 </p:oleObj>
               </mc:Choice>
@@ -15856,7 +15906,7 @@
           <a:graphicData uri="http://schemas.openxmlformats.org/presentationml/2006/ole">
             <mc:AlternateContent xmlns:mc="http://schemas.openxmlformats.org/markup-compatibility/2006">
               <mc:Choice xmlns:v="urn:schemas-microsoft-com:vml" Requires="v">
-                <p:oleObj spid="_x0000_s8386" name="Equation" r:id="rId3" imgW="5791200" imgH="4876800" progId="Equation.DSMT4">
+                <p:oleObj spid="_x0000_s8437" name="Equation" r:id="rId3" imgW="5791200" imgH="4876800" progId="Equation.DSMT4">
                   <p:embed/>
                 </p:oleObj>
               </mc:Choice>
@@ -15913,7 +15963,7 @@
           <a:graphicData uri="http://schemas.openxmlformats.org/presentationml/2006/ole">
             <mc:AlternateContent xmlns:mc="http://schemas.openxmlformats.org/markup-compatibility/2006">
               <mc:Choice xmlns:v="urn:schemas-microsoft-com:vml" Requires="v">
-                <p:oleObj spid="_x0000_s8387" name="Equation" r:id="rId5" imgW="5486400" imgH="4572000" progId="Equation.DSMT4">
+                <p:oleObj spid="_x0000_s8438" name="Equation" r:id="rId5" imgW="5486400" imgH="4572000" progId="Equation.DSMT4">
                   <p:embed/>
                 </p:oleObj>
               </mc:Choice>
@@ -16020,7 +16070,7 @@
           <a:graphicData uri="http://schemas.openxmlformats.org/presentationml/2006/ole">
             <mc:AlternateContent xmlns:mc="http://schemas.openxmlformats.org/markup-compatibility/2006">
               <mc:Choice xmlns:v="urn:schemas-microsoft-com:vml" Requires="v">
-                <p:oleObj spid="_x0000_s8388" name="Equation" r:id="rId7" imgW="14325600" imgH="4876800" progId="Equation.DSMT4">
+                <p:oleObj spid="_x0000_s8439" name="Equation" r:id="rId7" imgW="14325600" imgH="4876800" progId="Equation.DSMT4">
                   <p:embed/>
                 </p:oleObj>
               </mc:Choice>
@@ -16083,7 +16133,7 @@
           <a:graphicData uri="http://schemas.openxmlformats.org/presentationml/2006/ole">
             <mc:AlternateContent xmlns:mc="http://schemas.openxmlformats.org/markup-compatibility/2006">
               <mc:Choice xmlns:v="urn:schemas-microsoft-com:vml" Requires="v">
-                <p:oleObj spid="_x0000_s8389" name="Equation" r:id="rId9" imgW="7010400" imgH="5791200" progId="Equation.DSMT4">
+                <p:oleObj spid="_x0000_s8440" name="Equation" r:id="rId9" imgW="7010400" imgH="5791200" progId="Equation.DSMT4">
                   <p:embed/>
                 </p:oleObj>
               </mc:Choice>
@@ -16140,7 +16190,7 @@
           <a:graphicData uri="http://schemas.openxmlformats.org/presentationml/2006/ole">
             <mc:AlternateContent xmlns:mc="http://schemas.openxmlformats.org/markup-compatibility/2006">
               <mc:Choice xmlns:v="urn:schemas-microsoft-com:vml" Requires="v">
-                <p:oleObj spid="_x0000_s8390" name="Equation" r:id="rId11" imgW="7010400" imgH="5791200" progId="Equation.DSMT4">
+                <p:oleObj spid="_x0000_s8441" name="Equation" r:id="rId11" imgW="7010400" imgH="5791200" progId="Equation.DSMT4">
                   <p:embed/>
                 </p:oleObj>
               </mc:Choice>
@@ -16248,7 +16298,7 @@
           <a:graphicData uri="http://schemas.openxmlformats.org/presentationml/2006/ole">
             <mc:AlternateContent xmlns:mc="http://schemas.openxmlformats.org/markup-compatibility/2006">
               <mc:Choice xmlns:v="urn:schemas-microsoft-com:vml" Requires="v">
-                <p:oleObj spid="_x0000_s8391" name="Equation" r:id="rId13" imgW="5181600" imgH="6096000" progId="Equation.DSMT4">
+                <p:oleObj spid="_x0000_s8442" name="Equation" r:id="rId13" imgW="5181600" imgH="6096000" progId="Equation.DSMT4">
                   <p:embed/>
                 </p:oleObj>
               </mc:Choice>
@@ -16356,7 +16406,7 @@
           <a:graphicData uri="http://schemas.openxmlformats.org/presentationml/2006/ole">
             <mc:AlternateContent xmlns:mc="http://schemas.openxmlformats.org/markup-compatibility/2006">
               <mc:Choice xmlns:v="urn:schemas-microsoft-com:vml" Requires="v">
-                <p:oleObj spid="_x0000_s8392" name="Equation" r:id="rId15" imgW="7315200" imgH="5791200" progId="Equation.DSMT4">
+                <p:oleObj spid="_x0000_s8443" name="Equation" r:id="rId15" imgW="7315200" imgH="5791200" progId="Equation.DSMT4">
                   <p:embed/>
                 </p:oleObj>
               </mc:Choice>
@@ -16590,7 +16640,7 @@
           <a:graphicData uri="http://schemas.openxmlformats.org/presentationml/2006/ole">
             <mc:AlternateContent xmlns:mc="http://schemas.openxmlformats.org/markup-compatibility/2006">
               <mc:Choice xmlns:v="urn:schemas-microsoft-com:vml" Requires="v">
-                <p:oleObj spid="_x0000_s8393" name="Equation" r:id="rId17" imgW="152280" imgH="139680" progId="Equation.DSMT4">
+                <p:oleObj spid="_x0000_s8444" name="Equation" r:id="rId17" imgW="152280" imgH="139680" progId="Equation.DSMT4">
                   <p:embed/>
                 </p:oleObj>
               </mc:Choice>
@@ -16653,7 +16703,7 @@
           <a:graphicData uri="http://schemas.openxmlformats.org/presentationml/2006/ole">
             <mc:AlternateContent xmlns:mc="http://schemas.openxmlformats.org/markup-compatibility/2006">
               <mc:Choice xmlns:v="urn:schemas-microsoft-com:vml" Requires="v">
-                <p:oleObj spid="_x0000_s8394" name="Equation" r:id="rId19" imgW="12801600" imgH="6096000" progId="Equation.DSMT4">
+                <p:oleObj spid="_x0000_s8445" name="Equation" r:id="rId19" imgW="12801600" imgH="6096000" progId="Equation.DSMT4">
                   <p:embed/>
                 </p:oleObj>
               </mc:Choice>
@@ -16773,7 +16823,7 @@
           <a:graphicData uri="http://schemas.openxmlformats.org/presentationml/2006/ole">
             <mc:AlternateContent xmlns:mc="http://schemas.openxmlformats.org/markup-compatibility/2006">
               <mc:Choice xmlns:v="urn:schemas-microsoft-com:vml" Requires="v">
-                <p:oleObj spid="_x0000_s8395" name="Equation" r:id="rId21" imgW="5791200" imgH="4572000" progId="Equation.DSMT4">
+                <p:oleObj spid="_x0000_s8446" name="Equation" r:id="rId21" imgW="5791200" imgH="4572000" progId="Equation.DSMT4">
                   <p:embed/>
                 </p:oleObj>
               </mc:Choice>
@@ -17031,7 +17081,7 @@
           <a:graphicData uri="http://schemas.openxmlformats.org/presentationml/2006/ole">
             <mc:AlternateContent xmlns:mc="http://schemas.openxmlformats.org/markup-compatibility/2006">
               <mc:Choice xmlns:v="urn:schemas-microsoft-com:vml" Requires="v">
-                <p:oleObj spid="_x0000_s8396" name="Equation" r:id="rId23" imgW="5181600" imgH="5486400" progId="Equation.DSMT4">
+                <p:oleObj spid="_x0000_s8447" name="Equation" r:id="rId23" imgW="5181600" imgH="5486400" progId="Equation.DSMT4">
                   <p:embed/>
                 </p:oleObj>
               </mc:Choice>
@@ -17094,7 +17144,7 @@
           <a:graphicData uri="http://schemas.openxmlformats.org/presentationml/2006/ole">
             <mc:AlternateContent xmlns:mc="http://schemas.openxmlformats.org/markup-compatibility/2006">
               <mc:Choice xmlns:v="urn:schemas-microsoft-com:vml" Requires="v">
-                <p:oleObj spid="_x0000_s8397" name="Equation" r:id="rId25" imgW="152280" imgH="139680" progId="Equation.DSMT4">
+                <p:oleObj spid="_x0000_s8448" name="Equation" r:id="rId25" imgW="152280" imgH="139680" progId="Equation.DSMT4">
                   <p:embed/>
                 </p:oleObj>
               </mc:Choice>
@@ -17199,7 +17249,7 @@
           <a:graphicData uri="http://schemas.openxmlformats.org/presentationml/2006/ole">
             <mc:AlternateContent xmlns:mc="http://schemas.openxmlformats.org/markup-compatibility/2006">
               <mc:Choice xmlns:v="urn:schemas-microsoft-com:vml" Requires="v">
-                <p:oleObj spid="_x0000_s8398" name="Equation" r:id="rId27" imgW="558720" imgH="279360" progId="Equation.DSMT4">
+                <p:oleObj spid="_x0000_s8449" name="Equation" r:id="rId27" imgW="558720" imgH="279360" progId="Equation.DSMT4">
                   <p:embed/>
                 </p:oleObj>
               </mc:Choice>
@@ -17262,7 +17312,7 @@
           <a:graphicData uri="http://schemas.openxmlformats.org/presentationml/2006/ole">
             <mc:AlternateContent xmlns:mc="http://schemas.openxmlformats.org/markup-compatibility/2006">
               <mc:Choice xmlns:v="urn:schemas-microsoft-com:vml" Requires="v">
-                <p:oleObj spid="_x0000_s8399" name="Equation" r:id="rId29" imgW="558720" imgH="279360" progId="Equation.DSMT4">
+                <p:oleObj spid="_x0000_s8450" name="Equation" r:id="rId29" imgW="558720" imgH="279360" progId="Equation.DSMT4">
                   <p:embed/>
                 </p:oleObj>
               </mc:Choice>
@@ -17368,7 +17418,7 @@
           <a:graphicData uri="http://schemas.openxmlformats.org/presentationml/2006/ole">
             <mc:AlternateContent xmlns:mc="http://schemas.openxmlformats.org/markup-compatibility/2006">
               <mc:Choice xmlns:v="urn:schemas-microsoft-com:vml" Requires="v">
-                <p:oleObj spid="_x0000_s8400" name="Equation" r:id="rId31" imgW="253800" imgH="253800" progId="Equation.DSMT4">
+                <p:oleObj spid="_x0000_s8451" name="Equation" r:id="rId31" imgW="253800" imgH="253800" progId="Equation.DSMT4">
                   <p:embed/>
                 </p:oleObj>
               </mc:Choice>
@@ -17431,7 +17481,7 @@
           <a:graphicData uri="http://schemas.openxmlformats.org/presentationml/2006/ole">
             <mc:AlternateContent xmlns:mc="http://schemas.openxmlformats.org/markup-compatibility/2006">
               <mc:Choice xmlns:v="urn:schemas-microsoft-com:vml" Requires="v">
-                <p:oleObj spid="_x0000_s8401" name="Equation" r:id="rId33" imgW="253800" imgH="253800" progId="Equation.DSMT4">
+                <p:oleObj spid="_x0000_s8452" name="Equation" r:id="rId33" imgW="253800" imgH="253800" progId="Equation.DSMT4">
                   <p:embed/>
                 </p:oleObj>
               </mc:Choice>
@@ -18039,7 +18089,7 @@
           <a:graphicData uri="http://schemas.openxmlformats.org/presentationml/2006/ole">
             <mc:AlternateContent xmlns:mc="http://schemas.openxmlformats.org/markup-compatibility/2006">
               <mc:Choice xmlns:v="urn:schemas-microsoft-com:vml" Requires="v">
-                <p:oleObj spid="_x0000_s8402" name="Equation" r:id="rId36" imgW="215640" imgH="241200" progId="Equation.DSMT4">
+                <p:oleObj spid="_x0000_s8453" name="Equation" r:id="rId36" imgW="215640" imgH="241200" progId="Equation.DSMT4">
                   <p:embed/>
                 </p:oleObj>
               </mc:Choice>
@@ -18121,6 +18171,6891 @@
     <p:extLst>
       <p:ext uri="{BB962C8B-B14F-4D97-AF65-F5344CB8AC3E}">
         <p14:creationId xmlns:p14="http://schemas.microsoft.com/office/powerpoint/2010/main" val="689379177"/>
+      </p:ext>
+    </p:extLst>
+  </p:cSld>
+  <p:clrMapOvr>
+    <a:masterClrMapping/>
+  </p:clrMapOvr>
+</p:sld>
+</file>
+
+<file path=ppt/slides/slide7.xml><?xml version="1.0" encoding="utf-8"?>
+<p:sld xmlns:a="http://schemas.openxmlformats.org/drawingml/2006/main" xmlns:r="http://schemas.openxmlformats.org/officeDocument/2006/relationships" xmlns:p="http://schemas.openxmlformats.org/presentationml/2006/main">
+  <p:cSld>
+    <p:spTree>
+      <p:nvGrpSpPr>
+        <p:cNvPr id="1" name=""/>
+        <p:cNvGrpSpPr/>
+        <p:nvPr/>
+      </p:nvGrpSpPr>
+      <p:grpSpPr>
+        <a:xfrm>
+          <a:off x="0" y="0"/>
+          <a:ext cx="0" cy="0"/>
+          <a:chOff x="0" y="0"/>
+          <a:chExt cx="0" cy="0"/>
+        </a:xfrm>
+      </p:grpSpPr>
+      <p:sp>
+        <p:nvSpPr>
+          <p:cNvPr id="5" name="矩形 4"/>
+          <p:cNvSpPr/>
+          <p:nvPr/>
+        </p:nvSpPr>
+        <p:spPr>
+          <a:xfrm>
+            <a:off x="673332" y="2044599"/>
+            <a:ext cx="797168" cy="398585"/>
+          </a:xfrm>
+          <a:prstGeom prst="rect">
+            <a:avLst/>
+          </a:prstGeom>
+          <a:solidFill>
+            <a:schemeClr val="bg1"/>
+          </a:solidFill>
+        </p:spPr>
+        <p:style>
+          <a:lnRef idx="2">
+            <a:schemeClr val="accent1">
+              <a:shade val="50000"/>
+            </a:schemeClr>
+          </a:lnRef>
+          <a:fillRef idx="1">
+            <a:schemeClr val="accent1"/>
+          </a:fillRef>
+          <a:effectRef idx="0">
+            <a:schemeClr val="accent1"/>
+          </a:effectRef>
+          <a:fontRef idx="minor">
+            <a:schemeClr val="lt1"/>
+          </a:fontRef>
+        </p:style>
+        <p:txBody>
+          <a:bodyPr rtlCol="0" anchor="ctr"/>
+          <a:lstStyle/>
+          <a:p>
+            <a:pPr algn="ctr"/>
+            <a:endParaRPr lang="zh-CN" altLang="en-US" sz="800" dirty="0">
+              <a:solidFill>
+                <a:schemeClr val="tx1"/>
+              </a:solidFill>
+              <a:latin typeface="宋体" panose="02010600030101010101" pitchFamily="2" charset="-122"/>
+              <a:ea typeface="宋体" panose="02010600030101010101" pitchFamily="2" charset="-122"/>
+            </a:endParaRPr>
+          </a:p>
+        </p:txBody>
+      </p:sp>
+      <p:sp>
+        <p:nvSpPr>
+          <p:cNvPr id="6" name="矩形 5"/>
+          <p:cNvSpPr/>
+          <p:nvPr/>
+        </p:nvSpPr>
+        <p:spPr>
+          <a:xfrm>
+            <a:off x="1612816" y="2355553"/>
+            <a:ext cx="797169" cy="398585"/>
+          </a:xfrm>
+          <a:prstGeom prst="rect">
+            <a:avLst/>
+          </a:prstGeom>
+          <a:solidFill>
+            <a:schemeClr val="bg1"/>
+          </a:solidFill>
+        </p:spPr>
+        <p:style>
+          <a:lnRef idx="2">
+            <a:schemeClr val="accent1">
+              <a:shade val="50000"/>
+            </a:schemeClr>
+          </a:lnRef>
+          <a:fillRef idx="1">
+            <a:schemeClr val="accent1"/>
+          </a:fillRef>
+          <a:effectRef idx="0">
+            <a:schemeClr val="accent1"/>
+          </a:effectRef>
+          <a:fontRef idx="minor">
+            <a:schemeClr val="lt1"/>
+          </a:fontRef>
+        </p:style>
+        <p:txBody>
+          <a:bodyPr rtlCol="0" anchor="ctr"/>
+          <a:lstStyle/>
+          <a:p>
+            <a:pPr algn="ctr"/>
+            <a:r>
+              <a:rPr lang="zh-CN" altLang="en-US" sz="800" dirty="0">
+                <a:solidFill>
+                  <a:schemeClr val="tx1"/>
+                </a:solidFill>
+                <a:latin typeface="宋体" panose="02010600030101010101" pitchFamily="2" charset="-122"/>
+                <a:ea typeface="宋体" panose="02010600030101010101" pitchFamily="2" charset="-122"/>
+              </a:rPr>
+              <a:t>总能量计算</a:t>
+            </a:r>
+          </a:p>
+        </p:txBody>
+      </p:sp>
+      <p:sp>
+        <p:nvSpPr>
+          <p:cNvPr id="7" name="矩形 6"/>
+          <p:cNvSpPr/>
+          <p:nvPr/>
+        </p:nvSpPr>
+        <p:spPr>
+          <a:xfrm>
+            <a:off x="2614538" y="1423569"/>
+            <a:ext cx="797169" cy="398585"/>
+          </a:xfrm>
+          <a:prstGeom prst="rect">
+            <a:avLst/>
+          </a:prstGeom>
+          <a:solidFill>
+            <a:schemeClr val="bg1"/>
+          </a:solidFill>
+        </p:spPr>
+        <p:style>
+          <a:lnRef idx="2">
+            <a:schemeClr val="accent1">
+              <a:shade val="50000"/>
+            </a:schemeClr>
+          </a:lnRef>
+          <a:fillRef idx="1">
+            <a:schemeClr val="accent1"/>
+          </a:fillRef>
+          <a:effectRef idx="0">
+            <a:schemeClr val="accent1"/>
+          </a:effectRef>
+          <a:fontRef idx="minor">
+            <a:schemeClr val="lt1"/>
+          </a:fontRef>
+        </p:style>
+        <p:txBody>
+          <a:bodyPr rtlCol="0" anchor="ctr"/>
+          <a:lstStyle/>
+          <a:p>
+            <a:pPr algn="ctr"/>
+            <a:endParaRPr lang="zh-CN" altLang="en-US" sz="800" dirty="0">
+              <a:solidFill>
+                <a:schemeClr val="tx1"/>
+              </a:solidFill>
+              <a:latin typeface="宋体" panose="02010600030101010101" pitchFamily="2" charset="-122"/>
+              <a:ea typeface="宋体" panose="02010600030101010101" pitchFamily="2" charset="-122"/>
+            </a:endParaRPr>
+          </a:p>
+        </p:txBody>
+      </p:sp>
+      <p:sp>
+        <p:nvSpPr>
+          <p:cNvPr id="8" name="矩形 7"/>
+          <p:cNvSpPr/>
+          <p:nvPr/>
+        </p:nvSpPr>
+        <p:spPr>
+          <a:xfrm>
+            <a:off x="3622808" y="5681942"/>
+            <a:ext cx="797169" cy="398585"/>
+          </a:xfrm>
+          <a:prstGeom prst="rect">
+            <a:avLst/>
+          </a:prstGeom>
+          <a:solidFill>
+            <a:schemeClr val="bg1"/>
+          </a:solidFill>
+        </p:spPr>
+        <p:style>
+          <a:lnRef idx="2">
+            <a:schemeClr val="accent1">
+              <a:shade val="50000"/>
+            </a:schemeClr>
+          </a:lnRef>
+          <a:fillRef idx="1">
+            <a:schemeClr val="accent1"/>
+          </a:fillRef>
+          <a:effectRef idx="0">
+            <a:schemeClr val="accent1"/>
+          </a:effectRef>
+          <a:fontRef idx="minor">
+            <a:schemeClr val="lt1"/>
+          </a:fontRef>
+        </p:style>
+        <p:txBody>
+          <a:bodyPr rtlCol="0" anchor="ctr"/>
+          <a:lstStyle/>
+          <a:p>
+            <a:pPr algn="ctr"/>
+            <a:r>
+              <a:rPr lang="zh-CN" altLang="en-US" sz="800" dirty="0">
+                <a:solidFill>
+                  <a:schemeClr val="tx1"/>
+                </a:solidFill>
+                <a:latin typeface="宋体" panose="02010600030101010101" pitchFamily="2" charset="-122"/>
+                <a:ea typeface="宋体" panose="02010600030101010101" pitchFamily="2" charset="-122"/>
+              </a:rPr>
+              <a:t>推力</a:t>
+            </a:r>
+          </a:p>
+        </p:txBody>
+      </p:sp>
+      <p:sp>
+        <p:nvSpPr>
+          <p:cNvPr id="25" name="矩形 24"/>
+          <p:cNvSpPr/>
+          <p:nvPr/>
+        </p:nvSpPr>
+        <p:spPr>
+          <a:xfrm>
+            <a:off x="5146997" y="5681943"/>
+            <a:ext cx="797169" cy="398585"/>
+          </a:xfrm>
+          <a:prstGeom prst="rect">
+            <a:avLst/>
+          </a:prstGeom>
+          <a:solidFill>
+            <a:schemeClr val="bg1"/>
+          </a:solidFill>
+        </p:spPr>
+        <p:style>
+          <a:lnRef idx="2">
+            <a:schemeClr val="accent1">
+              <a:shade val="50000"/>
+            </a:schemeClr>
+          </a:lnRef>
+          <a:fillRef idx="1">
+            <a:schemeClr val="accent1"/>
+          </a:fillRef>
+          <a:effectRef idx="0">
+            <a:schemeClr val="accent1"/>
+          </a:effectRef>
+          <a:fontRef idx="minor">
+            <a:schemeClr val="lt1"/>
+          </a:fontRef>
+        </p:style>
+        <p:txBody>
+          <a:bodyPr rtlCol="0" anchor="ctr"/>
+          <a:lstStyle/>
+          <a:p>
+            <a:pPr algn="ctr"/>
+            <a:r>
+              <a:rPr lang="zh-CN" altLang="en-US" sz="800" dirty="0">
+                <a:solidFill>
+                  <a:schemeClr val="tx1"/>
+                </a:solidFill>
+                <a:latin typeface="宋体" panose="02010600030101010101" pitchFamily="2" charset="-122"/>
+                <a:ea typeface="宋体" panose="02010600030101010101" pitchFamily="2" charset="-122"/>
+              </a:rPr>
+              <a:t>升降舵</a:t>
+            </a:r>
+          </a:p>
+        </p:txBody>
+      </p:sp>
+      <p:sp>
+        <p:nvSpPr>
+          <p:cNvPr id="12" name="矩形 11">
+            <a:extLst>
+              <a:ext uri="{FF2B5EF4-FFF2-40B4-BE49-F238E27FC236}">
+                <a16:creationId xmlns:a16="http://schemas.microsoft.com/office/drawing/2014/main" id="{D8B6AA20-74A4-45B3-A865-724D23B4F648}"/>
+              </a:ext>
+            </a:extLst>
+          </p:cNvPr>
+          <p:cNvSpPr/>
+          <p:nvPr/>
+        </p:nvSpPr>
+        <p:spPr>
+          <a:xfrm>
+            <a:off x="650325" y="2665629"/>
+            <a:ext cx="797169" cy="398585"/>
+          </a:xfrm>
+          <a:prstGeom prst="rect">
+            <a:avLst/>
+          </a:prstGeom>
+          <a:solidFill>
+            <a:schemeClr val="bg1"/>
+          </a:solidFill>
+        </p:spPr>
+        <p:style>
+          <a:lnRef idx="2">
+            <a:schemeClr val="accent1">
+              <a:shade val="50000"/>
+            </a:schemeClr>
+          </a:lnRef>
+          <a:fillRef idx="1">
+            <a:schemeClr val="accent1"/>
+          </a:fillRef>
+          <a:effectRef idx="0">
+            <a:schemeClr val="accent1"/>
+          </a:effectRef>
+          <a:fontRef idx="minor">
+            <a:schemeClr val="lt1"/>
+          </a:fontRef>
+        </p:style>
+        <p:txBody>
+          <a:bodyPr rtlCol="0" anchor="ctr"/>
+          <a:lstStyle/>
+          <a:p>
+            <a:pPr algn="ctr"/>
+            <a:endParaRPr lang="zh-CN" altLang="en-US" sz="800" dirty="0">
+              <a:solidFill>
+                <a:schemeClr val="tx1"/>
+              </a:solidFill>
+              <a:latin typeface="宋体" panose="02010600030101010101" pitchFamily="2" charset="-122"/>
+              <a:ea typeface="宋体" panose="02010600030101010101" pitchFamily="2" charset="-122"/>
+            </a:endParaRPr>
+          </a:p>
+        </p:txBody>
+      </p:sp>
+      <p:graphicFrame>
+        <p:nvGraphicFramePr>
+          <p:cNvPr id="2" name="对象 1">
+            <a:extLst>
+              <a:ext uri="{FF2B5EF4-FFF2-40B4-BE49-F238E27FC236}">
+                <a16:creationId xmlns:a16="http://schemas.microsoft.com/office/drawing/2014/main" id="{A2FD8DC6-E6A1-422A-A515-E5E334AE7AA7}"/>
+              </a:ext>
+            </a:extLst>
+          </p:cNvPr>
+          <p:cNvGraphicFramePr>
+            <a:graphicFrameLocks noChangeAspect="1"/>
+          </p:cNvGraphicFramePr>
+          <p:nvPr>
+            <p:extLst>
+              <p:ext uri="{D42A27DB-BD31-4B8C-83A1-F6EECF244321}">
+                <p14:modId xmlns:p14="http://schemas.microsoft.com/office/powerpoint/2010/main" val="1548185980"/>
+              </p:ext>
+            </p:extLst>
+          </p:nvPr>
+        </p:nvGraphicFramePr>
+        <p:xfrm>
+          <a:off x="2873422" y="1527611"/>
+          <a:ext cx="279400" cy="190500"/>
+        </p:xfrm>
+        <a:graphic>
+          <a:graphicData uri="http://schemas.openxmlformats.org/presentationml/2006/ole">
+            <mc:AlternateContent xmlns:mc="http://schemas.openxmlformats.org/markup-compatibility/2006">
+              <mc:Choice xmlns:v="urn:schemas-microsoft-com:vml" Requires="v">
+                <p:oleObj spid="_x0000_s9276" name="Equation" r:id="rId3" imgW="279360" imgH="190440" progId="Equation.DSMT4">
+                  <p:embed/>
+                </p:oleObj>
+              </mc:Choice>
+              <mc:Fallback>
+                <p:oleObj name="Equation" r:id="rId3" imgW="279360" imgH="190440" progId="Equation.DSMT4">
+                  <p:embed/>
+                  <p:pic>
+                    <p:nvPicPr>
+                      <p:cNvPr id="0" name=""/>
+                      <p:cNvPicPr/>
+                      <p:nvPr/>
+                    </p:nvPicPr>
+                    <p:blipFill>
+                      <a:blip r:embed="rId4"/>
+                      <a:stretch>
+                        <a:fillRect/>
+                      </a:stretch>
+                    </p:blipFill>
+                    <p:spPr>
+                      <a:xfrm>
+                        <a:off x="2873422" y="1527611"/>
+                        <a:ext cx="279400" cy="190500"/>
+                      </a:xfrm>
+                      <a:prstGeom prst="rect">
+                        <a:avLst/>
+                      </a:prstGeom>
+                    </p:spPr>
+                  </p:pic>
+                </p:oleObj>
+              </mc:Fallback>
+            </mc:AlternateContent>
+          </a:graphicData>
+        </a:graphic>
+      </p:graphicFrame>
+      <p:sp>
+        <p:nvSpPr>
+          <p:cNvPr id="14" name="矩形 13">
+            <a:extLst>
+              <a:ext uri="{FF2B5EF4-FFF2-40B4-BE49-F238E27FC236}">
+                <a16:creationId xmlns:a16="http://schemas.microsoft.com/office/drawing/2014/main" id="{A6666C20-6237-4467-87BB-A90F3FC1C30A}"/>
+              </a:ext>
+            </a:extLst>
+          </p:cNvPr>
+          <p:cNvSpPr/>
+          <p:nvPr/>
+        </p:nvSpPr>
+        <p:spPr>
+          <a:xfrm>
+            <a:off x="2614538" y="2044599"/>
+            <a:ext cx="797169" cy="398585"/>
+          </a:xfrm>
+          <a:prstGeom prst="rect">
+            <a:avLst/>
+          </a:prstGeom>
+          <a:solidFill>
+            <a:schemeClr val="bg1"/>
+          </a:solidFill>
+        </p:spPr>
+        <p:style>
+          <a:lnRef idx="2">
+            <a:schemeClr val="accent1">
+              <a:shade val="50000"/>
+            </a:schemeClr>
+          </a:lnRef>
+          <a:fillRef idx="1">
+            <a:schemeClr val="accent1"/>
+          </a:fillRef>
+          <a:effectRef idx="0">
+            <a:schemeClr val="accent1"/>
+          </a:effectRef>
+          <a:fontRef idx="minor">
+            <a:schemeClr val="lt1"/>
+          </a:fontRef>
+        </p:style>
+        <p:txBody>
+          <a:bodyPr rtlCol="0" anchor="ctr"/>
+          <a:lstStyle/>
+          <a:p>
+            <a:pPr algn="ctr"/>
+            <a:endParaRPr lang="zh-CN" altLang="en-US" sz="800" dirty="0">
+              <a:solidFill>
+                <a:schemeClr val="tx1"/>
+              </a:solidFill>
+              <a:latin typeface="宋体" panose="02010600030101010101" pitchFamily="2" charset="-122"/>
+              <a:ea typeface="宋体" panose="02010600030101010101" pitchFamily="2" charset="-122"/>
+            </a:endParaRPr>
+          </a:p>
+        </p:txBody>
+      </p:sp>
+      <p:graphicFrame>
+        <p:nvGraphicFramePr>
+          <p:cNvPr id="15" name="对象 14">
+            <a:extLst>
+              <a:ext uri="{FF2B5EF4-FFF2-40B4-BE49-F238E27FC236}">
+                <a16:creationId xmlns:a16="http://schemas.microsoft.com/office/drawing/2014/main" id="{41DEACAE-0AD6-4B5F-9EC0-966E10438F93}"/>
+              </a:ext>
+            </a:extLst>
+          </p:cNvPr>
+          <p:cNvGraphicFramePr>
+            <a:graphicFrameLocks noChangeAspect="1"/>
+          </p:cNvGraphicFramePr>
+          <p:nvPr>
+            <p:extLst>
+              <p:ext uri="{D42A27DB-BD31-4B8C-83A1-F6EECF244321}">
+                <p14:modId xmlns:p14="http://schemas.microsoft.com/office/powerpoint/2010/main" val="2201046784"/>
+              </p:ext>
+            </p:extLst>
+          </p:nvPr>
+        </p:nvGraphicFramePr>
+        <p:xfrm>
+          <a:off x="2936875" y="2160588"/>
+          <a:ext cx="152400" cy="165100"/>
+        </p:xfrm>
+        <a:graphic>
+          <a:graphicData uri="http://schemas.openxmlformats.org/presentationml/2006/ole">
+            <mc:AlternateContent xmlns:mc="http://schemas.openxmlformats.org/markup-compatibility/2006">
+              <mc:Choice xmlns:v="urn:schemas-microsoft-com:vml" Requires="v">
+                <p:oleObj spid="_x0000_s9277" name="Equation" r:id="rId5" imgW="152280" imgH="164880" progId="Equation.DSMT4">
+                  <p:embed/>
+                </p:oleObj>
+              </mc:Choice>
+              <mc:Fallback>
+                <p:oleObj name="Equation" r:id="rId5" imgW="152280" imgH="164880" progId="Equation.DSMT4">
+                  <p:embed/>
+                  <p:pic>
+                    <p:nvPicPr>
+                      <p:cNvPr id="2" name="对象 1">
+                        <a:extLst>
+                          <a:ext uri="{FF2B5EF4-FFF2-40B4-BE49-F238E27FC236}">
+                            <a16:creationId xmlns:a16="http://schemas.microsoft.com/office/drawing/2014/main" id="{A2FD8DC6-E6A1-422A-A515-E5E334AE7AA7}"/>
+                          </a:ext>
+                        </a:extLst>
+                      </p:cNvPr>
+                      <p:cNvPicPr/>
+                      <p:nvPr/>
+                    </p:nvPicPr>
+                    <p:blipFill>
+                      <a:blip r:embed="rId6"/>
+                      <a:stretch>
+                        <a:fillRect/>
+                      </a:stretch>
+                    </p:blipFill>
+                    <p:spPr>
+                      <a:xfrm>
+                        <a:off x="2936875" y="2160588"/>
+                        <a:ext cx="152400" cy="165100"/>
+                      </a:xfrm>
+                      <a:prstGeom prst="rect">
+                        <a:avLst/>
+                      </a:prstGeom>
+                    </p:spPr>
+                  </p:pic>
+                </p:oleObj>
+              </mc:Fallback>
+            </mc:AlternateContent>
+          </a:graphicData>
+        </a:graphic>
+      </p:graphicFrame>
+      <p:sp>
+        <p:nvSpPr>
+          <p:cNvPr id="17" name="矩形 16">
+            <a:extLst>
+              <a:ext uri="{FF2B5EF4-FFF2-40B4-BE49-F238E27FC236}">
+                <a16:creationId xmlns:a16="http://schemas.microsoft.com/office/drawing/2014/main" id="{A2600A79-8224-43DE-A83B-4BF8C4560BDE}"/>
+              </a:ext>
+            </a:extLst>
+          </p:cNvPr>
+          <p:cNvSpPr/>
+          <p:nvPr/>
+        </p:nvSpPr>
+        <p:spPr>
+          <a:xfrm>
+            <a:off x="2614538" y="2665629"/>
+            <a:ext cx="797169" cy="398585"/>
+          </a:xfrm>
+          <a:prstGeom prst="rect">
+            <a:avLst/>
+          </a:prstGeom>
+          <a:solidFill>
+            <a:schemeClr val="bg1"/>
+          </a:solidFill>
+        </p:spPr>
+        <p:style>
+          <a:lnRef idx="2">
+            <a:schemeClr val="accent1">
+              <a:shade val="50000"/>
+            </a:schemeClr>
+          </a:lnRef>
+          <a:fillRef idx="1">
+            <a:schemeClr val="accent1"/>
+          </a:fillRef>
+          <a:effectRef idx="0">
+            <a:schemeClr val="accent1"/>
+          </a:effectRef>
+          <a:fontRef idx="minor">
+            <a:schemeClr val="lt1"/>
+          </a:fontRef>
+        </p:style>
+        <p:txBody>
+          <a:bodyPr rtlCol="0" anchor="ctr"/>
+          <a:lstStyle/>
+          <a:p>
+            <a:pPr algn="ctr"/>
+            <a:endParaRPr lang="zh-CN" altLang="en-US" sz="800" dirty="0">
+              <a:solidFill>
+                <a:schemeClr val="tx1"/>
+              </a:solidFill>
+              <a:latin typeface="宋体" panose="02010600030101010101" pitchFamily="2" charset="-122"/>
+              <a:ea typeface="宋体" panose="02010600030101010101" pitchFamily="2" charset="-122"/>
+            </a:endParaRPr>
+          </a:p>
+        </p:txBody>
+      </p:sp>
+      <p:sp>
+        <p:nvSpPr>
+          <p:cNvPr id="19" name="矩形 18">
+            <a:extLst>
+              <a:ext uri="{FF2B5EF4-FFF2-40B4-BE49-F238E27FC236}">
+                <a16:creationId xmlns:a16="http://schemas.microsoft.com/office/drawing/2014/main" id="{A55DE689-C658-4CD3-A64A-970598BBDB5C}"/>
+              </a:ext>
+            </a:extLst>
+          </p:cNvPr>
+          <p:cNvSpPr/>
+          <p:nvPr/>
+        </p:nvSpPr>
+        <p:spPr>
+          <a:xfrm>
+            <a:off x="2614538" y="3286659"/>
+            <a:ext cx="797169" cy="398585"/>
+          </a:xfrm>
+          <a:prstGeom prst="rect">
+            <a:avLst/>
+          </a:prstGeom>
+          <a:solidFill>
+            <a:schemeClr val="bg1"/>
+          </a:solidFill>
+        </p:spPr>
+        <p:style>
+          <a:lnRef idx="2">
+            <a:schemeClr val="accent1">
+              <a:shade val="50000"/>
+            </a:schemeClr>
+          </a:lnRef>
+          <a:fillRef idx="1">
+            <a:schemeClr val="accent1"/>
+          </a:fillRef>
+          <a:effectRef idx="0">
+            <a:schemeClr val="accent1"/>
+          </a:effectRef>
+          <a:fontRef idx="minor">
+            <a:schemeClr val="lt1"/>
+          </a:fontRef>
+        </p:style>
+        <p:txBody>
+          <a:bodyPr rtlCol="0" anchor="ctr"/>
+          <a:lstStyle/>
+          <a:p>
+            <a:pPr algn="ctr"/>
+            <a:endParaRPr lang="zh-CN" altLang="en-US" sz="800" dirty="0">
+              <a:solidFill>
+                <a:schemeClr val="tx1"/>
+              </a:solidFill>
+              <a:latin typeface="宋体" panose="02010600030101010101" pitchFamily="2" charset="-122"/>
+              <a:ea typeface="宋体" panose="02010600030101010101" pitchFamily="2" charset="-122"/>
+            </a:endParaRPr>
+          </a:p>
+        </p:txBody>
+      </p:sp>
+      <p:graphicFrame>
+        <p:nvGraphicFramePr>
+          <p:cNvPr id="20" name="对象 19">
+            <a:extLst>
+              <a:ext uri="{FF2B5EF4-FFF2-40B4-BE49-F238E27FC236}">
+                <a16:creationId xmlns:a16="http://schemas.microsoft.com/office/drawing/2014/main" id="{7D95964D-BCA2-433A-B9CF-6B7FA4C4327F}"/>
+              </a:ext>
+            </a:extLst>
+          </p:cNvPr>
+          <p:cNvGraphicFramePr>
+            <a:graphicFrameLocks noChangeAspect="1"/>
+          </p:cNvGraphicFramePr>
+          <p:nvPr>
+            <p:extLst>
+              <p:ext uri="{D42A27DB-BD31-4B8C-83A1-F6EECF244321}">
+                <p14:modId xmlns:p14="http://schemas.microsoft.com/office/powerpoint/2010/main" val="1031767921"/>
+              </p:ext>
+            </p:extLst>
+          </p:nvPr>
+        </p:nvGraphicFramePr>
+        <p:xfrm>
+          <a:off x="2916702" y="2767321"/>
+          <a:ext cx="152400" cy="190500"/>
+        </p:xfrm>
+        <a:graphic>
+          <a:graphicData uri="http://schemas.openxmlformats.org/presentationml/2006/ole">
+            <mc:AlternateContent xmlns:mc="http://schemas.openxmlformats.org/markup-compatibility/2006">
+              <mc:Choice xmlns:v="urn:schemas-microsoft-com:vml" Requires="v">
+                <p:oleObj spid="_x0000_s9278" name="Equation" r:id="rId7" imgW="152280" imgH="190440" progId="Equation.DSMT4">
+                  <p:embed/>
+                </p:oleObj>
+              </mc:Choice>
+              <mc:Fallback>
+                <p:oleObj name="Equation" r:id="rId7" imgW="152280" imgH="190440" progId="Equation.DSMT4">
+                  <p:embed/>
+                  <p:pic>
+                    <p:nvPicPr>
+                      <p:cNvPr id="15" name="对象 14">
+                        <a:extLst>
+                          <a:ext uri="{FF2B5EF4-FFF2-40B4-BE49-F238E27FC236}">
+                            <a16:creationId xmlns:a16="http://schemas.microsoft.com/office/drawing/2014/main" id="{41DEACAE-0AD6-4B5F-9EC0-966E10438F93}"/>
+                          </a:ext>
+                        </a:extLst>
+                      </p:cNvPr>
+                      <p:cNvPicPr/>
+                      <p:nvPr/>
+                    </p:nvPicPr>
+                    <p:blipFill>
+                      <a:blip r:embed="rId8"/>
+                      <a:stretch>
+                        <a:fillRect/>
+                      </a:stretch>
+                    </p:blipFill>
+                    <p:spPr>
+                      <a:xfrm>
+                        <a:off x="2916702" y="2767321"/>
+                        <a:ext cx="152400" cy="190500"/>
+                      </a:xfrm>
+                      <a:prstGeom prst="rect">
+                        <a:avLst/>
+                      </a:prstGeom>
+                    </p:spPr>
+                  </p:pic>
+                </p:oleObj>
+              </mc:Fallback>
+            </mc:AlternateContent>
+          </a:graphicData>
+        </a:graphic>
+      </p:graphicFrame>
+      <p:graphicFrame>
+        <p:nvGraphicFramePr>
+          <p:cNvPr id="3" name="对象 2">
+            <a:extLst>
+              <a:ext uri="{FF2B5EF4-FFF2-40B4-BE49-F238E27FC236}">
+                <a16:creationId xmlns:a16="http://schemas.microsoft.com/office/drawing/2014/main" id="{EEF60E1C-975E-470B-833C-30EC0660F865}"/>
+              </a:ext>
+            </a:extLst>
+          </p:cNvPr>
+          <p:cNvGraphicFramePr>
+            <a:graphicFrameLocks noChangeAspect="1"/>
+          </p:cNvGraphicFramePr>
+          <p:nvPr>
+            <p:extLst>
+              <p:ext uri="{D42A27DB-BD31-4B8C-83A1-F6EECF244321}">
+                <p14:modId xmlns:p14="http://schemas.microsoft.com/office/powerpoint/2010/main" val="3055069459"/>
+              </p:ext>
+            </p:extLst>
+          </p:nvPr>
+        </p:nvGraphicFramePr>
+        <p:xfrm>
+          <a:off x="935525" y="2769671"/>
+          <a:ext cx="226768" cy="205171"/>
+        </p:xfrm>
+        <a:graphic>
+          <a:graphicData uri="http://schemas.openxmlformats.org/presentationml/2006/ole">
+            <mc:AlternateContent xmlns:mc="http://schemas.openxmlformats.org/markup-compatibility/2006">
+              <mc:Choice xmlns:v="urn:schemas-microsoft-com:vml" Requires="v">
+                <p:oleObj spid="_x0000_s9279" name="Equation" r:id="rId9" imgW="266400" imgH="241200" progId="Equation.DSMT4">
+                  <p:embed/>
+                </p:oleObj>
+              </mc:Choice>
+              <mc:Fallback>
+                <p:oleObj name="Equation" r:id="rId9" imgW="266400" imgH="241200" progId="Equation.DSMT4">
+                  <p:embed/>
+                  <p:pic>
+                    <p:nvPicPr>
+                      <p:cNvPr id="0" name=""/>
+                      <p:cNvPicPr/>
+                      <p:nvPr/>
+                    </p:nvPicPr>
+                    <p:blipFill>
+                      <a:blip r:embed="rId10"/>
+                      <a:stretch>
+                        <a:fillRect/>
+                      </a:stretch>
+                    </p:blipFill>
+                    <p:spPr>
+                      <a:xfrm>
+                        <a:off x="935525" y="2769671"/>
+                        <a:ext cx="226768" cy="205171"/>
+                      </a:xfrm>
+                      <a:prstGeom prst="rect">
+                        <a:avLst/>
+                      </a:prstGeom>
+                    </p:spPr>
+                  </p:pic>
+                </p:oleObj>
+              </mc:Fallback>
+            </mc:AlternateContent>
+          </a:graphicData>
+        </a:graphic>
+      </p:graphicFrame>
+      <p:graphicFrame>
+        <p:nvGraphicFramePr>
+          <p:cNvPr id="4" name="对象 3">
+            <a:extLst>
+              <a:ext uri="{FF2B5EF4-FFF2-40B4-BE49-F238E27FC236}">
+                <a16:creationId xmlns:a16="http://schemas.microsoft.com/office/drawing/2014/main" id="{725E4131-1714-43F8-9D40-1B3EB5039B1F}"/>
+              </a:ext>
+            </a:extLst>
+          </p:cNvPr>
+          <p:cNvGraphicFramePr>
+            <a:graphicFrameLocks noChangeAspect="1"/>
+          </p:cNvGraphicFramePr>
+          <p:nvPr>
+            <p:extLst>
+              <p:ext uri="{D42A27DB-BD31-4B8C-83A1-F6EECF244321}">
+                <p14:modId xmlns:p14="http://schemas.microsoft.com/office/powerpoint/2010/main" val="4159675465"/>
+              </p:ext>
+            </p:extLst>
+          </p:nvPr>
+        </p:nvGraphicFramePr>
+        <p:xfrm>
+          <a:off x="961600" y="2149794"/>
+          <a:ext cx="220632" cy="186688"/>
+        </p:xfrm>
+        <a:graphic>
+          <a:graphicData uri="http://schemas.openxmlformats.org/presentationml/2006/ole">
+            <mc:AlternateContent xmlns:mc="http://schemas.openxmlformats.org/markup-compatibility/2006">
+              <mc:Choice xmlns:v="urn:schemas-microsoft-com:vml" Requires="v">
+                <p:oleObj spid="_x0000_s9280" name="Equation" r:id="rId11" imgW="330120" imgH="279360" progId="Equation.DSMT4">
+                  <p:embed/>
+                </p:oleObj>
+              </mc:Choice>
+              <mc:Fallback>
+                <p:oleObj name="Equation" r:id="rId11" imgW="330120" imgH="279360" progId="Equation.DSMT4">
+                  <p:embed/>
+                  <p:pic>
+                    <p:nvPicPr>
+                      <p:cNvPr id="0" name=""/>
+                      <p:cNvPicPr/>
+                      <p:nvPr/>
+                    </p:nvPicPr>
+                    <p:blipFill>
+                      <a:blip r:embed="rId12"/>
+                      <a:stretch>
+                        <a:fillRect/>
+                      </a:stretch>
+                    </p:blipFill>
+                    <p:spPr>
+                      <a:xfrm>
+                        <a:off x="961600" y="2149794"/>
+                        <a:ext cx="220632" cy="186688"/>
+                      </a:xfrm>
+                      <a:prstGeom prst="rect">
+                        <a:avLst/>
+                      </a:prstGeom>
+                    </p:spPr>
+                  </p:pic>
+                </p:oleObj>
+              </mc:Fallback>
+            </mc:AlternateContent>
+          </a:graphicData>
+        </a:graphic>
+      </p:graphicFrame>
+      <p:sp>
+        <p:nvSpPr>
+          <p:cNvPr id="9" name="流程图: 接点 8">
+            <a:extLst>
+              <a:ext uri="{FF2B5EF4-FFF2-40B4-BE49-F238E27FC236}">
+                <a16:creationId xmlns:a16="http://schemas.microsoft.com/office/drawing/2014/main" id="{747B456C-D7EC-400B-8332-35A349B73E7B}"/>
+              </a:ext>
+            </a:extLst>
+          </p:cNvPr>
+          <p:cNvSpPr/>
+          <p:nvPr/>
+        </p:nvSpPr>
+        <p:spPr>
+          <a:xfrm>
+            <a:off x="4180627" y="1778355"/>
+            <a:ext cx="280416" cy="280416"/>
+          </a:xfrm>
+          <a:prstGeom prst="flowChartConnector">
+            <a:avLst/>
+          </a:prstGeom>
+          <a:noFill/>
+          <a:ln>
+            <a:solidFill>
+              <a:schemeClr val="tx1"/>
+            </a:solidFill>
+          </a:ln>
+        </p:spPr>
+        <p:style>
+          <a:lnRef idx="2">
+            <a:schemeClr val="accent1">
+              <a:shade val="50000"/>
+            </a:schemeClr>
+          </a:lnRef>
+          <a:fillRef idx="1">
+            <a:schemeClr val="accent1"/>
+          </a:fillRef>
+          <a:effectRef idx="0">
+            <a:schemeClr val="accent1"/>
+          </a:effectRef>
+          <a:fontRef idx="minor">
+            <a:schemeClr val="lt1"/>
+          </a:fontRef>
+        </p:style>
+        <p:txBody>
+          <a:bodyPr rtlCol="0" anchor="ctr"/>
+          <a:lstStyle/>
+          <a:p>
+            <a:pPr algn="ctr"/>
+            <a:endParaRPr lang="zh-CN" altLang="en-US"/>
+          </a:p>
+        </p:txBody>
+      </p:sp>
+      <p:cxnSp>
+        <p:nvCxnSpPr>
+          <p:cNvPr id="13" name="直接连接符 12">
+            <a:extLst>
+              <a:ext uri="{FF2B5EF4-FFF2-40B4-BE49-F238E27FC236}">
+                <a16:creationId xmlns:a16="http://schemas.microsoft.com/office/drawing/2014/main" id="{5461B263-58F3-4411-B792-39A042357CD0}"/>
+              </a:ext>
+            </a:extLst>
+          </p:cNvPr>
+          <p:cNvCxnSpPr>
+            <a:cxnSpLocks/>
+            <a:stCxn id="9" idx="1"/>
+            <a:endCxn id="9" idx="5"/>
+          </p:cNvCxnSpPr>
+          <p:nvPr/>
+        </p:nvCxnSpPr>
+        <p:spPr>
+          <a:xfrm>
+            <a:off x="4221693" y="1819421"/>
+            <a:ext cx="198284" cy="198284"/>
+          </a:xfrm>
+          <a:prstGeom prst="line">
+            <a:avLst/>
+          </a:prstGeom>
+          <a:ln>
+            <a:solidFill>
+              <a:schemeClr val="tx1"/>
+            </a:solidFill>
+          </a:ln>
+        </p:spPr>
+        <p:style>
+          <a:lnRef idx="1">
+            <a:schemeClr val="accent1"/>
+          </a:lnRef>
+          <a:fillRef idx="0">
+            <a:schemeClr val="accent1"/>
+          </a:fillRef>
+          <a:effectRef idx="0">
+            <a:schemeClr val="accent1"/>
+          </a:effectRef>
+          <a:fontRef idx="minor">
+            <a:schemeClr val="tx1"/>
+          </a:fontRef>
+        </p:style>
+      </p:cxnSp>
+      <p:cxnSp>
+        <p:nvCxnSpPr>
+          <p:cNvPr id="27" name="直接连接符 26">
+            <a:extLst>
+              <a:ext uri="{FF2B5EF4-FFF2-40B4-BE49-F238E27FC236}">
+                <a16:creationId xmlns:a16="http://schemas.microsoft.com/office/drawing/2014/main" id="{8C1016AC-D8EA-493A-9BA5-3C7E92F939A6}"/>
+              </a:ext>
+            </a:extLst>
+          </p:cNvPr>
+          <p:cNvCxnSpPr>
+            <a:cxnSpLocks/>
+            <a:stCxn id="9" idx="7"/>
+            <a:endCxn id="9" idx="3"/>
+          </p:cNvCxnSpPr>
+          <p:nvPr/>
+        </p:nvCxnSpPr>
+        <p:spPr>
+          <a:xfrm flipH="1">
+            <a:off x="4221693" y="1819421"/>
+            <a:ext cx="198284" cy="198284"/>
+          </a:xfrm>
+          <a:prstGeom prst="line">
+            <a:avLst/>
+          </a:prstGeom>
+          <a:ln>
+            <a:solidFill>
+              <a:schemeClr val="tx1"/>
+            </a:solidFill>
+          </a:ln>
+        </p:spPr>
+        <p:style>
+          <a:lnRef idx="1">
+            <a:schemeClr val="accent1"/>
+          </a:lnRef>
+          <a:fillRef idx="0">
+            <a:schemeClr val="accent1"/>
+          </a:fillRef>
+          <a:effectRef idx="0">
+            <a:schemeClr val="accent1"/>
+          </a:effectRef>
+          <a:fontRef idx="minor">
+            <a:schemeClr val="tx1"/>
+          </a:fontRef>
+        </p:style>
+      </p:cxnSp>
+      <p:cxnSp>
+        <p:nvCxnSpPr>
+          <p:cNvPr id="30" name="连接符: 肘形 29">
+            <a:extLst>
+              <a:ext uri="{FF2B5EF4-FFF2-40B4-BE49-F238E27FC236}">
+                <a16:creationId xmlns:a16="http://schemas.microsoft.com/office/drawing/2014/main" id="{D2F03E7F-0EB8-40BF-8EEF-FB9EE6AD041A}"/>
+              </a:ext>
+            </a:extLst>
+          </p:cNvPr>
+          <p:cNvCxnSpPr>
+            <a:stCxn id="7" idx="3"/>
+            <a:endCxn id="9" idx="0"/>
+          </p:cNvCxnSpPr>
+          <p:nvPr/>
+        </p:nvCxnSpPr>
+        <p:spPr>
+          <a:xfrm>
+            <a:off x="3411707" y="1622862"/>
+            <a:ext cx="909128" cy="155493"/>
+          </a:xfrm>
+          <a:prstGeom prst="bentConnector2">
+            <a:avLst/>
+          </a:prstGeom>
+          <a:ln>
+            <a:tailEnd type="triangle"/>
+          </a:ln>
+        </p:spPr>
+        <p:style>
+          <a:lnRef idx="3">
+            <a:schemeClr val="dk1"/>
+          </a:lnRef>
+          <a:fillRef idx="0">
+            <a:schemeClr val="dk1"/>
+          </a:fillRef>
+          <a:effectRef idx="2">
+            <a:schemeClr val="dk1"/>
+          </a:effectRef>
+          <a:fontRef idx="minor">
+            <a:schemeClr val="tx1"/>
+          </a:fontRef>
+        </p:style>
+      </p:cxnSp>
+      <p:cxnSp>
+        <p:nvCxnSpPr>
+          <p:cNvPr id="31" name="连接符: 肘形 30">
+            <a:extLst>
+              <a:ext uri="{FF2B5EF4-FFF2-40B4-BE49-F238E27FC236}">
+                <a16:creationId xmlns:a16="http://schemas.microsoft.com/office/drawing/2014/main" id="{09F5D89D-4210-4239-B1EF-2316478F8E00}"/>
+              </a:ext>
+            </a:extLst>
+          </p:cNvPr>
+          <p:cNvCxnSpPr>
+            <a:cxnSpLocks/>
+            <a:stCxn id="14" idx="3"/>
+            <a:endCxn id="9" idx="4"/>
+          </p:cNvCxnSpPr>
+          <p:nvPr/>
+        </p:nvCxnSpPr>
+        <p:spPr>
+          <a:xfrm flipV="1">
+            <a:off x="3411707" y="2058771"/>
+            <a:ext cx="909128" cy="185121"/>
+          </a:xfrm>
+          <a:prstGeom prst="bentConnector2">
+            <a:avLst/>
+          </a:prstGeom>
+          <a:ln>
+            <a:tailEnd type="triangle"/>
+          </a:ln>
+        </p:spPr>
+        <p:style>
+          <a:lnRef idx="3">
+            <a:schemeClr val="dk1"/>
+          </a:lnRef>
+          <a:fillRef idx="0">
+            <a:schemeClr val="dk1"/>
+          </a:fillRef>
+          <a:effectRef idx="2">
+            <a:schemeClr val="dk1"/>
+          </a:effectRef>
+          <a:fontRef idx="minor">
+            <a:schemeClr val="tx1"/>
+          </a:fontRef>
+        </p:style>
+      </p:cxnSp>
+      <p:sp>
+        <p:nvSpPr>
+          <p:cNvPr id="34" name="流程图: 接点 33">
+            <a:extLst>
+              <a:ext uri="{FF2B5EF4-FFF2-40B4-BE49-F238E27FC236}">
+                <a16:creationId xmlns:a16="http://schemas.microsoft.com/office/drawing/2014/main" id="{519C9B75-5A6A-4D96-B886-9F2AEEE84DFA}"/>
+              </a:ext>
+            </a:extLst>
+          </p:cNvPr>
+          <p:cNvSpPr/>
+          <p:nvPr/>
+        </p:nvSpPr>
+        <p:spPr>
+          <a:xfrm>
+            <a:off x="4180627" y="3019212"/>
+            <a:ext cx="280416" cy="280416"/>
+          </a:xfrm>
+          <a:prstGeom prst="flowChartConnector">
+            <a:avLst/>
+          </a:prstGeom>
+          <a:noFill/>
+          <a:ln>
+            <a:solidFill>
+              <a:schemeClr val="tx1"/>
+            </a:solidFill>
+          </a:ln>
+        </p:spPr>
+        <p:style>
+          <a:lnRef idx="2">
+            <a:schemeClr val="accent1">
+              <a:shade val="50000"/>
+            </a:schemeClr>
+          </a:lnRef>
+          <a:fillRef idx="1">
+            <a:schemeClr val="accent1"/>
+          </a:fillRef>
+          <a:effectRef idx="0">
+            <a:schemeClr val="accent1"/>
+          </a:effectRef>
+          <a:fontRef idx="minor">
+            <a:schemeClr val="lt1"/>
+          </a:fontRef>
+        </p:style>
+        <p:txBody>
+          <a:bodyPr rtlCol="0" anchor="ctr"/>
+          <a:lstStyle/>
+          <a:p>
+            <a:pPr algn="ctr"/>
+            <a:endParaRPr lang="zh-CN" altLang="en-US"/>
+          </a:p>
+        </p:txBody>
+      </p:sp>
+      <p:cxnSp>
+        <p:nvCxnSpPr>
+          <p:cNvPr id="35" name="直接连接符 34">
+            <a:extLst>
+              <a:ext uri="{FF2B5EF4-FFF2-40B4-BE49-F238E27FC236}">
+                <a16:creationId xmlns:a16="http://schemas.microsoft.com/office/drawing/2014/main" id="{944CEA08-2B3D-4BC9-8EB4-FF55EE8505E9}"/>
+              </a:ext>
+            </a:extLst>
+          </p:cNvPr>
+          <p:cNvCxnSpPr>
+            <a:cxnSpLocks/>
+            <a:stCxn id="34" idx="1"/>
+            <a:endCxn id="34" idx="5"/>
+          </p:cNvCxnSpPr>
+          <p:nvPr/>
+        </p:nvCxnSpPr>
+        <p:spPr>
+          <a:xfrm>
+            <a:off x="4221693" y="3060278"/>
+            <a:ext cx="198284" cy="198284"/>
+          </a:xfrm>
+          <a:prstGeom prst="line">
+            <a:avLst/>
+          </a:prstGeom>
+          <a:ln>
+            <a:solidFill>
+              <a:schemeClr val="tx1"/>
+            </a:solidFill>
+          </a:ln>
+        </p:spPr>
+        <p:style>
+          <a:lnRef idx="1">
+            <a:schemeClr val="accent1"/>
+          </a:lnRef>
+          <a:fillRef idx="0">
+            <a:schemeClr val="accent1"/>
+          </a:fillRef>
+          <a:effectRef idx="0">
+            <a:schemeClr val="accent1"/>
+          </a:effectRef>
+          <a:fontRef idx="minor">
+            <a:schemeClr val="tx1"/>
+          </a:fontRef>
+        </p:style>
+      </p:cxnSp>
+      <p:cxnSp>
+        <p:nvCxnSpPr>
+          <p:cNvPr id="36" name="直接连接符 35">
+            <a:extLst>
+              <a:ext uri="{FF2B5EF4-FFF2-40B4-BE49-F238E27FC236}">
+                <a16:creationId xmlns:a16="http://schemas.microsoft.com/office/drawing/2014/main" id="{635EF71C-138C-4BD3-ADCF-7B15C53E8D62}"/>
+              </a:ext>
+            </a:extLst>
+          </p:cNvPr>
+          <p:cNvCxnSpPr>
+            <a:cxnSpLocks/>
+            <a:stCxn id="34" idx="7"/>
+            <a:endCxn id="34" idx="3"/>
+          </p:cNvCxnSpPr>
+          <p:nvPr/>
+        </p:nvCxnSpPr>
+        <p:spPr>
+          <a:xfrm flipH="1">
+            <a:off x="4221693" y="3060278"/>
+            <a:ext cx="198284" cy="198284"/>
+          </a:xfrm>
+          <a:prstGeom prst="line">
+            <a:avLst/>
+          </a:prstGeom>
+          <a:ln>
+            <a:solidFill>
+              <a:schemeClr val="tx1"/>
+            </a:solidFill>
+          </a:ln>
+        </p:spPr>
+        <p:style>
+          <a:lnRef idx="1">
+            <a:schemeClr val="accent1"/>
+          </a:lnRef>
+          <a:fillRef idx="0">
+            <a:schemeClr val="accent1"/>
+          </a:fillRef>
+          <a:effectRef idx="0">
+            <a:schemeClr val="accent1"/>
+          </a:effectRef>
+          <a:fontRef idx="minor">
+            <a:schemeClr val="tx1"/>
+          </a:fontRef>
+        </p:style>
+      </p:cxnSp>
+      <p:cxnSp>
+        <p:nvCxnSpPr>
+          <p:cNvPr id="37" name="连接符: 肘形 36">
+            <a:extLst>
+              <a:ext uri="{FF2B5EF4-FFF2-40B4-BE49-F238E27FC236}">
+                <a16:creationId xmlns:a16="http://schemas.microsoft.com/office/drawing/2014/main" id="{25A261EF-0042-4727-807E-47BE531B8A8E}"/>
+              </a:ext>
+            </a:extLst>
+          </p:cNvPr>
+          <p:cNvCxnSpPr>
+            <a:cxnSpLocks/>
+            <a:stCxn id="17" idx="3"/>
+            <a:endCxn id="34" idx="0"/>
+          </p:cNvCxnSpPr>
+          <p:nvPr/>
+        </p:nvCxnSpPr>
+        <p:spPr>
+          <a:xfrm>
+            <a:off x="3411707" y="2864922"/>
+            <a:ext cx="909128" cy="154290"/>
+          </a:xfrm>
+          <a:prstGeom prst="bentConnector2">
+            <a:avLst/>
+          </a:prstGeom>
+          <a:ln>
+            <a:tailEnd type="triangle"/>
+          </a:ln>
+        </p:spPr>
+        <p:style>
+          <a:lnRef idx="3">
+            <a:schemeClr val="dk1"/>
+          </a:lnRef>
+          <a:fillRef idx="0">
+            <a:schemeClr val="dk1"/>
+          </a:fillRef>
+          <a:effectRef idx="2">
+            <a:schemeClr val="dk1"/>
+          </a:effectRef>
+          <a:fontRef idx="minor">
+            <a:schemeClr val="tx1"/>
+          </a:fontRef>
+        </p:style>
+      </p:cxnSp>
+      <p:cxnSp>
+        <p:nvCxnSpPr>
+          <p:cNvPr id="40" name="连接符: 肘形 39">
+            <a:extLst>
+              <a:ext uri="{FF2B5EF4-FFF2-40B4-BE49-F238E27FC236}">
+                <a16:creationId xmlns:a16="http://schemas.microsoft.com/office/drawing/2014/main" id="{BEB7BAC6-0168-4B68-B11B-5242EAA0E1C0}"/>
+              </a:ext>
+            </a:extLst>
+          </p:cNvPr>
+          <p:cNvCxnSpPr>
+            <a:cxnSpLocks/>
+            <a:stCxn id="19" idx="3"/>
+            <a:endCxn id="34" idx="4"/>
+          </p:cNvCxnSpPr>
+          <p:nvPr/>
+        </p:nvCxnSpPr>
+        <p:spPr>
+          <a:xfrm flipV="1">
+            <a:off x="3411707" y="3299628"/>
+            <a:ext cx="909128" cy="186324"/>
+          </a:xfrm>
+          <a:prstGeom prst="bentConnector2">
+            <a:avLst/>
+          </a:prstGeom>
+          <a:ln>
+            <a:tailEnd type="triangle"/>
+          </a:ln>
+        </p:spPr>
+        <p:style>
+          <a:lnRef idx="3">
+            <a:schemeClr val="dk1"/>
+          </a:lnRef>
+          <a:fillRef idx="0">
+            <a:schemeClr val="dk1"/>
+          </a:fillRef>
+          <a:effectRef idx="2">
+            <a:schemeClr val="dk1"/>
+          </a:effectRef>
+          <a:fontRef idx="minor">
+            <a:schemeClr val="tx1"/>
+          </a:fontRef>
+        </p:style>
+      </p:cxnSp>
+      <p:sp>
+        <p:nvSpPr>
+          <p:cNvPr id="43" name="矩形 42">
+            <a:extLst>
+              <a:ext uri="{FF2B5EF4-FFF2-40B4-BE49-F238E27FC236}">
+                <a16:creationId xmlns:a16="http://schemas.microsoft.com/office/drawing/2014/main" id="{D5FDAACA-F224-4676-B266-2D238C11DB78}"/>
+              </a:ext>
+            </a:extLst>
+          </p:cNvPr>
+          <p:cNvSpPr/>
+          <p:nvPr/>
+        </p:nvSpPr>
+        <p:spPr>
+          <a:xfrm>
+            <a:off x="4915161" y="1024983"/>
+            <a:ext cx="510280" cy="398585"/>
+          </a:xfrm>
+          <a:prstGeom prst="rect">
+            <a:avLst/>
+          </a:prstGeom>
+          <a:solidFill>
+            <a:schemeClr val="bg1"/>
+          </a:solidFill>
+        </p:spPr>
+        <p:style>
+          <a:lnRef idx="2">
+            <a:schemeClr val="accent1">
+              <a:shade val="50000"/>
+            </a:schemeClr>
+          </a:lnRef>
+          <a:fillRef idx="1">
+            <a:schemeClr val="accent1"/>
+          </a:fillRef>
+          <a:effectRef idx="0">
+            <a:schemeClr val="accent1"/>
+          </a:effectRef>
+          <a:fontRef idx="minor">
+            <a:schemeClr val="lt1"/>
+          </a:fontRef>
+        </p:style>
+        <p:txBody>
+          <a:bodyPr rtlCol="0" anchor="ctr"/>
+          <a:lstStyle/>
+          <a:p>
+            <a:pPr algn="ctr"/>
+            <a:endParaRPr lang="zh-CN" altLang="en-US" sz="800" dirty="0">
+              <a:solidFill>
+                <a:schemeClr val="tx1"/>
+              </a:solidFill>
+              <a:latin typeface="宋体" panose="02010600030101010101" pitchFamily="2" charset="-122"/>
+              <a:ea typeface="宋体" panose="02010600030101010101" pitchFamily="2" charset="-122"/>
+            </a:endParaRPr>
+          </a:p>
+        </p:txBody>
+      </p:sp>
+      <p:sp>
+        <p:nvSpPr>
+          <p:cNvPr id="44" name="流程图: 接点 43">
+            <a:extLst>
+              <a:ext uri="{FF2B5EF4-FFF2-40B4-BE49-F238E27FC236}">
+                <a16:creationId xmlns:a16="http://schemas.microsoft.com/office/drawing/2014/main" id="{4137BFF3-BB99-41F8-A975-B20A09BEB06E}"/>
+              </a:ext>
+            </a:extLst>
+          </p:cNvPr>
+          <p:cNvSpPr/>
+          <p:nvPr/>
+        </p:nvSpPr>
+        <p:spPr>
+          <a:xfrm>
+            <a:off x="6448339" y="1778355"/>
+            <a:ext cx="280416" cy="280416"/>
+          </a:xfrm>
+          <a:prstGeom prst="flowChartConnector">
+            <a:avLst/>
+          </a:prstGeom>
+          <a:noFill/>
+          <a:ln>
+            <a:solidFill>
+              <a:schemeClr val="tx1"/>
+            </a:solidFill>
+          </a:ln>
+        </p:spPr>
+        <p:style>
+          <a:lnRef idx="2">
+            <a:schemeClr val="accent1">
+              <a:shade val="50000"/>
+            </a:schemeClr>
+          </a:lnRef>
+          <a:fillRef idx="1">
+            <a:schemeClr val="accent1"/>
+          </a:fillRef>
+          <a:effectRef idx="0">
+            <a:schemeClr val="accent1"/>
+          </a:effectRef>
+          <a:fontRef idx="minor">
+            <a:schemeClr val="lt1"/>
+          </a:fontRef>
+        </p:style>
+        <p:txBody>
+          <a:bodyPr rtlCol="0" anchor="ctr"/>
+          <a:lstStyle/>
+          <a:p>
+            <a:pPr algn="ctr"/>
+            <a:endParaRPr lang="zh-CN" altLang="en-US"/>
+          </a:p>
+        </p:txBody>
+      </p:sp>
+      <p:cxnSp>
+        <p:nvCxnSpPr>
+          <p:cNvPr id="45" name="直接连接符 44">
+            <a:extLst>
+              <a:ext uri="{FF2B5EF4-FFF2-40B4-BE49-F238E27FC236}">
+                <a16:creationId xmlns:a16="http://schemas.microsoft.com/office/drawing/2014/main" id="{1801FCB0-9BCE-44AC-B386-E816CFE95CAC}"/>
+              </a:ext>
+            </a:extLst>
+          </p:cNvPr>
+          <p:cNvCxnSpPr>
+            <a:cxnSpLocks/>
+            <a:stCxn id="44" idx="1"/>
+            <a:endCxn id="44" idx="5"/>
+          </p:cNvCxnSpPr>
+          <p:nvPr/>
+        </p:nvCxnSpPr>
+        <p:spPr>
+          <a:xfrm>
+            <a:off x="6489405" y="1819421"/>
+            <a:ext cx="198284" cy="198284"/>
+          </a:xfrm>
+          <a:prstGeom prst="line">
+            <a:avLst/>
+          </a:prstGeom>
+          <a:ln>
+            <a:solidFill>
+              <a:schemeClr val="tx1"/>
+            </a:solidFill>
+          </a:ln>
+        </p:spPr>
+        <p:style>
+          <a:lnRef idx="1">
+            <a:schemeClr val="accent1"/>
+          </a:lnRef>
+          <a:fillRef idx="0">
+            <a:schemeClr val="accent1"/>
+          </a:fillRef>
+          <a:effectRef idx="0">
+            <a:schemeClr val="accent1"/>
+          </a:effectRef>
+          <a:fontRef idx="minor">
+            <a:schemeClr val="tx1"/>
+          </a:fontRef>
+        </p:style>
+      </p:cxnSp>
+      <p:cxnSp>
+        <p:nvCxnSpPr>
+          <p:cNvPr id="46" name="直接连接符 45">
+            <a:extLst>
+              <a:ext uri="{FF2B5EF4-FFF2-40B4-BE49-F238E27FC236}">
+                <a16:creationId xmlns:a16="http://schemas.microsoft.com/office/drawing/2014/main" id="{47845E7B-0AC2-4DB4-88BC-7BD71EDA389C}"/>
+              </a:ext>
+            </a:extLst>
+          </p:cNvPr>
+          <p:cNvCxnSpPr>
+            <a:cxnSpLocks/>
+            <a:stCxn id="44" idx="7"/>
+            <a:endCxn id="44" idx="3"/>
+          </p:cNvCxnSpPr>
+          <p:nvPr/>
+        </p:nvCxnSpPr>
+        <p:spPr>
+          <a:xfrm flipH="1">
+            <a:off x="6489405" y="1819421"/>
+            <a:ext cx="198284" cy="198284"/>
+          </a:xfrm>
+          <a:prstGeom prst="line">
+            <a:avLst/>
+          </a:prstGeom>
+          <a:ln>
+            <a:solidFill>
+              <a:schemeClr val="tx1"/>
+            </a:solidFill>
+          </a:ln>
+        </p:spPr>
+        <p:style>
+          <a:lnRef idx="1">
+            <a:schemeClr val="accent1"/>
+          </a:lnRef>
+          <a:fillRef idx="0">
+            <a:schemeClr val="accent1"/>
+          </a:fillRef>
+          <a:effectRef idx="0">
+            <a:schemeClr val="accent1"/>
+          </a:effectRef>
+          <a:fontRef idx="minor">
+            <a:schemeClr val="tx1"/>
+          </a:fontRef>
+        </p:style>
+      </p:cxnSp>
+      <p:sp>
+        <p:nvSpPr>
+          <p:cNvPr id="47" name="矩形 46">
+            <a:extLst>
+              <a:ext uri="{FF2B5EF4-FFF2-40B4-BE49-F238E27FC236}">
+                <a16:creationId xmlns:a16="http://schemas.microsoft.com/office/drawing/2014/main" id="{CD95C30F-D476-424A-BD77-051AC4FC6F67}"/>
+              </a:ext>
+            </a:extLst>
+          </p:cNvPr>
+          <p:cNvSpPr/>
+          <p:nvPr/>
+        </p:nvSpPr>
+        <p:spPr>
+          <a:xfrm>
+            <a:off x="5804284" y="1024982"/>
+            <a:ext cx="510280" cy="398585"/>
+          </a:xfrm>
+          <a:prstGeom prst="rect">
+            <a:avLst/>
+          </a:prstGeom>
+          <a:solidFill>
+            <a:schemeClr val="bg1"/>
+          </a:solidFill>
+        </p:spPr>
+        <p:style>
+          <a:lnRef idx="2">
+            <a:schemeClr val="accent1">
+              <a:shade val="50000"/>
+            </a:schemeClr>
+          </a:lnRef>
+          <a:fillRef idx="1">
+            <a:schemeClr val="accent1"/>
+          </a:fillRef>
+          <a:effectRef idx="0">
+            <a:schemeClr val="accent1"/>
+          </a:effectRef>
+          <a:fontRef idx="minor">
+            <a:schemeClr val="lt1"/>
+          </a:fontRef>
+        </p:style>
+        <p:txBody>
+          <a:bodyPr rtlCol="0" anchor="ctr"/>
+          <a:lstStyle/>
+          <a:p>
+            <a:pPr algn="ctr"/>
+            <a:endParaRPr lang="zh-CN" altLang="en-US" sz="800" dirty="0">
+              <a:solidFill>
+                <a:schemeClr val="tx1"/>
+              </a:solidFill>
+              <a:latin typeface="宋体" panose="02010600030101010101" pitchFamily="2" charset="-122"/>
+              <a:ea typeface="宋体" panose="02010600030101010101" pitchFamily="2" charset="-122"/>
+            </a:endParaRPr>
+          </a:p>
+        </p:txBody>
+      </p:sp>
+      <p:cxnSp>
+        <p:nvCxnSpPr>
+          <p:cNvPr id="49" name="直接箭头连接符 48">
+            <a:extLst>
+              <a:ext uri="{FF2B5EF4-FFF2-40B4-BE49-F238E27FC236}">
+                <a16:creationId xmlns:a16="http://schemas.microsoft.com/office/drawing/2014/main" id="{F53DADB9-BB9A-4F84-A9DE-93F893B3C96C}"/>
+              </a:ext>
+            </a:extLst>
+          </p:cNvPr>
+          <p:cNvCxnSpPr>
+            <a:stCxn id="9" idx="6"/>
+            <a:endCxn id="44" idx="2"/>
+          </p:cNvCxnSpPr>
+          <p:nvPr/>
+        </p:nvCxnSpPr>
+        <p:spPr>
+          <a:xfrm>
+            <a:off x="4461043" y="1918563"/>
+            <a:ext cx="1987296" cy="0"/>
+          </a:xfrm>
+          <a:prstGeom prst="straightConnector1">
+            <a:avLst/>
+          </a:prstGeom>
+          <a:ln>
+            <a:tailEnd type="triangle"/>
+          </a:ln>
+        </p:spPr>
+        <p:style>
+          <a:lnRef idx="3">
+            <a:schemeClr val="dk1"/>
+          </a:lnRef>
+          <a:fillRef idx="0">
+            <a:schemeClr val="dk1"/>
+          </a:fillRef>
+          <a:effectRef idx="2">
+            <a:schemeClr val="dk1"/>
+          </a:effectRef>
+          <a:fontRef idx="minor">
+            <a:schemeClr val="tx1"/>
+          </a:fontRef>
+        </p:style>
+      </p:cxnSp>
+      <p:cxnSp>
+        <p:nvCxnSpPr>
+          <p:cNvPr id="50" name="连接符: 肘形 49">
+            <a:extLst>
+              <a:ext uri="{FF2B5EF4-FFF2-40B4-BE49-F238E27FC236}">
+                <a16:creationId xmlns:a16="http://schemas.microsoft.com/office/drawing/2014/main" id="{BD7A53C0-1F30-4702-81AA-367475237E14}"/>
+              </a:ext>
+            </a:extLst>
+          </p:cNvPr>
+          <p:cNvCxnSpPr>
+            <a:cxnSpLocks/>
+            <a:endCxn id="43" idx="1"/>
+          </p:cNvCxnSpPr>
+          <p:nvPr/>
+        </p:nvCxnSpPr>
+        <p:spPr>
+          <a:xfrm rot="5400000" flipH="1" flipV="1">
+            <a:off x="4425139" y="1426378"/>
+            <a:ext cx="692124" cy="287920"/>
+          </a:xfrm>
+          <a:prstGeom prst="bentConnector2">
+            <a:avLst/>
+          </a:prstGeom>
+          <a:ln>
+            <a:tailEnd type="triangle"/>
+          </a:ln>
+        </p:spPr>
+        <p:style>
+          <a:lnRef idx="3">
+            <a:schemeClr val="dk1"/>
+          </a:lnRef>
+          <a:fillRef idx="0">
+            <a:schemeClr val="dk1"/>
+          </a:fillRef>
+          <a:effectRef idx="2">
+            <a:schemeClr val="dk1"/>
+          </a:effectRef>
+          <a:fontRef idx="minor">
+            <a:schemeClr val="tx1"/>
+          </a:fontRef>
+        </p:style>
+      </p:cxnSp>
+      <p:cxnSp>
+        <p:nvCxnSpPr>
+          <p:cNvPr id="53" name="直接箭头连接符 52">
+            <a:extLst>
+              <a:ext uri="{FF2B5EF4-FFF2-40B4-BE49-F238E27FC236}">
+                <a16:creationId xmlns:a16="http://schemas.microsoft.com/office/drawing/2014/main" id="{7E082EF9-6489-47B0-A266-11BE35A33028}"/>
+              </a:ext>
+            </a:extLst>
+          </p:cNvPr>
+          <p:cNvCxnSpPr>
+            <a:cxnSpLocks/>
+            <a:stCxn id="43" idx="3"/>
+            <a:endCxn id="47" idx="1"/>
+          </p:cNvCxnSpPr>
+          <p:nvPr/>
+        </p:nvCxnSpPr>
+        <p:spPr>
+          <a:xfrm flipV="1">
+            <a:off x="5425441" y="1224275"/>
+            <a:ext cx="378843" cy="1"/>
+          </a:xfrm>
+          <a:prstGeom prst="straightConnector1">
+            <a:avLst/>
+          </a:prstGeom>
+          <a:ln>
+            <a:tailEnd type="triangle"/>
+          </a:ln>
+        </p:spPr>
+        <p:style>
+          <a:lnRef idx="3">
+            <a:schemeClr val="dk1"/>
+          </a:lnRef>
+          <a:fillRef idx="0">
+            <a:schemeClr val="dk1"/>
+          </a:fillRef>
+          <a:effectRef idx="2">
+            <a:schemeClr val="dk1"/>
+          </a:effectRef>
+          <a:fontRef idx="minor">
+            <a:schemeClr val="tx1"/>
+          </a:fontRef>
+        </p:style>
+      </p:cxnSp>
+      <p:cxnSp>
+        <p:nvCxnSpPr>
+          <p:cNvPr id="56" name="连接符: 肘形 55">
+            <a:extLst>
+              <a:ext uri="{FF2B5EF4-FFF2-40B4-BE49-F238E27FC236}">
+                <a16:creationId xmlns:a16="http://schemas.microsoft.com/office/drawing/2014/main" id="{A2FE19C6-4BDD-4F7A-8986-1C9C6A1D3393}"/>
+              </a:ext>
+            </a:extLst>
+          </p:cNvPr>
+          <p:cNvCxnSpPr>
+            <a:cxnSpLocks/>
+            <a:stCxn id="47" idx="3"/>
+            <a:endCxn id="44" idx="0"/>
+          </p:cNvCxnSpPr>
+          <p:nvPr/>
+        </p:nvCxnSpPr>
+        <p:spPr>
+          <a:xfrm>
+            <a:off x="6314564" y="1224275"/>
+            <a:ext cx="273983" cy="554080"/>
+          </a:xfrm>
+          <a:prstGeom prst="bentConnector2">
+            <a:avLst/>
+          </a:prstGeom>
+          <a:ln>
+            <a:tailEnd type="triangle"/>
+          </a:ln>
+        </p:spPr>
+        <p:style>
+          <a:lnRef idx="3">
+            <a:schemeClr val="dk1"/>
+          </a:lnRef>
+          <a:fillRef idx="0">
+            <a:schemeClr val="dk1"/>
+          </a:fillRef>
+          <a:effectRef idx="2">
+            <a:schemeClr val="dk1"/>
+          </a:effectRef>
+          <a:fontRef idx="minor">
+            <a:schemeClr val="tx1"/>
+          </a:fontRef>
+        </p:style>
+      </p:cxnSp>
+      <p:sp>
+        <p:nvSpPr>
+          <p:cNvPr id="59" name="矩形 58">
+            <a:extLst>
+              <a:ext uri="{FF2B5EF4-FFF2-40B4-BE49-F238E27FC236}">
+                <a16:creationId xmlns:a16="http://schemas.microsoft.com/office/drawing/2014/main" id="{25E4B399-9A4F-476C-A19D-0DB8CA7BFB6D}"/>
+              </a:ext>
+            </a:extLst>
+          </p:cNvPr>
+          <p:cNvSpPr/>
+          <p:nvPr/>
+        </p:nvSpPr>
+        <p:spPr>
+          <a:xfrm>
+            <a:off x="7098827" y="1718112"/>
+            <a:ext cx="510280" cy="398585"/>
+          </a:xfrm>
+          <a:prstGeom prst="rect">
+            <a:avLst/>
+          </a:prstGeom>
+          <a:solidFill>
+            <a:schemeClr val="bg1"/>
+          </a:solidFill>
+        </p:spPr>
+        <p:style>
+          <a:lnRef idx="2">
+            <a:schemeClr val="accent1">
+              <a:shade val="50000"/>
+            </a:schemeClr>
+          </a:lnRef>
+          <a:fillRef idx="1">
+            <a:schemeClr val="accent1"/>
+          </a:fillRef>
+          <a:effectRef idx="0">
+            <a:schemeClr val="accent1"/>
+          </a:effectRef>
+          <a:fontRef idx="minor">
+            <a:schemeClr val="lt1"/>
+          </a:fontRef>
+        </p:style>
+        <p:txBody>
+          <a:bodyPr rtlCol="0" anchor="ctr"/>
+          <a:lstStyle/>
+          <a:p>
+            <a:pPr algn="ctr"/>
+            <a:endParaRPr lang="zh-CN" altLang="en-US" sz="800" dirty="0">
+              <a:solidFill>
+                <a:schemeClr val="tx1"/>
+              </a:solidFill>
+              <a:latin typeface="宋体" panose="02010600030101010101" pitchFamily="2" charset="-122"/>
+              <a:ea typeface="宋体" panose="02010600030101010101" pitchFamily="2" charset="-122"/>
+            </a:endParaRPr>
+          </a:p>
+        </p:txBody>
+      </p:sp>
+      <p:sp>
+        <p:nvSpPr>
+          <p:cNvPr id="60" name="矩形 59">
+            <a:extLst>
+              <a:ext uri="{FF2B5EF4-FFF2-40B4-BE49-F238E27FC236}">
+                <a16:creationId xmlns:a16="http://schemas.microsoft.com/office/drawing/2014/main" id="{466B8DCB-BE44-4F1C-94F0-A44C0833D84C}"/>
+              </a:ext>
+            </a:extLst>
+          </p:cNvPr>
+          <p:cNvSpPr/>
+          <p:nvPr/>
+        </p:nvSpPr>
+        <p:spPr>
+          <a:xfrm>
+            <a:off x="7987950" y="1718111"/>
+            <a:ext cx="510280" cy="398585"/>
+          </a:xfrm>
+          <a:prstGeom prst="rect">
+            <a:avLst/>
+          </a:prstGeom>
+          <a:solidFill>
+            <a:schemeClr val="bg1"/>
+          </a:solidFill>
+        </p:spPr>
+        <p:style>
+          <a:lnRef idx="2">
+            <a:schemeClr val="accent1">
+              <a:shade val="50000"/>
+            </a:schemeClr>
+          </a:lnRef>
+          <a:fillRef idx="1">
+            <a:schemeClr val="accent1"/>
+          </a:fillRef>
+          <a:effectRef idx="0">
+            <a:schemeClr val="accent1"/>
+          </a:effectRef>
+          <a:fontRef idx="minor">
+            <a:schemeClr val="lt1"/>
+          </a:fontRef>
+        </p:style>
+        <p:txBody>
+          <a:bodyPr rtlCol="0" anchor="ctr"/>
+          <a:lstStyle/>
+          <a:p>
+            <a:pPr algn="ctr"/>
+            <a:endParaRPr lang="zh-CN" altLang="en-US" sz="800" dirty="0">
+              <a:solidFill>
+                <a:schemeClr val="tx1"/>
+              </a:solidFill>
+              <a:latin typeface="宋体" panose="02010600030101010101" pitchFamily="2" charset="-122"/>
+              <a:ea typeface="宋体" panose="02010600030101010101" pitchFamily="2" charset="-122"/>
+            </a:endParaRPr>
+          </a:p>
+        </p:txBody>
+      </p:sp>
+      <p:cxnSp>
+        <p:nvCxnSpPr>
+          <p:cNvPr id="61" name="直接箭头连接符 60">
+            <a:extLst>
+              <a:ext uri="{FF2B5EF4-FFF2-40B4-BE49-F238E27FC236}">
+                <a16:creationId xmlns:a16="http://schemas.microsoft.com/office/drawing/2014/main" id="{D7963736-8494-4B99-968D-AF7FBEA1C0B2}"/>
+              </a:ext>
+            </a:extLst>
+          </p:cNvPr>
+          <p:cNvCxnSpPr>
+            <a:cxnSpLocks/>
+            <a:stCxn id="59" idx="3"/>
+            <a:endCxn id="60" idx="1"/>
+          </p:cNvCxnSpPr>
+          <p:nvPr/>
+        </p:nvCxnSpPr>
+        <p:spPr>
+          <a:xfrm flipV="1">
+            <a:off x="7609107" y="1917404"/>
+            <a:ext cx="378843" cy="1"/>
+          </a:xfrm>
+          <a:prstGeom prst="straightConnector1">
+            <a:avLst/>
+          </a:prstGeom>
+          <a:ln>
+            <a:tailEnd type="triangle"/>
+          </a:ln>
+        </p:spPr>
+        <p:style>
+          <a:lnRef idx="3">
+            <a:schemeClr val="dk1"/>
+          </a:lnRef>
+          <a:fillRef idx="0">
+            <a:schemeClr val="dk1"/>
+          </a:fillRef>
+          <a:effectRef idx="2">
+            <a:schemeClr val="dk1"/>
+          </a:effectRef>
+          <a:fontRef idx="minor">
+            <a:schemeClr val="tx1"/>
+          </a:fontRef>
+        </p:style>
+      </p:cxnSp>
+      <p:cxnSp>
+        <p:nvCxnSpPr>
+          <p:cNvPr id="62" name="直接箭头连接符 61">
+            <a:extLst>
+              <a:ext uri="{FF2B5EF4-FFF2-40B4-BE49-F238E27FC236}">
+                <a16:creationId xmlns:a16="http://schemas.microsoft.com/office/drawing/2014/main" id="{652B5DB8-8576-42F5-BF70-C7A6A27680F1}"/>
+              </a:ext>
+            </a:extLst>
+          </p:cNvPr>
+          <p:cNvCxnSpPr>
+            <a:cxnSpLocks/>
+            <a:stCxn id="44" idx="6"/>
+            <a:endCxn id="59" idx="1"/>
+          </p:cNvCxnSpPr>
+          <p:nvPr/>
+        </p:nvCxnSpPr>
+        <p:spPr>
+          <a:xfrm flipV="1">
+            <a:off x="6728755" y="1917405"/>
+            <a:ext cx="370072" cy="1158"/>
+          </a:xfrm>
+          <a:prstGeom prst="straightConnector1">
+            <a:avLst/>
+          </a:prstGeom>
+          <a:ln>
+            <a:tailEnd type="triangle"/>
+          </a:ln>
+        </p:spPr>
+        <p:style>
+          <a:lnRef idx="3">
+            <a:schemeClr val="dk1"/>
+          </a:lnRef>
+          <a:fillRef idx="0">
+            <a:schemeClr val="dk1"/>
+          </a:fillRef>
+          <a:effectRef idx="2">
+            <a:schemeClr val="dk1"/>
+          </a:effectRef>
+          <a:fontRef idx="minor">
+            <a:schemeClr val="tx1"/>
+          </a:fontRef>
+        </p:style>
+      </p:cxnSp>
+      <p:sp>
+        <p:nvSpPr>
+          <p:cNvPr id="65" name="流程图: 接点 64">
+            <a:extLst>
+              <a:ext uri="{FF2B5EF4-FFF2-40B4-BE49-F238E27FC236}">
+                <a16:creationId xmlns:a16="http://schemas.microsoft.com/office/drawing/2014/main" id="{45A4DACE-EA6D-4FD4-8278-8FC9114789A4}"/>
+              </a:ext>
+            </a:extLst>
+          </p:cNvPr>
+          <p:cNvSpPr/>
+          <p:nvPr/>
+        </p:nvSpPr>
+        <p:spPr>
+          <a:xfrm>
+            <a:off x="8707834" y="1778355"/>
+            <a:ext cx="280416" cy="280416"/>
+          </a:xfrm>
+          <a:prstGeom prst="flowChartConnector">
+            <a:avLst/>
+          </a:prstGeom>
+          <a:noFill/>
+          <a:ln>
+            <a:solidFill>
+              <a:schemeClr val="tx1"/>
+            </a:solidFill>
+          </a:ln>
+        </p:spPr>
+        <p:style>
+          <a:lnRef idx="2">
+            <a:schemeClr val="accent1">
+              <a:shade val="50000"/>
+            </a:schemeClr>
+          </a:lnRef>
+          <a:fillRef idx="1">
+            <a:schemeClr val="accent1"/>
+          </a:fillRef>
+          <a:effectRef idx="0">
+            <a:schemeClr val="accent1"/>
+          </a:effectRef>
+          <a:fontRef idx="minor">
+            <a:schemeClr val="lt1"/>
+          </a:fontRef>
+        </p:style>
+        <p:txBody>
+          <a:bodyPr rtlCol="0" anchor="ctr"/>
+          <a:lstStyle/>
+          <a:p>
+            <a:pPr algn="ctr"/>
+            <a:endParaRPr lang="zh-CN" altLang="en-US"/>
+          </a:p>
+        </p:txBody>
+      </p:sp>
+      <p:cxnSp>
+        <p:nvCxnSpPr>
+          <p:cNvPr id="66" name="直接连接符 65">
+            <a:extLst>
+              <a:ext uri="{FF2B5EF4-FFF2-40B4-BE49-F238E27FC236}">
+                <a16:creationId xmlns:a16="http://schemas.microsoft.com/office/drawing/2014/main" id="{B734B245-ECFB-479A-BD70-F3720AE7DAC2}"/>
+              </a:ext>
+            </a:extLst>
+          </p:cNvPr>
+          <p:cNvCxnSpPr>
+            <a:cxnSpLocks/>
+            <a:stCxn id="65" idx="1"/>
+            <a:endCxn id="65" idx="5"/>
+          </p:cNvCxnSpPr>
+          <p:nvPr/>
+        </p:nvCxnSpPr>
+        <p:spPr>
+          <a:xfrm>
+            <a:off x="8748900" y="1819421"/>
+            <a:ext cx="198284" cy="198284"/>
+          </a:xfrm>
+          <a:prstGeom prst="line">
+            <a:avLst/>
+          </a:prstGeom>
+          <a:ln>
+            <a:solidFill>
+              <a:schemeClr val="tx1"/>
+            </a:solidFill>
+          </a:ln>
+        </p:spPr>
+        <p:style>
+          <a:lnRef idx="1">
+            <a:schemeClr val="accent1"/>
+          </a:lnRef>
+          <a:fillRef idx="0">
+            <a:schemeClr val="accent1"/>
+          </a:fillRef>
+          <a:effectRef idx="0">
+            <a:schemeClr val="accent1"/>
+          </a:effectRef>
+          <a:fontRef idx="minor">
+            <a:schemeClr val="tx1"/>
+          </a:fontRef>
+        </p:style>
+      </p:cxnSp>
+      <p:cxnSp>
+        <p:nvCxnSpPr>
+          <p:cNvPr id="67" name="直接连接符 66">
+            <a:extLst>
+              <a:ext uri="{FF2B5EF4-FFF2-40B4-BE49-F238E27FC236}">
+                <a16:creationId xmlns:a16="http://schemas.microsoft.com/office/drawing/2014/main" id="{12F013D8-3F94-441E-A88F-0BAD2F810691}"/>
+              </a:ext>
+            </a:extLst>
+          </p:cNvPr>
+          <p:cNvCxnSpPr>
+            <a:cxnSpLocks/>
+            <a:stCxn id="65" idx="7"/>
+            <a:endCxn id="65" idx="3"/>
+          </p:cNvCxnSpPr>
+          <p:nvPr/>
+        </p:nvCxnSpPr>
+        <p:spPr>
+          <a:xfrm flipH="1">
+            <a:off x="8748900" y="1819421"/>
+            <a:ext cx="198284" cy="198284"/>
+          </a:xfrm>
+          <a:prstGeom prst="line">
+            <a:avLst/>
+          </a:prstGeom>
+          <a:ln>
+            <a:solidFill>
+              <a:schemeClr val="tx1"/>
+            </a:solidFill>
+          </a:ln>
+        </p:spPr>
+        <p:style>
+          <a:lnRef idx="1">
+            <a:schemeClr val="accent1"/>
+          </a:lnRef>
+          <a:fillRef idx="0">
+            <a:schemeClr val="accent1"/>
+          </a:fillRef>
+          <a:effectRef idx="0">
+            <a:schemeClr val="accent1"/>
+          </a:effectRef>
+          <a:fontRef idx="minor">
+            <a:schemeClr val="tx1"/>
+          </a:fontRef>
+        </p:style>
+      </p:cxnSp>
+      <p:cxnSp>
+        <p:nvCxnSpPr>
+          <p:cNvPr id="68" name="直接箭头连接符 67">
+            <a:extLst>
+              <a:ext uri="{FF2B5EF4-FFF2-40B4-BE49-F238E27FC236}">
+                <a16:creationId xmlns:a16="http://schemas.microsoft.com/office/drawing/2014/main" id="{BED63CF4-BD93-400B-97E6-B2217DA1783F}"/>
+              </a:ext>
+            </a:extLst>
+          </p:cNvPr>
+          <p:cNvCxnSpPr>
+            <a:cxnSpLocks/>
+            <a:stCxn id="60" idx="3"/>
+            <a:endCxn id="65" idx="2"/>
+          </p:cNvCxnSpPr>
+          <p:nvPr/>
+        </p:nvCxnSpPr>
+        <p:spPr>
+          <a:xfrm>
+            <a:off x="8498230" y="1917404"/>
+            <a:ext cx="209604" cy="1159"/>
+          </a:xfrm>
+          <a:prstGeom prst="straightConnector1">
+            <a:avLst/>
+          </a:prstGeom>
+          <a:ln>
+            <a:tailEnd type="triangle"/>
+          </a:ln>
+        </p:spPr>
+        <p:style>
+          <a:lnRef idx="3">
+            <a:schemeClr val="dk1"/>
+          </a:lnRef>
+          <a:fillRef idx="0">
+            <a:schemeClr val="dk1"/>
+          </a:fillRef>
+          <a:effectRef idx="2">
+            <a:schemeClr val="dk1"/>
+          </a:effectRef>
+          <a:fontRef idx="minor">
+            <a:schemeClr val="tx1"/>
+          </a:fontRef>
+        </p:style>
+      </p:cxnSp>
+      <p:sp>
+        <p:nvSpPr>
+          <p:cNvPr id="71" name="矩形 70">
+            <a:extLst>
+              <a:ext uri="{FF2B5EF4-FFF2-40B4-BE49-F238E27FC236}">
+                <a16:creationId xmlns:a16="http://schemas.microsoft.com/office/drawing/2014/main" id="{14575017-C377-43F9-B17C-2582A216CFC0}"/>
+              </a:ext>
+            </a:extLst>
+          </p:cNvPr>
+          <p:cNvSpPr/>
+          <p:nvPr/>
+        </p:nvSpPr>
+        <p:spPr>
+          <a:xfrm>
+            <a:off x="4972660" y="2960171"/>
+            <a:ext cx="510280" cy="398585"/>
+          </a:xfrm>
+          <a:prstGeom prst="rect">
+            <a:avLst/>
+          </a:prstGeom>
+          <a:solidFill>
+            <a:schemeClr val="bg1"/>
+          </a:solidFill>
+        </p:spPr>
+        <p:style>
+          <a:lnRef idx="2">
+            <a:schemeClr val="accent1">
+              <a:shade val="50000"/>
+            </a:schemeClr>
+          </a:lnRef>
+          <a:fillRef idx="1">
+            <a:schemeClr val="accent1"/>
+          </a:fillRef>
+          <a:effectRef idx="0">
+            <a:schemeClr val="accent1"/>
+          </a:effectRef>
+          <a:fontRef idx="minor">
+            <a:schemeClr val="lt1"/>
+          </a:fontRef>
+        </p:style>
+        <p:txBody>
+          <a:bodyPr rtlCol="0" anchor="ctr"/>
+          <a:lstStyle/>
+          <a:p>
+            <a:pPr algn="ctr"/>
+            <a:endParaRPr lang="zh-CN" altLang="en-US" sz="800" dirty="0">
+              <a:solidFill>
+                <a:schemeClr val="tx1"/>
+              </a:solidFill>
+              <a:latin typeface="宋体" panose="02010600030101010101" pitchFamily="2" charset="-122"/>
+              <a:ea typeface="宋体" panose="02010600030101010101" pitchFamily="2" charset="-122"/>
+            </a:endParaRPr>
+          </a:p>
+        </p:txBody>
+      </p:sp>
+      <p:cxnSp>
+        <p:nvCxnSpPr>
+          <p:cNvPr id="72" name="连接符: 肘形 71">
+            <a:extLst>
+              <a:ext uri="{FF2B5EF4-FFF2-40B4-BE49-F238E27FC236}">
+                <a16:creationId xmlns:a16="http://schemas.microsoft.com/office/drawing/2014/main" id="{12C63D97-4BEA-4DB6-8C3E-2E768C8E7DFC}"/>
+              </a:ext>
+            </a:extLst>
+          </p:cNvPr>
+          <p:cNvCxnSpPr>
+            <a:cxnSpLocks/>
+            <a:stCxn id="71" idx="3"/>
+            <a:endCxn id="44" idx="4"/>
+          </p:cNvCxnSpPr>
+          <p:nvPr/>
+        </p:nvCxnSpPr>
+        <p:spPr>
+          <a:xfrm flipV="1">
+            <a:off x="5482940" y="2058771"/>
+            <a:ext cx="1105607" cy="1100693"/>
+          </a:xfrm>
+          <a:prstGeom prst="bentConnector2">
+            <a:avLst/>
+          </a:prstGeom>
+          <a:ln>
+            <a:tailEnd type="triangle"/>
+          </a:ln>
+        </p:spPr>
+        <p:style>
+          <a:lnRef idx="3">
+            <a:schemeClr val="dk1"/>
+          </a:lnRef>
+          <a:fillRef idx="0">
+            <a:schemeClr val="dk1"/>
+          </a:fillRef>
+          <a:effectRef idx="2">
+            <a:schemeClr val="dk1"/>
+          </a:effectRef>
+          <a:fontRef idx="minor">
+            <a:schemeClr val="tx1"/>
+          </a:fontRef>
+        </p:style>
+      </p:cxnSp>
+      <p:cxnSp>
+        <p:nvCxnSpPr>
+          <p:cNvPr id="73" name="直接箭头连接符 72">
+            <a:extLst>
+              <a:ext uri="{FF2B5EF4-FFF2-40B4-BE49-F238E27FC236}">
+                <a16:creationId xmlns:a16="http://schemas.microsoft.com/office/drawing/2014/main" id="{24AF95E9-AC1A-421A-B58D-0B10FB4EE3A3}"/>
+              </a:ext>
+            </a:extLst>
+          </p:cNvPr>
+          <p:cNvCxnSpPr>
+            <a:cxnSpLocks/>
+            <a:stCxn id="34" idx="6"/>
+            <a:endCxn id="71" idx="1"/>
+          </p:cNvCxnSpPr>
+          <p:nvPr/>
+        </p:nvCxnSpPr>
+        <p:spPr>
+          <a:xfrm>
+            <a:off x="4461043" y="3159420"/>
+            <a:ext cx="511617" cy="44"/>
+          </a:xfrm>
+          <a:prstGeom prst="straightConnector1">
+            <a:avLst/>
+          </a:prstGeom>
+          <a:ln>
+            <a:tailEnd type="triangle"/>
+          </a:ln>
+        </p:spPr>
+        <p:style>
+          <a:lnRef idx="3">
+            <a:schemeClr val="dk1"/>
+          </a:lnRef>
+          <a:fillRef idx="0">
+            <a:schemeClr val="dk1"/>
+          </a:fillRef>
+          <a:effectRef idx="2">
+            <a:schemeClr val="dk1"/>
+          </a:effectRef>
+          <a:fontRef idx="minor">
+            <a:schemeClr val="tx1"/>
+          </a:fontRef>
+        </p:style>
+      </p:cxnSp>
+      <p:sp>
+        <p:nvSpPr>
+          <p:cNvPr id="77" name="矩形 76">
+            <a:extLst>
+              <a:ext uri="{FF2B5EF4-FFF2-40B4-BE49-F238E27FC236}">
+                <a16:creationId xmlns:a16="http://schemas.microsoft.com/office/drawing/2014/main" id="{D527B9E5-2474-4409-A6FB-1BDE0D62CA0D}"/>
+              </a:ext>
+            </a:extLst>
+          </p:cNvPr>
+          <p:cNvSpPr/>
+          <p:nvPr/>
+        </p:nvSpPr>
+        <p:spPr>
+          <a:xfrm>
+            <a:off x="5804284" y="3285270"/>
+            <a:ext cx="974467" cy="398585"/>
+          </a:xfrm>
+          <a:prstGeom prst="rect">
+            <a:avLst/>
+          </a:prstGeom>
+          <a:solidFill>
+            <a:schemeClr val="bg1"/>
+          </a:solidFill>
+        </p:spPr>
+        <p:style>
+          <a:lnRef idx="2">
+            <a:schemeClr val="accent1">
+              <a:shade val="50000"/>
+            </a:schemeClr>
+          </a:lnRef>
+          <a:fillRef idx="1">
+            <a:schemeClr val="accent1"/>
+          </a:fillRef>
+          <a:effectRef idx="0">
+            <a:schemeClr val="accent1"/>
+          </a:effectRef>
+          <a:fontRef idx="minor">
+            <a:schemeClr val="lt1"/>
+          </a:fontRef>
+        </p:style>
+        <p:txBody>
+          <a:bodyPr rtlCol="0" anchor="ctr"/>
+          <a:lstStyle/>
+          <a:p>
+            <a:pPr algn="ctr"/>
+            <a:endParaRPr lang="zh-CN" altLang="en-US" sz="800" dirty="0">
+              <a:solidFill>
+                <a:schemeClr val="tx1"/>
+              </a:solidFill>
+              <a:latin typeface="宋体" panose="02010600030101010101" pitchFamily="2" charset="-122"/>
+              <a:ea typeface="宋体" panose="02010600030101010101" pitchFamily="2" charset="-122"/>
+            </a:endParaRPr>
+          </a:p>
+        </p:txBody>
+      </p:sp>
+      <p:cxnSp>
+        <p:nvCxnSpPr>
+          <p:cNvPr id="78" name="直接箭头连接符 77">
+            <a:extLst>
+              <a:ext uri="{FF2B5EF4-FFF2-40B4-BE49-F238E27FC236}">
+                <a16:creationId xmlns:a16="http://schemas.microsoft.com/office/drawing/2014/main" id="{32999343-E8BA-44DB-8015-C53BA71BE655}"/>
+              </a:ext>
+            </a:extLst>
+          </p:cNvPr>
+          <p:cNvCxnSpPr>
+            <a:cxnSpLocks/>
+            <a:stCxn id="19" idx="3"/>
+            <a:endCxn id="77" idx="1"/>
+          </p:cNvCxnSpPr>
+          <p:nvPr/>
+        </p:nvCxnSpPr>
+        <p:spPr>
+          <a:xfrm flipV="1">
+            <a:off x="3411707" y="3484563"/>
+            <a:ext cx="2392577" cy="1389"/>
+          </a:xfrm>
+          <a:prstGeom prst="straightConnector1">
+            <a:avLst/>
+          </a:prstGeom>
+          <a:ln>
+            <a:tailEnd type="triangle"/>
+          </a:ln>
+        </p:spPr>
+        <p:style>
+          <a:lnRef idx="3">
+            <a:schemeClr val="dk1"/>
+          </a:lnRef>
+          <a:fillRef idx="0">
+            <a:schemeClr val="dk1"/>
+          </a:fillRef>
+          <a:effectRef idx="2">
+            <a:schemeClr val="dk1"/>
+          </a:effectRef>
+          <a:fontRef idx="minor">
+            <a:schemeClr val="tx1"/>
+          </a:fontRef>
+        </p:style>
+      </p:cxnSp>
+      <p:sp>
+        <p:nvSpPr>
+          <p:cNvPr id="81" name="矩形 80">
+            <a:extLst>
+              <a:ext uri="{FF2B5EF4-FFF2-40B4-BE49-F238E27FC236}">
+                <a16:creationId xmlns:a16="http://schemas.microsoft.com/office/drawing/2014/main" id="{95656523-09FA-4798-A78C-91B4D9B771C8}"/>
+              </a:ext>
+            </a:extLst>
+          </p:cNvPr>
+          <p:cNvSpPr/>
+          <p:nvPr/>
+        </p:nvSpPr>
+        <p:spPr>
+          <a:xfrm>
+            <a:off x="6026185" y="3883148"/>
+            <a:ext cx="510280" cy="398585"/>
+          </a:xfrm>
+          <a:prstGeom prst="rect">
+            <a:avLst/>
+          </a:prstGeom>
+          <a:solidFill>
+            <a:schemeClr val="bg1"/>
+          </a:solidFill>
+        </p:spPr>
+        <p:style>
+          <a:lnRef idx="2">
+            <a:schemeClr val="accent1">
+              <a:shade val="50000"/>
+            </a:schemeClr>
+          </a:lnRef>
+          <a:fillRef idx="1">
+            <a:schemeClr val="accent1"/>
+          </a:fillRef>
+          <a:effectRef idx="0">
+            <a:schemeClr val="accent1"/>
+          </a:effectRef>
+          <a:fontRef idx="minor">
+            <a:schemeClr val="lt1"/>
+          </a:fontRef>
+        </p:style>
+        <p:txBody>
+          <a:bodyPr rtlCol="0" anchor="ctr"/>
+          <a:lstStyle/>
+          <a:p>
+            <a:pPr algn="ctr"/>
+            <a:endParaRPr lang="zh-CN" altLang="en-US" sz="800" dirty="0">
+              <a:solidFill>
+                <a:schemeClr val="tx1"/>
+              </a:solidFill>
+              <a:latin typeface="宋体" panose="02010600030101010101" pitchFamily="2" charset="-122"/>
+              <a:ea typeface="宋体" panose="02010600030101010101" pitchFamily="2" charset="-122"/>
+            </a:endParaRPr>
+          </a:p>
+        </p:txBody>
+      </p:sp>
+      <p:cxnSp>
+        <p:nvCxnSpPr>
+          <p:cNvPr id="86" name="直接箭头连接符 85">
+            <a:extLst>
+              <a:ext uri="{FF2B5EF4-FFF2-40B4-BE49-F238E27FC236}">
+                <a16:creationId xmlns:a16="http://schemas.microsoft.com/office/drawing/2014/main" id="{C8901C17-69E0-4297-B233-AB775576958D}"/>
+              </a:ext>
+            </a:extLst>
+          </p:cNvPr>
+          <p:cNvCxnSpPr>
+            <a:cxnSpLocks/>
+            <a:stCxn id="81" idx="0"/>
+            <a:endCxn id="77" idx="2"/>
+          </p:cNvCxnSpPr>
+          <p:nvPr/>
+        </p:nvCxnSpPr>
+        <p:spPr>
+          <a:xfrm flipV="1">
+            <a:off x="6281325" y="3683855"/>
+            <a:ext cx="10193" cy="199293"/>
+          </a:xfrm>
+          <a:prstGeom prst="straightConnector1">
+            <a:avLst/>
+          </a:prstGeom>
+          <a:ln>
+            <a:tailEnd type="triangle"/>
+          </a:ln>
+        </p:spPr>
+        <p:style>
+          <a:lnRef idx="3">
+            <a:schemeClr val="dk1"/>
+          </a:lnRef>
+          <a:fillRef idx="0">
+            <a:schemeClr val="dk1"/>
+          </a:fillRef>
+          <a:effectRef idx="2">
+            <a:schemeClr val="dk1"/>
+          </a:effectRef>
+          <a:fontRef idx="minor">
+            <a:schemeClr val="tx1"/>
+          </a:fontRef>
+        </p:style>
+      </p:cxnSp>
+      <p:cxnSp>
+        <p:nvCxnSpPr>
+          <p:cNvPr id="89" name="连接符: 肘形 88">
+            <a:extLst>
+              <a:ext uri="{FF2B5EF4-FFF2-40B4-BE49-F238E27FC236}">
+                <a16:creationId xmlns:a16="http://schemas.microsoft.com/office/drawing/2014/main" id="{EBDAD858-CD4E-4E84-AA2A-BE1CBFB7497A}"/>
+              </a:ext>
+            </a:extLst>
+          </p:cNvPr>
+          <p:cNvCxnSpPr>
+            <a:cxnSpLocks/>
+            <a:stCxn id="77" idx="3"/>
+            <a:endCxn id="65" idx="4"/>
+          </p:cNvCxnSpPr>
+          <p:nvPr/>
+        </p:nvCxnSpPr>
+        <p:spPr>
+          <a:xfrm flipV="1">
+            <a:off x="6778751" y="2058771"/>
+            <a:ext cx="2069291" cy="1425792"/>
+          </a:xfrm>
+          <a:prstGeom prst="bentConnector2">
+            <a:avLst/>
+          </a:prstGeom>
+          <a:ln>
+            <a:tailEnd type="triangle"/>
+          </a:ln>
+        </p:spPr>
+        <p:style>
+          <a:lnRef idx="3">
+            <a:schemeClr val="dk1"/>
+          </a:lnRef>
+          <a:fillRef idx="0">
+            <a:schemeClr val="dk1"/>
+          </a:fillRef>
+          <a:effectRef idx="2">
+            <a:schemeClr val="dk1"/>
+          </a:effectRef>
+          <a:fontRef idx="minor">
+            <a:schemeClr val="tx1"/>
+          </a:fontRef>
+        </p:style>
+      </p:cxnSp>
+      <p:cxnSp>
+        <p:nvCxnSpPr>
+          <p:cNvPr id="95" name="直接箭头连接符 94">
+            <a:extLst>
+              <a:ext uri="{FF2B5EF4-FFF2-40B4-BE49-F238E27FC236}">
+                <a16:creationId xmlns:a16="http://schemas.microsoft.com/office/drawing/2014/main" id="{133701A6-F320-496F-98C0-906180D97FE1}"/>
+              </a:ext>
+            </a:extLst>
+          </p:cNvPr>
+          <p:cNvCxnSpPr>
+            <a:cxnSpLocks/>
+            <a:stCxn id="65" idx="6"/>
+          </p:cNvCxnSpPr>
+          <p:nvPr/>
+        </p:nvCxnSpPr>
+        <p:spPr>
+          <a:xfrm flipV="1">
+            <a:off x="8988250" y="1915243"/>
+            <a:ext cx="414900" cy="3320"/>
+          </a:xfrm>
+          <a:prstGeom prst="straightConnector1">
+            <a:avLst/>
+          </a:prstGeom>
+          <a:ln>
+            <a:tailEnd type="triangle"/>
+          </a:ln>
+        </p:spPr>
+        <p:style>
+          <a:lnRef idx="3">
+            <a:schemeClr val="dk1"/>
+          </a:lnRef>
+          <a:fillRef idx="0">
+            <a:schemeClr val="dk1"/>
+          </a:fillRef>
+          <a:effectRef idx="2">
+            <a:schemeClr val="dk1"/>
+          </a:effectRef>
+          <a:fontRef idx="minor">
+            <a:schemeClr val="tx1"/>
+          </a:fontRef>
+        </p:style>
+      </p:cxnSp>
+      <p:cxnSp>
+        <p:nvCxnSpPr>
+          <p:cNvPr id="97" name="连接符: 肘形 96">
+            <a:extLst>
+              <a:ext uri="{FF2B5EF4-FFF2-40B4-BE49-F238E27FC236}">
+                <a16:creationId xmlns:a16="http://schemas.microsoft.com/office/drawing/2014/main" id="{EAC39DA1-5882-4D6C-83C3-5E8739078A83}"/>
+              </a:ext>
+            </a:extLst>
+          </p:cNvPr>
+          <p:cNvCxnSpPr>
+            <a:cxnSpLocks/>
+            <a:stCxn id="5" idx="3"/>
+            <a:endCxn id="6" idx="0"/>
+          </p:cNvCxnSpPr>
+          <p:nvPr/>
+        </p:nvCxnSpPr>
+        <p:spPr>
+          <a:xfrm>
+            <a:off x="1470500" y="2243892"/>
+            <a:ext cx="540901" cy="111661"/>
+          </a:xfrm>
+          <a:prstGeom prst="bentConnector2">
+            <a:avLst/>
+          </a:prstGeom>
+          <a:ln>
+            <a:tailEnd type="triangle"/>
+          </a:ln>
+        </p:spPr>
+        <p:style>
+          <a:lnRef idx="3">
+            <a:schemeClr val="dk1"/>
+          </a:lnRef>
+          <a:fillRef idx="0">
+            <a:schemeClr val="dk1"/>
+          </a:fillRef>
+          <a:effectRef idx="2">
+            <a:schemeClr val="dk1"/>
+          </a:effectRef>
+          <a:fontRef idx="minor">
+            <a:schemeClr val="tx1"/>
+          </a:fontRef>
+        </p:style>
+      </p:cxnSp>
+      <p:cxnSp>
+        <p:nvCxnSpPr>
+          <p:cNvPr id="100" name="连接符: 肘形 99">
+            <a:extLst>
+              <a:ext uri="{FF2B5EF4-FFF2-40B4-BE49-F238E27FC236}">
+                <a16:creationId xmlns:a16="http://schemas.microsoft.com/office/drawing/2014/main" id="{6D0DFDB4-AB3B-4ED6-BF10-743A32C5B51B}"/>
+              </a:ext>
+            </a:extLst>
+          </p:cNvPr>
+          <p:cNvCxnSpPr>
+            <a:cxnSpLocks/>
+            <a:stCxn id="12" idx="3"/>
+            <a:endCxn id="6" idx="2"/>
+          </p:cNvCxnSpPr>
+          <p:nvPr/>
+        </p:nvCxnSpPr>
+        <p:spPr>
+          <a:xfrm flipV="1">
+            <a:off x="1447494" y="2754138"/>
+            <a:ext cx="563907" cy="110784"/>
+          </a:xfrm>
+          <a:prstGeom prst="bentConnector2">
+            <a:avLst/>
+          </a:prstGeom>
+          <a:ln>
+            <a:tailEnd type="triangle"/>
+          </a:ln>
+        </p:spPr>
+        <p:style>
+          <a:lnRef idx="3">
+            <a:schemeClr val="dk1"/>
+          </a:lnRef>
+          <a:fillRef idx="0">
+            <a:schemeClr val="dk1"/>
+          </a:fillRef>
+          <a:effectRef idx="2">
+            <a:schemeClr val="dk1"/>
+          </a:effectRef>
+          <a:fontRef idx="minor">
+            <a:schemeClr val="tx1"/>
+          </a:fontRef>
+        </p:style>
+      </p:cxnSp>
+      <p:cxnSp>
+        <p:nvCxnSpPr>
+          <p:cNvPr id="103" name="连接符: 肘形 102">
+            <a:extLst>
+              <a:ext uri="{FF2B5EF4-FFF2-40B4-BE49-F238E27FC236}">
+                <a16:creationId xmlns:a16="http://schemas.microsoft.com/office/drawing/2014/main" id="{3CA126FB-CDF6-41AC-A129-0421118BA794}"/>
+              </a:ext>
+            </a:extLst>
+          </p:cNvPr>
+          <p:cNvCxnSpPr>
+            <a:cxnSpLocks/>
+            <a:stCxn id="6" idx="3"/>
+            <a:endCxn id="7" idx="1"/>
+          </p:cNvCxnSpPr>
+          <p:nvPr/>
+        </p:nvCxnSpPr>
+        <p:spPr>
+          <a:xfrm flipV="1">
+            <a:off x="2409985" y="1622862"/>
+            <a:ext cx="204553" cy="931984"/>
+          </a:xfrm>
+          <a:prstGeom prst="bentConnector3">
+            <a:avLst>
+              <a:gd name="adj1" fmla="val 50000"/>
+            </a:avLst>
+          </a:prstGeom>
+          <a:ln>
+            <a:tailEnd type="triangle"/>
+          </a:ln>
+        </p:spPr>
+        <p:style>
+          <a:lnRef idx="3">
+            <a:schemeClr val="dk1"/>
+          </a:lnRef>
+          <a:fillRef idx="0">
+            <a:schemeClr val="dk1"/>
+          </a:fillRef>
+          <a:effectRef idx="2">
+            <a:schemeClr val="dk1"/>
+          </a:effectRef>
+          <a:fontRef idx="minor">
+            <a:schemeClr val="tx1"/>
+          </a:fontRef>
+        </p:style>
+      </p:cxnSp>
+      <p:cxnSp>
+        <p:nvCxnSpPr>
+          <p:cNvPr id="106" name="连接符: 肘形 105">
+            <a:extLst>
+              <a:ext uri="{FF2B5EF4-FFF2-40B4-BE49-F238E27FC236}">
+                <a16:creationId xmlns:a16="http://schemas.microsoft.com/office/drawing/2014/main" id="{4747EC9C-6DDE-4792-8B50-8C2F5F4AAA76}"/>
+              </a:ext>
+            </a:extLst>
+          </p:cNvPr>
+          <p:cNvCxnSpPr>
+            <a:cxnSpLocks/>
+            <a:stCxn id="6" idx="3"/>
+            <a:endCxn id="14" idx="1"/>
+          </p:cNvCxnSpPr>
+          <p:nvPr/>
+        </p:nvCxnSpPr>
+        <p:spPr>
+          <a:xfrm flipV="1">
+            <a:off x="2409985" y="2243892"/>
+            <a:ext cx="204553" cy="310954"/>
+          </a:xfrm>
+          <a:prstGeom prst="bentConnector3">
+            <a:avLst>
+              <a:gd name="adj1" fmla="val 50000"/>
+            </a:avLst>
+          </a:prstGeom>
+          <a:ln>
+            <a:tailEnd type="triangle"/>
+          </a:ln>
+        </p:spPr>
+        <p:style>
+          <a:lnRef idx="3">
+            <a:schemeClr val="dk1"/>
+          </a:lnRef>
+          <a:fillRef idx="0">
+            <a:schemeClr val="dk1"/>
+          </a:fillRef>
+          <a:effectRef idx="2">
+            <a:schemeClr val="dk1"/>
+          </a:effectRef>
+          <a:fontRef idx="minor">
+            <a:schemeClr val="tx1"/>
+          </a:fontRef>
+        </p:style>
+      </p:cxnSp>
+      <p:cxnSp>
+        <p:nvCxnSpPr>
+          <p:cNvPr id="109" name="连接符: 肘形 108">
+            <a:extLst>
+              <a:ext uri="{FF2B5EF4-FFF2-40B4-BE49-F238E27FC236}">
+                <a16:creationId xmlns:a16="http://schemas.microsoft.com/office/drawing/2014/main" id="{0EB6D8AD-5284-4071-A1D0-4839168FBCC8}"/>
+              </a:ext>
+            </a:extLst>
+          </p:cNvPr>
+          <p:cNvCxnSpPr>
+            <a:cxnSpLocks/>
+            <a:stCxn id="6" idx="3"/>
+            <a:endCxn id="19" idx="1"/>
+          </p:cNvCxnSpPr>
+          <p:nvPr/>
+        </p:nvCxnSpPr>
+        <p:spPr>
+          <a:xfrm>
+            <a:off x="2409985" y="2554846"/>
+            <a:ext cx="204553" cy="931106"/>
+          </a:xfrm>
+          <a:prstGeom prst="bentConnector3">
+            <a:avLst>
+              <a:gd name="adj1" fmla="val 50000"/>
+            </a:avLst>
+          </a:prstGeom>
+          <a:ln>
+            <a:tailEnd type="triangle"/>
+          </a:ln>
+        </p:spPr>
+        <p:style>
+          <a:lnRef idx="3">
+            <a:schemeClr val="dk1"/>
+          </a:lnRef>
+          <a:fillRef idx="0">
+            <a:schemeClr val="dk1"/>
+          </a:fillRef>
+          <a:effectRef idx="2">
+            <a:schemeClr val="dk1"/>
+          </a:effectRef>
+          <a:fontRef idx="minor">
+            <a:schemeClr val="tx1"/>
+          </a:fontRef>
+        </p:style>
+      </p:cxnSp>
+      <p:cxnSp>
+        <p:nvCxnSpPr>
+          <p:cNvPr id="110" name="连接符: 肘形 109">
+            <a:extLst>
+              <a:ext uri="{FF2B5EF4-FFF2-40B4-BE49-F238E27FC236}">
+                <a16:creationId xmlns:a16="http://schemas.microsoft.com/office/drawing/2014/main" id="{A53FF7BF-6FF4-45AA-BBBF-84C1B5331AC9}"/>
+              </a:ext>
+            </a:extLst>
+          </p:cNvPr>
+          <p:cNvCxnSpPr>
+            <a:cxnSpLocks/>
+            <a:stCxn id="6" idx="3"/>
+            <a:endCxn id="17" idx="1"/>
+          </p:cNvCxnSpPr>
+          <p:nvPr/>
+        </p:nvCxnSpPr>
+        <p:spPr>
+          <a:xfrm>
+            <a:off x="2409985" y="2554846"/>
+            <a:ext cx="204553" cy="310076"/>
+          </a:xfrm>
+          <a:prstGeom prst="bentConnector3">
+            <a:avLst>
+              <a:gd name="adj1" fmla="val 50000"/>
+            </a:avLst>
+          </a:prstGeom>
+          <a:ln>
+            <a:tailEnd type="triangle"/>
+          </a:ln>
+        </p:spPr>
+        <p:style>
+          <a:lnRef idx="3">
+            <a:schemeClr val="dk1"/>
+          </a:lnRef>
+          <a:fillRef idx="0">
+            <a:schemeClr val="dk1"/>
+          </a:fillRef>
+          <a:effectRef idx="2">
+            <a:schemeClr val="dk1"/>
+          </a:effectRef>
+          <a:fontRef idx="minor">
+            <a:schemeClr val="tx1"/>
+          </a:fontRef>
+        </p:style>
+      </p:cxnSp>
+      <p:graphicFrame>
+        <p:nvGraphicFramePr>
+          <p:cNvPr id="117" name="对象 116">
+            <a:extLst>
+              <a:ext uri="{FF2B5EF4-FFF2-40B4-BE49-F238E27FC236}">
+                <a16:creationId xmlns:a16="http://schemas.microsoft.com/office/drawing/2014/main" id="{51E4D38F-B196-4B46-AF99-47DB5DD9FA50}"/>
+              </a:ext>
+            </a:extLst>
+          </p:cNvPr>
+          <p:cNvGraphicFramePr>
+            <a:graphicFrameLocks noChangeAspect="1"/>
+          </p:cNvGraphicFramePr>
+          <p:nvPr>
+            <p:extLst>
+              <p:ext uri="{D42A27DB-BD31-4B8C-83A1-F6EECF244321}">
+                <p14:modId xmlns:p14="http://schemas.microsoft.com/office/powerpoint/2010/main" val="483167787"/>
+              </p:ext>
+            </p:extLst>
+          </p:nvPr>
+        </p:nvGraphicFramePr>
+        <p:xfrm>
+          <a:off x="5070067" y="1135374"/>
+          <a:ext cx="203200" cy="177800"/>
+        </p:xfrm>
+        <a:graphic>
+          <a:graphicData uri="http://schemas.openxmlformats.org/presentationml/2006/ole">
+            <mc:AlternateContent xmlns:mc="http://schemas.openxmlformats.org/markup-compatibility/2006">
+              <mc:Choice xmlns:v="urn:schemas-microsoft-com:vml" Requires="v">
+                <p:oleObj spid="_x0000_s9281" name="Equation" r:id="rId13" imgW="203040" imgH="177480" progId="Equation.DSMT4">
+                  <p:embed/>
+                </p:oleObj>
+              </mc:Choice>
+              <mc:Fallback>
+                <p:oleObj name="Equation" r:id="rId13" imgW="203040" imgH="177480" progId="Equation.DSMT4">
+                  <p:embed/>
+                  <p:pic>
+                    <p:nvPicPr>
+                      <p:cNvPr id="0" name=""/>
+                      <p:cNvPicPr/>
+                      <p:nvPr/>
+                    </p:nvPicPr>
+                    <p:blipFill>
+                      <a:blip r:embed="rId14"/>
+                      <a:stretch>
+                        <a:fillRect/>
+                      </a:stretch>
+                    </p:blipFill>
+                    <p:spPr>
+                      <a:xfrm>
+                        <a:off x="5070067" y="1135374"/>
+                        <a:ext cx="203200" cy="177800"/>
+                      </a:xfrm>
+                      <a:prstGeom prst="rect">
+                        <a:avLst/>
+                      </a:prstGeom>
+                    </p:spPr>
+                  </p:pic>
+                </p:oleObj>
+              </mc:Fallback>
+            </mc:AlternateContent>
+          </a:graphicData>
+        </a:graphic>
+      </p:graphicFrame>
+      <p:graphicFrame>
+        <p:nvGraphicFramePr>
+          <p:cNvPr id="118" name="对象 117">
+            <a:extLst>
+              <a:ext uri="{FF2B5EF4-FFF2-40B4-BE49-F238E27FC236}">
+                <a16:creationId xmlns:a16="http://schemas.microsoft.com/office/drawing/2014/main" id="{E57D1739-7D24-4B90-91D5-AA095FA2860F}"/>
+              </a:ext>
+            </a:extLst>
+          </p:cNvPr>
+          <p:cNvGraphicFramePr>
+            <a:graphicFrameLocks noChangeAspect="1"/>
+          </p:cNvGraphicFramePr>
+          <p:nvPr>
+            <p:extLst>
+              <p:ext uri="{D42A27DB-BD31-4B8C-83A1-F6EECF244321}">
+                <p14:modId xmlns:p14="http://schemas.microsoft.com/office/powerpoint/2010/main" val="2053219218"/>
+              </p:ext>
+            </p:extLst>
+          </p:nvPr>
+        </p:nvGraphicFramePr>
+        <p:xfrm>
+          <a:off x="5985442" y="1029867"/>
+          <a:ext cx="139700" cy="393700"/>
+        </p:xfrm>
+        <a:graphic>
+          <a:graphicData uri="http://schemas.openxmlformats.org/presentationml/2006/ole">
+            <mc:AlternateContent xmlns:mc="http://schemas.openxmlformats.org/markup-compatibility/2006">
+              <mc:Choice xmlns:v="urn:schemas-microsoft-com:vml" Requires="v">
+                <p:oleObj spid="_x0000_s9282" name="Equation" r:id="rId15" imgW="139680" imgH="393480" progId="Equation.DSMT4">
+                  <p:embed/>
+                </p:oleObj>
+              </mc:Choice>
+              <mc:Fallback>
+                <p:oleObj name="Equation" r:id="rId15" imgW="139680" imgH="393480" progId="Equation.DSMT4">
+                  <p:embed/>
+                  <p:pic>
+                    <p:nvPicPr>
+                      <p:cNvPr id="0" name=""/>
+                      <p:cNvPicPr/>
+                      <p:nvPr/>
+                    </p:nvPicPr>
+                    <p:blipFill>
+                      <a:blip r:embed="rId16"/>
+                      <a:stretch>
+                        <a:fillRect/>
+                      </a:stretch>
+                    </p:blipFill>
+                    <p:spPr>
+                      <a:xfrm>
+                        <a:off x="5985442" y="1029867"/>
+                        <a:ext cx="139700" cy="393700"/>
+                      </a:xfrm>
+                      <a:prstGeom prst="rect">
+                        <a:avLst/>
+                      </a:prstGeom>
+                    </p:spPr>
+                  </p:pic>
+                </p:oleObj>
+              </mc:Fallback>
+            </mc:AlternateContent>
+          </a:graphicData>
+        </a:graphic>
+      </p:graphicFrame>
+      <p:graphicFrame>
+        <p:nvGraphicFramePr>
+          <p:cNvPr id="119" name="对象 118">
+            <a:extLst>
+              <a:ext uri="{FF2B5EF4-FFF2-40B4-BE49-F238E27FC236}">
+                <a16:creationId xmlns:a16="http://schemas.microsoft.com/office/drawing/2014/main" id="{26A69256-78FA-433F-A418-32CE721EFF06}"/>
+              </a:ext>
+            </a:extLst>
+          </p:cNvPr>
+          <p:cNvGraphicFramePr>
+            <a:graphicFrameLocks noChangeAspect="1"/>
+          </p:cNvGraphicFramePr>
+          <p:nvPr>
+            <p:extLst>
+              <p:ext uri="{D42A27DB-BD31-4B8C-83A1-F6EECF244321}">
+                <p14:modId xmlns:p14="http://schemas.microsoft.com/office/powerpoint/2010/main" val="4245541931"/>
+              </p:ext>
+            </p:extLst>
+          </p:nvPr>
+        </p:nvGraphicFramePr>
+        <p:xfrm>
+          <a:off x="4081876" y="2113047"/>
+          <a:ext cx="127000" cy="101600"/>
+        </p:xfrm>
+        <a:graphic>
+          <a:graphicData uri="http://schemas.openxmlformats.org/presentationml/2006/ole">
+            <mc:AlternateContent xmlns:mc="http://schemas.openxmlformats.org/markup-compatibility/2006">
+              <mc:Choice xmlns:v="urn:schemas-microsoft-com:vml" Requires="v">
+                <p:oleObj spid="_x0000_s9283" name="Equation" r:id="rId17" imgW="126720" imgH="101520" progId="Equation.DSMT4">
+                  <p:embed/>
+                </p:oleObj>
+              </mc:Choice>
+              <mc:Fallback>
+                <p:oleObj name="Equation" r:id="rId17" imgW="126720" imgH="101520" progId="Equation.DSMT4">
+                  <p:embed/>
+                  <p:pic>
+                    <p:nvPicPr>
+                      <p:cNvPr id="0" name=""/>
+                      <p:cNvPicPr/>
+                      <p:nvPr/>
+                    </p:nvPicPr>
+                    <p:blipFill>
+                      <a:blip r:embed="rId18"/>
+                      <a:stretch>
+                        <a:fillRect/>
+                      </a:stretch>
+                    </p:blipFill>
+                    <p:spPr>
+                      <a:xfrm>
+                        <a:off x="4081876" y="2113047"/>
+                        <a:ext cx="127000" cy="101600"/>
+                      </a:xfrm>
+                      <a:prstGeom prst="rect">
+                        <a:avLst/>
+                      </a:prstGeom>
+                    </p:spPr>
+                  </p:pic>
+                </p:oleObj>
+              </mc:Fallback>
+            </mc:AlternateContent>
+          </a:graphicData>
+        </a:graphic>
+      </p:graphicFrame>
+      <p:graphicFrame>
+        <p:nvGraphicFramePr>
+          <p:cNvPr id="18" name="对象 17">
+            <a:extLst>
+              <a:ext uri="{FF2B5EF4-FFF2-40B4-BE49-F238E27FC236}">
+                <a16:creationId xmlns:a16="http://schemas.microsoft.com/office/drawing/2014/main" id="{270B4FDB-4BAB-4D6A-8342-C0E64B048EE8}"/>
+              </a:ext>
+            </a:extLst>
+          </p:cNvPr>
+          <p:cNvGraphicFramePr>
+            <a:graphicFrameLocks noChangeAspect="1"/>
+          </p:cNvGraphicFramePr>
+          <p:nvPr>
+            <p:extLst>
+              <p:ext uri="{D42A27DB-BD31-4B8C-83A1-F6EECF244321}">
+                <p14:modId xmlns:p14="http://schemas.microsoft.com/office/powerpoint/2010/main" val="3331059832"/>
+              </p:ext>
+            </p:extLst>
+          </p:nvPr>
+        </p:nvGraphicFramePr>
+        <p:xfrm>
+          <a:off x="2873422" y="3389312"/>
+          <a:ext cx="279400" cy="190500"/>
+        </p:xfrm>
+        <a:graphic>
+          <a:graphicData uri="http://schemas.openxmlformats.org/presentationml/2006/ole">
+            <mc:AlternateContent xmlns:mc="http://schemas.openxmlformats.org/markup-compatibility/2006">
+              <mc:Choice xmlns:v="urn:schemas-microsoft-com:vml" Requires="v">
+                <p:oleObj spid="_x0000_s9284" name="Equation" r:id="rId19" imgW="279360" imgH="190440" progId="Equation.DSMT4">
+                  <p:embed/>
+                </p:oleObj>
+              </mc:Choice>
+              <mc:Fallback>
+                <p:oleObj name="Equation" r:id="rId19" imgW="279360" imgH="190440" progId="Equation.DSMT4">
+                  <p:embed/>
+                  <p:pic>
+                    <p:nvPicPr>
+                      <p:cNvPr id="2" name="对象 1">
+                        <a:extLst>
+                          <a:ext uri="{FF2B5EF4-FFF2-40B4-BE49-F238E27FC236}">
+                            <a16:creationId xmlns:a16="http://schemas.microsoft.com/office/drawing/2014/main" id="{A2FD8DC6-E6A1-422A-A515-E5E334AE7AA7}"/>
+                          </a:ext>
+                        </a:extLst>
+                      </p:cNvPr>
+                      <p:cNvPicPr/>
+                      <p:nvPr/>
+                    </p:nvPicPr>
+                    <p:blipFill>
+                      <a:blip r:embed="rId20"/>
+                      <a:stretch>
+                        <a:fillRect/>
+                      </a:stretch>
+                    </p:blipFill>
+                    <p:spPr>
+                      <a:xfrm>
+                        <a:off x="2873422" y="3389312"/>
+                        <a:ext cx="279400" cy="190500"/>
+                      </a:xfrm>
+                      <a:prstGeom prst="rect">
+                        <a:avLst/>
+                      </a:prstGeom>
+                    </p:spPr>
+                  </p:pic>
+                </p:oleObj>
+              </mc:Fallback>
+            </mc:AlternateContent>
+          </a:graphicData>
+        </a:graphic>
+      </p:graphicFrame>
+      <p:graphicFrame>
+        <p:nvGraphicFramePr>
+          <p:cNvPr id="120" name="对象 119">
+            <a:extLst>
+              <a:ext uri="{FF2B5EF4-FFF2-40B4-BE49-F238E27FC236}">
+                <a16:creationId xmlns:a16="http://schemas.microsoft.com/office/drawing/2014/main" id="{0FDC142E-A6FC-4E75-A8CA-359C4F891A49}"/>
+              </a:ext>
+            </a:extLst>
+          </p:cNvPr>
+          <p:cNvGraphicFramePr>
+            <a:graphicFrameLocks noChangeAspect="1"/>
+          </p:cNvGraphicFramePr>
+          <p:nvPr>
+            <p:extLst>
+              <p:ext uri="{D42A27DB-BD31-4B8C-83A1-F6EECF244321}">
+                <p14:modId xmlns:p14="http://schemas.microsoft.com/office/powerpoint/2010/main" val="2789305464"/>
+              </p:ext>
+            </p:extLst>
+          </p:nvPr>
+        </p:nvGraphicFramePr>
+        <p:xfrm>
+          <a:off x="4096807" y="2754866"/>
+          <a:ext cx="114300" cy="100013"/>
+        </p:xfrm>
+        <a:graphic>
+          <a:graphicData uri="http://schemas.openxmlformats.org/presentationml/2006/ole">
+            <mc:AlternateContent xmlns:mc="http://schemas.openxmlformats.org/markup-compatibility/2006">
+              <mc:Choice xmlns:v="urn:schemas-microsoft-com:vml" Requires="v">
+                <p:oleObj spid="_x0000_s9285" name="Equation" r:id="rId21" imgW="114406" imgH="99264" progId="Equation.DSMT4">
+                  <p:embed/>
+                </p:oleObj>
+              </mc:Choice>
+              <mc:Fallback>
+                <p:oleObj name="Equation" r:id="rId21" imgW="114406" imgH="99264" progId="Equation.DSMT4">
+                  <p:embed/>
+                  <p:pic>
+                    <p:nvPicPr>
+                      <p:cNvPr id="0" name=""/>
+                      <p:cNvPicPr/>
+                      <p:nvPr/>
+                    </p:nvPicPr>
+                    <p:blipFill>
+                      <a:blip r:embed="rId22"/>
+                      <a:stretch>
+                        <a:fillRect/>
+                      </a:stretch>
+                    </p:blipFill>
+                    <p:spPr>
+                      <a:xfrm>
+                        <a:off x="4096807" y="2754866"/>
+                        <a:ext cx="114300" cy="100013"/>
+                      </a:xfrm>
+                      <a:prstGeom prst="rect">
+                        <a:avLst/>
+                      </a:prstGeom>
+                    </p:spPr>
+                  </p:pic>
+                </p:oleObj>
+              </mc:Fallback>
+            </mc:AlternateContent>
+          </a:graphicData>
+        </a:graphic>
+      </p:graphicFrame>
+      <p:graphicFrame>
+        <p:nvGraphicFramePr>
+          <p:cNvPr id="121" name="对象 120">
+            <a:extLst>
+              <a:ext uri="{FF2B5EF4-FFF2-40B4-BE49-F238E27FC236}">
+                <a16:creationId xmlns:a16="http://schemas.microsoft.com/office/drawing/2014/main" id="{4E3D255D-2A62-4909-97FD-DC30D5661E12}"/>
+              </a:ext>
+            </a:extLst>
+          </p:cNvPr>
+          <p:cNvGraphicFramePr>
+            <a:graphicFrameLocks noChangeAspect="1"/>
+          </p:cNvGraphicFramePr>
+          <p:nvPr>
+            <p:extLst>
+              <p:ext uri="{D42A27DB-BD31-4B8C-83A1-F6EECF244321}">
+                <p14:modId xmlns:p14="http://schemas.microsoft.com/office/powerpoint/2010/main" val="3597239931"/>
+              </p:ext>
+            </p:extLst>
+          </p:nvPr>
+        </p:nvGraphicFramePr>
+        <p:xfrm>
+          <a:off x="5087938" y="3082925"/>
+          <a:ext cx="241300" cy="177800"/>
+        </p:xfrm>
+        <a:graphic>
+          <a:graphicData uri="http://schemas.openxmlformats.org/presentationml/2006/ole">
+            <mc:AlternateContent xmlns:mc="http://schemas.openxmlformats.org/markup-compatibility/2006">
+              <mc:Choice xmlns:v="urn:schemas-microsoft-com:vml" Requires="v">
+                <p:oleObj spid="_x0000_s9286" name="Equation" r:id="rId23" imgW="241200" imgH="177480" progId="Equation.DSMT4">
+                  <p:embed/>
+                </p:oleObj>
+              </mc:Choice>
+              <mc:Fallback>
+                <p:oleObj name="Equation" r:id="rId23" imgW="241200" imgH="177480" progId="Equation.DSMT4">
+                  <p:embed/>
+                  <p:pic>
+                    <p:nvPicPr>
+                      <p:cNvPr id="0" name=""/>
+                      <p:cNvPicPr/>
+                      <p:nvPr/>
+                    </p:nvPicPr>
+                    <p:blipFill>
+                      <a:blip r:embed="rId24"/>
+                      <a:stretch>
+                        <a:fillRect/>
+                      </a:stretch>
+                    </p:blipFill>
+                    <p:spPr>
+                      <a:xfrm>
+                        <a:off x="5087938" y="3082925"/>
+                        <a:ext cx="241300" cy="177800"/>
+                      </a:xfrm>
+                      <a:prstGeom prst="rect">
+                        <a:avLst/>
+                      </a:prstGeom>
+                    </p:spPr>
+                  </p:pic>
+                </p:oleObj>
+              </mc:Fallback>
+            </mc:AlternateContent>
+          </a:graphicData>
+        </a:graphic>
+      </p:graphicFrame>
+      <p:graphicFrame>
+        <p:nvGraphicFramePr>
+          <p:cNvPr id="122" name="对象 121">
+            <a:extLst>
+              <a:ext uri="{FF2B5EF4-FFF2-40B4-BE49-F238E27FC236}">
+                <a16:creationId xmlns:a16="http://schemas.microsoft.com/office/drawing/2014/main" id="{D06FE097-89B0-47BA-AEB7-4EFFDE40FC12}"/>
+              </a:ext>
+            </a:extLst>
+          </p:cNvPr>
+          <p:cNvGraphicFramePr>
+            <a:graphicFrameLocks noChangeAspect="1"/>
+          </p:cNvGraphicFramePr>
+          <p:nvPr>
+            <p:extLst>
+              <p:ext uri="{D42A27DB-BD31-4B8C-83A1-F6EECF244321}">
+                <p14:modId xmlns:p14="http://schemas.microsoft.com/office/powerpoint/2010/main" val="3674290963"/>
+              </p:ext>
+            </p:extLst>
+          </p:nvPr>
+        </p:nvGraphicFramePr>
+        <p:xfrm>
+          <a:off x="7218363" y="1692275"/>
+          <a:ext cx="254000" cy="431800"/>
+        </p:xfrm>
+        <a:graphic>
+          <a:graphicData uri="http://schemas.openxmlformats.org/presentationml/2006/ole">
+            <mc:AlternateContent xmlns:mc="http://schemas.openxmlformats.org/markup-compatibility/2006">
+              <mc:Choice xmlns:v="urn:schemas-microsoft-com:vml" Requires="v">
+                <p:oleObj spid="_x0000_s9287" name="Equation" r:id="rId25" imgW="253800" imgH="431640" progId="Equation.DSMT4">
+                  <p:embed/>
+                </p:oleObj>
+              </mc:Choice>
+              <mc:Fallback>
+                <p:oleObj name="Equation" r:id="rId25" imgW="253800" imgH="431640" progId="Equation.DSMT4">
+                  <p:embed/>
+                  <p:pic>
+                    <p:nvPicPr>
+                      <p:cNvPr id="0" name=""/>
+                      <p:cNvPicPr/>
+                      <p:nvPr/>
+                    </p:nvPicPr>
+                    <p:blipFill>
+                      <a:blip r:embed="rId26"/>
+                      <a:stretch>
+                        <a:fillRect/>
+                      </a:stretch>
+                    </p:blipFill>
+                    <p:spPr>
+                      <a:xfrm>
+                        <a:off x="7218363" y="1692275"/>
+                        <a:ext cx="254000" cy="431800"/>
+                      </a:xfrm>
+                      <a:prstGeom prst="rect">
+                        <a:avLst/>
+                      </a:prstGeom>
+                    </p:spPr>
+                  </p:pic>
+                </p:oleObj>
+              </mc:Fallback>
+            </mc:AlternateContent>
+          </a:graphicData>
+        </a:graphic>
+      </p:graphicFrame>
+      <p:graphicFrame>
+        <p:nvGraphicFramePr>
+          <p:cNvPr id="123" name="对象 122">
+            <a:extLst>
+              <a:ext uri="{FF2B5EF4-FFF2-40B4-BE49-F238E27FC236}">
+                <a16:creationId xmlns:a16="http://schemas.microsoft.com/office/drawing/2014/main" id="{0FAAB6F0-A224-41E2-A979-9D39603F41E6}"/>
+              </a:ext>
+            </a:extLst>
+          </p:cNvPr>
+          <p:cNvGraphicFramePr>
+            <a:graphicFrameLocks noChangeAspect="1"/>
+          </p:cNvGraphicFramePr>
+          <p:nvPr>
+            <p:extLst>
+              <p:ext uri="{D42A27DB-BD31-4B8C-83A1-F6EECF244321}">
+                <p14:modId xmlns:p14="http://schemas.microsoft.com/office/powerpoint/2010/main" val="1478535427"/>
+              </p:ext>
+            </p:extLst>
+          </p:nvPr>
+        </p:nvGraphicFramePr>
+        <p:xfrm>
+          <a:off x="8027988" y="1798638"/>
+          <a:ext cx="431800" cy="241300"/>
+        </p:xfrm>
+        <a:graphic>
+          <a:graphicData uri="http://schemas.openxmlformats.org/presentationml/2006/ole">
+            <mc:AlternateContent xmlns:mc="http://schemas.openxmlformats.org/markup-compatibility/2006">
+              <mc:Choice xmlns:v="urn:schemas-microsoft-com:vml" Requires="v">
+                <p:oleObj spid="_x0000_s9288" name="Equation" r:id="rId27" imgW="431640" imgH="241200" progId="Equation.DSMT4">
+                  <p:embed/>
+                </p:oleObj>
+              </mc:Choice>
+              <mc:Fallback>
+                <p:oleObj name="Equation" r:id="rId27" imgW="431640" imgH="241200" progId="Equation.DSMT4">
+                  <p:embed/>
+                  <p:pic>
+                    <p:nvPicPr>
+                      <p:cNvPr id="0" name=""/>
+                      <p:cNvPicPr/>
+                      <p:nvPr/>
+                    </p:nvPicPr>
+                    <p:blipFill>
+                      <a:blip r:embed="rId28"/>
+                      <a:stretch>
+                        <a:fillRect/>
+                      </a:stretch>
+                    </p:blipFill>
+                    <p:spPr>
+                      <a:xfrm>
+                        <a:off x="8027988" y="1798638"/>
+                        <a:ext cx="431800" cy="241300"/>
+                      </a:xfrm>
+                      <a:prstGeom prst="rect">
+                        <a:avLst/>
+                      </a:prstGeom>
+                    </p:spPr>
+                  </p:pic>
+                </p:oleObj>
+              </mc:Fallback>
+            </mc:AlternateContent>
+          </a:graphicData>
+        </a:graphic>
+      </p:graphicFrame>
+      <p:graphicFrame>
+        <p:nvGraphicFramePr>
+          <p:cNvPr id="124" name="对象 123">
+            <a:extLst>
+              <a:ext uri="{FF2B5EF4-FFF2-40B4-BE49-F238E27FC236}">
+                <a16:creationId xmlns:a16="http://schemas.microsoft.com/office/drawing/2014/main" id="{2E00FC68-EFA7-489D-B7AC-EEA6F6ADB1AF}"/>
+              </a:ext>
+            </a:extLst>
+          </p:cNvPr>
+          <p:cNvGraphicFramePr>
+            <a:graphicFrameLocks noChangeAspect="1"/>
+          </p:cNvGraphicFramePr>
+          <p:nvPr>
+            <p:extLst>
+              <p:ext uri="{D42A27DB-BD31-4B8C-83A1-F6EECF244321}">
+                <p14:modId xmlns:p14="http://schemas.microsoft.com/office/powerpoint/2010/main" val="3828337451"/>
+              </p:ext>
+            </p:extLst>
+          </p:nvPr>
+        </p:nvGraphicFramePr>
+        <p:xfrm>
+          <a:off x="5916613" y="3375025"/>
+          <a:ext cx="698500" cy="241300"/>
+        </p:xfrm>
+        <a:graphic>
+          <a:graphicData uri="http://schemas.openxmlformats.org/presentationml/2006/ole">
+            <mc:AlternateContent xmlns:mc="http://schemas.openxmlformats.org/markup-compatibility/2006">
+              <mc:Choice xmlns:v="urn:schemas-microsoft-com:vml" Requires="v">
+                <p:oleObj spid="_x0000_s9289" name="Equation" r:id="rId29" imgW="698400" imgH="241200" progId="Equation.DSMT4">
+                  <p:embed/>
+                </p:oleObj>
+              </mc:Choice>
+              <mc:Fallback>
+                <p:oleObj name="Equation" r:id="rId29" imgW="698400" imgH="241200" progId="Equation.DSMT4">
+                  <p:embed/>
+                  <p:pic>
+                    <p:nvPicPr>
+                      <p:cNvPr id="0" name=""/>
+                      <p:cNvPicPr/>
+                      <p:nvPr/>
+                    </p:nvPicPr>
+                    <p:blipFill>
+                      <a:blip r:embed="rId30"/>
+                      <a:stretch>
+                        <a:fillRect/>
+                      </a:stretch>
+                    </p:blipFill>
+                    <p:spPr>
+                      <a:xfrm>
+                        <a:off x="5916613" y="3375025"/>
+                        <a:ext cx="698500" cy="241300"/>
+                      </a:xfrm>
+                      <a:prstGeom prst="rect">
+                        <a:avLst/>
+                      </a:prstGeom>
+                    </p:spPr>
+                  </p:pic>
+                </p:oleObj>
+              </mc:Fallback>
+            </mc:AlternateContent>
+          </a:graphicData>
+        </a:graphic>
+      </p:graphicFrame>
+      <p:graphicFrame>
+        <p:nvGraphicFramePr>
+          <p:cNvPr id="131" name="对象 130">
+            <a:extLst>
+              <a:ext uri="{FF2B5EF4-FFF2-40B4-BE49-F238E27FC236}">
+                <a16:creationId xmlns:a16="http://schemas.microsoft.com/office/drawing/2014/main" id="{4BA63FA5-9973-48DA-9A66-77CCADDA9FBA}"/>
+              </a:ext>
+            </a:extLst>
+          </p:cNvPr>
+          <p:cNvGraphicFramePr>
+            <a:graphicFrameLocks noChangeAspect="1"/>
+          </p:cNvGraphicFramePr>
+          <p:nvPr>
+            <p:extLst>
+              <p:ext uri="{D42A27DB-BD31-4B8C-83A1-F6EECF244321}">
+                <p14:modId xmlns:p14="http://schemas.microsoft.com/office/powerpoint/2010/main" val="3161723146"/>
+              </p:ext>
+            </p:extLst>
+          </p:nvPr>
+        </p:nvGraphicFramePr>
+        <p:xfrm>
+          <a:off x="6136442" y="3967086"/>
+          <a:ext cx="330200" cy="228600"/>
+        </p:xfrm>
+        <a:graphic>
+          <a:graphicData uri="http://schemas.openxmlformats.org/presentationml/2006/ole">
+            <mc:AlternateContent xmlns:mc="http://schemas.openxmlformats.org/markup-compatibility/2006">
+              <mc:Choice xmlns:v="urn:schemas-microsoft-com:vml" Requires="v">
+                <p:oleObj spid="_x0000_s9290" name="Equation" r:id="rId31" imgW="330120" imgH="228600" progId="Equation.DSMT4">
+                  <p:embed/>
+                </p:oleObj>
+              </mc:Choice>
+              <mc:Fallback>
+                <p:oleObj name="Equation" r:id="rId31" imgW="330120" imgH="228600" progId="Equation.DSMT4">
+                  <p:embed/>
+                  <p:pic>
+                    <p:nvPicPr>
+                      <p:cNvPr id="0" name=""/>
+                      <p:cNvPicPr/>
+                      <p:nvPr/>
+                    </p:nvPicPr>
+                    <p:blipFill>
+                      <a:blip r:embed="rId32"/>
+                      <a:stretch>
+                        <a:fillRect/>
+                      </a:stretch>
+                    </p:blipFill>
+                    <p:spPr>
+                      <a:xfrm>
+                        <a:off x="6136442" y="3967086"/>
+                        <a:ext cx="330200" cy="228600"/>
+                      </a:xfrm>
+                      <a:prstGeom prst="rect">
+                        <a:avLst/>
+                      </a:prstGeom>
+                    </p:spPr>
+                  </p:pic>
+                </p:oleObj>
+              </mc:Fallback>
+            </mc:AlternateContent>
+          </a:graphicData>
+        </a:graphic>
+      </p:graphicFrame>
+      <p:graphicFrame>
+        <p:nvGraphicFramePr>
+          <p:cNvPr id="132" name="对象 131">
+            <a:extLst>
+              <a:ext uri="{FF2B5EF4-FFF2-40B4-BE49-F238E27FC236}">
+                <a16:creationId xmlns:a16="http://schemas.microsoft.com/office/drawing/2014/main" id="{045A873F-ADAF-46C3-95D7-CC88CCF1A102}"/>
+              </a:ext>
+            </a:extLst>
+          </p:cNvPr>
+          <p:cNvGraphicFramePr>
+            <a:graphicFrameLocks noChangeAspect="1"/>
+          </p:cNvGraphicFramePr>
+          <p:nvPr>
+            <p:extLst>
+              <p:ext uri="{D42A27DB-BD31-4B8C-83A1-F6EECF244321}">
+                <p14:modId xmlns:p14="http://schemas.microsoft.com/office/powerpoint/2010/main" val="2958089773"/>
+              </p:ext>
+            </p:extLst>
+          </p:nvPr>
+        </p:nvGraphicFramePr>
+        <p:xfrm>
+          <a:off x="7907338" y="3536379"/>
+          <a:ext cx="241300" cy="228600"/>
+        </p:xfrm>
+        <a:graphic>
+          <a:graphicData uri="http://schemas.openxmlformats.org/presentationml/2006/ole">
+            <mc:AlternateContent xmlns:mc="http://schemas.openxmlformats.org/markup-compatibility/2006">
+              <mc:Choice xmlns:v="urn:schemas-microsoft-com:vml" Requires="v">
+                <p:oleObj spid="_x0000_s9291" name="Equation" r:id="rId33" imgW="241200" imgH="228600" progId="Equation.DSMT4">
+                  <p:embed/>
+                </p:oleObj>
+              </mc:Choice>
+              <mc:Fallback>
+                <p:oleObj name="Equation" r:id="rId33" imgW="241200" imgH="228600" progId="Equation.DSMT4">
+                  <p:embed/>
+                  <p:pic>
+                    <p:nvPicPr>
+                      <p:cNvPr id="0" name=""/>
+                      <p:cNvPicPr/>
+                      <p:nvPr/>
+                    </p:nvPicPr>
+                    <p:blipFill>
+                      <a:blip r:embed="rId34"/>
+                      <a:stretch>
+                        <a:fillRect/>
+                      </a:stretch>
+                    </p:blipFill>
+                    <p:spPr>
+                      <a:xfrm>
+                        <a:off x="7907338" y="3536379"/>
+                        <a:ext cx="241300" cy="228600"/>
+                      </a:xfrm>
+                      <a:prstGeom prst="rect">
+                        <a:avLst/>
+                      </a:prstGeom>
+                    </p:spPr>
+                  </p:pic>
+                </p:oleObj>
+              </mc:Fallback>
+            </mc:AlternateContent>
+          </a:graphicData>
+        </a:graphic>
+      </p:graphicFrame>
+      <p:graphicFrame>
+        <p:nvGraphicFramePr>
+          <p:cNvPr id="133" name="对象 132">
+            <a:extLst>
+              <a:ext uri="{FF2B5EF4-FFF2-40B4-BE49-F238E27FC236}">
+                <a16:creationId xmlns:a16="http://schemas.microsoft.com/office/drawing/2014/main" id="{7AA56214-7D1E-4A6E-827F-2300BA3E1B33}"/>
+              </a:ext>
+            </a:extLst>
+          </p:cNvPr>
+          <p:cNvGraphicFramePr>
+            <a:graphicFrameLocks noChangeAspect="1"/>
+          </p:cNvGraphicFramePr>
+          <p:nvPr>
+            <p:extLst>
+              <p:ext uri="{D42A27DB-BD31-4B8C-83A1-F6EECF244321}">
+                <p14:modId xmlns:p14="http://schemas.microsoft.com/office/powerpoint/2010/main" val="567202799"/>
+              </p:ext>
+            </p:extLst>
+          </p:nvPr>
+        </p:nvGraphicFramePr>
+        <p:xfrm>
+          <a:off x="9136450" y="1692275"/>
+          <a:ext cx="266700" cy="190500"/>
+        </p:xfrm>
+        <a:graphic>
+          <a:graphicData uri="http://schemas.openxmlformats.org/presentationml/2006/ole">
+            <mc:AlternateContent xmlns:mc="http://schemas.openxmlformats.org/markup-compatibility/2006">
+              <mc:Choice xmlns:v="urn:schemas-microsoft-com:vml" Requires="v">
+                <p:oleObj spid="_x0000_s9292" name="Equation" r:id="rId35" imgW="266400" imgH="190440" progId="Equation.DSMT4">
+                  <p:embed/>
+                </p:oleObj>
+              </mc:Choice>
+              <mc:Fallback>
+                <p:oleObj name="Equation" r:id="rId35" imgW="266400" imgH="190440" progId="Equation.DSMT4">
+                  <p:embed/>
+                  <p:pic>
+                    <p:nvPicPr>
+                      <p:cNvPr id="0" name=""/>
+                      <p:cNvPicPr/>
+                      <p:nvPr/>
+                    </p:nvPicPr>
+                    <p:blipFill>
+                      <a:blip r:embed="rId36"/>
+                      <a:stretch>
+                        <a:fillRect/>
+                      </a:stretch>
+                    </p:blipFill>
+                    <p:spPr>
+                      <a:xfrm>
+                        <a:off x="9136450" y="1692275"/>
+                        <a:ext cx="266700" cy="190500"/>
+                      </a:xfrm>
+                      <a:prstGeom prst="rect">
+                        <a:avLst/>
+                      </a:prstGeom>
+                    </p:spPr>
+                  </p:pic>
+                </p:oleObj>
+              </mc:Fallback>
+            </mc:AlternateContent>
+          </a:graphicData>
+        </a:graphic>
+      </p:graphicFrame>
+    </p:spTree>
+    <p:extLst>
+      <p:ext uri="{BB962C8B-B14F-4D97-AF65-F5344CB8AC3E}">
+        <p14:creationId xmlns:p14="http://schemas.microsoft.com/office/powerpoint/2010/main" val="3246284399"/>
+      </p:ext>
+    </p:extLst>
+  </p:cSld>
+  <p:clrMapOvr>
+    <a:masterClrMapping/>
+  </p:clrMapOvr>
+</p:sld>
+</file>
+
+<file path=ppt/slides/slide8.xml><?xml version="1.0" encoding="utf-8"?>
+<p:sld xmlns:a="http://schemas.openxmlformats.org/drawingml/2006/main" xmlns:r="http://schemas.openxmlformats.org/officeDocument/2006/relationships" xmlns:p="http://schemas.openxmlformats.org/presentationml/2006/main">
+  <p:cSld>
+    <p:spTree>
+      <p:nvGrpSpPr>
+        <p:cNvPr id="1" name=""/>
+        <p:cNvGrpSpPr/>
+        <p:nvPr/>
+      </p:nvGrpSpPr>
+      <p:grpSpPr>
+        <a:xfrm>
+          <a:off x="0" y="0"/>
+          <a:ext cx="0" cy="0"/>
+          <a:chOff x="0" y="0"/>
+          <a:chExt cx="0" cy="0"/>
+        </a:xfrm>
+      </p:grpSpPr>
+      <p:sp>
+        <p:nvSpPr>
+          <p:cNvPr id="5" name="矩形 4"/>
+          <p:cNvSpPr/>
+          <p:nvPr/>
+        </p:nvSpPr>
+        <p:spPr>
+          <a:xfrm>
+            <a:off x="673332" y="2044599"/>
+            <a:ext cx="797168" cy="398585"/>
+          </a:xfrm>
+          <a:prstGeom prst="rect">
+            <a:avLst/>
+          </a:prstGeom>
+          <a:solidFill>
+            <a:schemeClr val="bg1"/>
+          </a:solidFill>
+        </p:spPr>
+        <p:style>
+          <a:lnRef idx="2">
+            <a:schemeClr val="accent1">
+              <a:shade val="50000"/>
+            </a:schemeClr>
+          </a:lnRef>
+          <a:fillRef idx="1">
+            <a:schemeClr val="accent1"/>
+          </a:fillRef>
+          <a:effectRef idx="0">
+            <a:schemeClr val="accent1"/>
+          </a:effectRef>
+          <a:fontRef idx="minor">
+            <a:schemeClr val="lt1"/>
+          </a:fontRef>
+        </p:style>
+        <p:txBody>
+          <a:bodyPr rtlCol="0" anchor="ctr"/>
+          <a:lstStyle/>
+          <a:p>
+            <a:pPr algn="ctr"/>
+            <a:endParaRPr lang="zh-CN" altLang="en-US" sz="800" dirty="0">
+              <a:solidFill>
+                <a:schemeClr val="tx1"/>
+              </a:solidFill>
+              <a:latin typeface="宋体" panose="02010600030101010101" pitchFamily="2" charset="-122"/>
+              <a:ea typeface="宋体" panose="02010600030101010101" pitchFamily="2" charset="-122"/>
+            </a:endParaRPr>
+          </a:p>
+        </p:txBody>
+      </p:sp>
+      <p:sp>
+        <p:nvSpPr>
+          <p:cNvPr id="6" name="矩形 5"/>
+          <p:cNvSpPr/>
+          <p:nvPr/>
+        </p:nvSpPr>
+        <p:spPr>
+          <a:xfrm>
+            <a:off x="1612816" y="2355553"/>
+            <a:ext cx="797169" cy="398585"/>
+          </a:xfrm>
+          <a:prstGeom prst="rect">
+            <a:avLst/>
+          </a:prstGeom>
+          <a:solidFill>
+            <a:schemeClr val="bg1"/>
+          </a:solidFill>
+        </p:spPr>
+        <p:style>
+          <a:lnRef idx="2">
+            <a:schemeClr val="accent1">
+              <a:shade val="50000"/>
+            </a:schemeClr>
+          </a:lnRef>
+          <a:fillRef idx="1">
+            <a:schemeClr val="accent1"/>
+          </a:fillRef>
+          <a:effectRef idx="0">
+            <a:schemeClr val="accent1"/>
+          </a:effectRef>
+          <a:fontRef idx="minor">
+            <a:schemeClr val="lt1"/>
+          </a:fontRef>
+        </p:style>
+        <p:txBody>
+          <a:bodyPr rtlCol="0" anchor="ctr"/>
+          <a:lstStyle/>
+          <a:p>
+            <a:pPr algn="ctr"/>
+            <a:r>
+              <a:rPr lang="zh-CN" altLang="en-US" sz="800" dirty="0">
+                <a:solidFill>
+                  <a:schemeClr val="tx1"/>
+                </a:solidFill>
+                <a:latin typeface="宋体" panose="02010600030101010101" pitchFamily="2" charset="-122"/>
+                <a:ea typeface="宋体" panose="02010600030101010101" pitchFamily="2" charset="-122"/>
+              </a:rPr>
+              <a:t>能量分配计算</a:t>
+            </a:r>
+          </a:p>
+        </p:txBody>
+      </p:sp>
+      <p:sp>
+        <p:nvSpPr>
+          <p:cNvPr id="7" name="矩形 6"/>
+          <p:cNvSpPr/>
+          <p:nvPr/>
+        </p:nvSpPr>
+        <p:spPr>
+          <a:xfrm>
+            <a:off x="2614538" y="1423569"/>
+            <a:ext cx="797169" cy="398585"/>
+          </a:xfrm>
+          <a:prstGeom prst="rect">
+            <a:avLst/>
+          </a:prstGeom>
+          <a:solidFill>
+            <a:schemeClr val="bg1"/>
+          </a:solidFill>
+        </p:spPr>
+        <p:style>
+          <a:lnRef idx="2">
+            <a:schemeClr val="accent1">
+              <a:shade val="50000"/>
+            </a:schemeClr>
+          </a:lnRef>
+          <a:fillRef idx="1">
+            <a:schemeClr val="accent1"/>
+          </a:fillRef>
+          <a:effectRef idx="0">
+            <a:schemeClr val="accent1"/>
+          </a:effectRef>
+          <a:fontRef idx="minor">
+            <a:schemeClr val="lt1"/>
+          </a:fontRef>
+        </p:style>
+        <p:txBody>
+          <a:bodyPr rtlCol="0" anchor="ctr"/>
+          <a:lstStyle/>
+          <a:p>
+            <a:pPr algn="ctr"/>
+            <a:endParaRPr lang="zh-CN" altLang="en-US" sz="800" dirty="0">
+              <a:solidFill>
+                <a:schemeClr val="tx1"/>
+              </a:solidFill>
+              <a:latin typeface="宋体" panose="02010600030101010101" pitchFamily="2" charset="-122"/>
+              <a:ea typeface="宋体" panose="02010600030101010101" pitchFamily="2" charset="-122"/>
+            </a:endParaRPr>
+          </a:p>
+        </p:txBody>
+      </p:sp>
+      <p:sp>
+        <p:nvSpPr>
+          <p:cNvPr id="8" name="矩形 7"/>
+          <p:cNvSpPr/>
+          <p:nvPr/>
+        </p:nvSpPr>
+        <p:spPr>
+          <a:xfrm>
+            <a:off x="3622808" y="5681942"/>
+            <a:ext cx="797169" cy="398585"/>
+          </a:xfrm>
+          <a:prstGeom prst="rect">
+            <a:avLst/>
+          </a:prstGeom>
+          <a:solidFill>
+            <a:schemeClr val="bg1"/>
+          </a:solidFill>
+        </p:spPr>
+        <p:style>
+          <a:lnRef idx="2">
+            <a:schemeClr val="accent1">
+              <a:shade val="50000"/>
+            </a:schemeClr>
+          </a:lnRef>
+          <a:fillRef idx="1">
+            <a:schemeClr val="accent1"/>
+          </a:fillRef>
+          <a:effectRef idx="0">
+            <a:schemeClr val="accent1"/>
+          </a:effectRef>
+          <a:fontRef idx="minor">
+            <a:schemeClr val="lt1"/>
+          </a:fontRef>
+        </p:style>
+        <p:txBody>
+          <a:bodyPr rtlCol="0" anchor="ctr"/>
+          <a:lstStyle/>
+          <a:p>
+            <a:pPr algn="ctr"/>
+            <a:r>
+              <a:rPr lang="zh-CN" altLang="en-US" sz="800" dirty="0">
+                <a:solidFill>
+                  <a:schemeClr val="tx1"/>
+                </a:solidFill>
+                <a:latin typeface="宋体" panose="02010600030101010101" pitchFamily="2" charset="-122"/>
+                <a:ea typeface="宋体" panose="02010600030101010101" pitchFamily="2" charset="-122"/>
+              </a:rPr>
+              <a:t>推力</a:t>
+            </a:r>
+          </a:p>
+        </p:txBody>
+      </p:sp>
+      <p:sp>
+        <p:nvSpPr>
+          <p:cNvPr id="25" name="矩形 24"/>
+          <p:cNvSpPr/>
+          <p:nvPr/>
+        </p:nvSpPr>
+        <p:spPr>
+          <a:xfrm>
+            <a:off x="5146997" y="5681943"/>
+            <a:ext cx="797169" cy="398585"/>
+          </a:xfrm>
+          <a:prstGeom prst="rect">
+            <a:avLst/>
+          </a:prstGeom>
+          <a:solidFill>
+            <a:schemeClr val="bg1"/>
+          </a:solidFill>
+        </p:spPr>
+        <p:style>
+          <a:lnRef idx="2">
+            <a:schemeClr val="accent1">
+              <a:shade val="50000"/>
+            </a:schemeClr>
+          </a:lnRef>
+          <a:fillRef idx="1">
+            <a:schemeClr val="accent1"/>
+          </a:fillRef>
+          <a:effectRef idx="0">
+            <a:schemeClr val="accent1"/>
+          </a:effectRef>
+          <a:fontRef idx="minor">
+            <a:schemeClr val="lt1"/>
+          </a:fontRef>
+        </p:style>
+        <p:txBody>
+          <a:bodyPr rtlCol="0" anchor="ctr"/>
+          <a:lstStyle/>
+          <a:p>
+            <a:pPr algn="ctr"/>
+            <a:r>
+              <a:rPr lang="zh-CN" altLang="en-US" sz="800" dirty="0">
+                <a:solidFill>
+                  <a:schemeClr val="tx1"/>
+                </a:solidFill>
+                <a:latin typeface="宋体" panose="02010600030101010101" pitchFamily="2" charset="-122"/>
+                <a:ea typeface="宋体" panose="02010600030101010101" pitchFamily="2" charset="-122"/>
+              </a:rPr>
+              <a:t>升降舵</a:t>
+            </a:r>
+          </a:p>
+        </p:txBody>
+      </p:sp>
+      <p:sp>
+        <p:nvSpPr>
+          <p:cNvPr id="12" name="矩形 11">
+            <a:extLst>
+              <a:ext uri="{FF2B5EF4-FFF2-40B4-BE49-F238E27FC236}">
+                <a16:creationId xmlns:a16="http://schemas.microsoft.com/office/drawing/2014/main" id="{D8B6AA20-74A4-45B3-A865-724D23B4F648}"/>
+              </a:ext>
+            </a:extLst>
+          </p:cNvPr>
+          <p:cNvSpPr/>
+          <p:nvPr/>
+        </p:nvSpPr>
+        <p:spPr>
+          <a:xfrm>
+            <a:off x="650325" y="2665629"/>
+            <a:ext cx="797169" cy="398585"/>
+          </a:xfrm>
+          <a:prstGeom prst="rect">
+            <a:avLst/>
+          </a:prstGeom>
+          <a:solidFill>
+            <a:schemeClr val="bg1"/>
+          </a:solidFill>
+        </p:spPr>
+        <p:style>
+          <a:lnRef idx="2">
+            <a:schemeClr val="accent1">
+              <a:shade val="50000"/>
+            </a:schemeClr>
+          </a:lnRef>
+          <a:fillRef idx="1">
+            <a:schemeClr val="accent1"/>
+          </a:fillRef>
+          <a:effectRef idx="0">
+            <a:schemeClr val="accent1"/>
+          </a:effectRef>
+          <a:fontRef idx="minor">
+            <a:schemeClr val="lt1"/>
+          </a:fontRef>
+        </p:style>
+        <p:txBody>
+          <a:bodyPr rtlCol="0" anchor="ctr"/>
+          <a:lstStyle/>
+          <a:p>
+            <a:pPr algn="ctr"/>
+            <a:endParaRPr lang="zh-CN" altLang="en-US" sz="800" dirty="0">
+              <a:solidFill>
+                <a:schemeClr val="tx1"/>
+              </a:solidFill>
+              <a:latin typeface="宋体" panose="02010600030101010101" pitchFamily="2" charset="-122"/>
+              <a:ea typeface="宋体" panose="02010600030101010101" pitchFamily="2" charset="-122"/>
+            </a:endParaRPr>
+          </a:p>
+        </p:txBody>
+      </p:sp>
+      <p:graphicFrame>
+        <p:nvGraphicFramePr>
+          <p:cNvPr id="2" name="对象 1">
+            <a:extLst>
+              <a:ext uri="{FF2B5EF4-FFF2-40B4-BE49-F238E27FC236}">
+                <a16:creationId xmlns:a16="http://schemas.microsoft.com/office/drawing/2014/main" id="{A2FD8DC6-E6A1-422A-A515-E5E334AE7AA7}"/>
+              </a:ext>
+            </a:extLst>
+          </p:cNvPr>
+          <p:cNvGraphicFramePr>
+            <a:graphicFrameLocks noChangeAspect="1"/>
+          </p:cNvGraphicFramePr>
+          <p:nvPr>
+            <p:extLst>
+              <p:ext uri="{D42A27DB-BD31-4B8C-83A1-F6EECF244321}">
+                <p14:modId xmlns:p14="http://schemas.microsoft.com/office/powerpoint/2010/main" val="3201802537"/>
+              </p:ext>
+            </p:extLst>
+          </p:nvPr>
+        </p:nvGraphicFramePr>
+        <p:xfrm>
+          <a:off x="2873422" y="1527611"/>
+          <a:ext cx="279400" cy="190500"/>
+        </p:xfrm>
+        <a:graphic>
+          <a:graphicData uri="http://schemas.openxmlformats.org/presentationml/2006/ole">
+            <mc:AlternateContent xmlns:mc="http://schemas.openxmlformats.org/markup-compatibility/2006">
+              <mc:Choice xmlns:v="urn:schemas-microsoft-com:vml" Requires="v">
+                <p:oleObj spid="_x0000_s10257" name="Equation" r:id="rId3" imgW="279360" imgH="190440" progId="Equation.DSMT4">
+                  <p:embed/>
+                </p:oleObj>
+              </mc:Choice>
+              <mc:Fallback>
+                <p:oleObj name="Equation" r:id="rId3" imgW="279360" imgH="190440" progId="Equation.DSMT4">
+                  <p:embed/>
+                  <p:pic>
+                    <p:nvPicPr>
+                      <p:cNvPr id="2" name="对象 1">
+                        <a:extLst>
+                          <a:ext uri="{FF2B5EF4-FFF2-40B4-BE49-F238E27FC236}">
+                            <a16:creationId xmlns:a16="http://schemas.microsoft.com/office/drawing/2014/main" id="{A2FD8DC6-E6A1-422A-A515-E5E334AE7AA7}"/>
+                          </a:ext>
+                        </a:extLst>
+                      </p:cNvPr>
+                      <p:cNvPicPr/>
+                      <p:nvPr/>
+                    </p:nvPicPr>
+                    <p:blipFill>
+                      <a:blip r:embed="rId4"/>
+                      <a:stretch>
+                        <a:fillRect/>
+                      </a:stretch>
+                    </p:blipFill>
+                    <p:spPr>
+                      <a:xfrm>
+                        <a:off x="2873422" y="1527611"/>
+                        <a:ext cx="279400" cy="190500"/>
+                      </a:xfrm>
+                      <a:prstGeom prst="rect">
+                        <a:avLst/>
+                      </a:prstGeom>
+                    </p:spPr>
+                  </p:pic>
+                </p:oleObj>
+              </mc:Fallback>
+            </mc:AlternateContent>
+          </a:graphicData>
+        </a:graphic>
+      </p:graphicFrame>
+      <p:sp>
+        <p:nvSpPr>
+          <p:cNvPr id="14" name="矩形 13">
+            <a:extLst>
+              <a:ext uri="{FF2B5EF4-FFF2-40B4-BE49-F238E27FC236}">
+                <a16:creationId xmlns:a16="http://schemas.microsoft.com/office/drawing/2014/main" id="{A6666C20-6237-4467-87BB-A90F3FC1C30A}"/>
+              </a:ext>
+            </a:extLst>
+          </p:cNvPr>
+          <p:cNvSpPr/>
+          <p:nvPr/>
+        </p:nvSpPr>
+        <p:spPr>
+          <a:xfrm>
+            <a:off x="2614538" y="2044599"/>
+            <a:ext cx="797169" cy="398585"/>
+          </a:xfrm>
+          <a:prstGeom prst="rect">
+            <a:avLst/>
+          </a:prstGeom>
+          <a:solidFill>
+            <a:schemeClr val="bg1"/>
+          </a:solidFill>
+        </p:spPr>
+        <p:style>
+          <a:lnRef idx="2">
+            <a:schemeClr val="accent1">
+              <a:shade val="50000"/>
+            </a:schemeClr>
+          </a:lnRef>
+          <a:fillRef idx="1">
+            <a:schemeClr val="accent1"/>
+          </a:fillRef>
+          <a:effectRef idx="0">
+            <a:schemeClr val="accent1"/>
+          </a:effectRef>
+          <a:fontRef idx="minor">
+            <a:schemeClr val="lt1"/>
+          </a:fontRef>
+        </p:style>
+        <p:txBody>
+          <a:bodyPr rtlCol="0" anchor="ctr"/>
+          <a:lstStyle/>
+          <a:p>
+            <a:pPr algn="ctr"/>
+            <a:endParaRPr lang="zh-CN" altLang="en-US" sz="800" dirty="0">
+              <a:solidFill>
+                <a:schemeClr val="tx1"/>
+              </a:solidFill>
+              <a:latin typeface="宋体" panose="02010600030101010101" pitchFamily="2" charset="-122"/>
+              <a:ea typeface="宋体" panose="02010600030101010101" pitchFamily="2" charset="-122"/>
+            </a:endParaRPr>
+          </a:p>
+        </p:txBody>
+      </p:sp>
+      <p:graphicFrame>
+        <p:nvGraphicFramePr>
+          <p:cNvPr id="15" name="对象 14">
+            <a:extLst>
+              <a:ext uri="{FF2B5EF4-FFF2-40B4-BE49-F238E27FC236}">
+                <a16:creationId xmlns:a16="http://schemas.microsoft.com/office/drawing/2014/main" id="{41DEACAE-0AD6-4B5F-9EC0-966E10438F93}"/>
+              </a:ext>
+            </a:extLst>
+          </p:cNvPr>
+          <p:cNvGraphicFramePr>
+            <a:graphicFrameLocks noChangeAspect="1"/>
+          </p:cNvGraphicFramePr>
+          <p:nvPr>
+            <p:extLst>
+              <p:ext uri="{D42A27DB-BD31-4B8C-83A1-F6EECF244321}">
+                <p14:modId xmlns:p14="http://schemas.microsoft.com/office/powerpoint/2010/main" val="3868190272"/>
+              </p:ext>
+            </p:extLst>
+          </p:nvPr>
+        </p:nvGraphicFramePr>
+        <p:xfrm>
+          <a:off x="2936875" y="2160588"/>
+          <a:ext cx="152400" cy="165100"/>
+        </p:xfrm>
+        <a:graphic>
+          <a:graphicData uri="http://schemas.openxmlformats.org/presentationml/2006/ole">
+            <mc:AlternateContent xmlns:mc="http://schemas.openxmlformats.org/markup-compatibility/2006">
+              <mc:Choice xmlns:v="urn:schemas-microsoft-com:vml" Requires="v">
+                <p:oleObj spid="_x0000_s10258" name="Equation" r:id="rId5" imgW="152280" imgH="164880" progId="Equation.DSMT4">
+                  <p:embed/>
+                </p:oleObj>
+              </mc:Choice>
+              <mc:Fallback>
+                <p:oleObj name="Equation" r:id="rId5" imgW="152280" imgH="164880" progId="Equation.DSMT4">
+                  <p:embed/>
+                  <p:pic>
+                    <p:nvPicPr>
+                      <p:cNvPr id="15" name="对象 14">
+                        <a:extLst>
+                          <a:ext uri="{FF2B5EF4-FFF2-40B4-BE49-F238E27FC236}">
+                            <a16:creationId xmlns:a16="http://schemas.microsoft.com/office/drawing/2014/main" id="{41DEACAE-0AD6-4B5F-9EC0-966E10438F93}"/>
+                          </a:ext>
+                        </a:extLst>
+                      </p:cNvPr>
+                      <p:cNvPicPr/>
+                      <p:nvPr/>
+                    </p:nvPicPr>
+                    <p:blipFill>
+                      <a:blip r:embed="rId6"/>
+                      <a:stretch>
+                        <a:fillRect/>
+                      </a:stretch>
+                    </p:blipFill>
+                    <p:spPr>
+                      <a:xfrm>
+                        <a:off x="2936875" y="2160588"/>
+                        <a:ext cx="152400" cy="165100"/>
+                      </a:xfrm>
+                      <a:prstGeom prst="rect">
+                        <a:avLst/>
+                      </a:prstGeom>
+                    </p:spPr>
+                  </p:pic>
+                </p:oleObj>
+              </mc:Fallback>
+            </mc:AlternateContent>
+          </a:graphicData>
+        </a:graphic>
+      </p:graphicFrame>
+      <p:sp>
+        <p:nvSpPr>
+          <p:cNvPr id="17" name="矩形 16">
+            <a:extLst>
+              <a:ext uri="{FF2B5EF4-FFF2-40B4-BE49-F238E27FC236}">
+                <a16:creationId xmlns:a16="http://schemas.microsoft.com/office/drawing/2014/main" id="{A2600A79-8224-43DE-A83B-4BF8C4560BDE}"/>
+              </a:ext>
+            </a:extLst>
+          </p:cNvPr>
+          <p:cNvSpPr/>
+          <p:nvPr/>
+        </p:nvSpPr>
+        <p:spPr>
+          <a:xfrm>
+            <a:off x="2614538" y="2665629"/>
+            <a:ext cx="797169" cy="398585"/>
+          </a:xfrm>
+          <a:prstGeom prst="rect">
+            <a:avLst/>
+          </a:prstGeom>
+          <a:solidFill>
+            <a:schemeClr val="bg1"/>
+          </a:solidFill>
+        </p:spPr>
+        <p:style>
+          <a:lnRef idx="2">
+            <a:schemeClr val="accent1">
+              <a:shade val="50000"/>
+            </a:schemeClr>
+          </a:lnRef>
+          <a:fillRef idx="1">
+            <a:schemeClr val="accent1"/>
+          </a:fillRef>
+          <a:effectRef idx="0">
+            <a:schemeClr val="accent1"/>
+          </a:effectRef>
+          <a:fontRef idx="minor">
+            <a:schemeClr val="lt1"/>
+          </a:fontRef>
+        </p:style>
+        <p:txBody>
+          <a:bodyPr rtlCol="0" anchor="ctr"/>
+          <a:lstStyle/>
+          <a:p>
+            <a:pPr algn="ctr"/>
+            <a:endParaRPr lang="zh-CN" altLang="en-US" sz="800" dirty="0">
+              <a:solidFill>
+                <a:schemeClr val="tx1"/>
+              </a:solidFill>
+              <a:latin typeface="宋体" panose="02010600030101010101" pitchFamily="2" charset="-122"/>
+              <a:ea typeface="宋体" panose="02010600030101010101" pitchFamily="2" charset="-122"/>
+            </a:endParaRPr>
+          </a:p>
+        </p:txBody>
+      </p:sp>
+      <p:sp>
+        <p:nvSpPr>
+          <p:cNvPr id="19" name="矩形 18">
+            <a:extLst>
+              <a:ext uri="{FF2B5EF4-FFF2-40B4-BE49-F238E27FC236}">
+                <a16:creationId xmlns:a16="http://schemas.microsoft.com/office/drawing/2014/main" id="{A55DE689-C658-4CD3-A64A-970598BBDB5C}"/>
+              </a:ext>
+            </a:extLst>
+          </p:cNvPr>
+          <p:cNvSpPr/>
+          <p:nvPr/>
+        </p:nvSpPr>
+        <p:spPr>
+          <a:xfrm>
+            <a:off x="2614538" y="3286659"/>
+            <a:ext cx="797169" cy="398585"/>
+          </a:xfrm>
+          <a:prstGeom prst="rect">
+            <a:avLst/>
+          </a:prstGeom>
+          <a:solidFill>
+            <a:schemeClr val="bg1"/>
+          </a:solidFill>
+        </p:spPr>
+        <p:style>
+          <a:lnRef idx="2">
+            <a:schemeClr val="accent1">
+              <a:shade val="50000"/>
+            </a:schemeClr>
+          </a:lnRef>
+          <a:fillRef idx="1">
+            <a:schemeClr val="accent1"/>
+          </a:fillRef>
+          <a:effectRef idx="0">
+            <a:schemeClr val="accent1"/>
+          </a:effectRef>
+          <a:fontRef idx="minor">
+            <a:schemeClr val="lt1"/>
+          </a:fontRef>
+        </p:style>
+        <p:txBody>
+          <a:bodyPr rtlCol="0" anchor="ctr"/>
+          <a:lstStyle/>
+          <a:p>
+            <a:pPr algn="ctr"/>
+            <a:endParaRPr lang="zh-CN" altLang="en-US" sz="800" dirty="0">
+              <a:solidFill>
+                <a:schemeClr val="tx1"/>
+              </a:solidFill>
+              <a:latin typeface="宋体" panose="02010600030101010101" pitchFamily="2" charset="-122"/>
+              <a:ea typeface="宋体" panose="02010600030101010101" pitchFamily="2" charset="-122"/>
+            </a:endParaRPr>
+          </a:p>
+        </p:txBody>
+      </p:sp>
+      <p:graphicFrame>
+        <p:nvGraphicFramePr>
+          <p:cNvPr id="20" name="对象 19">
+            <a:extLst>
+              <a:ext uri="{FF2B5EF4-FFF2-40B4-BE49-F238E27FC236}">
+                <a16:creationId xmlns:a16="http://schemas.microsoft.com/office/drawing/2014/main" id="{7D95964D-BCA2-433A-B9CF-6B7FA4C4327F}"/>
+              </a:ext>
+            </a:extLst>
+          </p:cNvPr>
+          <p:cNvGraphicFramePr>
+            <a:graphicFrameLocks noChangeAspect="1"/>
+          </p:cNvGraphicFramePr>
+          <p:nvPr>
+            <p:extLst>
+              <p:ext uri="{D42A27DB-BD31-4B8C-83A1-F6EECF244321}">
+                <p14:modId xmlns:p14="http://schemas.microsoft.com/office/powerpoint/2010/main" val="1598039750"/>
+              </p:ext>
+            </p:extLst>
+          </p:nvPr>
+        </p:nvGraphicFramePr>
+        <p:xfrm>
+          <a:off x="2916702" y="2767321"/>
+          <a:ext cx="152400" cy="190500"/>
+        </p:xfrm>
+        <a:graphic>
+          <a:graphicData uri="http://schemas.openxmlformats.org/presentationml/2006/ole">
+            <mc:AlternateContent xmlns:mc="http://schemas.openxmlformats.org/markup-compatibility/2006">
+              <mc:Choice xmlns:v="urn:schemas-microsoft-com:vml" Requires="v">
+                <p:oleObj spid="_x0000_s10259" name="Equation" r:id="rId7" imgW="152280" imgH="190440" progId="Equation.DSMT4">
+                  <p:embed/>
+                </p:oleObj>
+              </mc:Choice>
+              <mc:Fallback>
+                <p:oleObj name="Equation" r:id="rId7" imgW="152280" imgH="190440" progId="Equation.DSMT4">
+                  <p:embed/>
+                  <p:pic>
+                    <p:nvPicPr>
+                      <p:cNvPr id="20" name="对象 19">
+                        <a:extLst>
+                          <a:ext uri="{FF2B5EF4-FFF2-40B4-BE49-F238E27FC236}">
+                            <a16:creationId xmlns:a16="http://schemas.microsoft.com/office/drawing/2014/main" id="{7D95964D-BCA2-433A-B9CF-6B7FA4C4327F}"/>
+                          </a:ext>
+                        </a:extLst>
+                      </p:cNvPr>
+                      <p:cNvPicPr/>
+                      <p:nvPr/>
+                    </p:nvPicPr>
+                    <p:blipFill>
+                      <a:blip r:embed="rId8"/>
+                      <a:stretch>
+                        <a:fillRect/>
+                      </a:stretch>
+                    </p:blipFill>
+                    <p:spPr>
+                      <a:xfrm>
+                        <a:off x="2916702" y="2767321"/>
+                        <a:ext cx="152400" cy="190500"/>
+                      </a:xfrm>
+                      <a:prstGeom prst="rect">
+                        <a:avLst/>
+                      </a:prstGeom>
+                    </p:spPr>
+                  </p:pic>
+                </p:oleObj>
+              </mc:Fallback>
+            </mc:AlternateContent>
+          </a:graphicData>
+        </a:graphic>
+      </p:graphicFrame>
+      <p:graphicFrame>
+        <p:nvGraphicFramePr>
+          <p:cNvPr id="3" name="对象 2">
+            <a:extLst>
+              <a:ext uri="{FF2B5EF4-FFF2-40B4-BE49-F238E27FC236}">
+                <a16:creationId xmlns:a16="http://schemas.microsoft.com/office/drawing/2014/main" id="{EEF60E1C-975E-470B-833C-30EC0660F865}"/>
+              </a:ext>
+            </a:extLst>
+          </p:cNvPr>
+          <p:cNvGraphicFramePr>
+            <a:graphicFrameLocks noChangeAspect="1"/>
+          </p:cNvGraphicFramePr>
+          <p:nvPr/>
+        </p:nvGraphicFramePr>
+        <p:xfrm>
+          <a:off x="935525" y="2769671"/>
+          <a:ext cx="226768" cy="205171"/>
+        </p:xfrm>
+        <a:graphic>
+          <a:graphicData uri="http://schemas.openxmlformats.org/presentationml/2006/ole">
+            <mc:AlternateContent xmlns:mc="http://schemas.openxmlformats.org/markup-compatibility/2006">
+              <mc:Choice xmlns:v="urn:schemas-microsoft-com:vml" Requires="v">
+                <p:oleObj spid="_x0000_s10260" name="Equation" r:id="rId9" imgW="266400" imgH="241200" progId="Equation.DSMT4">
+                  <p:embed/>
+                </p:oleObj>
+              </mc:Choice>
+              <mc:Fallback>
+                <p:oleObj name="Equation" r:id="rId9" imgW="266400" imgH="241200" progId="Equation.DSMT4">
+                  <p:embed/>
+                  <p:pic>
+                    <p:nvPicPr>
+                      <p:cNvPr id="3" name="对象 2">
+                        <a:extLst>
+                          <a:ext uri="{FF2B5EF4-FFF2-40B4-BE49-F238E27FC236}">
+                            <a16:creationId xmlns:a16="http://schemas.microsoft.com/office/drawing/2014/main" id="{EEF60E1C-975E-470B-833C-30EC0660F865}"/>
+                          </a:ext>
+                        </a:extLst>
+                      </p:cNvPr>
+                      <p:cNvPicPr/>
+                      <p:nvPr/>
+                    </p:nvPicPr>
+                    <p:blipFill>
+                      <a:blip r:embed="rId10"/>
+                      <a:stretch>
+                        <a:fillRect/>
+                      </a:stretch>
+                    </p:blipFill>
+                    <p:spPr>
+                      <a:xfrm>
+                        <a:off x="935525" y="2769671"/>
+                        <a:ext cx="226768" cy="205171"/>
+                      </a:xfrm>
+                      <a:prstGeom prst="rect">
+                        <a:avLst/>
+                      </a:prstGeom>
+                    </p:spPr>
+                  </p:pic>
+                </p:oleObj>
+              </mc:Fallback>
+            </mc:AlternateContent>
+          </a:graphicData>
+        </a:graphic>
+      </p:graphicFrame>
+      <p:graphicFrame>
+        <p:nvGraphicFramePr>
+          <p:cNvPr id="4" name="对象 3">
+            <a:extLst>
+              <a:ext uri="{FF2B5EF4-FFF2-40B4-BE49-F238E27FC236}">
+                <a16:creationId xmlns:a16="http://schemas.microsoft.com/office/drawing/2014/main" id="{725E4131-1714-43F8-9D40-1B3EB5039B1F}"/>
+              </a:ext>
+            </a:extLst>
+          </p:cNvPr>
+          <p:cNvGraphicFramePr>
+            <a:graphicFrameLocks noChangeAspect="1"/>
+          </p:cNvGraphicFramePr>
+          <p:nvPr/>
+        </p:nvGraphicFramePr>
+        <p:xfrm>
+          <a:off x="961600" y="2149794"/>
+          <a:ext cx="220632" cy="186688"/>
+        </p:xfrm>
+        <a:graphic>
+          <a:graphicData uri="http://schemas.openxmlformats.org/presentationml/2006/ole">
+            <mc:AlternateContent xmlns:mc="http://schemas.openxmlformats.org/markup-compatibility/2006">
+              <mc:Choice xmlns:v="urn:schemas-microsoft-com:vml" Requires="v">
+                <p:oleObj spid="_x0000_s10261" name="Equation" r:id="rId11" imgW="330120" imgH="279360" progId="Equation.DSMT4">
+                  <p:embed/>
+                </p:oleObj>
+              </mc:Choice>
+              <mc:Fallback>
+                <p:oleObj name="Equation" r:id="rId11" imgW="330120" imgH="279360" progId="Equation.DSMT4">
+                  <p:embed/>
+                  <p:pic>
+                    <p:nvPicPr>
+                      <p:cNvPr id="4" name="对象 3">
+                        <a:extLst>
+                          <a:ext uri="{FF2B5EF4-FFF2-40B4-BE49-F238E27FC236}">
+                            <a16:creationId xmlns:a16="http://schemas.microsoft.com/office/drawing/2014/main" id="{725E4131-1714-43F8-9D40-1B3EB5039B1F}"/>
+                          </a:ext>
+                        </a:extLst>
+                      </p:cNvPr>
+                      <p:cNvPicPr/>
+                      <p:nvPr/>
+                    </p:nvPicPr>
+                    <p:blipFill>
+                      <a:blip r:embed="rId12"/>
+                      <a:stretch>
+                        <a:fillRect/>
+                      </a:stretch>
+                    </p:blipFill>
+                    <p:spPr>
+                      <a:xfrm>
+                        <a:off x="961600" y="2149794"/>
+                        <a:ext cx="220632" cy="186688"/>
+                      </a:xfrm>
+                      <a:prstGeom prst="rect">
+                        <a:avLst/>
+                      </a:prstGeom>
+                    </p:spPr>
+                  </p:pic>
+                </p:oleObj>
+              </mc:Fallback>
+            </mc:AlternateContent>
+          </a:graphicData>
+        </a:graphic>
+      </p:graphicFrame>
+      <p:sp>
+        <p:nvSpPr>
+          <p:cNvPr id="9" name="流程图: 接点 8">
+            <a:extLst>
+              <a:ext uri="{FF2B5EF4-FFF2-40B4-BE49-F238E27FC236}">
+                <a16:creationId xmlns:a16="http://schemas.microsoft.com/office/drawing/2014/main" id="{747B456C-D7EC-400B-8332-35A349B73E7B}"/>
+              </a:ext>
+            </a:extLst>
+          </p:cNvPr>
+          <p:cNvSpPr/>
+          <p:nvPr/>
+        </p:nvSpPr>
+        <p:spPr>
+          <a:xfrm>
+            <a:off x="4180627" y="1778355"/>
+            <a:ext cx="280416" cy="280416"/>
+          </a:xfrm>
+          <a:prstGeom prst="flowChartConnector">
+            <a:avLst/>
+          </a:prstGeom>
+          <a:noFill/>
+          <a:ln>
+            <a:solidFill>
+              <a:schemeClr val="tx1"/>
+            </a:solidFill>
+          </a:ln>
+        </p:spPr>
+        <p:style>
+          <a:lnRef idx="2">
+            <a:schemeClr val="accent1">
+              <a:shade val="50000"/>
+            </a:schemeClr>
+          </a:lnRef>
+          <a:fillRef idx="1">
+            <a:schemeClr val="accent1"/>
+          </a:fillRef>
+          <a:effectRef idx="0">
+            <a:schemeClr val="accent1"/>
+          </a:effectRef>
+          <a:fontRef idx="minor">
+            <a:schemeClr val="lt1"/>
+          </a:fontRef>
+        </p:style>
+        <p:txBody>
+          <a:bodyPr rtlCol="0" anchor="ctr"/>
+          <a:lstStyle/>
+          <a:p>
+            <a:pPr algn="ctr"/>
+            <a:endParaRPr lang="zh-CN" altLang="en-US"/>
+          </a:p>
+        </p:txBody>
+      </p:sp>
+      <p:cxnSp>
+        <p:nvCxnSpPr>
+          <p:cNvPr id="13" name="直接连接符 12">
+            <a:extLst>
+              <a:ext uri="{FF2B5EF4-FFF2-40B4-BE49-F238E27FC236}">
+                <a16:creationId xmlns:a16="http://schemas.microsoft.com/office/drawing/2014/main" id="{5461B263-58F3-4411-B792-39A042357CD0}"/>
+              </a:ext>
+            </a:extLst>
+          </p:cNvPr>
+          <p:cNvCxnSpPr>
+            <a:cxnSpLocks/>
+            <a:stCxn id="9" idx="1"/>
+            <a:endCxn id="9" idx="5"/>
+          </p:cNvCxnSpPr>
+          <p:nvPr/>
+        </p:nvCxnSpPr>
+        <p:spPr>
+          <a:xfrm>
+            <a:off x="4221693" y="1819421"/>
+            <a:ext cx="198284" cy="198284"/>
+          </a:xfrm>
+          <a:prstGeom prst="line">
+            <a:avLst/>
+          </a:prstGeom>
+          <a:ln>
+            <a:solidFill>
+              <a:schemeClr val="tx1"/>
+            </a:solidFill>
+          </a:ln>
+        </p:spPr>
+        <p:style>
+          <a:lnRef idx="1">
+            <a:schemeClr val="accent1"/>
+          </a:lnRef>
+          <a:fillRef idx="0">
+            <a:schemeClr val="accent1"/>
+          </a:fillRef>
+          <a:effectRef idx="0">
+            <a:schemeClr val="accent1"/>
+          </a:effectRef>
+          <a:fontRef idx="minor">
+            <a:schemeClr val="tx1"/>
+          </a:fontRef>
+        </p:style>
+      </p:cxnSp>
+      <p:cxnSp>
+        <p:nvCxnSpPr>
+          <p:cNvPr id="27" name="直接连接符 26">
+            <a:extLst>
+              <a:ext uri="{FF2B5EF4-FFF2-40B4-BE49-F238E27FC236}">
+                <a16:creationId xmlns:a16="http://schemas.microsoft.com/office/drawing/2014/main" id="{8C1016AC-D8EA-493A-9BA5-3C7E92F939A6}"/>
+              </a:ext>
+            </a:extLst>
+          </p:cNvPr>
+          <p:cNvCxnSpPr>
+            <a:cxnSpLocks/>
+            <a:stCxn id="9" idx="7"/>
+            <a:endCxn id="9" idx="3"/>
+          </p:cNvCxnSpPr>
+          <p:nvPr/>
+        </p:nvCxnSpPr>
+        <p:spPr>
+          <a:xfrm flipH="1">
+            <a:off x="4221693" y="1819421"/>
+            <a:ext cx="198284" cy="198284"/>
+          </a:xfrm>
+          <a:prstGeom prst="line">
+            <a:avLst/>
+          </a:prstGeom>
+          <a:ln>
+            <a:solidFill>
+              <a:schemeClr val="tx1"/>
+            </a:solidFill>
+          </a:ln>
+        </p:spPr>
+        <p:style>
+          <a:lnRef idx="1">
+            <a:schemeClr val="accent1"/>
+          </a:lnRef>
+          <a:fillRef idx="0">
+            <a:schemeClr val="accent1"/>
+          </a:fillRef>
+          <a:effectRef idx="0">
+            <a:schemeClr val="accent1"/>
+          </a:effectRef>
+          <a:fontRef idx="minor">
+            <a:schemeClr val="tx1"/>
+          </a:fontRef>
+        </p:style>
+      </p:cxnSp>
+      <p:cxnSp>
+        <p:nvCxnSpPr>
+          <p:cNvPr id="30" name="连接符: 肘形 29">
+            <a:extLst>
+              <a:ext uri="{FF2B5EF4-FFF2-40B4-BE49-F238E27FC236}">
+                <a16:creationId xmlns:a16="http://schemas.microsoft.com/office/drawing/2014/main" id="{D2F03E7F-0EB8-40BF-8EEF-FB9EE6AD041A}"/>
+              </a:ext>
+            </a:extLst>
+          </p:cNvPr>
+          <p:cNvCxnSpPr>
+            <a:stCxn id="7" idx="3"/>
+            <a:endCxn id="9" idx="0"/>
+          </p:cNvCxnSpPr>
+          <p:nvPr/>
+        </p:nvCxnSpPr>
+        <p:spPr>
+          <a:xfrm>
+            <a:off x="3411707" y="1622862"/>
+            <a:ext cx="909128" cy="155493"/>
+          </a:xfrm>
+          <a:prstGeom prst="bentConnector2">
+            <a:avLst/>
+          </a:prstGeom>
+          <a:ln>
+            <a:tailEnd type="triangle"/>
+          </a:ln>
+        </p:spPr>
+        <p:style>
+          <a:lnRef idx="3">
+            <a:schemeClr val="dk1"/>
+          </a:lnRef>
+          <a:fillRef idx="0">
+            <a:schemeClr val="dk1"/>
+          </a:fillRef>
+          <a:effectRef idx="2">
+            <a:schemeClr val="dk1"/>
+          </a:effectRef>
+          <a:fontRef idx="minor">
+            <a:schemeClr val="tx1"/>
+          </a:fontRef>
+        </p:style>
+      </p:cxnSp>
+      <p:cxnSp>
+        <p:nvCxnSpPr>
+          <p:cNvPr id="31" name="连接符: 肘形 30">
+            <a:extLst>
+              <a:ext uri="{FF2B5EF4-FFF2-40B4-BE49-F238E27FC236}">
+                <a16:creationId xmlns:a16="http://schemas.microsoft.com/office/drawing/2014/main" id="{09F5D89D-4210-4239-B1EF-2316478F8E00}"/>
+              </a:ext>
+            </a:extLst>
+          </p:cNvPr>
+          <p:cNvCxnSpPr>
+            <a:cxnSpLocks/>
+            <a:stCxn id="14" idx="3"/>
+            <a:endCxn id="9" idx="4"/>
+          </p:cNvCxnSpPr>
+          <p:nvPr/>
+        </p:nvCxnSpPr>
+        <p:spPr>
+          <a:xfrm flipV="1">
+            <a:off x="3411707" y="2058771"/>
+            <a:ext cx="909128" cy="185121"/>
+          </a:xfrm>
+          <a:prstGeom prst="bentConnector2">
+            <a:avLst/>
+          </a:prstGeom>
+          <a:ln>
+            <a:tailEnd type="triangle"/>
+          </a:ln>
+        </p:spPr>
+        <p:style>
+          <a:lnRef idx="3">
+            <a:schemeClr val="dk1"/>
+          </a:lnRef>
+          <a:fillRef idx="0">
+            <a:schemeClr val="dk1"/>
+          </a:fillRef>
+          <a:effectRef idx="2">
+            <a:schemeClr val="dk1"/>
+          </a:effectRef>
+          <a:fontRef idx="minor">
+            <a:schemeClr val="tx1"/>
+          </a:fontRef>
+        </p:style>
+      </p:cxnSp>
+      <p:sp>
+        <p:nvSpPr>
+          <p:cNvPr id="34" name="流程图: 接点 33">
+            <a:extLst>
+              <a:ext uri="{FF2B5EF4-FFF2-40B4-BE49-F238E27FC236}">
+                <a16:creationId xmlns:a16="http://schemas.microsoft.com/office/drawing/2014/main" id="{519C9B75-5A6A-4D96-B886-9F2AEEE84DFA}"/>
+              </a:ext>
+            </a:extLst>
+          </p:cNvPr>
+          <p:cNvSpPr/>
+          <p:nvPr/>
+        </p:nvSpPr>
+        <p:spPr>
+          <a:xfrm>
+            <a:off x="4180627" y="3019212"/>
+            <a:ext cx="280416" cy="280416"/>
+          </a:xfrm>
+          <a:prstGeom prst="flowChartConnector">
+            <a:avLst/>
+          </a:prstGeom>
+          <a:noFill/>
+          <a:ln>
+            <a:solidFill>
+              <a:schemeClr val="tx1"/>
+            </a:solidFill>
+          </a:ln>
+        </p:spPr>
+        <p:style>
+          <a:lnRef idx="2">
+            <a:schemeClr val="accent1">
+              <a:shade val="50000"/>
+            </a:schemeClr>
+          </a:lnRef>
+          <a:fillRef idx="1">
+            <a:schemeClr val="accent1"/>
+          </a:fillRef>
+          <a:effectRef idx="0">
+            <a:schemeClr val="accent1"/>
+          </a:effectRef>
+          <a:fontRef idx="minor">
+            <a:schemeClr val="lt1"/>
+          </a:fontRef>
+        </p:style>
+        <p:txBody>
+          <a:bodyPr rtlCol="0" anchor="ctr"/>
+          <a:lstStyle/>
+          <a:p>
+            <a:pPr algn="ctr"/>
+            <a:endParaRPr lang="zh-CN" altLang="en-US"/>
+          </a:p>
+        </p:txBody>
+      </p:sp>
+      <p:cxnSp>
+        <p:nvCxnSpPr>
+          <p:cNvPr id="35" name="直接连接符 34">
+            <a:extLst>
+              <a:ext uri="{FF2B5EF4-FFF2-40B4-BE49-F238E27FC236}">
+                <a16:creationId xmlns:a16="http://schemas.microsoft.com/office/drawing/2014/main" id="{944CEA08-2B3D-4BC9-8EB4-FF55EE8505E9}"/>
+              </a:ext>
+            </a:extLst>
+          </p:cNvPr>
+          <p:cNvCxnSpPr>
+            <a:cxnSpLocks/>
+            <a:stCxn id="34" idx="1"/>
+            <a:endCxn id="34" idx="5"/>
+          </p:cNvCxnSpPr>
+          <p:nvPr/>
+        </p:nvCxnSpPr>
+        <p:spPr>
+          <a:xfrm>
+            <a:off x="4221693" y="3060278"/>
+            <a:ext cx="198284" cy="198284"/>
+          </a:xfrm>
+          <a:prstGeom prst="line">
+            <a:avLst/>
+          </a:prstGeom>
+          <a:ln>
+            <a:solidFill>
+              <a:schemeClr val="tx1"/>
+            </a:solidFill>
+          </a:ln>
+        </p:spPr>
+        <p:style>
+          <a:lnRef idx="1">
+            <a:schemeClr val="accent1"/>
+          </a:lnRef>
+          <a:fillRef idx="0">
+            <a:schemeClr val="accent1"/>
+          </a:fillRef>
+          <a:effectRef idx="0">
+            <a:schemeClr val="accent1"/>
+          </a:effectRef>
+          <a:fontRef idx="minor">
+            <a:schemeClr val="tx1"/>
+          </a:fontRef>
+        </p:style>
+      </p:cxnSp>
+      <p:cxnSp>
+        <p:nvCxnSpPr>
+          <p:cNvPr id="36" name="直接连接符 35">
+            <a:extLst>
+              <a:ext uri="{FF2B5EF4-FFF2-40B4-BE49-F238E27FC236}">
+                <a16:creationId xmlns:a16="http://schemas.microsoft.com/office/drawing/2014/main" id="{635EF71C-138C-4BD3-ADCF-7B15C53E8D62}"/>
+              </a:ext>
+            </a:extLst>
+          </p:cNvPr>
+          <p:cNvCxnSpPr>
+            <a:cxnSpLocks/>
+            <a:stCxn id="34" idx="7"/>
+            <a:endCxn id="34" idx="3"/>
+          </p:cNvCxnSpPr>
+          <p:nvPr/>
+        </p:nvCxnSpPr>
+        <p:spPr>
+          <a:xfrm flipH="1">
+            <a:off x="4221693" y="3060278"/>
+            <a:ext cx="198284" cy="198284"/>
+          </a:xfrm>
+          <a:prstGeom prst="line">
+            <a:avLst/>
+          </a:prstGeom>
+          <a:ln>
+            <a:solidFill>
+              <a:schemeClr val="tx1"/>
+            </a:solidFill>
+          </a:ln>
+        </p:spPr>
+        <p:style>
+          <a:lnRef idx="1">
+            <a:schemeClr val="accent1"/>
+          </a:lnRef>
+          <a:fillRef idx="0">
+            <a:schemeClr val="accent1"/>
+          </a:fillRef>
+          <a:effectRef idx="0">
+            <a:schemeClr val="accent1"/>
+          </a:effectRef>
+          <a:fontRef idx="minor">
+            <a:schemeClr val="tx1"/>
+          </a:fontRef>
+        </p:style>
+      </p:cxnSp>
+      <p:cxnSp>
+        <p:nvCxnSpPr>
+          <p:cNvPr id="37" name="连接符: 肘形 36">
+            <a:extLst>
+              <a:ext uri="{FF2B5EF4-FFF2-40B4-BE49-F238E27FC236}">
+                <a16:creationId xmlns:a16="http://schemas.microsoft.com/office/drawing/2014/main" id="{25A261EF-0042-4727-807E-47BE531B8A8E}"/>
+              </a:ext>
+            </a:extLst>
+          </p:cNvPr>
+          <p:cNvCxnSpPr>
+            <a:cxnSpLocks/>
+            <a:stCxn id="17" idx="3"/>
+            <a:endCxn id="34" idx="0"/>
+          </p:cNvCxnSpPr>
+          <p:nvPr/>
+        </p:nvCxnSpPr>
+        <p:spPr>
+          <a:xfrm>
+            <a:off x="3411707" y="2864922"/>
+            <a:ext cx="909128" cy="154290"/>
+          </a:xfrm>
+          <a:prstGeom prst="bentConnector2">
+            <a:avLst/>
+          </a:prstGeom>
+          <a:ln>
+            <a:tailEnd type="triangle"/>
+          </a:ln>
+        </p:spPr>
+        <p:style>
+          <a:lnRef idx="3">
+            <a:schemeClr val="dk1"/>
+          </a:lnRef>
+          <a:fillRef idx="0">
+            <a:schemeClr val="dk1"/>
+          </a:fillRef>
+          <a:effectRef idx="2">
+            <a:schemeClr val="dk1"/>
+          </a:effectRef>
+          <a:fontRef idx="minor">
+            <a:schemeClr val="tx1"/>
+          </a:fontRef>
+        </p:style>
+      </p:cxnSp>
+      <p:cxnSp>
+        <p:nvCxnSpPr>
+          <p:cNvPr id="40" name="连接符: 肘形 39">
+            <a:extLst>
+              <a:ext uri="{FF2B5EF4-FFF2-40B4-BE49-F238E27FC236}">
+                <a16:creationId xmlns:a16="http://schemas.microsoft.com/office/drawing/2014/main" id="{BEB7BAC6-0168-4B68-B11B-5242EAA0E1C0}"/>
+              </a:ext>
+            </a:extLst>
+          </p:cNvPr>
+          <p:cNvCxnSpPr>
+            <a:cxnSpLocks/>
+            <a:stCxn id="19" idx="3"/>
+            <a:endCxn id="34" idx="4"/>
+          </p:cNvCxnSpPr>
+          <p:nvPr/>
+        </p:nvCxnSpPr>
+        <p:spPr>
+          <a:xfrm flipV="1">
+            <a:off x="3411707" y="3299628"/>
+            <a:ext cx="909128" cy="186324"/>
+          </a:xfrm>
+          <a:prstGeom prst="bentConnector2">
+            <a:avLst/>
+          </a:prstGeom>
+          <a:ln>
+            <a:tailEnd type="triangle"/>
+          </a:ln>
+        </p:spPr>
+        <p:style>
+          <a:lnRef idx="3">
+            <a:schemeClr val="dk1"/>
+          </a:lnRef>
+          <a:fillRef idx="0">
+            <a:schemeClr val="dk1"/>
+          </a:fillRef>
+          <a:effectRef idx="2">
+            <a:schemeClr val="dk1"/>
+          </a:effectRef>
+          <a:fontRef idx="minor">
+            <a:schemeClr val="tx1"/>
+          </a:fontRef>
+        </p:style>
+      </p:cxnSp>
+      <p:sp>
+        <p:nvSpPr>
+          <p:cNvPr id="43" name="矩形 42">
+            <a:extLst>
+              <a:ext uri="{FF2B5EF4-FFF2-40B4-BE49-F238E27FC236}">
+                <a16:creationId xmlns:a16="http://schemas.microsoft.com/office/drawing/2014/main" id="{D5FDAACA-F224-4676-B266-2D238C11DB78}"/>
+              </a:ext>
+            </a:extLst>
+          </p:cNvPr>
+          <p:cNvSpPr/>
+          <p:nvPr/>
+        </p:nvSpPr>
+        <p:spPr>
+          <a:xfrm>
+            <a:off x="4915161" y="1024983"/>
+            <a:ext cx="510280" cy="398585"/>
+          </a:xfrm>
+          <a:prstGeom prst="rect">
+            <a:avLst/>
+          </a:prstGeom>
+          <a:solidFill>
+            <a:schemeClr val="bg1"/>
+          </a:solidFill>
+        </p:spPr>
+        <p:style>
+          <a:lnRef idx="2">
+            <a:schemeClr val="accent1">
+              <a:shade val="50000"/>
+            </a:schemeClr>
+          </a:lnRef>
+          <a:fillRef idx="1">
+            <a:schemeClr val="accent1"/>
+          </a:fillRef>
+          <a:effectRef idx="0">
+            <a:schemeClr val="accent1"/>
+          </a:effectRef>
+          <a:fontRef idx="minor">
+            <a:schemeClr val="lt1"/>
+          </a:fontRef>
+        </p:style>
+        <p:txBody>
+          <a:bodyPr rtlCol="0" anchor="ctr"/>
+          <a:lstStyle/>
+          <a:p>
+            <a:pPr algn="ctr"/>
+            <a:endParaRPr lang="zh-CN" altLang="en-US" sz="800" dirty="0">
+              <a:solidFill>
+                <a:schemeClr val="tx1"/>
+              </a:solidFill>
+              <a:latin typeface="宋体" panose="02010600030101010101" pitchFamily="2" charset="-122"/>
+              <a:ea typeface="宋体" panose="02010600030101010101" pitchFamily="2" charset="-122"/>
+            </a:endParaRPr>
+          </a:p>
+        </p:txBody>
+      </p:sp>
+      <p:sp>
+        <p:nvSpPr>
+          <p:cNvPr id="44" name="流程图: 接点 43">
+            <a:extLst>
+              <a:ext uri="{FF2B5EF4-FFF2-40B4-BE49-F238E27FC236}">
+                <a16:creationId xmlns:a16="http://schemas.microsoft.com/office/drawing/2014/main" id="{4137BFF3-BB99-41F8-A975-B20A09BEB06E}"/>
+              </a:ext>
+            </a:extLst>
+          </p:cNvPr>
+          <p:cNvSpPr/>
+          <p:nvPr/>
+        </p:nvSpPr>
+        <p:spPr>
+          <a:xfrm>
+            <a:off x="6058195" y="1778355"/>
+            <a:ext cx="280416" cy="280416"/>
+          </a:xfrm>
+          <a:prstGeom prst="flowChartConnector">
+            <a:avLst/>
+          </a:prstGeom>
+          <a:noFill/>
+          <a:ln>
+            <a:solidFill>
+              <a:schemeClr val="tx1"/>
+            </a:solidFill>
+          </a:ln>
+        </p:spPr>
+        <p:style>
+          <a:lnRef idx="2">
+            <a:schemeClr val="accent1">
+              <a:shade val="50000"/>
+            </a:schemeClr>
+          </a:lnRef>
+          <a:fillRef idx="1">
+            <a:schemeClr val="accent1"/>
+          </a:fillRef>
+          <a:effectRef idx="0">
+            <a:schemeClr val="accent1"/>
+          </a:effectRef>
+          <a:fontRef idx="minor">
+            <a:schemeClr val="lt1"/>
+          </a:fontRef>
+        </p:style>
+        <p:txBody>
+          <a:bodyPr rtlCol="0" anchor="ctr"/>
+          <a:lstStyle/>
+          <a:p>
+            <a:pPr algn="ctr"/>
+            <a:endParaRPr lang="zh-CN" altLang="en-US"/>
+          </a:p>
+        </p:txBody>
+      </p:sp>
+      <p:cxnSp>
+        <p:nvCxnSpPr>
+          <p:cNvPr id="45" name="直接连接符 44">
+            <a:extLst>
+              <a:ext uri="{FF2B5EF4-FFF2-40B4-BE49-F238E27FC236}">
+                <a16:creationId xmlns:a16="http://schemas.microsoft.com/office/drawing/2014/main" id="{1801FCB0-9BCE-44AC-B386-E816CFE95CAC}"/>
+              </a:ext>
+            </a:extLst>
+          </p:cNvPr>
+          <p:cNvCxnSpPr>
+            <a:cxnSpLocks/>
+            <a:stCxn id="44" idx="1"/>
+            <a:endCxn id="44" idx="5"/>
+          </p:cNvCxnSpPr>
+          <p:nvPr/>
+        </p:nvCxnSpPr>
+        <p:spPr>
+          <a:xfrm>
+            <a:off x="6099261" y="1819421"/>
+            <a:ext cx="198284" cy="198284"/>
+          </a:xfrm>
+          <a:prstGeom prst="line">
+            <a:avLst/>
+          </a:prstGeom>
+          <a:ln>
+            <a:solidFill>
+              <a:schemeClr val="tx1"/>
+            </a:solidFill>
+          </a:ln>
+        </p:spPr>
+        <p:style>
+          <a:lnRef idx="1">
+            <a:schemeClr val="accent1"/>
+          </a:lnRef>
+          <a:fillRef idx="0">
+            <a:schemeClr val="accent1"/>
+          </a:fillRef>
+          <a:effectRef idx="0">
+            <a:schemeClr val="accent1"/>
+          </a:effectRef>
+          <a:fontRef idx="minor">
+            <a:schemeClr val="tx1"/>
+          </a:fontRef>
+        </p:style>
+      </p:cxnSp>
+      <p:cxnSp>
+        <p:nvCxnSpPr>
+          <p:cNvPr id="46" name="直接连接符 45">
+            <a:extLst>
+              <a:ext uri="{FF2B5EF4-FFF2-40B4-BE49-F238E27FC236}">
+                <a16:creationId xmlns:a16="http://schemas.microsoft.com/office/drawing/2014/main" id="{47845E7B-0AC2-4DB4-88BC-7BD71EDA389C}"/>
+              </a:ext>
+            </a:extLst>
+          </p:cNvPr>
+          <p:cNvCxnSpPr>
+            <a:cxnSpLocks/>
+            <a:stCxn id="44" idx="7"/>
+            <a:endCxn id="44" idx="3"/>
+          </p:cNvCxnSpPr>
+          <p:nvPr/>
+        </p:nvCxnSpPr>
+        <p:spPr>
+          <a:xfrm flipH="1">
+            <a:off x="6099261" y="1819421"/>
+            <a:ext cx="198284" cy="198284"/>
+          </a:xfrm>
+          <a:prstGeom prst="line">
+            <a:avLst/>
+          </a:prstGeom>
+          <a:ln>
+            <a:solidFill>
+              <a:schemeClr val="tx1"/>
+            </a:solidFill>
+          </a:ln>
+        </p:spPr>
+        <p:style>
+          <a:lnRef idx="1">
+            <a:schemeClr val="accent1"/>
+          </a:lnRef>
+          <a:fillRef idx="0">
+            <a:schemeClr val="accent1"/>
+          </a:fillRef>
+          <a:effectRef idx="0">
+            <a:schemeClr val="accent1"/>
+          </a:effectRef>
+          <a:fontRef idx="minor">
+            <a:schemeClr val="tx1"/>
+          </a:fontRef>
+        </p:style>
+      </p:cxnSp>
+      <p:sp>
+        <p:nvSpPr>
+          <p:cNvPr id="47" name="矩形 46">
+            <a:extLst>
+              <a:ext uri="{FF2B5EF4-FFF2-40B4-BE49-F238E27FC236}">
+                <a16:creationId xmlns:a16="http://schemas.microsoft.com/office/drawing/2014/main" id="{CD95C30F-D476-424A-BD77-051AC4FC6F67}"/>
+              </a:ext>
+            </a:extLst>
+          </p:cNvPr>
+          <p:cNvSpPr/>
+          <p:nvPr/>
+        </p:nvSpPr>
+        <p:spPr>
+          <a:xfrm>
+            <a:off x="5804284" y="1024982"/>
+            <a:ext cx="510280" cy="398585"/>
+          </a:xfrm>
+          <a:prstGeom prst="rect">
+            <a:avLst/>
+          </a:prstGeom>
+          <a:solidFill>
+            <a:schemeClr val="bg1"/>
+          </a:solidFill>
+        </p:spPr>
+        <p:style>
+          <a:lnRef idx="2">
+            <a:schemeClr val="accent1">
+              <a:shade val="50000"/>
+            </a:schemeClr>
+          </a:lnRef>
+          <a:fillRef idx="1">
+            <a:schemeClr val="accent1"/>
+          </a:fillRef>
+          <a:effectRef idx="0">
+            <a:schemeClr val="accent1"/>
+          </a:effectRef>
+          <a:fontRef idx="minor">
+            <a:schemeClr val="lt1"/>
+          </a:fontRef>
+        </p:style>
+        <p:txBody>
+          <a:bodyPr rtlCol="0" anchor="ctr"/>
+          <a:lstStyle/>
+          <a:p>
+            <a:pPr algn="ctr"/>
+            <a:endParaRPr lang="zh-CN" altLang="en-US" sz="800" dirty="0">
+              <a:solidFill>
+                <a:schemeClr val="tx1"/>
+              </a:solidFill>
+              <a:latin typeface="宋体" panose="02010600030101010101" pitchFamily="2" charset="-122"/>
+              <a:ea typeface="宋体" panose="02010600030101010101" pitchFamily="2" charset="-122"/>
+            </a:endParaRPr>
+          </a:p>
+        </p:txBody>
+      </p:sp>
+      <p:cxnSp>
+        <p:nvCxnSpPr>
+          <p:cNvPr id="49" name="直接箭头连接符 48">
+            <a:extLst>
+              <a:ext uri="{FF2B5EF4-FFF2-40B4-BE49-F238E27FC236}">
+                <a16:creationId xmlns:a16="http://schemas.microsoft.com/office/drawing/2014/main" id="{F53DADB9-BB9A-4F84-A9DE-93F893B3C96C}"/>
+              </a:ext>
+            </a:extLst>
+          </p:cNvPr>
+          <p:cNvCxnSpPr>
+            <a:cxnSpLocks/>
+            <a:stCxn id="9" idx="6"/>
+            <a:endCxn id="44" idx="2"/>
+          </p:cNvCxnSpPr>
+          <p:nvPr/>
+        </p:nvCxnSpPr>
+        <p:spPr>
+          <a:xfrm>
+            <a:off x="4461043" y="1918563"/>
+            <a:ext cx="1597152" cy="0"/>
+          </a:xfrm>
+          <a:prstGeom prst="straightConnector1">
+            <a:avLst/>
+          </a:prstGeom>
+          <a:ln>
+            <a:tailEnd type="triangle"/>
+          </a:ln>
+        </p:spPr>
+        <p:style>
+          <a:lnRef idx="3">
+            <a:schemeClr val="dk1"/>
+          </a:lnRef>
+          <a:fillRef idx="0">
+            <a:schemeClr val="dk1"/>
+          </a:fillRef>
+          <a:effectRef idx="2">
+            <a:schemeClr val="dk1"/>
+          </a:effectRef>
+          <a:fontRef idx="minor">
+            <a:schemeClr val="tx1"/>
+          </a:fontRef>
+        </p:style>
+      </p:cxnSp>
+      <p:cxnSp>
+        <p:nvCxnSpPr>
+          <p:cNvPr id="50" name="连接符: 肘形 49">
+            <a:extLst>
+              <a:ext uri="{FF2B5EF4-FFF2-40B4-BE49-F238E27FC236}">
+                <a16:creationId xmlns:a16="http://schemas.microsoft.com/office/drawing/2014/main" id="{BD7A53C0-1F30-4702-81AA-367475237E14}"/>
+              </a:ext>
+            </a:extLst>
+          </p:cNvPr>
+          <p:cNvCxnSpPr>
+            <a:cxnSpLocks/>
+            <a:endCxn id="43" idx="1"/>
+          </p:cNvCxnSpPr>
+          <p:nvPr/>
+        </p:nvCxnSpPr>
+        <p:spPr>
+          <a:xfrm rot="5400000" flipH="1" flipV="1">
+            <a:off x="4425139" y="1426378"/>
+            <a:ext cx="692124" cy="287920"/>
+          </a:xfrm>
+          <a:prstGeom prst="bentConnector2">
+            <a:avLst/>
+          </a:prstGeom>
+          <a:ln>
+            <a:tailEnd type="triangle"/>
+          </a:ln>
+        </p:spPr>
+        <p:style>
+          <a:lnRef idx="3">
+            <a:schemeClr val="dk1"/>
+          </a:lnRef>
+          <a:fillRef idx="0">
+            <a:schemeClr val="dk1"/>
+          </a:fillRef>
+          <a:effectRef idx="2">
+            <a:schemeClr val="dk1"/>
+          </a:effectRef>
+          <a:fontRef idx="minor">
+            <a:schemeClr val="tx1"/>
+          </a:fontRef>
+        </p:style>
+      </p:cxnSp>
+      <p:cxnSp>
+        <p:nvCxnSpPr>
+          <p:cNvPr id="53" name="直接箭头连接符 52">
+            <a:extLst>
+              <a:ext uri="{FF2B5EF4-FFF2-40B4-BE49-F238E27FC236}">
+                <a16:creationId xmlns:a16="http://schemas.microsoft.com/office/drawing/2014/main" id="{7E082EF9-6489-47B0-A266-11BE35A33028}"/>
+              </a:ext>
+            </a:extLst>
+          </p:cNvPr>
+          <p:cNvCxnSpPr>
+            <a:cxnSpLocks/>
+            <a:stCxn id="43" idx="3"/>
+            <a:endCxn id="47" idx="1"/>
+          </p:cNvCxnSpPr>
+          <p:nvPr/>
+        </p:nvCxnSpPr>
+        <p:spPr>
+          <a:xfrm flipV="1">
+            <a:off x="5425441" y="1224275"/>
+            <a:ext cx="378843" cy="1"/>
+          </a:xfrm>
+          <a:prstGeom prst="straightConnector1">
+            <a:avLst/>
+          </a:prstGeom>
+          <a:ln>
+            <a:tailEnd type="triangle"/>
+          </a:ln>
+        </p:spPr>
+        <p:style>
+          <a:lnRef idx="3">
+            <a:schemeClr val="dk1"/>
+          </a:lnRef>
+          <a:fillRef idx="0">
+            <a:schemeClr val="dk1"/>
+          </a:fillRef>
+          <a:effectRef idx="2">
+            <a:schemeClr val="dk1"/>
+          </a:effectRef>
+          <a:fontRef idx="minor">
+            <a:schemeClr val="tx1"/>
+          </a:fontRef>
+        </p:style>
+      </p:cxnSp>
+      <p:cxnSp>
+        <p:nvCxnSpPr>
+          <p:cNvPr id="56" name="连接符: 肘形 55">
+            <a:extLst>
+              <a:ext uri="{FF2B5EF4-FFF2-40B4-BE49-F238E27FC236}">
+                <a16:creationId xmlns:a16="http://schemas.microsoft.com/office/drawing/2014/main" id="{A2FE19C6-4BDD-4F7A-8986-1C9C6A1D3393}"/>
+              </a:ext>
+            </a:extLst>
+          </p:cNvPr>
+          <p:cNvCxnSpPr>
+            <a:cxnSpLocks/>
+            <a:stCxn id="47" idx="3"/>
+            <a:endCxn id="70" idx="0"/>
+          </p:cNvCxnSpPr>
+          <p:nvPr/>
+        </p:nvCxnSpPr>
+        <p:spPr>
+          <a:xfrm>
+            <a:off x="6314564" y="1224275"/>
+            <a:ext cx="413779" cy="554702"/>
+          </a:xfrm>
+          <a:prstGeom prst="bentConnector2">
+            <a:avLst/>
+          </a:prstGeom>
+          <a:ln>
+            <a:tailEnd type="triangle"/>
+          </a:ln>
+        </p:spPr>
+        <p:style>
+          <a:lnRef idx="3">
+            <a:schemeClr val="dk1"/>
+          </a:lnRef>
+          <a:fillRef idx="0">
+            <a:schemeClr val="dk1"/>
+          </a:fillRef>
+          <a:effectRef idx="2">
+            <a:schemeClr val="dk1"/>
+          </a:effectRef>
+          <a:fontRef idx="minor">
+            <a:schemeClr val="tx1"/>
+          </a:fontRef>
+        </p:style>
+      </p:cxnSp>
+      <p:sp>
+        <p:nvSpPr>
+          <p:cNvPr id="59" name="矩形 58">
+            <a:extLst>
+              <a:ext uri="{FF2B5EF4-FFF2-40B4-BE49-F238E27FC236}">
+                <a16:creationId xmlns:a16="http://schemas.microsoft.com/office/drawing/2014/main" id="{25E4B399-9A4F-476C-A19D-0DB8CA7BFB6D}"/>
+              </a:ext>
+            </a:extLst>
+          </p:cNvPr>
+          <p:cNvSpPr/>
+          <p:nvPr/>
+        </p:nvSpPr>
+        <p:spPr>
+          <a:xfrm>
+            <a:off x="7098827" y="1718112"/>
+            <a:ext cx="510280" cy="398585"/>
+          </a:xfrm>
+          <a:prstGeom prst="rect">
+            <a:avLst/>
+          </a:prstGeom>
+          <a:solidFill>
+            <a:schemeClr val="bg1"/>
+          </a:solidFill>
+        </p:spPr>
+        <p:style>
+          <a:lnRef idx="2">
+            <a:schemeClr val="accent1">
+              <a:shade val="50000"/>
+            </a:schemeClr>
+          </a:lnRef>
+          <a:fillRef idx="1">
+            <a:schemeClr val="accent1"/>
+          </a:fillRef>
+          <a:effectRef idx="0">
+            <a:schemeClr val="accent1"/>
+          </a:effectRef>
+          <a:fontRef idx="minor">
+            <a:schemeClr val="lt1"/>
+          </a:fontRef>
+        </p:style>
+        <p:txBody>
+          <a:bodyPr rtlCol="0" anchor="ctr"/>
+          <a:lstStyle/>
+          <a:p>
+            <a:pPr algn="ctr"/>
+            <a:endParaRPr lang="zh-CN" altLang="en-US" sz="800" dirty="0">
+              <a:solidFill>
+                <a:schemeClr val="tx1"/>
+              </a:solidFill>
+              <a:latin typeface="宋体" panose="02010600030101010101" pitchFamily="2" charset="-122"/>
+              <a:ea typeface="宋体" panose="02010600030101010101" pitchFamily="2" charset="-122"/>
+            </a:endParaRPr>
+          </a:p>
+        </p:txBody>
+      </p:sp>
+      <p:sp>
+        <p:nvSpPr>
+          <p:cNvPr id="60" name="矩形 59">
+            <a:extLst>
+              <a:ext uri="{FF2B5EF4-FFF2-40B4-BE49-F238E27FC236}">
+                <a16:creationId xmlns:a16="http://schemas.microsoft.com/office/drawing/2014/main" id="{466B8DCB-BE44-4F1C-94F0-A44C0833D84C}"/>
+              </a:ext>
+            </a:extLst>
+          </p:cNvPr>
+          <p:cNvSpPr/>
+          <p:nvPr/>
+        </p:nvSpPr>
+        <p:spPr>
+          <a:xfrm>
+            <a:off x="7987950" y="1718111"/>
+            <a:ext cx="510280" cy="398585"/>
+          </a:xfrm>
+          <a:prstGeom prst="rect">
+            <a:avLst/>
+          </a:prstGeom>
+          <a:solidFill>
+            <a:schemeClr val="bg1"/>
+          </a:solidFill>
+        </p:spPr>
+        <p:style>
+          <a:lnRef idx="2">
+            <a:schemeClr val="accent1">
+              <a:shade val="50000"/>
+            </a:schemeClr>
+          </a:lnRef>
+          <a:fillRef idx="1">
+            <a:schemeClr val="accent1"/>
+          </a:fillRef>
+          <a:effectRef idx="0">
+            <a:schemeClr val="accent1"/>
+          </a:effectRef>
+          <a:fontRef idx="minor">
+            <a:schemeClr val="lt1"/>
+          </a:fontRef>
+        </p:style>
+        <p:txBody>
+          <a:bodyPr rtlCol="0" anchor="ctr"/>
+          <a:lstStyle/>
+          <a:p>
+            <a:pPr algn="ctr"/>
+            <a:endParaRPr lang="zh-CN" altLang="en-US" sz="800" dirty="0">
+              <a:solidFill>
+                <a:schemeClr val="tx1"/>
+              </a:solidFill>
+              <a:latin typeface="宋体" panose="02010600030101010101" pitchFamily="2" charset="-122"/>
+              <a:ea typeface="宋体" panose="02010600030101010101" pitchFamily="2" charset="-122"/>
+            </a:endParaRPr>
+          </a:p>
+        </p:txBody>
+      </p:sp>
+      <p:cxnSp>
+        <p:nvCxnSpPr>
+          <p:cNvPr id="61" name="直接箭头连接符 60">
+            <a:extLst>
+              <a:ext uri="{FF2B5EF4-FFF2-40B4-BE49-F238E27FC236}">
+                <a16:creationId xmlns:a16="http://schemas.microsoft.com/office/drawing/2014/main" id="{D7963736-8494-4B99-968D-AF7FBEA1C0B2}"/>
+              </a:ext>
+            </a:extLst>
+          </p:cNvPr>
+          <p:cNvCxnSpPr>
+            <a:cxnSpLocks/>
+            <a:stCxn id="59" idx="3"/>
+            <a:endCxn id="60" idx="1"/>
+          </p:cNvCxnSpPr>
+          <p:nvPr/>
+        </p:nvCxnSpPr>
+        <p:spPr>
+          <a:xfrm flipV="1">
+            <a:off x="7609107" y="1917404"/>
+            <a:ext cx="378843" cy="1"/>
+          </a:xfrm>
+          <a:prstGeom prst="straightConnector1">
+            <a:avLst/>
+          </a:prstGeom>
+          <a:ln>
+            <a:tailEnd type="triangle"/>
+          </a:ln>
+        </p:spPr>
+        <p:style>
+          <a:lnRef idx="3">
+            <a:schemeClr val="dk1"/>
+          </a:lnRef>
+          <a:fillRef idx="0">
+            <a:schemeClr val="dk1"/>
+          </a:fillRef>
+          <a:effectRef idx="2">
+            <a:schemeClr val="dk1"/>
+          </a:effectRef>
+          <a:fontRef idx="minor">
+            <a:schemeClr val="tx1"/>
+          </a:fontRef>
+        </p:style>
+      </p:cxnSp>
+      <p:cxnSp>
+        <p:nvCxnSpPr>
+          <p:cNvPr id="62" name="直接箭头连接符 61">
+            <a:extLst>
+              <a:ext uri="{FF2B5EF4-FFF2-40B4-BE49-F238E27FC236}">
+                <a16:creationId xmlns:a16="http://schemas.microsoft.com/office/drawing/2014/main" id="{652B5DB8-8576-42F5-BF70-C7A6A27680F1}"/>
+              </a:ext>
+            </a:extLst>
+          </p:cNvPr>
+          <p:cNvCxnSpPr>
+            <a:cxnSpLocks/>
+            <a:stCxn id="44" idx="6"/>
+            <a:endCxn id="70" idx="2"/>
+          </p:cNvCxnSpPr>
+          <p:nvPr/>
+        </p:nvCxnSpPr>
+        <p:spPr>
+          <a:xfrm>
+            <a:off x="6338611" y="1918563"/>
+            <a:ext cx="249524" cy="622"/>
+          </a:xfrm>
+          <a:prstGeom prst="straightConnector1">
+            <a:avLst/>
+          </a:prstGeom>
+          <a:ln>
+            <a:tailEnd type="triangle"/>
+          </a:ln>
+        </p:spPr>
+        <p:style>
+          <a:lnRef idx="3">
+            <a:schemeClr val="dk1"/>
+          </a:lnRef>
+          <a:fillRef idx="0">
+            <a:schemeClr val="dk1"/>
+          </a:fillRef>
+          <a:effectRef idx="2">
+            <a:schemeClr val="dk1"/>
+          </a:effectRef>
+          <a:fontRef idx="minor">
+            <a:schemeClr val="tx1"/>
+          </a:fontRef>
+        </p:style>
+      </p:cxnSp>
+      <p:sp>
+        <p:nvSpPr>
+          <p:cNvPr id="71" name="矩形 70">
+            <a:extLst>
+              <a:ext uri="{FF2B5EF4-FFF2-40B4-BE49-F238E27FC236}">
+                <a16:creationId xmlns:a16="http://schemas.microsoft.com/office/drawing/2014/main" id="{14575017-C377-43F9-B17C-2582A216CFC0}"/>
+              </a:ext>
+            </a:extLst>
+          </p:cNvPr>
+          <p:cNvSpPr/>
+          <p:nvPr/>
+        </p:nvSpPr>
+        <p:spPr>
+          <a:xfrm>
+            <a:off x="4972660" y="2960171"/>
+            <a:ext cx="510280" cy="398585"/>
+          </a:xfrm>
+          <a:prstGeom prst="rect">
+            <a:avLst/>
+          </a:prstGeom>
+          <a:solidFill>
+            <a:schemeClr val="bg1"/>
+          </a:solidFill>
+        </p:spPr>
+        <p:style>
+          <a:lnRef idx="2">
+            <a:schemeClr val="accent1">
+              <a:shade val="50000"/>
+            </a:schemeClr>
+          </a:lnRef>
+          <a:fillRef idx="1">
+            <a:schemeClr val="accent1"/>
+          </a:fillRef>
+          <a:effectRef idx="0">
+            <a:schemeClr val="accent1"/>
+          </a:effectRef>
+          <a:fontRef idx="minor">
+            <a:schemeClr val="lt1"/>
+          </a:fontRef>
+        </p:style>
+        <p:txBody>
+          <a:bodyPr rtlCol="0" anchor="ctr"/>
+          <a:lstStyle/>
+          <a:p>
+            <a:pPr algn="ctr"/>
+            <a:endParaRPr lang="zh-CN" altLang="en-US" sz="800" dirty="0">
+              <a:solidFill>
+                <a:schemeClr val="tx1"/>
+              </a:solidFill>
+              <a:latin typeface="宋体" panose="02010600030101010101" pitchFamily="2" charset="-122"/>
+              <a:ea typeface="宋体" panose="02010600030101010101" pitchFamily="2" charset="-122"/>
+            </a:endParaRPr>
+          </a:p>
+        </p:txBody>
+      </p:sp>
+      <p:cxnSp>
+        <p:nvCxnSpPr>
+          <p:cNvPr id="72" name="连接符: 肘形 71">
+            <a:extLst>
+              <a:ext uri="{FF2B5EF4-FFF2-40B4-BE49-F238E27FC236}">
+                <a16:creationId xmlns:a16="http://schemas.microsoft.com/office/drawing/2014/main" id="{12C63D97-4BEA-4DB6-8C3E-2E768C8E7DFC}"/>
+              </a:ext>
+            </a:extLst>
+          </p:cNvPr>
+          <p:cNvCxnSpPr>
+            <a:cxnSpLocks/>
+            <a:stCxn id="71" idx="3"/>
+            <a:endCxn id="44" idx="3"/>
+          </p:cNvCxnSpPr>
+          <p:nvPr/>
+        </p:nvCxnSpPr>
+        <p:spPr>
+          <a:xfrm flipV="1">
+            <a:off x="5482940" y="2017705"/>
+            <a:ext cx="616321" cy="1141759"/>
+          </a:xfrm>
+          <a:prstGeom prst="bentConnector2">
+            <a:avLst/>
+          </a:prstGeom>
+          <a:ln>
+            <a:tailEnd type="triangle"/>
+          </a:ln>
+        </p:spPr>
+        <p:style>
+          <a:lnRef idx="3">
+            <a:schemeClr val="dk1"/>
+          </a:lnRef>
+          <a:fillRef idx="0">
+            <a:schemeClr val="dk1"/>
+          </a:fillRef>
+          <a:effectRef idx="2">
+            <a:schemeClr val="dk1"/>
+          </a:effectRef>
+          <a:fontRef idx="minor">
+            <a:schemeClr val="tx1"/>
+          </a:fontRef>
+        </p:style>
+      </p:cxnSp>
+      <p:cxnSp>
+        <p:nvCxnSpPr>
+          <p:cNvPr id="73" name="直接箭头连接符 72">
+            <a:extLst>
+              <a:ext uri="{FF2B5EF4-FFF2-40B4-BE49-F238E27FC236}">
+                <a16:creationId xmlns:a16="http://schemas.microsoft.com/office/drawing/2014/main" id="{24AF95E9-AC1A-421A-B58D-0B10FB4EE3A3}"/>
+              </a:ext>
+            </a:extLst>
+          </p:cNvPr>
+          <p:cNvCxnSpPr>
+            <a:cxnSpLocks/>
+            <a:stCxn id="34" idx="6"/>
+            <a:endCxn id="71" idx="1"/>
+          </p:cNvCxnSpPr>
+          <p:nvPr/>
+        </p:nvCxnSpPr>
+        <p:spPr>
+          <a:xfrm>
+            <a:off x="4461043" y="3159420"/>
+            <a:ext cx="511617" cy="44"/>
+          </a:xfrm>
+          <a:prstGeom prst="straightConnector1">
+            <a:avLst/>
+          </a:prstGeom>
+          <a:ln>
+            <a:tailEnd type="triangle"/>
+          </a:ln>
+        </p:spPr>
+        <p:style>
+          <a:lnRef idx="3">
+            <a:schemeClr val="dk1"/>
+          </a:lnRef>
+          <a:fillRef idx="0">
+            <a:schemeClr val="dk1"/>
+          </a:fillRef>
+          <a:effectRef idx="2">
+            <a:schemeClr val="dk1"/>
+          </a:effectRef>
+          <a:fontRef idx="minor">
+            <a:schemeClr val="tx1"/>
+          </a:fontRef>
+        </p:style>
+      </p:cxnSp>
+      <p:sp>
+        <p:nvSpPr>
+          <p:cNvPr id="77" name="矩形 76">
+            <a:extLst>
+              <a:ext uri="{FF2B5EF4-FFF2-40B4-BE49-F238E27FC236}">
+                <a16:creationId xmlns:a16="http://schemas.microsoft.com/office/drawing/2014/main" id="{D527B9E5-2474-4409-A6FB-1BDE0D62CA0D}"/>
+              </a:ext>
+            </a:extLst>
+          </p:cNvPr>
+          <p:cNvSpPr/>
+          <p:nvPr/>
+        </p:nvSpPr>
+        <p:spPr>
+          <a:xfrm>
+            <a:off x="5609212" y="3285270"/>
+            <a:ext cx="253911" cy="398585"/>
+          </a:xfrm>
+          <a:prstGeom prst="rect">
+            <a:avLst/>
+          </a:prstGeom>
+          <a:solidFill>
+            <a:schemeClr val="bg1"/>
+          </a:solidFill>
+        </p:spPr>
+        <p:style>
+          <a:lnRef idx="2">
+            <a:schemeClr val="accent1">
+              <a:shade val="50000"/>
+            </a:schemeClr>
+          </a:lnRef>
+          <a:fillRef idx="1">
+            <a:schemeClr val="accent1"/>
+          </a:fillRef>
+          <a:effectRef idx="0">
+            <a:schemeClr val="accent1"/>
+          </a:effectRef>
+          <a:fontRef idx="minor">
+            <a:schemeClr val="lt1"/>
+          </a:fontRef>
+        </p:style>
+        <p:txBody>
+          <a:bodyPr rtlCol="0" anchor="ctr"/>
+          <a:lstStyle/>
+          <a:p>
+            <a:pPr algn="ctr"/>
+            <a:endParaRPr lang="zh-CN" altLang="en-US" sz="800" dirty="0">
+              <a:solidFill>
+                <a:schemeClr val="tx1"/>
+              </a:solidFill>
+              <a:latin typeface="宋体" panose="02010600030101010101" pitchFamily="2" charset="-122"/>
+              <a:ea typeface="宋体" panose="02010600030101010101" pitchFamily="2" charset="-122"/>
+            </a:endParaRPr>
+          </a:p>
+        </p:txBody>
+      </p:sp>
+      <p:cxnSp>
+        <p:nvCxnSpPr>
+          <p:cNvPr id="78" name="直接箭头连接符 77">
+            <a:extLst>
+              <a:ext uri="{FF2B5EF4-FFF2-40B4-BE49-F238E27FC236}">
+                <a16:creationId xmlns:a16="http://schemas.microsoft.com/office/drawing/2014/main" id="{32999343-E8BA-44DB-8015-C53BA71BE655}"/>
+              </a:ext>
+            </a:extLst>
+          </p:cNvPr>
+          <p:cNvCxnSpPr>
+            <a:cxnSpLocks/>
+            <a:stCxn id="19" idx="3"/>
+            <a:endCxn id="77" idx="1"/>
+          </p:cNvCxnSpPr>
+          <p:nvPr/>
+        </p:nvCxnSpPr>
+        <p:spPr>
+          <a:xfrm flipV="1">
+            <a:off x="3411707" y="3484563"/>
+            <a:ext cx="2197505" cy="1389"/>
+          </a:xfrm>
+          <a:prstGeom prst="straightConnector1">
+            <a:avLst/>
+          </a:prstGeom>
+          <a:ln>
+            <a:tailEnd type="triangle"/>
+          </a:ln>
+        </p:spPr>
+        <p:style>
+          <a:lnRef idx="3">
+            <a:schemeClr val="dk1"/>
+          </a:lnRef>
+          <a:fillRef idx="0">
+            <a:schemeClr val="dk1"/>
+          </a:fillRef>
+          <a:effectRef idx="2">
+            <a:schemeClr val="dk1"/>
+          </a:effectRef>
+          <a:fontRef idx="minor">
+            <a:schemeClr val="tx1"/>
+          </a:fontRef>
+        </p:style>
+      </p:cxnSp>
+      <p:cxnSp>
+        <p:nvCxnSpPr>
+          <p:cNvPr id="89" name="连接符: 肘形 88">
+            <a:extLst>
+              <a:ext uri="{FF2B5EF4-FFF2-40B4-BE49-F238E27FC236}">
+                <a16:creationId xmlns:a16="http://schemas.microsoft.com/office/drawing/2014/main" id="{EBDAD858-CD4E-4E84-AA2A-BE1CBFB7497A}"/>
+              </a:ext>
+            </a:extLst>
+          </p:cNvPr>
+          <p:cNvCxnSpPr>
+            <a:cxnSpLocks/>
+            <a:stCxn id="77" idx="3"/>
+            <a:endCxn id="44" idx="5"/>
+          </p:cNvCxnSpPr>
+          <p:nvPr/>
+        </p:nvCxnSpPr>
+        <p:spPr>
+          <a:xfrm flipV="1">
+            <a:off x="5863123" y="2017705"/>
+            <a:ext cx="434422" cy="1466858"/>
+          </a:xfrm>
+          <a:prstGeom prst="bentConnector2">
+            <a:avLst/>
+          </a:prstGeom>
+          <a:ln>
+            <a:tailEnd type="triangle"/>
+          </a:ln>
+        </p:spPr>
+        <p:style>
+          <a:lnRef idx="3">
+            <a:schemeClr val="dk1"/>
+          </a:lnRef>
+          <a:fillRef idx="0">
+            <a:schemeClr val="dk1"/>
+          </a:fillRef>
+          <a:effectRef idx="2">
+            <a:schemeClr val="dk1"/>
+          </a:effectRef>
+          <a:fontRef idx="minor">
+            <a:schemeClr val="tx1"/>
+          </a:fontRef>
+        </p:style>
+      </p:cxnSp>
+      <p:cxnSp>
+        <p:nvCxnSpPr>
+          <p:cNvPr id="95" name="直接箭头连接符 94">
+            <a:extLst>
+              <a:ext uri="{FF2B5EF4-FFF2-40B4-BE49-F238E27FC236}">
+                <a16:creationId xmlns:a16="http://schemas.microsoft.com/office/drawing/2014/main" id="{133701A6-F320-496F-98C0-906180D97FE1}"/>
+              </a:ext>
+            </a:extLst>
+          </p:cNvPr>
+          <p:cNvCxnSpPr>
+            <a:cxnSpLocks/>
+            <a:stCxn id="60" idx="3"/>
+          </p:cNvCxnSpPr>
+          <p:nvPr/>
+        </p:nvCxnSpPr>
+        <p:spPr>
+          <a:xfrm>
+            <a:off x="8498230" y="1917404"/>
+            <a:ext cx="540987" cy="0"/>
+          </a:xfrm>
+          <a:prstGeom prst="straightConnector1">
+            <a:avLst/>
+          </a:prstGeom>
+          <a:ln>
+            <a:tailEnd type="triangle"/>
+          </a:ln>
+        </p:spPr>
+        <p:style>
+          <a:lnRef idx="3">
+            <a:schemeClr val="dk1"/>
+          </a:lnRef>
+          <a:fillRef idx="0">
+            <a:schemeClr val="dk1"/>
+          </a:fillRef>
+          <a:effectRef idx="2">
+            <a:schemeClr val="dk1"/>
+          </a:effectRef>
+          <a:fontRef idx="minor">
+            <a:schemeClr val="tx1"/>
+          </a:fontRef>
+        </p:style>
+      </p:cxnSp>
+      <p:cxnSp>
+        <p:nvCxnSpPr>
+          <p:cNvPr id="97" name="连接符: 肘形 96">
+            <a:extLst>
+              <a:ext uri="{FF2B5EF4-FFF2-40B4-BE49-F238E27FC236}">
+                <a16:creationId xmlns:a16="http://schemas.microsoft.com/office/drawing/2014/main" id="{EAC39DA1-5882-4D6C-83C3-5E8739078A83}"/>
+              </a:ext>
+            </a:extLst>
+          </p:cNvPr>
+          <p:cNvCxnSpPr>
+            <a:cxnSpLocks/>
+            <a:stCxn id="5" idx="3"/>
+            <a:endCxn id="6" idx="0"/>
+          </p:cNvCxnSpPr>
+          <p:nvPr/>
+        </p:nvCxnSpPr>
+        <p:spPr>
+          <a:xfrm>
+            <a:off x="1470500" y="2243892"/>
+            <a:ext cx="540901" cy="111661"/>
+          </a:xfrm>
+          <a:prstGeom prst="bentConnector2">
+            <a:avLst/>
+          </a:prstGeom>
+          <a:ln>
+            <a:tailEnd type="triangle"/>
+          </a:ln>
+        </p:spPr>
+        <p:style>
+          <a:lnRef idx="3">
+            <a:schemeClr val="dk1"/>
+          </a:lnRef>
+          <a:fillRef idx="0">
+            <a:schemeClr val="dk1"/>
+          </a:fillRef>
+          <a:effectRef idx="2">
+            <a:schemeClr val="dk1"/>
+          </a:effectRef>
+          <a:fontRef idx="minor">
+            <a:schemeClr val="tx1"/>
+          </a:fontRef>
+        </p:style>
+      </p:cxnSp>
+      <p:cxnSp>
+        <p:nvCxnSpPr>
+          <p:cNvPr id="100" name="连接符: 肘形 99">
+            <a:extLst>
+              <a:ext uri="{FF2B5EF4-FFF2-40B4-BE49-F238E27FC236}">
+                <a16:creationId xmlns:a16="http://schemas.microsoft.com/office/drawing/2014/main" id="{6D0DFDB4-AB3B-4ED6-BF10-743A32C5B51B}"/>
+              </a:ext>
+            </a:extLst>
+          </p:cNvPr>
+          <p:cNvCxnSpPr>
+            <a:cxnSpLocks/>
+            <a:stCxn id="12" idx="3"/>
+            <a:endCxn id="6" idx="2"/>
+          </p:cNvCxnSpPr>
+          <p:nvPr/>
+        </p:nvCxnSpPr>
+        <p:spPr>
+          <a:xfrm flipV="1">
+            <a:off x="1447494" y="2754138"/>
+            <a:ext cx="563907" cy="110784"/>
+          </a:xfrm>
+          <a:prstGeom prst="bentConnector2">
+            <a:avLst/>
+          </a:prstGeom>
+          <a:ln>
+            <a:tailEnd type="triangle"/>
+          </a:ln>
+        </p:spPr>
+        <p:style>
+          <a:lnRef idx="3">
+            <a:schemeClr val="dk1"/>
+          </a:lnRef>
+          <a:fillRef idx="0">
+            <a:schemeClr val="dk1"/>
+          </a:fillRef>
+          <a:effectRef idx="2">
+            <a:schemeClr val="dk1"/>
+          </a:effectRef>
+          <a:fontRef idx="minor">
+            <a:schemeClr val="tx1"/>
+          </a:fontRef>
+        </p:style>
+      </p:cxnSp>
+      <p:cxnSp>
+        <p:nvCxnSpPr>
+          <p:cNvPr id="103" name="连接符: 肘形 102">
+            <a:extLst>
+              <a:ext uri="{FF2B5EF4-FFF2-40B4-BE49-F238E27FC236}">
+                <a16:creationId xmlns:a16="http://schemas.microsoft.com/office/drawing/2014/main" id="{3CA126FB-CDF6-41AC-A129-0421118BA794}"/>
+              </a:ext>
+            </a:extLst>
+          </p:cNvPr>
+          <p:cNvCxnSpPr>
+            <a:cxnSpLocks/>
+            <a:stCxn id="6" idx="3"/>
+            <a:endCxn id="7" idx="1"/>
+          </p:cNvCxnSpPr>
+          <p:nvPr/>
+        </p:nvCxnSpPr>
+        <p:spPr>
+          <a:xfrm flipV="1">
+            <a:off x="2409985" y="1622862"/>
+            <a:ext cx="204553" cy="931984"/>
+          </a:xfrm>
+          <a:prstGeom prst="bentConnector3">
+            <a:avLst>
+              <a:gd name="adj1" fmla="val 50000"/>
+            </a:avLst>
+          </a:prstGeom>
+          <a:ln>
+            <a:tailEnd type="triangle"/>
+          </a:ln>
+        </p:spPr>
+        <p:style>
+          <a:lnRef idx="3">
+            <a:schemeClr val="dk1"/>
+          </a:lnRef>
+          <a:fillRef idx="0">
+            <a:schemeClr val="dk1"/>
+          </a:fillRef>
+          <a:effectRef idx="2">
+            <a:schemeClr val="dk1"/>
+          </a:effectRef>
+          <a:fontRef idx="minor">
+            <a:schemeClr val="tx1"/>
+          </a:fontRef>
+        </p:style>
+      </p:cxnSp>
+      <p:cxnSp>
+        <p:nvCxnSpPr>
+          <p:cNvPr id="106" name="连接符: 肘形 105">
+            <a:extLst>
+              <a:ext uri="{FF2B5EF4-FFF2-40B4-BE49-F238E27FC236}">
+                <a16:creationId xmlns:a16="http://schemas.microsoft.com/office/drawing/2014/main" id="{4747EC9C-6DDE-4792-8B50-8C2F5F4AAA76}"/>
+              </a:ext>
+            </a:extLst>
+          </p:cNvPr>
+          <p:cNvCxnSpPr>
+            <a:cxnSpLocks/>
+            <a:stCxn id="6" idx="3"/>
+            <a:endCxn id="14" idx="1"/>
+          </p:cNvCxnSpPr>
+          <p:nvPr/>
+        </p:nvCxnSpPr>
+        <p:spPr>
+          <a:xfrm flipV="1">
+            <a:off x="2409985" y="2243892"/>
+            <a:ext cx="204553" cy="310954"/>
+          </a:xfrm>
+          <a:prstGeom prst="bentConnector3">
+            <a:avLst>
+              <a:gd name="adj1" fmla="val 50000"/>
+            </a:avLst>
+          </a:prstGeom>
+          <a:ln>
+            <a:tailEnd type="triangle"/>
+          </a:ln>
+        </p:spPr>
+        <p:style>
+          <a:lnRef idx="3">
+            <a:schemeClr val="dk1"/>
+          </a:lnRef>
+          <a:fillRef idx="0">
+            <a:schemeClr val="dk1"/>
+          </a:fillRef>
+          <a:effectRef idx="2">
+            <a:schemeClr val="dk1"/>
+          </a:effectRef>
+          <a:fontRef idx="minor">
+            <a:schemeClr val="tx1"/>
+          </a:fontRef>
+        </p:style>
+      </p:cxnSp>
+      <p:cxnSp>
+        <p:nvCxnSpPr>
+          <p:cNvPr id="109" name="连接符: 肘形 108">
+            <a:extLst>
+              <a:ext uri="{FF2B5EF4-FFF2-40B4-BE49-F238E27FC236}">
+                <a16:creationId xmlns:a16="http://schemas.microsoft.com/office/drawing/2014/main" id="{0EB6D8AD-5284-4071-A1D0-4839168FBCC8}"/>
+              </a:ext>
+            </a:extLst>
+          </p:cNvPr>
+          <p:cNvCxnSpPr>
+            <a:cxnSpLocks/>
+            <a:stCxn id="6" idx="3"/>
+            <a:endCxn id="19" idx="1"/>
+          </p:cNvCxnSpPr>
+          <p:nvPr/>
+        </p:nvCxnSpPr>
+        <p:spPr>
+          <a:xfrm>
+            <a:off x="2409985" y="2554846"/>
+            <a:ext cx="204553" cy="931106"/>
+          </a:xfrm>
+          <a:prstGeom prst="bentConnector3">
+            <a:avLst>
+              <a:gd name="adj1" fmla="val 50000"/>
+            </a:avLst>
+          </a:prstGeom>
+          <a:ln>
+            <a:tailEnd type="triangle"/>
+          </a:ln>
+        </p:spPr>
+        <p:style>
+          <a:lnRef idx="3">
+            <a:schemeClr val="dk1"/>
+          </a:lnRef>
+          <a:fillRef idx="0">
+            <a:schemeClr val="dk1"/>
+          </a:fillRef>
+          <a:effectRef idx="2">
+            <a:schemeClr val="dk1"/>
+          </a:effectRef>
+          <a:fontRef idx="minor">
+            <a:schemeClr val="tx1"/>
+          </a:fontRef>
+        </p:style>
+      </p:cxnSp>
+      <p:cxnSp>
+        <p:nvCxnSpPr>
+          <p:cNvPr id="110" name="连接符: 肘形 109">
+            <a:extLst>
+              <a:ext uri="{FF2B5EF4-FFF2-40B4-BE49-F238E27FC236}">
+                <a16:creationId xmlns:a16="http://schemas.microsoft.com/office/drawing/2014/main" id="{A53FF7BF-6FF4-45AA-BBBF-84C1B5331AC9}"/>
+              </a:ext>
+            </a:extLst>
+          </p:cNvPr>
+          <p:cNvCxnSpPr>
+            <a:cxnSpLocks/>
+            <a:stCxn id="6" idx="3"/>
+            <a:endCxn id="17" idx="1"/>
+          </p:cNvCxnSpPr>
+          <p:nvPr/>
+        </p:nvCxnSpPr>
+        <p:spPr>
+          <a:xfrm>
+            <a:off x="2409985" y="2554846"/>
+            <a:ext cx="204553" cy="310076"/>
+          </a:xfrm>
+          <a:prstGeom prst="bentConnector3">
+            <a:avLst>
+              <a:gd name="adj1" fmla="val 50000"/>
+            </a:avLst>
+          </a:prstGeom>
+          <a:ln>
+            <a:tailEnd type="triangle"/>
+          </a:ln>
+        </p:spPr>
+        <p:style>
+          <a:lnRef idx="3">
+            <a:schemeClr val="dk1"/>
+          </a:lnRef>
+          <a:fillRef idx="0">
+            <a:schemeClr val="dk1"/>
+          </a:fillRef>
+          <a:effectRef idx="2">
+            <a:schemeClr val="dk1"/>
+          </a:effectRef>
+          <a:fontRef idx="minor">
+            <a:schemeClr val="tx1"/>
+          </a:fontRef>
+        </p:style>
+      </p:cxnSp>
+      <p:graphicFrame>
+        <p:nvGraphicFramePr>
+          <p:cNvPr id="117" name="对象 116">
+            <a:extLst>
+              <a:ext uri="{FF2B5EF4-FFF2-40B4-BE49-F238E27FC236}">
+                <a16:creationId xmlns:a16="http://schemas.microsoft.com/office/drawing/2014/main" id="{51E4D38F-B196-4B46-AF99-47DB5DD9FA50}"/>
+              </a:ext>
+            </a:extLst>
+          </p:cNvPr>
+          <p:cNvGraphicFramePr>
+            <a:graphicFrameLocks noChangeAspect="1"/>
+          </p:cNvGraphicFramePr>
+          <p:nvPr/>
+        </p:nvGraphicFramePr>
+        <p:xfrm>
+          <a:off x="5070067" y="1135374"/>
+          <a:ext cx="203200" cy="177800"/>
+        </p:xfrm>
+        <a:graphic>
+          <a:graphicData uri="http://schemas.openxmlformats.org/presentationml/2006/ole">
+            <mc:AlternateContent xmlns:mc="http://schemas.openxmlformats.org/markup-compatibility/2006">
+              <mc:Choice xmlns:v="urn:schemas-microsoft-com:vml" Requires="v">
+                <p:oleObj spid="_x0000_s10262" name="Equation" r:id="rId13" imgW="203040" imgH="177480" progId="Equation.DSMT4">
+                  <p:embed/>
+                </p:oleObj>
+              </mc:Choice>
+              <mc:Fallback>
+                <p:oleObj name="Equation" r:id="rId13" imgW="203040" imgH="177480" progId="Equation.DSMT4">
+                  <p:embed/>
+                  <p:pic>
+                    <p:nvPicPr>
+                      <p:cNvPr id="117" name="对象 116">
+                        <a:extLst>
+                          <a:ext uri="{FF2B5EF4-FFF2-40B4-BE49-F238E27FC236}">
+                            <a16:creationId xmlns:a16="http://schemas.microsoft.com/office/drawing/2014/main" id="{51E4D38F-B196-4B46-AF99-47DB5DD9FA50}"/>
+                          </a:ext>
+                        </a:extLst>
+                      </p:cNvPr>
+                      <p:cNvPicPr/>
+                      <p:nvPr/>
+                    </p:nvPicPr>
+                    <p:blipFill>
+                      <a:blip r:embed="rId14"/>
+                      <a:stretch>
+                        <a:fillRect/>
+                      </a:stretch>
+                    </p:blipFill>
+                    <p:spPr>
+                      <a:xfrm>
+                        <a:off x="5070067" y="1135374"/>
+                        <a:ext cx="203200" cy="177800"/>
+                      </a:xfrm>
+                      <a:prstGeom prst="rect">
+                        <a:avLst/>
+                      </a:prstGeom>
+                    </p:spPr>
+                  </p:pic>
+                </p:oleObj>
+              </mc:Fallback>
+            </mc:AlternateContent>
+          </a:graphicData>
+        </a:graphic>
+      </p:graphicFrame>
+      <p:graphicFrame>
+        <p:nvGraphicFramePr>
+          <p:cNvPr id="118" name="对象 117">
+            <a:extLst>
+              <a:ext uri="{FF2B5EF4-FFF2-40B4-BE49-F238E27FC236}">
+                <a16:creationId xmlns:a16="http://schemas.microsoft.com/office/drawing/2014/main" id="{E57D1739-7D24-4B90-91D5-AA095FA2860F}"/>
+              </a:ext>
+            </a:extLst>
+          </p:cNvPr>
+          <p:cNvGraphicFramePr>
+            <a:graphicFrameLocks noChangeAspect="1"/>
+          </p:cNvGraphicFramePr>
+          <p:nvPr/>
+        </p:nvGraphicFramePr>
+        <p:xfrm>
+          <a:off x="5985442" y="1029867"/>
+          <a:ext cx="139700" cy="393700"/>
+        </p:xfrm>
+        <a:graphic>
+          <a:graphicData uri="http://schemas.openxmlformats.org/presentationml/2006/ole">
+            <mc:AlternateContent xmlns:mc="http://schemas.openxmlformats.org/markup-compatibility/2006">
+              <mc:Choice xmlns:v="urn:schemas-microsoft-com:vml" Requires="v">
+                <p:oleObj spid="_x0000_s10263" name="Equation" r:id="rId15" imgW="139680" imgH="393480" progId="Equation.DSMT4">
+                  <p:embed/>
+                </p:oleObj>
+              </mc:Choice>
+              <mc:Fallback>
+                <p:oleObj name="Equation" r:id="rId15" imgW="139680" imgH="393480" progId="Equation.DSMT4">
+                  <p:embed/>
+                  <p:pic>
+                    <p:nvPicPr>
+                      <p:cNvPr id="118" name="对象 117">
+                        <a:extLst>
+                          <a:ext uri="{FF2B5EF4-FFF2-40B4-BE49-F238E27FC236}">
+                            <a16:creationId xmlns:a16="http://schemas.microsoft.com/office/drawing/2014/main" id="{E57D1739-7D24-4B90-91D5-AA095FA2860F}"/>
+                          </a:ext>
+                        </a:extLst>
+                      </p:cNvPr>
+                      <p:cNvPicPr/>
+                      <p:nvPr/>
+                    </p:nvPicPr>
+                    <p:blipFill>
+                      <a:blip r:embed="rId16"/>
+                      <a:stretch>
+                        <a:fillRect/>
+                      </a:stretch>
+                    </p:blipFill>
+                    <p:spPr>
+                      <a:xfrm>
+                        <a:off x="5985442" y="1029867"/>
+                        <a:ext cx="139700" cy="393700"/>
+                      </a:xfrm>
+                      <a:prstGeom prst="rect">
+                        <a:avLst/>
+                      </a:prstGeom>
+                    </p:spPr>
+                  </p:pic>
+                </p:oleObj>
+              </mc:Fallback>
+            </mc:AlternateContent>
+          </a:graphicData>
+        </a:graphic>
+      </p:graphicFrame>
+      <p:graphicFrame>
+        <p:nvGraphicFramePr>
+          <p:cNvPr id="119" name="对象 118">
+            <a:extLst>
+              <a:ext uri="{FF2B5EF4-FFF2-40B4-BE49-F238E27FC236}">
+                <a16:creationId xmlns:a16="http://schemas.microsoft.com/office/drawing/2014/main" id="{26A69256-78FA-433F-A418-32CE721EFF06}"/>
+              </a:ext>
+            </a:extLst>
+          </p:cNvPr>
+          <p:cNvGraphicFramePr>
+            <a:graphicFrameLocks noChangeAspect="1"/>
+          </p:cNvGraphicFramePr>
+          <p:nvPr/>
+        </p:nvGraphicFramePr>
+        <p:xfrm>
+          <a:off x="4081876" y="2113047"/>
+          <a:ext cx="127000" cy="101600"/>
+        </p:xfrm>
+        <a:graphic>
+          <a:graphicData uri="http://schemas.openxmlformats.org/presentationml/2006/ole">
+            <mc:AlternateContent xmlns:mc="http://schemas.openxmlformats.org/markup-compatibility/2006">
+              <mc:Choice xmlns:v="urn:schemas-microsoft-com:vml" Requires="v">
+                <p:oleObj spid="_x0000_s10264" name="Equation" r:id="rId17" imgW="126720" imgH="101520" progId="Equation.DSMT4">
+                  <p:embed/>
+                </p:oleObj>
+              </mc:Choice>
+              <mc:Fallback>
+                <p:oleObj name="Equation" r:id="rId17" imgW="126720" imgH="101520" progId="Equation.DSMT4">
+                  <p:embed/>
+                  <p:pic>
+                    <p:nvPicPr>
+                      <p:cNvPr id="119" name="对象 118">
+                        <a:extLst>
+                          <a:ext uri="{FF2B5EF4-FFF2-40B4-BE49-F238E27FC236}">
+                            <a16:creationId xmlns:a16="http://schemas.microsoft.com/office/drawing/2014/main" id="{26A69256-78FA-433F-A418-32CE721EFF06}"/>
+                          </a:ext>
+                        </a:extLst>
+                      </p:cNvPr>
+                      <p:cNvPicPr/>
+                      <p:nvPr/>
+                    </p:nvPicPr>
+                    <p:blipFill>
+                      <a:blip r:embed="rId18"/>
+                      <a:stretch>
+                        <a:fillRect/>
+                      </a:stretch>
+                    </p:blipFill>
+                    <p:spPr>
+                      <a:xfrm>
+                        <a:off x="4081876" y="2113047"/>
+                        <a:ext cx="127000" cy="101600"/>
+                      </a:xfrm>
+                      <a:prstGeom prst="rect">
+                        <a:avLst/>
+                      </a:prstGeom>
+                    </p:spPr>
+                  </p:pic>
+                </p:oleObj>
+              </mc:Fallback>
+            </mc:AlternateContent>
+          </a:graphicData>
+        </a:graphic>
+      </p:graphicFrame>
+      <p:graphicFrame>
+        <p:nvGraphicFramePr>
+          <p:cNvPr id="18" name="对象 17">
+            <a:extLst>
+              <a:ext uri="{FF2B5EF4-FFF2-40B4-BE49-F238E27FC236}">
+                <a16:creationId xmlns:a16="http://schemas.microsoft.com/office/drawing/2014/main" id="{270B4FDB-4BAB-4D6A-8342-C0E64B048EE8}"/>
+              </a:ext>
+            </a:extLst>
+          </p:cNvPr>
+          <p:cNvGraphicFramePr>
+            <a:graphicFrameLocks noChangeAspect="1"/>
+          </p:cNvGraphicFramePr>
+          <p:nvPr>
+            <p:extLst>
+              <p:ext uri="{D42A27DB-BD31-4B8C-83A1-F6EECF244321}">
+                <p14:modId xmlns:p14="http://schemas.microsoft.com/office/powerpoint/2010/main" val="2039944488"/>
+              </p:ext>
+            </p:extLst>
+          </p:nvPr>
+        </p:nvGraphicFramePr>
+        <p:xfrm>
+          <a:off x="2873422" y="3389312"/>
+          <a:ext cx="279400" cy="190500"/>
+        </p:xfrm>
+        <a:graphic>
+          <a:graphicData uri="http://schemas.openxmlformats.org/presentationml/2006/ole">
+            <mc:AlternateContent xmlns:mc="http://schemas.openxmlformats.org/markup-compatibility/2006">
+              <mc:Choice xmlns:v="urn:schemas-microsoft-com:vml" Requires="v">
+                <p:oleObj spid="_x0000_s10265" name="Equation" r:id="rId19" imgW="279360" imgH="190440" progId="Equation.DSMT4">
+                  <p:embed/>
+                </p:oleObj>
+              </mc:Choice>
+              <mc:Fallback>
+                <p:oleObj name="Equation" r:id="rId19" imgW="279360" imgH="190440" progId="Equation.DSMT4">
+                  <p:embed/>
+                  <p:pic>
+                    <p:nvPicPr>
+                      <p:cNvPr id="18" name="对象 17">
+                        <a:extLst>
+                          <a:ext uri="{FF2B5EF4-FFF2-40B4-BE49-F238E27FC236}">
+                            <a16:creationId xmlns:a16="http://schemas.microsoft.com/office/drawing/2014/main" id="{270B4FDB-4BAB-4D6A-8342-C0E64B048EE8}"/>
+                          </a:ext>
+                        </a:extLst>
+                      </p:cNvPr>
+                      <p:cNvPicPr/>
+                      <p:nvPr/>
+                    </p:nvPicPr>
+                    <p:blipFill>
+                      <a:blip r:embed="rId20"/>
+                      <a:stretch>
+                        <a:fillRect/>
+                      </a:stretch>
+                    </p:blipFill>
+                    <p:spPr>
+                      <a:xfrm>
+                        <a:off x="2873422" y="3389312"/>
+                        <a:ext cx="279400" cy="190500"/>
+                      </a:xfrm>
+                      <a:prstGeom prst="rect">
+                        <a:avLst/>
+                      </a:prstGeom>
+                    </p:spPr>
+                  </p:pic>
+                </p:oleObj>
+              </mc:Fallback>
+            </mc:AlternateContent>
+          </a:graphicData>
+        </a:graphic>
+      </p:graphicFrame>
+      <p:graphicFrame>
+        <p:nvGraphicFramePr>
+          <p:cNvPr id="120" name="对象 119">
+            <a:extLst>
+              <a:ext uri="{FF2B5EF4-FFF2-40B4-BE49-F238E27FC236}">
+                <a16:creationId xmlns:a16="http://schemas.microsoft.com/office/drawing/2014/main" id="{0FDC142E-A6FC-4E75-A8CA-359C4F891A49}"/>
+              </a:ext>
+            </a:extLst>
+          </p:cNvPr>
+          <p:cNvGraphicFramePr>
+            <a:graphicFrameLocks noChangeAspect="1"/>
+          </p:cNvGraphicFramePr>
+          <p:nvPr/>
+        </p:nvGraphicFramePr>
+        <p:xfrm>
+          <a:off x="4096807" y="2754866"/>
+          <a:ext cx="114300" cy="100013"/>
+        </p:xfrm>
+        <a:graphic>
+          <a:graphicData uri="http://schemas.openxmlformats.org/presentationml/2006/ole">
+            <mc:AlternateContent xmlns:mc="http://schemas.openxmlformats.org/markup-compatibility/2006">
+              <mc:Choice xmlns:v="urn:schemas-microsoft-com:vml" Requires="v">
+                <p:oleObj spid="_x0000_s10266" name="Equation" r:id="rId21" imgW="114406" imgH="99264" progId="Equation.DSMT4">
+                  <p:embed/>
+                </p:oleObj>
+              </mc:Choice>
+              <mc:Fallback>
+                <p:oleObj name="Equation" r:id="rId21" imgW="114406" imgH="99264" progId="Equation.DSMT4">
+                  <p:embed/>
+                  <p:pic>
+                    <p:nvPicPr>
+                      <p:cNvPr id="120" name="对象 119">
+                        <a:extLst>
+                          <a:ext uri="{FF2B5EF4-FFF2-40B4-BE49-F238E27FC236}">
+                            <a16:creationId xmlns:a16="http://schemas.microsoft.com/office/drawing/2014/main" id="{0FDC142E-A6FC-4E75-A8CA-359C4F891A49}"/>
+                          </a:ext>
+                        </a:extLst>
+                      </p:cNvPr>
+                      <p:cNvPicPr/>
+                      <p:nvPr/>
+                    </p:nvPicPr>
+                    <p:blipFill>
+                      <a:blip r:embed="rId22"/>
+                      <a:stretch>
+                        <a:fillRect/>
+                      </a:stretch>
+                    </p:blipFill>
+                    <p:spPr>
+                      <a:xfrm>
+                        <a:off x="4096807" y="2754866"/>
+                        <a:ext cx="114300" cy="100013"/>
+                      </a:xfrm>
+                      <a:prstGeom prst="rect">
+                        <a:avLst/>
+                      </a:prstGeom>
+                    </p:spPr>
+                  </p:pic>
+                </p:oleObj>
+              </mc:Fallback>
+            </mc:AlternateContent>
+          </a:graphicData>
+        </a:graphic>
+      </p:graphicFrame>
+      <p:graphicFrame>
+        <p:nvGraphicFramePr>
+          <p:cNvPr id="121" name="对象 120">
+            <a:extLst>
+              <a:ext uri="{FF2B5EF4-FFF2-40B4-BE49-F238E27FC236}">
+                <a16:creationId xmlns:a16="http://schemas.microsoft.com/office/drawing/2014/main" id="{4E3D255D-2A62-4909-97FD-DC30D5661E12}"/>
+              </a:ext>
+            </a:extLst>
+          </p:cNvPr>
+          <p:cNvGraphicFramePr>
+            <a:graphicFrameLocks noChangeAspect="1"/>
+          </p:cNvGraphicFramePr>
+          <p:nvPr/>
+        </p:nvGraphicFramePr>
+        <p:xfrm>
+          <a:off x="5087938" y="3082925"/>
+          <a:ext cx="241300" cy="177800"/>
+        </p:xfrm>
+        <a:graphic>
+          <a:graphicData uri="http://schemas.openxmlformats.org/presentationml/2006/ole">
+            <mc:AlternateContent xmlns:mc="http://schemas.openxmlformats.org/markup-compatibility/2006">
+              <mc:Choice xmlns:v="urn:schemas-microsoft-com:vml" Requires="v">
+                <p:oleObj spid="_x0000_s10267" name="Equation" r:id="rId23" imgW="241200" imgH="177480" progId="Equation.DSMT4">
+                  <p:embed/>
+                </p:oleObj>
+              </mc:Choice>
+              <mc:Fallback>
+                <p:oleObj name="Equation" r:id="rId23" imgW="241200" imgH="177480" progId="Equation.DSMT4">
+                  <p:embed/>
+                  <p:pic>
+                    <p:nvPicPr>
+                      <p:cNvPr id="121" name="对象 120">
+                        <a:extLst>
+                          <a:ext uri="{FF2B5EF4-FFF2-40B4-BE49-F238E27FC236}">
+                            <a16:creationId xmlns:a16="http://schemas.microsoft.com/office/drawing/2014/main" id="{4E3D255D-2A62-4909-97FD-DC30D5661E12}"/>
+                          </a:ext>
+                        </a:extLst>
+                      </p:cNvPr>
+                      <p:cNvPicPr/>
+                      <p:nvPr/>
+                    </p:nvPicPr>
+                    <p:blipFill>
+                      <a:blip r:embed="rId24"/>
+                      <a:stretch>
+                        <a:fillRect/>
+                      </a:stretch>
+                    </p:blipFill>
+                    <p:spPr>
+                      <a:xfrm>
+                        <a:off x="5087938" y="3082925"/>
+                        <a:ext cx="241300" cy="177800"/>
+                      </a:xfrm>
+                      <a:prstGeom prst="rect">
+                        <a:avLst/>
+                      </a:prstGeom>
+                    </p:spPr>
+                  </p:pic>
+                </p:oleObj>
+              </mc:Fallback>
+            </mc:AlternateContent>
+          </a:graphicData>
+        </a:graphic>
+      </p:graphicFrame>
+      <p:graphicFrame>
+        <p:nvGraphicFramePr>
+          <p:cNvPr id="122" name="对象 121">
+            <a:extLst>
+              <a:ext uri="{FF2B5EF4-FFF2-40B4-BE49-F238E27FC236}">
+                <a16:creationId xmlns:a16="http://schemas.microsoft.com/office/drawing/2014/main" id="{D06FE097-89B0-47BA-AEB7-4EFFDE40FC12}"/>
+              </a:ext>
+            </a:extLst>
+          </p:cNvPr>
+          <p:cNvGraphicFramePr>
+            <a:graphicFrameLocks noChangeAspect="1"/>
+          </p:cNvGraphicFramePr>
+          <p:nvPr>
+            <p:extLst>
+              <p:ext uri="{D42A27DB-BD31-4B8C-83A1-F6EECF244321}">
+                <p14:modId xmlns:p14="http://schemas.microsoft.com/office/powerpoint/2010/main" val="2317284009"/>
+              </p:ext>
+            </p:extLst>
+          </p:nvPr>
+        </p:nvGraphicFramePr>
+        <p:xfrm>
+          <a:off x="7243763" y="1692275"/>
+          <a:ext cx="203200" cy="431800"/>
+        </p:xfrm>
+        <a:graphic>
+          <a:graphicData uri="http://schemas.openxmlformats.org/presentationml/2006/ole">
+            <mc:AlternateContent xmlns:mc="http://schemas.openxmlformats.org/markup-compatibility/2006">
+              <mc:Choice xmlns:v="urn:schemas-microsoft-com:vml" Requires="v">
+                <p:oleObj spid="_x0000_s10268" name="Equation" r:id="rId25" imgW="203040" imgH="431640" progId="Equation.DSMT4">
+                  <p:embed/>
+                </p:oleObj>
+              </mc:Choice>
+              <mc:Fallback>
+                <p:oleObj name="Equation" r:id="rId25" imgW="203040" imgH="431640" progId="Equation.DSMT4">
+                  <p:embed/>
+                  <p:pic>
+                    <p:nvPicPr>
+                      <p:cNvPr id="122" name="对象 121">
+                        <a:extLst>
+                          <a:ext uri="{FF2B5EF4-FFF2-40B4-BE49-F238E27FC236}">
+                            <a16:creationId xmlns:a16="http://schemas.microsoft.com/office/drawing/2014/main" id="{D06FE097-89B0-47BA-AEB7-4EFFDE40FC12}"/>
+                          </a:ext>
+                        </a:extLst>
+                      </p:cNvPr>
+                      <p:cNvPicPr/>
+                      <p:nvPr/>
+                    </p:nvPicPr>
+                    <p:blipFill>
+                      <a:blip r:embed="rId26"/>
+                      <a:stretch>
+                        <a:fillRect/>
+                      </a:stretch>
+                    </p:blipFill>
+                    <p:spPr>
+                      <a:xfrm>
+                        <a:off x="7243763" y="1692275"/>
+                        <a:ext cx="203200" cy="431800"/>
+                      </a:xfrm>
+                      <a:prstGeom prst="rect">
+                        <a:avLst/>
+                      </a:prstGeom>
+                    </p:spPr>
+                  </p:pic>
+                </p:oleObj>
+              </mc:Fallback>
+            </mc:AlternateContent>
+          </a:graphicData>
+        </a:graphic>
+      </p:graphicFrame>
+      <p:graphicFrame>
+        <p:nvGraphicFramePr>
+          <p:cNvPr id="123" name="对象 122">
+            <a:extLst>
+              <a:ext uri="{FF2B5EF4-FFF2-40B4-BE49-F238E27FC236}">
+                <a16:creationId xmlns:a16="http://schemas.microsoft.com/office/drawing/2014/main" id="{0FAAB6F0-A224-41E2-A979-9D39603F41E6}"/>
+              </a:ext>
+            </a:extLst>
+          </p:cNvPr>
+          <p:cNvGraphicFramePr>
+            <a:graphicFrameLocks noChangeAspect="1"/>
+          </p:cNvGraphicFramePr>
+          <p:nvPr>
+            <p:extLst>
+              <p:ext uri="{D42A27DB-BD31-4B8C-83A1-F6EECF244321}">
+                <p14:modId xmlns:p14="http://schemas.microsoft.com/office/powerpoint/2010/main" val="1894237258"/>
+              </p:ext>
+            </p:extLst>
+          </p:nvPr>
+        </p:nvGraphicFramePr>
+        <p:xfrm>
+          <a:off x="8059738" y="1798638"/>
+          <a:ext cx="368300" cy="241300"/>
+        </p:xfrm>
+        <a:graphic>
+          <a:graphicData uri="http://schemas.openxmlformats.org/presentationml/2006/ole">
+            <mc:AlternateContent xmlns:mc="http://schemas.openxmlformats.org/markup-compatibility/2006">
+              <mc:Choice xmlns:v="urn:schemas-microsoft-com:vml" Requires="v">
+                <p:oleObj spid="_x0000_s10269" name="Equation" r:id="rId27" imgW="368280" imgH="241200" progId="Equation.DSMT4">
+                  <p:embed/>
+                </p:oleObj>
+              </mc:Choice>
+              <mc:Fallback>
+                <p:oleObj name="Equation" r:id="rId27" imgW="368280" imgH="241200" progId="Equation.DSMT4">
+                  <p:embed/>
+                  <p:pic>
+                    <p:nvPicPr>
+                      <p:cNvPr id="123" name="对象 122">
+                        <a:extLst>
+                          <a:ext uri="{FF2B5EF4-FFF2-40B4-BE49-F238E27FC236}">
+                            <a16:creationId xmlns:a16="http://schemas.microsoft.com/office/drawing/2014/main" id="{0FAAB6F0-A224-41E2-A979-9D39603F41E6}"/>
+                          </a:ext>
+                        </a:extLst>
+                      </p:cNvPr>
+                      <p:cNvPicPr/>
+                      <p:nvPr/>
+                    </p:nvPicPr>
+                    <p:blipFill>
+                      <a:blip r:embed="rId28"/>
+                      <a:stretch>
+                        <a:fillRect/>
+                      </a:stretch>
+                    </p:blipFill>
+                    <p:spPr>
+                      <a:xfrm>
+                        <a:off x="8059738" y="1798638"/>
+                        <a:ext cx="368300" cy="241300"/>
+                      </a:xfrm>
+                      <a:prstGeom prst="rect">
+                        <a:avLst/>
+                      </a:prstGeom>
+                    </p:spPr>
+                  </p:pic>
+                </p:oleObj>
+              </mc:Fallback>
+            </mc:AlternateContent>
+          </a:graphicData>
+        </a:graphic>
+      </p:graphicFrame>
+      <p:graphicFrame>
+        <p:nvGraphicFramePr>
+          <p:cNvPr id="124" name="对象 123">
+            <a:extLst>
+              <a:ext uri="{FF2B5EF4-FFF2-40B4-BE49-F238E27FC236}">
+                <a16:creationId xmlns:a16="http://schemas.microsoft.com/office/drawing/2014/main" id="{2E00FC68-EFA7-489D-B7AC-EEA6F6ADB1AF}"/>
+              </a:ext>
+            </a:extLst>
+          </p:cNvPr>
+          <p:cNvGraphicFramePr>
+            <a:graphicFrameLocks noChangeAspect="1"/>
+          </p:cNvGraphicFramePr>
+          <p:nvPr>
+            <p:extLst>
+              <p:ext uri="{D42A27DB-BD31-4B8C-83A1-F6EECF244321}">
+                <p14:modId xmlns:p14="http://schemas.microsoft.com/office/powerpoint/2010/main" val="906199895"/>
+              </p:ext>
+            </p:extLst>
+          </p:nvPr>
+        </p:nvGraphicFramePr>
+        <p:xfrm>
+          <a:off x="5647494" y="3270608"/>
+          <a:ext cx="203200" cy="431800"/>
+        </p:xfrm>
+        <a:graphic>
+          <a:graphicData uri="http://schemas.openxmlformats.org/presentationml/2006/ole">
+            <mc:AlternateContent xmlns:mc="http://schemas.openxmlformats.org/markup-compatibility/2006">
+              <mc:Choice xmlns:v="urn:schemas-microsoft-com:vml" Requires="v">
+                <p:oleObj spid="_x0000_s10270" name="Equation" r:id="rId29" imgW="203040" imgH="431640" progId="Equation.DSMT4">
+                  <p:embed/>
+                </p:oleObj>
+              </mc:Choice>
+              <mc:Fallback>
+                <p:oleObj name="Equation" r:id="rId29" imgW="203040" imgH="431640" progId="Equation.DSMT4">
+                  <p:embed/>
+                  <p:pic>
+                    <p:nvPicPr>
+                      <p:cNvPr id="124" name="对象 123">
+                        <a:extLst>
+                          <a:ext uri="{FF2B5EF4-FFF2-40B4-BE49-F238E27FC236}">
+                            <a16:creationId xmlns:a16="http://schemas.microsoft.com/office/drawing/2014/main" id="{2E00FC68-EFA7-489D-B7AC-EEA6F6ADB1AF}"/>
+                          </a:ext>
+                        </a:extLst>
+                      </p:cNvPr>
+                      <p:cNvPicPr/>
+                      <p:nvPr/>
+                    </p:nvPicPr>
+                    <p:blipFill>
+                      <a:blip r:embed="rId30"/>
+                      <a:stretch>
+                        <a:fillRect/>
+                      </a:stretch>
+                    </p:blipFill>
+                    <p:spPr>
+                      <a:xfrm>
+                        <a:off x="5647494" y="3270608"/>
+                        <a:ext cx="203200" cy="431800"/>
+                      </a:xfrm>
+                      <a:prstGeom prst="rect">
+                        <a:avLst/>
+                      </a:prstGeom>
+                    </p:spPr>
+                  </p:pic>
+                </p:oleObj>
+              </mc:Fallback>
+            </mc:AlternateContent>
+          </a:graphicData>
+        </a:graphic>
+      </p:graphicFrame>
+      <p:graphicFrame>
+        <p:nvGraphicFramePr>
+          <p:cNvPr id="133" name="对象 132">
+            <a:extLst>
+              <a:ext uri="{FF2B5EF4-FFF2-40B4-BE49-F238E27FC236}">
+                <a16:creationId xmlns:a16="http://schemas.microsoft.com/office/drawing/2014/main" id="{7AA56214-7D1E-4A6E-827F-2300BA3E1B33}"/>
+              </a:ext>
+            </a:extLst>
+          </p:cNvPr>
+          <p:cNvGraphicFramePr>
+            <a:graphicFrameLocks noChangeAspect="1"/>
+          </p:cNvGraphicFramePr>
+          <p:nvPr>
+            <p:extLst>
+              <p:ext uri="{D42A27DB-BD31-4B8C-83A1-F6EECF244321}">
+                <p14:modId xmlns:p14="http://schemas.microsoft.com/office/powerpoint/2010/main" val="692900997"/>
+              </p:ext>
+            </p:extLst>
+          </p:nvPr>
+        </p:nvGraphicFramePr>
+        <p:xfrm>
+          <a:off x="8654733" y="1685925"/>
+          <a:ext cx="254000" cy="203200"/>
+        </p:xfrm>
+        <a:graphic>
+          <a:graphicData uri="http://schemas.openxmlformats.org/presentationml/2006/ole">
+            <mc:AlternateContent xmlns:mc="http://schemas.openxmlformats.org/markup-compatibility/2006">
+              <mc:Choice xmlns:v="urn:schemas-microsoft-com:vml" Requires="v">
+                <p:oleObj spid="_x0000_s10271" name="Equation" r:id="rId31" imgW="253800" imgH="203040" progId="Equation.DSMT4">
+                  <p:embed/>
+                </p:oleObj>
+              </mc:Choice>
+              <mc:Fallback>
+                <p:oleObj name="Equation" r:id="rId31" imgW="253800" imgH="203040" progId="Equation.DSMT4">
+                  <p:embed/>
+                  <p:pic>
+                    <p:nvPicPr>
+                      <p:cNvPr id="133" name="对象 132">
+                        <a:extLst>
+                          <a:ext uri="{FF2B5EF4-FFF2-40B4-BE49-F238E27FC236}">
+                            <a16:creationId xmlns:a16="http://schemas.microsoft.com/office/drawing/2014/main" id="{7AA56214-7D1E-4A6E-827F-2300BA3E1B33}"/>
+                          </a:ext>
+                        </a:extLst>
+                      </p:cNvPr>
+                      <p:cNvPicPr/>
+                      <p:nvPr/>
+                    </p:nvPicPr>
+                    <p:blipFill>
+                      <a:blip r:embed="rId32"/>
+                      <a:stretch>
+                        <a:fillRect/>
+                      </a:stretch>
+                    </p:blipFill>
+                    <p:spPr>
+                      <a:xfrm>
+                        <a:off x="8654733" y="1685925"/>
+                        <a:ext cx="254000" cy="203200"/>
+                      </a:xfrm>
+                      <a:prstGeom prst="rect">
+                        <a:avLst/>
+                      </a:prstGeom>
+                    </p:spPr>
+                  </p:pic>
+                </p:oleObj>
+              </mc:Fallback>
+            </mc:AlternateContent>
+          </a:graphicData>
+        </a:graphic>
+      </p:graphicFrame>
+      <p:sp>
+        <p:nvSpPr>
+          <p:cNvPr id="70" name="流程图: 接点 69">
+            <a:extLst>
+              <a:ext uri="{FF2B5EF4-FFF2-40B4-BE49-F238E27FC236}">
+                <a16:creationId xmlns:a16="http://schemas.microsoft.com/office/drawing/2014/main" id="{E9E375CF-3E57-4519-84AD-510B7C5030B2}"/>
+              </a:ext>
+            </a:extLst>
+          </p:cNvPr>
+          <p:cNvSpPr/>
+          <p:nvPr/>
+        </p:nvSpPr>
+        <p:spPr>
+          <a:xfrm>
+            <a:off x="6588135" y="1778977"/>
+            <a:ext cx="280416" cy="280416"/>
+          </a:xfrm>
+          <a:prstGeom prst="flowChartConnector">
+            <a:avLst/>
+          </a:prstGeom>
+          <a:noFill/>
+          <a:ln>
+            <a:solidFill>
+              <a:schemeClr val="tx1"/>
+            </a:solidFill>
+          </a:ln>
+        </p:spPr>
+        <p:style>
+          <a:lnRef idx="2">
+            <a:schemeClr val="accent1">
+              <a:shade val="50000"/>
+            </a:schemeClr>
+          </a:lnRef>
+          <a:fillRef idx="1">
+            <a:schemeClr val="accent1"/>
+          </a:fillRef>
+          <a:effectRef idx="0">
+            <a:schemeClr val="accent1"/>
+          </a:effectRef>
+          <a:fontRef idx="minor">
+            <a:schemeClr val="lt1"/>
+          </a:fontRef>
+        </p:style>
+        <p:txBody>
+          <a:bodyPr rtlCol="0" anchor="ctr"/>
+          <a:lstStyle/>
+          <a:p>
+            <a:pPr algn="ctr"/>
+            <a:endParaRPr lang="zh-CN" altLang="en-US"/>
+          </a:p>
+        </p:txBody>
+      </p:sp>
+      <p:cxnSp>
+        <p:nvCxnSpPr>
+          <p:cNvPr id="74" name="直接连接符 73">
+            <a:extLst>
+              <a:ext uri="{FF2B5EF4-FFF2-40B4-BE49-F238E27FC236}">
+                <a16:creationId xmlns:a16="http://schemas.microsoft.com/office/drawing/2014/main" id="{0E442966-7CE1-495C-94B2-F641579C47DD}"/>
+              </a:ext>
+            </a:extLst>
+          </p:cNvPr>
+          <p:cNvCxnSpPr>
+            <a:cxnSpLocks/>
+            <a:stCxn id="70" idx="1"/>
+            <a:endCxn id="70" idx="5"/>
+          </p:cNvCxnSpPr>
+          <p:nvPr/>
+        </p:nvCxnSpPr>
+        <p:spPr>
+          <a:xfrm>
+            <a:off x="6629201" y="1820043"/>
+            <a:ext cx="198284" cy="198284"/>
+          </a:xfrm>
+          <a:prstGeom prst="line">
+            <a:avLst/>
+          </a:prstGeom>
+          <a:ln>
+            <a:solidFill>
+              <a:schemeClr val="tx1"/>
+            </a:solidFill>
+          </a:ln>
+        </p:spPr>
+        <p:style>
+          <a:lnRef idx="1">
+            <a:schemeClr val="accent1"/>
+          </a:lnRef>
+          <a:fillRef idx="0">
+            <a:schemeClr val="accent1"/>
+          </a:fillRef>
+          <a:effectRef idx="0">
+            <a:schemeClr val="accent1"/>
+          </a:effectRef>
+          <a:fontRef idx="minor">
+            <a:schemeClr val="tx1"/>
+          </a:fontRef>
+        </p:style>
+      </p:cxnSp>
+      <p:cxnSp>
+        <p:nvCxnSpPr>
+          <p:cNvPr id="75" name="直接连接符 74">
+            <a:extLst>
+              <a:ext uri="{FF2B5EF4-FFF2-40B4-BE49-F238E27FC236}">
+                <a16:creationId xmlns:a16="http://schemas.microsoft.com/office/drawing/2014/main" id="{E5DBDB66-AD13-4D6D-B067-E2009F4E85C9}"/>
+              </a:ext>
+            </a:extLst>
+          </p:cNvPr>
+          <p:cNvCxnSpPr>
+            <a:cxnSpLocks/>
+            <a:stCxn id="70" idx="7"/>
+            <a:endCxn id="70" idx="3"/>
+          </p:cNvCxnSpPr>
+          <p:nvPr/>
+        </p:nvCxnSpPr>
+        <p:spPr>
+          <a:xfrm flipH="1">
+            <a:off x="6629201" y="1820043"/>
+            <a:ext cx="198284" cy="198284"/>
+          </a:xfrm>
+          <a:prstGeom prst="line">
+            <a:avLst/>
+          </a:prstGeom>
+          <a:ln>
+            <a:solidFill>
+              <a:schemeClr val="tx1"/>
+            </a:solidFill>
+          </a:ln>
+        </p:spPr>
+        <p:style>
+          <a:lnRef idx="1">
+            <a:schemeClr val="accent1"/>
+          </a:lnRef>
+          <a:fillRef idx="0">
+            <a:schemeClr val="accent1"/>
+          </a:fillRef>
+          <a:effectRef idx="0">
+            <a:schemeClr val="accent1"/>
+          </a:effectRef>
+          <a:fontRef idx="minor">
+            <a:schemeClr val="tx1"/>
+          </a:fontRef>
+        </p:style>
+      </p:cxnSp>
+      <p:cxnSp>
+        <p:nvCxnSpPr>
+          <p:cNvPr id="76" name="直接箭头连接符 75">
+            <a:extLst>
+              <a:ext uri="{FF2B5EF4-FFF2-40B4-BE49-F238E27FC236}">
+                <a16:creationId xmlns:a16="http://schemas.microsoft.com/office/drawing/2014/main" id="{F2CB008C-BC94-4AE6-A46F-B02D68CE7637}"/>
+              </a:ext>
+            </a:extLst>
+          </p:cNvPr>
+          <p:cNvCxnSpPr>
+            <a:cxnSpLocks/>
+            <a:stCxn id="70" idx="6"/>
+            <a:endCxn id="59" idx="1"/>
+          </p:cNvCxnSpPr>
+          <p:nvPr/>
+        </p:nvCxnSpPr>
+        <p:spPr>
+          <a:xfrm flipV="1">
+            <a:off x="6868551" y="1917405"/>
+            <a:ext cx="230276" cy="1780"/>
+          </a:xfrm>
+          <a:prstGeom prst="straightConnector1">
+            <a:avLst/>
+          </a:prstGeom>
+          <a:ln>
+            <a:tailEnd type="triangle"/>
+          </a:ln>
+        </p:spPr>
+        <p:style>
+          <a:lnRef idx="3">
+            <a:schemeClr val="dk1"/>
+          </a:lnRef>
+          <a:fillRef idx="0">
+            <a:schemeClr val="dk1"/>
+          </a:fillRef>
+          <a:effectRef idx="2">
+            <a:schemeClr val="dk1"/>
+          </a:effectRef>
+          <a:fontRef idx="minor">
+            <a:schemeClr val="tx1"/>
+          </a:fontRef>
+        </p:style>
+      </p:cxnSp>
+    </p:spTree>
+    <p:extLst>
+      <p:ext uri="{BB962C8B-B14F-4D97-AF65-F5344CB8AC3E}">
+        <p14:creationId xmlns:p14="http://schemas.microsoft.com/office/powerpoint/2010/main" val="127140399"/>
       </p:ext>
     </p:extLst>
   </p:cSld>

--- a/graduation_thesis/BIT-thesis-template-grd/figures/c3/pictures.pptx
+++ b/graduation_thesis/BIT-thesis-template-grd/figures/c3/pictures.pptx
@@ -6,7 +6,7 @@
     <p:sldMasterId id="2147483660" r:id="rId2"/>
   </p:sldMasterIdLst>
   <p:notesMasterIdLst>
-    <p:notesMasterId r:id="rId11"/>
+    <p:notesMasterId r:id="rId12"/>
   </p:notesMasterIdLst>
   <p:sldIdLst>
     <p:sldId id="258" r:id="rId3"/>
@@ -17,6 +17,7 @@
     <p:sldId id="264" r:id="rId8"/>
     <p:sldId id="265" r:id="rId9"/>
     <p:sldId id="266" r:id="rId10"/>
+    <p:sldId id="267" r:id="rId11"/>
   </p:sldIdLst>
   <p:sldSz cx="12192000" cy="6858000"/>
   <p:notesSz cx="6858000" cy="9144000"/>
@@ -205,7 +206,7 @@
           <a:p>
             <a:fld id="{DFBD2350-0FC1-4CC8-9189-4554209681B9}" type="datetimeFigureOut">
               <a:rPr lang="zh-CN" altLang="en-US" smtClean="0"/>
-              <a:t>2020/3/19</a:t>
+              <a:t>2020/4/24</a:t>
             </a:fld>
             <a:endParaRPr lang="zh-CN" altLang="en-US"/>
           </a:p>
@@ -678,7 +679,7 @@
           <a:p>
             <a:fld id="{259E3DFB-078C-4AE7-9CA8-4F08B7C23DED}" type="datetimeFigureOut">
               <a:rPr lang="zh-CN" altLang="en-US" smtClean="0"/>
-              <a:t>2020/3/19</a:t>
+              <a:t>2020/4/24</a:t>
             </a:fld>
             <a:endParaRPr lang="zh-CN" altLang="en-US"/>
           </a:p>
@@ -841,7 +842,7 @@
           <a:p>
             <a:fld id="{259E3DFB-078C-4AE7-9CA8-4F08B7C23DED}" type="datetimeFigureOut">
               <a:rPr lang="zh-CN" altLang="en-US" smtClean="0"/>
-              <a:t>2020/3/19</a:t>
+              <a:t>2020/4/24</a:t>
             </a:fld>
             <a:endParaRPr lang="zh-CN" altLang="en-US"/>
           </a:p>
@@ -1014,7 +1015,7 @@
           <a:p>
             <a:fld id="{259E3DFB-078C-4AE7-9CA8-4F08B7C23DED}" type="datetimeFigureOut">
               <a:rPr lang="zh-CN" altLang="en-US" smtClean="0"/>
-              <a:t>2020/3/19</a:t>
+              <a:t>2020/4/24</a:t>
             </a:fld>
             <a:endParaRPr lang="zh-CN" altLang="en-US"/>
           </a:p>
@@ -1199,7 +1200,7 @@
           <a:p>
             <a:fld id="{259E3DFB-078C-4AE7-9CA8-4F08B7C23DED}" type="datetimeFigureOut">
               <a:rPr lang="zh-CN" altLang="en-US" smtClean="0"/>
-              <a:t>2020/3/19</a:t>
+              <a:t>2020/4/24</a:t>
             </a:fld>
             <a:endParaRPr lang="zh-CN" altLang="en-US"/>
           </a:p>
@@ -1362,7 +1363,7 @@
           <a:p>
             <a:fld id="{259E3DFB-078C-4AE7-9CA8-4F08B7C23DED}" type="datetimeFigureOut">
               <a:rPr lang="zh-CN" altLang="en-US" smtClean="0"/>
-              <a:t>2020/3/19</a:t>
+              <a:t>2020/4/24</a:t>
             </a:fld>
             <a:endParaRPr lang="zh-CN" altLang="en-US"/>
           </a:p>
@@ -1602,7 +1603,7 @@
           <a:p>
             <a:fld id="{259E3DFB-078C-4AE7-9CA8-4F08B7C23DED}" type="datetimeFigureOut">
               <a:rPr lang="zh-CN" altLang="en-US" smtClean="0"/>
-              <a:t>2020/3/19</a:t>
+              <a:t>2020/4/24</a:t>
             </a:fld>
             <a:endParaRPr lang="zh-CN" altLang="en-US"/>
           </a:p>
@@ -1826,7 +1827,7 @@
           <a:p>
             <a:fld id="{259E3DFB-078C-4AE7-9CA8-4F08B7C23DED}" type="datetimeFigureOut">
               <a:rPr lang="zh-CN" altLang="en-US" smtClean="0"/>
-              <a:t>2020/3/19</a:t>
+              <a:t>2020/4/24</a:t>
             </a:fld>
             <a:endParaRPr lang="zh-CN" altLang="en-US"/>
           </a:p>
@@ -2185,7 +2186,7 @@
           <a:p>
             <a:fld id="{259E3DFB-078C-4AE7-9CA8-4F08B7C23DED}" type="datetimeFigureOut">
               <a:rPr lang="zh-CN" altLang="en-US" smtClean="0"/>
-              <a:t>2020/3/19</a:t>
+              <a:t>2020/4/24</a:t>
             </a:fld>
             <a:endParaRPr lang="zh-CN" altLang="en-US"/>
           </a:p>
@@ -2297,7 +2298,7 @@
           <a:p>
             <a:fld id="{259E3DFB-078C-4AE7-9CA8-4F08B7C23DED}" type="datetimeFigureOut">
               <a:rPr lang="zh-CN" altLang="en-US" smtClean="0"/>
-              <a:t>2020/3/19</a:t>
+              <a:t>2020/4/24</a:t>
             </a:fld>
             <a:endParaRPr lang="zh-CN" altLang="en-US"/>
           </a:p>
@@ -2387,7 +2388,7 @@
           <a:p>
             <a:fld id="{259E3DFB-078C-4AE7-9CA8-4F08B7C23DED}" type="datetimeFigureOut">
               <a:rPr lang="zh-CN" altLang="en-US" smtClean="0"/>
-              <a:t>2020/3/19</a:t>
+              <a:t>2020/4/24</a:t>
             </a:fld>
             <a:endParaRPr lang="zh-CN" altLang="en-US"/>
           </a:p>
@@ -2657,7 +2658,7 @@
           <a:p>
             <a:fld id="{259E3DFB-078C-4AE7-9CA8-4F08B7C23DED}" type="datetimeFigureOut">
               <a:rPr lang="zh-CN" altLang="en-US" smtClean="0"/>
-              <a:t>2020/3/19</a:t>
+              <a:t>2020/4/24</a:t>
             </a:fld>
             <a:endParaRPr lang="zh-CN" altLang="en-US"/>
           </a:p>
@@ -2820,7 +2821,7 @@
           <a:p>
             <a:fld id="{259E3DFB-078C-4AE7-9CA8-4F08B7C23DED}" type="datetimeFigureOut">
               <a:rPr lang="zh-CN" altLang="en-US" smtClean="0"/>
-              <a:t>2020/3/19</a:t>
+              <a:t>2020/4/24</a:t>
             </a:fld>
             <a:endParaRPr lang="zh-CN" altLang="en-US"/>
           </a:p>
@@ -3067,7 +3068,7 @@
           <a:p>
             <a:fld id="{259E3DFB-078C-4AE7-9CA8-4F08B7C23DED}" type="datetimeFigureOut">
               <a:rPr lang="zh-CN" altLang="en-US" smtClean="0"/>
-              <a:t>2020/3/19</a:t>
+              <a:t>2020/4/24</a:t>
             </a:fld>
             <a:endParaRPr lang="zh-CN" altLang="en-US"/>
           </a:p>
@@ -3230,7 +3231,7 @@
           <a:p>
             <a:fld id="{259E3DFB-078C-4AE7-9CA8-4F08B7C23DED}" type="datetimeFigureOut">
               <a:rPr lang="zh-CN" altLang="en-US" smtClean="0"/>
-              <a:t>2020/3/19</a:t>
+              <a:t>2020/4/24</a:t>
             </a:fld>
             <a:endParaRPr lang="zh-CN" altLang="en-US"/>
           </a:p>
@@ -3403,7 +3404,7 @@
           <a:p>
             <a:fld id="{259E3DFB-078C-4AE7-9CA8-4F08B7C23DED}" type="datetimeFigureOut">
               <a:rPr lang="zh-CN" altLang="en-US" smtClean="0"/>
-              <a:t>2020/3/19</a:t>
+              <a:t>2020/4/24</a:t>
             </a:fld>
             <a:endParaRPr lang="zh-CN" altLang="en-US"/>
           </a:p>
@@ -3643,7 +3644,7 @@
           <a:p>
             <a:fld id="{259E3DFB-078C-4AE7-9CA8-4F08B7C23DED}" type="datetimeFigureOut">
               <a:rPr lang="zh-CN" altLang="en-US" smtClean="0"/>
-              <a:t>2020/3/19</a:t>
+              <a:t>2020/4/24</a:t>
             </a:fld>
             <a:endParaRPr lang="zh-CN" altLang="en-US"/>
           </a:p>
@@ -3867,7 +3868,7 @@
           <a:p>
             <a:fld id="{259E3DFB-078C-4AE7-9CA8-4F08B7C23DED}" type="datetimeFigureOut">
               <a:rPr lang="zh-CN" altLang="en-US" smtClean="0"/>
-              <a:t>2020/3/19</a:t>
+              <a:t>2020/4/24</a:t>
             </a:fld>
             <a:endParaRPr lang="zh-CN" altLang="en-US"/>
           </a:p>
@@ -4226,7 +4227,7 @@
           <a:p>
             <a:fld id="{259E3DFB-078C-4AE7-9CA8-4F08B7C23DED}" type="datetimeFigureOut">
               <a:rPr lang="zh-CN" altLang="en-US" smtClean="0"/>
-              <a:t>2020/3/19</a:t>
+              <a:t>2020/4/24</a:t>
             </a:fld>
             <a:endParaRPr lang="zh-CN" altLang="en-US"/>
           </a:p>
@@ -4338,7 +4339,7 @@
           <a:p>
             <a:fld id="{259E3DFB-078C-4AE7-9CA8-4F08B7C23DED}" type="datetimeFigureOut">
               <a:rPr lang="zh-CN" altLang="en-US" smtClean="0"/>
-              <a:t>2020/3/19</a:t>
+              <a:t>2020/4/24</a:t>
             </a:fld>
             <a:endParaRPr lang="zh-CN" altLang="en-US"/>
           </a:p>
@@ -4428,7 +4429,7 @@
           <a:p>
             <a:fld id="{259E3DFB-078C-4AE7-9CA8-4F08B7C23DED}" type="datetimeFigureOut">
               <a:rPr lang="zh-CN" altLang="en-US" smtClean="0"/>
-              <a:t>2020/3/19</a:t>
+              <a:t>2020/4/24</a:t>
             </a:fld>
             <a:endParaRPr lang="zh-CN" altLang="en-US"/>
           </a:p>
@@ -4698,7 +4699,7 @@
           <a:p>
             <a:fld id="{259E3DFB-078C-4AE7-9CA8-4F08B7C23DED}" type="datetimeFigureOut">
               <a:rPr lang="zh-CN" altLang="en-US" smtClean="0"/>
-              <a:t>2020/3/19</a:t>
+              <a:t>2020/4/24</a:t>
             </a:fld>
             <a:endParaRPr lang="zh-CN" altLang="en-US"/>
           </a:p>
@@ -4945,7 +4946,7 @@
           <a:p>
             <a:fld id="{259E3DFB-078C-4AE7-9CA8-4F08B7C23DED}" type="datetimeFigureOut">
               <a:rPr lang="zh-CN" altLang="en-US" smtClean="0"/>
-              <a:t>2020/3/19</a:t>
+              <a:t>2020/4/24</a:t>
             </a:fld>
             <a:endParaRPr lang="zh-CN" altLang="en-US"/>
           </a:p>
@@ -5151,7 +5152,7 @@
           <a:p>
             <a:fld id="{259E3DFB-078C-4AE7-9CA8-4F08B7C23DED}" type="datetimeFigureOut">
               <a:rPr lang="zh-CN" altLang="en-US" smtClean="0"/>
-              <a:t>2020/3/19</a:t>
+              <a:t>2020/4/24</a:t>
             </a:fld>
             <a:endParaRPr lang="zh-CN" altLang="en-US"/>
           </a:p>
@@ -5684,7 +5685,7 @@
           <a:p>
             <a:fld id="{259E3DFB-078C-4AE7-9CA8-4F08B7C23DED}" type="datetimeFigureOut">
               <a:rPr lang="zh-CN" altLang="en-US" smtClean="0"/>
-              <a:t>2020/3/19</a:t>
+              <a:t>2020/4/24</a:t>
             </a:fld>
             <a:endParaRPr lang="zh-CN" altLang="en-US"/>
           </a:p>
@@ -6605,7 +6606,7 @@
           <a:graphicData uri="http://schemas.openxmlformats.org/presentationml/2006/ole">
             <mc:AlternateContent xmlns:mc="http://schemas.openxmlformats.org/markup-compatibility/2006">
               <mc:Choice xmlns:v="urn:schemas-microsoft-com:vml" Requires="v">
-                <p:oleObj spid="_x0000_s6282" name="Equation" r:id="rId3" imgW="6400800" imgH="4572000" progId="Equation.DSMT4">
+                <p:oleObj spid="_x0000_s6303" name="Equation" r:id="rId3" imgW="6400800" imgH="4572000" progId="Equation.DSMT4">
                   <p:embed/>
                 </p:oleObj>
               </mc:Choice>
@@ -6656,7 +6657,7 @@
           <a:graphicData uri="http://schemas.openxmlformats.org/presentationml/2006/ole">
             <mc:AlternateContent xmlns:mc="http://schemas.openxmlformats.org/markup-compatibility/2006">
               <mc:Choice xmlns:v="urn:schemas-microsoft-com:vml" Requires="v">
-                <p:oleObj spid="_x0000_s6283" name="Equation" r:id="rId5" imgW="23774400" imgH="6705600" progId="Equation.DSMT4">
+                <p:oleObj spid="_x0000_s6304" name="Equation" r:id="rId5" imgW="23774400" imgH="6705600" progId="Equation.DSMT4">
                   <p:embed/>
                 </p:oleObj>
               </mc:Choice>
@@ -6817,7 +6818,7 @@
           <a:graphicData uri="http://schemas.openxmlformats.org/presentationml/2006/ole">
             <mc:AlternateContent xmlns:mc="http://schemas.openxmlformats.org/markup-compatibility/2006">
               <mc:Choice xmlns:v="urn:schemas-microsoft-com:vml" Requires="v">
-                <p:oleObj spid="_x0000_s6284" name="Equation" r:id="rId7" imgW="16459200" imgH="6705600" progId="Equation.DSMT4">
+                <p:oleObj spid="_x0000_s6305" name="Equation" r:id="rId7" imgW="16459200" imgH="6705600" progId="Equation.DSMT4">
                   <p:embed/>
                 </p:oleObj>
               </mc:Choice>
@@ -6868,7 +6869,7 @@
           <a:graphicData uri="http://schemas.openxmlformats.org/presentationml/2006/ole">
             <mc:AlternateContent xmlns:mc="http://schemas.openxmlformats.org/markup-compatibility/2006">
               <mc:Choice xmlns:v="urn:schemas-microsoft-com:vml" Requires="v">
-                <p:oleObj spid="_x0000_s6285" name="Equation" r:id="rId9" imgW="4876800" imgH="4876800" progId="Equation.DSMT4">
+                <p:oleObj spid="_x0000_s6306" name="Equation" r:id="rId9" imgW="4876800" imgH="4876800" progId="Equation.DSMT4">
                   <p:embed/>
                 </p:oleObj>
               </mc:Choice>
@@ -6919,7 +6920,7 @@
           <a:graphicData uri="http://schemas.openxmlformats.org/presentationml/2006/ole">
             <mc:AlternateContent xmlns:mc="http://schemas.openxmlformats.org/markup-compatibility/2006">
               <mc:Choice xmlns:v="urn:schemas-microsoft-com:vml" Requires="v">
-                <p:oleObj spid="_x0000_s6286" name="Equation" r:id="rId11" imgW="3962400" imgH="4876800" progId="Equation.DSMT4">
+                <p:oleObj spid="_x0000_s6307" name="Equation" r:id="rId11" imgW="3962400" imgH="4876800" progId="Equation.DSMT4">
                   <p:embed/>
                 </p:oleObj>
               </mc:Choice>
@@ -6970,7 +6971,7 @@
           <a:graphicData uri="http://schemas.openxmlformats.org/presentationml/2006/ole">
             <mc:AlternateContent xmlns:mc="http://schemas.openxmlformats.org/markup-compatibility/2006">
               <mc:Choice xmlns:v="urn:schemas-microsoft-com:vml" Requires="v">
-                <p:oleObj spid="_x0000_s6287" name="Equation" r:id="rId13" imgW="14020800" imgH="6096000" progId="Equation.DSMT4">
+                <p:oleObj spid="_x0000_s6308" name="Equation" r:id="rId13" imgW="14020800" imgH="6096000" progId="Equation.DSMT4">
                   <p:embed/>
                 </p:oleObj>
               </mc:Choice>
@@ -7021,7 +7022,7 @@
           <a:graphicData uri="http://schemas.openxmlformats.org/presentationml/2006/ole">
             <mc:AlternateContent xmlns:mc="http://schemas.openxmlformats.org/markup-compatibility/2006">
               <mc:Choice xmlns:v="urn:schemas-microsoft-com:vml" Requires="v">
-                <p:oleObj spid="_x0000_s6288" name="Equation" r:id="rId15" imgW="38100000" imgH="4876800" progId="Equation.DSMT4">
+                <p:oleObj spid="_x0000_s6309" name="Equation" r:id="rId15" imgW="38100000" imgH="4876800" progId="Equation.DSMT4">
                   <p:embed/>
                 </p:oleObj>
               </mc:Choice>
@@ -7249,7 +7250,7 @@
           <a:graphicData uri="http://schemas.openxmlformats.org/presentationml/2006/ole">
             <mc:AlternateContent xmlns:mc="http://schemas.openxmlformats.org/markup-compatibility/2006">
               <mc:Choice xmlns:v="urn:schemas-microsoft-com:vml" Requires="v">
-                <p:oleObj spid="_x0000_s5813" name="Equation" r:id="rId5" imgW="5791200" imgH="4876800" progId="Equation.DSMT4">
+                <p:oleObj spid="_x0000_s5897" name="Equation" r:id="rId5" imgW="5791200" imgH="4876800" progId="Equation.DSMT4">
                   <p:embed/>
                 </p:oleObj>
               </mc:Choice>
@@ -7300,7 +7301,7 @@
           <a:graphicData uri="http://schemas.openxmlformats.org/presentationml/2006/ole">
             <mc:AlternateContent xmlns:mc="http://schemas.openxmlformats.org/markup-compatibility/2006">
               <mc:Choice xmlns:v="urn:schemas-microsoft-com:vml" Requires="v">
-                <p:oleObj spid="_x0000_s5814" name="Equation" r:id="rId7" imgW="5486400" imgH="4572000" progId="Equation.DSMT4">
+                <p:oleObj spid="_x0000_s5898" name="Equation" r:id="rId7" imgW="5486400" imgH="4572000" progId="Equation.DSMT4">
                   <p:embed/>
                 </p:oleObj>
               </mc:Choice>
@@ -7457,7 +7458,7 @@
           <a:graphicData uri="http://schemas.openxmlformats.org/presentationml/2006/ole">
             <mc:AlternateContent xmlns:mc="http://schemas.openxmlformats.org/markup-compatibility/2006">
               <mc:Choice xmlns:v="urn:schemas-microsoft-com:vml" Requires="v">
-                <p:oleObj spid="_x0000_s5815" name="Equation" r:id="rId9" imgW="10668000" imgH="4267200" progId="Equation.DSMT4">
+                <p:oleObj spid="_x0000_s5899" name="Equation" r:id="rId9" imgW="10668000" imgH="4267200" progId="Equation.DSMT4">
                   <p:embed/>
                 </p:oleObj>
               </mc:Choice>
@@ -7508,7 +7509,7 @@
           <a:graphicData uri="http://schemas.openxmlformats.org/presentationml/2006/ole">
             <mc:AlternateContent xmlns:mc="http://schemas.openxmlformats.org/markup-compatibility/2006">
               <mc:Choice xmlns:v="urn:schemas-microsoft-com:vml" Requires="v">
-                <p:oleObj spid="_x0000_s5816" name="Equation" r:id="rId11" imgW="14325600" imgH="4876800" progId="Equation.DSMT4">
+                <p:oleObj spid="_x0000_s5900" name="Equation" r:id="rId11" imgW="14325600" imgH="4876800" progId="Equation.DSMT4">
                   <p:embed/>
                 </p:oleObj>
               </mc:Choice>
@@ -7772,7 +7773,7 @@
           <a:graphicData uri="http://schemas.openxmlformats.org/presentationml/2006/ole">
             <mc:AlternateContent xmlns:mc="http://schemas.openxmlformats.org/markup-compatibility/2006">
               <mc:Choice xmlns:v="urn:schemas-microsoft-com:vml" Requires="v">
-                <p:oleObj spid="_x0000_s5817" name="Equation" r:id="rId13" imgW="27736800" imgH="4876800" progId="Equation.DSMT4">
+                <p:oleObj spid="_x0000_s5901" name="Equation" r:id="rId13" imgW="27736800" imgH="4876800" progId="Equation.DSMT4">
                   <p:embed/>
                 </p:oleObj>
               </mc:Choice>
@@ -7823,7 +7824,7 @@
           <a:graphicData uri="http://schemas.openxmlformats.org/presentationml/2006/ole">
             <mc:AlternateContent xmlns:mc="http://schemas.openxmlformats.org/markup-compatibility/2006">
               <mc:Choice xmlns:v="urn:schemas-microsoft-com:vml" Requires="v">
-                <p:oleObj spid="_x0000_s5818" name="Equation" r:id="rId15" imgW="4876800" imgH="4876800" progId="Equation.DSMT4">
+                <p:oleObj spid="_x0000_s5902" name="Equation" r:id="rId15" imgW="4876800" imgH="4876800" progId="Equation.DSMT4">
                   <p:embed/>
                 </p:oleObj>
               </mc:Choice>
@@ -7874,7 +7875,7 @@
           <a:graphicData uri="http://schemas.openxmlformats.org/presentationml/2006/ole">
             <mc:AlternateContent xmlns:mc="http://schemas.openxmlformats.org/markup-compatibility/2006">
               <mc:Choice xmlns:v="urn:schemas-microsoft-com:vml" Requires="v">
-                <p:oleObj spid="_x0000_s5819" name="Equation" r:id="rId17" imgW="4572000" imgH="4572000" progId="Equation.DSMT4">
+                <p:oleObj spid="_x0000_s5903" name="Equation" r:id="rId17" imgW="4572000" imgH="4572000" progId="Equation.DSMT4">
                   <p:embed/>
                 </p:oleObj>
               </mc:Choice>
@@ -7925,7 +7926,7 @@
           <a:graphicData uri="http://schemas.openxmlformats.org/presentationml/2006/ole">
             <mc:AlternateContent xmlns:mc="http://schemas.openxmlformats.org/markup-compatibility/2006">
               <mc:Choice xmlns:v="urn:schemas-microsoft-com:vml" Requires="v">
-                <p:oleObj spid="_x0000_s5820" name="Equation" r:id="rId19" imgW="7010400" imgH="5791200" progId="Equation.DSMT4">
+                <p:oleObj spid="_x0000_s5904" name="Equation" r:id="rId19" imgW="7010400" imgH="5791200" progId="Equation.DSMT4">
                   <p:embed/>
                 </p:oleObj>
               </mc:Choice>
@@ -7976,7 +7977,7 @@
           <a:graphicData uri="http://schemas.openxmlformats.org/presentationml/2006/ole">
             <mc:AlternateContent xmlns:mc="http://schemas.openxmlformats.org/markup-compatibility/2006">
               <mc:Choice xmlns:v="urn:schemas-microsoft-com:vml" Requires="v">
-                <p:oleObj spid="_x0000_s5821" name="Equation" r:id="rId21" imgW="7010400" imgH="5791200" progId="Equation.DSMT4">
+                <p:oleObj spid="_x0000_s5905" name="Equation" r:id="rId21" imgW="7010400" imgH="5791200" progId="Equation.DSMT4">
                   <p:embed/>
                 </p:oleObj>
               </mc:Choice>
@@ -8027,7 +8028,7 @@
           <a:graphicData uri="http://schemas.openxmlformats.org/presentationml/2006/ole">
             <mc:AlternateContent xmlns:mc="http://schemas.openxmlformats.org/markup-compatibility/2006">
               <mc:Choice xmlns:v="urn:schemas-microsoft-com:vml" Requires="v">
-                <p:oleObj spid="_x0000_s5822" name="Equation" r:id="rId23" imgW="6400800" imgH="5791200" progId="Equation.DSMT4">
+                <p:oleObj spid="_x0000_s5906" name="Equation" r:id="rId23" imgW="6400800" imgH="5791200" progId="Equation.DSMT4">
                   <p:embed/>
                 </p:oleObj>
               </mc:Choice>
@@ -8078,7 +8079,7 @@
           <a:graphicData uri="http://schemas.openxmlformats.org/presentationml/2006/ole">
             <mc:AlternateContent xmlns:mc="http://schemas.openxmlformats.org/markup-compatibility/2006">
               <mc:Choice xmlns:v="urn:schemas-microsoft-com:vml" Requires="v">
-                <p:oleObj spid="_x0000_s5823" name="Equation" r:id="rId25" imgW="6400800" imgH="5791200" progId="Equation.DSMT4">
+                <p:oleObj spid="_x0000_s5907" name="Equation" r:id="rId25" imgW="6400800" imgH="5791200" progId="Equation.DSMT4">
                   <p:embed/>
                 </p:oleObj>
               </mc:Choice>
@@ -8129,7 +8130,7 @@
           <a:graphicData uri="http://schemas.openxmlformats.org/presentationml/2006/ole">
             <mc:AlternateContent xmlns:mc="http://schemas.openxmlformats.org/markup-compatibility/2006">
               <mc:Choice xmlns:v="urn:schemas-microsoft-com:vml" Requires="v">
-                <p:oleObj spid="_x0000_s5824" name="Equation" r:id="rId27" imgW="5181600" imgH="5791200" progId="Equation.DSMT4">
+                <p:oleObj spid="_x0000_s5908" name="Equation" r:id="rId27" imgW="5181600" imgH="5791200" progId="Equation.DSMT4">
                   <p:embed/>
                 </p:oleObj>
               </mc:Choice>
@@ -8180,7 +8181,7 @@
           <a:graphicData uri="http://schemas.openxmlformats.org/presentationml/2006/ole">
             <mc:AlternateContent xmlns:mc="http://schemas.openxmlformats.org/markup-compatibility/2006">
               <mc:Choice xmlns:v="urn:schemas-microsoft-com:vml" Requires="v">
-                <p:oleObj spid="_x0000_s5825" name="Equation" r:id="rId29" imgW="5181600" imgH="5791200" progId="Equation.DSMT4">
+                <p:oleObj spid="_x0000_s5909" name="Equation" r:id="rId29" imgW="5181600" imgH="5791200" progId="Equation.DSMT4">
                   <p:embed/>
                 </p:oleObj>
               </mc:Choice>
@@ -8303,7 +8304,7 @@
           <a:graphicData uri="http://schemas.openxmlformats.org/presentationml/2006/ole">
             <mc:AlternateContent xmlns:mc="http://schemas.openxmlformats.org/markup-compatibility/2006">
               <mc:Choice xmlns:v="urn:schemas-microsoft-com:vml" Requires="v">
-                <p:oleObj spid="_x0000_s5826" name="Equation" r:id="rId31" imgW="5181600" imgH="6096000" progId="Equation.DSMT4">
+                <p:oleObj spid="_x0000_s5910" name="Equation" r:id="rId31" imgW="5181600" imgH="6096000" progId="Equation.DSMT4">
                   <p:embed/>
                 </p:oleObj>
               </mc:Choice>
@@ -8391,7 +8392,7 @@
           <a:graphicData uri="http://schemas.openxmlformats.org/presentationml/2006/ole">
             <mc:AlternateContent xmlns:mc="http://schemas.openxmlformats.org/markup-compatibility/2006">
               <mc:Choice xmlns:v="urn:schemas-microsoft-com:vml" Requires="v">
-                <p:oleObj spid="_x0000_s5827" name="Equation" r:id="rId33" imgW="7315200" imgH="5791200" progId="Equation.DSMT4">
+                <p:oleObj spid="_x0000_s5911" name="Equation" r:id="rId33" imgW="7315200" imgH="5791200" progId="Equation.DSMT4">
                   <p:embed/>
                 </p:oleObj>
               </mc:Choice>
@@ -8663,7 +8664,7 @@
           <a:graphicData uri="http://schemas.openxmlformats.org/presentationml/2006/ole">
             <mc:AlternateContent xmlns:mc="http://schemas.openxmlformats.org/markup-compatibility/2006">
               <mc:Choice xmlns:v="urn:schemas-microsoft-com:vml" Requires="v">
-                <p:oleObj spid="_x0000_s5828" name="Equation" r:id="rId35" imgW="4267200" imgH="5791200" progId="Equation.DSMT4">
+                <p:oleObj spid="_x0000_s5912" name="Equation" r:id="rId35" imgW="4267200" imgH="5791200" progId="Equation.DSMT4">
                   <p:embed/>
                 </p:oleObj>
               </mc:Choice>
@@ -9146,7 +9147,7 @@
           <a:graphicData uri="http://schemas.openxmlformats.org/presentationml/2006/ole">
             <mc:AlternateContent xmlns:mc="http://schemas.openxmlformats.org/markup-compatibility/2006">
               <mc:Choice xmlns:v="urn:schemas-microsoft-com:vml" Requires="v">
-                <p:oleObj spid="_x0000_s5829" name="Equation" r:id="rId37" imgW="24384000" imgH="4572000" progId="Equation.DSMT4">
+                <p:oleObj spid="_x0000_s5913" name="Equation" r:id="rId37" imgW="24384000" imgH="4572000" progId="Equation.DSMT4">
                   <p:embed/>
                 </p:oleObj>
               </mc:Choice>
@@ -9197,7 +9198,7 @@
           <a:graphicData uri="http://schemas.openxmlformats.org/presentationml/2006/ole">
             <mc:AlternateContent xmlns:mc="http://schemas.openxmlformats.org/markup-compatibility/2006">
               <mc:Choice xmlns:v="urn:schemas-microsoft-com:vml" Requires="v">
-                <p:oleObj spid="_x0000_s5830" name="Equation" r:id="rId39" imgW="12801600" imgH="6096000" progId="Equation.DSMT4">
+                <p:oleObj spid="_x0000_s5914" name="Equation" r:id="rId39" imgW="12801600" imgH="6096000" progId="Equation.DSMT4">
                   <p:embed/>
                 </p:oleObj>
               </mc:Choice>
@@ -9248,7 +9249,7 @@
           <a:graphicData uri="http://schemas.openxmlformats.org/presentationml/2006/ole">
             <mc:AlternateContent xmlns:mc="http://schemas.openxmlformats.org/markup-compatibility/2006">
               <mc:Choice xmlns:v="urn:schemas-microsoft-com:vml" Requires="v">
-                <p:oleObj spid="_x0000_s5831" name="Equation" r:id="rId41" imgW="15849600" imgH="6096000" progId="Equation.DSMT4">
+                <p:oleObj spid="_x0000_s5915" name="Equation" r:id="rId41" imgW="15849600" imgH="6096000" progId="Equation.DSMT4">
                   <p:embed/>
                 </p:oleObj>
               </mc:Choice>
@@ -9299,7 +9300,7 @@
           <a:graphicData uri="http://schemas.openxmlformats.org/presentationml/2006/ole">
             <mc:AlternateContent xmlns:mc="http://schemas.openxmlformats.org/markup-compatibility/2006">
               <mc:Choice xmlns:v="urn:schemas-microsoft-com:vml" Requires="v">
-                <p:oleObj spid="_x0000_s5832" name="Equation" r:id="rId43" imgW="12192000" imgH="6096000" progId="Equation.DSMT4">
+                <p:oleObj spid="_x0000_s5916" name="Equation" r:id="rId43" imgW="12192000" imgH="6096000" progId="Equation.DSMT4">
                   <p:embed/>
                 </p:oleObj>
               </mc:Choice>
@@ -9401,7 +9402,7 @@
           <a:graphicData uri="http://schemas.openxmlformats.org/presentationml/2006/ole">
             <mc:AlternateContent xmlns:mc="http://schemas.openxmlformats.org/markup-compatibility/2006">
               <mc:Choice xmlns:v="urn:schemas-microsoft-com:vml" Requires="v">
-                <p:oleObj spid="_x0000_s5833" name="Equation" r:id="rId45" imgW="5791200" imgH="4572000" progId="Equation.DSMT4">
+                <p:oleObj spid="_x0000_s5917" name="Equation" r:id="rId45" imgW="5791200" imgH="4572000" progId="Equation.DSMT4">
                   <p:embed/>
                 </p:oleObj>
               </mc:Choice>
@@ -9488,7 +9489,7 @@
           <a:graphicData uri="http://schemas.openxmlformats.org/presentationml/2006/ole">
             <mc:AlternateContent xmlns:mc="http://schemas.openxmlformats.org/markup-compatibility/2006">
               <mc:Choice xmlns:v="urn:schemas-microsoft-com:vml" Requires="v">
-                <p:oleObj spid="_x0000_s5834" name="Equation" r:id="rId47" imgW="6096000" imgH="5791200" progId="Equation.DSMT4">
+                <p:oleObj spid="_x0000_s5918" name="Equation" r:id="rId47" imgW="6096000" imgH="5791200" progId="Equation.DSMT4">
                   <p:embed/>
                 </p:oleObj>
               </mc:Choice>
@@ -9590,7 +9591,7 @@
           <a:graphicData uri="http://schemas.openxmlformats.org/presentationml/2006/ole">
             <mc:AlternateContent xmlns:mc="http://schemas.openxmlformats.org/markup-compatibility/2006">
               <mc:Choice xmlns:v="urn:schemas-microsoft-com:vml" Requires="v">
-                <p:oleObj spid="_x0000_s5835" name="Equation" r:id="rId49" imgW="5181600" imgH="4572000" progId="Equation.DSMT4">
+                <p:oleObj spid="_x0000_s5919" name="Equation" r:id="rId49" imgW="5181600" imgH="4572000" progId="Equation.DSMT4">
                   <p:embed/>
                 </p:oleObj>
               </mc:Choice>
@@ -9759,7 +9760,7 @@
           <a:graphicData uri="http://schemas.openxmlformats.org/presentationml/2006/ole">
             <mc:AlternateContent xmlns:mc="http://schemas.openxmlformats.org/markup-compatibility/2006">
               <mc:Choice xmlns:v="urn:schemas-microsoft-com:vml" Requires="v">
-                <p:oleObj spid="_x0000_s5836" name="Equation" r:id="rId51" imgW="13411200" imgH="4572000" progId="Equation.DSMT4">
+                <p:oleObj spid="_x0000_s5920" name="Equation" r:id="rId51" imgW="13411200" imgH="4572000" progId="Equation.DSMT4">
                   <p:embed/>
                 </p:oleObj>
               </mc:Choice>
@@ -9882,7 +9883,7 @@
           <a:graphicData uri="http://schemas.openxmlformats.org/presentationml/2006/ole">
             <mc:AlternateContent xmlns:mc="http://schemas.openxmlformats.org/markup-compatibility/2006">
               <mc:Choice xmlns:v="urn:schemas-microsoft-com:vml" Requires="v">
-                <p:oleObj spid="_x0000_s5837" name="Equation" r:id="rId53" imgW="4876800" imgH="5791200" progId="Equation.DSMT4">
+                <p:oleObj spid="_x0000_s5921" name="Equation" r:id="rId53" imgW="4876800" imgH="5791200" progId="Equation.DSMT4">
                   <p:embed/>
                 </p:oleObj>
               </mc:Choice>
@@ -9933,7 +9934,7 @@
           <a:graphicData uri="http://schemas.openxmlformats.org/presentationml/2006/ole">
             <mc:AlternateContent xmlns:mc="http://schemas.openxmlformats.org/markup-compatibility/2006">
               <mc:Choice xmlns:v="urn:schemas-microsoft-com:vml" Requires="v">
-                <p:oleObj spid="_x0000_s5838" name="Equation" r:id="rId55" imgW="6705600" imgH="5791200" progId="Equation.DSMT4">
+                <p:oleObj spid="_x0000_s5922" name="Equation" r:id="rId55" imgW="6705600" imgH="5791200" progId="Equation.DSMT4">
                   <p:embed/>
                 </p:oleObj>
               </mc:Choice>
@@ -9984,7 +9985,7 @@
           <a:graphicData uri="http://schemas.openxmlformats.org/presentationml/2006/ole">
             <mc:AlternateContent xmlns:mc="http://schemas.openxmlformats.org/markup-compatibility/2006">
               <mc:Choice xmlns:v="urn:schemas-microsoft-com:vml" Requires="v">
-                <p:oleObj spid="_x0000_s5839" name="Equation" r:id="rId57" imgW="6705600" imgH="5791200" progId="Equation.DSMT4">
+                <p:oleObj spid="_x0000_s5923" name="Equation" r:id="rId57" imgW="6705600" imgH="5791200" progId="Equation.DSMT4">
                   <p:embed/>
                 </p:oleObj>
               </mc:Choice>
@@ -10158,7 +10159,7 @@
           <a:graphicData uri="http://schemas.openxmlformats.org/presentationml/2006/ole">
             <mc:AlternateContent xmlns:mc="http://schemas.openxmlformats.org/markup-compatibility/2006">
               <mc:Choice xmlns:v="urn:schemas-microsoft-com:vml" Requires="v">
-                <p:oleObj spid="_x0000_s5840" name="Equation" r:id="rId59" imgW="5181600" imgH="5486400" progId="Equation.DSMT4">
+                <p:oleObj spid="_x0000_s5924" name="Equation" r:id="rId59" imgW="5181600" imgH="5486400" progId="Equation.DSMT4">
                   <p:embed/>
                 </p:oleObj>
               </mc:Choice>
@@ -10482,7 +10483,7 @@
           <a:graphicData uri="http://schemas.openxmlformats.org/presentationml/2006/ole">
             <mc:AlternateContent xmlns:mc="http://schemas.openxmlformats.org/markup-compatibility/2006">
               <mc:Choice xmlns:v="urn:schemas-microsoft-com:vml" Requires="v">
-                <p:oleObj spid="_x0000_s4833" name="Equation" r:id="rId4" imgW="5791200" imgH="4876800" progId="Equation.DSMT4">
+                <p:oleObj spid="_x0000_s4887" name="Equation" r:id="rId4" imgW="5791200" imgH="4876800" progId="Equation.DSMT4">
                   <p:embed/>
                 </p:oleObj>
               </mc:Choice>
@@ -10533,7 +10534,7 @@
           <a:graphicData uri="http://schemas.openxmlformats.org/presentationml/2006/ole">
             <mc:AlternateContent xmlns:mc="http://schemas.openxmlformats.org/markup-compatibility/2006">
               <mc:Choice xmlns:v="urn:schemas-microsoft-com:vml" Requires="v">
-                <p:oleObj spid="_x0000_s4834" name="Equation" r:id="rId6" imgW="5486400" imgH="4572000" progId="Equation.DSMT4">
+                <p:oleObj spid="_x0000_s4888" name="Equation" r:id="rId6" imgW="5486400" imgH="4572000" progId="Equation.DSMT4">
                   <p:embed/>
                 </p:oleObj>
               </mc:Choice>
@@ -10658,7 +10659,7 @@
           <a:graphicData uri="http://schemas.openxmlformats.org/presentationml/2006/ole">
             <mc:AlternateContent xmlns:mc="http://schemas.openxmlformats.org/markup-compatibility/2006">
               <mc:Choice xmlns:v="urn:schemas-microsoft-com:vml" Requires="v">
-                <p:oleObj spid="_x0000_s4835" name="Equation" r:id="rId8" imgW="7010400" imgH="5791200" progId="Equation.DSMT4">
+                <p:oleObj spid="_x0000_s4889" name="Equation" r:id="rId8" imgW="7010400" imgH="5791200" progId="Equation.DSMT4">
                   <p:embed/>
                 </p:oleObj>
               </mc:Choice>
@@ -10783,7 +10784,7 @@
           <a:graphicData uri="http://schemas.openxmlformats.org/presentationml/2006/ole">
             <mc:AlternateContent xmlns:mc="http://schemas.openxmlformats.org/markup-compatibility/2006">
               <mc:Choice xmlns:v="urn:schemas-microsoft-com:vml" Requires="v">
-                <p:oleObj spid="_x0000_s4836" name="Equation" r:id="rId10" imgW="10058400" imgH="5791200" progId="Equation.DSMT4">
+                <p:oleObj spid="_x0000_s4890" name="Equation" r:id="rId10" imgW="10058400" imgH="5791200" progId="Equation.DSMT4">
                   <p:embed/>
                 </p:oleObj>
               </mc:Choice>
@@ -10834,7 +10835,7 @@
           <a:graphicData uri="http://schemas.openxmlformats.org/presentationml/2006/ole">
             <mc:AlternateContent xmlns:mc="http://schemas.openxmlformats.org/markup-compatibility/2006">
               <mc:Choice xmlns:v="urn:schemas-microsoft-com:vml" Requires="v">
-                <p:oleObj spid="_x0000_s4837" name="Equation" r:id="rId12" imgW="7010400" imgH="5791200" progId="Equation.DSMT4">
+                <p:oleObj spid="_x0000_s4891" name="Equation" r:id="rId12" imgW="7010400" imgH="5791200" progId="Equation.DSMT4">
                   <p:embed/>
                 </p:oleObj>
               </mc:Choice>
@@ -10885,7 +10886,7 @@
           <a:graphicData uri="http://schemas.openxmlformats.org/presentationml/2006/ole">
             <mc:AlternateContent xmlns:mc="http://schemas.openxmlformats.org/markup-compatibility/2006">
               <mc:Choice xmlns:v="urn:schemas-microsoft-com:vml" Requires="v">
-                <p:oleObj spid="_x0000_s4838" name="Equation" r:id="rId14" imgW="9144000" imgH="5791200" progId="Equation.DSMT4">
+                <p:oleObj spid="_x0000_s4892" name="Equation" r:id="rId14" imgW="9144000" imgH="5791200" progId="Equation.DSMT4">
                   <p:embed/>
                 </p:oleObj>
               </mc:Choice>
@@ -11112,7 +11113,7 @@
           <a:graphicData uri="http://schemas.openxmlformats.org/presentationml/2006/ole">
             <mc:AlternateContent xmlns:mc="http://schemas.openxmlformats.org/markup-compatibility/2006">
               <mc:Choice xmlns:v="urn:schemas-microsoft-com:vml" Requires="v">
-                <p:oleObj spid="_x0000_s4839" name="Equation" r:id="rId16" imgW="16764000" imgH="5791200" progId="Equation.DSMT4">
+                <p:oleObj spid="_x0000_s4893" name="Equation" r:id="rId16" imgW="16764000" imgH="5791200" progId="Equation.DSMT4">
                   <p:embed/>
                 </p:oleObj>
               </mc:Choice>
@@ -11163,7 +11164,7 @@
           <a:graphicData uri="http://schemas.openxmlformats.org/presentationml/2006/ole">
             <mc:AlternateContent xmlns:mc="http://schemas.openxmlformats.org/markup-compatibility/2006">
               <mc:Choice xmlns:v="urn:schemas-microsoft-com:vml" Requires="v">
-                <p:oleObj spid="_x0000_s4840" name="Equation" r:id="rId18" imgW="238125" imgH="199390" progId="Equation.DSMT4">
+                <p:oleObj spid="_x0000_s4894" name="Equation" r:id="rId18" imgW="238125" imgH="199390" progId="Equation.DSMT4">
                   <p:embed/>
                 </p:oleObj>
               </mc:Choice>
@@ -11214,7 +11215,7 @@
           <a:graphicData uri="http://schemas.openxmlformats.org/presentationml/2006/ole">
             <mc:AlternateContent xmlns:mc="http://schemas.openxmlformats.org/markup-compatibility/2006">
               <mc:Choice xmlns:v="urn:schemas-microsoft-com:vml" Requires="v">
-                <p:oleObj spid="_x0000_s4841" name="Equation" r:id="rId20" imgW="16154400" imgH="5791200" progId="Equation.DSMT4">
+                <p:oleObj spid="_x0000_s4895" name="Equation" r:id="rId20" imgW="16154400" imgH="5791200" progId="Equation.DSMT4">
                   <p:embed/>
                 </p:oleObj>
               </mc:Choice>
@@ -11337,7 +11338,7 @@
           <a:graphicData uri="http://schemas.openxmlformats.org/presentationml/2006/ole">
             <mc:AlternateContent xmlns:mc="http://schemas.openxmlformats.org/markup-compatibility/2006">
               <mc:Choice xmlns:v="urn:schemas-microsoft-com:vml" Requires="v">
-                <p:oleObj spid="_x0000_s4842" name="Equation" r:id="rId22" imgW="5791200" imgH="4876800" progId="Equation.DSMT4">
+                <p:oleObj spid="_x0000_s4896" name="Equation" r:id="rId22" imgW="5791200" imgH="4876800" progId="Equation.DSMT4">
                   <p:embed/>
                 </p:oleObj>
               </mc:Choice>
@@ -11388,7 +11389,7 @@
           <a:graphicData uri="http://schemas.openxmlformats.org/presentationml/2006/ole">
             <mc:AlternateContent xmlns:mc="http://schemas.openxmlformats.org/markup-compatibility/2006">
               <mc:Choice xmlns:v="urn:schemas-microsoft-com:vml" Requires="v">
-                <p:oleObj spid="_x0000_s4843" name="Equation" r:id="rId24" imgW="5486400" imgH="4572000" progId="Equation.DSMT4">
+                <p:oleObj spid="_x0000_s4897" name="Equation" r:id="rId24" imgW="5486400" imgH="4572000" progId="Equation.DSMT4">
                   <p:embed/>
                 </p:oleObj>
               </mc:Choice>
@@ -11490,7 +11491,7 @@
           <a:graphicData uri="http://schemas.openxmlformats.org/presentationml/2006/ole">
             <mc:AlternateContent xmlns:mc="http://schemas.openxmlformats.org/markup-compatibility/2006">
               <mc:Choice xmlns:v="urn:schemas-microsoft-com:vml" Requires="v">
-                <p:oleObj spid="_x0000_s4844" name="Equation" r:id="rId26" imgW="10058400" imgH="5486400" progId="Equation.DSMT4">
+                <p:oleObj spid="_x0000_s4898" name="Equation" r:id="rId26" imgW="10058400" imgH="5486400" progId="Equation.DSMT4">
                   <p:embed/>
                 </p:oleObj>
               </mc:Choice>
@@ -11578,7 +11579,7 @@
           <a:graphicData uri="http://schemas.openxmlformats.org/presentationml/2006/ole">
             <mc:AlternateContent xmlns:mc="http://schemas.openxmlformats.org/markup-compatibility/2006">
               <mc:Choice xmlns:v="urn:schemas-microsoft-com:vml" Requires="v">
-                <p:oleObj spid="_x0000_s4845" name="Equation" r:id="rId28" imgW="16764000" imgH="5486400" progId="Equation.DSMT4">
+                <p:oleObj spid="_x0000_s4899" name="Equation" r:id="rId28" imgW="16764000" imgH="5486400" progId="Equation.DSMT4">
                   <p:embed/>
                 </p:oleObj>
               </mc:Choice>
@@ -11664,7 +11665,7 @@
           <a:graphicData uri="http://schemas.openxmlformats.org/presentationml/2006/ole">
             <mc:AlternateContent xmlns:mc="http://schemas.openxmlformats.org/markup-compatibility/2006">
               <mc:Choice xmlns:v="urn:schemas-microsoft-com:vml" Requires="v">
-                <p:oleObj spid="_x0000_s4846" name="Equation" r:id="rId30" imgW="270510" imgH="219075" progId="Equation.DSMT4">
+                <p:oleObj spid="_x0000_s4900" name="Equation" r:id="rId30" imgW="270510" imgH="219075" progId="Equation.DSMT4">
                   <p:embed/>
                 </p:oleObj>
               </mc:Choice>
@@ -11821,7 +11822,7 @@
           <a:graphicData uri="http://schemas.openxmlformats.org/presentationml/2006/ole">
             <mc:AlternateContent xmlns:mc="http://schemas.openxmlformats.org/markup-compatibility/2006">
               <mc:Choice xmlns:v="urn:schemas-microsoft-com:vml" Requires="v">
-                <p:oleObj spid="_x0000_s4847" name="Equation" r:id="rId32" imgW="560070" imgH="199390" progId="Equation.DSMT4">
+                <p:oleObj spid="_x0000_s4901" name="Equation" r:id="rId32" imgW="560070" imgH="199390" progId="Equation.DSMT4">
                   <p:embed/>
                 </p:oleObj>
               </mc:Choice>
@@ -11930,7 +11931,7 @@
           <a:graphicData uri="http://schemas.openxmlformats.org/presentationml/2006/ole">
             <mc:AlternateContent xmlns:mc="http://schemas.openxmlformats.org/markup-compatibility/2006">
               <mc:Choice xmlns:v="urn:schemas-microsoft-com:vml" Requires="v">
-                <p:oleObj spid="_x0000_s4848" name="Equation" r:id="rId34" imgW="7010400" imgH="4876800" progId="Equation.DSMT4">
+                <p:oleObj spid="_x0000_s4902" name="Equation" r:id="rId34" imgW="7010400" imgH="4876800" progId="Equation.DSMT4">
                   <p:embed/>
                 </p:oleObj>
               </mc:Choice>
@@ -12112,7 +12113,7 @@
           <a:graphicData uri="http://schemas.openxmlformats.org/presentationml/2006/ole">
             <mc:AlternateContent xmlns:mc="http://schemas.openxmlformats.org/markup-compatibility/2006">
               <mc:Choice xmlns:v="urn:schemas-microsoft-com:vml" Requires="v">
-                <p:oleObj spid="_x0000_s4849" name="Equation" r:id="rId36" imgW="7010400" imgH="4876800" progId="Equation.DSMT4">
+                <p:oleObj spid="_x0000_s4903" name="Equation" r:id="rId36" imgW="7010400" imgH="4876800" progId="Equation.DSMT4">
                   <p:embed/>
                 </p:oleObj>
               </mc:Choice>
@@ -12328,7 +12329,7 @@
           <a:graphicData uri="http://schemas.openxmlformats.org/presentationml/2006/ole">
             <mc:AlternateContent xmlns:mc="http://schemas.openxmlformats.org/markup-compatibility/2006">
               <mc:Choice xmlns:v="urn:schemas-microsoft-com:vml" Requires="v">
-                <p:oleObj spid="_x0000_s4850" name="Equation" r:id="rId37" imgW="7010400" imgH="4876800" progId="Equation.DSMT4">
+                <p:oleObj spid="_x0000_s4904" name="Equation" r:id="rId37" imgW="7010400" imgH="4876800" progId="Equation.DSMT4">
                   <p:embed/>
                 </p:oleObj>
               </mc:Choice>
@@ -13225,7 +13226,7 @@
           <a:graphicData uri="http://schemas.openxmlformats.org/presentationml/2006/ole">
             <mc:AlternateContent xmlns:mc="http://schemas.openxmlformats.org/markup-compatibility/2006">
               <mc:Choice xmlns:v="urn:schemas-microsoft-com:vml" Requires="v">
-                <p:oleObj spid="_x0000_s7454" name="Equation" r:id="rId4" imgW="5791200" imgH="4876800" progId="Equation.DSMT4">
+                <p:oleObj spid="_x0000_s7511" name="Equation" r:id="rId4" imgW="5791200" imgH="4876800" progId="Equation.DSMT4">
                   <p:embed/>
                 </p:oleObj>
               </mc:Choice>
@@ -13276,7 +13277,7 @@
           <a:graphicData uri="http://schemas.openxmlformats.org/presentationml/2006/ole">
             <mc:AlternateContent xmlns:mc="http://schemas.openxmlformats.org/markup-compatibility/2006">
               <mc:Choice xmlns:v="urn:schemas-microsoft-com:vml" Requires="v">
-                <p:oleObj spid="_x0000_s7455" name="Equation" r:id="rId6" imgW="5486400" imgH="4572000" progId="Equation.DSMT4">
+                <p:oleObj spid="_x0000_s7512" name="Equation" r:id="rId6" imgW="5486400" imgH="4572000" progId="Equation.DSMT4">
                   <p:embed/>
                 </p:oleObj>
               </mc:Choice>
@@ -13399,7 +13400,7 @@
           <a:graphicData uri="http://schemas.openxmlformats.org/presentationml/2006/ole">
             <mc:AlternateContent xmlns:mc="http://schemas.openxmlformats.org/markup-compatibility/2006">
               <mc:Choice xmlns:v="urn:schemas-microsoft-com:vml" Requires="v">
-                <p:oleObj spid="_x0000_s7456" name="Equation" r:id="rId8" imgW="7010400" imgH="5791200" progId="Equation.DSMT4">
+                <p:oleObj spid="_x0000_s7513" name="Equation" r:id="rId8" imgW="7010400" imgH="5791200" progId="Equation.DSMT4">
                   <p:embed/>
                 </p:oleObj>
               </mc:Choice>
@@ -13486,7 +13487,7 @@
           <a:graphicData uri="http://schemas.openxmlformats.org/presentationml/2006/ole">
             <mc:AlternateContent xmlns:mc="http://schemas.openxmlformats.org/markup-compatibility/2006">
               <mc:Choice xmlns:v="urn:schemas-microsoft-com:vml" Requires="v">
-                <p:oleObj spid="_x0000_s7457" name="Equation" r:id="rId10" imgW="10058400" imgH="5791200" progId="Equation.DSMT4">
+                <p:oleObj spid="_x0000_s7514" name="Equation" r:id="rId10" imgW="10058400" imgH="5791200" progId="Equation.DSMT4">
                   <p:embed/>
                 </p:oleObj>
               </mc:Choice>
@@ -13537,7 +13538,7 @@
           <a:graphicData uri="http://schemas.openxmlformats.org/presentationml/2006/ole">
             <mc:AlternateContent xmlns:mc="http://schemas.openxmlformats.org/markup-compatibility/2006">
               <mc:Choice xmlns:v="urn:schemas-microsoft-com:vml" Requires="v">
-                <p:oleObj spid="_x0000_s7458" name="Equation" r:id="rId12" imgW="7010400" imgH="5791200" progId="Equation.DSMT4">
+                <p:oleObj spid="_x0000_s7515" name="Equation" r:id="rId12" imgW="7010400" imgH="5791200" progId="Equation.DSMT4">
                   <p:embed/>
                 </p:oleObj>
               </mc:Choice>
@@ -13588,7 +13589,7 @@
           <a:graphicData uri="http://schemas.openxmlformats.org/presentationml/2006/ole">
             <mc:AlternateContent xmlns:mc="http://schemas.openxmlformats.org/markup-compatibility/2006">
               <mc:Choice xmlns:v="urn:schemas-microsoft-com:vml" Requires="v">
-                <p:oleObj spid="_x0000_s7459" name="Equation" r:id="rId14" imgW="9144000" imgH="5791200" progId="Equation.DSMT4">
+                <p:oleObj spid="_x0000_s7516" name="Equation" r:id="rId14" imgW="9144000" imgH="5791200" progId="Equation.DSMT4">
                   <p:embed/>
                 </p:oleObj>
               </mc:Choice>
@@ -13813,7 +13814,7 @@
           <a:graphicData uri="http://schemas.openxmlformats.org/presentationml/2006/ole">
             <mc:AlternateContent xmlns:mc="http://schemas.openxmlformats.org/markup-compatibility/2006">
               <mc:Choice xmlns:v="urn:schemas-microsoft-com:vml" Requires="v">
-                <p:oleObj spid="_x0000_s7460" name="Equation" r:id="rId17" imgW="16764000" imgH="5791200" progId="Equation.DSMT4">
+                <p:oleObj spid="_x0000_s7517" name="Equation" r:id="rId17" imgW="16764000" imgH="5791200" progId="Equation.DSMT4">
                   <p:embed/>
                 </p:oleObj>
               </mc:Choice>
@@ -13864,7 +13865,7 @@
           <a:graphicData uri="http://schemas.openxmlformats.org/presentationml/2006/ole">
             <mc:AlternateContent xmlns:mc="http://schemas.openxmlformats.org/markup-compatibility/2006">
               <mc:Choice xmlns:v="urn:schemas-microsoft-com:vml" Requires="v">
-                <p:oleObj spid="_x0000_s7461" name="Equation" r:id="rId19" imgW="238125" imgH="199390" progId="Equation.DSMT4">
+                <p:oleObj spid="_x0000_s7518" name="Equation" r:id="rId19" imgW="238125" imgH="199390" progId="Equation.DSMT4">
                   <p:embed/>
                 </p:oleObj>
               </mc:Choice>
@@ -13915,7 +13916,7 @@
           <a:graphicData uri="http://schemas.openxmlformats.org/presentationml/2006/ole">
             <mc:AlternateContent xmlns:mc="http://schemas.openxmlformats.org/markup-compatibility/2006">
               <mc:Choice xmlns:v="urn:schemas-microsoft-com:vml" Requires="v">
-                <p:oleObj spid="_x0000_s7462" name="Equation" r:id="rId21" imgW="16154400" imgH="5791200" progId="Equation.DSMT4">
+                <p:oleObj spid="_x0000_s7519" name="Equation" r:id="rId21" imgW="16154400" imgH="5791200" progId="Equation.DSMT4">
                   <p:embed/>
                 </p:oleObj>
               </mc:Choice>
@@ -14038,7 +14039,7 @@
           <a:graphicData uri="http://schemas.openxmlformats.org/presentationml/2006/ole">
             <mc:AlternateContent xmlns:mc="http://schemas.openxmlformats.org/markup-compatibility/2006">
               <mc:Choice xmlns:v="urn:schemas-microsoft-com:vml" Requires="v">
-                <p:oleObj spid="_x0000_s7463" name="Equation" r:id="rId23" imgW="5791200" imgH="4876800" progId="Equation.DSMT4">
+                <p:oleObj spid="_x0000_s7520" name="Equation" r:id="rId23" imgW="5791200" imgH="4876800" progId="Equation.DSMT4">
                   <p:embed/>
                 </p:oleObj>
               </mc:Choice>
@@ -14089,7 +14090,7 @@
           <a:graphicData uri="http://schemas.openxmlformats.org/presentationml/2006/ole">
             <mc:AlternateContent xmlns:mc="http://schemas.openxmlformats.org/markup-compatibility/2006">
               <mc:Choice xmlns:v="urn:schemas-microsoft-com:vml" Requires="v">
-                <p:oleObj spid="_x0000_s7464" name="Equation" r:id="rId25" imgW="5486400" imgH="4572000" progId="Equation.DSMT4">
+                <p:oleObj spid="_x0000_s7521" name="Equation" r:id="rId25" imgW="5486400" imgH="4572000" progId="Equation.DSMT4">
                   <p:embed/>
                 </p:oleObj>
               </mc:Choice>
@@ -14191,7 +14192,7 @@
           <a:graphicData uri="http://schemas.openxmlformats.org/presentationml/2006/ole">
             <mc:AlternateContent xmlns:mc="http://schemas.openxmlformats.org/markup-compatibility/2006">
               <mc:Choice xmlns:v="urn:schemas-microsoft-com:vml" Requires="v">
-                <p:oleObj spid="_x0000_s7465" name="Equation" r:id="rId27" imgW="10058400" imgH="5486400" progId="Equation.DSMT4">
+                <p:oleObj spid="_x0000_s7522" name="Equation" r:id="rId27" imgW="10058400" imgH="5486400" progId="Equation.DSMT4">
                   <p:embed/>
                 </p:oleObj>
               </mc:Choice>
@@ -14279,7 +14280,7 @@
           <a:graphicData uri="http://schemas.openxmlformats.org/presentationml/2006/ole">
             <mc:AlternateContent xmlns:mc="http://schemas.openxmlformats.org/markup-compatibility/2006">
               <mc:Choice xmlns:v="urn:schemas-microsoft-com:vml" Requires="v">
-                <p:oleObj spid="_x0000_s7466" name="Equation" r:id="rId29" imgW="16764000" imgH="5486400" progId="Equation.DSMT4">
+                <p:oleObj spid="_x0000_s7523" name="Equation" r:id="rId29" imgW="16764000" imgH="5486400" progId="Equation.DSMT4">
                   <p:embed/>
                 </p:oleObj>
               </mc:Choice>
@@ -14365,7 +14366,7 @@
           <a:graphicData uri="http://schemas.openxmlformats.org/presentationml/2006/ole">
             <mc:AlternateContent xmlns:mc="http://schemas.openxmlformats.org/markup-compatibility/2006">
               <mc:Choice xmlns:v="urn:schemas-microsoft-com:vml" Requires="v">
-                <p:oleObj spid="_x0000_s7467" name="Equation" r:id="rId31" imgW="270510" imgH="219075" progId="Equation.DSMT4">
+                <p:oleObj spid="_x0000_s7524" name="Equation" r:id="rId31" imgW="270510" imgH="219075" progId="Equation.DSMT4">
                   <p:embed/>
                 </p:oleObj>
               </mc:Choice>
@@ -14522,7 +14523,7 @@
           <a:graphicData uri="http://schemas.openxmlformats.org/presentationml/2006/ole">
             <mc:AlternateContent xmlns:mc="http://schemas.openxmlformats.org/markup-compatibility/2006">
               <mc:Choice xmlns:v="urn:schemas-microsoft-com:vml" Requires="v">
-                <p:oleObj spid="_x0000_s7468" name="Equation" r:id="rId33" imgW="560070" imgH="199390" progId="Equation.DSMT4">
+                <p:oleObj spid="_x0000_s7525" name="Equation" r:id="rId33" imgW="560070" imgH="199390" progId="Equation.DSMT4">
                   <p:embed/>
                 </p:oleObj>
               </mc:Choice>
@@ -14631,7 +14632,7 @@
           <a:graphicData uri="http://schemas.openxmlformats.org/presentationml/2006/ole">
             <mc:AlternateContent xmlns:mc="http://schemas.openxmlformats.org/markup-compatibility/2006">
               <mc:Choice xmlns:v="urn:schemas-microsoft-com:vml" Requires="v">
-                <p:oleObj spid="_x0000_s7469" name="Equation" r:id="rId35" imgW="7010400" imgH="4876800" progId="Equation.DSMT4">
+                <p:oleObj spid="_x0000_s7526" name="Equation" r:id="rId35" imgW="7010400" imgH="4876800" progId="Equation.DSMT4">
                   <p:embed/>
                 </p:oleObj>
               </mc:Choice>
@@ -14813,7 +14814,7 @@
           <a:graphicData uri="http://schemas.openxmlformats.org/presentationml/2006/ole">
             <mc:AlternateContent xmlns:mc="http://schemas.openxmlformats.org/markup-compatibility/2006">
               <mc:Choice xmlns:v="urn:schemas-microsoft-com:vml" Requires="v">
-                <p:oleObj spid="_x0000_s7470" name="Equation" r:id="rId37" imgW="7010400" imgH="4876800" progId="Equation.DSMT4">
+                <p:oleObj spid="_x0000_s7527" name="Equation" r:id="rId37" imgW="7010400" imgH="4876800" progId="Equation.DSMT4">
                   <p:embed/>
                 </p:oleObj>
               </mc:Choice>
@@ -15029,7 +15030,7 @@
           <a:graphicData uri="http://schemas.openxmlformats.org/presentationml/2006/ole">
             <mc:AlternateContent xmlns:mc="http://schemas.openxmlformats.org/markup-compatibility/2006">
               <mc:Choice xmlns:v="urn:schemas-microsoft-com:vml" Requires="v">
-                <p:oleObj spid="_x0000_s7471" name="Equation" r:id="rId38" imgW="7010400" imgH="4876800" progId="Equation.DSMT4">
+                <p:oleObj spid="_x0000_s7528" name="Equation" r:id="rId38" imgW="7010400" imgH="4876800" progId="Equation.DSMT4">
                   <p:embed/>
                 </p:oleObj>
               </mc:Choice>
@@ -15333,7 +15334,7 @@
           <a:graphicData uri="http://schemas.openxmlformats.org/presentationml/2006/ole">
             <mc:AlternateContent xmlns:mc="http://schemas.openxmlformats.org/markup-compatibility/2006">
               <mc:Choice xmlns:v="urn:schemas-microsoft-com:vml" Requires="v">
-                <p:oleObj spid="_x0000_s7472" name="Equation" r:id="rId39" imgW="7010400" imgH="4876800" progId="Equation.DSMT4">
+                <p:oleObj spid="_x0000_s7529" name="Equation" r:id="rId39" imgW="7010400" imgH="4876800" progId="Equation.DSMT4">
                   <p:embed/>
                 </p:oleObj>
               </mc:Choice>
@@ -15906,7 +15907,7 @@
           <a:graphicData uri="http://schemas.openxmlformats.org/presentationml/2006/ole">
             <mc:AlternateContent xmlns:mc="http://schemas.openxmlformats.org/markup-compatibility/2006">
               <mc:Choice xmlns:v="urn:schemas-microsoft-com:vml" Requires="v">
-                <p:oleObj spid="_x0000_s8437" name="Equation" r:id="rId3" imgW="5791200" imgH="4876800" progId="Equation.DSMT4">
+                <p:oleObj spid="_x0000_s8488" name="Equation" r:id="rId3" imgW="5791200" imgH="4876800" progId="Equation.DSMT4">
                   <p:embed/>
                 </p:oleObj>
               </mc:Choice>
@@ -15963,7 +15964,7 @@
           <a:graphicData uri="http://schemas.openxmlformats.org/presentationml/2006/ole">
             <mc:AlternateContent xmlns:mc="http://schemas.openxmlformats.org/markup-compatibility/2006">
               <mc:Choice xmlns:v="urn:schemas-microsoft-com:vml" Requires="v">
-                <p:oleObj spid="_x0000_s8438" name="Equation" r:id="rId5" imgW="5486400" imgH="4572000" progId="Equation.DSMT4">
+                <p:oleObj spid="_x0000_s8489" name="Equation" r:id="rId5" imgW="5486400" imgH="4572000" progId="Equation.DSMT4">
                   <p:embed/>
                 </p:oleObj>
               </mc:Choice>
@@ -16070,7 +16071,7 @@
           <a:graphicData uri="http://schemas.openxmlformats.org/presentationml/2006/ole">
             <mc:AlternateContent xmlns:mc="http://schemas.openxmlformats.org/markup-compatibility/2006">
               <mc:Choice xmlns:v="urn:schemas-microsoft-com:vml" Requires="v">
-                <p:oleObj spid="_x0000_s8439" name="Equation" r:id="rId7" imgW="14325600" imgH="4876800" progId="Equation.DSMT4">
+                <p:oleObj spid="_x0000_s8490" name="Equation" r:id="rId7" imgW="14325600" imgH="4876800" progId="Equation.DSMT4">
                   <p:embed/>
                 </p:oleObj>
               </mc:Choice>
@@ -16133,7 +16134,7 @@
           <a:graphicData uri="http://schemas.openxmlformats.org/presentationml/2006/ole">
             <mc:AlternateContent xmlns:mc="http://schemas.openxmlformats.org/markup-compatibility/2006">
               <mc:Choice xmlns:v="urn:schemas-microsoft-com:vml" Requires="v">
-                <p:oleObj spid="_x0000_s8440" name="Equation" r:id="rId9" imgW="7010400" imgH="5791200" progId="Equation.DSMT4">
+                <p:oleObj spid="_x0000_s8491" name="Equation" r:id="rId9" imgW="7010400" imgH="5791200" progId="Equation.DSMT4">
                   <p:embed/>
                 </p:oleObj>
               </mc:Choice>
@@ -16190,7 +16191,7 @@
           <a:graphicData uri="http://schemas.openxmlformats.org/presentationml/2006/ole">
             <mc:AlternateContent xmlns:mc="http://schemas.openxmlformats.org/markup-compatibility/2006">
               <mc:Choice xmlns:v="urn:schemas-microsoft-com:vml" Requires="v">
-                <p:oleObj spid="_x0000_s8441" name="Equation" r:id="rId11" imgW="7010400" imgH="5791200" progId="Equation.DSMT4">
+                <p:oleObj spid="_x0000_s8492" name="Equation" r:id="rId11" imgW="7010400" imgH="5791200" progId="Equation.DSMT4">
                   <p:embed/>
                 </p:oleObj>
               </mc:Choice>
@@ -16298,7 +16299,7 @@
           <a:graphicData uri="http://schemas.openxmlformats.org/presentationml/2006/ole">
             <mc:AlternateContent xmlns:mc="http://schemas.openxmlformats.org/markup-compatibility/2006">
               <mc:Choice xmlns:v="urn:schemas-microsoft-com:vml" Requires="v">
-                <p:oleObj spid="_x0000_s8442" name="Equation" r:id="rId13" imgW="5181600" imgH="6096000" progId="Equation.DSMT4">
+                <p:oleObj spid="_x0000_s8493" name="Equation" r:id="rId13" imgW="5181600" imgH="6096000" progId="Equation.DSMT4">
                   <p:embed/>
                 </p:oleObj>
               </mc:Choice>
@@ -16406,7 +16407,7 @@
           <a:graphicData uri="http://schemas.openxmlformats.org/presentationml/2006/ole">
             <mc:AlternateContent xmlns:mc="http://schemas.openxmlformats.org/markup-compatibility/2006">
               <mc:Choice xmlns:v="urn:schemas-microsoft-com:vml" Requires="v">
-                <p:oleObj spid="_x0000_s8443" name="Equation" r:id="rId15" imgW="7315200" imgH="5791200" progId="Equation.DSMT4">
+                <p:oleObj spid="_x0000_s8494" name="Equation" r:id="rId15" imgW="7315200" imgH="5791200" progId="Equation.DSMT4">
                   <p:embed/>
                 </p:oleObj>
               </mc:Choice>
@@ -16640,7 +16641,7 @@
           <a:graphicData uri="http://schemas.openxmlformats.org/presentationml/2006/ole">
             <mc:AlternateContent xmlns:mc="http://schemas.openxmlformats.org/markup-compatibility/2006">
               <mc:Choice xmlns:v="urn:schemas-microsoft-com:vml" Requires="v">
-                <p:oleObj spid="_x0000_s8444" name="Equation" r:id="rId17" imgW="152280" imgH="139680" progId="Equation.DSMT4">
+                <p:oleObj spid="_x0000_s8495" name="Equation" r:id="rId17" imgW="152280" imgH="139680" progId="Equation.DSMT4">
                   <p:embed/>
                 </p:oleObj>
               </mc:Choice>
@@ -16703,7 +16704,7 @@
           <a:graphicData uri="http://schemas.openxmlformats.org/presentationml/2006/ole">
             <mc:AlternateContent xmlns:mc="http://schemas.openxmlformats.org/markup-compatibility/2006">
               <mc:Choice xmlns:v="urn:schemas-microsoft-com:vml" Requires="v">
-                <p:oleObj spid="_x0000_s8445" name="Equation" r:id="rId19" imgW="12801600" imgH="6096000" progId="Equation.DSMT4">
+                <p:oleObj spid="_x0000_s8496" name="Equation" r:id="rId19" imgW="12801600" imgH="6096000" progId="Equation.DSMT4">
                   <p:embed/>
                 </p:oleObj>
               </mc:Choice>
@@ -16823,7 +16824,7 @@
           <a:graphicData uri="http://schemas.openxmlformats.org/presentationml/2006/ole">
             <mc:AlternateContent xmlns:mc="http://schemas.openxmlformats.org/markup-compatibility/2006">
               <mc:Choice xmlns:v="urn:schemas-microsoft-com:vml" Requires="v">
-                <p:oleObj spid="_x0000_s8446" name="Equation" r:id="rId21" imgW="5791200" imgH="4572000" progId="Equation.DSMT4">
+                <p:oleObj spid="_x0000_s8497" name="Equation" r:id="rId21" imgW="5791200" imgH="4572000" progId="Equation.DSMT4">
                   <p:embed/>
                 </p:oleObj>
               </mc:Choice>
@@ -17081,7 +17082,7 @@
           <a:graphicData uri="http://schemas.openxmlformats.org/presentationml/2006/ole">
             <mc:AlternateContent xmlns:mc="http://schemas.openxmlformats.org/markup-compatibility/2006">
               <mc:Choice xmlns:v="urn:schemas-microsoft-com:vml" Requires="v">
-                <p:oleObj spid="_x0000_s8447" name="Equation" r:id="rId23" imgW="5181600" imgH="5486400" progId="Equation.DSMT4">
+                <p:oleObj spid="_x0000_s8498" name="Equation" r:id="rId23" imgW="5181600" imgH="5486400" progId="Equation.DSMT4">
                   <p:embed/>
                 </p:oleObj>
               </mc:Choice>
@@ -17144,7 +17145,7 @@
           <a:graphicData uri="http://schemas.openxmlformats.org/presentationml/2006/ole">
             <mc:AlternateContent xmlns:mc="http://schemas.openxmlformats.org/markup-compatibility/2006">
               <mc:Choice xmlns:v="urn:schemas-microsoft-com:vml" Requires="v">
-                <p:oleObj spid="_x0000_s8448" name="Equation" r:id="rId25" imgW="152280" imgH="139680" progId="Equation.DSMT4">
+                <p:oleObj spid="_x0000_s8499" name="Equation" r:id="rId25" imgW="152280" imgH="139680" progId="Equation.DSMT4">
                   <p:embed/>
                 </p:oleObj>
               </mc:Choice>
@@ -17249,7 +17250,7 @@
           <a:graphicData uri="http://schemas.openxmlformats.org/presentationml/2006/ole">
             <mc:AlternateContent xmlns:mc="http://schemas.openxmlformats.org/markup-compatibility/2006">
               <mc:Choice xmlns:v="urn:schemas-microsoft-com:vml" Requires="v">
-                <p:oleObj spid="_x0000_s8449" name="Equation" r:id="rId27" imgW="558720" imgH="279360" progId="Equation.DSMT4">
+                <p:oleObj spid="_x0000_s8500" name="Equation" r:id="rId27" imgW="558720" imgH="279360" progId="Equation.DSMT4">
                   <p:embed/>
                 </p:oleObj>
               </mc:Choice>
@@ -17312,7 +17313,7 @@
           <a:graphicData uri="http://schemas.openxmlformats.org/presentationml/2006/ole">
             <mc:AlternateContent xmlns:mc="http://schemas.openxmlformats.org/markup-compatibility/2006">
               <mc:Choice xmlns:v="urn:schemas-microsoft-com:vml" Requires="v">
-                <p:oleObj spid="_x0000_s8450" name="Equation" r:id="rId29" imgW="558720" imgH="279360" progId="Equation.DSMT4">
+                <p:oleObj spid="_x0000_s8501" name="Equation" r:id="rId29" imgW="558720" imgH="279360" progId="Equation.DSMT4">
                   <p:embed/>
                 </p:oleObj>
               </mc:Choice>
@@ -17418,7 +17419,7 @@
           <a:graphicData uri="http://schemas.openxmlformats.org/presentationml/2006/ole">
             <mc:AlternateContent xmlns:mc="http://schemas.openxmlformats.org/markup-compatibility/2006">
               <mc:Choice xmlns:v="urn:schemas-microsoft-com:vml" Requires="v">
-                <p:oleObj spid="_x0000_s8451" name="Equation" r:id="rId31" imgW="253800" imgH="253800" progId="Equation.DSMT4">
+                <p:oleObj spid="_x0000_s8502" name="Equation" r:id="rId31" imgW="253800" imgH="253800" progId="Equation.DSMT4">
                   <p:embed/>
                 </p:oleObj>
               </mc:Choice>
@@ -17481,7 +17482,7 @@
           <a:graphicData uri="http://schemas.openxmlformats.org/presentationml/2006/ole">
             <mc:AlternateContent xmlns:mc="http://schemas.openxmlformats.org/markup-compatibility/2006">
               <mc:Choice xmlns:v="urn:schemas-microsoft-com:vml" Requires="v">
-                <p:oleObj spid="_x0000_s8452" name="Equation" r:id="rId33" imgW="253800" imgH="253800" progId="Equation.DSMT4">
+                <p:oleObj spid="_x0000_s8503" name="Equation" r:id="rId33" imgW="253800" imgH="253800" progId="Equation.DSMT4">
                   <p:embed/>
                 </p:oleObj>
               </mc:Choice>
@@ -18089,7 +18090,7 @@
           <a:graphicData uri="http://schemas.openxmlformats.org/presentationml/2006/ole">
             <mc:AlternateContent xmlns:mc="http://schemas.openxmlformats.org/markup-compatibility/2006">
               <mc:Choice xmlns:v="urn:schemas-microsoft-com:vml" Requires="v">
-                <p:oleObj spid="_x0000_s8453" name="Equation" r:id="rId36" imgW="215640" imgH="241200" progId="Equation.DSMT4">
+                <p:oleObj spid="_x0000_s8504" name="Equation" r:id="rId36" imgW="215640" imgH="241200" progId="Equation.DSMT4">
                   <p:embed/>
                 </p:oleObj>
               </mc:Choice>
@@ -18534,7 +18535,7 @@
           <a:graphicData uri="http://schemas.openxmlformats.org/presentationml/2006/ole">
             <mc:AlternateContent xmlns:mc="http://schemas.openxmlformats.org/markup-compatibility/2006">
               <mc:Choice xmlns:v="urn:schemas-microsoft-com:vml" Requires="v">
-                <p:oleObj spid="_x0000_s9276" name="Equation" r:id="rId3" imgW="279360" imgH="190440" progId="Equation.DSMT4">
+                <p:oleObj spid="_x0000_s9327" name="Equation" r:id="rId3" imgW="279360" imgH="190440" progId="Equation.DSMT4">
                   <p:embed/>
                 </p:oleObj>
               </mc:Choice>
@@ -18652,7 +18653,7 @@
           <a:graphicData uri="http://schemas.openxmlformats.org/presentationml/2006/ole">
             <mc:AlternateContent xmlns:mc="http://schemas.openxmlformats.org/markup-compatibility/2006">
               <mc:Choice xmlns:v="urn:schemas-microsoft-com:vml" Requires="v">
-                <p:oleObj spid="_x0000_s9277" name="Equation" r:id="rId5" imgW="152280" imgH="164880" progId="Equation.DSMT4">
+                <p:oleObj spid="_x0000_s9328" name="Equation" r:id="rId5" imgW="152280" imgH="164880" progId="Equation.DSMT4">
                   <p:embed/>
                 </p:oleObj>
               </mc:Choice>
@@ -18831,7 +18832,7 @@
           <a:graphicData uri="http://schemas.openxmlformats.org/presentationml/2006/ole">
             <mc:AlternateContent xmlns:mc="http://schemas.openxmlformats.org/markup-compatibility/2006">
               <mc:Choice xmlns:v="urn:schemas-microsoft-com:vml" Requires="v">
-                <p:oleObj spid="_x0000_s9278" name="Equation" r:id="rId7" imgW="152280" imgH="190440" progId="Equation.DSMT4">
+                <p:oleObj spid="_x0000_s9329" name="Equation" r:id="rId7" imgW="152280" imgH="190440" progId="Equation.DSMT4">
                   <p:embed/>
                 </p:oleObj>
               </mc:Choice>
@@ -18900,7 +18901,7 @@
           <a:graphicData uri="http://schemas.openxmlformats.org/presentationml/2006/ole">
             <mc:AlternateContent xmlns:mc="http://schemas.openxmlformats.org/markup-compatibility/2006">
               <mc:Choice xmlns:v="urn:schemas-microsoft-com:vml" Requires="v">
-                <p:oleObj spid="_x0000_s9279" name="Equation" r:id="rId9" imgW="266400" imgH="241200" progId="Equation.DSMT4">
+                <p:oleObj spid="_x0000_s9330" name="Equation" r:id="rId9" imgW="266400" imgH="241200" progId="Equation.DSMT4">
                   <p:embed/>
                 </p:oleObj>
               </mc:Choice>
@@ -18963,7 +18964,7 @@
           <a:graphicData uri="http://schemas.openxmlformats.org/presentationml/2006/ole">
             <mc:AlternateContent xmlns:mc="http://schemas.openxmlformats.org/markup-compatibility/2006">
               <mc:Choice xmlns:v="urn:schemas-microsoft-com:vml" Requires="v">
-                <p:oleObj spid="_x0000_s9280" name="Equation" r:id="rId11" imgW="330120" imgH="279360" progId="Equation.DSMT4">
+                <p:oleObj spid="_x0000_s9331" name="Equation" r:id="rId11" imgW="330120" imgH="279360" progId="Equation.DSMT4">
                   <p:embed/>
                 </p:oleObj>
               </mc:Choice>
@@ -20972,7 +20973,7 @@
           <a:graphicData uri="http://schemas.openxmlformats.org/presentationml/2006/ole">
             <mc:AlternateContent xmlns:mc="http://schemas.openxmlformats.org/markup-compatibility/2006">
               <mc:Choice xmlns:v="urn:schemas-microsoft-com:vml" Requires="v">
-                <p:oleObj spid="_x0000_s9281" name="Equation" r:id="rId13" imgW="203040" imgH="177480" progId="Equation.DSMT4">
+                <p:oleObj spid="_x0000_s9332" name="Equation" r:id="rId13" imgW="203040" imgH="177480" progId="Equation.DSMT4">
                   <p:embed/>
                 </p:oleObj>
               </mc:Choice>
@@ -21035,7 +21036,7 @@
           <a:graphicData uri="http://schemas.openxmlformats.org/presentationml/2006/ole">
             <mc:AlternateContent xmlns:mc="http://schemas.openxmlformats.org/markup-compatibility/2006">
               <mc:Choice xmlns:v="urn:schemas-microsoft-com:vml" Requires="v">
-                <p:oleObj spid="_x0000_s9282" name="Equation" r:id="rId15" imgW="139680" imgH="393480" progId="Equation.DSMT4">
+                <p:oleObj spid="_x0000_s9333" name="Equation" r:id="rId15" imgW="139680" imgH="393480" progId="Equation.DSMT4">
                   <p:embed/>
                 </p:oleObj>
               </mc:Choice>
@@ -21098,7 +21099,7 @@
           <a:graphicData uri="http://schemas.openxmlformats.org/presentationml/2006/ole">
             <mc:AlternateContent xmlns:mc="http://schemas.openxmlformats.org/markup-compatibility/2006">
               <mc:Choice xmlns:v="urn:schemas-microsoft-com:vml" Requires="v">
-                <p:oleObj spid="_x0000_s9283" name="Equation" r:id="rId17" imgW="126720" imgH="101520" progId="Equation.DSMT4">
+                <p:oleObj spid="_x0000_s9334" name="Equation" r:id="rId17" imgW="126720" imgH="101520" progId="Equation.DSMT4">
                   <p:embed/>
                 </p:oleObj>
               </mc:Choice>
@@ -21161,7 +21162,7 @@
           <a:graphicData uri="http://schemas.openxmlformats.org/presentationml/2006/ole">
             <mc:AlternateContent xmlns:mc="http://schemas.openxmlformats.org/markup-compatibility/2006">
               <mc:Choice xmlns:v="urn:schemas-microsoft-com:vml" Requires="v">
-                <p:oleObj spid="_x0000_s9284" name="Equation" r:id="rId19" imgW="279360" imgH="190440" progId="Equation.DSMT4">
+                <p:oleObj spid="_x0000_s9335" name="Equation" r:id="rId19" imgW="279360" imgH="190440" progId="Equation.DSMT4">
                   <p:embed/>
                 </p:oleObj>
               </mc:Choice>
@@ -21230,7 +21231,7 @@
           <a:graphicData uri="http://schemas.openxmlformats.org/presentationml/2006/ole">
             <mc:AlternateContent xmlns:mc="http://schemas.openxmlformats.org/markup-compatibility/2006">
               <mc:Choice xmlns:v="urn:schemas-microsoft-com:vml" Requires="v">
-                <p:oleObj spid="_x0000_s9285" name="Equation" r:id="rId21" imgW="114406" imgH="99264" progId="Equation.DSMT4">
+                <p:oleObj spid="_x0000_s9336" name="Equation" r:id="rId21" imgW="114406" imgH="99264" progId="Equation.DSMT4">
                   <p:embed/>
                 </p:oleObj>
               </mc:Choice>
@@ -21293,7 +21294,7 @@
           <a:graphicData uri="http://schemas.openxmlformats.org/presentationml/2006/ole">
             <mc:AlternateContent xmlns:mc="http://schemas.openxmlformats.org/markup-compatibility/2006">
               <mc:Choice xmlns:v="urn:schemas-microsoft-com:vml" Requires="v">
-                <p:oleObj spid="_x0000_s9286" name="Equation" r:id="rId23" imgW="241200" imgH="177480" progId="Equation.DSMT4">
+                <p:oleObj spid="_x0000_s9337" name="Equation" r:id="rId23" imgW="241200" imgH="177480" progId="Equation.DSMT4">
                   <p:embed/>
                 </p:oleObj>
               </mc:Choice>
@@ -21356,7 +21357,7 @@
           <a:graphicData uri="http://schemas.openxmlformats.org/presentationml/2006/ole">
             <mc:AlternateContent xmlns:mc="http://schemas.openxmlformats.org/markup-compatibility/2006">
               <mc:Choice xmlns:v="urn:schemas-microsoft-com:vml" Requires="v">
-                <p:oleObj spid="_x0000_s9287" name="Equation" r:id="rId25" imgW="253800" imgH="431640" progId="Equation.DSMT4">
+                <p:oleObj spid="_x0000_s9338" name="Equation" r:id="rId25" imgW="253800" imgH="431640" progId="Equation.DSMT4">
                   <p:embed/>
                 </p:oleObj>
               </mc:Choice>
@@ -21419,7 +21420,7 @@
           <a:graphicData uri="http://schemas.openxmlformats.org/presentationml/2006/ole">
             <mc:AlternateContent xmlns:mc="http://schemas.openxmlformats.org/markup-compatibility/2006">
               <mc:Choice xmlns:v="urn:schemas-microsoft-com:vml" Requires="v">
-                <p:oleObj spid="_x0000_s9288" name="Equation" r:id="rId27" imgW="431640" imgH="241200" progId="Equation.DSMT4">
+                <p:oleObj spid="_x0000_s9339" name="Equation" r:id="rId27" imgW="431640" imgH="241200" progId="Equation.DSMT4">
                   <p:embed/>
                 </p:oleObj>
               </mc:Choice>
@@ -21482,7 +21483,7 @@
           <a:graphicData uri="http://schemas.openxmlformats.org/presentationml/2006/ole">
             <mc:AlternateContent xmlns:mc="http://schemas.openxmlformats.org/markup-compatibility/2006">
               <mc:Choice xmlns:v="urn:schemas-microsoft-com:vml" Requires="v">
-                <p:oleObj spid="_x0000_s9289" name="Equation" r:id="rId29" imgW="698400" imgH="241200" progId="Equation.DSMT4">
+                <p:oleObj spid="_x0000_s9340" name="Equation" r:id="rId29" imgW="698400" imgH="241200" progId="Equation.DSMT4">
                   <p:embed/>
                 </p:oleObj>
               </mc:Choice>
@@ -21545,7 +21546,7 @@
           <a:graphicData uri="http://schemas.openxmlformats.org/presentationml/2006/ole">
             <mc:AlternateContent xmlns:mc="http://schemas.openxmlformats.org/markup-compatibility/2006">
               <mc:Choice xmlns:v="urn:schemas-microsoft-com:vml" Requires="v">
-                <p:oleObj spid="_x0000_s9290" name="Equation" r:id="rId31" imgW="330120" imgH="228600" progId="Equation.DSMT4">
+                <p:oleObj spid="_x0000_s9341" name="Equation" r:id="rId31" imgW="330120" imgH="228600" progId="Equation.DSMT4">
                   <p:embed/>
                 </p:oleObj>
               </mc:Choice>
@@ -21608,7 +21609,7 @@
           <a:graphicData uri="http://schemas.openxmlformats.org/presentationml/2006/ole">
             <mc:AlternateContent xmlns:mc="http://schemas.openxmlformats.org/markup-compatibility/2006">
               <mc:Choice xmlns:v="urn:schemas-microsoft-com:vml" Requires="v">
-                <p:oleObj spid="_x0000_s9291" name="Equation" r:id="rId33" imgW="241200" imgH="228600" progId="Equation.DSMT4">
+                <p:oleObj spid="_x0000_s9342" name="Equation" r:id="rId33" imgW="241200" imgH="228600" progId="Equation.DSMT4">
                   <p:embed/>
                 </p:oleObj>
               </mc:Choice>
@@ -21671,7 +21672,7 @@
           <a:graphicData uri="http://schemas.openxmlformats.org/presentationml/2006/ole">
             <mc:AlternateContent xmlns:mc="http://schemas.openxmlformats.org/markup-compatibility/2006">
               <mc:Choice xmlns:v="urn:schemas-microsoft-com:vml" Requires="v">
-                <p:oleObj spid="_x0000_s9292" name="Equation" r:id="rId35" imgW="266400" imgH="190440" progId="Equation.DSMT4">
+                <p:oleObj spid="_x0000_s9343" name="Equation" r:id="rId35" imgW="266400" imgH="190440" progId="Equation.DSMT4">
                   <p:embed/>
                 </p:oleObj>
               </mc:Choice>
@@ -22073,7 +22074,7 @@
           <a:graphicData uri="http://schemas.openxmlformats.org/presentationml/2006/ole">
             <mc:AlternateContent xmlns:mc="http://schemas.openxmlformats.org/markup-compatibility/2006">
               <mc:Choice xmlns:v="urn:schemas-microsoft-com:vml" Requires="v">
-                <p:oleObj spid="_x0000_s10257" name="Equation" r:id="rId3" imgW="279360" imgH="190440" progId="Equation.DSMT4">
+                <p:oleObj spid="_x0000_s10302" name="Equation" r:id="rId3" imgW="279360" imgH="190440" progId="Equation.DSMT4">
                   <p:embed/>
                 </p:oleObj>
               </mc:Choice>
@@ -22197,7 +22198,7 @@
           <a:graphicData uri="http://schemas.openxmlformats.org/presentationml/2006/ole">
             <mc:AlternateContent xmlns:mc="http://schemas.openxmlformats.org/markup-compatibility/2006">
               <mc:Choice xmlns:v="urn:schemas-microsoft-com:vml" Requires="v">
-                <p:oleObj spid="_x0000_s10258" name="Equation" r:id="rId5" imgW="152280" imgH="164880" progId="Equation.DSMT4">
+                <p:oleObj spid="_x0000_s10303" name="Equation" r:id="rId5" imgW="152280" imgH="164880" progId="Equation.DSMT4">
                   <p:embed/>
                 </p:oleObj>
               </mc:Choice>
@@ -22376,7 +22377,7 @@
           <a:graphicData uri="http://schemas.openxmlformats.org/presentationml/2006/ole">
             <mc:AlternateContent xmlns:mc="http://schemas.openxmlformats.org/markup-compatibility/2006">
               <mc:Choice xmlns:v="urn:schemas-microsoft-com:vml" Requires="v">
-                <p:oleObj spid="_x0000_s10259" name="Equation" r:id="rId7" imgW="152280" imgH="190440" progId="Equation.DSMT4">
+                <p:oleObj spid="_x0000_s10304" name="Equation" r:id="rId7" imgW="152280" imgH="190440" progId="Equation.DSMT4">
                   <p:embed/>
                 </p:oleObj>
               </mc:Choice>
@@ -22439,7 +22440,7 @@
           <a:graphicData uri="http://schemas.openxmlformats.org/presentationml/2006/ole">
             <mc:AlternateContent xmlns:mc="http://schemas.openxmlformats.org/markup-compatibility/2006">
               <mc:Choice xmlns:v="urn:schemas-microsoft-com:vml" Requires="v">
-                <p:oleObj spid="_x0000_s10260" name="Equation" r:id="rId9" imgW="266400" imgH="241200" progId="Equation.DSMT4">
+                <p:oleObj spid="_x0000_s10305" name="Equation" r:id="rId9" imgW="266400" imgH="241200" progId="Equation.DSMT4">
                   <p:embed/>
                 </p:oleObj>
               </mc:Choice>
@@ -22502,7 +22503,7 @@
           <a:graphicData uri="http://schemas.openxmlformats.org/presentationml/2006/ole">
             <mc:AlternateContent xmlns:mc="http://schemas.openxmlformats.org/markup-compatibility/2006">
               <mc:Choice xmlns:v="urn:schemas-microsoft-com:vml" Requires="v">
-                <p:oleObj spid="_x0000_s10261" name="Equation" r:id="rId11" imgW="330120" imgH="279360" progId="Equation.DSMT4">
+                <p:oleObj spid="_x0000_s10306" name="Equation" r:id="rId11" imgW="330120" imgH="279360" progId="Equation.DSMT4">
                   <p:embed/>
                 </p:oleObj>
               </mc:Choice>
@@ -24229,7 +24230,7 @@
           <a:graphicData uri="http://schemas.openxmlformats.org/presentationml/2006/ole">
             <mc:AlternateContent xmlns:mc="http://schemas.openxmlformats.org/markup-compatibility/2006">
               <mc:Choice xmlns:v="urn:schemas-microsoft-com:vml" Requires="v">
-                <p:oleObj spid="_x0000_s10262" name="Equation" r:id="rId13" imgW="203040" imgH="177480" progId="Equation.DSMT4">
+                <p:oleObj spid="_x0000_s10307" name="Equation" r:id="rId13" imgW="203040" imgH="177480" progId="Equation.DSMT4">
                   <p:embed/>
                 </p:oleObj>
               </mc:Choice>
@@ -24292,7 +24293,7 @@
           <a:graphicData uri="http://schemas.openxmlformats.org/presentationml/2006/ole">
             <mc:AlternateContent xmlns:mc="http://schemas.openxmlformats.org/markup-compatibility/2006">
               <mc:Choice xmlns:v="urn:schemas-microsoft-com:vml" Requires="v">
-                <p:oleObj spid="_x0000_s10263" name="Equation" r:id="rId15" imgW="139680" imgH="393480" progId="Equation.DSMT4">
+                <p:oleObj spid="_x0000_s10308" name="Equation" r:id="rId15" imgW="139680" imgH="393480" progId="Equation.DSMT4">
                   <p:embed/>
                 </p:oleObj>
               </mc:Choice>
@@ -24355,7 +24356,7 @@
           <a:graphicData uri="http://schemas.openxmlformats.org/presentationml/2006/ole">
             <mc:AlternateContent xmlns:mc="http://schemas.openxmlformats.org/markup-compatibility/2006">
               <mc:Choice xmlns:v="urn:schemas-microsoft-com:vml" Requires="v">
-                <p:oleObj spid="_x0000_s10264" name="Equation" r:id="rId17" imgW="126720" imgH="101520" progId="Equation.DSMT4">
+                <p:oleObj spid="_x0000_s10309" name="Equation" r:id="rId17" imgW="126720" imgH="101520" progId="Equation.DSMT4">
                   <p:embed/>
                 </p:oleObj>
               </mc:Choice>
@@ -24424,7 +24425,7 @@
           <a:graphicData uri="http://schemas.openxmlformats.org/presentationml/2006/ole">
             <mc:AlternateContent xmlns:mc="http://schemas.openxmlformats.org/markup-compatibility/2006">
               <mc:Choice xmlns:v="urn:schemas-microsoft-com:vml" Requires="v">
-                <p:oleObj spid="_x0000_s10265" name="Equation" r:id="rId19" imgW="279360" imgH="190440" progId="Equation.DSMT4">
+                <p:oleObj spid="_x0000_s10310" name="Equation" r:id="rId19" imgW="279360" imgH="190440" progId="Equation.DSMT4">
                   <p:embed/>
                 </p:oleObj>
               </mc:Choice>
@@ -24487,7 +24488,7 @@
           <a:graphicData uri="http://schemas.openxmlformats.org/presentationml/2006/ole">
             <mc:AlternateContent xmlns:mc="http://schemas.openxmlformats.org/markup-compatibility/2006">
               <mc:Choice xmlns:v="urn:schemas-microsoft-com:vml" Requires="v">
-                <p:oleObj spid="_x0000_s10266" name="Equation" r:id="rId21" imgW="114406" imgH="99264" progId="Equation.DSMT4">
+                <p:oleObj spid="_x0000_s10311" name="Equation" r:id="rId21" imgW="114406" imgH="99264" progId="Equation.DSMT4">
                   <p:embed/>
                 </p:oleObj>
               </mc:Choice>
@@ -24550,7 +24551,7 @@
           <a:graphicData uri="http://schemas.openxmlformats.org/presentationml/2006/ole">
             <mc:AlternateContent xmlns:mc="http://schemas.openxmlformats.org/markup-compatibility/2006">
               <mc:Choice xmlns:v="urn:schemas-microsoft-com:vml" Requires="v">
-                <p:oleObj spid="_x0000_s10267" name="Equation" r:id="rId23" imgW="241200" imgH="177480" progId="Equation.DSMT4">
+                <p:oleObj spid="_x0000_s10312" name="Equation" r:id="rId23" imgW="241200" imgH="177480" progId="Equation.DSMT4">
                   <p:embed/>
                 </p:oleObj>
               </mc:Choice>
@@ -24619,7 +24620,7 @@
           <a:graphicData uri="http://schemas.openxmlformats.org/presentationml/2006/ole">
             <mc:AlternateContent xmlns:mc="http://schemas.openxmlformats.org/markup-compatibility/2006">
               <mc:Choice xmlns:v="urn:schemas-microsoft-com:vml" Requires="v">
-                <p:oleObj spid="_x0000_s10268" name="Equation" r:id="rId25" imgW="203040" imgH="431640" progId="Equation.DSMT4">
+                <p:oleObj spid="_x0000_s10313" name="Equation" r:id="rId25" imgW="203040" imgH="431640" progId="Equation.DSMT4">
                   <p:embed/>
                 </p:oleObj>
               </mc:Choice>
@@ -24688,7 +24689,7 @@
           <a:graphicData uri="http://schemas.openxmlformats.org/presentationml/2006/ole">
             <mc:AlternateContent xmlns:mc="http://schemas.openxmlformats.org/markup-compatibility/2006">
               <mc:Choice xmlns:v="urn:schemas-microsoft-com:vml" Requires="v">
-                <p:oleObj spid="_x0000_s10269" name="Equation" r:id="rId27" imgW="368280" imgH="241200" progId="Equation.DSMT4">
+                <p:oleObj spid="_x0000_s10314" name="Equation" r:id="rId27" imgW="368280" imgH="241200" progId="Equation.DSMT4">
                   <p:embed/>
                 </p:oleObj>
               </mc:Choice>
@@ -24757,7 +24758,7 @@
           <a:graphicData uri="http://schemas.openxmlformats.org/presentationml/2006/ole">
             <mc:AlternateContent xmlns:mc="http://schemas.openxmlformats.org/markup-compatibility/2006">
               <mc:Choice xmlns:v="urn:schemas-microsoft-com:vml" Requires="v">
-                <p:oleObj spid="_x0000_s10270" name="Equation" r:id="rId29" imgW="203040" imgH="431640" progId="Equation.DSMT4">
+                <p:oleObj spid="_x0000_s10315" name="Equation" r:id="rId29" imgW="203040" imgH="431640" progId="Equation.DSMT4">
                   <p:embed/>
                 </p:oleObj>
               </mc:Choice>
@@ -24826,7 +24827,7 @@
           <a:graphicData uri="http://schemas.openxmlformats.org/presentationml/2006/ole">
             <mc:AlternateContent xmlns:mc="http://schemas.openxmlformats.org/markup-compatibility/2006">
               <mc:Choice xmlns:v="urn:schemas-microsoft-com:vml" Requires="v">
-                <p:oleObj spid="_x0000_s10271" name="Equation" r:id="rId31" imgW="253800" imgH="203040" progId="Equation.DSMT4">
+                <p:oleObj spid="_x0000_s10316" name="Equation" r:id="rId31" imgW="253800" imgH="203040" progId="Equation.DSMT4">
                   <p:embed/>
                 </p:oleObj>
               </mc:Choice>
@@ -25056,6 +25057,1793 @@
     <p:extLst>
       <p:ext uri="{BB962C8B-B14F-4D97-AF65-F5344CB8AC3E}">
         <p14:creationId xmlns:p14="http://schemas.microsoft.com/office/powerpoint/2010/main" val="127140399"/>
+      </p:ext>
+    </p:extLst>
+  </p:cSld>
+  <p:clrMapOvr>
+    <a:masterClrMapping/>
+  </p:clrMapOvr>
+</p:sld>
+</file>
+
+<file path=ppt/slides/slide9.xml><?xml version="1.0" encoding="utf-8"?>
+<p:sld xmlns:a="http://schemas.openxmlformats.org/drawingml/2006/main" xmlns:r="http://schemas.openxmlformats.org/officeDocument/2006/relationships" xmlns:p="http://schemas.openxmlformats.org/presentationml/2006/main">
+  <p:cSld>
+    <p:spTree>
+      <p:nvGrpSpPr>
+        <p:cNvPr id="1" name=""/>
+        <p:cNvGrpSpPr/>
+        <p:nvPr/>
+      </p:nvGrpSpPr>
+      <p:grpSpPr>
+        <a:xfrm>
+          <a:off x="0" y="0"/>
+          <a:ext cx="0" cy="0"/>
+          <a:chOff x="0" y="0"/>
+          <a:chExt cx="0" cy="0"/>
+        </a:xfrm>
+      </p:grpSpPr>
+      <p:sp>
+        <p:nvSpPr>
+          <p:cNvPr id="4" name="矩形 3"/>
+          <p:cNvSpPr/>
+          <p:nvPr/>
+        </p:nvSpPr>
+        <p:spPr>
+          <a:xfrm>
+            <a:off x="6120992" y="3847617"/>
+            <a:ext cx="797169" cy="398585"/>
+          </a:xfrm>
+          <a:prstGeom prst="rect">
+            <a:avLst/>
+          </a:prstGeom>
+          <a:solidFill>
+            <a:schemeClr val="bg1"/>
+          </a:solidFill>
+        </p:spPr>
+        <p:style>
+          <a:lnRef idx="2">
+            <a:schemeClr val="accent1">
+              <a:shade val="50000"/>
+            </a:schemeClr>
+          </a:lnRef>
+          <a:fillRef idx="1">
+            <a:schemeClr val="accent1"/>
+          </a:fillRef>
+          <a:effectRef idx="0">
+            <a:schemeClr val="accent1"/>
+          </a:effectRef>
+          <a:fontRef idx="minor">
+            <a:schemeClr val="lt1"/>
+          </a:fontRef>
+        </p:style>
+        <p:txBody>
+          <a:bodyPr rtlCol="0" anchor="ctr"/>
+          <a:lstStyle/>
+          <a:p>
+            <a:pPr algn="ctr"/>
+            <a:r>
+              <a:rPr lang="zh-CN" altLang="en-US" sz="800" dirty="0">
+                <a:solidFill>
+                  <a:schemeClr val="tx1"/>
+                </a:solidFill>
+                <a:latin typeface="宋体" panose="02010600030101010101" pitchFamily="2" charset="-122"/>
+                <a:ea typeface="宋体" panose="02010600030101010101" pitchFamily="2" charset="-122"/>
+              </a:rPr>
+              <a:t>六自由度刚体</a:t>
+            </a:r>
+          </a:p>
+        </p:txBody>
+      </p:sp>
+      <p:sp>
+        <p:nvSpPr>
+          <p:cNvPr id="5" name="矩形 4"/>
+          <p:cNvSpPr/>
+          <p:nvPr/>
+        </p:nvSpPr>
+        <p:spPr>
+          <a:xfrm>
+            <a:off x="6120993" y="3143782"/>
+            <a:ext cx="797169" cy="398585"/>
+          </a:xfrm>
+          <a:prstGeom prst="rect">
+            <a:avLst/>
+          </a:prstGeom>
+          <a:solidFill>
+            <a:schemeClr val="bg1"/>
+          </a:solidFill>
+        </p:spPr>
+        <p:style>
+          <a:lnRef idx="2">
+            <a:schemeClr val="accent1">
+              <a:shade val="50000"/>
+            </a:schemeClr>
+          </a:lnRef>
+          <a:fillRef idx="1">
+            <a:schemeClr val="accent1"/>
+          </a:fillRef>
+          <a:effectRef idx="0">
+            <a:schemeClr val="accent1"/>
+          </a:effectRef>
+          <a:fontRef idx="minor">
+            <a:schemeClr val="lt1"/>
+          </a:fontRef>
+        </p:style>
+        <p:txBody>
+          <a:bodyPr rtlCol="0" anchor="ctr"/>
+          <a:lstStyle/>
+          <a:p>
+            <a:pPr algn="ctr"/>
+            <a:r>
+              <a:rPr lang="zh-CN" altLang="en-US" sz="800" dirty="0">
+                <a:solidFill>
+                  <a:schemeClr val="tx1"/>
+                </a:solidFill>
+                <a:latin typeface="宋体" panose="02010600030101010101" pitchFamily="2" charset="-122"/>
+                <a:ea typeface="宋体" panose="02010600030101010101" pitchFamily="2" charset="-122"/>
+              </a:rPr>
+              <a:t>空气动力学</a:t>
+            </a:r>
+          </a:p>
+        </p:txBody>
+      </p:sp>
+      <p:sp>
+        <p:nvSpPr>
+          <p:cNvPr id="6" name="矩形 5"/>
+          <p:cNvSpPr/>
+          <p:nvPr/>
+        </p:nvSpPr>
+        <p:spPr>
+          <a:xfrm>
+            <a:off x="4477629" y="3143782"/>
+            <a:ext cx="797169" cy="398585"/>
+          </a:xfrm>
+          <a:prstGeom prst="rect">
+            <a:avLst/>
+          </a:prstGeom>
+          <a:solidFill>
+            <a:schemeClr val="bg1"/>
+          </a:solidFill>
+        </p:spPr>
+        <p:style>
+          <a:lnRef idx="2">
+            <a:schemeClr val="accent1">
+              <a:shade val="50000"/>
+            </a:schemeClr>
+          </a:lnRef>
+          <a:fillRef idx="1">
+            <a:schemeClr val="accent1"/>
+          </a:fillRef>
+          <a:effectRef idx="0">
+            <a:schemeClr val="accent1"/>
+          </a:effectRef>
+          <a:fontRef idx="minor">
+            <a:schemeClr val="lt1"/>
+          </a:fontRef>
+        </p:style>
+        <p:txBody>
+          <a:bodyPr rtlCol="0" anchor="ctr"/>
+          <a:lstStyle/>
+          <a:p>
+            <a:pPr algn="ctr"/>
+            <a:r>
+              <a:rPr lang="zh-CN" altLang="en-US" sz="800" dirty="0">
+                <a:solidFill>
+                  <a:schemeClr val="tx1"/>
+                </a:solidFill>
+                <a:latin typeface="宋体" panose="02010600030101010101" pitchFamily="2" charset="-122"/>
+                <a:ea typeface="宋体" panose="02010600030101010101" pitchFamily="2" charset="-122"/>
+              </a:rPr>
+              <a:t>执行器</a:t>
+            </a:r>
+          </a:p>
+        </p:txBody>
+      </p:sp>
+      <p:sp>
+        <p:nvSpPr>
+          <p:cNvPr id="7" name="矩形 6"/>
+          <p:cNvSpPr/>
+          <p:nvPr/>
+        </p:nvSpPr>
+        <p:spPr>
+          <a:xfrm>
+            <a:off x="2839512" y="1941730"/>
+            <a:ext cx="797169" cy="398585"/>
+          </a:xfrm>
+          <a:prstGeom prst="rect">
+            <a:avLst/>
+          </a:prstGeom>
+          <a:solidFill>
+            <a:schemeClr val="bg1"/>
+          </a:solidFill>
+        </p:spPr>
+        <p:style>
+          <a:lnRef idx="2">
+            <a:schemeClr val="accent1">
+              <a:shade val="50000"/>
+            </a:schemeClr>
+          </a:lnRef>
+          <a:fillRef idx="1">
+            <a:schemeClr val="accent1"/>
+          </a:fillRef>
+          <a:effectRef idx="0">
+            <a:schemeClr val="accent1"/>
+          </a:effectRef>
+          <a:fontRef idx="minor">
+            <a:schemeClr val="lt1"/>
+          </a:fontRef>
+        </p:style>
+        <p:txBody>
+          <a:bodyPr rtlCol="0" anchor="ctr"/>
+          <a:lstStyle/>
+          <a:p>
+            <a:pPr algn="ctr"/>
+            <a:r>
+              <a:rPr lang="zh-CN" altLang="en-US" sz="800" dirty="0">
+                <a:solidFill>
+                  <a:schemeClr val="tx1"/>
+                </a:solidFill>
+                <a:latin typeface="宋体" panose="02010600030101010101" pitchFamily="2" charset="-122"/>
+                <a:ea typeface="宋体" panose="02010600030101010101" pitchFamily="2" charset="-122"/>
+              </a:rPr>
+              <a:t>期望滚转角产生器</a:t>
+            </a:r>
+          </a:p>
+        </p:txBody>
+      </p:sp>
+      <p:sp>
+        <p:nvSpPr>
+          <p:cNvPr id="8" name="矩形 7"/>
+          <p:cNvSpPr/>
+          <p:nvPr/>
+        </p:nvSpPr>
+        <p:spPr>
+          <a:xfrm>
+            <a:off x="1178170" y="1672489"/>
+            <a:ext cx="797169" cy="398585"/>
+          </a:xfrm>
+          <a:prstGeom prst="rect">
+            <a:avLst/>
+          </a:prstGeom>
+          <a:solidFill>
+            <a:schemeClr val="bg1"/>
+          </a:solidFill>
+        </p:spPr>
+        <p:style>
+          <a:lnRef idx="2">
+            <a:schemeClr val="accent1">
+              <a:shade val="50000"/>
+            </a:schemeClr>
+          </a:lnRef>
+          <a:fillRef idx="1">
+            <a:schemeClr val="accent1"/>
+          </a:fillRef>
+          <a:effectRef idx="0">
+            <a:schemeClr val="accent1"/>
+          </a:effectRef>
+          <a:fontRef idx="minor">
+            <a:schemeClr val="lt1"/>
+          </a:fontRef>
+        </p:style>
+        <p:txBody>
+          <a:bodyPr rtlCol="0" anchor="ctr"/>
+          <a:lstStyle/>
+          <a:p>
+            <a:pPr algn="ctr"/>
+            <a:r>
+              <a:rPr lang="zh-CN" altLang="en-US" sz="800" dirty="0">
+                <a:solidFill>
+                  <a:schemeClr val="tx1"/>
+                </a:solidFill>
+                <a:latin typeface="宋体" panose="02010600030101010101" pitchFamily="2" charset="-122"/>
+                <a:ea typeface="宋体" panose="02010600030101010101" pitchFamily="2" charset="-122"/>
+              </a:rPr>
+              <a:t>位置、速度、角度误差计算</a:t>
+            </a:r>
+          </a:p>
+        </p:txBody>
+      </p:sp>
+      <p:sp>
+        <p:nvSpPr>
+          <p:cNvPr id="9" name="矩形 8"/>
+          <p:cNvSpPr/>
+          <p:nvPr/>
+        </p:nvSpPr>
+        <p:spPr>
+          <a:xfrm>
+            <a:off x="4477628" y="3847617"/>
+            <a:ext cx="797169" cy="398585"/>
+          </a:xfrm>
+          <a:prstGeom prst="rect">
+            <a:avLst/>
+          </a:prstGeom>
+          <a:solidFill>
+            <a:schemeClr val="bg1"/>
+          </a:solidFill>
+        </p:spPr>
+        <p:style>
+          <a:lnRef idx="2">
+            <a:schemeClr val="accent1">
+              <a:shade val="50000"/>
+            </a:schemeClr>
+          </a:lnRef>
+          <a:fillRef idx="1">
+            <a:schemeClr val="accent1"/>
+          </a:fillRef>
+          <a:effectRef idx="0">
+            <a:schemeClr val="accent1"/>
+          </a:effectRef>
+          <a:fontRef idx="minor">
+            <a:schemeClr val="lt1"/>
+          </a:fontRef>
+        </p:style>
+        <p:txBody>
+          <a:bodyPr rtlCol="0" anchor="ctr"/>
+          <a:lstStyle/>
+          <a:p>
+            <a:pPr algn="ctr"/>
+            <a:r>
+              <a:rPr lang="zh-CN" altLang="en-US" sz="800" dirty="0">
+                <a:solidFill>
+                  <a:schemeClr val="tx1"/>
+                </a:solidFill>
+                <a:latin typeface="宋体" panose="02010600030101010101" pitchFamily="2" charset="-122"/>
+                <a:ea typeface="宋体" panose="02010600030101010101" pitchFamily="2" charset="-122"/>
+              </a:rPr>
+              <a:t>运动学方程</a:t>
+            </a:r>
+          </a:p>
+        </p:txBody>
+      </p:sp>
+      <p:cxnSp>
+        <p:nvCxnSpPr>
+          <p:cNvPr id="28" name="直接箭头连接符 27"/>
+          <p:cNvCxnSpPr>
+            <a:stCxn id="6" idx="3"/>
+            <a:endCxn id="5" idx="1"/>
+          </p:cNvCxnSpPr>
+          <p:nvPr/>
+        </p:nvCxnSpPr>
+        <p:spPr>
+          <a:xfrm>
+            <a:off x="5274798" y="3343075"/>
+            <a:ext cx="846195" cy="0"/>
+          </a:xfrm>
+          <a:prstGeom prst="straightConnector1">
+            <a:avLst/>
+          </a:prstGeom>
+          <a:ln>
+            <a:tailEnd type="triangle"/>
+          </a:ln>
+        </p:spPr>
+        <p:style>
+          <a:lnRef idx="1">
+            <a:schemeClr val="accent1"/>
+          </a:lnRef>
+          <a:fillRef idx="0">
+            <a:schemeClr val="accent1"/>
+          </a:fillRef>
+          <a:effectRef idx="0">
+            <a:schemeClr val="accent1"/>
+          </a:effectRef>
+          <a:fontRef idx="minor">
+            <a:schemeClr val="tx1"/>
+          </a:fontRef>
+        </p:style>
+      </p:cxnSp>
+      <p:cxnSp>
+        <p:nvCxnSpPr>
+          <p:cNvPr id="36" name="连接符: 肘形 35"/>
+          <p:cNvCxnSpPr>
+            <a:stCxn id="9" idx="1"/>
+            <a:endCxn id="8" idx="1"/>
+          </p:cNvCxnSpPr>
+          <p:nvPr/>
+        </p:nvCxnSpPr>
+        <p:spPr>
+          <a:xfrm rot="10800000">
+            <a:off x="1178170" y="1871782"/>
+            <a:ext cx="3299458" cy="2175128"/>
+          </a:xfrm>
+          <a:prstGeom prst="bentConnector3">
+            <a:avLst>
+              <a:gd name="adj1" fmla="val 106928"/>
+            </a:avLst>
+          </a:prstGeom>
+          <a:ln>
+            <a:tailEnd type="triangle"/>
+          </a:ln>
+        </p:spPr>
+        <p:style>
+          <a:lnRef idx="1">
+            <a:schemeClr val="accent1"/>
+          </a:lnRef>
+          <a:fillRef idx="0">
+            <a:schemeClr val="accent1"/>
+          </a:fillRef>
+          <a:effectRef idx="0">
+            <a:schemeClr val="accent1"/>
+          </a:effectRef>
+          <a:fontRef idx="minor">
+            <a:schemeClr val="tx1"/>
+          </a:fontRef>
+        </p:style>
+      </p:cxnSp>
+      <p:sp>
+        <p:nvSpPr>
+          <p:cNvPr id="43" name="矩形 42"/>
+          <p:cNvSpPr/>
+          <p:nvPr/>
+        </p:nvSpPr>
+        <p:spPr>
+          <a:xfrm>
+            <a:off x="4335780" y="3008433"/>
+            <a:ext cx="3520439" cy="1376481"/>
+          </a:xfrm>
+          <a:prstGeom prst="rect">
+            <a:avLst/>
+          </a:prstGeom>
+          <a:noFill/>
+          <a:ln>
+            <a:prstDash val="sysDash"/>
+          </a:ln>
+        </p:spPr>
+        <p:style>
+          <a:lnRef idx="2">
+            <a:schemeClr val="accent1">
+              <a:shade val="50000"/>
+            </a:schemeClr>
+          </a:lnRef>
+          <a:fillRef idx="1">
+            <a:schemeClr val="accent1"/>
+          </a:fillRef>
+          <a:effectRef idx="0">
+            <a:schemeClr val="accent1"/>
+          </a:effectRef>
+          <a:fontRef idx="minor">
+            <a:schemeClr val="lt1"/>
+          </a:fontRef>
+        </p:style>
+        <p:txBody>
+          <a:bodyPr rtlCol="0" anchor="ctr"/>
+          <a:lstStyle/>
+          <a:p>
+            <a:pPr algn="ctr"/>
+            <a:endParaRPr lang="zh-CN" altLang="en-US"/>
+          </a:p>
+        </p:txBody>
+      </p:sp>
+      <p:graphicFrame>
+        <p:nvGraphicFramePr>
+          <p:cNvPr id="45" name="对象 44"/>
+          <p:cNvGraphicFramePr>
+            <a:graphicFrameLocks noChangeAspect="1"/>
+          </p:cNvGraphicFramePr>
+          <p:nvPr>
+            <p:extLst>
+              <p:ext uri="{D42A27DB-BD31-4B8C-83A1-F6EECF244321}">
+                <p14:modId xmlns:p14="http://schemas.microsoft.com/office/powerpoint/2010/main" val="848568806"/>
+              </p:ext>
+            </p:extLst>
+          </p:nvPr>
+        </p:nvGraphicFramePr>
+        <p:xfrm>
+          <a:off x="5901773" y="1654527"/>
+          <a:ext cx="732503" cy="206790"/>
+        </p:xfrm>
+        <a:graphic>
+          <a:graphicData uri="http://schemas.openxmlformats.org/presentationml/2006/ole">
+            <mc:AlternateContent xmlns:mc="http://schemas.openxmlformats.org/markup-compatibility/2006">
+              <mc:Choice xmlns:v="urn:schemas-microsoft-com:vml" Requires="v">
+                <p:oleObj spid="_x0000_s11286" name="Equation" r:id="rId3" imgW="23774400" imgH="6705600" progId="Equation.DSMT4">
+                  <p:embed/>
+                </p:oleObj>
+              </mc:Choice>
+              <mc:Fallback>
+                <p:oleObj name="Equation" r:id="rId3" imgW="23774400" imgH="6705600" progId="Equation.DSMT4">
+                  <p:embed/>
+                  <p:pic>
+                    <p:nvPicPr>
+                      <p:cNvPr id="45" name="对象 44"/>
+                      <p:cNvPicPr/>
+                      <p:nvPr/>
+                    </p:nvPicPr>
+                    <p:blipFill>
+                      <a:blip r:embed="rId4"/>
+                      <a:stretch>
+                        <a:fillRect/>
+                      </a:stretch>
+                    </p:blipFill>
+                    <p:spPr>
+                      <a:xfrm>
+                        <a:off x="5901773" y="1654527"/>
+                        <a:ext cx="732503" cy="206790"/>
+                      </a:xfrm>
+                      <a:prstGeom prst="rect">
+                        <a:avLst/>
+                      </a:prstGeom>
+                    </p:spPr>
+                  </p:pic>
+                </p:oleObj>
+              </mc:Fallback>
+            </mc:AlternateContent>
+          </a:graphicData>
+        </a:graphic>
+      </p:graphicFrame>
+      <p:cxnSp>
+        <p:nvCxnSpPr>
+          <p:cNvPr id="57" name="连接符: 肘形 56"/>
+          <p:cNvCxnSpPr>
+            <a:cxnSpLocks/>
+            <a:stCxn id="65" idx="3"/>
+            <a:endCxn id="6" idx="0"/>
+          </p:cNvCxnSpPr>
+          <p:nvPr/>
+        </p:nvCxnSpPr>
+        <p:spPr>
+          <a:xfrm flipH="1">
+            <a:off x="4876214" y="1876087"/>
+            <a:ext cx="2729184" cy="1267695"/>
+          </a:xfrm>
+          <a:prstGeom prst="bentConnector4">
+            <a:avLst>
+              <a:gd name="adj1" fmla="val -8376"/>
+              <a:gd name="adj2" fmla="val 57860"/>
+            </a:avLst>
+          </a:prstGeom>
+          <a:ln>
+            <a:tailEnd type="triangle"/>
+          </a:ln>
+        </p:spPr>
+        <p:style>
+          <a:lnRef idx="1">
+            <a:schemeClr val="accent1"/>
+          </a:lnRef>
+          <a:fillRef idx="0">
+            <a:schemeClr val="accent1"/>
+          </a:fillRef>
+          <a:effectRef idx="0">
+            <a:schemeClr val="accent1"/>
+          </a:effectRef>
+          <a:fontRef idx="minor">
+            <a:schemeClr val="tx1"/>
+          </a:fontRef>
+        </p:style>
+      </p:cxnSp>
+      <p:cxnSp>
+        <p:nvCxnSpPr>
+          <p:cNvPr id="59" name="连接符: 肘形 58"/>
+          <p:cNvCxnSpPr>
+            <a:stCxn id="5" idx="3"/>
+            <a:endCxn id="4" idx="3"/>
+          </p:cNvCxnSpPr>
+          <p:nvPr/>
+        </p:nvCxnSpPr>
+        <p:spPr>
+          <a:xfrm flipH="1">
+            <a:off x="6918161" y="3343075"/>
+            <a:ext cx="1" cy="703835"/>
+          </a:xfrm>
+          <a:prstGeom prst="bentConnector3">
+            <a:avLst>
+              <a:gd name="adj1" fmla="val -22860000000"/>
+            </a:avLst>
+          </a:prstGeom>
+          <a:ln>
+            <a:tailEnd type="triangle"/>
+          </a:ln>
+        </p:spPr>
+        <p:style>
+          <a:lnRef idx="1">
+            <a:schemeClr val="accent1"/>
+          </a:lnRef>
+          <a:fillRef idx="0">
+            <a:schemeClr val="accent1"/>
+          </a:fillRef>
+          <a:effectRef idx="0">
+            <a:schemeClr val="accent1"/>
+          </a:effectRef>
+          <a:fontRef idx="minor">
+            <a:schemeClr val="tx1"/>
+          </a:fontRef>
+        </p:style>
+      </p:cxnSp>
+      <p:cxnSp>
+        <p:nvCxnSpPr>
+          <p:cNvPr id="71" name="直接箭头连接符 70"/>
+          <p:cNvCxnSpPr>
+            <a:stCxn id="4" idx="1"/>
+            <a:endCxn id="9" idx="3"/>
+          </p:cNvCxnSpPr>
+          <p:nvPr/>
+        </p:nvCxnSpPr>
+        <p:spPr>
+          <a:xfrm flipH="1">
+            <a:off x="5274797" y="4046910"/>
+            <a:ext cx="846195" cy="0"/>
+          </a:xfrm>
+          <a:prstGeom prst="straightConnector1">
+            <a:avLst/>
+          </a:prstGeom>
+          <a:ln>
+            <a:tailEnd type="triangle"/>
+          </a:ln>
+        </p:spPr>
+        <p:style>
+          <a:lnRef idx="1">
+            <a:schemeClr val="accent1"/>
+          </a:lnRef>
+          <a:fillRef idx="0">
+            <a:schemeClr val="accent1"/>
+          </a:fillRef>
+          <a:effectRef idx="0">
+            <a:schemeClr val="accent1"/>
+          </a:effectRef>
+          <a:fontRef idx="minor">
+            <a:schemeClr val="tx1"/>
+          </a:fontRef>
+        </p:style>
+      </p:cxnSp>
+      <p:graphicFrame>
+        <p:nvGraphicFramePr>
+          <p:cNvPr id="79" name="对象 78"/>
+          <p:cNvGraphicFramePr>
+            <a:graphicFrameLocks noChangeAspect="1"/>
+          </p:cNvGraphicFramePr>
+          <p:nvPr>
+            <p:extLst>
+              <p:ext uri="{D42A27DB-BD31-4B8C-83A1-F6EECF244321}">
+                <p14:modId xmlns:p14="http://schemas.microsoft.com/office/powerpoint/2010/main" val="3756521003"/>
+              </p:ext>
+            </p:extLst>
+          </p:nvPr>
+        </p:nvGraphicFramePr>
+        <p:xfrm>
+          <a:off x="5435004" y="3121411"/>
+          <a:ext cx="525780" cy="214207"/>
+        </p:xfrm>
+        <a:graphic>
+          <a:graphicData uri="http://schemas.openxmlformats.org/presentationml/2006/ole">
+            <mc:AlternateContent xmlns:mc="http://schemas.openxmlformats.org/markup-compatibility/2006">
+              <mc:Choice xmlns:v="urn:schemas-microsoft-com:vml" Requires="v">
+                <p:oleObj spid="_x0000_s11287" name="Equation" r:id="rId5" imgW="16459200" imgH="6705600" progId="Equation.DSMT4">
+                  <p:embed/>
+                </p:oleObj>
+              </mc:Choice>
+              <mc:Fallback>
+                <p:oleObj name="Equation" r:id="rId5" imgW="16459200" imgH="6705600" progId="Equation.DSMT4">
+                  <p:embed/>
+                  <p:pic>
+                    <p:nvPicPr>
+                      <p:cNvPr id="79" name="对象 78"/>
+                      <p:cNvPicPr/>
+                      <p:nvPr/>
+                    </p:nvPicPr>
+                    <p:blipFill>
+                      <a:blip r:embed="rId6"/>
+                      <a:stretch>
+                        <a:fillRect/>
+                      </a:stretch>
+                    </p:blipFill>
+                    <p:spPr>
+                      <a:xfrm>
+                        <a:off x="5435004" y="3121411"/>
+                        <a:ext cx="525780" cy="214207"/>
+                      </a:xfrm>
+                      <a:prstGeom prst="rect">
+                        <a:avLst/>
+                      </a:prstGeom>
+                    </p:spPr>
+                  </p:pic>
+                </p:oleObj>
+              </mc:Fallback>
+            </mc:AlternateContent>
+          </a:graphicData>
+        </a:graphic>
+      </p:graphicFrame>
+      <p:graphicFrame>
+        <p:nvGraphicFramePr>
+          <p:cNvPr id="80" name="对象 79"/>
+          <p:cNvGraphicFramePr>
+            <a:graphicFrameLocks noChangeAspect="1"/>
+          </p:cNvGraphicFramePr>
+          <p:nvPr>
+            <p:extLst>
+              <p:ext uri="{D42A27DB-BD31-4B8C-83A1-F6EECF244321}">
+                <p14:modId xmlns:p14="http://schemas.microsoft.com/office/powerpoint/2010/main" val="400489663"/>
+              </p:ext>
+            </p:extLst>
+          </p:nvPr>
+        </p:nvGraphicFramePr>
+        <p:xfrm>
+          <a:off x="6918161" y="3576116"/>
+          <a:ext cx="203200" cy="203200"/>
+        </p:xfrm>
+        <a:graphic>
+          <a:graphicData uri="http://schemas.openxmlformats.org/presentationml/2006/ole">
+            <mc:AlternateContent xmlns:mc="http://schemas.openxmlformats.org/markup-compatibility/2006">
+              <mc:Choice xmlns:v="urn:schemas-microsoft-com:vml" Requires="v">
+                <p:oleObj spid="_x0000_s11288" name="Equation" r:id="rId7" imgW="4876800" imgH="4876800" progId="Equation.DSMT4">
+                  <p:embed/>
+                </p:oleObj>
+              </mc:Choice>
+              <mc:Fallback>
+                <p:oleObj name="Equation" r:id="rId7" imgW="4876800" imgH="4876800" progId="Equation.DSMT4">
+                  <p:embed/>
+                  <p:pic>
+                    <p:nvPicPr>
+                      <p:cNvPr id="80" name="对象 79"/>
+                      <p:cNvPicPr/>
+                      <p:nvPr/>
+                    </p:nvPicPr>
+                    <p:blipFill>
+                      <a:blip r:embed="rId8"/>
+                      <a:stretch>
+                        <a:fillRect/>
+                      </a:stretch>
+                    </p:blipFill>
+                    <p:spPr>
+                      <a:xfrm>
+                        <a:off x="6918161" y="3576116"/>
+                        <a:ext cx="203200" cy="203200"/>
+                      </a:xfrm>
+                      <a:prstGeom prst="rect">
+                        <a:avLst/>
+                      </a:prstGeom>
+                    </p:spPr>
+                  </p:pic>
+                </p:oleObj>
+              </mc:Fallback>
+            </mc:AlternateContent>
+          </a:graphicData>
+        </a:graphic>
+      </p:graphicFrame>
+      <p:graphicFrame>
+        <p:nvGraphicFramePr>
+          <p:cNvPr id="81" name="对象 80"/>
+          <p:cNvGraphicFramePr>
+            <a:graphicFrameLocks noChangeAspect="1"/>
+          </p:cNvGraphicFramePr>
+          <p:nvPr>
+            <p:extLst>
+              <p:ext uri="{D42A27DB-BD31-4B8C-83A1-F6EECF244321}">
+                <p14:modId xmlns:p14="http://schemas.microsoft.com/office/powerpoint/2010/main" val="1001349669"/>
+              </p:ext>
+            </p:extLst>
+          </p:nvPr>
+        </p:nvGraphicFramePr>
+        <p:xfrm>
+          <a:off x="7175704" y="3576116"/>
+          <a:ext cx="165100" cy="203200"/>
+        </p:xfrm>
+        <a:graphic>
+          <a:graphicData uri="http://schemas.openxmlformats.org/presentationml/2006/ole">
+            <mc:AlternateContent xmlns:mc="http://schemas.openxmlformats.org/markup-compatibility/2006">
+              <mc:Choice xmlns:v="urn:schemas-microsoft-com:vml" Requires="v">
+                <p:oleObj spid="_x0000_s11289" name="Equation" r:id="rId9" imgW="3962400" imgH="4876800" progId="Equation.DSMT4">
+                  <p:embed/>
+                </p:oleObj>
+              </mc:Choice>
+              <mc:Fallback>
+                <p:oleObj name="Equation" r:id="rId9" imgW="3962400" imgH="4876800" progId="Equation.DSMT4">
+                  <p:embed/>
+                  <p:pic>
+                    <p:nvPicPr>
+                      <p:cNvPr id="81" name="对象 80"/>
+                      <p:cNvPicPr/>
+                      <p:nvPr/>
+                    </p:nvPicPr>
+                    <p:blipFill>
+                      <a:blip r:embed="rId10"/>
+                      <a:stretch>
+                        <a:fillRect/>
+                      </a:stretch>
+                    </p:blipFill>
+                    <p:spPr>
+                      <a:xfrm>
+                        <a:off x="7175704" y="3576116"/>
+                        <a:ext cx="165100" cy="203200"/>
+                      </a:xfrm>
+                      <a:prstGeom prst="rect">
+                        <a:avLst/>
+                      </a:prstGeom>
+                    </p:spPr>
+                  </p:pic>
+                </p:oleObj>
+              </mc:Fallback>
+            </mc:AlternateContent>
+          </a:graphicData>
+        </a:graphic>
+      </p:graphicFrame>
+      <p:graphicFrame>
+        <p:nvGraphicFramePr>
+          <p:cNvPr id="82" name="对象 81"/>
+          <p:cNvGraphicFramePr>
+            <a:graphicFrameLocks noChangeAspect="1"/>
+          </p:cNvGraphicFramePr>
+          <p:nvPr>
+            <p:extLst>
+              <p:ext uri="{D42A27DB-BD31-4B8C-83A1-F6EECF244321}">
+                <p14:modId xmlns:p14="http://schemas.microsoft.com/office/powerpoint/2010/main" val="3540840409"/>
+              </p:ext>
+            </p:extLst>
+          </p:nvPr>
+        </p:nvGraphicFramePr>
+        <p:xfrm>
+          <a:off x="5493068" y="3840283"/>
+          <a:ext cx="460375" cy="198438"/>
+        </p:xfrm>
+        <a:graphic>
+          <a:graphicData uri="http://schemas.openxmlformats.org/presentationml/2006/ole">
+            <mc:AlternateContent xmlns:mc="http://schemas.openxmlformats.org/markup-compatibility/2006">
+              <mc:Choice xmlns:v="urn:schemas-microsoft-com:vml" Requires="v">
+                <p:oleObj spid="_x0000_s11290" name="Equation" r:id="rId11" imgW="14020800" imgH="6096000" progId="Equation.DSMT4">
+                  <p:embed/>
+                </p:oleObj>
+              </mc:Choice>
+              <mc:Fallback>
+                <p:oleObj name="Equation" r:id="rId11" imgW="14020800" imgH="6096000" progId="Equation.DSMT4">
+                  <p:embed/>
+                  <p:pic>
+                    <p:nvPicPr>
+                      <p:cNvPr id="82" name="对象 81"/>
+                      <p:cNvPicPr/>
+                      <p:nvPr/>
+                    </p:nvPicPr>
+                    <p:blipFill>
+                      <a:blip r:embed="rId12"/>
+                      <a:stretch>
+                        <a:fillRect/>
+                      </a:stretch>
+                    </p:blipFill>
+                    <p:spPr>
+                      <a:xfrm>
+                        <a:off x="5493068" y="3840283"/>
+                        <a:ext cx="460375" cy="198438"/>
+                      </a:xfrm>
+                      <a:prstGeom prst="rect">
+                        <a:avLst/>
+                      </a:prstGeom>
+                    </p:spPr>
+                  </p:pic>
+                </p:oleObj>
+              </mc:Fallback>
+            </mc:AlternateContent>
+          </a:graphicData>
+        </a:graphic>
+      </p:graphicFrame>
+      <p:graphicFrame>
+        <p:nvGraphicFramePr>
+          <p:cNvPr id="84" name="对象 83"/>
+          <p:cNvGraphicFramePr>
+            <a:graphicFrameLocks noChangeAspect="1"/>
+          </p:cNvGraphicFramePr>
+          <p:nvPr>
+            <p:extLst>
+              <p:ext uri="{D42A27DB-BD31-4B8C-83A1-F6EECF244321}">
+                <p14:modId xmlns:p14="http://schemas.microsoft.com/office/powerpoint/2010/main" val="3058048713"/>
+              </p:ext>
+            </p:extLst>
+          </p:nvPr>
+        </p:nvGraphicFramePr>
+        <p:xfrm>
+          <a:off x="1472418" y="3696674"/>
+          <a:ext cx="1587500" cy="203200"/>
+        </p:xfrm>
+        <a:graphic>
+          <a:graphicData uri="http://schemas.openxmlformats.org/presentationml/2006/ole">
+            <mc:AlternateContent xmlns:mc="http://schemas.openxmlformats.org/markup-compatibility/2006">
+              <mc:Choice xmlns:v="urn:schemas-microsoft-com:vml" Requires="v">
+                <p:oleObj spid="_x0000_s11291" name="Equation" r:id="rId13" imgW="38100000" imgH="4876800" progId="Equation.DSMT4">
+                  <p:embed/>
+                </p:oleObj>
+              </mc:Choice>
+              <mc:Fallback>
+                <p:oleObj name="Equation" r:id="rId13" imgW="38100000" imgH="4876800" progId="Equation.DSMT4">
+                  <p:embed/>
+                  <p:pic>
+                    <p:nvPicPr>
+                      <p:cNvPr id="84" name="对象 83"/>
+                      <p:cNvPicPr/>
+                      <p:nvPr/>
+                    </p:nvPicPr>
+                    <p:blipFill>
+                      <a:blip r:embed="rId14"/>
+                      <a:stretch>
+                        <a:fillRect/>
+                      </a:stretch>
+                    </p:blipFill>
+                    <p:spPr>
+                      <a:xfrm>
+                        <a:off x="1472418" y="3696674"/>
+                        <a:ext cx="1587500" cy="203200"/>
+                      </a:xfrm>
+                      <a:prstGeom prst="rect">
+                        <a:avLst/>
+                      </a:prstGeom>
+                    </p:spPr>
+                  </p:pic>
+                </p:oleObj>
+              </mc:Fallback>
+            </mc:AlternateContent>
+          </a:graphicData>
+        </a:graphic>
+      </p:graphicFrame>
+      <p:sp>
+        <p:nvSpPr>
+          <p:cNvPr id="2" name="文本框 1">
+            <a:extLst>
+              <a:ext uri="{FF2B5EF4-FFF2-40B4-BE49-F238E27FC236}">
+                <a16:creationId xmlns:a16="http://schemas.microsoft.com/office/drawing/2014/main" id="{DDA4A592-56EF-408B-AE41-C63EDADE9646}"/>
+              </a:ext>
+            </a:extLst>
+          </p:cNvPr>
+          <p:cNvSpPr txBox="1"/>
+          <p:nvPr/>
+        </p:nvSpPr>
+        <p:spPr>
+          <a:xfrm>
+            <a:off x="7411729" y="3218611"/>
+            <a:ext cx="346249" cy="918210"/>
+          </a:xfrm>
+          <a:prstGeom prst="rect">
+            <a:avLst/>
+          </a:prstGeom>
+        </p:spPr>
+        <p:style>
+          <a:lnRef idx="2">
+            <a:schemeClr val="accent2"/>
+          </a:lnRef>
+          <a:fillRef idx="1">
+            <a:schemeClr val="lt1"/>
+          </a:fillRef>
+          <a:effectRef idx="0">
+            <a:schemeClr val="accent2"/>
+          </a:effectRef>
+          <a:fontRef idx="minor">
+            <a:schemeClr val="dk1"/>
+          </a:fontRef>
+        </p:style>
+        <p:txBody>
+          <a:bodyPr vert="eaVert" wrap="square" rtlCol="0">
+            <a:spAutoFit/>
+          </a:bodyPr>
+          <a:lstStyle/>
+          <a:p>
+            <a:r>
+              <a:rPr lang="zh-CN" altLang="en-US" sz="1050" dirty="0"/>
+              <a:t>无人机动力学</a:t>
+            </a:r>
+          </a:p>
+        </p:txBody>
+      </p:sp>
+      <p:sp>
+        <p:nvSpPr>
+          <p:cNvPr id="26" name="矩形 25">
+            <a:extLst>
+              <a:ext uri="{FF2B5EF4-FFF2-40B4-BE49-F238E27FC236}">
+                <a16:creationId xmlns:a16="http://schemas.microsoft.com/office/drawing/2014/main" id="{41964602-FE2A-49A7-A9CB-634CD9851153}"/>
+              </a:ext>
+            </a:extLst>
+          </p:cNvPr>
+          <p:cNvSpPr/>
+          <p:nvPr/>
+        </p:nvSpPr>
+        <p:spPr>
+          <a:xfrm>
+            <a:off x="2839512" y="1404435"/>
+            <a:ext cx="797169" cy="398585"/>
+          </a:xfrm>
+          <a:prstGeom prst="rect">
+            <a:avLst/>
+          </a:prstGeom>
+          <a:solidFill>
+            <a:schemeClr val="bg1"/>
+          </a:solidFill>
+        </p:spPr>
+        <p:style>
+          <a:lnRef idx="2">
+            <a:schemeClr val="accent1">
+              <a:shade val="50000"/>
+            </a:schemeClr>
+          </a:lnRef>
+          <a:fillRef idx="1">
+            <a:schemeClr val="accent1"/>
+          </a:fillRef>
+          <a:effectRef idx="0">
+            <a:schemeClr val="accent1"/>
+          </a:effectRef>
+          <a:fontRef idx="minor">
+            <a:schemeClr val="lt1"/>
+          </a:fontRef>
+        </p:style>
+        <p:txBody>
+          <a:bodyPr rtlCol="0" anchor="ctr"/>
+          <a:lstStyle/>
+          <a:p>
+            <a:pPr algn="ctr"/>
+            <a:r>
+              <a:rPr lang="zh-CN" altLang="en-US" sz="800" dirty="0">
+                <a:solidFill>
+                  <a:schemeClr val="tx1"/>
+                </a:solidFill>
+                <a:latin typeface="宋体" panose="02010600030101010101" pitchFamily="2" charset="-122"/>
+                <a:ea typeface="宋体" panose="02010600030101010101" pitchFamily="2" charset="-122"/>
+              </a:rPr>
+              <a:t>期望速度产生器</a:t>
+            </a:r>
+          </a:p>
+        </p:txBody>
+      </p:sp>
+      <p:cxnSp>
+        <p:nvCxnSpPr>
+          <p:cNvPr id="29" name="连接符: 肘形 28">
+            <a:extLst>
+              <a:ext uri="{FF2B5EF4-FFF2-40B4-BE49-F238E27FC236}">
+                <a16:creationId xmlns:a16="http://schemas.microsoft.com/office/drawing/2014/main" id="{A869C6B2-A80C-4321-A97B-6DC560807C65}"/>
+              </a:ext>
+            </a:extLst>
+          </p:cNvPr>
+          <p:cNvCxnSpPr>
+            <a:cxnSpLocks/>
+            <a:stCxn id="8" idx="3"/>
+            <a:endCxn id="26" idx="1"/>
+          </p:cNvCxnSpPr>
+          <p:nvPr/>
+        </p:nvCxnSpPr>
+        <p:spPr>
+          <a:xfrm flipV="1">
+            <a:off x="1975339" y="1603728"/>
+            <a:ext cx="864173" cy="268054"/>
+          </a:xfrm>
+          <a:prstGeom prst="bentConnector3">
+            <a:avLst>
+              <a:gd name="adj1" fmla="val 50000"/>
+            </a:avLst>
+          </a:prstGeom>
+          <a:ln>
+            <a:tailEnd type="triangle"/>
+          </a:ln>
+        </p:spPr>
+        <p:style>
+          <a:lnRef idx="1">
+            <a:schemeClr val="accent1"/>
+          </a:lnRef>
+          <a:fillRef idx="0">
+            <a:schemeClr val="accent1"/>
+          </a:fillRef>
+          <a:effectRef idx="0">
+            <a:schemeClr val="accent1"/>
+          </a:effectRef>
+          <a:fontRef idx="minor">
+            <a:schemeClr val="tx1"/>
+          </a:fontRef>
+        </p:style>
+      </p:cxnSp>
+      <p:cxnSp>
+        <p:nvCxnSpPr>
+          <p:cNvPr id="35" name="连接符: 肘形 34">
+            <a:extLst>
+              <a:ext uri="{FF2B5EF4-FFF2-40B4-BE49-F238E27FC236}">
+                <a16:creationId xmlns:a16="http://schemas.microsoft.com/office/drawing/2014/main" id="{A8394CB7-906D-4A37-9C97-4CD9EB794579}"/>
+              </a:ext>
+            </a:extLst>
+          </p:cNvPr>
+          <p:cNvCxnSpPr>
+            <a:cxnSpLocks/>
+            <a:stCxn id="8" idx="3"/>
+            <a:endCxn id="7" idx="1"/>
+          </p:cNvCxnSpPr>
+          <p:nvPr/>
+        </p:nvCxnSpPr>
+        <p:spPr>
+          <a:xfrm>
+            <a:off x="1975339" y="1871782"/>
+            <a:ext cx="864173" cy="269241"/>
+          </a:xfrm>
+          <a:prstGeom prst="bentConnector3">
+            <a:avLst>
+              <a:gd name="adj1" fmla="val 50000"/>
+            </a:avLst>
+          </a:prstGeom>
+          <a:ln>
+            <a:tailEnd type="triangle"/>
+          </a:ln>
+        </p:spPr>
+        <p:style>
+          <a:lnRef idx="1">
+            <a:schemeClr val="accent1"/>
+          </a:lnRef>
+          <a:fillRef idx="0">
+            <a:schemeClr val="accent1"/>
+          </a:fillRef>
+          <a:effectRef idx="0">
+            <a:schemeClr val="accent1"/>
+          </a:effectRef>
+          <a:fontRef idx="minor">
+            <a:schemeClr val="tx1"/>
+          </a:fontRef>
+        </p:style>
+      </p:cxnSp>
+      <p:sp>
+        <p:nvSpPr>
+          <p:cNvPr id="38" name="矩形 37">
+            <a:extLst>
+              <a:ext uri="{FF2B5EF4-FFF2-40B4-BE49-F238E27FC236}">
+                <a16:creationId xmlns:a16="http://schemas.microsoft.com/office/drawing/2014/main" id="{2FAEA444-9527-4FF9-9E5E-F994DA2B677B}"/>
+              </a:ext>
+            </a:extLst>
+          </p:cNvPr>
+          <p:cNvSpPr/>
+          <p:nvPr/>
+        </p:nvSpPr>
+        <p:spPr>
+          <a:xfrm>
+            <a:off x="4471277" y="1402569"/>
+            <a:ext cx="797169" cy="398585"/>
+          </a:xfrm>
+          <a:prstGeom prst="rect">
+            <a:avLst/>
+          </a:prstGeom>
+          <a:solidFill>
+            <a:schemeClr val="bg1"/>
+          </a:solidFill>
+        </p:spPr>
+        <p:style>
+          <a:lnRef idx="2">
+            <a:schemeClr val="accent1">
+              <a:shade val="50000"/>
+            </a:schemeClr>
+          </a:lnRef>
+          <a:fillRef idx="1">
+            <a:schemeClr val="accent1"/>
+          </a:fillRef>
+          <a:effectRef idx="0">
+            <a:schemeClr val="accent1"/>
+          </a:effectRef>
+          <a:fontRef idx="minor">
+            <a:schemeClr val="lt1"/>
+          </a:fontRef>
+        </p:style>
+        <p:txBody>
+          <a:bodyPr rtlCol="0" anchor="ctr"/>
+          <a:lstStyle/>
+          <a:p>
+            <a:pPr algn="ctr"/>
+            <a:r>
+              <a:rPr lang="en-US" altLang="zh-CN" sz="800" dirty="0">
+                <a:solidFill>
+                  <a:schemeClr val="tx1"/>
+                </a:solidFill>
+                <a:latin typeface="宋体" panose="02010600030101010101" pitchFamily="2" charset="-122"/>
+                <a:ea typeface="宋体" panose="02010600030101010101" pitchFamily="2" charset="-122"/>
+              </a:rPr>
+              <a:t>TECS</a:t>
+            </a:r>
+            <a:endParaRPr lang="zh-CN" altLang="en-US" sz="800" dirty="0">
+              <a:solidFill>
+                <a:schemeClr val="tx1"/>
+              </a:solidFill>
+              <a:latin typeface="宋体" panose="02010600030101010101" pitchFamily="2" charset="-122"/>
+              <a:ea typeface="宋体" panose="02010600030101010101" pitchFamily="2" charset="-122"/>
+            </a:endParaRPr>
+          </a:p>
+        </p:txBody>
+      </p:sp>
+      <p:sp>
+        <p:nvSpPr>
+          <p:cNvPr id="39" name="矩形 38">
+            <a:extLst>
+              <a:ext uri="{FF2B5EF4-FFF2-40B4-BE49-F238E27FC236}">
+                <a16:creationId xmlns:a16="http://schemas.microsoft.com/office/drawing/2014/main" id="{76EB0F31-E891-46A3-8C13-D4F7DE74E7DE}"/>
+              </a:ext>
+            </a:extLst>
+          </p:cNvPr>
+          <p:cNvSpPr/>
+          <p:nvPr/>
+        </p:nvSpPr>
+        <p:spPr>
+          <a:xfrm>
+            <a:off x="4472380" y="1937857"/>
+            <a:ext cx="797169" cy="398585"/>
+          </a:xfrm>
+          <a:prstGeom prst="rect">
+            <a:avLst/>
+          </a:prstGeom>
+          <a:solidFill>
+            <a:schemeClr val="bg1"/>
+          </a:solidFill>
+        </p:spPr>
+        <p:style>
+          <a:lnRef idx="2">
+            <a:schemeClr val="accent1">
+              <a:shade val="50000"/>
+            </a:schemeClr>
+          </a:lnRef>
+          <a:fillRef idx="1">
+            <a:schemeClr val="accent1"/>
+          </a:fillRef>
+          <a:effectRef idx="0">
+            <a:schemeClr val="accent1"/>
+          </a:effectRef>
+          <a:fontRef idx="minor">
+            <a:schemeClr val="lt1"/>
+          </a:fontRef>
+        </p:style>
+        <p:txBody>
+          <a:bodyPr rtlCol="0" anchor="ctr"/>
+          <a:lstStyle/>
+          <a:p>
+            <a:pPr algn="ctr"/>
+            <a:r>
+              <a:rPr lang="en-US" altLang="zh-CN" sz="800" dirty="0">
+                <a:solidFill>
+                  <a:schemeClr val="tx1"/>
+                </a:solidFill>
+                <a:latin typeface="宋体" panose="02010600030101010101" pitchFamily="2" charset="-122"/>
+                <a:ea typeface="宋体" panose="02010600030101010101" pitchFamily="2" charset="-122"/>
+              </a:rPr>
+              <a:t>BTT</a:t>
+            </a:r>
+            <a:endParaRPr lang="zh-CN" altLang="en-US" sz="800" dirty="0">
+              <a:solidFill>
+                <a:schemeClr val="tx1"/>
+              </a:solidFill>
+              <a:latin typeface="宋体" panose="02010600030101010101" pitchFamily="2" charset="-122"/>
+              <a:ea typeface="宋体" panose="02010600030101010101" pitchFamily="2" charset="-122"/>
+            </a:endParaRPr>
+          </a:p>
+        </p:txBody>
+      </p:sp>
+      <p:cxnSp>
+        <p:nvCxnSpPr>
+          <p:cNvPr id="40" name="连接符: 肘形 39">
+            <a:extLst>
+              <a:ext uri="{FF2B5EF4-FFF2-40B4-BE49-F238E27FC236}">
+                <a16:creationId xmlns:a16="http://schemas.microsoft.com/office/drawing/2014/main" id="{A4D94C7E-9E56-41B4-A979-C5AF74379C38}"/>
+              </a:ext>
+            </a:extLst>
+          </p:cNvPr>
+          <p:cNvCxnSpPr>
+            <a:cxnSpLocks/>
+            <a:stCxn id="8" idx="3"/>
+            <a:endCxn id="38" idx="0"/>
+          </p:cNvCxnSpPr>
+          <p:nvPr/>
+        </p:nvCxnSpPr>
+        <p:spPr>
+          <a:xfrm flipV="1">
+            <a:off x="1975339" y="1402569"/>
+            <a:ext cx="2894523" cy="469213"/>
+          </a:xfrm>
+          <a:prstGeom prst="bentConnector4">
+            <a:avLst>
+              <a:gd name="adj1" fmla="val 15034"/>
+              <a:gd name="adj2" fmla="val 148720"/>
+            </a:avLst>
+          </a:prstGeom>
+          <a:ln>
+            <a:tailEnd type="triangle"/>
+          </a:ln>
+        </p:spPr>
+        <p:style>
+          <a:lnRef idx="1">
+            <a:schemeClr val="accent1"/>
+          </a:lnRef>
+          <a:fillRef idx="0">
+            <a:schemeClr val="accent1"/>
+          </a:fillRef>
+          <a:effectRef idx="0">
+            <a:schemeClr val="accent1"/>
+          </a:effectRef>
+          <a:fontRef idx="minor">
+            <a:schemeClr val="tx1"/>
+          </a:fontRef>
+        </p:style>
+      </p:cxnSp>
+      <p:cxnSp>
+        <p:nvCxnSpPr>
+          <p:cNvPr id="48" name="直接箭头连接符 47">
+            <a:extLst>
+              <a:ext uri="{FF2B5EF4-FFF2-40B4-BE49-F238E27FC236}">
+                <a16:creationId xmlns:a16="http://schemas.microsoft.com/office/drawing/2014/main" id="{6F73E7AC-2977-4D49-B98C-FD8C22C55F94}"/>
+              </a:ext>
+            </a:extLst>
+          </p:cNvPr>
+          <p:cNvCxnSpPr/>
+          <p:nvPr/>
+        </p:nvCxnSpPr>
+        <p:spPr>
+          <a:xfrm>
+            <a:off x="3631433" y="2141022"/>
+            <a:ext cx="846195" cy="0"/>
+          </a:xfrm>
+          <a:prstGeom prst="straightConnector1">
+            <a:avLst/>
+          </a:prstGeom>
+          <a:ln>
+            <a:tailEnd type="triangle"/>
+          </a:ln>
+        </p:spPr>
+        <p:style>
+          <a:lnRef idx="1">
+            <a:schemeClr val="accent1"/>
+          </a:lnRef>
+          <a:fillRef idx="0">
+            <a:schemeClr val="accent1"/>
+          </a:fillRef>
+          <a:effectRef idx="0">
+            <a:schemeClr val="accent1"/>
+          </a:effectRef>
+          <a:fontRef idx="minor">
+            <a:schemeClr val="tx1"/>
+          </a:fontRef>
+        </p:style>
+      </p:cxnSp>
+      <p:cxnSp>
+        <p:nvCxnSpPr>
+          <p:cNvPr id="55" name="直接箭头连接符 54">
+            <a:extLst>
+              <a:ext uri="{FF2B5EF4-FFF2-40B4-BE49-F238E27FC236}">
+                <a16:creationId xmlns:a16="http://schemas.microsoft.com/office/drawing/2014/main" id="{050E9FEC-63C3-4E9B-B4FF-CE41E5A761BF}"/>
+              </a:ext>
+            </a:extLst>
+          </p:cNvPr>
+          <p:cNvCxnSpPr>
+            <a:cxnSpLocks/>
+            <a:stCxn id="26" idx="3"/>
+            <a:endCxn id="38" idx="1"/>
+          </p:cNvCxnSpPr>
+          <p:nvPr/>
+        </p:nvCxnSpPr>
+        <p:spPr>
+          <a:xfrm flipV="1">
+            <a:off x="3636681" y="1601862"/>
+            <a:ext cx="834596" cy="1866"/>
+          </a:xfrm>
+          <a:prstGeom prst="straightConnector1">
+            <a:avLst/>
+          </a:prstGeom>
+          <a:ln>
+            <a:tailEnd type="triangle"/>
+          </a:ln>
+        </p:spPr>
+        <p:style>
+          <a:lnRef idx="1">
+            <a:schemeClr val="accent1"/>
+          </a:lnRef>
+          <a:fillRef idx="0">
+            <a:schemeClr val="accent1"/>
+          </a:fillRef>
+          <a:effectRef idx="0">
+            <a:schemeClr val="accent1"/>
+          </a:effectRef>
+          <a:fontRef idx="minor">
+            <a:schemeClr val="tx1"/>
+          </a:fontRef>
+        </p:style>
+      </p:cxnSp>
+      <p:sp>
+        <p:nvSpPr>
+          <p:cNvPr id="50" name="右大括号 49">
+            <a:extLst>
+              <a:ext uri="{FF2B5EF4-FFF2-40B4-BE49-F238E27FC236}">
+                <a16:creationId xmlns:a16="http://schemas.microsoft.com/office/drawing/2014/main" id="{7B291DBF-CC83-44A9-A99E-20C2EE40E42A}"/>
+              </a:ext>
+            </a:extLst>
+          </p:cNvPr>
+          <p:cNvSpPr/>
+          <p:nvPr/>
+        </p:nvSpPr>
+        <p:spPr>
+          <a:xfrm>
+            <a:off x="5595743" y="1402569"/>
+            <a:ext cx="132079" cy="933873"/>
+          </a:xfrm>
+          <a:prstGeom prst="rightBrace">
+            <a:avLst/>
+          </a:prstGeom>
+        </p:spPr>
+        <p:style>
+          <a:lnRef idx="1">
+            <a:schemeClr val="accent1"/>
+          </a:lnRef>
+          <a:fillRef idx="0">
+            <a:schemeClr val="accent1"/>
+          </a:fillRef>
+          <a:effectRef idx="0">
+            <a:schemeClr val="accent1"/>
+          </a:effectRef>
+          <a:fontRef idx="minor">
+            <a:schemeClr val="tx1"/>
+          </a:fontRef>
+        </p:style>
+        <p:txBody>
+          <a:bodyPr rtlCol="0" anchor="ctr"/>
+          <a:lstStyle/>
+          <a:p>
+            <a:pPr algn="ctr"/>
+            <a:endParaRPr lang="zh-CN" altLang="en-US"/>
+          </a:p>
+        </p:txBody>
+      </p:sp>
+      <p:cxnSp>
+        <p:nvCxnSpPr>
+          <p:cNvPr id="60" name="直接箭头连接符 59">
+            <a:extLst>
+              <a:ext uri="{FF2B5EF4-FFF2-40B4-BE49-F238E27FC236}">
+                <a16:creationId xmlns:a16="http://schemas.microsoft.com/office/drawing/2014/main" id="{D8769F2E-04FB-4911-84FE-8C2617E11499}"/>
+              </a:ext>
+            </a:extLst>
+          </p:cNvPr>
+          <p:cNvCxnSpPr>
+            <a:cxnSpLocks/>
+          </p:cNvCxnSpPr>
+          <p:nvPr/>
+        </p:nvCxnSpPr>
+        <p:spPr>
+          <a:xfrm>
+            <a:off x="5261403" y="1508020"/>
+            <a:ext cx="400379" cy="0"/>
+          </a:xfrm>
+          <a:prstGeom prst="straightConnector1">
+            <a:avLst/>
+          </a:prstGeom>
+          <a:ln>
+            <a:tailEnd type="triangle"/>
+          </a:ln>
+        </p:spPr>
+        <p:style>
+          <a:lnRef idx="1">
+            <a:schemeClr val="accent1"/>
+          </a:lnRef>
+          <a:fillRef idx="0">
+            <a:schemeClr val="accent1"/>
+          </a:fillRef>
+          <a:effectRef idx="0">
+            <a:schemeClr val="accent1"/>
+          </a:effectRef>
+          <a:fontRef idx="minor">
+            <a:schemeClr val="tx1"/>
+          </a:fontRef>
+        </p:style>
+      </p:cxnSp>
+      <p:cxnSp>
+        <p:nvCxnSpPr>
+          <p:cNvPr id="62" name="直接箭头连接符 61">
+            <a:extLst>
+              <a:ext uri="{FF2B5EF4-FFF2-40B4-BE49-F238E27FC236}">
+                <a16:creationId xmlns:a16="http://schemas.microsoft.com/office/drawing/2014/main" id="{3D0F7EC6-68E9-4C2B-BA95-56F596D2F71D}"/>
+              </a:ext>
+            </a:extLst>
+          </p:cNvPr>
+          <p:cNvCxnSpPr>
+            <a:cxnSpLocks/>
+          </p:cNvCxnSpPr>
+          <p:nvPr/>
+        </p:nvCxnSpPr>
+        <p:spPr>
+          <a:xfrm>
+            <a:off x="5268446" y="1686215"/>
+            <a:ext cx="400379" cy="0"/>
+          </a:xfrm>
+          <a:prstGeom prst="straightConnector1">
+            <a:avLst/>
+          </a:prstGeom>
+          <a:ln>
+            <a:tailEnd type="triangle"/>
+          </a:ln>
+        </p:spPr>
+        <p:style>
+          <a:lnRef idx="1">
+            <a:schemeClr val="accent1"/>
+          </a:lnRef>
+          <a:fillRef idx="0">
+            <a:schemeClr val="accent1"/>
+          </a:fillRef>
+          <a:effectRef idx="0">
+            <a:schemeClr val="accent1"/>
+          </a:effectRef>
+          <a:fontRef idx="minor">
+            <a:schemeClr val="tx1"/>
+          </a:fontRef>
+        </p:style>
+      </p:cxnSp>
+      <p:cxnSp>
+        <p:nvCxnSpPr>
+          <p:cNvPr id="63" name="直接箭头连接符 62">
+            <a:extLst>
+              <a:ext uri="{FF2B5EF4-FFF2-40B4-BE49-F238E27FC236}">
+                <a16:creationId xmlns:a16="http://schemas.microsoft.com/office/drawing/2014/main" id="{48D6FF54-B408-4706-95BC-43D92CCE8C6D}"/>
+              </a:ext>
+            </a:extLst>
+          </p:cNvPr>
+          <p:cNvCxnSpPr>
+            <a:cxnSpLocks/>
+          </p:cNvCxnSpPr>
+          <p:nvPr/>
+        </p:nvCxnSpPr>
+        <p:spPr>
+          <a:xfrm>
+            <a:off x="5267754" y="2046500"/>
+            <a:ext cx="400379" cy="0"/>
+          </a:xfrm>
+          <a:prstGeom prst="straightConnector1">
+            <a:avLst/>
+          </a:prstGeom>
+          <a:ln>
+            <a:tailEnd type="triangle"/>
+          </a:ln>
+        </p:spPr>
+        <p:style>
+          <a:lnRef idx="1">
+            <a:schemeClr val="accent1"/>
+          </a:lnRef>
+          <a:fillRef idx="0">
+            <a:schemeClr val="accent1"/>
+          </a:fillRef>
+          <a:effectRef idx="0">
+            <a:schemeClr val="accent1"/>
+          </a:effectRef>
+          <a:fontRef idx="minor">
+            <a:schemeClr val="tx1"/>
+          </a:fontRef>
+        </p:style>
+      </p:cxnSp>
+      <p:cxnSp>
+        <p:nvCxnSpPr>
+          <p:cNvPr id="64" name="直接箭头连接符 63">
+            <a:extLst>
+              <a:ext uri="{FF2B5EF4-FFF2-40B4-BE49-F238E27FC236}">
+                <a16:creationId xmlns:a16="http://schemas.microsoft.com/office/drawing/2014/main" id="{6B442110-2982-40B0-BFC0-A5F4617EF845}"/>
+              </a:ext>
+            </a:extLst>
+          </p:cNvPr>
+          <p:cNvCxnSpPr>
+            <a:cxnSpLocks/>
+          </p:cNvCxnSpPr>
+          <p:nvPr/>
+        </p:nvCxnSpPr>
+        <p:spPr>
+          <a:xfrm>
+            <a:off x="5274797" y="2224695"/>
+            <a:ext cx="400379" cy="0"/>
+          </a:xfrm>
+          <a:prstGeom prst="straightConnector1">
+            <a:avLst/>
+          </a:prstGeom>
+          <a:ln>
+            <a:tailEnd type="triangle"/>
+          </a:ln>
+        </p:spPr>
+        <p:style>
+          <a:lnRef idx="1">
+            <a:schemeClr val="accent1"/>
+          </a:lnRef>
+          <a:fillRef idx="0">
+            <a:schemeClr val="accent1"/>
+          </a:fillRef>
+          <a:effectRef idx="0">
+            <a:schemeClr val="accent1"/>
+          </a:effectRef>
+          <a:fontRef idx="minor">
+            <a:schemeClr val="tx1"/>
+          </a:fontRef>
+        </p:style>
+      </p:cxnSp>
+      <p:sp>
+        <p:nvSpPr>
+          <p:cNvPr id="65" name="矩形 64">
+            <a:extLst>
+              <a:ext uri="{FF2B5EF4-FFF2-40B4-BE49-F238E27FC236}">
+                <a16:creationId xmlns:a16="http://schemas.microsoft.com/office/drawing/2014/main" id="{A9FD2A29-E605-43BB-A8BC-A14482C0B880}"/>
+              </a:ext>
+            </a:extLst>
+          </p:cNvPr>
+          <p:cNvSpPr/>
+          <p:nvPr/>
+        </p:nvSpPr>
+        <p:spPr>
+          <a:xfrm>
+            <a:off x="6808229" y="1676794"/>
+            <a:ext cx="797169" cy="398585"/>
+          </a:xfrm>
+          <a:prstGeom prst="rect">
+            <a:avLst/>
+          </a:prstGeom>
+          <a:solidFill>
+            <a:schemeClr val="bg1"/>
+          </a:solidFill>
+        </p:spPr>
+        <p:style>
+          <a:lnRef idx="2">
+            <a:schemeClr val="accent1">
+              <a:shade val="50000"/>
+            </a:schemeClr>
+          </a:lnRef>
+          <a:fillRef idx="1">
+            <a:schemeClr val="accent1"/>
+          </a:fillRef>
+          <a:effectRef idx="0">
+            <a:schemeClr val="accent1"/>
+          </a:effectRef>
+          <a:fontRef idx="minor">
+            <a:schemeClr val="lt1"/>
+          </a:fontRef>
+        </p:style>
+        <p:txBody>
+          <a:bodyPr rtlCol="0" anchor="ctr"/>
+          <a:lstStyle/>
+          <a:p>
+            <a:pPr algn="ctr"/>
+            <a:r>
+              <a:rPr lang="en-US" altLang="zh-CN" sz="800" dirty="0">
+                <a:solidFill>
+                  <a:schemeClr val="tx1"/>
+                </a:solidFill>
+                <a:latin typeface="宋体" panose="02010600030101010101" pitchFamily="2" charset="-122"/>
+                <a:ea typeface="宋体" panose="02010600030101010101" pitchFamily="2" charset="-122"/>
+              </a:rPr>
+              <a:t>PX4</a:t>
+            </a:r>
+            <a:r>
+              <a:rPr lang="zh-CN" altLang="en-US" sz="800" dirty="0">
+                <a:solidFill>
+                  <a:schemeClr val="tx1"/>
+                </a:solidFill>
+                <a:latin typeface="宋体" panose="02010600030101010101" pitchFamily="2" charset="-122"/>
+                <a:ea typeface="宋体" panose="02010600030101010101" pitchFamily="2" charset="-122"/>
+              </a:rPr>
+              <a:t>内环</a:t>
+            </a:r>
+          </a:p>
+        </p:txBody>
+      </p:sp>
+      <p:cxnSp>
+        <p:nvCxnSpPr>
+          <p:cNvPr id="66" name="直接箭头连接符 65">
+            <a:extLst>
+              <a:ext uri="{FF2B5EF4-FFF2-40B4-BE49-F238E27FC236}">
+                <a16:creationId xmlns:a16="http://schemas.microsoft.com/office/drawing/2014/main" id="{78DDA88A-3224-4600-A1BC-0BFFE0D42FF0}"/>
+              </a:ext>
+            </a:extLst>
+          </p:cNvPr>
+          <p:cNvCxnSpPr>
+            <a:cxnSpLocks/>
+            <a:stCxn id="50" idx="1"/>
+            <a:endCxn id="65" idx="1"/>
+          </p:cNvCxnSpPr>
+          <p:nvPr/>
+        </p:nvCxnSpPr>
+        <p:spPr>
+          <a:xfrm>
+            <a:off x="5727822" y="1869506"/>
+            <a:ext cx="1080407" cy="6581"/>
+          </a:xfrm>
+          <a:prstGeom prst="straightConnector1">
+            <a:avLst/>
+          </a:prstGeom>
+          <a:ln>
+            <a:tailEnd type="triangle"/>
+          </a:ln>
+        </p:spPr>
+        <p:style>
+          <a:lnRef idx="1">
+            <a:schemeClr val="accent1"/>
+          </a:lnRef>
+          <a:fillRef idx="0">
+            <a:schemeClr val="accent1"/>
+          </a:fillRef>
+          <a:effectRef idx="0">
+            <a:schemeClr val="accent1"/>
+          </a:effectRef>
+          <a:fontRef idx="minor">
+            <a:schemeClr val="tx1"/>
+          </a:fontRef>
+        </p:style>
+      </p:cxnSp>
+      <p:sp>
+        <p:nvSpPr>
+          <p:cNvPr id="70" name="矩形 69">
+            <a:extLst>
+              <a:ext uri="{FF2B5EF4-FFF2-40B4-BE49-F238E27FC236}">
+                <a16:creationId xmlns:a16="http://schemas.microsoft.com/office/drawing/2014/main" id="{9A22F39B-D009-444E-A10F-D783B5F9ED3B}"/>
+              </a:ext>
+            </a:extLst>
+          </p:cNvPr>
+          <p:cNvSpPr/>
+          <p:nvPr/>
+        </p:nvSpPr>
+        <p:spPr>
+          <a:xfrm>
+            <a:off x="401320" y="1117601"/>
+            <a:ext cx="5351933" cy="1336958"/>
+          </a:xfrm>
+          <a:prstGeom prst="rect">
+            <a:avLst/>
+          </a:prstGeom>
+          <a:noFill/>
+          <a:ln>
+            <a:prstDash val="sysDash"/>
+          </a:ln>
+        </p:spPr>
+        <p:style>
+          <a:lnRef idx="2">
+            <a:schemeClr val="accent1">
+              <a:shade val="50000"/>
+            </a:schemeClr>
+          </a:lnRef>
+          <a:fillRef idx="1">
+            <a:schemeClr val="accent1"/>
+          </a:fillRef>
+          <a:effectRef idx="0">
+            <a:schemeClr val="accent1"/>
+          </a:effectRef>
+          <a:fontRef idx="minor">
+            <a:schemeClr val="lt1"/>
+          </a:fontRef>
+        </p:style>
+        <p:txBody>
+          <a:bodyPr rtlCol="0" anchor="ctr"/>
+          <a:lstStyle/>
+          <a:p>
+            <a:pPr algn="ctr"/>
+            <a:endParaRPr lang="zh-CN" altLang="en-US"/>
+          </a:p>
+        </p:txBody>
+      </p:sp>
+      <p:sp>
+        <p:nvSpPr>
+          <p:cNvPr id="72" name="文本框 71">
+            <a:extLst>
+              <a:ext uri="{FF2B5EF4-FFF2-40B4-BE49-F238E27FC236}">
+                <a16:creationId xmlns:a16="http://schemas.microsoft.com/office/drawing/2014/main" id="{2190B0FA-90ED-48B8-833C-5E8F76932665}"/>
+              </a:ext>
+            </a:extLst>
+          </p:cNvPr>
+          <p:cNvSpPr txBox="1"/>
+          <p:nvPr/>
+        </p:nvSpPr>
+        <p:spPr>
+          <a:xfrm>
+            <a:off x="522433" y="1342049"/>
+            <a:ext cx="346249" cy="918210"/>
+          </a:xfrm>
+          <a:prstGeom prst="rect">
+            <a:avLst/>
+          </a:prstGeom>
+        </p:spPr>
+        <p:style>
+          <a:lnRef idx="2">
+            <a:schemeClr val="accent2"/>
+          </a:lnRef>
+          <a:fillRef idx="1">
+            <a:schemeClr val="lt1"/>
+          </a:fillRef>
+          <a:effectRef idx="0">
+            <a:schemeClr val="accent2"/>
+          </a:effectRef>
+          <a:fontRef idx="minor">
+            <a:schemeClr val="dk1"/>
+          </a:fontRef>
+        </p:style>
+        <p:txBody>
+          <a:bodyPr vert="eaVert" wrap="square" rtlCol="0">
+            <a:spAutoFit/>
+          </a:bodyPr>
+          <a:lstStyle/>
+          <a:p>
+            <a:r>
+              <a:rPr lang="zh-CN" altLang="en-US" sz="1050" dirty="0"/>
+              <a:t>无人机动力学</a:t>
+            </a:r>
+          </a:p>
+        </p:txBody>
+      </p:sp>
+    </p:spTree>
+    <p:extLst>
+      <p:ext uri="{BB962C8B-B14F-4D97-AF65-F5344CB8AC3E}">
+        <p14:creationId xmlns:p14="http://schemas.microsoft.com/office/powerpoint/2010/main" val="3759634295"/>
       </p:ext>
     </p:extLst>
   </p:cSld>
